--- a/baoCao/bao_cao.pptx
+++ b/baoCao/bao_cao.pptx
@@ -5,16 +5,27 @@
     <p:sldMasterId id="2147483892" r:id="rId1"/>
   </p:sldMasterIdLst>
   <p:notesMasterIdLst>
-    <p:notesMasterId r:id="rId6"/>
+    <p:notesMasterId r:id="rId17"/>
   </p:notesMasterIdLst>
   <p:handoutMasterIdLst>
-    <p:handoutMasterId r:id="rId7"/>
+    <p:handoutMasterId r:id="rId18"/>
   </p:handoutMasterIdLst>
   <p:sldIdLst>
     <p:sldId id="1481" r:id="rId2"/>
     <p:sldId id="1486" r:id="rId3"/>
-    <p:sldId id="1484" r:id="rId4"/>
-    <p:sldId id="1487" r:id="rId5"/>
+    <p:sldId id="1494" r:id="rId4"/>
+    <p:sldId id="1484" r:id="rId5"/>
+    <p:sldId id="1496" r:id="rId6"/>
+    <p:sldId id="1497" r:id="rId7"/>
+    <p:sldId id="1498" r:id="rId8"/>
+    <p:sldId id="1488" r:id="rId9"/>
+    <p:sldId id="1489" r:id="rId10"/>
+    <p:sldId id="1490" r:id="rId11"/>
+    <p:sldId id="1493" r:id="rId12"/>
+    <p:sldId id="1491" r:id="rId13"/>
+    <p:sldId id="1499" r:id="rId14"/>
+    <p:sldId id="1495" r:id="rId15"/>
+    <p:sldId id="1487" r:id="rId16"/>
   </p:sldIdLst>
   <p:sldSz cx="18288000" cy="13716000"/>
   <p:notesSz cx="6858000" cy="9144000"/>
@@ -120,7 +131,37 @@
           <p14:sldIdLst>
             <p14:sldId id="1481"/>
             <p14:sldId id="1486"/>
+          </p14:sldIdLst>
+        </p14:section>
+        <p14:section name="Giới thiệu" id="{943C647F-06D4-4337-BF49-D4A60E40785F}">
+          <p14:sldIdLst>
+            <p14:sldId id="1494"/>
             <p14:sldId id="1484"/>
+            <p14:sldId id="1496"/>
+            <p14:sldId id="1497"/>
+            <p14:sldId id="1498"/>
+          </p14:sldIdLst>
+        </p14:section>
+        <p14:section name="Nội dung" id="{891E852F-E744-46D2-9A44-79705C958D0D}">
+          <p14:sldIdLst/>
+        </p14:section>
+        <p14:section name="Kết luận" id="{8F4F56F7-C37B-416D-A728-46CB8F0573EF}">
+          <p14:sldIdLst>
+            <p14:sldId id="1488"/>
+            <p14:sldId id="1489"/>
+            <p14:sldId id="1490"/>
+            <p14:sldId id="1493"/>
+            <p14:sldId id="1491"/>
+          </p14:sldIdLst>
+        </p14:section>
+        <p14:section name="Demo" id="{DECDD31A-14F2-46AB-A9B8-2C8D8D140E3B}">
+          <p14:sldIdLst>
+            <p14:sldId id="1499"/>
+            <p14:sldId id="1495"/>
+          </p14:sldIdLst>
+        </p14:section>
+        <p14:section name="End" id="{C5890E97-4508-428B-AE0D-7F1BCB7ACCD4}">
+          <p14:sldIdLst>
             <p14:sldId id="1487"/>
           </p14:sldIdLst>
         </p14:section>
@@ -803,6 +844,1018 @@
     <p:extLst>
       <p:ext uri="{BB962C8B-B14F-4D97-AF65-F5344CB8AC3E}">
         <p14:creationId xmlns:p14="http://schemas.microsoft.com/office/powerpoint/2010/main" val="2939657095"/>
+      </p:ext>
+    </p:extLst>
+  </p:cSld>
+  <p:clrMapOvr>
+    <a:masterClrMapping/>
+  </p:clrMapOvr>
+</p:notes>
+</file>
+
+<file path=ppt/notesSlides/notesSlide2.xml><?xml version="1.0" encoding="utf-8"?>
+<p:notes xmlns:a="http://schemas.openxmlformats.org/drawingml/2006/main" xmlns:r="http://schemas.openxmlformats.org/officeDocument/2006/relationships" xmlns:p="http://schemas.openxmlformats.org/presentationml/2006/main">
+  <p:cSld>
+    <p:spTree>
+      <p:nvGrpSpPr>
+        <p:cNvPr id="1" name=""/>
+        <p:cNvGrpSpPr/>
+        <p:nvPr/>
+      </p:nvGrpSpPr>
+      <p:grpSpPr>
+        <a:xfrm>
+          <a:off x="0" y="0"/>
+          <a:ext cx="0" cy="0"/>
+          <a:chOff x="0" y="0"/>
+          <a:chExt cx="0" cy="0"/>
+        </a:xfrm>
+      </p:grpSpPr>
+      <p:sp>
+        <p:nvSpPr>
+          <p:cNvPr id="2" name="Slide Image Placeholder 1"/>
+          <p:cNvSpPr>
+            <a:spLocks noGrp="1" noRot="1" noChangeAspect="1"/>
+          </p:cNvSpPr>
+          <p:nvPr>
+            <p:ph type="sldImg"/>
+          </p:nvPr>
+        </p:nvSpPr>
+        <p:spPr/>
+      </p:sp>
+      <p:sp>
+        <p:nvSpPr>
+          <p:cNvPr id="3" name="Notes Placeholder 2"/>
+          <p:cNvSpPr>
+            <a:spLocks noGrp="1"/>
+          </p:cNvSpPr>
+          <p:nvPr>
+            <p:ph type="body" idx="1"/>
+          </p:nvPr>
+        </p:nvSpPr>
+        <p:spPr/>
+        <p:txBody>
+          <a:bodyPr/>
+          <a:lstStyle/>
+          <a:p>
+            <a:r>
+              <a:rPr lang="en-US"/>
+              <a:t>Về lí thuyết</a:t>
+            </a:r>
+          </a:p>
+        </p:txBody>
+      </p:sp>
+      <p:sp>
+        <p:nvSpPr>
+          <p:cNvPr id="4" name="Footer Placeholder 3"/>
+          <p:cNvSpPr>
+            <a:spLocks noGrp="1"/>
+          </p:cNvSpPr>
+          <p:nvPr>
+            <p:ph type="ftr" sz="quarter" idx="4"/>
+          </p:nvPr>
+        </p:nvSpPr>
+        <p:spPr/>
+        <p:txBody>
+          <a:bodyPr/>
+          <a:lstStyle/>
+          <a:p>
+            <a:endParaRPr lang="en-US"/>
+          </a:p>
+        </p:txBody>
+      </p:sp>
+      <p:sp>
+        <p:nvSpPr>
+          <p:cNvPr id="5" name="Slide Number Placeholder 4"/>
+          <p:cNvSpPr>
+            <a:spLocks noGrp="1"/>
+          </p:cNvSpPr>
+          <p:nvPr>
+            <p:ph type="sldNum" sz="quarter" idx="5"/>
+          </p:nvPr>
+        </p:nvSpPr>
+        <p:spPr/>
+        <p:txBody>
+          <a:bodyPr/>
+          <a:lstStyle/>
+          <a:p>
+            <a:fld id="{006BE02D-20C0-F840-AFAC-BEA99C74FDC2}" type="slidenum">
+              <a:rPr lang="en-US" smtClean="0"/>
+              <a:pPr/>
+              <a:t>5</a:t>
+            </a:fld>
+            <a:endParaRPr lang="en-US"/>
+          </a:p>
+        </p:txBody>
+      </p:sp>
+    </p:spTree>
+    <p:extLst>
+      <p:ext uri="{BB962C8B-B14F-4D97-AF65-F5344CB8AC3E}">
+        <p14:creationId xmlns:p14="http://schemas.microsoft.com/office/powerpoint/2010/main" val="3701486"/>
+      </p:ext>
+    </p:extLst>
+  </p:cSld>
+  <p:clrMapOvr>
+    <a:masterClrMapping/>
+  </p:clrMapOvr>
+</p:notes>
+</file>
+
+<file path=ppt/notesSlides/notesSlide3.xml><?xml version="1.0" encoding="utf-8"?>
+<p:notes xmlns:a="http://schemas.openxmlformats.org/drawingml/2006/main" xmlns:r="http://schemas.openxmlformats.org/officeDocument/2006/relationships" xmlns:p="http://schemas.openxmlformats.org/presentationml/2006/main">
+  <p:cSld>
+    <p:spTree>
+      <p:nvGrpSpPr>
+        <p:cNvPr id="1" name=""/>
+        <p:cNvGrpSpPr/>
+        <p:nvPr/>
+      </p:nvGrpSpPr>
+      <p:grpSpPr>
+        <a:xfrm>
+          <a:off x="0" y="0"/>
+          <a:ext cx="0" cy="0"/>
+          <a:chOff x="0" y="0"/>
+          <a:chExt cx="0" cy="0"/>
+        </a:xfrm>
+      </p:grpSpPr>
+      <p:sp>
+        <p:nvSpPr>
+          <p:cNvPr id="2" name="Slide Image Placeholder 1"/>
+          <p:cNvSpPr>
+            <a:spLocks noGrp="1" noRot="1" noChangeAspect="1"/>
+          </p:cNvSpPr>
+          <p:nvPr>
+            <p:ph type="sldImg"/>
+          </p:nvPr>
+        </p:nvSpPr>
+        <p:spPr/>
+      </p:sp>
+      <p:sp>
+        <p:nvSpPr>
+          <p:cNvPr id="3" name="Notes Placeholder 2"/>
+          <p:cNvSpPr>
+            <a:spLocks noGrp="1"/>
+          </p:cNvSpPr>
+          <p:nvPr>
+            <p:ph type="body" idx="1"/>
+          </p:nvPr>
+        </p:nvSpPr>
+        <p:spPr/>
+        <p:txBody>
+          <a:bodyPr/>
+          <a:lstStyle/>
+          <a:p>
+            <a:pPr marL="1416050" lvl="3" indent="-979488" algn="just">
+              <a:spcBef>
+                <a:spcPts val="1200"/>
+              </a:spcBef>
+              <a:spcAft>
+                <a:spcPts val="1200"/>
+              </a:spcAft>
+              <a:buFont typeface="Courier New" panose="02070309020205020404" pitchFamily="49" charset="0"/>
+              <a:buChar char="o"/>
+            </a:pPr>
+            <a:r>
+              <a:rPr lang="vi-VN" sz="4800">
+                <a:latin typeface="Calibri" panose="020F0502020204030204" pitchFamily="34" charset="0"/>
+                <a:cs typeface="Calibri" panose="020F0502020204030204" pitchFamily="34" charset="0"/>
+              </a:rPr>
+              <a:t>Ứng dụng Android hỗ trợ khách hàng chọn dịch vụ mình cần thiết và tìm kiếm những chi nhánh của hàng có hỗ trợ đầy đủ dịch vụ khách hàng đã chọn lựa. </a:t>
+            </a:r>
+            <a:endParaRPr lang="en-US" sz="4800">
+              <a:latin typeface="Calibri" panose="020F0502020204030204" pitchFamily="34" charset="0"/>
+              <a:cs typeface="Calibri" panose="020F0502020204030204" pitchFamily="34" charset="0"/>
+            </a:endParaRPr>
+          </a:p>
+          <a:p>
+            <a:pPr marL="1416050" lvl="3" indent="-979488" algn="just">
+              <a:spcBef>
+                <a:spcPts val="1200"/>
+              </a:spcBef>
+              <a:spcAft>
+                <a:spcPts val="1200"/>
+              </a:spcAft>
+              <a:buFont typeface="Courier New" panose="02070309020205020404" pitchFamily="49" charset="0"/>
+              <a:buChar char="o"/>
+            </a:pPr>
+            <a:r>
+              <a:rPr lang="vi-VN" sz="4800">
+                <a:latin typeface="Calibri" panose="020F0502020204030204" pitchFamily="34" charset="0"/>
+                <a:cs typeface="Calibri" panose="020F0502020204030204" pitchFamily="34" charset="0"/>
+              </a:rPr>
+              <a:t>Ứng dụng web quản lí cửa hàng có thể quản lí các đơn hàng, biên nhận bằng cách kiểm soát trạng thái của chúng. Hỗ trợ đưa ra gợi ý sắp lịch xử lí đơn hàng cho cửa hàng và phân loại tự động giúp tiết kiệm thời gian có thể.</a:t>
+            </a:r>
+          </a:p>
+          <a:p>
+            <a:pPr marL="1416050" lvl="3" indent="-979488" algn="just">
+              <a:spcBef>
+                <a:spcPts val="1200"/>
+              </a:spcBef>
+              <a:spcAft>
+                <a:spcPts val="1200"/>
+              </a:spcAft>
+              <a:buFont typeface="Courier New" panose="02070309020205020404" pitchFamily="49" charset="0"/>
+              <a:buChar char="o"/>
+            </a:pPr>
+            <a:r>
+              <a:rPr lang="vi-VN" sz="4800">
+                <a:latin typeface="Calibri" panose="020F0502020204030204" pitchFamily="34" charset="0"/>
+                <a:cs typeface="Calibri" panose="020F0502020204030204" pitchFamily="34" charset="0"/>
+              </a:rPr>
+              <a:t>Đề tài hiện tại không hỗ trợ xây dựng trang quản lí các thông tin dữ liệu đầu vào để tạo đơn hàng cũng như quản lí. Mọi dữ liệu được chạy từ tập tin dữ liệu có sẵn.</a:t>
+            </a:r>
+          </a:p>
+        </p:txBody>
+      </p:sp>
+      <p:sp>
+        <p:nvSpPr>
+          <p:cNvPr id="4" name="Footer Placeholder 3"/>
+          <p:cNvSpPr>
+            <a:spLocks noGrp="1"/>
+          </p:cNvSpPr>
+          <p:nvPr>
+            <p:ph type="ftr" sz="quarter" idx="4"/>
+          </p:nvPr>
+        </p:nvSpPr>
+        <p:spPr/>
+        <p:txBody>
+          <a:bodyPr/>
+          <a:lstStyle/>
+          <a:p>
+            <a:endParaRPr lang="en-US"/>
+          </a:p>
+        </p:txBody>
+      </p:sp>
+      <p:sp>
+        <p:nvSpPr>
+          <p:cNvPr id="5" name="Slide Number Placeholder 4"/>
+          <p:cNvSpPr>
+            <a:spLocks noGrp="1"/>
+          </p:cNvSpPr>
+          <p:nvPr>
+            <p:ph type="sldNum" sz="quarter" idx="5"/>
+          </p:nvPr>
+        </p:nvSpPr>
+        <p:spPr/>
+        <p:txBody>
+          <a:bodyPr/>
+          <a:lstStyle/>
+          <a:p>
+            <a:fld id="{006BE02D-20C0-F840-AFAC-BEA99C74FDC2}" type="slidenum">
+              <a:rPr lang="en-US" smtClean="0"/>
+              <a:pPr/>
+              <a:t>6</a:t>
+            </a:fld>
+            <a:endParaRPr lang="en-US"/>
+          </a:p>
+        </p:txBody>
+      </p:sp>
+    </p:spTree>
+    <p:extLst>
+      <p:ext uri="{BB962C8B-B14F-4D97-AF65-F5344CB8AC3E}">
+        <p14:creationId xmlns:p14="http://schemas.microsoft.com/office/powerpoint/2010/main" val="1021283871"/>
+      </p:ext>
+    </p:extLst>
+  </p:cSld>
+  <p:clrMapOvr>
+    <a:masterClrMapping/>
+  </p:clrMapOvr>
+</p:notes>
+</file>
+
+<file path=ppt/notesSlides/notesSlide4.xml><?xml version="1.0" encoding="utf-8"?>
+<p:notes xmlns:a="http://schemas.openxmlformats.org/drawingml/2006/main" xmlns:r="http://schemas.openxmlformats.org/officeDocument/2006/relationships" xmlns:p="http://schemas.openxmlformats.org/presentationml/2006/main">
+  <p:cSld>
+    <p:spTree>
+      <p:nvGrpSpPr>
+        <p:cNvPr id="1" name=""/>
+        <p:cNvGrpSpPr/>
+        <p:nvPr/>
+      </p:nvGrpSpPr>
+      <p:grpSpPr>
+        <a:xfrm>
+          <a:off x="0" y="0"/>
+          <a:ext cx="0" cy="0"/>
+          <a:chOff x="0" y="0"/>
+          <a:chExt cx="0" cy="0"/>
+        </a:xfrm>
+      </p:grpSpPr>
+      <p:sp>
+        <p:nvSpPr>
+          <p:cNvPr id="2" name="Slide Image Placeholder 1"/>
+          <p:cNvSpPr>
+            <a:spLocks noGrp="1" noRot="1" noChangeAspect="1"/>
+          </p:cNvSpPr>
+          <p:nvPr>
+            <p:ph type="sldImg"/>
+          </p:nvPr>
+        </p:nvSpPr>
+        <p:spPr/>
+      </p:sp>
+      <p:sp>
+        <p:nvSpPr>
+          <p:cNvPr id="3" name="Notes Placeholder 2"/>
+          <p:cNvSpPr>
+            <a:spLocks noGrp="1"/>
+          </p:cNvSpPr>
+          <p:nvPr>
+            <p:ph type="body" idx="1"/>
+          </p:nvPr>
+        </p:nvSpPr>
+        <p:spPr/>
+        <p:txBody>
+          <a:bodyPr/>
+          <a:lstStyle/>
+          <a:p>
+            <a:pPr marL="1416050" lvl="3" indent="-979488" algn="just">
+              <a:spcBef>
+                <a:spcPts val="1200"/>
+              </a:spcBef>
+              <a:spcAft>
+                <a:spcPts val="1200"/>
+              </a:spcAft>
+              <a:buFont typeface="Courier New" panose="02070309020205020404" pitchFamily="49" charset="0"/>
+              <a:buChar char="o"/>
+            </a:pPr>
+            <a:r>
+              <a:rPr lang="vi-VN" sz="4800">
+                <a:latin typeface="Calibri" panose="020F0502020204030204" pitchFamily="34" charset="0"/>
+                <a:cs typeface="Calibri" panose="020F0502020204030204" pitchFamily="34" charset="0"/>
+              </a:rPr>
+              <a:t>Ứng dụng Android hỗ trợ khách hàng chọn dịch vụ mình cần thiết và tìm kiếm những chi nhánh của hàng có hỗ trợ đầy đủ dịch vụ khách hàng đã chọn lựa. </a:t>
+            </a:r>
+            <a:endParaRPr lang="en-US" sz="4800">
+              <a:latin typeface="Calibri" panose="020F0502020204030204" pitchFamily="34" charset="0"/>
+              <a:cs typeface="Calibri" panose="020F0502020204030204" pitchFamily="34" charset="0"/>
+            </a:endParaRPr>
+          </a:p>
+          <a:p>
+            <a:pPr marL="1416050" lvl="3" indent="-979488" algn="just">
+              <a:spcBef>
+                <a:spcPts val="1200"/>
+              </a:spcBef>
+              <a:spcAft>
+                <a:spcPts val="1200"/>
+              </a:spcAft>
+              <a:buFont typeface="Courier New" panose="02070309020205020404" pitchFamily="49" charset="0"/>
+              <a:buChar char="o"/>
+            </a:pPr>
+            <a:r>
+              <a:rPr lang="vi-VN" sz="4800">
+                <a:latin typeface="Calibri" panose="020F0502020204030204" pitchFamily="34" charset="0"/>
+                <a:cs typeface="Calibri" panose="020F0502020204030204" pitchFamily="34" charset="0"/>
+              </a:rPr>
+              <a:t>Ứng dụng web quản lí cửa hàng có thể quản lí các đơn hàng, biên nhận bằng cách kiểm soát trạng thái của chúng. Hỗ trợ đưa ra gợi ý sắp lịch xử lí đơn hàng cho cửa hàng và phân loại tự động giúp tiết kiệm thời gian có thể.</a:t>
+            </a:r>
+          </a:p>
+          <a:p>
+            <a:pPr marL="1416050" lvl="3" indent="-979488" algn="just">
+              <a:spcBef>
+                <a:spcPts val="1200"/>
+              </a:spcBef>
+              <a:spcAft>
+                <a:spcPts val="1200"/>
+              </a:spcAft>
+              <a:buFont typeface="Courier New" panose="02070309020205020404" pitchFamily="49" charset="0"/>
+              <a:buChar char="o"/>
+            </a:pPr>
+            <a:r>
+              <a:rPr lang="vi-VN" sz="4800">
+                <a:latin typeface="Calibri" panose="020F0502020204030204" pitchFamily="34" charset="0"/>
+                <a:cs typeface="Calibri" panose="020F0502020204030204" pitchFamily="34" charset="0"/>
+              </a:rPr>
+              <a:t>Đề tài hiện tại không hỗ trợ xây dựng trang quản lí các thông tin dữ liệu đầu vào để tạo đơn hàng cũng như quản lí. Mọi dữ liệu được chạy từ tập tin dữ liệu có sẵn.</a:t>
+            </a:r>
+          </a:p>
+        </p:txBody>
+      </p:sp>
+      <p:sp>
+        <p:nvSpPr>
+          <p:cNvPr id="4" name="Footer Placeholder 3"/>
+          <p:cNvSpPr>
+            <a:spLocks noGrp="1"/>
+          </p:cNvSpPr>
+          <p:nvPr>
+            <p:ph type="ftr" sz="quarter" idx="4"/>
+          </p:nvPr>
+        </p:nvSpPr>
+        <p:spPr/>
+        <p:txBody>
+          <a:bodyPr/>
+          <a:lstStyle/>
+          <a:p>
+            <a:endParaRPr lang="en-US"/>
+          </a:p>
+        </p:txBody>
+      </p:sp>
+      <p:sp>
+        <p:nvSpPr>
+          <p:cNvPr id="5" name="Slide Number Placeholder 4"/>
+          <p:cNvSpPr>
+            <a:spLocks noGrp="1"/>
+          </p:cNvSpPr>
+          <p:nvPr>
+            <p:ph type="sldNum" sz="quarter" idx="5"/>
+          </p:nvPr>
+        </p:nvSpPr>
+        <p:spPr/>
+        <p:txBody>
+          <a:bodyPr/>
+          <a:lstStyle/>
+          <a:p>
+            <a:fld id="{006BE02D-20C0-F840-AFAC-BEA99C74FDC2}" type="slidenum">
+              <a:rPr lang="en-US" smtClean="0"/>
+              <a:pPr/>
+              <a:t>7</a:t>
+            </a:fld>
+            <a:endParaRPr lang="en-US"/>
+          </a:p>
+        </p:txBody>
+      </p:sp>
+    </p:spTree>
+    <p:extLst>
+      <p:ext uri="{BB962C8B-B14F-4D97-AF65-F5344CB8AC3E}">
+        <p14:creationId xmlns:p14="http://schemas.microsoft.com/office/powerpoint/2010/main" val="2572612183"/>
+      </p:ext>
+    </p:extLst>
+  </p:cSld>
+  <p:clrMapOvr>
+    <a:masterClrMapping/>
+  </p:clrMapOvr>
+</p:notes>
+</file>
+
+<file path=ppt/notesSlides/notesSlide5.xml><?xml version="1.0" encoding="utf-8"?>
+<p:notes xmlns:a="http://schemas.openxmlformats.org/drawingml/2006/main" xmlns:r="http://schemas.openxmlformats.org/officeDocument/2006/relationships" xmlns:p="http://schemas.openxmlformats.org/presentationml/2006/main">
+  <p:cSld>
+    <p:spTree>
+      <p:nvGrpSpPr>
+        <p:cNvPr id="1" name=""/>
+        <p:cNvGrpSpPr/>
+        <p:nvPr/>
+      </p:nvGrpSpPr>
+      <p:grpSpPr>
+        <a:xfrm>
+          <a:off x="0" y="0"/>
+          <a:ext cx="0" cy="0"/>
+          <a:chOff x="0" y="0"/>
+          <a:chExt cx="0" cy="0"/>
+        </a:xfrm>
+      </p:grpSpPr>
+      <p:sp>
+        <p:nvSpPr>
+          <p:cNvPr id="2" name="Slide Image Placeholder 1"/>
+          <p:cNvSpPr>
+            <a:spLocks noGrp="1" noRot="1" noChangeAspect="1"/>
+          </p:cNvSpPr>
+          <p:nvPr>
+            <p:ph type="sldImg"/>
+          </p:nvPr>
+        </p:nvSpPr>
+        <p:spPr/>
+      </p:sp>
+      <p:sp>
+        <p:nvSpPr>
+          <p:cNvPr id="3" name="Notes Placeholder 2"/>
+          <p:cNvSpPr>
+            <a:spLocks noGrp="1"/>
+          </p:cNvSpPr>
+          <p:nvPr>
+            <p:ph type="body" idx="1"/>
+          </p:nvPr>
+        </p:nvSpPr>
+        <p:spPr/>
+        <p:txBody>
+          <a:bodyPr/>
+          <a:lstStyle/>
+          <a:p>
+            <a:r>
+              <a:rPr lang="en-US"/>
+              <a:t>Về lí thuyết</a:t>
+            </a:r>
+          </a:p>
+        </p:txBody>
+      </p:sp>
+      <p:sp>
+        <p:nvSpPr>
+          <p:cNvPr id="4" name="Footer Placeholder 3"/>
+          <p:cNvSpPr>
+            <a:spLocks noGrp="1"/>
+          </p:cNvSpPr>
+          <p:nvPr>
+            <p:ph type="ftr" sz="quarter" idx="4"/>
+          </p:nvPr>
+        </p:nvSpPr>
+        <p:spPr/>
+        <p:txBody>
+          <a:bodyPr/>
+          <a:lstStyle/>
+          <a:p>
+            <a:endParaRPr lang="en-US"/>
+          </a:p>
+        </p:txBody>
+      </p:sp>
+      <p:sp>
+        <p:nvSpPr>
+          <p:cNvPr id="5" name="Slide Number Placeholder 4"/>
+          <p:cNvSpPr>
+            <a:spLocks noGrp="1"/>
+          </p:cNvSpPr>
+          <p:nvPr>
+            <p:ph type="sldNum" sz="quarter" idx="5"/>
+          </p:nvPr>
+        </p:nvSpPr>
+        <p:spPr/>
+        <p:txBody>
+          <a:bodyPr/>
+          <a:lstStyle/>
+          <a:p>
+            <a:fld id="{006BE02D-20C0-F840-AFAC-BEA99C74FDC2}" type="slidenum">
+              <a:rPr lang="en-US" smtClean="0"/>
+              <a:pPr/>
+              <a:t>9</a:t>
+            </a:fld>
+            <a:endParaRPr lang="en-US"/>
+          </a:p>
+        </p:txBody>
+      </p:sp>
+    </p:spTree>
+    <p:extLst>
+      <p:ext uri="{BB962C8B-B14F-4D97-AF65-F5344CB8AC3E}">
+        <p14:creationId xmlns:p14="http://schemas.microsoft.com/office/powerpoint/2010/main" val="1313105270"/>
+      </p:ext>
+    </p:extLst>
+  </p:cSld>
+  <p:clrMapOvr>
+    <a:masterClrMapping/>
+  </p:clrMapOvr>
+</p:notes>
+</file>
+
+<file path=ppt/notesSlides/notesSlide6.xml><?xml version="1.0" encoding="utf-8"?>
+<p:notes xmlns:a="http://schemas.openxmlformats.org/drawingml/2006/main" xmlns:r="http://schemas.openxmlformats.org/officeDocument/2006/relationships" xmlns:p="http://schemas.openxmlformats.org/presentationml/2006/main">
+  <p:cSld>
+    <p:spTree>
+      <p:nvGrpSpPr>
+        <p:cNvPr id="1" name=""/>
+        <p:cNvGrpSpPr/>
+        <p:nvPr/>
+      </p:nvGrpSpPr>
+      <p:grpSpPr>
+        <a:xfrm>
+          <a:off x="0" y="0"/>
+          <a:ext cx="0" cy="0"/>
+          <a:chOff x="0" y="0"/>
+          <a:chExt cx="0" cy="0"/>
+        </a:xfrm>
+      </p:grpSpPr>
+      <p:sp>
+        <p:nvSpPr>
+          <p:cNvPr id="2" name="Slide Image Placeholder 1"/>
+          <p:cNvSpPr>
+            <a:spLocks noGrp="1" noRot="1" noChangeAspect="1"/>
+          </p:cNvSpPr>
+          <p:nvPr>
+            <p:ph type="sldImg"/>
+          </p:nvPr>
+        </p:nvSpPr>
+        <p:spPr/>
+      </p:sp>
+      <p:sp>
+        <p:nvSpPr>
+          <p:cNvPr id="3" name="Notes Placeholder 2"/>
+          <p:cNvSpPr>
+            <a:spLocks noGrp="1"/>
+          </p:cNvSpPr>
+          <p:nvPr>
+            <p:ph type="body" idx="1"/>
+          </p:nvPr>
+        </p:nvSpPr>
+        <p:spPr/>
+        <p:txBody>
+          <a:bodyPr/>
+          <a:lstStyle/>
+          <a:p>
+            <a:r>
+              <a:rPr lang="en-US"/>
+              <a:t>Về chức</a:t>
+            </a:r>
+          </a:p>
+        </p:txBody>
+      </p:sp>
+      <p:sp>
+        <p:nvSpPr>
+          <p:cNvPr id="4" name="Footer Placeholder 3"/>
+          <p:cNvSpPr>
+            <a:spLocks noGrp="1"/>
+          </p:cNvSpPr>
+          <p:nvPr>
+            <p:ph type="ftr" sz="quarter" idx="4"/>
+          </p:nvPr>
+        </p:nvSpPr>
+        <p:spPr/>
+        <p:txBody>
+          <a:bodyPr/>
+          <a:lstStyle/>
+          <a:p>
+            <a:endParaRPr lang="en-US"/>
+          </a:p>
+        </p:txBody>
+      </p:sp>
+      <p:sp>
+        <p:nvSpPr>
+          <p:cNvPr id="5" name="Slide Number Placeholder 4"/>
+          <p:cNvSpPr>
+            <a:spLocks noGrp="1"/>
+          </p:cNvSpPr>
+          <p:nvPr>
+            <p:ph type="sldNum" sz="quarter" idx="5"/>
+          </p:nvPr>
+        </p:nvSpPr>
+        <p:spPr/>
+        <p:txBody>
+          <a:bodyPr/>
+          <a:lstStyle/>
+          <a:p>
+            <a:fld id="{006BE02D-20C0-F840-AFAC-BEA99C74FDC2}" type="slidenum">
+              <a:rPr lang="en-US" smtClean="0"/>
+              <a:pPr/>
+              <a:t>10</a:t>
+            </a:fld>
+            <a:endParaRPr lang="en-US"/>
+          </a:p>
+        </p:txBody>
+      </p:sp>
+    </p:spTree>
+    <p:extLst>
+      <p:ext uri="{BB962C8B-B14F-4D97-AF65-F5344CB8AC3E}">
+        <p14:creationId xmlns:p14="http://schemas.microsoft.com/office/powerpoint/2010/main" val="1127075508"/>
+      </p:ext>
+    </p:extLst>
+  </p:cSld>
+  <p:clrMapOvr>
+    <a:masterClrMapping/>
+  </p:clrMapOvr>
+</p:notes>
+</file>
+
+<file path=ppt/notesSlides/notesSlide7.xml><?xml version="1.0" encoding="utf-8"?>
+<p:notes xmlns:a="http://schemas.openxmlformats.org/drawingml/2006/main" xmlns:r="http://schemas.openxmlformats.org/officeDocument/2006/relationships" xmlns:p="http://schemas.openxmlformats.org/presentationml/2006/main">
+  <p:cSld>
+    <p:spTree>
+      <p:nvGrpSpPr>
+        <p:cNvPr id="1" name=""/>
+        <p:cNvGrpSpPr/>
+        <p:nvPr/>
+      </p:nvGrpSpPr>
+      <p:grpSpPr>
+        <a:xfrm>
+          <a:off x="0" y="0"/>
+          <a:ext cx="0" cy="0"/>
+          <a:chOff x="0" y="0"/>
+          <a:chExt cx="0" cy="0"/>
+        </a:xfrm>
+      </p:grpSpPr>
+      <p:sp>
+        <p:nvSpPr>
+          <p:cNvPr id="2" name="Slide Image Placeholder 1"/>
+          <p:cNvSpPr>
+            <a:spLocks noGrp="1" noRot="1" noChangeAspect="1"/>
+          </p:cNvSpPr>
+          <p:nvPr>
+            <p:ph type="sldImg"/>
+          </p:nvPr>
+        </p:nvSpPr>
+        <p:spPr/>
+      </p:sp>
+      <p:sp>
+        <p:nvSpPr>
+          <p:cNvPr id="3" name="Notes Placeholder 2"/>
+          <p:cNvSpPr>
+            <a:spLocks noGrp="1"/>
+          </p:cNvSpPr>
+          <p:nvPr>
+            <p:ph type="body" idx="1"/>
+          </p:nvPr>
+        </p:nvSpPr>
+        <p:spPr/>
+        <p:txBody>
+          <a:bodyPr/>
+          <a:lstStyle/>
+          <a:p>
+            <a:r>
+              <a:rPr lang="en-US"/>
+              <a:t>Về lí thuyết</a:t>
+            </a:r>
+          </a:p>
+        </p:txBody>
+      </p:sp>
+      <p:sp>
+        <p:nvSpPr>
+          <p:cNvPr id="4" name="Footer Placeholder 3"/>
+          <p:cNvSpPr>
+            <a:spLocks noGrp="1"/>
+          </p:cNvSpPr>
+          <p:nvPr>
+            <p:ph type="ftr" sz="quarter" idx="4"/>
+          </p:nvPr>
+        </p:nvSpPr>
+        <p:spPr/>
+        <p:txBody>
+          <a:bodyPr/>
+          <a:lstStyle/>
+          <a:p>
+            <a:endParaRPr lang="en-US"/>
+          </a:p>
+        </p:txBody>
+      </p:sp>
+      <p:sp>
+        <p:nvSpPr>
+          <p:cNvPr id="5" name="Slide Number Placeholder 4"/>
+          <p:cNvSpPr>
+            <a:spLocks noGrp="1"/>
+          </p:cNvSpPr>
+          <p:nvPr>
+            <p:ph type="sldNum" sz="quarter" idx="5"/>
+          </p:nvPr>
+        </p:nvSpPr>
+        <p:spPr/>
+        <p:txBody>
+          <a:bodyPr/>
+          <a:lstStyle/>
+          <a:p>
+            <a:fld id="{006BE02D-20C0-F840-AFAC-BEA99C74FDC2}" type="slidenum">
+              <a:rPr lang="en-US" smtClean="0"/>
+              <a:pPr/>
+              <a:t>11</a:t>
+            </a:fld>
+            <a:endParaRPr lang="en-US"/>
+          </a:p>
+        </p:txBody>
+      </p:sp>
+    </p:spTree>
+    <p:extLst>
+      <p:ext uri="{BB962C8B-B14F-4D97-AF65-F5344CB8AC3E}">
+        <p14:creationId xmlns:p14="http://schemas.microsoft.com/office/powerpoint/2010/main" val="1217591120"/>
+      </p:ext>
+    </p:extLst>
+  </p:cSld>
+  <p:clrMapOvr>
+    <a:masterClrMapping/>
+  </p:clrMapOvr>
+</p:notes>
+</file>
+
+<file path=ppt/notesSlides/notesSlide8.xml><?xml version="1.0" encoding="utf-8"?>
+<p:notes xmlns:a="http://schemas.openxmlformats.org/drawingml/2006/main" xmlns:r="http://schemas.openxmlformats.org/officeDocument/2006/relationships" xmlns:p="http://schemas.openxmlformats.org/presentationml/2006/main">
+  <p:cSld>
+    <p:spTree>
+      <p:nvGrpSpPr>
+        <p:cNvPr id="1" name=""/>
+        <p:cNvGrpSpPr/>
+        <p:nvPr/>
+      </p:nvGrpSpPr>
+      <p:grpSpPr>
+        <a:xfrm>
+          <a:off x="0" y="0"/>
+          <a:ext cx="0" cy="0"/>
+          <a:chOff x="0" y="0"/>
+          <a:chExt cx="0" cy="0"/>
+        </a:xfrm>
+      </p:grpSpPr>
+      <p:sp>
+        <p:nvSpPr>
+          <p:cNvPr id="2" name="Slide Image Placeholder 1"/>
+          <p:cNvSpPr>
+            <a:spLocks noGrp="1" noRot="1" noChangeAspect="1"/>
+          </p:cNvSpPr>
+          <p:nvPr>
+            <p:ph type="sldImg"/>
+          </p:nvPr>
+        </p:nvSpPr>
+        <p:spPr/>
+      </p:sp>
+      <p:sp>
+        <p:nvSpPr>
+          <p:cNvPr id="3" name="Notes Placeholder 2"/>
+          <p:cNvSpPr>
+            <a:spLocks noGrp="1"/>
+          </p:cNvSpPr>
+          <p:nvPr>
+            <p:ph type="body" idx="1"/>
+          </p:nvPr>
+        </p:nvSpPr>
+        <p:spPr/>
+        <p:txBody>
+          <a:bodyPr/>
+          <a:lstStyle/>
+          <a:p>
+            <a:pPr marL="0" marR="0" lvl="0" indent="0" algn="l" defTabSz="914217" rtl="0" eaLnBrk="1" fontAlgn="auto" latinLnBrk="0" hangingPunct="1">
+              <a:lnSpc>
+                <a:spcPct val="100000"/>
+              </a:lnSpc>
+              <a:spcBef>
+                <a:spcPts val="0"/>
+              </a:spcBef>
+              <a:spcAft>
+                <a:spcPts val="0"/>
+              </a:spcAft>
+              <a:buClrTx/>
+              <a:buSzTx/>
+              <a:buFontTx/>
+              <a:buNone/>
+              <a:tabLst/>
+              <a:defRPr/>
+            </a:pPr>
+            <a:r>
+              <a:rPr lang="vi-VN" sz="2400">
+                <a:latin typeface="Calibri" panose="020F0502020204030204" pitchFamily="34" charset="0"/>
+                <a:cs typeface="Calibri" panose="020F0502020204030204" pitchFamily="34" charset="0"/>
+              </a:rPr>
+              <a:t>Cải thiện giải thuật hàng đợi nhiều trạm phục vụ hỗ trợ cho mỗi đơn hàng có thời gian không đồng nhất.</a:t>
+            </a:r>
+          </a:p>
+          <a:p>
+            <a:endParaRPr lang="en-US"/>
+          </a:p>
+        </p:txBody>
+      </p:sp>
+      <p:sp>
+        <p:nvSpPr>
+          <p:cNvPr id="4" name="Footer Placeholder 3"/>
+          <p:cNvSpPr>
+            <a:spLocks noGrp="1"/>
+          </p:cNvSpPr>
+          <p:nvPr>
+            <p:ph type="ftr" sz="quarter" idx="4"/>
+          </p:nvPr>
+        </p:nvSpPr>
+        <p:spPr/>
+        <p:txBody>
+          <a:bodyPr/>
+          <a:lstStyle/>
+          <a:p>
+            <a:endParaRPr lang="en-US"/>
+          </a:p>
+        </p:txBody>
+      </p:sp>
+      <p:sp>
+        <p:nvSpPr>
+          <p:cNvPr id="5" name="Slide Number Placeholder 4"/>
+          <p:cNvSpPr>
+            <a:spLocks noGrp="1"/>
+          </p:cNvSpPr>
+          <p:nvPr>
+            <p:ph type="sldNum" sz="quarter" idx="5"/>
+          </p:nvPr>
+        </p:nvSpPr>
+        <p:spPr/>
+        <p:txBody>
+          <a:bodyPr/>
+          <a:lstStyle/>
+          <a:p>
+            <a:fld id="{006BE02D-20C0-F840-AFAC-BEA99C74FDC2}" type="slidenum">
+              <a:rPr lang="en-US" smtClean="0"/>
+              <a:pPr/>
+              <a:t>12</a:t>
+            </a:fld>
+            <a:endParaRPr lang="en-US"/>
+          </a:p>
+        </p:txBody>
+      </p:sp>
+    </p:spTree>
+    <p:extLst>
+      <p:ext uri="{BB962C8B-B14F-4D97-AF65-F5344CB8AC3E}">
+        <p14:creationId xmlns:p14="http://schemas.microsoft.com/office/powerpoint/2010/main" val="3892512948"/>
+      </p:ext>
+    </p:extLst>
+  </p:cSld>
+  <p:clrMapOvr>
+    <a:masterClrMapping/>
+  </p:clrMapOvr>
+</p:notes>
+</file>
+
+<file path=ppt/notesSlides/notesSlide9.xml><?xml version="1.0" encoding="utf-8"?>
+<p:notes xmlns:a="http://schemas.openxmlformats.org/drawingml/2006/main" xmlns:r="http://schemas.openxmlformats.org/officeDocument/2006/relationships" xmlns:p="http://schemas.openxmlformats.org/presentationml/2006/main">
+  <p:cSld>
+    <p:spTree>
+      <p:nvGrpSpPr>
+        <p:cNvPr id="1" name=""/>
+        <p:cNvGrpSpPr/>
+        <p:nvPr/>
+      </p:nvGrpSpPr>
+      <p:grpSpPr>
+        <a:xfrm>
+          <a:off x="0" y="0"/>
+          <a:ext cx="0" cy="0"/>
+          <a:chOff x="0" y="0"/>
+          <a:chExt cx="0" cy="0"/>
+        </a:xfrm>
+      </p:grpSpPr>
+      <p:sp>
+        <p:nvSpPr>
+          <p:cNvPr id="2" name="Slide Image Placeholder 1"/>
+          <p:cNvSpPr>
+            <a:spLocks noGrp="1" noRot="1" noChangeAspect="1"/>
+          </p:cNvSpPr>
+          <p:nvPr>
+            <p:ph type="sldImg"/>
+          </p:nvPr>
+        </p:nvSpPr>
+        <p:spPr/>
+      </p:sp>
+      <p:sp>
+        <p:nvSpPr>
+          <p:cNvPr id="3" name="Notes Placeholder 2"/>
+          <p:cNvSpPr>
+            <a:spLocks noGrp="1"/>
+          </p:cNvSpPr>
+          <p:nvPr>
+            <p:ph type="body" idx="1"/>
+          </p:nvPr>
+        </p:nvSpPr>
+        <p:spPr/>
+        <p:txBody>
+          <a:bodyPr/>
+          <a:lstStyle/>
+          <a:p>
+            <a:pPr marL="0" marR="0" lvl="0" indent="0" algn="l" defTabSz="914217" rtl="0" eaLnBrk="1" fontAlgn="auto" latinLnBrk="0" hangingPunct="1">
+              <a:lnSpc>
+                <a:spcPct val="100000"/>
+              </a:lnSpc>
+              <a:spcBef>
+                <a:spcPts val="0"/>
+              </a:spcBef>
+              <a:spcAft>
+                <a:spcPts val="0"/>
+              </a:spcAft>
+              <a:buClrTx/>
+              <a:buSzTx/>
+              <a:buFontTx/>
+              <a:buNone/>
+              <a:tabLst/>
+              <a:defRPr/>
+            </a:pPr>
+            <a:r>
+              <a:rPr lang="vi-VN" sz="2400">
+                <a:latin typeface="Calibri" panose="020F0502020204030204" pitchFamily="34" charset="0"/>
+                <a:cs typeface="Calibri" panose="020F0502020204030204" pitchFamily="34" charset="0"/>
+              </a:rPr>
+              <a:t>Cải thiện giải thuật hàng đợi nhiều trạm phục vụ hỗ trợ cho mỗi đơn hàng có thời gian không đồng nhất.</a:t>
+            </a:r>
+          </a:p>
+          <a:p>
+            <a:endParaRPr lang="en-US"/>
+          </a:p>
+        </p:txBody>
+      </p:sp>
+      <p:sp>
+        <p:nvSpPr>
+          <p:cNvPr id="4" name="Footer Placeholder 3"/>
+          <p:cNvSpPr>
+            <a:spLocks noGrp="1"/>
+          </p:cNvSpPr>
+          <p:nvPr>
+            <p:ph type="ftr" sz="quarter" idx="4"/>
+          </p:nvPr>
+        </p:nvSpPr>
+        <p:spPr/>
+        <p:txBody>
+          <a:bodyPr/>
+          <a:lstStyle/>
+          <a:p>
+            <a:endParaRPr lang="en-US"/>
+          </a:p>
+        </p:txBody>
+      </p:sp>
+      <p:sp>
+        <p:nvSpPr>
+          <p:cNvPr id="5" name="Slide Number Placeholder 4"/>
+          <p:cNvSpPr>
+            <a:spLocks noGrp="1"/>
+          </p:cNvSpPr>
+          <p:nvPr>
+            <p:ph type="sldNum" sz="quarter" idx="5"/>
+          </p:nvPr>
+        </p:nvSpPr>
+        <p:spPr/>
+        <p:txBody>
+          <a:bodyPr/>
+          <a:lstStyle/>
+          <a:p>
+            <a:fld id="{006BE02D-20C0-F840-AFAC-BEA99C74FDC2}" type="slidenum">
+              <a:rPr lang="en-US" smtClean="0"/>
+              <a:pPr/>
+              <a:t>14</a:t>
+            </a:fld>
+            <a:endParaRPr lang="en-US"/>
+          </a:p>
+        </p:txBody>
+      </p:sp>
+    </p:spTree>
+    <p:extLst>
+      <p:ext uri="{BB962C8B-B14F-4D97-AF65-F5344CB8AC3E}">
+        <p14:creationId xmlns:p14="http://schemas.microsoft.com/office/powerpoint/2010/main" val="997867255"/>
       </p:ext>
     </p:extLst>
   </p:cSld>
@@ -2207,7 +3260,33 @@
         <p:spPr/>
         <p:txBody>
           <a:bodyPr/>
-          <a:lstStyle/>
+          <a:lstStyle>
+            <a:lvl1pPr>
+              <a:defRPr>
+                <a:latin typeface="+mn-lt"/>
+              </a:defRPr>
+            </a:lvl1pPr>
+            <a:lvl2pPr>
+              <a:defRPr>
+                <a:latin typeface="+mn-lt"/>
+              </a:defRPr>
+            </a:lvl2pPr>
+            <a:lvl3pPr>
+              <a:defRPr>
+                <a:latin typeface="+mn-lt"/>
+              </a:defRPr>
+            </a:lvl3pPr>
+            <a:lvl4pPr>
+              <a:defRPr>
+                <a:latin typeface="+mn-lt"/>
+              </a:defRPr>
+            </a:lvl4pPr>
+            <a:lvl5pPr>
+              <a:defRPr>
+                <a:latin typeface="+mn-lt"/>
+              </a:defRPr>
+            </a:lvl5pPr>
+          </a:lstStyle>
           <a:p>
             <a:pPr lvl="0"/>
             <a:r>
@@ -2303,7 +3382,7 @@
             <a:pPr algn="ctr"/>
             <a:r>
               <a:rPr lang="en-US"/>
-              <a:t>Hệ thống quản lí choỗi cửa hàng giặt ủi</a:t>
+              <a:t>Hệ thống quản lí chuỗi cửa hàng giặt ủi</a:t>
             </a:r>
           </a:p>
         </p:txBody>
@@ -4341,9 +5420,7 @@
             <a:lvl1pPr algn="l">
               <a:defRPr sz="2400">
                 <a:solidFill>
-                  <a:schemeClr val="tx1">
-                    <a:tint val="75000"/>
-                  </a:schemeClr>
+                  <a:schemeClr val="bg1"/>
                 </a:solidFill>
               </a:defRPr>
             </a:lvl1pPr>
@@ -4351,6 +5428,7 @@
           <a:p>
             <a:fld id="{0035F7E8-23A1-465F-B634-9398FF88113B}" type="datetime1">
               <a:rPr lang="en-US" smtClean="0"/>
+              <a:pPr/>
               <a:t>12/4/2018</a:t>
             </a:fld>
             <a:endParaRPr lang="en-US"/>
@@ -4390,7 +5468,7 @@
           <a:p>
             <a:r>
               <a:rPr lang="en-US"/>
-              <a:t>Hệ thống quản lí choỗi cửa hàng giặt ủi</a:t>
+              <a:t>Hệ thống quản lí chuỗi cửa hàng giặt ủi</a:t>
             </a:r>
           </a:p>
         </p:txBody>
@@ -4420,9 +5498,7 @@
             <a:lvl1pPr algn="r">
               <a:defRPr sz="2400">
                 <a:solidFill>
-                  <a:schemeClr val="tx1">
-                    <a:tint val="75000"/>
-                  </a:schemeClr>
+                  <a:schemeClr val="bg1"/>
                 </a:solidFill>
               </a:defRPr>
             </a:lvl1pPr>
@@ -4824,7 +5900,7 @@
         </p:nvSpPr>
         <p:spPr bwMode="auto">
           <a:xfrm>
-            <a:off x="3976952" y="4664410"/>
+            <a:off x="3685816" y="4452826"/>
             <a:ext cx="10916367" cy="3324949"/>
           </a:xfrm>
           <a:prstGeom prst="rect">
@@ -4863,6 +5939,9 @@
             <a:pPr algn="ctr" defTabSz="3429743"/>
             <a:r>
               <a:rPr lang="en-US" sz="7202" b="1" spc="900">
+                <a:solidFill>
+                  <a:srgbClr val="445469"/>
+                </a:solidFill>
                 <a:latin typeface="Lato Black" charset="0"/>
                 <a:ea typeface="Lato Black" charset="0"/>
                 <a:cs typeface="Lato Black" charset="0"/>
@@ -4875,6 +5954,9 @@
             <a:pPr algn="ctr" defTabSz="3429743"/>
             <a:r>
               <a:rPr lang="en-US" sz="7202" b="1" spc="900">
+                <a:solidFill>
+                  <a:srgbClr val="445469"/>
+                </a:solidFill>
                 <a:latin typeface="Lato Black" charset="0"/>
                 <a:ea typeface="Lato Black" charset="0"/>
                 <a:cs typeface="Lato Black" charset="0"/>
@@ -4887,6 +5969,9 @@
             <a:pPr algn="ctr" defTabSz="3429743"/>
             <a:r>
               <a:rPr lang="en-US" sz="7202" b="1" spc="900">
+                <a:solidFill>
+                  <a:srgbClr val="445469"/>
+                </a:solidFill>
                 <a:latin typeface="Lato Black" charset="0"/>
                 <a:ea typeface="Lato Black" charset="0"/>
                 <a:cs typeface="Lato Black" charset="0"/>
@@ -4928,8 +6013,8 @@
         </p:blipFill>
         <p:spPr>
           <a:xfrm>
-            <a:off x="7574772" y="705501"/>
-            <a:ext cx="3720725" cy="3958906"/>
+            <a:off x="7507813" y="970972"/>
+            <a:ext cx="3272374" cy="3481854"/>
           </a:xfrm>
           <a:prstGeom prst="rect">
             <a:avLst/>
@@ -5271,6 +6356,2582 @@
 </p:sld>
 </file>
 
+<file path=ppt/slides/slide10.xml><?xml version="1.0" encoding="utf-8"?>
+<p:sld xmlns:a="http://schemas.openxmlformats.org/drawingml/2006/main" xmlns:r="http://schemas.openxmlformats.org/officeDocument/2006/relationships" xmlns:p="http://schemas.openxmlformats.org/presentationml/2006/main">
+  <p:cSld>
+    <p:spTree>
+      <p:nvGrpSpPr>
+        <p:cNvPr id="1" name=""/>
+        <p:cNvGrpSpPr/>
+        <p:nvPr/>
+      </p:nvGrpSpPr>
+      <p:grpSpPr>
+        <a:xfrm>
+          <a:off x="0" y="0"/>
+          <a:ext cx="0" cy="0"/>
+          <a:chOff x="0" y="0"/>
+          <a:chExt cx="0" cy="0"/>
+        </a:xfrm>
+      </p:grpSpPr>
+      <p:sp>
+        <p:nvSpPr>
+          <p:cNvPr id="4" name="Date Placeholder 3">
+            <a:extLst>
+              <a:ext uri="{FF2B5EF4-FFF2-40B4-BE49-F238E27FC236}">
+                <a16:creationId xmlns:a16="http://schemas.microsoft.com/office/drawing/2014/main" id="{05945B43-6D40-4B77-8555-9659A35ABE9C}"/>
+              </a:ext>
+            </a:extLst>
+          </p:cNvPr>
+          <p:cNvSpPr>
+            <a:spLocks noGrp="1"/>
+          </p:cNvSpPr>
+          <p:nvPr>
+            <p:ph type="dt" sz="half" idx="10"/>
+          </p:nvPr>
+        </p:nvSpPr>
+        <p:spPr/>
+        <p:txBody>
+          <a:bodyPr/>
+          <a:lstStyle/>
+          <a:p>
+            <a:fld id="{65CD53DB-9474-488D-9862-FEFF505281D6}" type="datetime1">
+              <a:rPr lang="en-US" smtClean="0"/>
+              <a:t>12/5/2018</a:t>
+            </a:fld>
+            <a:endParaRPr lang="en-US"/>
+          </a:p>
+        </p:txBody>
+      </p:sp>
+      <p:sp>
+        <p:nvSpPr>
+          <p:cNvPr id="5" name="Footer Placeholder 4">
+            <a:extLst>
+              <a:ext uri="{FF2B5EF4-FFF2-40B4-BE49-F238E27FC236}">
+                <a16:creationId xmlns:a16="http://schemas.microsoft.com/office/drawing/2014/main" id="{D082DE6A-06E7-4889-B1CE-3A6FBBFBDB54}"/>
+              </a:ext>
+            </a:extLst>
+          </p:cNvPr>
+          <p:cNvSpPr>
+            <a:spLocks noGrp="1"/>
+          </p:cNvSpPr>
+          <p:nvPr>
+            <p:ph type="ftr" sz="quarter" idx="11"/>
+          </p:nvPr>
+        </p:nvSpPr>
+        <p:spPr/>
+        <p:txBody>
+          <a:bodyPr/>
+          <a:lstStyle/>
+          <a:p>
+            <a:pPr algn="ctr"/>
+            <a:r>
+              <a:rPr lang="en-US"/>
+              <a:t>Hệ thống quản lí chuỗi cửa hàng giặt ủi</a:t>
+            </a:r>
+          </a:p>
+        </p:txBody>
+      </p:sp>
+      <p:sp>
+        <p:nvSpPr>
+          <p:cNvPr id="6" name="TextBox 5">
+            <a:extLst>
+              <a:ext uri="{FF2B5EF4-FFF2-40B4-BE49-F238E27FC236}">
+                <a16:creationId xmlns:a16="http://schemas.microsoft.com/office/drawing/2014/main" id="{66FE285B-FEBA-4870-8408-9EBB3F14EA88}"/>
+              </a:ext>
+            </a:extLst>
+          </p:cNvPr>
+          <p:cNvSpPr txBox="1"/>
+          <p:nvPr/>
+        </p:nvSpPr>
+        <p:spPr>
+          <a:xfrm>
+            <a:off x="5460319" y="771688"/>
+            <a:ext cx="8134287" cy="1084916"/>
+          </a:xfrm>
+          <a:prstGeom prst="rect">
+            <a:avLst/>
+          </a:prstGeom>
+          <a:noFill/>
+        </p:spPr>
+        <p:txBody>
+          <a:bodyPr wrap="square" lIns="68584" tIns="34292" rIns="68584" bIns="34292" rtlCol="0">
+            <a:spAutoFit/>
+          </a:bodyPr>
+          <a:lstStyle/>
+          <a:p>
+            <a:pPr algn="ctr"/>
+            <a:r>
+              <a:rPr lang="en-US" sz="6600" b="1">
+                <a:solidFill>
+                  <a:srgbClr val="445469"/>
+                </a:solidFill>
+                <a:latin typeface="Lato Heavy" charset="0"/>
+                <a:ea typeface="Lato Heavy" charset="0"/>
+                <a:cs typeface="Lato Heavy" charset="0"/>
+              </a:rPr>
+              <a:t>Kết quả đạt đ</a:t>
+            </a:r>
+            <a:r>
+              <a:rPr lang="vi-VN" sz="6600" b="1">
+                <a:solidFill>
+                  <a:srgbClr val="445469"/>
+                </a:solidFill>
+                <a:latin typeface="Lato Heavy" charset="0"/>
+                <a:ea typeface="Lato Heavy" charset="0"/>
+                <a:cs typeface="Lato Heavy" charset="0"/>
+              </a:rPr>
+              <a:t>ư</a:t>
+            </a:r>
+            <a:r>
+              <a:rPr lang="en-US" sz="6600" b="1">
+                <a:solidFill>
+                  <a:srgbClr val="445469"/>
+                </a:solidFill>
+                <a:latin typeface="Lato Heavy" charset="0"/>
+                <a:ea typeface="Lato Heavy" charset="0"/>
+                <a:cs typeface="Lato Heavy" charset="0"/>
+              </a:rPr>
+              <a:t>ợc</a:t>
+            </a:r>
+            <a:endParaRPr lang="id-ID" sz="5401" b="1">
+              <a:solidFill>
+                <a:srgbClr val="445469"/>
+              </a:solidFill>
+              <a:latin typeface="Lato Heavy" charset="0"/>
+              <a:ea typeface="Lato Heavy" charset="0"/>
+              <a:cs typeface="Lato Heavy" charset="0"/>
+            </a:endParaRPr>
+          </a:p>
+        </p:txBody>
+      </p:sp>
+      <p:grpSp>
+        <p:nvGrpSpPr>
+          <p:cNvPr id="24" name="Group 23">
+            <a:extLst>
+              <a:ext uri="{FF2B5EF4-FFF2-40B4-BE49-F238E27FC236}">
+                <a16:creationId xmlns:a16="http://schemas.microsoft.com/office/drawing/2014/main" id="{24B1E74D-2273-4AEF-AABB-6A2361297A01}"/>
+              </a:ext>
+            </a:extLst>
+          </p:cNvPr>
+          <p:cNvGrpSpPr/>
+          <p:nvPr/>
+        </p:nvGrpSpPr>
+        <p:grpSpPr>
+          <a:xfrm>
+            <a:off x="4424516" y="5843750"/>
+            <a:ext cx="9511087" cy="3521072"/>
+            <a:chOff x="1998036" y="3383399"/>
+            <a:chExt cx="14291928" cy="5784759"/>
+          </a:xfrm>
+        </p:grpSpPr>
+        <p:grpSp>
+          <p:nvGrpSpPr>
+            <p:cNvPr id="15" name="Group 14">
+              <a:extLst>
+                <a:ext uri="{FF2B5EF4-FFF2-40B4-BE49-F238E27FC236}">
+                  <a16:creationId xmlns:a16="http://schemas.microsoft.com/office/drawing/2014/main" id="{FB18469F-45A8-459B-8979-866DA8FB9378}"/>
+                </a:ext>
+              </a:extLst>
+            </p:cNvPr>
+            <p:cNvGrpSpPr/>
+            <p:nvPr/>
+          </p:nvGrpSpPr>
+          <p:grpSpPr>
+            <a:xfrm>
+              <a:off x="1998036" y="3383399"/>
+              <a:ext cx="2986919" cy="5784759"/>
+              <a:chOff x="2351314" y="2939143"/>
+              <a:chExt cx="3020786" cy="5388428"/>
+            </a:xfrm>
+          </p:grpSpPr>
+          <p:grpSp>
+            <p:nvGrpSpPr>
+              <p:cNvPr id="12" name="Group 11">
+                <a:extLst>
+                  <a:ext uri="{FF2B5EF4-FFF2-40B4-BE49-F238E27FC236}">
+                    <a16:creationId xmlns:a16="http://schemas.microsoft.com/office/drawing/2014/main" id="{5B632616-06F6-4B31-9047-D795923EA219}"/>
+                  </a:ext>
+                </a:extLst>
+              </p:cNvPr>
+              <p:cNvGrpSpPr/>
+              <p:nvPr/>
+            </p:nvGrpSpPr>
+            <p:grpSpPr>
+              <a:xfrm>
+                <a:off x="2351314" y="2939143"/>
+                <a:ext cx="3020786" cy="5388428"/>
+                <a:chOff x="2351314" y="2939143"/>
+                <a:chExt cx="3020786" cy="5388428"/>
+              </a:xfrm>
+            </p:grpSpPr>
+            <p:grpSp>
+              <p:nvGrpSpPr>
+                <p:cNvPr id="9" name="Group 8">
+                  <a:extLst>
+                    <a:ext uri="{FF2B5EF4-FFF2-40B4-BE49-F238E27FC236}">
+                      <a16:creationId xmlns:a16="http://schemas.microsoft.com/office/drawing/2014/main" id="{1EDBE1B7-A5C1-408A-A0CB-3C01FAA84125}"/>
+                    </a:ext>
+                  </a:extLst>
+                </p:cNvPr>
+                <p:cNvGrpSpPr/>
+                <p:nvPr/>
+              </p:nvGrpSpPr>
+              <p:grpSpPr>
+                <a:xfrm>
+                  <a:off x="2351314" y="2939143"/>
+                  <a:ext cx="3020786" cy="5388428"/>
+                  <a:chOff x="2351314" y="2939143"/>
+                  <a:chExt cx="3020786" cy="5388428"/>
+                </a:xfrm>
+              </p:grpSpPr>
+              <p:sp>
+                <p:nvSpPr>
+                  <p:cNvPr id="7" name="Rectangle: Rounded Corners 6">
+                    <a:extLst>
+                      <a:ext uri="{FF2B5EF4-FFF2-40B4-BE49-F238E27FC236}">
+                        <a16:creationId xmlns:a16="http://schemas.microsoft.com/office/drawing/2014/main" id="{F3DB20B3-DD0C-4F54-9B74-0D96DE106441}"/>
+                      </a:ext>
+                    </a:extLst>
+                  </p:cNvPr>
+                  <p:cNvSpPr/>
+                  <p:nvPr/>
+                </p:nvSpPr>
+                <p:spPr>
+                  <a:xfrm>
+                    <a:off x="2351314" y="2939143"/>
+                    <a:ext cx="3020786" cy="5388428"/>
+                  </a:xfrm>
+                  <a:prstGeom prst="roundRect">
+                    <a:avLst/>
+                  </a:prstGeom>
+                  <a:solidFill>
+                    <a:srgbClr val="2287D6"/>
+                  </a:solidFill>
+                  <a:ln>
+                    <a:solidFill>
+                      <a:srgbClr val="4099E0"/>
+                    </a:solidFill>
+                  </a:ln>
+                  <a:effectLst>
+                    <a:outerShdw blurRad="368300" dist="88900" dir="5400000" algn="t" rotWithShape="0">
+                      <a:schemeClr val="tx2">
+                        <a:lumMod val="60000"/>
+                        <a:lumOff val="40000"/>
+                        <a:alpha val="40000"/>
+                      </a:schemeClr>
+                    </a:outerShdw>
+                  </a:effectLst>
+                </p:spPr>
+                <p:style>
+                  <a:lnRef idx="2">
+                    <a:schemeClr val="accent1">
+                      <a:shade val="50000"/>
+                    </a:schemeClr>
+                  </a:lnRef>
+                  <a:fillRef idx="1">
+                    <a:schemeClr val="accent1"/>
+                  </a:fillRef>
+                  <a:effectRef idx="0">
+                    <a:schemeClr val="accent1"/>
+                  </a:effectRef>
+                  <a:fontRef idx="minor">
+                    <a:schemeClr val="lt1"/>
+                  </a:fontRef>
+                </p:style>
+                <p:txBody>
+                  <a:bodyPr rtlCol="0" anchor="ctr"/>
+                  <a:lstStyle/>
+                  <a:p>
+                    <a:pPr algn="ctr"/>
+                    <a:endParaRPr lang="en-US"/>
+                  </a:p>
+                </p:txBody>
+              </p:sp>
+              <p:sp>
+                <p:nvSpPr>
+                  <p:cNvPr id="8" name="Rectangle: Rounded Corners 7">
+                    <a:extLst>
+                      <a:ext uri="{FF2B5EF4-FFF2-40B4-BE49-F238E27FC236}">
+                        <a16:creationId xmlns:a16="http://schemas.microsoft.com/office/drawing/2014/main" id="{1506D106-B295-47B5-A3CF-854270F7F24C}"/>
+                      </a:ext>
+                    </a:extLst>
+                  </p:cNvPr>
+                  <p:cNvSpPr/>
+                  <p:nvPr/>
+                </p:nvSpPr>
+                <p:spPr>
+                  <a:xfrm>
+                    <a:off x="2453367" y="3031899"/>
+                    <a:ext cx="2816679" cy="5126985"/>
+                  </a:xfrm>
+                  <a:prstGeom prst="roundRect">
+                    <a:avLst/>
+                  </a:prstGeom>
+                  <a:solidFill>
+                    <a:schemeClr val="bg1"/>
+                  </a:solidFill>
+                  <a:ln>
+                    <a:solidFill>
+                      <a:schemeClr val="bg1"/>
+                    </a:solidFill>
+                  </a:ln>
+                </p:spPr>
+                <p:style>
+                  <a:lnRef idx="2">
+                    <a:schemeClr val="accent1">
+                      <a:shade val="50000"/>
+                    </a:schemeClr>
+                  </a:lnRef>
+                  <a:fillRef idx="1">
+                    <a:schemeClr val="accent1"/>
+                  </a:fillRef>
+                  <a:effectRef idx="0">
+                    <a:schemeClr val="accent1"/>
+                  </a:effectRef>
+                  <a:fontRef idx="minor">
+                    <a:schemeClr val="lt1"/>
+                  </a:fontRef>
+                </p:style>
+                <p:txBody>
+                  <a:bodyPr rtlCol="0" anchor="ctr"/>
+                  <a:lstStyle/>
+                  <a:p>
+                    <a:pPr algn="ctr"/>
+                    <a:endParaRPr lang="en-US"/>
+                  </a:p>
+                </p:txBody>
+              </p:sp>
+              <p:pic>
+                <p:nvPicPr>
+                  <p:cNvPr id="2050" name="Picture 2" descr="HÃ¬nh áº£nh cÃ³ liÃªn quan">
+                    <a:extLst>
+                      <a:ext uri="{FF2B5EF4-FFF2-40B4-BE49-F238E27FC236}">
+                        <a16:creationId xmlns:a16="http://schemas.microsoft.com/office/drawing/2014/main" id="{ECBF0AF2-08AA-472F-802E-BCE795C2223D}"/>
+                      </a:ext>
+                    </a:extLst>
+                  </p:cNvPr>
+                  <p:cNvPicPr>
+                    <a:picLocks noChangeAspect="1" noChangeArrowheads="1"/>
+                  </p:cNvPicPr>
+                  <p:nvPr/>
+                </p:nvPicPr>
+                <p:blipFill>
+                  <a:blip r:embed="rId3" cstate="email">
+                    <a:extLst>
+                      <a:ext uri="{28A0092B-C50C-407E-A947-70E740481C1C}">
+                        <a14:useLocalDpi xmlns:a14="http://schemas.microsoft.com/office/drawing/2010/main" val="0"/>
+                      </a:ext>
+                    </a:extLst>
+                  </a:blip>
+                  <a:srcRect/>
+                  <a:stretch>
+                    <a:fillRect/>
+                  </a:stretch>
+                </p:blipFill>
+                <p:spPr bwMode="auto">
+                  <a:xfrm>
+                    <a:off x="3443704" y="6858000"/>
+                    <a:ext cx="1017725" cy="1017725"/>
+                  </a:xfrm>
+                  <a:prstGeom prst="rect">
+                    <a:avLst/>
+                  </a:prstGeom>
+                  <a:noFill/>
+                  <a:extLst>
+                    <a:ext uri="{909E8E84-426E-40DD-AFC4-6F175D3DCCD1}">
+                      <a14:hiddenFill xmlns:a14="http://schemas.microsoft.com/office/drawing/2010/main">
+                        <a:solidFill>
+                          <a:srgbClr val="FFFFFF"/>
+                        </a:solidFill>
+                      </a14:hiddenFill>
+                    </a:ext>
+                  </a:extLst>
+                </p:spPr>
+              </p:pic>
+            </p:grpSp>
+            <p:sp>
+              <p:nvSpPr>
+                <p:cNvPr id="10" name="Rectangle: Rounded Corners 9">
+                  <a:extLst>
+                    <a:ext uri="{FF2B5EF4-FFF2-40B4-BE49-F238E27FC236}">
+                      <a16:creationId xmlns:a16="http://schemas.microsoft.com/office/drawing/2014/main" id="{05C0497A-06A9-45C2-BBE2-097A84181A39}"/>
+                    </a:ext>
+                  </a:extLst>
+                </p:cNvPr>
+                <p:cNvSpPr/>
+                <p:nvPr/>
+              </p:nvSpPr>
+              <p:spPr>
+                <a:xfrm>
+                  <a:off x="3297711" y="2939143"/>
+                  <a:ext cx="1127989" cy="375556"/>
+                </a:xfrm>
+                <a:prstGeom prst="roundRect">
+                  <a:avLst>
+                    <a:gd name="adj" fmla="val 30194"/>
+                  </a:avLst>
+                </a:prstGeom>
+                <a:solidFill>
+                  <a:srgbClr val="2287D6"/>
+                </a:solidFill>
+                <a:ln>
+                  <a:solidFill>
+                    <a:srgbClr val="2287D6"/>
+                  </a:solidFill>
+                </a:ln>
+              </p:spPr>
+              <p:style>
+                <a:lnRef idx="2">
+                  <a:schemeClr val="accent1">
+                    <a:shade val="50000"/>
+                  </a:schemeClr>
+                </a:lnRef>
+                <a:fillRef idx="1">
+                  <a:schemeClr val="accent1"/>
+                </a:fillRef>
+                <a:effectRef idx="0">
+                  <a:schemeClr val="accent1"/>
+                </a:effectRef>
+                <a:fontRef idx="minor">
+                  <a:schemeClr val="lt1"/>
+                </a:fontRef>
+              </p:style>
+              <p:txBody>
+                <a:bodyPr rtlCol="0" anchor="ctr"/>
+                <a:lstStyle/>
+                <a:p>
+                  <a:pPr algn="ctr"/>
+                  <a:endParaRPr lang="en-US"/>
+                </a:p>
+              </p:txBody>
+            </p:sp>
+          </p:grpSp>
+          <p:sp>
+            <p:nvSpPr>
+              <p:cNvPr id="13" name="Oval 12">
+                <a:extLst>
+                  <a:ext uri="{FF2B5EF4-FFF2-40B4-BE49-F238E27FC236}">
+                    <a16:creationId xmlns:a16="http://schemas.microsoft.com/office/drawing/2014/main" id="{48BD7B85-FAA1-469C-892E-00D2AD7B2473}"/>
+                  </a:ext>
+                </a:extLst>
+              </p:cNvPr>
+              <p:cNvSpPr/>
+              <p:nvPr/>
+            </p:nvSpPr>
+            <p:spPr>
+              <a:xfrm>
+                <a:off x="3406092" y="3126921"/>
+                <a:ext cx="82550" cy="82550"/>
+              </a:xfrm>
+              <a:prstGeom prst="ellipse">
+                <a:avLst/>
+              </a:prstGeom>
+              <a:solidFill>
+                <a:schemeClr val="bg1"/>
+              </a:solidFill>
+              <a:ln>
+                <a:solidFill>
+                  <a:schemeClr val="bg1"/>
+                </a:solidFill>
+              </a:ln>
+            </p:spPr>
+            <p:style>
+              <a:lnRef idx="2">
+                <a:schemeClr val="accent1">
+                  <a:shade val="50000"/>
+                </a:schemeClr>
+              </a:lnRef>
+              <a:fillRef idx="1">
+                <a:schemeClr val="accent1"/>
+              </a:fillRef>
+              <a:effectRef idx="0">
+                <a:schemeClr val="accent1"/>
+              </a:effectRef>
+              <a:fontRef idx="minor">
+                <a:schemeClr val="lt1"/>
+              </a:fontRef>
+            </p:style>
+            <p:txBody>
+              <a:bodyPr rtlCol="0" anchor="ctr"/>
+              <a:lstStyle/>
+              <a:p>
+                <a:pPr algn="ctr"/>
+                <a:endParaRPr lang="en-US"/>
+              </a:p>
+            </p:txBody>
+          </p:sp>
+          <p:sp>
+            <p:nvSpPr>
+              <p:cNvPr id="16" name="Oval 15">
+                <a:extLst>
+                  <a:ext uri="{FF2B5EF4-FFF2-40B4-BE49-F238E27FC236}">
+                    <a16:creationId xmlns:a16="http://schemas.microsoft.com/office/drawing/2014/main" id="{7C0A0F81-DB91-462B-9F88-E07E3CCE02D9}"/>
+                  </a:ext>
+                </a:extLst>
+              </p:cNvPr>
+              <p:cNvSpPr/>
+              <p:nvPr/>
+            </p:nvSpPr>
+            <p:spPr>
+              <a:xfrm>
+                <a:off x="4234767" y="3126921"/>
+                <a:ext cx="82550" cy="82550"/>
+              </a:xfrm>
+              <a:prstGeom prst="ellipse">
+                <a:avLst/>
+              </a:prstGeom>
+              <a:solidFill>
+                <a:schemeClr val="bg1"/>
+              </a:solidFill>
+              <a:ln>
+                <a:solidFill>
+                  <a:schemeClr val="bg1"/>
+                </a:solidFill>
+              </a:ln>
+            </p:spPr>
+            <p:style>
+              <a:lnRef idx="2">
+                <a:schemeClr val="accent1">
+                  <a:shade val="50000"/>
+                </a:schemeClr>
+              </a:lnRef>
+              <a:fillRef idx="1">
+                <a:schemeClr val="accent1"/>
+              </a:fillRef>
+              <a:effectRef idx="0">
+                <a:schemeClr val="accent1"/>
+              </a:effectRef>
+              <a:fontRef idx="minor">
+                <a:schemeClr val="lt1"/>
+              </a:fontRef>
+            </p:style>
+            <p:txBody>
+              <a:bodyPr rtlCol="0" anchor="ctr"/>
+              <a:lstStyle/>
+              <a:p>
+                <a:pPr algn="ctr"/>
+                <a:endParaRPr lang="en-US"/>
+              </a:p>
+            </p:txBody>
+          </p:sp>
+          <p:sp>
+            <p:nvSpPr>
+              <p:cNvPr id="14" name="Rectangle: Rounded Corners 13">
+                <a:extLst>
+                  <a:ext uri="{FF2B5EF4-FFF2-40B4-BE49-F238E27FC236}">
+                    <a16:creationId xmlns:a16="http://schemas.microsoft.com/office/drawing/2014/main" id="{8B58BB97-44A3-4451-A38F-03FCE6D4A2E1}"/>
+                  </a:ext>
+                </a:extLst>
+              </p:cNvPr>
+              <p:cNvSpPr/>
+              <p:nvPr/>
+            </p:nvSpPr>
+            <p:spPr>
+              <a:xfrm>
+                <a:off x="3624411" y="3126921"/>
+                <a:ext cx="474587" cy="82550"/>
+              </a:xfrm>
+              <a:prstGeom prst="roundRect">
+                <a:avLst>
+                  <a:gd name="adj" fmla="val 50000"/>
+                </a:avLst>
+              </a:prstGeom>
+              <a:solidFill>
+                <a:schemeClr val="bg1"/>
+              </a:solidFill>
+              <a:ln>
+                <a:solidFill>
+                  <a:schemeClr val="bg1"/>
+                </a:solidFill>
+              </a:ln>
+            </p:spPr>
+            <p:style>
+              <a:lnRef idx="2">
+                <a:schemeClr val="accent1">
+                  <a:shade val="50000"/>
+                </a:schemeClr>
+              </a:lnRef>
+              <a:fillRef idx="1">
+                <a:schemeClr val="accent1"/>
+              </a:fillRef>
+              <a:effectRef idx="0">
+                <a:schemeClr val="accent1"/>
+              </a:effectRef>
+              <a:fontRef idx="minor">
+                <a:schemeClr val="lt1"/>
+              </a:fontRef>
+            </p:style>
+            <p:txBody>
+              <a:bodyPr rtlCol="0" anchor="ctr"/>
+              <a:lstStyle/>
+              <a:p>
+                <a:pPr algn="ctr"/>
+                <a:endParaRPr lang="en-US"/>
+              </a:p>
+            </p:txBody>
+          </p:sp>
+        </p:grpSp>
+        <p:pic>
+          <p:nvPicPr>
+            <p:cNvPr id="2054" name="Picture 6" descr="HÃ¬nh áº£nh cÃ³ liÃªn quan">
+              <a:extLst>
+                <a:ext uri="{FF2B5EF4-FFF2-40B4-BE49-F238E27FC236}">
+                  <a16:creationId xmlns:a16="http://schemas.microsoft.com/office/drawing/2014/main" id="{E6AA90E5-7722-46AB-8B5A-6482F1B10572}"/>
+                </a:ext>
+              </a:extLst>
+            </p:cNvPr>
+            <p:cNvPicPr>
+              <a:picLocks noChangeAspect="1" noChangeArrowheads="1"/>
+            </p:cNvPicPr>
+            <p:nvPr/>
+          </p:nvPicPr>
+          <p:blipFill>
+            <a:blip r:embed="rId4">
+              <a:extLst>
+                <a:ext uri="{28A0092B-C50C-407E-A947-70E740481C1C}">
+                  <a14:useLocalDpi xmlns:a14="http://schemas.microsoft.com/office/drawing/2010/main" val="0"/>
+                </a:ext>
+              </a:extLst>
+            </a:blip>
+            <a:srcRect/>
+            <a:stretch>
+              <a:fillRect/>
+            </a:stretch>
+          </p:blipFill>
+          <p:spPr bwMode="auto">
+            <a:xfrm>
+              <a:off x="6639707" y="4602601"/>
+              <a:ext cx="3191028" cy="3191028"/>
+            </a:xfrm>
+            <a:prstGeom prst="rect">
+              <a:avLst/>
+            </a:prstGeom>
+            <a:noFill/>
+            <a:extLst>
+              <a:ext uri="{909E8E84-426E-40DD-AFC4-6F175D3DCCD1}">
+                <a14:hiddenFill xmlns:a14="http://schemas.microsoft.com/office/drawing/2010/main">
+                  <a:solidFill>
+                    <a:srgbClr val="FFFFFF"/>
+                  </a:solidFill>
+                </a14:hiddenFill>
+              </a:ext>
+            </a:extLst>
+          </p:spPr>
+        </p:pic>
+        <p:grpSp>
+          <p:nvGrpSpPr>
+            <p:cNvPr id="23" name="Group 22">
+              <a:extLst>
+                <a:ext uri="{FF2B5EF4-FFF2-40B4-BE49-F238E27FC236}">
+                  <a16:creationId xmlns:a16="http://schemas.microsoft.com/office/drawing/2014/main" id="{E9258ED5-BED1-4C7E-90B2-66A6AC7C1148}"/>
+                </a:ext>
+              </a:extLst>
+            </p:cNvPr>
+            <p:cNvGrpSpPr/>
+            <p:nvPr/>
+          </p:nvGrpSpPr>
+          <p:grpSpPr>
+            <a:xfrm>
+              <a:off x="11657404" y="4602601"/>
+              <a:ext cx="4632560" cy="3606500"/>
+              <a:chOff x="12415539" y="4380501"/>
+              <a:chExt cx="4632560" cy="3606500"/>
+            </a:xfrm>
+          </p:grpSpPr>
+          <p:grpSp>
+            <p:nvGrpSpPr>
+              <p:cNvPr id="22" name="Group 21">
+                <a:extLst>
+                  <a:ext uri="{FF2B5EF4-FFF2-40B4-BE49-F238E27FC236}">
+                    <a16:creationId xmlns:a16="http://schemas.microsoft.com/office/drawing/2014/main" id="{24C29063-867A-4659-AC3D-9540A8A6B24C}"/>
+                  </a:ext>
+                </a:extLst>
+              </p:cNvPr>
+              <p:cNvGrpSpPr/>
+              <p:nvPr/>
+            </p:nvGrpSpPr>
+            <p:grpSpPr>
+              <a:xfrm>
+                <a:off x="12415539" y="4380501"/>
+                <a:ext cx="4632560" cy="3606500"/>
+                <a:chOff x="12415539" y="4380501"/>
+                <a:chExt cx="4632560" cy="3606500"/>
+              </a:xfrm>
+            </p:grpSpPr>
+            <p:sp>
+              <p:nvSpPr>
+                <p:cNvPr id="21" name="Google Shape;758;p36">
+                  <a:extLst>
+                    <a:ext uri="{FF2B5EF4-FFF2-40B4-BE49-F238E27FC236}">
+                      <a16:creationId xmlns:a16="http://schemas.microsoft.com/office/drawing/2014/main" id="{49398F32-F13B-4B06-916E-E1502412D072}"/>
+                    </a:ext>
+                  </a:extLst>
+                </p:cNvPr>
+                <p:cNvSpPr/>
+                <p:nvPr/>
+              </p:nvSpPr>
+              <p:spPr>
+                <a:xfrm>
+                  <a:off x="12415539" y="4380501"/>
+                  <a:ext cx="4632560" cy="3606500"/>
+                </a:xfrm>
+                <a:custGeom>
+                  <a:avLst/>
+                  <a:gdLst/>
+                  <a:ahLst/>
+                  <a:cxnLst/>
+                  <a:rect l="l" t="t" r="r" b="b"/>
+                  <a:pathLst>
+                    <a:path w="143434" h="111665" extrusionOk="0">
+                      <a:moveTo>
+                        <a:pt x="71751" y="2308"/>
+                      </a:moveTo>
+                      <a:lnTo>
+                        <a:pt x="71887" y="2376"/>
+                      </a:lnTo>
+                      <a:lnTo>
+                        <a:pt x="72091" y="2444"/>
+                      </a:lnTo>
+                      <a:lnTo>
+                        <a:pt x="72159" y="2647"/>
+                      </a:lnTo>
+                      <a:lnTo>
+                        <a:pt x="72226" y="2783"/>
+                      </a:lnTo>
+                      <a:lnTo>
+                        <a:pt x="72159" y="2987"/>
+                      </a:lnTo>
+                      <a:lnTo>
+                        <a:pt x="72091" y="3190"/>
+                      </a:lnTo>
+                      <a:lnTo>
+                        <a:pt x="71887" y="3258"/>
+                      </a:lnTo>
+                      <a:lnTo>
+                        <a:pt x="71751" y="3326"/>
+                      </a:lnTo>
+                      <a:lnTo>
+                        <a:pt x="71548" y="3258"/>
+                      </a:lnTo>
+                      <a:lnTo>
+                        <a:pt x="71344" y="3190"/>
+                      </a:lnTo>
+                      <a:lnTo>
+                        <a:pt x="71276" y="2987"/>
+                      </a:lnTo>
+                      <a:lnTo>
+                        <a:pt x="71208" y="2783"/>
+                      </a:lnTo>
+                      <a:lnTo>
+                        <a:pt x="71276" y="2647"/>
+                      </a:lnTo>
+                      <a:lnTo>
+                        <a:pt x="71344" y="2444"/>
+                      </a:lnTo>
+                      <a:lnTo>
+                        <a:pt x="71548" y="2376"/>
+                      </a:lnTo>
+                      <a:lnTo>
+                        <a:pt x="71751" y="2308"/>
+                      </a:lnTo>
+                      <a:close/>
+                      <a:moveTo>
+                        <a:pt x="137528" y="5906"/>
+                      </a:moveTo>
+                      <a:lnTo>
+                        <a:pt x="137596" y="5974"/>
+                      </a:lnTo>
+                      <a:lnTo>
+                        <a:pt x="137596" y="89604"/>
+                      </a:lnTo>
+                      <a:lnTo>
+                        <a:pt x="5906" y="89604"/>
+                      </a:lnTo>
+                      <a:lnTo>
+                        <a:pt x="5906" y="5974"/>
+                      </a:lnTo>
+                      <a:lnTo>
+                        <a:pt x="5906" y="5906"/>
+                      </a:lnTo>
+                      <a:close/>
+                      <a:moveTo>
+                        <a:pt x="3530" y="0"/>
+                      </a:moveTo>
+                      <a:lnTo>
+                        <a:pt x="3191" y="68"/>
+                      </a:lnTo>
+                      <a:lnTo>
+                        <a:pt x="2444" y="339"/>
+                      </a:lnTo>
+                      <a:lnTo>
+                        <a:pt x="1766" y="679"/>
+                      </a:lnTo>
+                      <a:lnTo>
+                        <a:pt x="1155" y="1154"/>
+                      </a:lnTo>
+                      <a:lnTo>
+                        <a:pt x="679" y="1765"/>
+                      </a:lnTo>
+                      <a:lnTo>
+                        <a:pt x="272" y="2444"/>
+                      </a:lnTo>
+                      <a:lnTo>
+                        <a:pt x="69" y="3190"/>
+                      </a:lnTo>
+                      <a:lnTo>
+                        <a:pt x="1" y="3598"/>
+                      </a:lnTo>
+                      <a:lnTo>
+                        <a:pt x="1" y="4005"/>
+                      </a:lnTo>
+                      <a:lnTo>
+                        <a:pt x="1" y="91572"/>
+                      </a:lnTo>
+                      <a:lnTo>
+                        <a:pt x="1" y="91979"/>
+                      </a:lnTo>
+                      <a:lnTo>
+                        <a:pt x="69" y="92319"/>
+                      </a:lnTo>
+                      <a:lnTo>
+                        <a:pt x="272" y="93065"/>
+                      </a:lnTo>
+                      <a:lnTo>
+                        <a:pt x="679" y="93744"/>
+                      </a:lnTo>
+                      <a:lnTo>
+                        <a:pt x="1155" y="94355"/>
+                      </a:lnTo>
+                      <a:lnTo>
+                        <a:pt x="1766" y="94830"/>
+                      </a:lnTo>
+                      <a:lnTo>
+                        <a:pt x="2444" y="95238"/>
+                      </a:lnTo>
+                      <a:lnTo>
+                        <a:pt x="3191" y="95441"/>
+                      </a:lnTo>
+                      <a:lnTo>
+                        <a:pt x="3530" y="95509"/>
+                      </a:lnTo>
+                      <a:lnTo>
+                        <a:pt x="139904" y="95509"/>
+                      </a:lnTo>
+                      <a:lnTo>
+                        <a:pt x="140311" y="95441"/>
+                      </a:lnTo>
+                      <a:lnTo>
+                        <a:pt x="141058" y="95238"/>
+                      </a:lnTo>
+                      <a:lnTo>
+                        <a:pt x="141737" y="94830"/>
+                      </a:lnTo>
+                      <a:lnTo>
+                        <a:pt x="142280" y="94355"/>
+                      </a:lnTo>
+                      <a:lnTo>
+                        <a:pt x="142755" y="93744"/>
+                      </a:lnTo>
+                      <a:lnTo>
+                        <a:pt x="143162" y="93065"/>
+                      </a:lnTo>
+                      <a:lnTo>
+                        <a:pt x="143366" y="92319"/>
+                      </a:lnTo>
+                      <a:lnTo>
+                        <a:pt x="143434" y="91979"/>
+                      </a:lnTo>
+                      <a:lnTo>
+                        <a:pt x="143434" y="91572"/>
+                      </a:lnTo>
+                      <a:lnTo>
+                        <a:pt x="143434" y="4005"/>
+                      </a:lnTo>
+                      <a:lnTo>
+                        <a:pt x="143434" y="3598"/>
+                      </a:lnTo>
+                      <a:lnTo>
+                        <a:pt x="143366" y="3190"/>
+                      </a:lnTo>
+                      <a:lnTo>
+                        <a:pt x="143162" y="2444"/>
+                      </a:lnTo>
+                      <a:lnTo>
+                        <a:pt x="142755" y="1765"/>
+                      </a:lnTo>
+                      <a:lnTo>
+                        <a:pt x="142280" y="1154"/>
+                      </a:lnTo>
+                      <a:lnTo>
+                        <a:pt x="141737" y="679"/>
+                      </a:lnTo>
+                      <a:lnTo>
+                        <a:pt x="141058" y="339"/>
+                      </a:lnTo>
+                      <a:lnTo>
+                        <a:pt x="140311" y="68"/>
+                      </a:lnTo>
+                      <a:lnTo>
+                        <a:pt x="139904" y="0"/>
+                      </a:lnTo>
+                      <a:close/>
+                      <a:moveTo>
+                        <a:pt x="55324" y="95713"/>
+                      </a:moveTo>
+                      <a:lnTo>
+                        <a:pt x="55052" y="98971"/>
+                      </a:lnTo>
+                      <a:lnTo>
+                        <a:pt x="54713" y="102297"/>
+                      </a:lnTo>
+                      <a:lnTo>
+                        <a:pt x="54374" y="105284"/>
+                      </a:lnTo>
+                      <a:lnTo>
+                        <a:pt x="53966" y="107388"/>
+                      </a:lnTo>
+                      <a:lnTo>
+                        <a:pt x="53763" y="108203"/>
+                      </a:lnTo>
+                      <a:lnTo>
+                        <a:pt x="53627" y="108746"/>
+                      </a:lnTo>
+                      <a:lnTo>
+                        <a:pt x="53423" y="109153"/>
+                      </a:lnTo>
+                      <a:lnTo>
+                        <a:pt x="53220" y="109357"/>
+                      </a:lnTo>
+                      <a:lnTo>
+                        <a:pt x="52677" y="109493"/>
+                      </a:lnTo>
+                      <a:lnTo>
+                        <a:pt x="51794" y="109696"/>
+                      </a:lnTo>
+                      <a:lnTo>
+                        <a:pt x="49690" y="110036"/>
+                      </a:lnTo>
+                      <a:lnTo>
+                        <a:pt x="48061" y="110307"/>
+                      </a:lnTo>
+                      <a:lnTo>
+                        <a:pt x="47450" y="110443"/>
+                      </a:lnTo>
+                      <a:lnTo>
+                        <a:pt x="47110" y="110511"/>
+                      </a:lnTo>
+                      <a:lnTo>
+                        <a:pt x="47042" y="110579"/>
+                      </a:lnTo>
+                      <a:lnTo>
+                        <a:pt x="47042" y="110783"/>
+                      </a:lnTo>
+                      <a:lnTo>
+                        <a:pt x="47110" y="110850"/>
+                      </a:lnTo>
+                      <a:lnTo>
+                        <a:pt x="47585" y="110918"/>
+                      </a:lnTo>
+                      <a:lnTo>
+                        <a:pt x="48400" y="110986"/>
+                      </a:lnTo>
+                      <a:lnTo>
+                        <a:pt x="51387" y="111054"/>
+                      </a:lnTo>
+                      <a:lnTo>
+                        <a:pt x="56071" y="111122"/>
+                      </a:lnTo>
+                      <a:lnTo>
+                        <a:pt x="87092" y="111122"/>
+                      </a:lnTo>
+                      <a:lnTo>
+                        <a:pt x="91708" y="111054"/>
+                      </a:lnTo>
+                      <a:lnTo>
+                        <a:pt x="94695" y="110986"/>
+                      </a:lnTo>
+                      <a:lnTo>
+                        <a:pt x="95578" y="110918"/>
+                      </a:lnTo>
+                      <a:lnTo>
+                        <a:pt x="96053" y="110850"/>
+                      </a:lnTo>
+                      <a:lnTo>
+                        <a:pt x="96121" y="110783"/>
+                      </a:lnTo>
+                      <a:lnTo>
+                        <a:pt x="96121" y="110579"/>
+                      </a:lnTo>
+                      <a:lnTo>
+                        <a:pt x="96053" y="110511"/>
+                      </a:lnTo>
+                      <a:lnTo>
+                        <a:pt x="95713" y="110443"/>
+                      </a:lnTo>
+                      <a:lnTo>
+                        <a:pt x="95102" y="110307"/>
+                      </a:lnTo>
+                      <a:lnTo>
+                        <a:pt x="93473" y="110036"/>
+                      </a:lnTo>
+                      <a:lnTo>
+                        <a:pt x="91369" y="109696"/>
+                      </a:lnTo>
+                      <a:lnTo>
+                        <a:pt x="90487" y="109493"/>
+                      </a:lnTo>
+                      <a:lnTo>
+                        <a:pt x="89943" y="109357"/>
+                      </a:lnTo>
+                      <a:lnTo>
+                        <a:pt x="89740" y="109153"/>
+                      </a:lnTo>
+                      <a:lnTo>
+                        <a:pt x="89536" y="108746"/>
+                      </a:lnTo>
+                      <a:lnTo>
+                        <a:pt x="89333" y="108203"/>
+                      </a:lnTo>
+                      <a:lnTo>
+                        <a:pt x="89197" y="107388"/>
+                      </a:lnTo>
+                      <a:lnTo>
+                        <a:pt x="88789" y="105284"/>
+                      </a:lnTo>
+                      <a:lnTo>
+                        <a:pt x="88382" y="102297"/>
+                      </a:lnTo>
+                      <a:lnTo>
+                        <a:pt x="88043" y="98971"/>
+                      </a:lnTo>
+                      <a:lnTo>
+                        <a:pt x="87839" y="95713"/>
+                      </a:lnTo>
+                      <a:close/>
+                      <a:moveTo>
+                        <a:pt x="47450" y="111054"/>
+                      </a:moveTo>
+                      <a:lnTo>
+                        <a:pt x="47450" y="111122"/>
+                      </a:lnTo>
+                      <a:lnTo>
+                        <a:pt x="47450" y="111393"/>
+                      </a:lnTo>
+                      <a:lnTo>
+                        <a:pt x="47518" y="111461"/>
+                      </a:lnTo>
+                      <a:lnTo>
+                        <a:pt x="48807" y="111529"/>
+                      </a:lnTo>
+                      <a:lnTo>
+                        <a:pt x="52473" y="111597"/>
+                      </a:lnTo>
+                      <a:lnTo>
+                        <a:pt x="62384" y="111665"/>
+                      </a:lnTo>
+                      <a:lnTo>
+                        <a:pt x="80779" y="111665"/>
+                      </a:lnTo>
+                      <a:lnTo>
+                        <a:pt x="90622" y="111597"/>
+                      </a:lnTo>
+                      <a:lnTo>
+                        <a:pt x="94356" y="111529"/>
+                      </a:lnTo>
+                      <a:lnTo>
+                        <a:pt x="95646" y="111461"/>
+                      </a:lnTo>
+                      <a:lnTo>
+                        <a:pt x="95713" y="111393"/>
+                      </a:lnTo>
+                      <a:lnTo>
+                        <a:pt x="95713" y="111122"/>
+                      </a:lnTo>
+                      <a:lnTo>
+                        <a:pt x="95646" y="111054"/>
+                      </a:lnTo>
+                      <a:lnTo>
+                        <a:pt x="94084" y="111122"/>
+                      </a:lnTo>
+                      <a:lnTo>
+                        <a:pt x="91233" y="111190"/>
+                      </a:lnTo>
+                      <a:lnTo>
+                        <a:pt x="80847" y="111258"/>
+                      </a:lnTo>
+                      <a:lnTo>
+                        <a:pt x="62316" y="111258"/>
+                      </a:lnTo>
+                      <a:lnTo>
+                        <a:pt x="51930" y="111190"/>
+                      </a:lnTo>
+                      <a:lnTo>
+                        <a:pt x="49079" y="111122"/>
+                      </a:lnTo>
+                      <a:lnTo>
+                        <a:pt x="47518" y="111054"/>
+                      </a:lnTo>
+                      <a:close/>
+                    </a:path>
+                  </a:pathLst>
+                </a:custGeom>
+                <a:solidFill>
+                  <a:srgbClr val="2287D6"/>
+                </a:solidFill>
+                <a:ln>
+                  <a:solidFill>
+                    <a:srgbClr val="2287D6"/>
+                  </a:solidFill>
+                  <a:headEnd type="none" w="sm" len="sm"/>
+                  <a:tailEnd type="none" w="sm" len="sm"/>
+                </a:ln>
+                <a:effectLst>
+                  <a:outerShdw blurRad="152400" dist="38100" dir="5400000" algn="t" rotWithShape="0">
+                    <a:srgbClr val="4099E0">
+                      <a:alpha val="40000"/>
+                    </a:srgbClr>
+                  </a:outerShdw>
+                </a:effectLst>
+              </p:spPr>
+              <p:style>
+                <a:lnRef idx="2">
+                  <a:schemeClr val="accent1"/>
+                </a:lnRef>
+                <a:fillRef idx="1">
+                  <a:schemeClr val="lt1"/>
+                </a:fillRef>
+                <a:effectRef idx="0">
+                  <a:schemeClr val="accent1"/>
+                </a:effectRef>
+                <a:fontRef idx="minor">
+                  <a:schemeClr val="dk1"/>
+                </a:fontRef>
+              </p:style>
+              <p:txBody>
+                <a:bodyPr spcFirstLastPara="1" wrap="square" lIns="91425" tIns="91425" rIns="91425" bIns="91425" anchor="ctr" anchorCtr="0">
+                  <a:noAutofit/>
+                </a:bodyPr>
+                <a:lstStyle/>
+                <a:p>
+                  <a:pPr marL="0" lvl="0" indent="0" algn="l" rtl="0">
+                    <a:spcBef>
+                      <a:spcPts val="0"/>
+                    </a:spcBef>
+                    <a:spcAft>
+                      <a:spcPts val="0"/>
+                    </a:spcAft>
+                    <a:buNone/>
+                  </a:pPr>
+                  <a:endParaRPr>
+                    <a:latin typeface="Source Sans Pro"/>
+                    <a:ea typeface="Source Sans Pro"/>
+                    <a:cs typeface="Source Sans Pro"/>
+                    <a:sym typeface="Source Sans Pro"/>
+                  </a:endParaRPr>
+                </a:p>
+              </p:txBody>
+            </p:sp>
+            <p:sp>
+              <p:nvSpPr>
+                <p:cNvPr id="20" name="Rectangle: Rounded Corners 19">
+                  <a:extLst>
+                    <a:ext uri="{FF2B5EF4-FFF2-40B4-BE49-F238E27FC236}">
+                      <a16:creationId xmlns:a16="http://schemas.microsoft.com/office/drawing/2014/main" id="{D71AB569-0C72-40C4-A17B-9F93ED032C22}"/>
+                    </a:ext>
+                  </a:extLst>
+                </p:cNvPr>
+                <p:cNvSpPr/>
+                <p:nvPr/>
+              </p:nvSpPr>
+              <p:spPr>
+                <a:xfrm>
+                  <a:off x="12553769" y="4533900"/>
+                  <a:ext cx="4356100" cy="2755900"/>
+                </a:xfrm>
+                <a:prstGeom prst="roundRect">
+                  <a:avLst>
+                    <a:gd name="adj" fmla="val 2842"/>
+                  </a:avLst>
+                </a:prstGeom>
+                <a:solidFill>
+                  <a:schemeClr val="bg1"/>
+                </a:solidFill>
+                <a:ln>
+                  <a:noFill/>
+                </a:ln>
+              </p:spPr>
+              <p:style>
+                <a:lnRef idx="2">
+                  <a:schemeClr val="accent1">
+                    <a:shade val="50000"/>
+                  </a:schemeClr>
+                </a:lnRef>
+                <a:fillRef idx="1">
+                  <a:schemeClr val="accent1"/>
+                </a:fillRef>
+                <a:effectRef idx="0">
+                  <a:schemeClr val="accent1"/>
+                </a:effectRef>
+                <a:fontRef idx="minor">
+                  <a:schemeClr val="lt1"/>
+                </a:fontRef>
+              </p:style>
+              <p:txBody>
+                <a:bodyPr rtlCol="0" anchor="ctr"/>
+                <a:lstStyle/>
+                <a:p>
+                  <a:pPr algn="ctr"/>
+                  <a:endParaRPr lang="en-US"/>
+                </a:p>
+              </p:txBody>
+            </p:sp>
+          </p:grpSp>
+          <p:pic>
+            <p:nvPicPr>
+              <p:cNvPr id="2056" name="Picture 8" descr="HÃ¬nh áº£nh cÃ³ liÃªn quan">
+                <a:extLst>
+                  <a:ext uri="{FF2B5EF4-FFF2-40B4-BE49-F238E27FC236}">
+                    <a16:creationId xmlns:a16="http://schemas.microsoft.com/office/drawing/2014/main" id="{613A78C9-FEF3-4FA7-B6FA-F30925F782AC}"/>
+                  </a:ext>
+                </a:extLst>
+              </p:cNvPr>
+              <p:cNvPicPr>
+                <a:picLocks noChangeAspect="1" noChangeArrowheads="1"/>
+              </p:cNvPicPr>
+              <p:nvPr/>
+            </p:nvPicPr>
+            <p:blipFill>
+              <a:blip r:embed="rId5" cstate="email">
+                <a:extLst>
+                  <a:ext uri="{28A0092B-C50C-407E-A947-70E740481C1C}">
+                    <a14:useLocalDpi xmlns:a14="http://schemas.microsoft.com/office/drawing/2010/main" val="0"/>
+                  </a:ext>
+                </a:extLst>
+              </a:blip>
+              <a:srcRect/>
+              <a:stretch>
+                <a:fillRect/>
+              </a:stretch>
+            </p:blipFill>
+            <p:spPr bwMode="auto">
+              <a:xfrm>
+                <a:off x="13292539" y="5041590"/>
+                <a:ext cx="2878559" cy="1646176"/>
+              </a:xfrm>
+              <a:prstGeom prst="rect">
+                <a:avLst/>
+              </a:prstGeom>
+              <a:noFill/>
+              <a:extLst>
+                <a:ext uri="{909E8E84-426E-40DD-AFC4-6F175D3DCCD1}">
+                  <a14:hiddenFill xmlns:a14="http://schemas.microsoft.com/office/drawing/2010/main">
+                    <a:solidFill>
+                      <a:srgbClr val="FFFFFF"/>
+                    </a:solidFill>
+                  </a14:hiddenFill>
+                </a:ext>
+              </a:extLst>
+            </p:spPr>
+          </p:pic>
+        </p:grpSp>
+      </p:grpSp>
+      <p:sp>
+        <p:nvSpPr>
+          <p:cNvPr id="25" name="TextBox 24">
+            <a:extLst>
+              <a:ext uri="{FF2B5EF4-FFF2-40B4-BE49-F238E27FC236}">
+                <a16:creationId xmlns:a16="http://schemas.microsoft.com/office/drawing/2014/main" id="{B8E64910-9B7C-4499-8D52-0E1A02B5C104}"/>
+              </a:ext>
+            </a:extLst>
+          </p:cNvPr>
+          <p:cNvSpPr txBox="1"/>
+          <p:nvPr/>
+        </p:nvSpPr>
+        <p:spPr>
+          <a:xfrm>
+            <a:off x="2890684" y="3303639"/>
+            <a:ext cx="11680722" cy="923330"/>
+          </a:xfrm>
+          <a:prstGeom prst="rect">
+            <a:avLst/>
+          </a:prstGeom>
+          <a:noFill/>
+        </p:spPr>
+        <p:txBody>
+          <a:bodyPr wrap="square" rtlCol="0">
+            <a:spAutoFit/>
+          </a:bodyPr>
+          <a:lstStyle/>
+          <a:p>
+            <a:r>
+              <a:rPr lang="en-US" sz="5400"/>
+              <a:t>Hệ thống với ba thành phần chính: </a:t>
+            </a:r>
+          </a:p>
+        </p:txBody>
+      </p:sp>
+    </p:spTree>
+    <p:extLst>
+      <p:ext uri="{BB962C8B-B14F-4D97-AF65-F5344CB8AC3E}">
+        <p14:creationId xmlns:p14="http://schemas.microsoft.com/office/powerpoint/2010/main" val="441616516"/>
+      </p:ext>
+    </p:extLst>
+  </p:cSld>
+  <p:clrMapOvr>
+    <a:masterClrMapping/>
+  </p:clrMapOvr>
+</p:sld>
+</file>
+
+<file path=ppt/slides/slide11.xml><?xml version="1.0" encoding="utf-8"?>
+<p:sld xmlns:a="http://schemas.openxmlformats.org/drawingml/2006/main" xmlns:r="http://schemas.openxmlformats.org/officeDocument/2006/relationships" xmlns:p="http://schemas.openxmlformats.org/presentationml/2006/main">
+  <p:cSld>
+    <p:spTree>
+      <p:nvGrpSpPr>
+        <p:cNvPr id="1" name=""/>
+        <p:cNvGrpSpPr/>
+        <p:nvPr/>
+      </p:nvGrpSpPr>
+      <p:grpSpPr>
+        <a:xfrm>
+          <a:off x="0" y="0"/>
+          <a:ext cx="0" cy="0"/>
+          <a:chOff x="0" y="0"/>
+          <a:chExt cx="0" cy="0"/>
+        </a:xfrm>
+      </p:grpSpPr>
+      <p:sp>
+        <p:nvSpPr>
+          <p:cNvPr id="4" name="TextBox 3">
+            <a:extLst>
+              <a:ext uri="{FF2B5EF4-FFF2-40B4-BE49-F238E27FC236}">
+                <a16:creationId xmlns:a16="http://schemas.microsoft.com/office/drawing/2014/main" id="{349FF29F-A1A2-420F-9295-9A4444567665}"/>
+              </a:ext>
+            </a:extLst>
+          </p:cNvPr>
+          <p:cNvSpPr txBox="1"/>
+          <p:nvPr/>
+        </p:nvSpPr>
+        <p:spPr>
+          <a:xfrm>
+            <a:off x="5460319" y="771688"/>
+            <a:ext cx="8134287" cy="1084916"/>
+          </a:xfrm>
+          <a:prstGeom prst="rect">
+            <a:avLst/>
+          </a:prstGeom>
+          <a:noFill/>
+        </p:spPr>
+        <p:txBody>
+          <a:bodyPr wrap="square" lIns="68584" tIns="34292" rIns="68584" bIns="34292" rtlCol="0">
+            <a:spAutoFit/>
+          </a:bodyPr>
+          <a:lstStyle/>
+          <a:p>
+            <a:pPr algn="ctr"/>
+            <a:r>
+              <a:rPr lang="en-US" sz="6600" b="1">
+                <a:solidFill>
+                  <a:srgbClr val="445469"/>
+                </a:solidFill>
+                <a:latin typeface="Lato Heavy" charset="0"/>
+                <a:ea typeface="Lato Heavy" charset="0"/>
+                <a:cs typeface="Lato Heavy" charset="0"/>
+              </a:rPr>
+              <a:t>Hạn chế</a:t>
+            </a:r>
+            <a:endParaRPr lang="id-ID" sz="5401" b="1">
+              <a:solidFill>
+                <a:srgbClr val="445469"/>
+              </a:solidFill>
+              <a:latin typeface="Lato Heavy" charset="0"/>
+              <a:ea typeface="Lato Heavy" charset="0"/>
+              <a:cs typeface="Lato Heavy" charset="0"/>
+            </a:endParaRPr>
+          </a:p>
+        </p:txBody>
+      </p:sp>
+      <p:sp>
+        <p:nvSpPr>
+          <p:cNvPr id="6" name="Date Placeholder 5">
+            <a:extLst>
+              <a:ext uri="{FF2B5EF4-FFF2-40B4-BE49-F238E27FC236}">
+                <a16:creationId xmlns:a16="http://schemas.microsoft.com/office/drawing/2014/main" id="{4DB1461A-FAF4-43D8-BD39-E67D9CFFDF54}"/>
+              </a:ext>
+            </a:extLst>
+          </p:cNvPr>
+          <p:cNvSpPr>
+            <a:spLocks noGrp="1"/>
+          </p:cNvSpPr>
+          <p:nvPr>
+            <p:ph type="dt" sz="half" idx="10"/>
+          </p:nvPr>
+        </p:nvSpPr>
+        <p:spPr/>
+        <p:txBody>
+          <a:bodyPr/>
+          <a:lstStyle/>
+          <a:p>
+            <a:fld id="{CC2F3AFE-B587-4EA7-A71E-D5D1711BDBF4}" type="datetime1">
+              <a:rPr lang="en-US" smtClean="0">
+                <a:solidFill>
+                  <a:schemeClr val="bg1"/>
+                </a:solidFill>
+              </a:rPr>
+              <a:t>12/5/2018</a:t>
+            </a:fld>
+            <a:endParaRPr lang="en-US">
+              <a:solidFill>
+                <a:schemeClr val="bg1"/>
+              </a:solidFill>
+            </a:endParaRPr>
+          </a:p>
+        </p:txBody>
+      </p:sp>
+      <p:sp>
+        <p:nvSpPr>
+          <p:cNvPr id="7" name="Footer Placeholder 6">
+            <a:extLst>
+              <a:ext uri="{FF2B5EF4-FFF2-40B4-BE49-F238E27FC236}">
+                <a16:creationId xmlns:a16="http://schemas.microsoft.com/office/drawing/2014/main" id="{754D3DE7-1D0F-49BF-8DB3-87320527AB40}"/>
+              </a:ext>
+            </a:extLst>
+          </p:cNvPr>
+          <p:cNvSpPr>
+            <a:spLocks noGrp="1"/>
+          </p:cNvSpPr>
+          <p:nvPr>
+            <p:ph type="ftr" sz="quarter" idx="11"/>
+          </p:nvPr>
+        </p:nvSpPr>
+        <p:spPr/>
+        <p:txBody>
+          <a:bodyPr/>
+          <a:lstStyle/>
+          <a:p>
+            <a:pPr algn="ctr"/>
+            <a:r>
+              <a:rPr lang="en-US"/>
+              <a:t>Hệ thống quản lí choỗi cửa hàng giặt ủi</a:t>
+            </a:r>
+          </a:p>
+        </p:txBody>
+      </p:sp>
+      <p:sp>
+        <p:nvSpPr>
+          <p:cNvPr id="8" name="TextBox 7">
+            <a:extLst>
+              <a:ext uri="{FF2B5EF4-FFF2-40B4-BE49-F238E27FC236}">
+                <a16:creationId xmlns:a16="http://schemas.microsoft.com/office/drawing/2014/main" id="{270D97FE-8B67-4F90-82B8-443323BA1946}"/>
+              </a:ext>
+            </a:extLst>
+          </p:cNvPr>
+          <p:cNvSpPr txBox="1"/>
+          <p:nvPr/>
+        </p:nvSpPr>
+        <p:spPr>
+          <a:xfrm>
+            <a:off x="1077685" y="4389959"/>
+            <a:ext cx="16132629" cy="4708981"/>
+          </a:xfrm>
+          <a:prstGeom prst="rect">
+            <a:avLst/>
+          </a:prstGeom>
+          <a:noFill/>
+        </p:spPr>
+        <p:txBody>
+          <a:bodyPr wrap="square" rtlCol="0">
+            <a:spAutoFit/>
+          </a:bodyPr>
+          <a:lstStyle/>
+          <a:p>
+            <a:pPr marL="2351088" lvl="3" indent="-979488">
+              <a:spcBef>
+                <a:spcPts val="1200"/>
+              </a:spcBef>
+              <a:spcAft>
+                <a:spcPts val="1200"/>
+              </a:spcAft>
+              <a:buFont typeface="Courier New" panose="02070309020205020404" pitchFamily="49" charset="0"/>
+              <a:buChar char="o"/>
+            </a:pPr>
+            <a:r>
+              <a:rPr lang="vi-VN" sz="4800">
+                <a:latin typeface="Calibri" panose="020F0502020204030204" pitchFamily="34" charset="0"/>
+                <a:cs typeface="Calibri" panose="020F0502020204030204" pitchFamily="34" charset="0"/>
+              </a:rPr>
+              <a:t>Bổ sung các kiến thức về phân tích, thiết kế phần mềm.</a:t>
+            </a:r>
+            <a:endParaRPr lang="en-US" sz="4800">
+              <a:latin typeface="Calibri" panose="020F0502020204030204" pitchFamily="34" charset="0"/>
+              <a:cs typeface="Calibri" panose="020F0502020204030204" pitchFamily="34" charset="0"/>
+            </a:endParaRPr>
+          </a:p>
+          <a:p>
+            <a:pPr marL="2351088" lvl="3" indent="-979488">
+              <a:spcBef>
+                <a:spcPts val="1200"/>
+              </a:spcBef>
+              <a:spcAft>
+                <a:spcPts val="1200"/>
+              </a:spcAft>
+              <a:buFont typeface="Courier New" panose="02070309020205020404" pitchFamily="49" charset="0"/>
+              <a:buChar char="o"/>
+            </a:pPr>
+            <a:r>
+              <a:rPr lang="vi-VN" sz="4800">
+                <a:latin typeface="Calibri" panose="020F0502020204030204" pitchFamily="34" charset="0"/>
+                <a:cs typeface="Calibri" panose="020F0502020204030204" pitchFamily="34" charset="0"/>
+              </a:rPr>
+              <a:t>Củng cố các kiến thức về lập trình</a:t>
+            </a:r>
+            <a:r>
+              <a:rPr lang="en-US" sz="4800">
+                <a:latin typeface="Calibri" panose="020F0502020204030204" pitchFamily="34" charset="0"/>
+                <a:cs typeface="Calibri" panose="020F0502020204030204" pitchFamily="34" charset="0"/>
+              </a:rPr>
+              <a:t>.</a:t>
+            </a:r>
+          </a:p>
+          <a:p>
+            <a:pPr marL="2351088" lvl="3" indent="-979488">
+              <a:spcBef>
+                <a:spcPts val="1200"/>
+              </a:spcBef>
+              <a:spcAft>
+                <a:spcPts val="1200"/>
+              </a:spcAft>
+              <a:buFont typeface="Courier New" panose="02070309020205020404" pitchFamily="49" charset="0"/>
+              <a:buChar char="o"/>
+            </a:pPr>
+            <a:r>
+              <a:rPr lang="vi-VN" sz="4800">
+                <a:latin typeface="Calibri" panose="020F0502020204030204" pitchFamily="34" charset="0"/>
+                <a:cs typeface="Calibri" panose="020F0502020204030204" pitchFamily="34" charset="0"/>
+              </a:rPr>
+              <a:t>Bổ sung các kiến thức mới</a:t>
+            </a:r>
+            <a:r>
+              <a:rPr lang="en-US" sz="4800">
+                <a:latin typeface="Calibri" panose="020F0502020204030204" pitchFamily="34" charset="0"/>
+                <a:cs typeface="Calibri" panose="020F0502020204030204" pitchFamily="34" charset="0"/>
+              </a:rPr>
+              <a:t>:</a:t>
+            </a:r>
+            <a:r>
+              <a:rPr lang="vi-VN" sz="4800">
+                <a:latin typeface="Calibri" panose="020F0502020204030204" pitchFamily="34" charset="0"/>
+                <a:cs typeface="Calibri" panose="020F0502020204030204" pitchFamily="34" charset="0"/>
+              </a:rPr>
+              <a:t> GraphQL, ReactJS.</a:t>
+            </a:r>
+          </a:p>
+          <a:p>
+            <a:pPr marL="2351088" lvl="3" indent="-979488">
+              <a:spcBef>
+                <a:spcPts val="1200"/>
+              </a:spcBef>
+              <a:spcAft>
+                <a:spcPts val="1200"/>
+              </a:spcAft>
+              <a:buFont typeface="Courier New" panose="02070309020205020404" pitchFamily="49" charset="0"/>
+              <a:buChar char="o"/>
+            </a:pPr>
+            <a:r>
+              <a:rPr lang="vi-VN" sz="4800">
+                <a:latin typeface="Calibri" panose="020F0502020204030204" pitchFamily="34" charset="0"/>
+                <a:cs typeface="Calibri" panose="020F0502020204030204" pitchFamily="34" charset="0"/>
+              </a:rPr>
+              <a:t>Áp dụng được giải thuật hàng đợi nhiều trạm phục v</a:t>
+            </a:r>
+            <a:r>
+              <a:rPr lang="en-US" sz="4800">
+                <a:latin typeface="Calibri" panose="020F0502020204030204" pitchFamily="34" charset="0"/>
+                <a:cs typeface="Calibri" panose="020F0502020204030204" pitchFamily="34" charset="0"/>
+              </a:rPr>
+              <a:t>ụ.</a:t>
+            </a:r>
+            <a:endParaRPr lang="vi-VN" sz="4800">
+              <a:latin typeface="Calibri" panose="020F0502020204030204" pitchFamily="34" charset="0"/>
+              <a:cs typeface="Calibri" panose="020F0502020204030204" pitchFamily="34" charset="0"/>
+            </a:endParaRPr>
+          </a:p>
+        </p:txBody>
+      </p:sp>
+    </p:spTree>
+    <p:extLst>
+      <p:ext uri="{BB962C8B-B14F-4D97-AF65-F5344CB8AC3E}">
+        <p14:creationId xmlns:p14="http://schemas.microsoft.com/office/powerpoint/2010/main" val="2535588095"/>
+      </p:ext>
+    </p:extLst>
+  </p:cSld>
+  <p:clrMapOvr>
+    <a:masterClrMapping/>
+  </p:clrMapOvr>
+  <p:transition spd="slow">
+    <p:cover/>
+  </p:transition>
+</p:sld>
+</file>
+
+<file path=ppt/slides/slide12.xml><?xml version="1.0" encoding="utf-8"?>
+<p:sld xmlns:a="http://schemas.openxmlformats.org/drawingml/2006/main" xmlns:r="http://schemas.openxmlformats.org/officeDocument/2006/relationships" xmlns:p="http://schemas.openxmlformats.org/presentationml/2006/main">
+  <p:cSld>
+    <p:spTree>
+      <p:nvGrpSpPr>
+        <p:cNvPr id="1" name=""/>
+        <p:cNvGrpSpPr/>
+        <p:nvPr/>
+      </p:nvGrpSpPr>
+      <p:grpSpPr>
+        <a:xfrm>
+          <a:off x="0" y="0"/>
+          <a:ext cx="0" cy="0"/>
+          <a:chOff x="0" y="0"/>
+          <a:chExt cx="0" cy="0"/>
+        </a:xfrm>
+      </p:grpSpPr>
+      <p:sp>
+        <p:nvSpPr>
+          <p:cNvPr id="4" name="Date Placeholder 3">
+            <a:extLst>
+              <a:ext uri="{FF2B5EF4-FFF2-40B4-BE49-F238E27FC236}">
+                <a16:creationId xmlns:a16="http://schemas.microsoft.com/office/drawing/2014/main" id="{05945B43-6D40-4B77-8555-9659A35ABE9C}"/>
+              </a:ext>
+            </a:extLst>
+          </p:cNvPr>
+          <p:cNvSpPr>
+            <a:spLocks noGrp="1"/>
+          </p:cNvSpPr>
+          <p:nvPr>
+            <p:ph type="dt" sz="half" idx="10"/>
+          </p:nvPr>
+        </p:nvSpPr>
+        <p:spPr/>
+        <p:txBody>
+          <a:bodyPr/>
+          <a:lstStyle/>
+          <a:p>
+            <a:fld id="{65CD53DB-9474-488D-9862-FEFF505281D6}" type="datetime1">
+              <a:rPr lang="en-US" smtClean="0"/>
+              <a:t>12/5/2018</a:t>
+            </a:fld>
+            <a:endParaRPr lang="en-US"/>
+          </a:p>
+        </p:txBody>
+      </p:sp>
+      <p:sp>
+        <p:nvSpPr>
+          <p:cNvPr id="5" name="Footer Placeholder 4">
+            <a:extLst>
+              <a:ext uri="{FF2B5EF4-FFF2-40B4-BE49-F238E27FC236}">
+                <a16:creationId xmlns:a16="http://schemas.microsoft.com/office/drawing/2014/main" id="{D082DE6A-06E7-4889-B1CE-3A6FBBFBDB54}"/>
+              </a:ext>
+            </a:extLst>
+          </p:cNvPr>
+          <p:cNvSpPr>
+            <a:spLocks noGrp="1"/>
+          </p:cNvSpPr>
+          <p:nvPr>
+            <p:ph type="ftr" sz="quarter" idx="11"/>
+          </p:nvPr>
+        </p:nvSpPr>
+        <p:spPr/>
+        <p:txBody>
+          <a:bodyPr/>
+          <a:lstStyle/>
+          <a:p>
+            <a:pPr algn="ctr"/>
+            <a:r>
+              <a:rPr lang="en-US"/>
+              <a:t>Hệ thống quản lí chuỗi cửa hàng giặt ủi</a:t>
+            </a:r>
+          </a:p>
+        </p:txBody>
+      </p:sp>
+      <p:sp>
+        <p:nvSpPr>
+          <p:cNvPr id="6" name="TextBox 5">
+            <a:extLst>
+              <a:ext uri="{FF2B5EF4-FFF2-40B4-BE49-F238E27FC236}">
+                <a16:creationId xmlns:a16="http://schemas.microsoft.com/office/drawing/2014/main" id="{66FE285B-FEBA-4870-8408-9EBB3F14EA88}"/>
+              </a:ext>
+            </a:extLst>
+          </p:cNvPr>
+          <p:cNvSpPr txBox="1"/>
+          <p:nvPr/>
+        </p:nvSpPr>
+        <p:spPr>
+          <a:xfrm>
+            <a:off x="5460319" y="771688"/>
+            <a:ext cx="8134287" cy="1084916"/>
+          </a:xfrm>
+          <a:prstGeom prst="rect">
+            <a:avLst/>
+          </a:prstGeom>
+          <a:noFill/>
+        </p:spPr>
+        <p:txBody>
+          <a:bodyPr wrap="square" lIns="68584" tIns="34292" rIns="68584" bIns="34292" rtlCol="0">
+            <a:spAutoFit/>
+          </a:bodyPr>
+          <a:lstStyle/>
+          <a:p>
+            <a:pPr algn="ctr"/>
+            <a:r>
+              <a:rPr lang="en-US" sz="6600" b="1">
+                <a:solidFill>
+                  <a:srgbClr val="445469"/>
+                </a:solidFill>
+                <a:latin typeface="Lato Heavy" charset="0"/>
+                <a:ea typeface="Lato Heavy" charset="0"/>
+                <a:cs typeface="Lato Heavy" charset="0"/>
+              </a:rPr>
+              <a:t>H</a:t>
+            </a:r>
+            <a:r>
+              <a:rPr lang="vi-VN" sz="6600" b="1">
+                <a:solidFill>
+                  <a:srgbClr val="445469"/>
+                </a:solidFill>
+                <a:latin typeface="Lato Heavy" charset="0"/>
+                <a:ea typeface="Lato Heavy" charset="0"/>
+                <a:cs typeface="Lato Heavy" charset="0"/>
+              </a:rPr>
+              <a:t>ư</a:t>
+            </a:r>
+            <a:r>
+              <a:rPr lang="en-US" sz="6600" b="1">
+                <a:solidFill>
+                  <a:srgbClr val="445469"/>
+                </a:solidFill>
+                <a:latin typeface="Lato Heavy" charset="0"/>
+                <a:ea typeface="Lato Heavy" charset="0"/>
+                <a:cs typeface="Lato Heavy" charset="0"/>
+              </a:rPr>
+              <a:t>ớng phát triển</a:t>
+            </a:r>
+            <a:endParaRPr lang="id-ID" sz="5401" b="1">
+              <a:solidFill>
+                <a:srgbClr val="445469"/>
+              </a:solidFill>
+              <a:latin typeface="Lato Heavy" charset="0"/>
+              <a:ea typeface="Lato Heavy" charset="0"/>
+              <a:cs typeface="Lato Heavy" charset="0"/>
+            </a:endParaRPr>
+          </a:p>
+        </p:txBody>
+      </p:sp>
+      <p:sp>
+        <p:nvSpPr>
+          <p:cNvPr id="26" name="TextBox 25">
+            <a:extLst>
+              <a:ext uri="{FF2B5EF4-FFF2-40B4-BE49-F238E27FC236}">
+                <a16:creationId xmlns:a16="http://schemas.microsoft.com/office/drawing/2014/main" id="{54A6A8AA-E7D6-4631-8D84-34F657A88134}"/>
+              </a:ext>
+            </a:extLst>
+          </p:cNvPr>
+          <p:cNvSpPr txBox="1"/>
+          <p:nvPr/>
+        </p:nvSpPr>
+        <p:spPr>
+          <a:xfrm>
+            <a:off x="1077685" y="3610957"/>
+            <a:ext cx="16132629" cy="6494085"/>
+          </a:xfrm>
+          <a:prstGeom prst="rect">
+            <a:avLst/>
+          </a:prstGeom>
+          <a:noFill/>
+        </p:spPr>
+        <p:txBody>
+          <a:bodyPr wrap="square" rtlCol="0">
+            <a:spAutoFit/>
+          </a:bodyPr>
+          <a:lstStyle/>
+          <a:p>
+            <a:pPr marL="2351088" lvl="3" indent="-979488" algn="just">
+              <a:spcBef>
+                <a:spcPts val="1200"/>
+              </a:spcBef>
+              <a:spcAft>
+                <a:spcPts val="1200"/>
+              </a:spcAft>
+              <a:buFont typeface="Courier New" panose="02070309020205020404" pitchFamily="49" charset="0"/>
+              <a:buChar char="o"/>
+            </a:pPr>
+            <a:r>
+              <a:rPr lang="vi-VN" sz="4800">
+                <a:latin typeface="Calibri" panose="020F0502020204030204" pitchFamily="34" charset="0"/>
+                <a:cs typeface="Calibri" panose="020F0502020204030204" pitchFamily="34" charset="0"/>
+              </a:rPr>
+              <a:t>Tối ưu hóa</a:t>
+            </a:r>
+            <a:r>
+              <a:rPr lang="en-US" sz="4800">
+                <a:latin typeface="Calibri" panose="020F0502020204030204" pitchFamily="34" charset="0"/>
+                <a:cs typeface="Calibri" panose="020F0502020204030204" pitchFamily="34" charset="0"/>
+              </a:rPr>
+              <a:t> thêm về</a:t>
+            </a:r>
+            <a:r>
+              <a:rPr lang="vi-VN" sz="4800">
+                <a:latin typeface="Calibri" panose="020F0502020204030204" pitchFamily="34" charset="0"/>
+                <a:cs typeface="Calibri" panose="020F0502020204030204" pitchFamily="34" charset="0"/>
+              </a:rPr>
+              <a:t> giao diện.</a:t>
+            </a:r>
+            <a:endParaRPr lang="en-US" sz="4800">
+              <a:latin typeface="Calibri" panose="020F0502020204030204" pitchFamily="34" charset="0"/>
+              <a:cs typeface="Calibri" panose="020F0502020204030204" pitchFamily="34" charset="0"/>
+            </a:endParaRPr>
+          </a:p>
+          <a:p>
+            <a:pPr marL="2351088" lvl="3" indent="-979488" algn="just">
+              <a:spcBef>
+                <a:spcPts val="1200"/>
+              </a:spcBef>
+              <a:spcAft>
+                <a:spcPts val="1200"/>
+              </a:spcAft>
+              <a:buFont typeface="Courier New" panose="02070309020205020404" pitchFamily="49" charset="0"/>
+              <a:buChar char="o"/>
+            </a:pPr>
+            <a:r>
+              <a:rPr lang="vi-VN" sz="4800">
+                <a:latin typeface="Calibri" panose="020F0502020204030204" pitchFamily="34" charset="0"/>
+                <a:cs typeface="Calibri" panose="020F0502020204030204" pitchFamily="34" charset="0"/>
+              </a:rPr>
+              <a:t>Tăng tốc độ xử lí các chức năng</a:t>
+            </a:r>
+          </a:p>
+          <a:p>
+            <a:pPr marL="2351088" lvl="3" indent="-979488" algn="just">
+              <a:spcBef>
+                <a:spcPts val="1200"/>
+              </a:spcBef>
+              <a:spcAft>
+                <a:spcPts val="1200"/>
+              </a:spcAft>
+              <a:buFont typeface="Courier New" panose="02070309020205020404" pitchFamily="49" charset="0"/>
+              <a:buChar char="o"/>
+            </a:pPr>
+            <a:r>
+              <a:rPr lang="vi-VN" sz="4800">
+                <a:latin typeface="Calibri" panose="020F0502020204030204" pitchFamily="34" charset="0"/>
+                <a:cs typeface="Calibri" panose="020F0502020204030204" pitchFamily="34" charset="0"/>
+              </a:rPr>
+              <a:t>Cải thiện giải thuật hàng đợi nhiều trạm phục vụ.</a:t>
+            </a:r>
+          </a:p>
+          <a:p>
+            <a:pPr marL="2351088" lvl="3" indent="-979488" algn="just">
+              <a:spcBef>
+                <a:spcPts val="1200"/>
+              </a:spcBef>
+              <a:spcAft>
+                <a:spcPts val="1200"/>
+              </a:spcAft>
+              <a:buFont typeface="Courier New" panose="02070309020205020404" pitchFamily="49" charset="0"/>
+              <a:buChar char="o"/>
+            </a:pPr>
+            <a:r>
+              <a:rPr lang="vi-VN" sz="4800">
+                <a:latin typeface="Calibri" panose="020F0502020204030204" pitchFamily="34" charset="0"/>
+                <a:cs typeface="Calibri" panose="020F0502020204030204" pitchFamily="34" charset="0"/>
+              </a:rPr>
+              <a:t>Triển khai lên internet.</a:t>
+            </a:r>
+          </a:p>
+          <a:p>
+            <a:pPr marL="2351088" lvl="3" indent="-979488" algn="just">
+              <a:spcBef>
+                <a:spcPts val="1200"/>
+              </a:spcBef>
+              <a:spcAft>
+                <a:spcPts val="1200"/>
+              </a:spcAft>
+              <a:buFont typeface="Courier New" panose="02070309020205020404" pitchFamily="49" charset="0"/>
+              <a:buChar char="o"/>
+            </a:pPr>
+            <a:r>
+              <a:rPr lang="vi-VN" sz="4800">
+                <a:latin typeface="Calibri" panose="020F0502020204030204" pitchFamily="34" charset="0"/>
+                <a:cs typeface="Calibri" panose="020F0502020204030204" pitchFamily="34" charset="0"/>
+              </a:rPr>
+              <a:t>Kết xuất báo cáo thống kê số lượng truy cập, thống kê đơn hàng, thống kê doanh thu theo các tiêu chí khác nhau.</a:t>
+            </a:r>
+          </a:p>
+        </p:txBody>
+      </p:sp>
+    </p:spTree>
+    <p:extLst>
+      <p:ext uri="{BB962C8B-B14F-4D97-AF65-F5344CB8AC3E}">
+        <p14:creationId xmlns:p14="http://schemas.microsoft.com/office/powerpoint/2010/main" val="1004779312"/>
+      </p:ext>
+    </p:extLst>
+  </p:cSld>
+  <p:clrMapOvr>
+    <a:masterClrMapping/>
+  </p:clrMapOvr>
+</p:sld>
+</file>
+
+<file path=ppt/slides/slide13.xml><?xml version="1.0" encoding="utf-8"?>
+<p:sld xmlns:a="http://schemas.openxmlformats.org/drawingml/2006/main" xmlns:r="http://schemas.openxmlformats.org/officeDocument/2006/relationships" xmlns:p="http://schemas.openxmlformats.org/presentationml/2006/main">
+  <p:cSld>
+    <p:spTree>
+      <p:nvGrpSpPr>
+        <p:cNvPr id="1" name=""/>
+        <p:cNvGrpSpPr/>
+        <p:nvPr/>
+      </p:nvGrpSpPr>
+      <p:grpSpPr>
+        <a:xfrm>
+          <a:off x="0" y="0"/>
+          <a:ext cx="0" cy="0"/>
+          <a:chOff x="0" y="0"/>
+          <a:chExt cx="0" cy="0"/>
+        </a:xfrm>
+      </p:grpSpPr>
+      <p:sp>
+        <p:nvSpPr>
+          <p:cNvPr id="4" name="Date Placeholder 3">
+            <a:extLst>
+              <a:ext uri="{FF2B5EF4-FFF2-40B4-BE49-F238E27FC236}">
+                <a16:creationId xmlns:a16="http://schemas.microsoft.com/office/drawing/2014/main" id="{70F460BB-0D36-447E-8FB0-848F364C65BD}"/>
+              </a:ext>
+            </a:extLst>
+          </p:cNvPr>
+          <p:cNvSpPr>
+            <a:spLocks noGrp="1"/>
+          </p:cNvSpPr>
+          <p:nvPr>
+            <p:ph type="dt" sz="half" idx="10"/>
+          </p:nvPr>
+        </p:nvSpPr>
+        <p:spPr/>
+        <p:txBody>
+          <a:bodyPr/>
+          <a:lstStyle/>
+          <a:p>
+            <a:fld id="{65CD53DB-9474-488D-9862-FEFF505281D6}" type="datetime1">
+              <a:rPr lang="en-US" smtClean="0"/>
+              <a:t>12/5/2018</a:t>
+            </a:fld>
+            <a:endParaRPr lang="en-US"/>
+          </a:p>
+        </p:txBody>
+      </p:sp>
+      <p:sp>
+        <p:nvSpPr>
+          <p:cNvPr id="5" name="Footer Placeholder 4">
+            <a:extLst>
+              <a:ext uri="{FF2B5EF4-FFF2-40B4-BE49-F238E27FC236}">
+                <a16:creationId xmlns:a16="http://schemas.microsoft.com/office/drawing/2014/main" id="{F57E6744-A5B3-49E5-B75E-99BEB74567BA}"/>
+              </a:ext>
+            </a:extLst>
+          </p:cNvPr>
+          <p:cNvSpPr>
+            <a:spLocks noGrp="1"/>
+          </p:cNvSpPr>
+          <p:nvPr>
+            <p:ph type="ftr" sz="quarter" idx="11"/>
+          </p:nvPr>
+        </p:nvSpPr>
+        <p:spPr/>
+        <p:txBody>
+          <a:bodyPr/>
+          <a:lstStyle/>
+          <a:p>
+            <a:pPr algn="ctr"/>
+            <a:r>
+              <a:rPr lang="en-US"/>
+              <a:t>Hệ thống quản lí choỗi cửa hàng giặt ủi</a:t>
+            </a:r>
+          </a:p>
+        </p:txBody>
+      </p:sp>
+      <p:sp>
+        <p:nvSpPr>
+          <p:cNvPr id="6" name="TextBox 5">
+            <a:extLst>
+              <a:ext uri="{FF2B5EF4-FFF2-40B4-BE49-F238E27FC236}">
+                <a16:creationId xmlns:a16="http://schemas.microsoft.com/office/drawing/2014/main" id="{228CC9BB-EB1A-450C-A75F-B65F45F13188}"/>
+              </a:ext>
+            </a:extLst>
+          </p:cNvPr>
+          <p:cNvSpPr txBox="1"/>
+          <p:nvPr/>
+        </p:nvSpPr>
+        <p:spPr>
+          <a:xfrm>
+            <a:off x="4044868" y="5938515"/>
+            <a:ext cx="10198263" cy="1838969"/>
+          </a:xfrm>
+          <a:prstGeom prst="rect">
+            <a:avLst/>
+          </a:prstGeom>
+          <a:noFill/>
+        </p:spPr>
+        <p:txBody>
+          <a:bodyPr wrap="square" lIns="68584" tIns="34292" rIns="68584" bIns="34292" rtlCol="0">
+            <a:spAutoFit/>
+          </a:bodyPr>
+          <a:lstStyle/>
+          <a:p>
+            <a:pPr algn="ctr"/>
+            <a:r>
+              <a:rPr lang="en-US" sz="11500" b="1">
+                <a:solidFill>
+                  <a:srgbClr val="445469"/>
+                </a:solidFill>
+                <a:latin typeface="Lato Heavy" charset="0"/>
+                <a:ea typeface="Lato Heavy" charset="0"/>
+                <a:cs typeface="Lato Heavy" charset="0"/>
+              </a:rPr>
+              <a:t>Demo kết quả</a:t>
+            </a:r>
+            <a:endParaRPr lang="id-ID" sz="8800" b="1">
+              <a:solidFill>
+                <a:srgbClr val="445469"/>
+              </a:solidFill>
+              <a:latin typeface="Lato Heavy" charset="0"/>
+              <a:ea typeface="Lato Heavy" charset="0"/>
+              <a:cs typeface="Lato Heavy" charset="0"/>
+            </a:endParaRPr>
+          </a:p>
+        </p:txBody>
+      </p:sp>
+    </p:spTree>
+    <p:extLst>
+      <p:ext uri="{BB962C8B-B14F-4D97-AF65-F5344CB8AC3E}">
+        <p14:creationId xmlns:p14="http://schemas.microsoft.com/office/powerpoint/2010/main" val="849013338"/>
+      </p:ext>
+    </p:extLst>
+  </p:cSld>
+  <p:clrMapOvr>
+    <a:masterClrMapping/>
+  </p:clrMapOvr>
+</p:sld>
+</file>
+
+<file path=ppt/slides/slide14.xml><?xml version="1.0" encoding="utf-8"?>
+<p:sld xmlns:a="http://schemas.openxmlformats.org/drawingml/2006/main" xmlns:r="http://schemas.openxmlformats.org/officeDocument/2006/relationships" xmlns:p="http://schemas.openxmlformats.org/presentationml/2006/main">
+  <p:cSld>
+    <p:spTree>
+      <p:nvGrpSpPr>
+        <p:cNvPr id="1" name=""/>
+        <p:cNvGrpSpPr/>
+        <p:nvPr/>
+      </p:nvGrpSpPr>
+      <p:grpSpPr>
+        <a:xfrm>
+          <a:off x="0" y="0"/>
+          <a:ext cx="0" cy="0"/>
+          <a:chOff x="0" y="0"/>
+          <a:chExt cx="0" cy="0"/>
+        </a:xfrm>
+      </p:grpSpPr>
+      <p:sp>
+        <p:nvSpPr>
+          <p:cNvPr id="4" name="Date Placeholder 3">
+            <a:extLst>
+              <a:ext uri="{FF2B5EF4-FFF2-40B4-BE49-F238E27FC236}">
+                <a16:creationId xmlns:a16="http://schemas.microsoft.com/office/drawing/2014/main" id="{05945B43-6D40-4B77-8555-9659A35ABE9C}"/>
+              </a:ext>
+            </a:extLst>
+          </p:cNvPr>
+          <p:cNvSpPr>
+            <a:spLocks noGrp="1"/>
+          </p:cNvSpPr>
+          <p:nvPr>
+            <p:ph type="dt" sz="half" idx="10"/>
+          </p:nvPr>
+        </p:nvSpPr>
+        <p:spPr/>
+        <p:txBody>
+          <a:bodyPr/>
+          <a:lstStyle/>
+          <a:p>
+            <a:fld id="{65CD53DB-9474-488D-9862-FEFF505281D6}" type="datetime1">
+              <a:rPr lang="en-US" smtClean="0"/>
+              <a:t>12/5/2018</a:t>
+            </a:fld>
+            <a:endParaRPr lang="en-US"/>
+          </a:p>
+        </p:txBody>
+      </p:sp>
+      <p:sp>
+        <p:nvSpPr>
+          <p:cNvPr id="5" name="Footer Placeholder 4">
+            <a:extLst>
+              <a:ext uri="{FF2B5EF4-FFF2-40B4-BE49-F238E27FC236}">
+                <a16:creationId xmlns:a16="http://schemas.microsoft.com/office/drawing/2014/main" id="{D082DE6A-06E7-4889-B1CE-3A6FBBFBDB54}"/>
+              </a:ext>
+            </a:extLst>
+          </p:cNvPr>
+          <p:cNvSpPr>
+            <a:spLocks noGrp="1"/>
+          </p:cNvSpPr>
+          <p:nvPr>
+            <p:ph type="ftr" sz="quarter" idx="11"/>
+          </p:nvPr>
+        </p:nvSpPr>
+        <p:spPr/>
+        <p:txBody>
+          <a:bodyPr/>
+          <a:lstStyle/>
+          <a:p>
+            <a:pPr algn="ctr"/>
+            <a:r>
+              <a:rPr lang="en-US"/>
+              <a:t>Hệ thống quản lí chuỗi cửa hàng giặt ủi</a:t>
+            </a:r>
+          </a:p>
+        </p:txBody>
+      </p:sp>
+      <p:sp>
+        <p:nvSpPr>
+          <p:cNvPr id="6" name="TextBox 5">
+            <a:extLst>
+              <a:ext uri="{FF2B5EF4-FFF2-40B4-BE49-F238E27FC236}">
+                <a16:creationId xmlns:a16="http://schemas.microsoft.com/office/drawing/2014/main" id="{66FE285B-FEBA-4870-8408-9EBB3F14EA88}"/>
+              </a:ext>
+            </a:extLst>
+          </p:cNvPr>
+          <p:cNvSpPr txBox="1"/>
+          <p:nvPr/>
+        </p:nvSpPr>
+        <p:spPr>
+          <a:xfrm>
+            <a:off x="5460319" y="771688"/>
+            <a:ext cx="8134287" cy="1084916"/>
+          </a:xfrm>
+          <a:prstGeom prst="rect">
+            <a:avLst/>
+          </a:prstGeom>
+          <a:noFill/>
+        </p:spPr>
+        <p:txBody>
+          <a:bodyPr wrap="square" lIns="68584" tIns="34292" rIns="68584" bIns="34292" rtlCol="0">
+            <a:spAutoFit/>
+          </a:bodyPr>
+          <a:lstStyle/>
+          <a:p>
+            <a:pPr algn="ctr"/>
+            <a:r>
+              <a:rPr lang="en-US" sz="6600" b="1">
+                <a:solidFill>
+                  <a:srgbClr val="445469"/>
+                </a:solidFill>
+                <a:latin typeface="Lato Heavy" charset="0"/>
+                <a:ea typeface="Lato Heavy" charset="0"/>
+                <a:cs typeface="Lato Heavy" charset="0"/>
+              </a:rPr>
+              <a:t>Demo kết quả</a:t>
+            </a:r>
+            <a:endParaRPr lang="id-ID" sz="5401" b="1">
+              <a:solidFill>
+                <a:srgbClr val="445469"/>
+              </a:solidFill>
+              <a:latin typeface="Lato Heavy" charset="0"/>
+              <a:ea typeface="Lato Heavy" charset="0"/>
+              <a:cs typeface="Lato Heavy" charset="0"/>
+            </a:endParaRPr>
+          </a:p>
+        </p:txBody>
+      </p:sp>
+      <p:sp>
+        <p:nvSpPr>
+          <p:cNvPr id="26" name="TextBox 25">
+            <a:extLst>
+              <a:ext uri="{FF2B5EF4-FFF2-40B4-BE49-F238E27FC236}">
+                <a16:creationId xmlns:a16="http://schemas.microsoft.com/office/drawing/2014/main" id="{54A6A8AA-E7D6-4631-8D84-34F657A88134}"/>
+              </a:ext>
+            </a:extLst>
+          </p:cNvPr>
+          <p:cNvSpPr txBox="1"/>
+          <p:nvPr/>
+        </p:nvSpPr>
+        <p:spPr>
+          <a:xfrm>
+            <a:off x="1077685" y="4167912"/>
+            <a:ext cx="16132629" cy="5447645"/>
+          </a:xfrm>
+          <a:prstGeom prst="rect">
+            <a:avLst/>
+          </a:prstGeom>
+          <a:noFill/>
+        </p:spPr>
+        <p:txBody>
+          <a:bodyPr wrap="square" rtlCol="0">
+            <a:spAutoFit/>
+          </a:bodyPr>
+          <a:lstStyle/>
+          <a:p>
+            <a:pPr marL="2351088" lvl="3" indent="-979488">
+              <a:spcBef>
+                <a:spcPts val="1200"/>
+              </a:spcBef>
+              <a:spcAft>
+                <a:spcPts val="1200"/>
+              </a:spcAft>
+              <a:buFont typeface="Courier New" panose="02070309020205020404" pitchFamily="49" charset="0"/>
+              <a:buChar char="o"/>
+            </a:pPr>
+            <a:r>
+              <a:rPr lang="en-US" sz="4800">
+                <a:latin typeface="Calibri" panose="020F0502020204030204" pitchFamily="34" charset="0"/>
+                <a:cs typeface="Calibri" panose="020F0502020204030204" pitchFamily="34" charset="0"/>
+              </a:rPr>
+              <a:t>Giới thiệu quá trình xử lí một đ</a:t>
+            </a:r>
+            <a:r>
+              <a:rPr lang="vi-VN" sz="4800">
+                <a:latin typeface="Calibri" panose="020F0502020204030204" pitchFamily="34" charset="0"/>
+                <a:cs typeface="Calibri" panose="020F0502020204030204" pitchFamily="34" charset="0"/>
+              </a:rPr>
+              <a:t>ơ</a:t>
+            </a:r>
+            <a:r>
+              <a:rPr lang="en-US" sz="4800">
+                <a:latin typeface="Calibri" panose="020F0502020204030204" pitchFamily="34" charset="0"/>
+                <a:cs typeface="Calibri" panose="020F0502020204030204" pitchFamily="34" charset="0"/>
+              </a:rPr>
+              <a:t>n hàng bình th</a:t>
+            </a:r>
+            <a:r>
+              <a:rPr lang="vi-VN" sz="4800">
+                <a:latin typeface="Calibri" panose="020F0502020204030204" pitchFamily="34" charset="0"/>
+                <a:cs typeface="Calibri" panose="020F0502020204030204" pitchFamily="34" charset="0"/>
+              </a:rPr>
+              <a:t>ư</a:t>
+            </a:r>
+            <a:r>
+              <a:rPr lang="en-US" sz="4800">
+                <a:latin typeface="Calibri" panose="020F0502020204030204" pitchFamily="34" charset="0"/>
+                <a:cs typeface="Calibri" panose="020F0502020204030204" pitchFamily="34" charset="0"/>
+              </a:rPr>
+              <a:t>ờng.</a:t>
+            </a:r>
+          </a:p>
+          <a:p>
+            <a:pPr marL="2351088" lvl="3" indent="-979488">
+              <a:spcBef>
+                <a:spcPts val="1200"/>
+              </a:spcBef>
+              <a:spcAft>
+                <a:spcPts val="1200"/>
+              </a:spcAft>
+              <a:buFont typeface="Courier New" panose="02070309020205020404" pitchFamily="49" charset="0"/>
+              <a:buChar char="o"/>
+            </a:pPr>
+            <a:r>
+              <a:rPr lang="en-US" sz="4800">
+                <a:latin typeface="Calibri" panose="020F0502020204030204" pitchFamily="34" charset="0"/>
+                <a:cs typeface="Calibri" panose="020F0502020204030204" pitchFamily="34" charset="0"/>
+              </a:rPr>
+              <a:t>Các tr</a:t>
+            </a:r>
+            <a:r>
+              <a:rPr lang="vi-VN" sz="4800">
+                <a:latin typeface="Calibri" panose="020F0502020204030204" pitchFamily="34" charset="0"/>
+                <a:cs typeface="Calibri" panose="020F0502020204030204" pitchFamily="34" charset="0"/>
+              </a:rPr>
+              <a:t>ư</a:t>
+            </a:r>
+            <a:r>
+              <a:rPr lang="en-US" sz="4800">
+                <a:latin typeface="Calibri" panose="020F0502020204030204" pitchFamily="34" charset="0"/>
+                <a:cs typeface="Calibri" panose="020F0502020204030204" pitchFamily="34" charset="0"/>
+              </a:rPr>
+              <a:t>ờng hợp đặc biệt mà hệ thống có thể xử lí:</a:t>
+            </a:r>
+          </a:p>
+          <a:p>
+            <a:pPr marL="4179888" lvl="7" indent="-979488">
+              <a:spcBef>
+                <a:spcPts val="1200"/>
+              </a:spcBef>
+              <a:spcAft>
+                <a:spcPts val="1200"/>
+              </a:spcAft>
+              <a:buFont typeface="Courier New" panose="02070309020205020404" pitchFamily="49" charset="0"/>
+              <a:buChar char="o"/>
+            </a:pPr>
+            <a:r>
+              <a:rPr lang="en-US" sz="4800" b="1">
+                <a:latin typeface="Calibri" panose="020F0502020204030204" pitchFamily="34" charset="0"/>
+                <a:cs typeface="Calibri" panose="020F0502020204030204" pitchFamily="34" charset="0"/>
+              </a:rPr>
+              <a:t>TH1:  </a:t>
+            </a:r>
+            <a:r>
+              <a:rPr lang="en-US" sz="4800">
+                <a:latin typeface="Calibri" panose="020F0502020204030204" pitchFamily="34" charset="0"/>
+                <a:cs typeface="Calibri" panose="020F0502020204030204" pitchFamily="34" charset="0"/>
+              </a:rPr>
+              <a:t>Đơn hàng đ</a:t>
+            </a:r>
+            <a:r>
+              <a:rPr lang="vi-VN" sz="4800">
+                <a:latin typeface="Calibri" panose="020F0502020204030204" pitchFamily="34" charset="0"/>
+                <a:cs typeface="Calibri" panose="020F0502020204030204" pitchFamily="34" charset="0"/>
+              </a:rPr>
+              <a:t>ư</a:t>
+            </a:r>
+            <a:r>
+              <a:rPr lang="en-US" sz="4800">
+                <a:latin typeface="Calibri" panose="020F0502020204030204" pitchFamily="34" charset="0"/>
+                <a:cs typeface="Calibri" panose="020F0502020204030204" pitchFamily="34" charset="0"/>
+              </a:rPr>
+              <a:t>ợc cập nhật khi đang chờ xác nhận.</a:t>
+            </a:r>
+          </a:p>
+          <a:p>
+            <a:pPr marL="4179888" lvl="7" indent="-979488">
+              <a:spcBef>
+                <a:spcPts val="1200"/>
+              </a:spcBef>
+              <a:spcAft>
+                <a:spcPts val="1200"/>
+              </a:spcAft>
+              <a:buFont typeface="Courier New" panose="02070309020205020404" pitchFamily="49" charset="0"/>
+              <a:buChar char="o"/>
+            </a:pPr>
+            <a:r>
+              <a:rPr lang="en-US" sz="4800" b="1">
+                <a:latin typeface="Calibri" panose="020F0502020204030204" pitchFamily="34" charset="0"/>
+                <a:cs typeface="Calibri" panose="020F0502020204030204" pitchFamily="34" charset="0"/>
+              </a:rPr>
+              <a:t>TH2: </a:t>
+            </a:r>
+            <a:r>
+              <a:rPr lang="en-US" sz="4800">
+                <a:latin typeface="Calibri" panose="020F0502020204030204" pitchFamily="34" charset="0"/>
+                <a:cs typeface="Calibri" panose="020F0502020204030204" pitchFamily="34" charset="0"/>
+              </a:rPr>
+              <a:t>Đ</a:t>
+            </a:r>
+            <a:r>
+              <a:rPr lang="vi-VN" sz="4800">
+                <a:latin typeface="Calibri" panose="020F0502020204030204" pitchFamily="34" charset="0"/>
+                <a:cs typeface="Calibri" panose="020F0502020204030204" pitchFamily="34" charset="0"/>
+              </a:rPr>
+              <a:t>ơ</a:t>
+            </a:r>
+            <a:r>
+              <a:rPr lang="en-US" sz="4800">
+                <a:latin typeface="Calibri" panose="020F0502020204030204" pitchFamily="34" charset="0"/>
+                <a:cs typeface="Calibri" panose="020F0502020204030204" pitchFamily="34" charset="0"/>
+              </a:rPr>
+              <a:t>n hàng đang đ</a:t>
+            </a:r>
+            <a:r>
+              <a:rPr lang="vi-VN" sz="4800">
+                <a:latin typeface="Calibri" panose="020F0502020204030204" pitchFamily="34" charset="0"/>
+                <a:cs typeface="Calibri" panose="020F0502020204030204" pitchFamily="34" charset="0"/>
+              </a:rPr>
+              <a:t>ư</a:t>
+            </a:r>
+            <a:r>
+              <a:rPr lang="en-US" sz="4800">
+                <a:latin typeface="Calibri" panose="020F0502020204030204" pitchFamily="34" charset="0"/>
+                <a:cs typeface="Calibri" panose="020F0502020204030204" pitchFamily="34" charset="0"/>
+              </a:rPr>
+              <a:t>ợc xử lí thì máy giặt xảy ra sự cố.</a:t>
+            </a:r>
+          </a:p>
+        </p:txBody>
+      </p:sp>
+    </p:spTree>
+    <p:extLst>
+      <p:ext uri="{BB962C8B-B14F-4D97-AF65-F5344CB8AC3E}">
+        <p14:creationId xmlns:p14="http://schemas.microsoft.com/office/powerpoint/2010/main" val="2306885639"/>
+      </p:ext>
+    </p:extLst>
+  </p:cSld>
+  <p:clrMapOvr>
+    <a:masterClrMapping/>
+  </p:clrMapOvr>
+</p:sld>
+</file>
+
+<file path=ppt/slides/slide15.xml><?xml version="1.0" encoding="utf-8"?>
+<p:sld xmlns:a="http://schemas.openxmlformats.org/drawingml/2006/main" xmlns:r="http://schemas.openxmlformats.org/officeDocument/2006/relationships" xmlns:p="http://schemas.openxmlformats.org/presentationml/2006/main">
+  <p:cSld>
+    <p:spTree>
+      <p:nvGrpSpPr>
+        <p:cNvPr id="1" name=""/>
+        <p:cNvGrpSpPr/>
+        <p:nvPr/>
+      </p:nvGrpSpPr>
+      <p:grpSpPr>
+        <a:xfrm>
+          <a:off x="0" y="0"/>
+          <a:ext cx="0" cy="0"/>
+          <a:chOff x="0" y="0"/>
+          <a:chExt cx="0" cy="0"/>
+        </a:xfrm>
+      </p:grpSpPr>
+      <p:sp>
+        <p:nvSpPr>
+          <p:cNvPr id="21" name="Rectangle 20"/>
+          <p:cNvSpPr>
+            <a:spLocks/>
+          </p:cNvSpPr>
+          <p:nvPr/>
+        </p:nvSpPr>
+        <p:spPr bwMode="auto">
+          <a:xfrm>
+            <a:off x="2773680" y="5218567"/>
+            <a:ext cx="13136880" cy="2216632"/>
+          </a:xfrm>
+          <a:prstGeom prst="rect">
+            <a:avLst/>
+          </a:prstGeom>
+          <a:noFill/>
+          <a:ln>
+            <a:noFill/>
+          </a:ln>
+          <a:extLst>
+            <a:ext uri="{909E8E84-426E-40dd-AFC4-6F175D3DCCD1}">
+              <a14:hiddenFill xmlns:a14="http://schemas.microsoft.com/office/drawing/2010/main" xmlns="">
+                <a:solidFill>
+                  <a:srgbClr val="FFFFFF"/>
+                </a:solidFill>
+              </a14:hiddenFill>
+            </a:ext>
+            <a:ext uri="{91240B29-F687-4f45-9708-019B960494DF}">
+              <a14:hiddenLine xmlns:a14="http://schemas.microsoft.com/office/drawing/2010/main" xmlns="" w="12700">
+                <a:solidFill>
+                  <a:schemeClr val="tx1"/>
+                </a:solidFill>
+                <a:miter lim="800000"/>
+                <a:headEnd/>
+                <a:tailEnd/>
+              </a14:hiddenLine>
+            </a:ext>
+          </a:extLst>
+        </p:spPr>
+        <p:txBody>
+          <a:bodyPr vert="horz" wrap="square" lIns="0" tIns="0" rIns="0" bIns="0" anchor="ctr" anchorCtr="0">
+            <a:spAutoFit/>
+          </a:bodyPr>
+          <a:lstStyle/>
+          <a:p>
+            <a:pPr algn="ctr" defTabSz="3429743"/>
+            <a:r>
+              <a:rPr lang="en-US" sz="7202" b="1" spc="900">
+                <a:latin typeface="Lato Black" charset="0"/>
+                <a:ea typeface="Lato Black" charset="0"/>
+                <a:cs typeface="Lato Black" charset="0"/>
+                <a:sym typeface="Bebas Neue" charset="0"/>
+              </a:rPr>
+              <a:t>Cảm </a:t>
+            </a:r>
+            <a:r>
+              <a:rPr lang="vi-VN" sz="7202" b="1" spc="900">
+                <a:latin typeface="Lato Black" charset="0"/>
+                <a:ea typeface="Lato Black" charset="0"/>
+                <a:cs typeface="Lato Black" charset="0"/>
+                <a:sym typeface="Bebas Neue" charset="0"/>
+              </a:rPr>
+              <a:t>ơ</a:t>
+            </a:r>
+            <a:r>
+              <a:rPr lang="en-US" sz="7202" b="1" spc="900">
+                <a:latin typeface="Lato Black" charset="0"/>
+                <a:ea typeface="Lato Black" charset="0"/>
+                <a:cs typeface="Lato Black" charset="0"/>
+                <a:sym typeface="Bebas Neue" charset="0"/>
+              </a:rPr>
+              <a:t>n thầy cô và mọi ng</a:t>
+            </a:r>
+            <a:r>
+              <a:rPr lang="vi-VN" sz="7202" b="1" spc="900">
+                <a:latin typeface="Lato Black" charset="0"/>
+                <a:ea typeface="Lato Black" charset="0"/>
+                <a:cs typeface="Lato Black" charset="0"/>
+                <a:sym typeface="Bebas Neue" charset="0"/>
+              </a:rPr>
+              <a:t>ư</a:t>
+            </a:r>
+            <a:r>
+              <a:rPr lang="en-US" sz="7202" b="1" spc="900">
+                <a:latin typeface="Lato Black" charset="0"/>
+                <a:ea typeface="Lato Black" charset="0"/>
+                <a:cs typeface="Lato Black" charset="0"/>
+                <a:sym typeface="Bebas Neue" charset="0"/>
+              </a:rPr>
+              <a:t>ời đã lắng nghe</a:t>
+            </a:r>
+          </a:p>
+        </p:txBody>
+      </p:sp>
+      <p:pic>
+        <p:nvPicPr>
+          <p:cNvPr id="5" name="Graphic 4">
+            <a:extLst>
+              <a:ext uri="{FF2B5EF4-FFF2-40B4-BE49-F238E27FC236}">
+                <a16:creationId xmlns:a16="http://schemas.microsoft.com/office/drawing/2014/main" id="{D36C2E12-C812-48B2-A0EA-89CEC9DCD162}"/>
+              </a:ext>
+            </a:extLst>
+          </p:cNvPr>
+          <p:cNvPicPr>
+            <a:picLocks noChangeAspect="1"/>
+          </p:cNvPicPr>
+          <p:nvPr/>
+        </p:nvPicPr>
+        <p:blipFill>
+          <a:blip r:embed="rId2">
+            <a:extLst>
+              <a:ext uri="{28A0092B-C50C-407E-A947-70E740481C1C}">
+                <a14:useLocalDpi xmlns:a14="http://schemas.microsoft.com/office/drawing/2010/main" val="0"/>
+              </a:ext>
+              <a:ext uri="{96DAC541-7B7A-43D3-8B79-37D633B846F1}">
+                <asvg:svgBlip xmlns:asvg="http://schemas.microsoft.com/office/drawing/2016/SVG/main" r:embed="rId3"/>
+              </a:ext>
+            </a:extLst>
+          </a:blip>
+          <a:stretch>
+            <a:fillRect/>
+          </a:stretch>
+        </p:blipFill>
+        <p:spPr>
+          <a:xfrm>
+            <a:off x="7481757" y="431181"/>
+            <a:ext cx="3720725" cy="3958906"/>
+          </a:xfrm>
+          <a:prstGeom prst="rect">
+            <a:avLst/>
+          </a:prstGeom>
+          <a:effectLst>
+            <a:outerShdw blurRad="1003300" dist="1625600" dir="17580000" sx="99000" sy="99000" algn="r" rotWithShape="0">
+              <a:schemeClr val="bg1">
+                <a:alpha val="25000"/>
+              </a:schemeClr>
+            </a:outerShdw>
+          </a:effectLst>
+        </p:spPr>
+      </p:pic>
+    </p:spTree>
+    <p:extLst>
+      <p:ext uri="{BB962C8B-B14F-4D97-AF65-F5344CB8AC3E}">
+        <p14:creationId xmlns:p14="http://schemas.microsoft.com/office/powerpoint/2010/main" val="3847515448"/>
+      </p:ext>
+    </p:extLst>
+  </p:cSld>
+  <p:clrMapOvr>
+    <a:masterClrMapping/>
+  </p:clrMapOvr>
+  <p:transition spd="slow" advClick="0">
+    <p:cover/>
+  </p:transition>
+</p:sld>
+</file>
+
 <file path=ppt/slides/slide2.xml><?xml version="1.0" encoding="utf-8"?>
 <p:sld xmlns:a="http://schemas.openxmlformats.org/drawingml/2006/main" xmlns:r="http://schemas.openxmlformats.org/officeDocument/2006/relationships" xmlns:p="http://schemas.openxmlformats.org/presentationml/2006/main">
   <p:cSld>
@@ -5320,7 +8981,7 @@
             <a:r>
               <a:rPr lang="en-US" sz="6600" b="1">
                 <a:solidFill>
-                  <a:srgbClr val="2287D6"/>
+                  <a:srgbClr val="445469"/>
                 </a:solidFill>
                 <a:latin typeface="Lato Heavy" charset="0"/>
                 <a:ea typeface="Lato Heavy" charset="0"/>
@@ -5331,7 +8992,7 @@
             <a:r>
               <a:rPr lang="en-US" sz="5401" b="1">
                 <a:solidFill>
-                  <a:srgbClr val="2287D6"/>
+                  <a:srgbClr val="445469"/>
                 </a:solidFill>
                 <a:latin typeface="Lato Heavy" charset="0"/>
                 <a:ea typeface="Lato Heavy" charset="0"/>
@@ -5342,7 +9003,7 @@
             <a:r>
               <a:rPr lang="en-US" sz="6600" b="1">
                 <a:solidFill>
-                  <a:srgbClr val="2287D6"/>
+                  <a:srgbClr val="445469"/>
                 </a:solidFill>
                 <a:latin typeface="Lato Heavy" charset="0"/>
                 <a:ea typeface="Lato Heavy" charset="0"/>
@@ -5352,7 +9013,7 @@
             </a:r>
             <a:endParaRPr lang="id-ID" sz="5401" b="1">
               <a:solidFill>
-                <a:srgbClr val="2287D6"/>
+                <a:srgbClr val="445469"/>
               </a:solidFill>
               <a:latin typeface="Lato Heavy" charset="0"/>
               <a:ea typeface="Lato Heavy" charset="0"/>
@@ -6012,7 +9673,7 @@
                     <a:srgbClr val="364D65"/>
                   </a:solidFill>
                 </a:rPr>
-                <a:t>Demo</a:t>
+                <a:t>Demo kết quả</a:t>
               </a:r>
             </a:p>
           </p:txBody>
@@ -6111,10 +9772,68 @@
       </p:grpSpPr>
       <p:sp>
         <p:nvSpPr>
-          <p:cNvPr id="4" name="TextBox 3">
+          <p:cNvPr id="4" name="Date Placeholder 3">
             <a:extLst>
               <a:ext uri="{FF2B5EF4-FFF2-40B4-BE49-F238E27FC236}">
-                <a16:creationId xmlns:a16="http://schemas.microsoft.com/office/drawing/2014/main" id="{349FF29F-A1A2-420F-9295-9A4444567665}"/>
+                <a16:creationId xmlns:a16="http://schemas.microsoft.com/office/drawing/2014/main" id="{70F460BB-0D36-447E-8FB0-848F364C65BD}"/>
+              </a:ext>
+            </a:extLst>
+          </p:cNvPr>
+          <p:cNvSpPr>
+            <a:spLocks noGrp="1"/>
+          </p:cNvSpPr>
+          <p:nvPr>
+            <p:ph type="dt" sz="half" idx="10"/>
+          </p:nvPr>
+        </p:nvSpPr>
+        <p:spPr/>
+        <p:txBody>
+          <a:bodyPr/>
+          <a:lstStyle/>
+          <a:p>
+            <a:fld id="{65CD53DB-9474-488D-9862-FEFF505281D6}" type="datetime1">
+              <a:rPr lang="en-US" smtClean="0"/>
+              <a:t>12/5/2018</a:t>
+            </a:fld>
+            <a:endParaRPr lang="en-US"/>
+          </a:p>
+        </p:txBody>
+      </p:sp>
+      <p:sp>
+        <p:nvSpPr>
+          <p:cNvPr id="5" name="Footer Placeholder 4">
+            <a:extLst>
+              <a:ext uri="{FF2B5EF4-FFF2-40B4-BE49-F238E27FC236}">
+                <a16:creationId xmlns:a16="http://schemas.microsoft.com/office/drawing/2014/main" id="{F57E6744-A5B3-49E5-B75E-99BEB74567BA}"/>
+              </a:ext>
+            </a:extLst>
+          </p:cNvPr>
+          <p:cNvSpPr>
+            <a:spLocks noGrp="1"/>
+          </p:cNvSpPr>
+          <p:nvPr>
+            <p:ph type="ftr" sz="quarter" idx="11"/>
+          </p:nvPr>
+        </p:nvSpPr>
+        <p:spPr/>
+        <p:txBody>
+          <a:bodyPr/>
+          <a:lstStyle/>
+          <a:p>
+            <a:pPr algn="ctr"/>
+            <a:r>
+              <a:rPr lang="en-US"/>
+              <a:t>Hệ thống quản lí choỗi cửa hàng giặt ủi</a:t>
+            </a:r>
+          </a:p>
+        </p:txBody>
+      </p:sp>
+      <p:sp>
+        <p:nvSpPr>
+          <p:cNvPr id="6" name="TextBox 5">
+            <a:extLst>
+              <a:ext uri="{FF2B5EF4-FFF2-40B4-BE49-F238E27FC236}">
+                <a16:creationId xmlns:a16="http://schemas.microsoft.com/office/drawing/2014/main" id="{228CC9BB-EB1A-450C-A75F-B65F45F13188}"/>
               </a:ext>
             </a:extLst>
           </p:cNvPr>
@@ -6123,8 +9842,8 @@
         </p:nvSpPr>
         <p:spPr>
           <a:xfrm>
-            <a:off x="5460319" y="771688"/>
-            <a:ext cx="8134287" cy="1084916"/>
+            <a:off x="4044868" y="5938515"/>
+            <a:ext cx="10198263" cy="1838969"/>
           </a:xfrm>
           <a:prstGeom prst="rect">
             <a:avLst/>
@@ -6139,9 +9858,9 @@
           <a:p>
             <a:pPr algn="ctr"/>
             <a:r>
-              <a:rPr lang="en-US" sz="6600" b="1">
+              <a:rPr lang="en-US" sz="11500" b="1">
                 <a:solidFill>
-                  <a:srgbClr val="2287D6"/>
+                  <a:srgbClr val="445469"/>
                 </a:solidFill>
                 <a:latin typeface="Lato Heavy" charset="0"/>
                 <a:ea typeface="Lato Heavy" charset="0"/>
@@ -6149,9 +9868,9 @@
               </a:rPr>
               <a:t>Giới thiệu</a:t>
             </a:r>
-            <a:endParaRPr lang="id-ID" sz="5401" b="1">
+            <a:endParaRPr lang="id-ID" sz="8800" b="1">
               <a:solidFill>
-                <a:srgbClr val="2287D6"/>
+                <a:srgbClr val="445469"/>
               </a:solidFill>
               <a:latin typeface="Lato Heavy" charset="0"/>
               <a:ea typeface="Lato Heavy" charset="0"/>
@@ -6160,141 +9879,16 @@
           </a:p>
         </p:txBody>
       </p:sp>
-      <p:sp>
-        <p:nvSpPr>
-          <p:cNvPr id="6" name="Date Placeholder 5">
-            <a:extLst>
-              <a:ext uri="{FF2B5EF4-FFF2-40B4-BE49-F238E27FC236}">
-                <a16:creationId xmlns:a16="http://schemas.microsoft.com/office/drawing/2014/main" id="{4DB1461A-FAF4-43D8-BD39-E67D9CFFDF54}"/>
-              </a:ext>
-            </a:extLst>
-          </p:cNvPr>
-          <p:cNvSpPr>
-            <a:spLocks noGrp="1"/>
-          </p:cNvSpPr>
-          <p:nvPr>
-            <p:ph type="dt" sz="half" idx="10"/>
-          </p:nvPr>
-        </p:nvSpPr>
-        <p:spPr/>
-        <p:txBody>
-          <a:bodyPr/>
-          <a:lstStyle/>
-          <a:p>
-            <a:fld id="{CC2F3AFE-B587-4EA7-A71E-D5D1711BDBF4}" type="datetime1">
-              <a:rPr lang="en-US" smtClean="0">
-                <a:solidFill>
-                  <a:schemeClr val="bg1"/>
-                </a:solidFill>
-              </a:rPr>
-              <a:t>12/4/2018</a:t>
-            </a:fld>
-            <a:endParaRPr lang="en-US">
-              <a:solidFill>
-                <a:schemeClr val="bg1"/>
-              </a:solidFill>
-            </a:endParaRPr>
-          </a:p>
-        </p:txBody>
-      </p:sp>
-      <p:sp>
-        <p:nvSpPr>
-          <p:cNvPr id="7" name="Footer Placeholder 6">
-            <a:extLst>
-              <a:ext uri="{FF2B5EF4-FFF2-40B4-BE49-F238E27FC236}">
-                <a16:creationId xmlns:a16="http://schemas.microsoft.com/office/drawing/2014/main" id="{754D3DE7-1D0F-49BF-8DB3-87320527AB40}"/>
-              </a:ext>
-            </a:extLst>
-          </p:cNvPr>
-          <p:cNvSpPr>
-            <a:spLocks noGrp="1"/>
-          </p:cNvSpPr>
-          <p:nvPr>
-            <p:ph type="ftr" sz="quarter" idx="11"/>
-          </p:nvPr>
-        </p:nvSpPr>
-        <p:spPr/>
-        <p:txBody>
-          <a:bodyPr/>
-          <a:lstStyle/>
-          <a:p>
-            <a:pPr algn="ctr"/>
-            <a:r>
-              <a:rPr lang="en-US"/>
-              <a:t>Hệ thống quản lí choỗi cửa hàng giặt ủi</a:t>
-            </a:r>
-          </a:p>
-        </p:txBody>
-      </p:sp>
-      <p:sp>
-        <p:nvSpPr>
-          <p:cNvPr id="8" name="TextBox 7">
-            <a:extLst>
-              <a:ext uri="{FF2B5EF4-FFF2-40B4-BE49-F238E27FC236}">
-                <a16:creationId xmlns:a16="http://schemas.microsoft.com/office/drawing/2014/main" id="{270D97FE-8B67-4F90-82B8-443323BA1946}"/>
-              </a:ext>
-            </a:extLst>
-          </p:cNvPr>
-          <p:cNvSpPr txBox="1"/>
-          <p:nvPr/>
-        </p:nvSpPr>
-        <p:spPr>
-          <a:xfrm>
-            <a:off x="1012371" y="2267245"/>
-            <a:ext cx="16132629" cy="2123658"/>
-          </a:xfrm>
-          <a:prstGeom prst="rect">
-            <a:avLst/>
-          </a:prstGeom>
-          <a:noFill/>
-        </p:spPr>
-        <p:txBody>
-          <a:bodyPr wrap="square" rtlCol="0">
-            <a:spAutoFit/>
-          </a:bodyPr>
-          <a:lstStyle/>
-          <a:p>
-            <a:pPr marL="979488" indent="-979488">
-              <a:buFont typeface="Yu Gothic UI" panose="020B0500000000000000" pitchFamily="34" charset="-128"/>
-              <a:buChar char="⃝"/>
-            </a:pPr>
-            <a:r>
-              <a:rPr lang="en-US" sz="4400" b="1"/>
-              <a:t>Đặt vấn đề</a:t>
-            </a:r>
-          </a:p>
-          <a:p>
-            <a:pPr marL="979488" indent="-979488">
-              <a:buFont typeface="Yu Gothic UI" panose="020B0500000000000000" pitchFamily="34" charset="-128"/>
-              <a:buChar char="⃝"/>
-            </a:pPr>
-            <a:r>
-              <a:rPr lang="en-US" sz="4400"/>
-              <a:t>Phạm vi đề tài</a:t>
-            </a:r>
-          </a:p>
-          <a:p>
-            <a:pPr marL="979488" indent="-979488">
-              <a:buFont typeface="Yu Gothic UI" panose="020B0500000000000000" pitchFamily="34" charset="-128"/>
-              <a:buChar char="⃝"/>
-            </a:pPr>
-            <a:endParaRPr lang="en-US" sz="4400"/>
-          </a:p>
-        </p:txBody>
-      </p:sp>
     </p:spTree>
     <p:extLst>
       <p:ext uri="{BB962C8B-B14F-4D97-AF65-F5344CB8AC3E}">
-        <p14:creationId xmlns:p14="http://schemas.microsoft.com/office/powerpoint/2010/main" val="3399295316"/>
+        <p14:creationId xmlns:p14="http://schemas.microsoft.com/office/powerpoint/2010/main" val="1217163801"/>
       </p:ext>
     </p:extLst>
   </p:cSld>
   <p:clrMapOvr>
     <a:masterClrMapping/>
   </p:clrMapOvr>
-  <p:transition spd="slow">
-    <p:cover/>
-  </p:transition>
 </p:sld>
 </file>
 
@@ -6317,156 +9911,1738 @@
       </p:grpSpPr>
       <p:sp>
         <p:nvSpPr>
-          <p:cNvPr id="21" name="Rectangle 20"/>
-          <p:cNvSpPr>
-            <a:spLocks/>
-          </p:cNvSpPr>
+          <p:cNvPr id="4" name="TextBox 3">
+            <a:extLst>
+              <a:ext uri="{FF2B5EF4-FFF2-40B4-BE49-F238E27FC236}">
+                <a16:creationId xmlns:a16="http://schemas.microsoft.com/office/drawing/2014/main" id="{349FF29F-A1A2-420F-9295-9A4444567665}"/>
+              </a:ext>
+            </a:extLst>
+          </p:cNvPr>
+          <p:cNvSpPr txBox="1"/>
           <p:nvPr/>
         </p:nvSpPr>
-        <p:spPr bwMode="auto">
+        <p:spPr>
           <a:xfrm>
-            <a:off x="2773680" y="5218567"/>
-            <a:ext cx="13136880" cy="2216632"/>
+            <a:off x="5460319" y="771688"/>
+            <a:ext cx="8134287" cy="1084916"/>
           </a:xfrm>
           <a:prstGeom prst="rect">
             <a:avLst/>
           </a:prstGeom>
           <a:noFill/>
-          <a:ln>
-            <a:noFill/>
-          </a:ln>
-          <a:extLst>
-            <a:ext uri="{909E8E84-426E-40dd-AFC4-6F175D3DCCD1}">
-              <a14:hiddenFill xmlns:a14="http://schemas.microsoft.com/office/drawing/2010/main" xmlns="">
-                <a:solidFill>
-                  <a:srgbClr val="FFFFFF"/>
-                </a:solidFill>
-              </a14:hiddenFill>
-            </a:ext>
-            <a:ext uri="{91240B29-F687-4f45-9708-019B960494DF}">
-              <a14:hiddenLine xmlns:a14="http://schemas.microsoft.com/office/drawing/2010/main" xmlns="" w="12700">
-                <a:solidFill>
-                  <a:schemeClr val="tx1"/>
-                </a:solidFill>
-                <a:miter lim="800000"/>
-                <a:headEnd/>
-                <a:tailEnd/>
-              </a14:hiddenLine>
-            </a:ext>
-          </a:extLst>
         </p:spPr>
         <p:txBody>
-          <a:bodyPr vert="horz" wrap="square" lIns="0" tIns="0" rIns="0" bIns="0" anchor="ctr" anchorCtr="0">
+          <a:bodyPr wrap="square" lIns="68584" tIns="34292" rIns="68584" bIns="34292" rtlCol="0">
             <a:spAutoFit/>
           </a:bodyPr>
           <a:lstStyle/>
           <a:p>
-            <a:pPr algn="ctr" defTabSz="3429743"/>
-            <a:r>
-              <a:rPr lang="en-US" sz="7202" b="1" spc="900">
-                <a:latin typeface="Lato Black" charset="0"/>
-                <a:ea typeface="Lato Black" charset="0"/>
-                <a:cs typeface="Lato Black" charset="0"/>
-                <a:sym typeface="Bebas Neue" charset="0"/>
-              </a:rPr>
-              <a:t>Cảm </a:t>
-            </a:r>
-            <a:r>
-              <a:rPr lang="vi-VN" sz="7202" b="1" spc="900">
-                <a:latin typeface="Lato Black" charset="0"/>
-                <a:ea typeface="Lato Black" charset="0"/>
-                <a:cs typeface="Lato Black" charset="0"/>
-                <a:sym typeface="Bebas Neue" charset="0"/>
-              </a:rPr>
-              <a:t>ơ</a:t>
-            </a:r>
-            <a:r>
-              <a:rPr lang="en-US" sz="7202" b="1" spc="900">
-                <a:latin typeface="Lato Black" charset="0"/>
-                <a:ea typeface="Lato Black" charset="0"/>
-                <a:cs typeface="Lato Black" charset="0"/>
-                <a:sym typeface="Bebas Neue" charset="0"/>
-              </a:rPr>
-              <a:t>n thầy cô và mọi ng</a:t>
-            </a:r>
-            <a:r>
-              <a:rPr lang="vi-VN" sz="7202" b="1" spc="900">
-                <a:latin typeface="Lato Black" charset="0"/>
-                <a:ea typeface="Lato Black" charset="0"/>
-                <a:cs typeface="Lato Black" charset="0"/>
-                <a:sym typeface="Bebas Neue" charset="0"/>
-              </a:rPr>
-              <a:t>ư</a:t>
-            </a:r>
-            <a:r>
-              <a:rPr lang="en-US" sz="7202" b="1" spc="900">
-                <a:latin typeface="Lato Black" charset="0"/>
-                <a:ea typeface="Lato Black" charset="0"/>
-                <a:cs typeface="Lato Black" charset="0"/>
-                <a:sym typeface="Bebas Neue" charset="0"/>
-              </a:rPr>
-              <a:t>ời đã lắng nghe</a:t>
-            </a:r>
-          </a:p>
-        </p:txBody>
-      </p:sp>
-      <p:pic>
-        <p:nvPicPr>
-          <p:cNvPr id="5" name="Graphic 4">
+            <a:pPr algn="ctr"/>
+            <a:r>
+              <a:rPr lang="en-US" sz="6600" b="1">
+                <a:solidFill>
+                  <a:srgbClr val="445469"/>
+                </a:solidFill>
+                <a:latin typeface="Lato Heavy" charset="0"/>
+                <a:ea typeface="Lato Heavy" charset="0"/>
+                <a:cs typeface="Lato Heavy" charset="0"/>
+              </a:rPr>
+              <a:t>Đặt vấn đề</a:t>
+            </a:r>
+            <a:endParaRPr lang="id-ID" sz="5401" b="1">
+              <a:solidFill>
+                <a:srgbClr val="445469"/>
+              </a:solidFill>
+              <a:latin typeface="Lato Heavy" charset="0"/>
+              <a:ea typeface="Lato Heavy" charset="0"/>
+              <a:cs typeface="Lato Heavy" charset="0"/>
+            </a:endParaRPr>
+          </a:p>
+        </p:txBody>
+      </p:sp>
+      <p:sp>
+        <p:nvSpPr>
+          <p:cNvPr id="6" name="Date Placeholder 5">
             <a:extLst>
               <a:ext uri="{FF2B5EF4-FFF2-40B4-BE49-F238E27FC236}">
-                <a16:creationId xmlns:a16="http://schemas.microsoft.com/office/drawing/2014/main" id="{D36C2E12-C812-48B2-A0EA-89CEC9DCD162}"/>
+                <a16:creationId xmlns:a16="http://schemas.microsoft.com/office/drawing/2014/main" id="{4DB1461A-FAF4-43D8-BD39-E67D9CFFDF54}"/>
               </a:ext>
             </a:extLst>
           </p:cNvPr>
-          <p:cNvPicPr>
-            <a:picLocks noChangeAspect="1"/>
-          </p:cNvPicPr>
-          <p:nvPr/>
-        </p:nvPicPr>
-        <p:blipFill>
-          <a:blip r:embed="rId2">
+          <p:cNvSpPr>
+            <a:spLocks noGrp="1"/>
+          </p:cNvSpPr>
+          <p:nvPr>
+            <p:ph type="dt" sz="half" idx="10"/>
+          </p:nvPr>
+        </p:nvSpPr>
+        <p:spPr/>
+        <p:txBody>
+          <a:bodyPr/>
+          <a:lstStyle/>
+          <a:p>
+            <a:fld id="{CC2F3AFE-B587-4EA7-A71E-D5D1711BDBF4}" type="datetime1">
+              <a:rPr lang="en-US" smtClean="0">
+                <a:solidFill>
+                  <a:schemeClr val="bg1"/>
+                </a:solidFill>
+              </a:rPr>
+              <a:t>12/5/2018</a:t>
+            </a:fld>
+            <a:endParaRPr lang="en-US">
+              <a:solidFill>
+                <a:schemeClr val="bg1"/>
+              </a:solidFill>
+            </a:endParaRPr>
+          </a:p>
+        </p:txBody>
+      </p:sp>
+      <p:sp>
+        <p:nvSpPr>
+          <p:cNvPr id="7" name="Footer Placeholder 6">
             <a:extLst>
-              <a:ext uri="{28A0092B-C50C-407E-A947-70E740481C1C}">
-                <a14:useLocalDpi xmlns:a14="http://schemas.microsoft.com/office/drawing/2010/main" val="0"/>
-              </a:ext>
-              <a:ext uri="{96DAC541-7B7A-43D3-8B79-37D633B846F1}">
-                <asvg:svgBlip xmlns:asvg="http://schemas.microsoft.com/office/drawing/2016/SVG/main" r:embed="rId3"/>
+              <a:ext uri="{FF2B5EF4-FFF2-40B4-BE49-F238E27FC236}">
+                <a16:creationId xmlns:a16="http://schemas.microsoft.com/office/drawing/2014/main" id="{754D3DE7-1D0F-49BF-8DB3-87320527AB40}"/>
               </a:ext>
             </a:extLst>
-          </a:blip>
-          <a:stretch>
-            <a:fillRect/>
-          </a:stretch>
-        </p:blipFill>
+          </p:cNvPr>
+          <p:cNvSpPr>
+            <a:spLocks noGrp="1"/>
+          </p:cNvSpPr>
+          <p:nvPr>
+            <p:ph type="ftr" sz="quarter" idx="11"/>
+          </p:nvPr>
+        </p:nvSpPr>
+        <p:spPr/>
+        <p:txBody>
+          <a:bodyPr/>
+          <a:lstStyle/>
+          <a:p>
+            <a:pPr algn="ctr"/>
+            <a:r>
+              <a:rPr lang="en-US"/>
+              <a:t>Hệ thống quản lí choỗi cửa hàng giặt ủi</a:t>
+            </a:r>
+          </a:p>
+        </p:txBody>
+      </p:sp>
+      <p:sp>
+        <p:nvSpPr>
+          <p:cNvPr id="8" name="TextBox 7">
+            <a:extLst>
+              <a:ext uri="{FF2B5EF4-FFF2-40B4-BE49-F238E27FC236}">
+                <a16:creationId xmlns:a16="http://schemas.microsoft.com/office/drawing/2014/main" id="{270D97FE-8B67-4F90-82B8-443323BA1946}"/>
+              </a:ext>
+            </a:extLst>
+          </p:cNvPr>
+          <p:cNvSpPr txBox="1"/>
+          <p:nvPr/>
+        </p:nvSpPr>
         <p:spPr>
           <a:xfrm>
-            <a:off x="7481757" y="431181"/>
-            <a:ext cx="3720725" cy="3958906"/>
+            <a:off x="1012372" y="2267245"/>
+            <a:ext cx="1140894" cy="2646878"/>
           </a:xfrm>
           <a:prstGeom prst="rect">
             <a:avLst/>
           </a:prstGeom>
-          <a:effectLst>
-            <a:outerShdw blurRad="1003300" dist="1625600" dir="17580000" sx="99000" sy="99000" algn="r" rotWithShape="0">
-              <a:schemeClr val="bg1">
-                <a:alpha val="25000"/>
-              </a:schemeClr>
-            </a:outerShdw>
-          </a:effectLst>
+          <a:noFill/>
         </p:spPr>
-      </p:pic>
+        <p:txBody>
+          <a:bodyPr wrap="square" rtlCol="0">
+            <a:spAutoFit/>
+          </a:bodyPr>
+          <a:lstStyle/>
+          <a:p>
+            <a:r>
+              <a:rPr lang="en-US" sz="16600" b="1"/>
+              <a:t>“</a:t>
+            </a:r>
+            <a:endParaRPr lang="en-US" sz="4400" b="1"/>
+          </a:p>
+        </p:txBody>
+      </p:sp>
+      <p:sp>
+        <p:nvSpPr>
+          <p:cNvPr id="10" name="TextBox 9">
+            <a:extLst>
+              <a:ext uri="{FF2B5EF4-FFF2-40B4-BE49-F238E27FC236}">
+                <a16:creationId xmlns:a16="http://schemas.microsoft.com/office/drawing/2014/main" id="{E79BEA05-FE9C-4D22-87F7-5BA3946A2AD2}"/>
+              </a:ext>
+            </a:extLst>
+          </p:cNvPr>
+          <p:cNvSpPr txBox="1"/>
+          <p:nvPr/>
+        </p:nvSpPr>
+        <p:spPr>
+          <a:xfrm>
+            <a:off x="2389240" y="2580559"/>
+            <a:ext cx="13745495" cy="8648521"/>
+          </a:xfrm>
+          <a:prstGeom prst="rect">
+            <a:avLst/>
+          </a:prstGeom>
+          <a:noFill/>
+        </p:spPr>
+        <p:txBody>
+          <a:bodyPr wrap="square" rtlCol="0">
+            <a:spAutoFit/>
+          </a:bodyPr>
+          <a:lstStyle/>
+          <a:p>
+            <a:pPr algn="just">
+              <a:spcBef>
+                <a:spcPts val="600"/>
+              </a:spcBef>
+              <a:spcAft>
+                <a:spcPts val="600"/>
+              </a:spcAft>
+            </a:pPr>
+            <a:r>
+              <a:rPr lang="en-US" sz="4200">
+                <a:solidFill>
+                  <a:schemeClr val="bg2">
+                    <a:lumMod val="25000"/>
+                  </a:schemeClr>
+                </a:solidFill>
+                <a:latin typeface="Calibri" panose="020F0502020204030204" pitchFamily="34" charset="0"/>
+                <a:cs typeface="Calibri" panose="020F0502020204030204" pitchFamily="34" charset="0"/>
+              </a:rPr>
+              <a:t>		V</a:t>
+            </a:r>
+            <a:r>
+              <a:rPr lang="vi-VN" sz="4200">
+                <a:solidFill>
+                  <a:schemeClr val="bg2">
+                    <a:lumMod val="25000"/>
+                  </a:schemeClr>
+                </a:solidFill>
+                <a:latin typeface="Calibri" panose="020F0502020204030204" pitchFamily="34" charset="0"/>
+                <a:cs typeface="Calibri" panose="020F0502020204030204" pitchFamily="34" charset="0"/>
+              </a:rPr>
+              <a:t>ấn đề bất cập ở đây là trong trường hợp ta đang bận rộn không thể đem quần áo đến tận nơi để gửi giặt là thứ nhất, thứ hai nếu chúng ta có nhiều loại quần áo và mong muốn giặt giũ với những hình thức khác nhau nhưng lại không biết cửa hàng nào có đầy đủ các hình thức mình đang cần. Bên cạnh đó, ta không chủ động được thời gian lấy quần áo nếu không được chủ của hàng cho một lịch hẹn sau khi nhận đồ giặt. </a:t>
+            </a:r>
+          </a:p>
+          <a:p>
+            <a:pPr algn="just">
+              <a:spcBef>
+                <a:spcPts val="600"/>
+              </a:spcBef>
+              <a:spcAft>
+                <a:spcPts val="600"/>
+              </a:spcAft>
+            </a:pPr>
+            <a:r>
+              <a:rPr lang="en-US" sz="4200">
+                <a:solidFill>
+                  <a:schemeClr val="bg2">
+                    <a:lumMod val="25000"/>
+                  </a:schemeClr>
+                </a:solidFill>
+                <a:latin typeface="Calibri" panose="020F0502020204030204" pitchFamily="34" charset="0"/>
+                <a:cs typeface="Calibri" panose="020F0502020204030204" pitchFamily="34" charset="0"/>
+              </a:rPr>
+              <a:t>		C</a:t>
+            </a:r>
+            <a:r>
+              <a:rPr lang="vi-VN" sz="4200">
+                <a:solidFill>
+                  <a:schemeClr val="bg2">
+                    <a:lumMod val="25000"/>
+                  </a:schemeClr>
+                </a:solidFill>
+                <a:latin typeface="Calibri" panose="020F0502020204030204" pitchFamily="34" charset="0"/>
+                <a:cs typeface="Calibri" panose="020F0502020204030204" pitchFamily="34" charset="0"/>
+              </a:rPr>
+              <a:t>hủ cửa hàng một phải đối mặt với vấn đề sắp xếp các đơn hàng như thế nào để hoàn tất việc xử lí các đơn hàng một cách nhanh nhất và tiết kiệm nhất có thể. Việc xử lí bằng cách sổ sách ghi chép, hay sắp xếp đơn hàng theo thứ tự đơn hàng nào đến trước xử lí trước</a:t>
+            </a:r>
+            <a:r>
+              <a:rPr lang="en-US" sz="4200">
+                <a:solidFill>
+                  <a:schemeClr val="bg2">
+                    <a:lumMod val="25000"/>
+                  </a:schemeClr>
+                </a:solidFill>
+                <a:latin typeface="Calibri" panose="020F0502020204030204" pitchFamily="34" charset="0"/>
+                <a:cs typeface="Calibri" panose="020F0502020204030204" pitchFamily="34" charset="0"/>
+              </a:rPr>
+              <a:t>. </a:t>
+            </a:r>
+            <a:r>
+              <a:rPr lang="vi-VN" sz="4200">
+                <a:solidFill>
+                  <a:schemeClr val="bg2">
+                    <a:lumMod val="25000"/>
+                  </a:schemeClr>
+                </a:solidFill>
+                <a:latin typeface="Calibri" panose="020F0502020204030204" pitchFamily="34" charset="0"/>
+                <a:cs typeface="Calibri" panose="020F0502020204030204" pitchFamily="34" charset="0"/>
+              </a:rPr>
+              <a:t>Cũng như việc phân loại đồ theo cách thủ công tốn thời gian.	</a:t>
+            </a:r>
+          </a:p>
+        </p:txBody>
+      </p:sp>
+      <p:sp>
+        <p:nvSpPr>
+          <p:cNvPr id="11" name="TextBox 10">
+            <a:extLst>
+              <a:ext uri="{FF2B5EF4-FFF2-40B4-BE49-F238E27FC236}">
+                <a16:creationId xmlns:a16="http://schemas.microsoft.com/office/drawing/2014/main" id="{F55662BB-FB42-4905-98A3-BE74BCD65E85}"/>
+              </a:ext>
+            </a:extLst>
+          </p:cNvPr>
+          <p:cNvSpPr txBox="1"/>
+          <p:nvPr/>
+        </p:nvSpPr>
+        <p:spPr>
+          <a:xfrm>
+            <a:off x="16134735" y="9741652"/>
+            <a:ext cx="707923" cy="2923877"/>
+          </a:xfrm>
+          <a:prstGeom prst="rect">
+            <a:avLst/>
+          </a:prstGeom>
+          <a:noFill/>
+        </p:spPr>
+        <p:txBody>
+          <a:bodyPr wrap="square" rtlCol="0">
+            <a:spAutoFit/>
+          </a:bodyPr>
+          <a:lstStyle/>
+          <a:p>
+            <a:r>
+              <a:rPr lang="en-US" sz="16600" b="1"/>
+              <a:t>”</a:t>
+            </a:r>
+          </a:p>
+          <a:p>
+            <a:endParaRPr lang="en-US"/>
+          </a:p>
+        </p:txBody>
+      </p:sp>
     </p:spTree>
     <p:extLst>
       <p:ext uri="{BB962C8B-B14F-4D97-AF65-F5344CB8AC3E}">
-        <p14:creationId xmlns:p14="http://schemas.microsoft.com/office/powerpoint/2010/main" val="3847515448"/>
+        <p14:creationId xmlns:p14="http://schemas.microsoft.com/office/powerpoint/2010/main" val="3399295316"/>
       </p:ext>
     </p:extLst>
   </p:cSld>
   <p:clrMapOvr>
     <a:masterClrMapping/>
   </p:clrMapOvr>
-  <p:transition spd="slow" advClick="0">
+  <p:transition spd="slow">
+    <p:cover/>
+  </p:transition>
+</p:sld>
+</file>
+
+<file path=ppt/slides/slide5.xml><?xml version="1.0" encoding="utf-8"?>
+<p:sld xmlns:a="http://schemas.openxmlformats.org/drawingml/2006/main" xmlns:r="http://schemas.openxmlformats.org/officeDocument/2006/relationships" xmlns:p="http://schemas.openxmlformats.org/presentationml/2006/main">
+  <p:cSld>
+    <p:spTree>
+      <p:nvGrpSpPr>
+        <p:cNvPr id="1" name=""/>
+        <p:cNvGrpSpPr/>
+        <p:nvPr/>
+      </p:nvGrpSpPr>
+      <p:grpSpPr>
+        <a:xfrm>
+          <a:off x="0" y="0"/>
+          <a:ext cx="0" cy="0"/>
+          <a:chOff x="0" y="0"/>
+          <a:chExt cx="0" cy="0"/>
+        </a:xfrm>
+      </p:grpSpPr>
+      <p:sp>
+        <p:nvSpPr>
+          <p:cNvPr id="4" name="TextBox 3">
+            <a:extLst>
+              <a:ext uri="{FF2B5EF4-FFF2-40B4-BE49-F238E27FC236}">
+                <a16:creationId xmlns:a16="http://schemas.microsoft.com/office/drawing/2014/main" id="{349FF29F-A1A2-420F-9295-9A4444567665}"/>
+              </a:ext>
+            </a:extLst>
+          </p:cNvPr>
+          <p:cNvSpPr txBox="1"/>
+          <p:nvPr/>
+        </p:nvSpPr>
+        <p:spPr>
+          <a:xfrm>
+            <a:off x="5460319" y="771688"/>
+            <a:ext cx="8134287" cy="1084916"/>
+          </a:xfrm>
+          <a:prstGeom prst="rect">
+            <a:avLst/>
+          </a:prstGeom>
+          <a:noFill/>
+        </p:spPr>
+        <p:txBody>
+          <a:bodyPr wrap="square" lIns="68584" tIns="34292" rIns="68584" bIns="34292" rtlCol="0">
+            <a:spAutoFit/>
+          </a:bodyPr>
+          <a:lstStyle/>
+          <a:p>
+            <a:pPr algn="ctr"/>
+            <a:r>
+              <a:rPr lang="en-US" sz="6600" b="1">
+                <a:solidFill>
+                  <a:srgbClr val="445469"/>
+                </a:solidFill>
+                <a:latin typeface="Lato Heavy" charset="0"/>
+                <a:ea typeface="Lato Heavy" charset="0"/>
+                <a:cs typeface="Lato Heavy" charset="0"/>
+              </a:rPr>
+              <a:t>Phạm vi đề tài</a:t>
+            </a:r>
+            <a:endParaRPr lang="id-ID" sz="5401" b="1">
+              <a:solidFill>
+                <a:srgbClr val="445469"/>
+              </a:solidFill>
+              <a:latin typeface="Lato Heavy" charset="0"/>
+              <a:ea typeface="Lato Heavy" charset="0"/>
+              <a:cs typeface="Lato Heavy" charset="0"/>
+            </a:endParaRPr>
+          </a:p>
+        </p:txBody>
+      </p:sp>
+      <p:sp>
+        <p:nvSpPr>
+          <p:cNvPr id="6" name="Date Placeholder 5">
+            <a:extLst>
+              <a:ext uri="{FF2B5EF4-FFF2-40B4-BE49-F238E27FC236}">
+                <a16:creationId xmlns:a16="http://schemas.microsoft.com/office/drawing/2014/main" id="{4DB1461A-FAF4-43D8-BD39-E67D9CFFDF54}"/>
+              </a:ext>
+            </a:extLst>
+          </p:cNvPr>
+          <p:cNvSpPr>
+            <a:spLocks noGrp="1"/>
+          </p:cNvSpPr>
+          <p:nvPr>
+            <p:ph type="dt" sz="half" idx="10"/>
+          </p:nvPr>
+        </p:nvSpPr>
+        <p:spPr/>
+        <p:txBody>
+          <a:bodyPr/>
+          <a:lstStyle/>
+          <a:p>
+            <a:fld id="{CC2F3AFE-B587-4EA7-A71E-D5D1711BDBF4}" type="datetime1">
+              <a:rPr lang="en-US" smtClean="0">
+                <a:solidFill>
+                  <a:schemeClr val="bg1"/>
+                </a:solidFill>
+              </a:rPr>
+              <a:t>12/5/2018</a:t>
+            </a:fld>
+            <a:endParaRPr lang="en-US">
+              <a:solidFill>
+                <a:schemeClr val="bg1"/>
+              </a:solidFill>
+            </a:endParaRPr>
+          </a:p>
+        </p:txBody>
+      </p:sp>
+      <p:sp>
+        <p:nvSpPr>
+          <p:cNvPr id="7" name="Footer Placeholder 6">
+            <a:extLst>
+              <a:ext uri="{FF2B5EF4-FFF2-40B4-BE49-F238E27FC236}">
+                <a16:creationId xmlns:a16="http://schemas.microsoft.com/office/drawing/2014/main" id="{754D3DE7-1D0F-49BF-8DB3-87320527AB40}"/>
+              </a:ext>
+            </a:extLst>
+          </p:cNvPr>
+          <p:cNvSpPr>
+            <a:spLocks noGrp="1"/>
+          </p:cNvSpPr>
+          <p:nvPr>
+            <p:ph type="ftr" sz="quarter" idx="11"/>
+          </p:nvPr>
+        </p:nvSpPr>
+        <p:spPr/>
+        <p:txBody>
+          <a:bodyPr/>
+          <a:lstStyle/>
+          <a:p>
+            <a:pPr algn="ctr"/>
+            <a:r>
+              <a:rPr lang="en-US"/>
+              <a:t>Hệ thống quản lí choỗi cửa hàng giặt ủi</a:t>
+            </a:r>
+          </a:p>
+        </p:txBody>
+      </p:sp>
+      <p:sp>
+        <p:nvSpPr>
+          <p:cNvPr id="8" name="TextBox 7">
+            <a:extLst>
+              <a:ext uri="{FF2B5EF4-FFF2-40B4-BE49-F238E27FC236}">
+                <a16:creationId xmlns:a16="http://schemas.microsoft.com/office/drawing/2014/main" id="{270D97FE-8B67-4F90-82B8-443323BA1946}"/>
+              </a:ext>
+            </a:extLst>
+          </p:cNvPr>
+          <p:cNvSpPr txBox="1"/>
+          <p:nvPr/>
+        </p:nvSpPr>
+        <p:spPr>
+          <a:xfrm>
+            <a:off x="1257300" y="2390359"/>
+            <a:ext cx="15646985" cy="8833187"/>
+          </a:xfrm>
+          <a:prstGeom prst="rect">
+            <a:avLst/>
+          </a:prstGeom>
+          <a:noFill/>
+        </p:spPr>
+        <p:txBody>
+          <a:bodyPr wrap="square" rtlCol="0">
+            <a:spAutoFit/>
+          </a:bodyPr>
+          <a:lstStyle/>
+          <a:p>
+            <a:pPr marL="1416050" lvl="3" indent="-979488" algn="just">
+              <a:spcBef>
+                <a:spcPts val="1200"/>
+              </a:spcBef>
+              <a:spcAft>
+                <a:spcPts val="1200"/>
+              </a:spcAft>
+              <a:buFont typeface="Courier New" panose="02070309020205020404" pitchFamily="49" charset="0"/>
+              <a:buChar char="o"/>
+            </a:pPr>
+            <a:r>
+              <a:rPr lang="vi-VN" sz="4800">
+                <a:latin typeface="Calibri" panose="020F0502020204030204" pitchFamily="34" charset="0"/>
+                <a:cs typeface="Calibri" panose="020F0502020204030204" pitchFamily="34" charset="0"/>
+              </a:rPr>
+              <a:t>Ứng dụng Android hỗ trợ khách hàng chọn dịch vụ mình cần thiết và tìm kiếm những chi nhánh của hàng có hỗ trợ đầy đủ dịch vụ khách hàng đã chọn lựa. </a:t>
+            </a:r>
+            <a:endParaRPr lang="en-US" sz="4800">
+              <a:latin typeface="Calibri" panose="020F0502020204030204" pitchFamily="34" charset="0"/>
+              <a:cs typeface="Calibri" panose="020F0502020204030204" pitchFamily="34" charset="0"/>
+            </a:endParaRPr>
+          </a:p>
+          <a:p>
+            <a:pPr marL="1416050" lvl="3" indent="-979488" algn="just">
+              <a:spcBef>
+                <a:spcPts val="1200"/>
+              </a:spcBef>
+              <a:spcAft>
+                <a:spcPts val="1200"/>
+              </a:spcAft>
+              <a:buFont typeface="Courier New" panose="02070309020205020404" pitchFamily="49" charset="0"/>
+              <a:buChar char="o"/>
+            </a:pPr>
+            <a:r>
+              <a:rPr lang="vi-VN" sz="4800">
+                <a:latin typeface="Calibri" panose="020F0502020204030204" pitchFamily="34" charset="0"/>
+                <a:cs typeface="Calibri" panose="020F0502020204030204" pitchFamily="34" charset="0"/>
+              </a:rPr>
+              <a:t>Ứng dụng web quản lí cửa hàng có thể quản lí các đơn hàng, biên nhận bằng cách kiểm soát trạng thái của chúng. Hỗ trợ đưa ra gợi ý sắp lịch xử lí đơn hàng cho cửa hàng và phân loại tự động giúp tiết kiệm thời gian có thể.</a:t>
+            </a:r>
+          </a:p>
+          <a:p>
+            <a:pPr marL="1416050" lvl="3" indent="-979488" algn="just">
+              <a:spcBef>
+                <a:spcPts val="1200"/>
+              </a:spcBef>
+              <a:spcAft>
+                <a:spcPts val="1200"/>
+              </a:spcAft>
+              <a:buFont typeface="Courier New" panose="02070309020205020404" pitchFamily="49" charset="0"/>
+              <a:buChar char="o"/>
+            </a:pPr>
+            <a:r>
+              <a:rPr lang="vi-VN" sz="4800">
+                <a:latin typeface="Calibri" panose="020F0502020204030204" pitchFamily="34" charset="0"/>
+                <a:cs typeface="Calibri" panose="020F0502020204030204" pitchFamily="34" charset="0"/>
+              </a:rPr>
+              <a:t>Đề tài hiện tại không hỗ trợ xây dựng trang quản lí các thông tin dữ liệu đầu vào để tạo đơn hàng cũng như quản lí. Mọi dữ liệu được chạy từ tập tin dữ liệu có sẵn.</a:t>
+            </a:r>
+          </a:p>
+        </p:txBody>
+      </p:sp>
+    </p:spTree>
+    <p:extLst>
+      <p:ext uri="{BB962C8B-B14F-4D97-AF65-F5344CB8AC3E}">
+        <p14:creationId xmlns:p14="http://schemas.microsoft.com/office/powerpoint/2010/main" val="2643899141"/>
+      </p:ext>
+    </p:extLst>
+  </p:cSld>
+  <p:clrMapOvr>
+    <a:masterClrMapping/>
+  </p:clrMapOvr>
+  <p:transition spd="slow">
+    <p:cover/>
+  </p:transition>
+</p:sld>
+</file>
+
+<file path=ppt/slides/slide6.xml><?xml version="1.0" encoding="utf-8"?>
+<p:sld xmlns:a="http://schemas.openxmlformats.org/drawingml/2006/main" xmlns:r="http://schemas.openxmlformats.org/officeDocument/2006/relationships" xmlns:p="http://schemas.openxmlformats.org/presentationml/2006/main">
+  <p:cSld>
+    <p:spTree>
+      <p:nvGrpSpPr>
+        <p:cNvPr id="1" name=""/>
+        <p:cNvGrpSpPr/>
+        <p:nvPr/>
+      </p:nvGrpSpPr>
+      <p:grpSpPr>
+        <a:xfrm>
+          <a:off x="0" y="0"/>
+          <a:ext cx="0" cy="0"/>
+          <a:chOff x="0" y="0"/>
+          <a:chExt cx="0" cy="0"/>
+        </a:xfrm>
+      </p:grpSpPr>
+      <p:sp>
+        <p:nvSpPr>
+          <p:cNvPr id="4" name="TextBox 3">
+            <a:extLst>
+              <a:ext uri="{FF2B5EF4-FFF2-40B4-BE49-F238E27FC236}">
+                <a16:creationId xmlns:a16="http://schemas.microsoft.com/office/drawing/2014/main" id="{349FF29F-A1A2-420F-9295-9A4444567665}"/>
+              </a:ext>
+            </a:extLst>
+          </p:cNvPr>
+          <p:cNvSpPr txBox="1"/>
+          <p:nvPr/>
+        </p:nvSpPr>
+        <p:spPr>
+          <a:xfrm>
+            <a:off x="5460319" y="771688"/>
+            <a:ext cx="8134287" cy="1084916"/>
+          </a:xfrm>
+          <a:prstGeom prst="rect">
+            <a:avLst/>
+          </a:prstGeom>
+          <a:noFill/>
+        </p:spPr>
+        <p:txBody>
+          <a:bodyPr wrap="square" lIns="68584" tIns="34292" rIns="68584" bIns="34292" rtlCol="0">
+            <a:spAutoFit/>
+          </a:bodyPr>
+          <a:lstStyle/>
+          <a:p>
+            <a:pPr algn="ctr"/>
+            <a:r>
+              <a:rPr lang="en-US" sz="6600" b="1">
+                <a:solidFill>
+                  <a:srgbClr val="445469"/>
+                </a:solidFill>
+                <a:latin typeface="Lato Heavy" charset="0"/>
+                <a:ea typeface="Lato Heavy" charset="0"/>
+                <a:cs typeface="Lato Heavy" charset="0"/>
+              </a:rPr>
+              <a:t>Mục tiêu đề tài</a:t>
+            </a:r>
+            <a:endParaRPr lang="id-ID" sz="5401" b="1">
+              <a:solidFill>
+                <a:srgbClr val="445469"/>
+              </a:solidFill>
+              <a:latin typeface="Lato Heavy" charset="0"/>
+              <a:ea typeface="Lato Heavy" charset="0"/>
+              <a:cs typeface="Lato Heavy" charset="0"/>
+            </a:endParaRPr>
+          </a:p>
+        </p:txBody>
+      </p:sp>
+      <p:sp>
+        <p:nvSpPr>
+          <p:cNvPr id="6" name="Date Placeholder 5">
+            <a:extLst>
+              <a:ext uri="{FF2B5EF4-FFF2-40B4-BE49-F238E27FC236}">
+                <a16:creationId xmlns:a16="http://schemas.microsoft.com/office/drawing/2014/main" id="{4DB1461A-FAF4-43D8-BD39-E67D9CFFDF54}"/>
+              </a:ext>
+            </a:extLst>
+          </p:cNvPr>
+          <p:cNvSpPr>
+            <a:spLocks noGrp="1"/>
+          </p:cNvSpPr>
+          <p:nvPr>
+            <p:ph type="dt" sz="half" idx="10"/>
+          </p:nvPr>
+        </p:nvSpPr>
+        <p:spPr/>
+        <p:txBody>
+          <a:bodyPr/>
+          <a:lstStyle/>
+          <a:p>
+            <a:fld id="{CC2F3AFE-B587-4EA7-A71E-D5D1711BDBF4}" type="datetime1">
+              <a:rPr lang="en-US" smtClean="0">
+                <a:solidFill>
+                  <a:schemeClr val="bg1"/>
+                </a:solidFill>
+              </a:rPr>
+              <a:t>12/5/2018</a:t>
+            </a:fld>
+            <a:endParaRPr lang="en-US">
+              <a:solidFill>
+                <a:schemeClr val="bg1"/>
+              </a:solidFill>
+            </a:endParaRPr>
+          </a:p>
+        </p:txBody>
+      </p:sp>
+      <p:sp>
+        <p:nvSpPr>
+          <p:cNvPr id="7" name="Footer Placeholder 6">
+            <a:extLst>
+              <a:ext uri="{FF2B5EF4-FFF2-40B4-BE49-F238E27FC236}">
+                <a16:creationId xmlns:a16="http://schemas.microsoft.com/office/drawing/2014/main" id="{754D3DE7-1D0F-49BF-8DB3-87320527AB40}"/>
+              </a:ext>
+            </a:extLst>
+          </p:cNvPr>
+          <p:cNvSpPr>
+            <a:spLocks noGrp="1"/>
+          </p:cNvSpPr>
+          <p:nvPr>
+            <p:ph type="ftr" sz="quarter" idx="11"/>
+          </p:nvPr>
+        </p:nvSpPr>
+        <p:spPr/>
+        <p:txBody>
+          <a:bodyPr/>
+          <a:lstStyle/>
+          <a:p>
+            <a:pPr algn="ctr"/>
+            <a:r>
+              <a:rPr lang="en-US"/>
+              <a:t>Hệ thống quản lí choỗi cửa hàng giặt ủi</a:t>
+            </a:r>
+          </a:p>
+        </p:txBody>
+      </p:sp>
+      <p:sp>
+        <p:nvSpPr>
+          <p:cNvPr id="8" name="TextBox 7">
+            <a:extLst>
+              <a:ext uri="{FF2B5EF4-FFF2-40B4-BE49-F238E27FC236}">
+                <a16:creationId xmlns:a16="http://schemas.microsoft.com/office/drawing/2014/main" id="{270D97FE-8B67-4F90-82B8-443323BA1946}"/>
+              </a:ext>
+            </a:extLst>
+          </p:cNvPr>
+          <p:cNvSpPr txBox="1"/>
+          <p:nvPr/>
+        </p:nvSpPr>
+        <p:spPr>
+          <a:xfrm>
+            <a:off x="1320507" y="3918734"/>
+            <a:ext cx="15646985" cy="5878532"/>
+          </a:xfrm>
+          <a:prstGeom prst="rect">
+            <a:avLst/>
+          </a:prstGeom>
+          <a:noFill/>
+        </p:spPr>
+        <p:txBody>
+          <a:bodyPr wrap="square" rtlCol="0">
+            <a:spAutoFit/>
+          </a:bodyPr>
+          <a:lstStyle/>
+          <a:p>
+            <a:pPr marL="1416050" lvl="3" indent="-979488" algn="just">
+              <a:spcBef>
+                <a:spcPts val="1200"/>
+              </a:spcBef>
+              <a:spcAft>
+                <a:spcPts val="1200"/>
+              </a:spcAft>
+              <a:buFont typeface="Courier New" panose="02070309020205020404" pitchFamily="49" charset="0"/>
+              <a:buChar char="o"/>
+            </a:pPr>
+            <a:r>
+              <a:rPr lang="vi-VN" sz="4800">
+                <a:latin typeface="Calibri" panose="020F0502020204030204" pitchFamily="34" charset="0"/>
+                <a:cs typeface="Calibri" panose="020F0502020204030204" pitchFamily="34" charset="0"/>
+              </a:rPr>
+              <a:t>Ứng dụng Android hỗ trợ khách hàng</a:t>
+            </a:r>
+            <a:r>
+              <a:rPr lang="en-US" sz="4800">
+                <a:latin typeface="Calibri" panose="020F0502020204030204" pitchFamily="34" charset="0"/>
+                <a:cs typeface="Calibri" panose="020F0502020204030204" pitchFamily="34" charset="0"/>
+              </a:rPr>
+              <a:t> tạo đ</a:t>
+            </a:r>
+            <a:r>
+              <a:rPr lang="vi-VN" sz="4800">
+                <a:latin typeface="Calibri" panose="020F0502020204030204" pitchFamily="34" charset="0"/>
+                <a:cs typeface="Calibri" panose="020F0502020204030204" pitchFamily="34" charset="0"/>
+              </a:rPr>
+              <a:t>ơ</a:t>
+            </a:r>
+            <a:r>
+              <a:rPr lang="en-US" sz="4800">
+                <a:latin typeface="Calibri" panose="020F0502020204030204" pitchFamily="34" charset="0"/>
+                <a:cs typeface="Calibri" panose="020F0502020204030204" pitchFamily="34" charset="0"/>
+              </a:rPr>
+              <a:t>n hàng</a:t>
+            </a:r>
+            <a:r>
+              <a:rPr lang="vi-VN" sz="4800">
+                <a:latin typeface="Calibri" panose="020F0502020204030204" pitchFamily="34" charset="0"/>
+                <a:cs typeface="Calibri" panose="020F0502020204030204" pitchFamily="34" charset="0"/>
+              </a:rPr>
+              <a:t>. </a:t>
+            </a:r>
+            <a:endParaRPr lang="en-US" sz="4800">
+              <a:latin typeface="Calibri" panose="020F0502020204030204" pitchFamily="34" charset="0"/>
+              <a:cs typeface="Calibri" panose="020F0502020204030204" pitchFamily="34" charset="0"/>
+            </a:endParaRPr>
+          </a:p>
+          <a:p>
+            <a:pPr marL="1416050" lvl="3" indent="-979488" algn="just">
+              <a:spcBef>
+                <a:spcPts val="1200"/>
+              </a:spcBef>
+              <a:spcAft>
+                <a:spcPts val="1200"/>
+              </a:spcAft>
+              <a:buFont typeface="Courier New" panose="02070309020205020404" pitchFamily="49" charset="0"/>
+              <a:buChar char="o"/>
+            </a:pPr>
+            <a:r>
+              <a:rPr lang="vi-VN" sz="4800">
+                <a:latin typeface="Calibri" panose="020F0502020204030204" pitchFamily="34" charset="0"/>
+                <a:cs typeface="Calibri" panose="020F0502020204030204" pitchFamily="34" charset="0"/>
+              </a:rPr>
+              <a:t>Ứng dụng web quản lí cửa hàng có thể quản lí các đơn hàng, biên nhận bằng cách kiểm soát trạng thái của chúng. </a:t>
+            </a:r>
+            <a:endParaRPr lang="en-US" sz="4800">
+              <a:latin typeface="Calibri" panose="020F0502020204030204" pitchFamily="34" charset="0"/>
+              <a:cs typeface="Calibri" panose="020F0502020204030204" pitchFamily="34" charset="0"/>
+            </a:endParaRPr>
+          </a:p>
+          <a:p>
+            <a:pPr marL="1416050" lvl="3" indent="-979488" algn="just">
+              <a:spcBef>
+                <a:spcPts val="1200"/>
+              </a:spcBef>
+              <a:spcAft>
+                <a:spcPts val="1200"/>
+              </a:spcAft>
+              <a:buFont typeface="Courier New" panose="02070309020205020404" pitchFamily="49" charset="0"/>
+              <a:buChar char="o"/>
+            </a:pPr>
+            <a:r>
+              <a:rPr lang="vi-VN" sz="4800">
+                <a:latin typeface="Calibri" panose="020F0502020204030204" pitchFamily="34" charset="0"/>
+                <a:cs typeface="Calibri" panose="020F0502020204030204" pitchFamily="34" charset="0"/>
+              </a:rPr>
+              <a:t>Đề tài hiện tại không hỗ trợ xây dựng trang quản lí các thông tin dữ liệu đầu vào để tạo đơn hàng cũng như quản lí. Mọi dữ liệu được chạy từ tập tin dữ liệu có sẵn.</a:t>
+            </a:r>
+          </a:p>
+        </p:txBody>
+      </p:sp>
+    </p:spTree>
+    <p:extLst>
+      <p:ext uri="{BB962C8B-B14F-4D97-AF65-F5344CB8AC3E}">
+        <p14:creationId xmlns:p14="http://schemas.microsoft.com/office/powerpoint/2010/main" val="3284136078"/>
+      </p:ext>
+    </p:extLst>
+  </p:cSld>
+  <p:clrMapOvr>
+    <a:masterClrMapping/>
+  </p:clrMapOvr>
+  <p:transition spd="slow">
+    <p:cover/>
+  </p:transition>
+</p:sld>
+</file>
+
+<file path=ppt/slides/slide7.xml><?xml version="1.0" encoding="utf-8"?>
+<p:sld xmlns:a="http://schemas.openxmlformats.org/drawingml/2006/main" xmlns:r="http://schemas.openxmlformats.org/officeDocument/2006/relationships" xmlns:p="http://schemas.openxmlformats.org/presentationml/2006/main">
+  <p:cSld>
+    <p:spTree>
+      <p:nvGrpSpPr>
+        <p:cNvPr id="1" name=""/>
+        <p:cNvGrpSpPr/>
+        <p:nvPr/>
+      </p:nvGrpSpPr>
+      <p:grpSpPr>
+        <a:xfrm>
+          <a:off x="0" y="0"/>
+          <a:ext cx="0" cy="0"/>
+          <a:chOff x="0" y="0"/>
+          <a:chExt cx="0" cy="0"/>
+        </a:xfrm>
+      </p:grpSpPr>
+      <p:sp>
+        <p:nvSpPr>
+          <p:cNvPr id="4" name="TextBox 3">
+            <a:extLst>
+              <a:ext uri="{FF2B5EF4-FFF2-40B4-BE49-F238E27FC236}">
+                <a16:creationId xmlns:a16="http://schemas.microsoft.com/office/drawing/2014/main" id="{349FF29F-A1A2-420F-9295-9A4444567665}"/>
+              </a:ext>
+            </a:extLst>
+          </p:cNvPr>
+          <p:cNvSpPr txBox="1"/>
+          <p:nvPr/>
+        </p:nvSpPr>
+        <p:spPr>
+          <a:xfrm>
+            <a:off x="2138515" y="771688"/>
+            <a:ext cx="14010967" cy="1084916"/>
+          </a:xfrm>
+          <a:prstGeom prst="rect">
+            <a:avLst/>
+          </a:prstGeom>
+          <a:noFill/>
+        </p:spPr>
+        <p:txBody>
+          <a:bodyPr wrap="square" lIns="68584" tIns="34292" rIns="68584" bIns="34292" rtlCol="0">
+            <a:spAutoFit/>
+          </a:bodyPr>
+          <a:lstStyle/>
+          <a:p>
+            <a:pPr algn="ctr"/>
+            <a:r>
+              <a:rPr lang="en-US" sz="6600" b="1">
+                <a:solidFill>
+                  <a:srgbClr val="445469"/>
+                </a:solidFill>
+                <a:latin typeface="Lato Heavy" charset="0"/>
+                <a:ea typeface="Lato Heavy" charset="0"/>
+                <a:cs typeface="Lato Heavy" charset="0"/>
+              </a:rPr>
+              <a:t>Đối t</a:t>
+            </a:r>
+            <a:r>
+              <a:rPr lang="vi-VN" sz="6600" b="1">
+                <a:solidFill>
+                  <a:srgbClr val="445469"/>
+                </a:solidFill>
+                <a:latin typeface="Lato Heavy" charset="0"/>
+                <a:ea typeface="Lato Heavy" charset="0"/>
+                <a:cs typeface="Lato Heavy" charset="0"/>
+              </a:rPr>
+              <a:t>ư</a:t>
+            </a:r>
+            <a:r>
+              <a:rPr lang="en-US" sz="6600" b="1">
+                <a:solidFill>
+                  <a:srgbClr val="445469"/>
+                </a:solidFill>
+                <a:latin typeface="Lato Heavy" charset="0"/>
+                <a:ea typeface="Lato Heavy" charset="0"/>
+                <a:cs typeface="Lato Heavy" charset="0"/>
+              </a:rPr>
+              <a:t>ợng và phạm vi nghiên cứu</a:t>
+            </a:r>
+            <a:endParaRPr lang="id-ID" sz="5401" b="1">
+              <a:solidFill>
+                <a:srgbClr val="445469"/>
+              </a:solidFill>
+              <a:latin typeface="Lato Heavy" charset="0"/>
+              <a:ea typeface="Lato Heavy" charset="0"/>
+              <a:cs typeface="Lato Heavy" charset="0"/>
+            </a:endParaRPr>
+          </a:p>
+        </p:txBody>
+      </p:sp>
+      <p:sp>
+        <p:nvSpPr>
+          <p:cNvPr id="6" name="Date Placeholder 5">
+            <a:extLst>
+              <a:ext uri="{FF2B5EF4-FFF2-40B4-BE49-F238E27FC236}">
+                <a16:creationId xmlns:a16="http://schemas.microsoft.com/office/drawing/2014/main" id="{4DB1461A-FAF4-43D8-BD39-E67D9CFFDF54}"/>
+              </a:ext>
+            </a:extLst>
+          </p:cNvPr>
+          <p:cNvSpPr>
+            <a:spLocks noGrp="1"/>
+          </p:cNvSpPr>
+          <p:nvPr>
+            <p:ph type="dt" sz="half" idx="10"/>
+          </p:nvPr>
+        </p:nvSpPr>
+        <p:spPr/>
+        <p:txBody>
+          <a:bodyPr/>
+          <a:lstStyle/>
+          <a:p>
+            <a:fld id="{CC2F3AFE-B587-4EA7-A71E-D5D1711BDBF4}" type="datetime1">
+              <a:rPr lang="en-US" smtClean="0">
+                <a:solidFill>
+                  <a:schemeClr val="bg1"/>
+                </a:solidFill>
+              </a:rPr>
+              <a:t>12/5/2018</a:t>
+            </a:fld>
+            <a:endParaRPr lang="en-US">
+              <a:solidFill>
+                <a:schemeClr val="bg1"/>
+              </a:solidFill>
+            </a:endParaRPr>
+          </a:p>
+        </p:txBody>
+      </p:sp>
+      <p:sp>
+        <p:nvSpPr>
+          <p:cNvPr id="7" name="Footer Placeholder 6">
+            <a:extLst>
+              <a:ext uri="{FF2B5EF4-FFF2-40B4-BE49-F238E27FC236}">
+                <a16:creationId xmlns:a16="http://schemas.microsoft.com/office/drawing/2014/main" id="{754D3DE7-1D0F-49BF-8DB3-87320527AB40}"/>
+              </a:ext>
+            </a:extLst>
+          </p:cNvPr>
+          <p:cNvSpPr>
+            <a:spLocks noGrp="1"/>
+          </p:cNvSpPr>
+          <p:nvPr>
+            <p:ph type="ftr" sz="quarter" idx="11"/>
+          </p:nvPr>
+        </p:nvSpPr>
+        <p:spPr/>
+        <p:txBody>
+          <a:bodyPr/>
+          <a:lstStyle/>
+          <a:p>
+            <a:pPr algn="ctr"/>
+            <a:r>
+              <a:rPr lang="en-US"/>
+              <a:t>Hệ thống quản lí choỗi cửa hàng giặt ủi</a:t>
+            </a:r>
+          </a:p>
+        </p:txBody>
+      </p:sp>
+      <p:sp>
+        <p:nvSpPr>
+          <p:cNvPr id="8" name="TextBox 7">
+            <a:extLst>
+              <a:ext uri="{FF2B5EF4-FFF2-40B4-BE49-F238E27FC236}">
+                <a16:creationId xmlns:a16="http://schemas.microsoft.com/office/drawing/2014/main" id="{270D97FE-8B67-4F90-82B8-443323BA1946}"/>
+              </a:ext>
+            </a:extLst>
+          </p:cNvPr>
+          <p:cNvSpPr txBox="1"/>
+          <p:nvPr/>
+        </p:nvSpPr>
+        <p:spPr>
+          <a:xfrm>
+            <a:off x="1320505" y="2601235"/>
+            <a:ext cx="15646985" cy="10064294"/>
+          </a:xfrm>
+          <a:prstGeom prst="rect">
+            <a:avLst/>
+          </a:prstGeom>
+          <a:noFill/>
+        </p:spPr>
+        <p:txBody>
+          <a:bodyPr wrap="square" rtlCol="0">
+            <a:spAutoFit/>
+          </a:bodyPr>
+          <a:lstStyle/>
+          <a:p>
+            <a:pPr marL="436562" lvl="3" algn="just">
+              <a:spcBef>
+                <a:spcPts val="1200"/>
+              </a:spcBef>
+              <a:spcAft>
+                <a:spcPts val="1200"/>
+              </a:spcAft>
+            </a:pPr>
+            <a:r>
+              <a:rPr lang="en" sz="4800" b="1">
+                <a:solidFill>
+                  <a:srgbClr val="28324A"/>
+                </a:solidFill>
+                <a:latin typeface="Source Sans Pro"/>
+                <a:ea typeface="Source Sans Pro"/>
+                <a:cs typeface="Source Sans Pro"/>
+                <a:sym typeface="Source Sans Pro"/>
+              </a:rPr>
+              <a:t>👉  </a:t>
+            </a:r>
+            <a:r>
+              <a:rPr lang="en-US" sz="4800" b="1">
+                <a:solidFill>
+                  <a:srgbClr val="28324A"/>
+                </a:solidFill>
+                <a:latin typeface="Source Sans Pro"/>
+                <a:ea typeface="Source Sans Pro"/>
+                <a:cs typeface="Source Sans Pro"/>
+                <a:sym typeface="Source Sans Pro"/>
+              </a:rPr>
+              <a:t>Đối t</a:t>
+            </a:r>
+            <a:r>
+              <a:rPr lang="vi-VN" sz="4800" b="1">
+                <a:solidFill>
+                  <a:srgbClr val="28324A"/>
+                </a:solidFill>
+                <a:latin typeface="Source Sans Pro"/>
+                <a:ea typeface="Source Sans Pro"/>
+                <a:cs typeface="Source Sans Pro"/>
+                <a:sym typeface="Source Sans Pro"/>
+              </a:rPr>
+              <a:t>ư</a:t>
+            </a:r>
+            <a:r>
+              <a:rPr lang="en-US" sz="4800" b="1">
+                <a:solidFill>
+                  <a:srgbClr val="28324A"/>
+                </a:solidFill>
+                <a:latin typeface="Source Sans Pro"/>
+                <a:ea typeface="Source Sans Pro"/>
+                <a:cs typeface="Source Sans Pro"/>
+                <a:sym typeface="Source Sans Pro"/>
+              </a:rPr>
+              <a:t>ợng nghiên cứu</a:t>
+            </a:r>
+            <a:endParaRPr lang="en-US" sz="4800" b="1">
+              <a:latin typeface="Calibri" panose="020F0502020204030204" pitchFamily="34" charset="0"/>
+              <a:cs typeface="Calibri" panose="020F0502020204030204" pitchFamily="34" charset="0"/>
+            </a:endParaRPr>
+          </a:p>
+          <a:p>
+            <a:pPr marL="2330450" lvl="5" indent="-979488" algn="just">
+              <a:spcBef>
+                <a:spcPts val="1200"/>
+              </a:spcBef>
+              <a:spcAft>
+                <a:spcPts val="1200"/>
+              </a:spcAft>
+              <a:buFont typeface="Courier New" panose="02070309020205020404" pitchFamily="49" charset="0"/>
+              <a:buChar char="o"/>
+            </a:pPr>
+            <a:r>
+              <a:rPr lang="en-US" sz="4800">
+                <a:latin typeface="Calibri" panose="020F0502020204030204" pitchFamily="34" charset="0"/>
+                <a:cs typeface="Calibri" panose="020F0502020204030204" pitchFamily="34" charset="0"/>
+              </a:rPr>
+              <a:t>M</a:t>
+            </a:r>
+            <a:r>
+              <a:rPr lang="vi-VN" sz="4800">
+                <a:latin typeface="Calibri" panose="020F0502020204030204" pitchFamily="34" charset="0"/>
+                <a:cs typeface="Calibri" panose="020F0502020204030204" pitchFamily="34" charset="0"/>
+              </a:rPr>
+              <a:t>ô hình quản lí một cửa hàng giặt ủi với nhiều chi nhánh</a:t>
+            </a:r>
+            <a:r>
+              <a:rPr lang="en-US" sz="4800">
+                <a:latin typeface="Calibri" panose="020F0502020204030204" pitchFamily="34" charset="0"/>
+                <a:cs typeface="Calibri" panose="020F0502020204030204" pitchFamily="34" charset="0"/>
+              </a:rPr>
+              <a:t>.</a:t>
+            </a:r>
+          </a:p>
+          <a:p>
+            <a:pPr marL="2330450" lvl="5" indent="-979488" algn="just">
+              <a:spcBef>
+                <a:spcPts val="1200"/>
+              </a:spcBef>
+              <a:spcAft>
+                <a:spcPts val="1200"/>
+              </a:spcAft>
+              <a:buFont typeface="Courier New" panose="02070309020205020404" pitchFamily="49" charset="0"/>
+              <a:buChar char="o"/>
+            </a:pPr>
+            <a:r>
+              <a:rPr lang="vi-VN" sz="4800">
+                <a:latin typeface="Calibri" panose="020F0502020204030204" pitchFamily="34" charset="0"/>
+                <a:cs typeface="Calibri" panose="020F0502020204030204" pitchFamily="34" charset="0"/>
+              </a:rPr>
+              <a:t>Tìm hiểu giải thuật hàng đợi nhiều trạm để hỗ trợ việc sắp xếp đơn hàng</a:t>
+            </a:r>
+            <a:r>
+              <a:rPr lang="en-US" sz="4800">
+                <a:latin typeface="Calibri" panose="020F0502020204030204" pitchFamily="34" charset="0"/>
+                <a:cs typeface="Calibri" panose="020F0502020204030204" pitchFamily="34" charset="0"/>
+              </a:rPr>
+              <a:t>.</a:t>
+            </a:r>
+          </a:p>
+          <a:p>
+            <a:pPr marL="457200" lvl="3" algn="just">
+              <a:spcBef>
+                <a:spcPts val="1200"/>
+              </a:spcBef>
+              <a:spcAft>
+                <a:spcPts val="1200"/>
+              </a:spcAft>
+            </a:pPr>
+            <a:r>
+              <a:rPr lang="en" sz="4800" b="1">
+                <a:solidFill>
+                  <a:srgbClr val="28324A"/>
+                </a:solidFill>
+                <a:latin typeface="Source Sans Pro"/>
+                <a:ea typeface="Source Sans Pro"/>
+                <a:cs typeface="Source Sans Pro"/>
+                <a:sym typeface="Source Sans Pro"/>
+              </a:rPr>
+              <a:t>👉  </a:t>
+            </a:r>
+            <a:r>
+              <a:rPr lang="en-US" sz="4800" b="1">
+                <a:solidFill>
+                  <a:srgbClr val="28324A"/>
+                </a:solidFill>
+                <a:latin typeface="Source Sans Pro"/>
+                <a:ea typeface="Source Sans Pro"/>
+                <a:cs typeface="Source Sans Pro"/>
+                <a:sym typeface="Source Sans Pro"/>
+              </a:rPr>
+              <a:t>Phạm vi nghiên cứu</a:t>
+            </a:r>
+          </a:p>
+          <a:p>
+            <a:pPr marL="2330450" lvl="5" indent="-979488" algn="just">
+              <a:spcBef>
+                <a:spcPts val="1200"/>
+              </a:spcBef>
+              <a:spcAft>
+                <a:spcPts val="1200"/>
+              </a:spcAft>
+              <a:buFont typeface="Courier New" panose="02070309020205020404" pitchFamily="49" charset="0"/>
+              <a:buChar char="o"/>
+            </a:pPr>
+            <a:r>
+              <a:rPr lang="en-US" sz="4800">
+                <a:latin typeface="Calibri" panose="020F0502020204030204" pitchFamily="34" charset="0"/>
+                <a:cs typeface="Calibri" panose="020F0502020204030204" pitchFamily="34" charset="0"/>
+              </a:rPr>
+              <a:t>N</a:t>
+            </a:r>
+            <a:r>
+              <a:rPr lang="vi-VN" sz="4800">
+                <a:latin typeface="Calibri" panose="020F0502020204030204" pitchFamily="34" charset="0"/>
+                <a:cs typeface="Calibri" panose="020F0502020204030204" pitchFamily="34" charset="0"/>
+              </a:rPr>
+              <a:t>ghiên cứu cách kết hợp cả hai </a:t>
+            </a:r>
+            <a:r>
+              <a:rPr lang="en-US" sz="4800">
+                <a:latin typeface="Calibri" panose="020F0502020204030204" pitchFamily="34" charset="0"/>
+                <a:cs typeface="Calibri" panose="020F0502020204030204" pitchFamily="34" charset="0"/>
+              </a:rPr>
+              <a:t>đơn vị tính (cái và kg) </a:t>
+            </a:r>
+            <a:r>
+              <a:rPr lang="vi-VN" sz="4800">
+                <a:latin typeface="Calibri" panose="020F0502020204030204" pitchFamily="34" charset="0"/>
+                <a:cs typeface="Calibri" panose="020F0502020204030204" pitchFamily="34" charset="0"/>
+              </a:rPr>
+              <a:t>để phù hợp với nhiều loại dịch vụ nhất</a:t>
+            </a:r>
+            <a:r>
+              <a:rPr lang="en-US" sz="4800">
+                <a:latin typeface="Calibri" panose="020F0502020204030204" pitchFamily="34" charset="0"/>
+                <a:cs typeface="Calibri" panose="020F0502020204030204" pitchFamily="34" charset="0"/>
+              </a:rPr>
+              <a:t>.</a:t>
+            </a:r>
+          </a:p>
+          <a:p>
+            <a:pPr marL="2330450" lvl="5" indent="-979488" algn="just">
+              <a:spcBef>
+                <a:spcPts val="1200"/>
+              </a:spcBef>
+              <a:spcAft>
+                <a:spcPts val="1200"/>
+              </a:spcAft>
+              <a:buFont typeface="Courier New" panose="02070309020205020404" pitchFamily="49" charset="0"/>
+              <a:buChar char="o"/>
+            </a:pPr>
+            <a:r>
+              <a:rPr lang="en-US" sz="4800">
+                <a:latin typeface="Calibri" panose="020F0502020204030204" pitchFamily="34" charset="0"/>
+                <a:cs typeface="Calibri" panose="020F0502020204030204" pitchFamily="34" charset="0"/>
+              </a:rPr>
+              <a:t>S</a:t>
+            </a:r>
+            <a:r>
+              <a:rPr lang="vi-VN" sz="4800">
+                <a:latin typeface="Calibri" panose="020F0502020204030204" pitchFamily="34" charset="0"/>
+                <a:cs typeface="Calibri" panose="020F0502020204030204" pitchFamily="34" charset="0"/>
+              </a:rPr>
+              <a:t>ắp xếp thời gian xử lí các đơn hàng sao cho thời gian xử lí là thấp nhất có thể.</a:t>
+            </a:r>
+            <a:endParaRPr lang="en-US" sz="4800" b="1">
+              <a:latin typeface="Calibri" panose="020F0502020204030204" pitchFamily="34" charset="0"/>
+              <a:cs typeface="Calibri" panose="020F0502020204030204" pitchFamily="34" charset="0"/>
+            </a:endParaRPr>
+          </a:p>
+          <a:p>
+            <a:pPr marL="1350962" lvl="5" algn="just">
+              <a:spcBef>
+                <a:spcPts val="1200"/>
+              </a:spcBef>
+              <a:spcAft>
+                <a:spcPts val="1200"/>
+              </a:spcAft>
+            </a:pPr>
+            <a:endParaRPr lang="en-US" sz="4800">
+              <a:latin typeface="Calibri" panose="020F0502020204030204" pitchFamily="34" charset="0"/>
+              <a:cs typeface="Calibri" panose="020F0502020204030204" pitchFamily="34" charset="0"/>
+            </a:endParaRPr>
+          </a:p>
+        </p:txBody>
+      </p:sp>
+    </p:spTree>
+    <p:extLst>
+      <p:ext uri="{BB962C8B-B14F-4D97-AF65-F5344CB8AC3E}">
+        <p14:creationId xmlns:p14="http://schemas.microsoft.com/office/powerpoint/2010/main" val="2146846594"/>
+      </p:ext>
+    </p:extLst>
+  </p:cSld>
+  <p:clrMapOvr>
+    <a:masterClrMapping/>
+  </p:clrMapOvr>
+  <p:transition spd="slow">
+    <p:cover/>
+  </p:transition>
+</p:sld>
+</file>
+
+<file path=ppt/slides/slide8.xml><?xml version="1.0" encoding="utf-8"?>
+<p:sld xmlns:a="http://schemas.openxmlformats.org/drawingml/2006/main" xmlns:r="http://schemas.openxmlformats.org/officeDocument/2006/relationships" xmlns:p="http://schemas.openxmlformats.org/presentationml/2006/main">
+  <p:cSld>
+    <p:spTree>
+      <p:nvGrpSpPr>
+        <p:cNvPr id="1" name=""/>
+        <p:cNvGrpSpPr/>
+        <p:nvPr/>
+      </p:nvGrpSpPr>
+      <p:grpSpPr>
+        <a:xfrm>
+          <a:off x="0" y="0"/>
+          <a:ext cx="0" cy="0"/>
+          <a:chOff x="0" y="0"/>
+          <a:chExt cx="0" cy="0"/>
+        </a:xfrm>
+      </p:grpSpPr>
+      <p:sp>
+        <p:nvSpPr>
+          <p:cNvPr id="4" name="Date Placeholder 3">
+            <a:extLst>
+              <a:ext uri="{FF2B5EF4-FFF2-40B4-BE49-F238E27FC236}">
+                <a16:creationId xmlns:a16="http://schemas.microsoft.com/office/drawing/2014/main" id="{70F460BB-0D36-447E-8FB0-848F364C65BD}"/>
+              </a:ext>
+            </a:extLst>
+          </p:cNvPr>
+          <p:cNvSpPr>
+            <a:spLocks noGrp="1"/>
+          </p:cNvSpPr>
+          <p:nvPr>
+            <p:ph type="dt" sz="half" idx="10"/>
+          </p:nvPr>
+        </p:nvSpPr>
+        <p:spPr/>
+        <p:txBody>
+          <a:bodyPr/>
+          <a:lstStyle/>
+          <a:p>
+            <a:fld id="{65CD53DB-9474-488D-9862-FEFF505281D6}" type="datetime1">
+              <a:rPr lang="en-US" smtClean="0"/>
+              <a:t>12/5/2018</a:t>
+            </a:fld>
+            <a:endParaRPr lang="en-US"/>
+          </a:p>
+        </p:txBody>
+      </p:sp>
+      <p:sp>
+        <p:nvSpPr>
+          <p:cNvPr id="5" name="Footer Placeholder 4">
+            <a:extLst>
+              <a:ext uri="{FF2B5EF4-FFF2-40B4-BE49-F238E27FC236}">
+                <a16:creationId xmlns:a16="http://schemas.microsoft.com/office/drawing/2014/main" id="{F57E6744-A5B3-49E5-B75E-99BEB74567BA}"/>
+              </a:ext>
+            </a:extLst>
+          </p:cNvPr>
+          <p:cNvSpPr>
+            <a:spLocks noGrp="1"/>
+          </p:cNvSpPr>
+          <p:nvPr>
+            <p:ph type="ftr" sz="quarter" idx="11"/>
+          </p:nvPr>
+        </p:nvSpPr>
+        <p:spPr/>
+        <p:txBody>
+          <a:bodyPr/>
+          <a:lstStyle/>
+          <a:p>
+            <a:pPr algn="ctr"/>
+            <a:r>
+              <a:rPr lang="en-US"/>
+              <a:t>Hệ thống quản lí choỗi cửa hàng giặt ủi</a:t>
+            </a:r>
+          </a:p>
+        </p:txBody>
+      </p:sp>
+      <p:sp>
+        <p:nvSpPr>
+          <p:cNvPr id="6" name="TextBox 5">
+            <a:extLst>
+              <a:ext uri="{FF2B5EF4-FFF2-40B4-BE49-F238E27FC236}">
+                <a16:creationId xmlns:a16="http://schemas.microsoft.com/office/drawing/2014/main" id="{228CC9BB-EB1A-450C-A75F-B65F45F13188}"/>
+              </a:ext>
+            </a:extLst>
+          </p:cNvPr>
+          <p:cNvSpPr txBox="1"/>
+          <p:nvPr/>
+        </p:nvSpPr>
+        <p:spPr>
+          <a:xfrm>
+            <a:off x="4044868" y="5938515"/>
+            <a:ext cx="10198263" cy="1838969"/>
+          </a:xfrm>
+          <a:prstGeom prst="rect">
+            <a:avLst/>
+          </a:prstGeom>
+          <a:noFill/>
+        </p:spPr>
+        <p:txBody>
+          <a:bodyPr wrap="square" lIns="68584" tIns="34292" rIns="68584" bIns="34292" rtlCol="0">
+            <a:spAutoFit/>
+          </a:bodyPr>
+          <a:lstStyle/>
+          <a:p>
+            <a:pPr algn="ctr"/>
+            <a:r>
+              <a:rPr lang="en-US" sz="11500" b="1">
+                <a:solidFill>
+                  <a:srgbClr val="445469"/>
+                </a:solidFill>
+                <a:latin typeface="Lato Heavy" charset="0"/>
+                <a:ea typeface="Lato Heavy" charset="0"/>
+                <a:cs typeface="Lato Heavy" charset="0"/>
+              </a:rPr>
+              <a:t>Kết luận</a:t>
+            </a:r>
+            <a:endParaRPr lang="id-ID" sz="8800" b="1">
+              <a:solidFill>
+                <a:srgbClr val="445469"/>
+              </a:solidFill>
+              <a:latin typeface="Lato Heavy" charset="0"/>
+              <a:ea typeface="Lato Heavy" charset="0"/>
+              <a:cs typeface="Lato Heavy" charset="0"/>
+            </a:endParaRPr>
+          </a:p>
+        </p:txBody>
+      </p:sp>
+    </p:spTree>
+    <p:extLst>
+      <p:ext uri="{BB962C8B-B14F-4D97-AF65-F5344CB8AC3E}">
+        <p14:creationId xmlns:p14="http://schemas.microsoft.com/office/powerpoint/2010/main" val="972389456"/>
+      </p:ext>
+    </p:extLst>
+  </p:cSld>
+  <p:clrMapOvr>
+    <a:masterClrMapping/>
+  </p:clrMapOvr>
+</p:sld>
+</file>
+
+<file path=ppt/slides/slide9.xml><?xml version="1.0" encoding="utf-8"?>
+<p:sld xmlns:a="http://schemas.openxmlformats.org/drawingml/2006/main" xmlns:r="http://schemas.openxmlformats.org/officeDocument/2006/relationships" xmlns:p="http://schemas.openxmlformats.org/presentationml/2006/main">
+  <p:cSld>
+    <p:spTree>
+      <p:nvGrpSpPr>
+        <p:cNvPr id="1" name=""/>
+        <p:cNvGrpSpPr/>
+        <p:nvPr/>
+      </p:nvGrpSpPr>
+      <p:grpSpPr>
+        <a:xfrm>
+          <a:off x="0" y="0"/>
+          <a:ext cx="0" cy="0"/>
+          <a:chOff x="0" y="0"/>
+          <a:chExt cx="0" cy="0"/>
+        </a:xfrm>
+      </p:grpSpPr>
+      <p:sp>
+        <p:nvSpPr>
+          <p:cNvPr id="4" name="TextBox 3">
+            <a:extLst>
+              <a:ext uri="{FF2B5EF4-FFF2-40B4-BE49-F238E27FC236}">
+                <a16:creationId xmlns:a16="http://schemas.microsoft.com/office/drawing/2014/main" id="{349FF29F-A1A2-420F-9295-9A4444567665}"/>
+              </a:ext>
+            </a:extLst>
+          </p:cNvPr>
+          <p:cNvSpPr txBox="1"/>
+          <p:nvPr/>
+        </p:nvSpPr>
+        <p:spPr>
+          <a:xfrm>
+            <a:off x="5460319" y="771688"/>
+            <a:ext cx="8134287" cy="1084916"/>
+          </a:xfrm>
+          <a:prstGeom prst="rect">
+            <a:avLst/>
+          </a:prstGeom>
+          <a:noFill/>
+        </p:spPr>
+        <p:txBody>
+          <a:bodyPr wrap="square" lIns="68584" tIns="34292" rIns="68584" bIns="34292" rtlCol="0">
+            <a:spAutoFit/>
+          </a:bodyPr>
+          <a:lstStyle/>
+          <a:p>
+            <a:pPr algn="ctr"/>
+            <a:r>
+              <a:rPr lang="en-US" sz="6600" b="1">
+                <a:solidFill>
+                  <a:srgbClr val="445469"/>
+                </a:solidFill>
+                <a:latin typeface="Lato Heavy" charset="0"/>
+                <a:ea typeface="Lato Heavy" charset="0"/>
+                <a:cs typeface="Lato Heavy" charset="0"/>
+              </a:rPr>
+              <a:t>Kết quả đạt đ</a:t>
+            </a:r>
+            <a:r>
+              <a:rPr lang="vi-VN" sz="6600" b="1">
+                <a:solidFill>
+                  <a:srgbClr val="445469"/>
+                </a:solidFill>
+                <a:latin typeface="Lato Heavy" charset="0"/>
+                <a:ea typeface="Lato Heavy" charset="0"/>
+                <a:cs typeface="Lato Heavy" charset="0"/>
+              </a:rPr>
+              <a:t>ư</a:t>
+            </a:r>
+            <a:r>
+              <a:rPr lang="en-US" sz="6600" b="1">
+                <a:solidFill>
+                  <a:srgbClr val="445469"/>
+                </a:solidFill>
+                <a:latin typeface="Lato Heavy" charset="0"/>
+                <a:ea typeface="Lato Heavy" charset="0"/>
+                <a:cs typeface="Lato Heavy" charset="0"/>
+              </a:rPr>
+              <a:t>ợc</a:t>
+            </a:r>
+            <a:endParaRPr lang="id-ID" sz="5401" b="1">
+              <a:solidFill>
+                <a:srgbClr val="445469"/>
+              </a:solidFill>
+              <a:latin typeface="Lato Heavy" charset="0"/>
+              <a:ea typeface="Lato Heavy" charset="0"/>
+              <a:cs typeface="Lato Heavy" charset="0"/>
+            </a:endParaRPr>
+          </a:p>
+        </p:txBody>
+      </p:sp>
+      <p:sp>
+        <p:nvSpPr>
+          <p:cNvPr id="6" name="Date Placeholder 5">
+            <a:extLst>
+              <a:ext uri="{FF2B5EF4-FFF2-40B4-BE49-F238E27FC236}">
+                <a16:creationId xmlns:a16="http://schemas.microsoft.com/office/drawing/2014/main" id="{4DB1461A-FAF4-43D8-BD39-E67D9CFFDF54}"/>
+              </a:ext>
+            </a:extLst>
+          </p:cNvPr>
+          <p:cNvSpPr>
+            <a:spLocks noGrp="1"/>
+          </p:cNvSpPr>
+          <p:nvPr>
+            <p:ph type="dt" sz="half" idx="10"/>
+          </p:nvPr>
+        </p:nvSpPr>
+        <p:spPr/>
+        <p:txBody>
+          <a:bodyPr/>
+          <a:lstStyle/>
+          <a:p>
+            <a:fld id="{CC2F3AFE-B587-4EA7-A71E-D5D1711BDBF4}" type="datetime1">
+              <a:rPr lang="en-US" smtClean="0">
+                <a:solidFill>
+                  <a:schemeClr val="bg1"/>
+                </a:solidFill>
+              </a:rPr>
+              <a:t>12/5/2018</a:t>
+            </a:fld>
+            <a:endParaRPr lang="en-US">
+              <a:solidFill>
+                <a:schemeClr val="bg1"/>
+              </a:solidFill>
+            </a:endParaRPr>
+          </a:p>
+        </p:txBody>
+      </p:sp>
+      <p:sp>
+        <p:nvSpPr>
+          <p:cNvPr id="7" name="Footer Placeholder 6">
+            <a:extLst>
+              <a:ext uri="{FF2B5EF4-FFF2-40B4-BE49-F238E27FC236}">
+                <a16:creationId xmlns:a16="http://schemas.microsoft.com/office/drawing/2014/main" id="{754D3DE7-1D0F-49BF-8DB3-87320527AB40}"/>
+              </a:ext>
+            </a:extLst>
+          </p:cNvPr>
+          <p:cNvSpPr>
+            <a:spLocks noGrp="1"/>
+          </p:cNvSpPr>
+          <p:nvPr>
+            <p:ph type="ftr" sz="quarter" idx="11"/>
+          </p:nvPr>
+        </p:nvSpPr>
+        <p:spPr/>
+        <p:txBody>
+          <a:bodyPr/>
+          <a:lstStyle/>
+          <a:p>
+            <a:pPr algn="ctr"/>
+            <a:r>
+              <a:rPr lang="en-US"/>
+              <a:t>Hệ thống quản lí choỗi cửa hàng giặt ủi</a:t>
+            </a:r>
+          </a:p>
+        </p:txBody>
+      </p:sp>
+      <p:sp>
+        <p:nvSpPr>
+          <p:cNvPr id="8" name="TextBox 7">
+            <a:extLst>
+              <a:ext uri="{FF2B5EF4-FFF2-40B4-BE49-F238E27FC236}">
+                <a16:creationId xmlns:a16="http://schemas.microsoft.com/office/drawing/2014/main" id="{270D97FE-8B67-4F90-82B8-443323BA1946}"/>
+              </a:ext>
+            </a:extLst>
+          </p:cNvPr>
+          <p:cNvSpPr txBox="1"/>
+          <p:nvPr/>
+        </p:nvSpPr>
+        <p:spPr>
+          <a:xfrm>
+            <a:off x="1077685" y="4389959"/>
+            <a:ext cx="16132629" cy="4708981"/>
+          </a:xfrm>
+          <a:prstGeom prst="rect">
+            <a:avLst/>
+          </a:prstGeom>
+          <a:noFill/>
+        </p:spPr>
+        <p:txBody>
+          <a:bodyPr wrap="square" rtlCol="0">
+            <a:spAutoFit/>
+          </a:bodyPr>
+          <a:lstStyle/>
+          <a:p>
+            <a:pPr marL="2351088" lvl="3" indent="-979488">
+              <a:spcBef>
+                <a:spcPts val="1200"/>
+              </a:spcBef>
+              <a:spcAft>
+                <a:spcPts val="1200"/>
+              </a:spcAft>
+              <a:buFont typeface="Courier New" panose="02070309020205020404" pitchFamily="49" charset="0"/>
+              <a:buChar char="o"/>
+            </a:pPr>
+            <a:r>
+              <a:rPr lang="vi-VN" sz="4800">
+                <a:latin typeface="Calibri" panose="020F0502020204030204" pitchFamily="34" charset="0"/>
+                <a:cs typeface="Calibri" panose="020F0502020204030204" pitchFamily="34" charset="0"/>
+              </a:rPr>
+              <a:t>Bổ sung các kiến thức về phân tích, thiết kế phần mềm.</a:t>
+            </a:r>
+            <a:endParaRPr lang="en-US" sz="4800">
+              <a:latin typeface="Calibri" panose="020F0502020204030204" pitchFamily="34" charset="0"/>
+              <a:cs typeface="Calibri" panose="020F0502020204030204" pitchFamily="34" charset="0"/>
+            </a:endParaRPr>
+          </a:p>
+          <a:p>
+            <a:pPr marL="2351088" lvl="3" indent="-979488">
+              <a:spcBef>
+                <a:spcPts val="1200"/>
+              </a:spcBef>
+              <a:spcAft>
+                <a:spcPts val="1200"/>
+              </a:spcAft>
+              <a:buFont typeface="Courier New" panose="02070309020205020404" pitchFamily="49" charset="0"/>
+              <a:buChar char="o"/>
+            </a:pPr>
+            <a:r>
+              <a:rPr lang="vi-VN" sz="4800">
+                <a:latin typeface="Calibri" panose="020F0502020204030204" pitchFamily="34" charset="0"/>
+                <a:cs typeface="Calibri" panose="020F0502020204030204" pitchFamily="34" charset="0"/>
+              </a:rPr>
+              <a:t>Củng cố các kiến thức về lập trình</a:t>
+            </a:r>
+            <a:r>
+              <a:rPr lang="en-US" sz="4800">
+                <a:latin typeface="Calibri" panose="020F0502020204030204" pitchFamily="34" charset="0"/>
+                <a:cs typeface="Calibri" panose="020F0502020204030204" pitchFamily="34" charset="0"/>
+              </a:rPr>
+              <a:t>.</a:t>
+            </a:r>
+          </a:p>
+          <a:p>
+            <a:pPr marL="2351088" lvl="3" indent="-979488">
+              <a:spcBef>
+                <a:spcPts val="1200"/>
+              </a:spcBef>
+              <a:spcAft>
+                <a:spcPts val="1200"/>
+              </a:spcAft>
+              <a:buFont typeface="Courier New" panose="02070309020205020404" pitchFamily="49" charset="0"/>
+              <a:buChar char="o"/>
+            </a:pPr>
+            <a:r>
+              <a:rPr lang="vi-VN" sz="4800">
+                <a:latin typeface="Calibri" panose="020F0502020204030204" pitchFamily="34" charset="0"/>
+                <a:cs typeface="Calibri" panose="020F0502020204030204" pitchFamily="34" charset="0"/>
+              </a:rPr>
+              <a:t>Bổ sung các kiến thức mới</a:t>
+            </a:r>
+            <a:r>
+              <a:rPr lang="en-US" sz="4800">
+                <a:latin typeface="Calibri" panose="020F0502020204030204" pitchFamily="34" charset="0"/>
+                <a:cs typeface="Calibri" panose="020F0502020204030204" pitchFamily="34" charset="0"/>
+              </a:rPr>
+              <a:t>:</a:t>
+            </a:r>
+            <a:r>
+              <a:rPr lang="vi-VN" sz="4800">
+                <a:latin typeface="Calibri" panose="020F0502020204030204" pitchFamily="34" charset="0"/>
+                <a:cs typeface="Calibri" panose="020F0502020204030204" pitchFamily="34" charset="0"/>
+              </a:rPr>
+              <a:t> GraphQL, ReactJS.</a:t>
+            </a:r>
+          </a:p>
+          <a:p>
+            <a:pPr marL="2351088" lvl="3" indent="-979488">
+              <a:spcBef>
+                <a:spcPts val="1200"/>
+              </a:spcBef>
+              <a:spcAft>
+                <a:spcPts val="1200"/>
+              </a:spcAft>
+              <a:buFont typeface="Courier New" panose="02070309020205020404" pitchFamily="49" charset="0"/>
+              <a:buChar char="o"/>
+            </a:pPr>
+            <a:r>
+              <a:rPr lang="vi-VN" sz="4800">
+                <a:latin typeface="Calibri" panose="020F0502020204030204" pitchFamily="34" charset="0"/>
+                <a:cs typeface="Calibri" panose="020F0502020204030204" pitchFamily="34" charset="0"/>
+              </a:rPr>
+              <a:t>Áp dụng được giải thuật hàng đợi nhiều trạm phục v</a:t>
+            </a:r>
+            <a:r>
+              <a:rPr lang="en-US" sz="4800">
+                <a:latin typeface="Calibri" panose="020F0502020204030204" pitchFamily="34" charset="0"/>
+                <a:cs typeface="Calibri" panose="020F0502020204030204" pitchFamily="34" charset="0"/>
+              </a:rPr>
+              <a:t>ụ.</a:t>
+            </a:r>
+            <a:endParaRPr lang="vi-VN" sz="4800">
+              <a:latin typeface="Calibri" panose="020F0502020204030204" pitchFamily="34" charset="0"/>
+              <a:cs typeface="Calibri" panose="020F0502020204030204" pitchFamily="34" charset="0"/>
+            </a:endParaRPr>
+          </a:p>
+        </p:txBody>
+      </p:sp>
+    </p:spTree>
+    <p:extLst>
+      <p:ext uri="{BB962C8B-B14F-4D97-AF65-F5344CB8AC3E}">
+        <p14:creationId xmlns:p14="http://schemas.microsoft.com/office/powerpoint/2010/main" val="2747992788"/>
+      </p:ext>
+    </p:extLst>
+  </p:cSld>
+  <p:clrMapOvr>
+    <a:masterClrMapping/>
+  </p:clrMapOvr>
+  <p:transition spd="slow">
     <p:cover/>
   </p:transition>
 </p:sld>

--- a/baoCao/bao_cao.pptx
+++ b/baoCao/bao_cao.pptx
@@ -5,10 +5,10 @@
     <p:sldMasterId id="2147483892" r:id="rId1"/>
   </p:sldMasterIdLst>
   <p:notesMasterIdLst>
-    <p:notesMasterId r:id="rId17"/>
+    <p:notesMasterId r:id="rId20"/>
   </p:notesMasterIdLst>
   <p:handoutMasterIdLst>
-    <p:handoutMasterId r:id="rId18"/>
+    <p:handoutMasterId r:id="rId21"/>
   </p:handoutMasterIdLst>
   <p:sldIdLst>
     <p:sldId id="1481" r:id="rId2"/>
@@ -18,14 +18,17 @@
     <p:sldId id="1496" r:id="rId6"/>
     <p:sldId id="1497" r:id="rId7"/>
     <p:sldId id="1498" r:id="rId8"/>
-    <p:sldId id="1488" r:id="rId9"/>
-    <p:sldId id="1489" r:id="rId10"/>
-    <p:sldId id="1490" r:id="rId11"/>
-    <p:sldId id="1493" r:id="rId12"/>
-    <p:sldId id="1491" r:id="rId13"/>
-    <p:sldId id="1499" r:id="rId14"/>
-    <p:sldId id="1495" r:id="rId15"/>
-    <p:sldId id="1487" r:id="rId16"/>
+    <p:sldId id="1500" r:id="rId9"/>
+    <p:sldId id="1502" r:id="rId10"/>
+    <p:sldId id="1503" r:id="rId11"/>
+    <p:sldId id="1488" r:id="rId12"/>
+    <p:sldId id="1489" r:id="rId13"/>
+    <p:sldId id="1490" r:id="rId14"/>
+    <p:sldId id="1493" r:id="rId15"/>
+    <p:sldId id="1491" r:id="rId16"/>
+    <p:sldId id="1499" r:id="rId17"/>
+    <p:sldId id="1495" r:id="rId18"/>
+    <p:sldId id="1487" r:id="rId19"/>
   </p:sldIdLst>
   <p:sldSz cx="18288000" cy="13716000"/>
   <p:notesSz cx="6858000" cy="9144000"/>
@@ -143,7 +146,11 @@
           </p14:sldIdLst>
         </p14:section>
         <p14:section name="Nội dung" id="{891E852F-E744-46D2-9A44-79705C958D0D}">
-          <p14:sldIdLst/>
+          <p14:sldIdLst>
+            <p14:sldId id="1500"/>
+            <p14:sldId id="1502"/>
+            <p14:sldId id="1503"/>
+          </p14:sldIdLst>
         </p14:section>
         <p14:section name="Kết luận" id="{8F4F56F7-C37B-416D-A728-46CB8F0573EF}">
           <p14:sldIdLst>
@@ -853,6 +860,266 @@
 </p:notes>
 </file>
 
+<file path=ppt/notesSlides/notesSlide10.xml><?xml version="1.0" encoding="utf-8"?>
+<p:notes xmlns:a="http://schemas.openxmlformats.org/drawingml/2006/main" xmlns:r="http://schemas.openxmlformats.org/officeDocument/2006/relationships" xmlns:p="http://schemas.openxmlformats.org/presentationml/2006/main">
+  <p:cSld>
+    <p:spTree>
+      <p:nvGrpSpPr>
+        <p:cNvPr id="1" name=""/>
+        <p:cNvGrpSpPr/>
+        <p:nvPr/>
+      </p:nvGrpSpPr>
+      <p:grpSpPr>
+        <a:xfrm>
+          <a:off x="0" y="0"/>
+          <a:ext cx="0" cy="0"/>
+          <a:chOff x="0" y="0"/>
+          <a:chExt cx="0" cy="0"/>
+        </a:xfrm>
+      </p:grpSpPr>
+      <p:sp>
+        <p:nvSpPr>
+          <p:cNvPr id="2" name="Slide Image Placeholder 1"/>
+          <p:cNvSpPr>
+            <a:spLocks noGrp="1" noRot="1" noChangeAspect="1"/>
+          </p:cNvSpPr>
+          <p:nvPr>
+            <p:ph type="sldImg"/>
+          </p:nvPr>
+        </p:nvSpPr>
+        <p:spPr/>
+      </p:sp>
+      <p:sp>
+        <p:nvSpPr>
+          <p:cNvPr id="3" name="Notes Placeholder 2"/>
+          <p:cNvSpPr>
+            <a:spLocks noGrp="1"/>
+          </p:cNvSpPr>
+          <p:nvPr>
+            <p:ph type="body" idx="1"/>
+          </p:nvPr>
+        </p:nvSpPr>
+        <p:spPr/>
+        <p:txBody>
+          <a:bodyPr/>
+          <a:lstStyle/>
+          <a:p>
+            <a:pPr marL="0" marR="0" lvl="0" indent="0" algn="l" defTabSz="914217" rtl="0" eaLnBrk="1" fontAlgn="auto" latinLnBrk="0" hangingPunct="1">
+              <a:lnSpc>
+                <a:spcPct val="100000"/>
+              </a:lnSpc>
+              <a:spcBef>
+                <a:spcPts val="0"/>
+              </a:spcBef>
+              <a:spcAft>
+                <a:spcPts val="0"/>
+              </a:spcAft>
+              <a:buClrTx/>
+              <a:buSzTx/>
+              <a:buFontTx/>
+              <a:buNone/>
+              <a:tabLst/>
+              <a:defRPr/>
+            </a:pPr>
+            <a:r>
+              <a:rPr lang="vi-VN" sz="2400">
+                <a:latin typeface="Calibri" panose="020F0502020204030204" pitchFamily="34" charset="0"/>
+                <a:cs typeface="Calibri" panose="020F0502020204030204" pitchFamily="34" charset="0"/>
+              </a:rPr>
+              <a:t>Cải thiện giải thuật hàng đợi nhiều trạm phục vụ hỗ trợ cho mỗi đơn hàng có thời gian không đồng nhất.</a:t>
+            </a:r>
+          </a:p>
+          <a:p>
+            <a:endParaRPr lang="en-US"/>
+          </a:p>
+        </p:txBody>
+      </p:sp>
+      <p:sp>
+        <p:nvSpPr>
+          <p:cNvPr id="4" name="Footer Placeholder 3"/>
+          <p:cNvSpPr>
+            <a:spLocks noGrp="1"/>
+          </p:cNvSpPr>
+          <p:nvPr>
+            <p:ph type="ftr" sz="quarter" idx="4"/>
+          </p:nvPr>
+        </p:nvSpPr>
+        <p:spPr/>
+        <p:txBody>
+          <a:bodyPr/>
+          <a:lstStyle/>
+          <a:p>
+            <a:endParaRPr lang="en-US"/>
+          </a:p>
+        </p:txBody>
+      </p:sp>
+      <p:sp>
+        <p:nvSpPr>
+          <p:cNvPr id="5" name="Slide Number Placeholder 4"/>
+          <p:cNvSpPr>
+            <a:spLocks noGrp="1"/>
+          </p:cNvSpPr>
+          <p:nvPr>
+            <p:ph type="sldNum" sz="quarter" idx="5"/>
+          </p:nvPr>
+        </p:nvSpPr>
+        <p:spPr/>
+        <p:txBody>
+          <a:bodyPr/>
+          <a:lstStyle/>
+          <a:p>
+            <a:fld id="{006BE02D-20C0-F840-AFAC-BEA99C74FDC2}" type="slidenum">
+              <a:rPr lang="en-US" smtClean="0"/>
+              <a:pPr/>
+              <a:t>15</a:t>
+            </a:fld>
+            <a:endParaRPr lang="en-US"/>
+          </a:p>
+        </p:txBody>
+      </p:sp>
+    </p:spTree>
+    <p:extLst>
+      <p:ext uri="{BB962C8B-B14F-4D97-AF65-F5344CB8AC3E}">
+        <p14:creationId xmlns:p14="http://schemas.microsoft.com/office/powerpoint/2010/main" val="3892512948"/>
+      </p:ext>
+    </p:extLst>
+  </p:cSld>
+  <p:clrMapOvr>
+    <a:masterClrMapping/>
+  </p:clrMapOvr>
+</p:notes>
+</file>
+
+<file path=ppt/notesSlides/notesSlide11.xml><?xml version="1.0" encoding="utf-8"?>
+<p:notes xmlns:a="http://schemas.openxmlformats.org/drawingml/2006/main" xmlns:r="http://schemas.openxmlformats.org/officeDocument/2006/relationships" xmlns:p="http://schemas.openxmlformats.org/presentationml/2006/main">
+  <p:cSld>
+    <p:spTree>
+      <p:nvGrpSpPr>
+        <p:cNvPr id="1" name=""/>
+        <p:cNvGrpSpPr/>
+        <p:nvPr/>
+      </p:nvGrpSpPr>
+      <p:grpSpPr>
+        <a:xfrm>
+          <a:off x="0" y="0"/>
+          <a:ext cx="0" cy="0"/>
+          <a:chOff x="0" y="0"/>
+          <a:chExt cx="0" cy="0"/>
+        </a:xfrm>
+      </p:grpSpPr>
+      <p:sp>
+        <p:nvSpPr>
+          <p:cNvPr id="2" name="Slide Image Placeholder 1"/>
+          <p:cNvSpPr>
+            <a:spLocks noGrp="1" noRot="1" noChangeAspect="1"/>
+          </p:cNvSpPr>
+          <p:nvPr>
+            <p:ph type="sldImg"/>
+          </p:nvPr>
+        </p:nvSpPr>
+        <p:spPr/>
+      </p:sp>
+      <p:sp>
+        <p:nvSpPr>
+          <p:cNvPr id="3" name="Notes Placeholder 2"/>
+          <p:cNvSpPr>
+            <a:spLocks noGrp="1"/>
+          </p:cNvSpPr>
+          <p:nvPr>
+            <p:ph type="body" idx="1"/>
+          </p:nvPr>
+        </p:nvSpPr>
+        <p:spPr/>
+        <p:txBody>
+          <a:bodyPr/>
+          <a:lstStyle/>
+          <a:p>
+            <a:pPr marL="0" marR="0" lvl="0" indent="0" algn="l" defTabSz="914217" rtl="0" eaLnBrk="1" fontAlgn="auto" latinLnBrk="0" hangingPunct="1">
+              <a:lnSpc>
+                <a:spcPct val="100000"/>
+              </a:lnSpc>
+              <a:spcBef>
+                <a:spcPts val="0"/>
+              </a:spcBef>
+              <a:spcAft>
+                <a:spcPts val="0"/>
+              </a:spcAft>
+              <a:buClrTx/>
+              <a:buSzTx/>
+              <a:buFontTx/>
+              <a:buNone/>
+              <a:tabLst/>
+              <a:defRPr/>
+            </a:pPr>
+            <a:r>
+              <a:rPr lang="vi-VN" sz="2400">
+                <a:latin typeface="Calibri" panose="020F0502020204030204" pitchFamily="34" charset="0"/>
+                <a:cs typeface="Calibri" panose="020F0502020204030204" pitchFamily="34" charset="0"/>
+              </a:rPr>
+              <a:t>Cải thiện giải thuật hàng đợi nhiều trạm phục vụ hỗ trợ cho mỗi đơn hàng có thời gian không đồng nhất.</a:t>
+            </a:r>
+          </a:p>
+          <a:p>
+            <a:endParaRPr lang="en-US"/>
+          </a:p>
+        </p:txBody>
+      </p:sp>
+      <p:sp>
+        <p:nvSpPr>
+          <p:cNvPr id="4" name="Footer Placeholder 3"/>
+          <p:cNvSpPr>
+            <a:spLocks noGrp="1"/>
+          </p:cNvSpPr>
+          <p:nvPr>
+            <p:ph type="ftr" sz="quarter" idx="4"/>
+          </p:nvPr>
+        </p:nvSpPr>
+        <p:spPr/>
+        <p:txBody>
+          <a:bodyPr/>
+          <a:lstStyle/>
+          <a:p>
+            <a:endParaRPr lang="en-US"/>
+          </a:p>
+        </p:txBody>
+      </p:sp>
+      <p:sp>
+        <p:nvSpPr>
+          <p:cNvPr id="5" name="Slide Number Placeholder 4"/>
+          <p:cNvSpPr>
+            <a:spLocks noGrp="1"/>
+          </p:cNvSpPr>
+          <p:nvPr>
+            <p:ph type="sldNum" sz="quarter" idx="5"/>
+          </p:nvPr>
+        </p:nvSpPr>
+        <p:spPr/>
+        <p:txBody>
+          <a:bodyPr/>
+          <a:lstStyle/>
+          <a:p>
+            <a:fld id="{006BE02D-20C0-F840-AFAC-BEA99C74FDC2}" type="slidenum">
+              <a:rPr lang="en-US" smtClean="0"/>
+              <a:pPr/>
+              <a:t>17</a:t>
+            </a:fld>
+            <a:endParaRPr lang="en-US"/>
+          </a:p>
+        </p:txBody>
+      </p:sp>
+    </p:spTree>
+    <p:extLst>
+      <p:ext uri="{BB962C8B-B14F-4D97-AF65-F5344CB8AC3E}">
+        <p14:creationId xmlns:p14="http://schemas.microsoft.com/office/powerpoint/2010/main" val="997867255"/>
+      </p:ext>
+    </p:extLst>
+  </p:cSld>
+  <p:clrMapOvr>
+    <a:masterClrMapping/>
+  </p:clrMapOvr>
+</p:notes>
+</file>
+
 <file path=ppt/notesSlides/notesSlide2.xml><?xml version="1.0" encoding="utf-8"?>
 <p:notes xmlns:a="http://schemas.openxmlformats.org/drawingml/2006/main" xmlns:r="http://schemas.openxmlformats.org/officeDocument/2006/relationships" xmlns:p="http://schemas.openxmlformats.org/presentationml/2006/main">
   <p:cSld>
@@ -1328,9 +1595,64 @@
           <a:bodyPr/>
           <a:lstStyle/>
           <a:p>
-            <a:r>
-              <a:rPr lang="en-US"/>
-              <a:t>Về lí thuyết</a:t>
+            <a:pPr marL="1416050" lvl="3" indent="-979488" algn="just">
+              <a:spcBef>
+                <a:spcPts val="1200"/>
+              </a:spcBef>
+              <a:spcAft>
+                <a:spcPts val="1200"/>
+              </a:spcAft>
+              <a:buFont typeface="Courier New" panose="02070309020205020404" pitchFamily="49" charset="0"/>
+              <a:buChar char="o"/>
+            </a:pPr>
+            <a:r>
+              <a:rPr lang="vi-VN" sz="4800">
+                <a:latin typeface="Calibri" panose="020F0502020204030204" pitchFamily="34" charset="0"/>
+                <a:cs typeface="Calibri" panose="020F0502020204030204" pitchFamily="34" charset="0"/>
+              </a:rPr>
+              <a:t>Ứng dụng Android hỗ trợ khách hàng chọn dịch vụ mình cần thiết và tìm kiếm những chi nhánh của hàng có hỗ trợ đầy đủ dịch vụ khách hàng đã chọn lựa. </a:t>
+            </a:r>
+            <a:endParaRPr lang="en-US" sz="4800">
+              <a:latin typeface="Calibri" panose="020F0502020204030204" pitchFamily="34" charset="0"/>
+              <a:cs typeface="Calibri" panose="020F0502020204030204" pitchFamily="34" charset="0"/>
+            </a:endParaRPr>
+          </a:p>
+          <a:p>
+            <a:pPr marL="1416050" lvl="3" indent="-979488" algn="just">
+              <a:spcBef>
+                <a:spcPts val="1200"/>
+              </a:spcBef>
+              <a:spcAft>
+                <a:spcPts val="1200"/>
+              </a:spcAft>
+              <a:buFont typeface="Courier New" panose="02070309020205020404" pitchFamily="49" charset="0"/>
+              <a:buChar char="o"/>
+            </a:pPr>
+            <a:r>
+              <a:rPr lang="vi-VN" sz="4800">
+                <a:latin typeface="Calibri" panose="020F0502020204030204" pitchFamily="34" charset="0"/>
+                <a:cs typeface="Calibri" panose="020F0502020204030204" pitchFamily="34" charset="0"/>
+              </a:rPr>
+              <a:t>Ứng dụng web quản lí cửa hàng có thể quản lí các đơn hàng, biên nhận bằng cách kiểm soát trạng thái của chúng. Hỗ trợ đưa ra gợi ý sắp lịch xử lí đơn hàng cho cửa hàng và phân loại tự động giúp tiết kiệm thời gian có thể.</a:t>
+            </a:r>
+          </a:p>
+          <a:p>
+            <a:pPr marL="1416050" lvl="3" indent="-979488" algn="just">
+              <a:spcBef>
+                <a:spcPts val="1200"/>
+              </a:spcBef>
+              <a:spcAft>
+                <a:spcPts val="1200"/>
+              </a:spcAft>
+              <a:buFont typeface="Courier New" panose="02070309020205020404" pitchFamily="49" charset="0"/>
+              <a:buChar char="o"/>
+            </a:pPr>
+            <a:r>
+              <a:rPr lang="vi-VN" sz="4800">
+                <a:latin typeface="Calibri" panose="020F0502020204030204" pitchFamily="34" charset="0"/>
+                <a:cs typeface="Calibri" panose="020F0502020204030204" pitchFamily="34" charset="0"/>
+              </a:rPr>
+              <a:t>Đề tài hiện tại không hỗ trợ xây dựng trang quản lí các thông tin dữ liệu đầu vào để tạo đơn hàng cũng như quản lí. Mọi dữ liệu được chạy từ tập tin dữ liệu có sẵn.</a:t>
             </a:r>
           </a:p>
         </p:txBody>
@@ -1381,7 +1703,7 @@
     </p:spTree>
     <p:extLst>
       <p:ext uri="{BB962C8B-B14F-4D97-AF65-F5344CB8AC3E}">
-        <p14:creationId xmlns:p14="http://schemas.microsoft.com/office/powerpoint/2010/main" val="1313105270"/>
+        <p14:creationId xmlns:p14="http://schemas.microsoft.com/office/powerpoint/2010/main" val="2120440486"/>
       </p:ext>
     </p:extLst>
   </p:cSld>
@@ -1435,9 +1757,64 @@
           <a:bodyPr/>
           <a:lstStyle/>
           <a:p>
-            <a:r>
-              <a:rPr lang="en-US"/>
-              <a:t>Về chức</a:t>
+            <a:pPr marL="1416050" lvl="3" indent="-979488" algn="just">
+              <a:spcBef>
+                <a:spcPts val="1200"/>
+              </a:spcBef>
+              <a:spcAft>
+                <a:spcPts val="1200"/>
+              </a:spcAft>
+              <a:buFont typeface="Courier New" panose="02070309020205020404" pitchFamily="49" charset="0"/>
+              <a:buChar char="o"/>
+            </a:pPr>
+            <a:r>
+              <a:rPr lang="vi-VN" sz="4800">
+                <a:latin typeface="Calibri" panose="020F0502020204030204" pitchFamily="34" charset="0"/>
+                <a:cs typeface="Calibri" panose="020F0502020204030204" pitchFamily="34" charset="0"/>
+              </a:rPr>
+              <a:t>Ứng dụng Android hỗ trợ khách hàng chọn dịch vụ mình cần thiết và tìm kiếm những chi nhánh của hàng có hỗ trợ đầy đủ dịch vụ khách hàng đã chọn lựa. </a:t>
+            </a:r>
+            <a:endParaRPr lang="en-US" sz="4800">
+              <a:latin typeface="Calibri" panose="020F0502020204030204" pitchFamily="34" charset="0"/>
+              <a:cs typeface="Calibri" panose="020F0502020204030204" pitchFamily="34" charset="0"/>
+            </a:endParaRPr>
+          </a:p>
+          <a:p>
+            <a:pPr marL="1416050" lvl="3" indent="-979488" algn="just">
+              <a:spcBef>
+                <a:spcPts val="1200"/>
+              </a:spcBef>
+              <a:spcAft>
+                <a:spcPts val="1200"/>
+              </a:spcAft>
+              <a:buFont typeface="Courier New" panose="02070309020205020404" pitchFamily="49" charset="0"/>
+              <a:buChar char="o"/>
+            </a:pPr>
+            <a:r>
+              <a:rPr lang="vi-VN" sz="4800">
+                <a:latin typeface="Calibri" panose="020F0502020204030204" pitchFamily="34" charset="0"/>
+                <a:cs typeface="Calibri" panose="020F0502020204030204" pitchFamily="34" charset="0"/>
+              </a:rPr>
+              <a:t>Ứng dụng web quản lí cửa hàng có thể quản lí các đơn hàng, biên nhận bằng cách kiểm soát trạng thái của chúng. Hỗ trợ đưa ra gợi ý sắp lịch xử lí đơn hàng cho cửa hàng và phân loại tự động giúp tiết kiệm thời gian có thể.</a:t>
+            </a:r>
+          </a:p>
+          <a:p>
+            <a:pPr marL="1416050" lvl="3" indent="-979488" algn="just">
+              <a:spcBef>
+                <a:spcPts val="1200"/>
+              </a:spcBef>
+              <a:spcAft>
+                <a:spcPts val="1200"/>
+              </a:spcAft>
+              <a:buFont typeface="Courier New" panose="02070309020205020404" pitchFamily="49" charset="0"/>
+              <a:buChar char="o"/>
+            </a:pPr>
+            <a:r>
+              <a:rPr lang="vi-VN" sz="4800">
+                <a:latin typeface="Calibri" panose="020F0502020204030204" pitchFamily="34" charset="0"/>
+                <a:cs typeface="Calibri" panose="020F0502020204030204" pitchFamily="34" charset="0"/>
+              </a:rPr>
+              <a:t>Đề tài hiện tại không hỗ trợ xây dựng trang quản lí các thông tin dữ liệu đầu vào để tạo đơn hàng cũng như quản lí. Mọi dữ liệu được chạy từ tập tin dữ liệu có sẵn.</a:t>
             </a:r>
           </a:p>
         </p:txBody>
@@ -1488,7 +1865,7 @@
     </p:spTree>
     <p:extLst>
       <p:ext uri="{BB962C8B-B14F-4D97-AF65-F5344CB8AC3E}">
-        <p14:creationId xmlns:p14="http://schemas.microsoft.com/office/powerpoint/2010/main" val="1127075508"/>
+        <p14:creationId xmlns:p14="http://schemas.microsoft.com/office/powerpoint/2010/main" val="774175749"/>
       </p:ext>
     </p:extLst>
   </p:cSld>
@@ -1586,7 +1963,7 @@
             <a:fld id="{006BE02D-20C0-F840-AFAC-BEA99C74FDC2}" type="slidenum">
               <a:rPr lang="en-US" smtClean="0"/>
               <a:pPr/>
-              <a:t>11</a:t>
+              <a:t>12</a:t>
             </a:fld>
             <a:endParaRPr lang="en-US"/>
           </a:p>
@@ -1595,7 +1972,7 @@
     </p:spTree>
     <p:extLst>
       <p:ext uri="{BB962C8B-B14F-4D97-AF65-F5344CB8AC3E}">
-        <p14:creationId xmlns:p14="http://schemas.microsoft.com/office/powerpoint/2010/main" val="1217591120"/>
+        <p14:creationId xmlns:p14="http://schemas.microsoft.com/office/powerpoint/2010/main" val="1313105270"/>
       </p:ext>
     </p:extLst>
   </p:cSld>
@@ -1649,33 +2026,10 @@
           <a:bodyPr/>
           <a:lstStyle/>
           <a:p>
-            <a:pPr marL="0" marR="0" lvl="0" indent="0" algn="l" defTabSz="914217" rtl="0" eaLnBrk="1" fontAlgn="auto" latinLnBrk="0" hangingPunct="1">
-              <a:lnSpc>
-                <a:spcPct val="100000"/>
-              </a:lnSpc>
-              <a:spcBef>
-                <a:spcPts val="0"/>
-              </a:spcBef>
-              <a:spcAft>
-                <a:spcPts val="0"/>
-              </a:spcAft>
-              <a:buClrTx/>
-              <a:buSzTx/>
-              <a:buFontTx/>
-              <a:buNone/>
-              <a:tabLst/>
-              <a:defRPr/>
-            </a:pPr>
-            <a:r>
-              <a:rPr lang="vi-VN" sz="2400">
-                <a:latin typeface="Calibri" panose="020F0502020204030204" pitchFamily="34" charset="0"/>
-                <a:cs typeface="Calibri" panose="020F0502020204030204" pitchFamily="34" charset="0"/>
-              </a:rPr>
-              <a:t>Cải thiện giải thuật hàng đợi nhiều trạm phục vụ hỗ trợ cho mỗi đơn hàng có thời gian không đồng nhất.</a:t>
-            </a:r>
-          </a:p>
-          <a:p>
-            <a:endParaRPr lang="en-US"/>
+            <a:r>
+              <a:rPr lang="en-US"/>
+              <a:t>Về chức</a:t>
+            </a:r>
           </a:p>
         </p:txBody>
       </p:sp>
@@ -1716,7 +2070,7 @@
             <a:fld id="{006BE02D-20C0-F840-AFAC-BEA99C74FDC2}" type="slidenum">
               <a:rPr lang="en-US" smtClean="0"/>
               <a:pPr/>
-              <a:t>12</a:t>
+              <a:t>13</a:t>
             </a:fld>
             <a:endParaRPr lang="en-US"/>
           </a:p>
@@ -1725,7 +2079,7 @@
     </p:spTree>
     <p:extLst>
       <p:ext uri="{BB962C8B-B14F-4D97-AF65-F5344CB8AC3E}">
-        <p14:creationId xmlns:p14="http://schemas.microsoft.com/office/powerpoint/2010/main" val="3892512948"/>
+        <p14:creationId xmlns:p14="http://schemas.microsoft.com/office/powerpoint/2010/main" val="1127075508"/>
       </p:ext>
     </p:extLst>
   </p:cSld>
@@ -1779,33 +2133,10 @@
           <a:bodyPr/>
           <a:lstStyle/>
           <a:p>
-            <a:pPr marL="0" marR="0" lvl="0" indent="0" algn="l" defTabSz="914217" rtl="0" eaLnBrk="1" fontAlgn="auto" latinLnBrk="0" hangingPunct="1">
-              <a:lnSpc>
-                <a:spcPct val="100000"/>
-              </a:lnSpc>
-              <a:spcBef>
-                <a:spcPts val="0"/>
-              </a:spcBef>
-              <a:spcAft>
-                <a:spcPts val="0"/>
-              </a:spcAft>
-              <a:buClrTx/>
-              <a:buSzTx/>
-              <a:buFontTx/>
-              <a:buNone/>
-              <a:tabLst/>
-              <a:defRPr/>
-            </a:pPr>
-            <a:r>
-              <a:rPr lang="vi-VN" sz="2400">
-                <a:latin typeface="Calibri" panose="020F0502020204030204" pitchFamily="34" charset="0"/>
-                <a:cs typeface="Calibri" panose="020F0502020204030204" pitchFamily="34" charset="0"/>
-              </a:rPr>
-              <a:t>Cải thiện giải thuật hàng đợi nhiều trạm phục vụ hỗ trợ cho mỗi đơn hàng có thời gian không đồng nhất.</a:t>
-            </a:r>
-          </a:p>
-          <a:p>
-            <a:endParaRPr lang="en-US"/>
+            <a:r>
+              <a:rPr lang="en-US"/>
+              <a:t>Về lí thuyết</a:t>
+            </a:r>
           </a:p>
         </p:txBody>
       </p:sp>
@@ -1855,7 +2186,7 @@
     </p:spTree>
     <p:extLst>
       <p:ext uri="{BB962C8B-B14F-4D97-AF65-F5344CB8AC3E}">
-        <p14:creationId xmlns:p14="http://schemas.microsoft.com/office/powerpoint/2010/main" val="997867255"/>
+        <p14:creationId xmlns:p14="http://schemas.microsoft.com/office/powerpoint/2010/main" val="1217591120"/>
       </p:ext>
     </p:extLst>
   </p:cSld>
@@ -1994,9 +2325,9 @@
           <a:bodyPr/>
           <a:lstStyle/>
           <a:p>
-            <a:fld id="{857D223D-873E-47AE-A07B-E54416A485E2}" type="datetime1">
+            <a:fld id="{A63DF7D9-7EE3-4A30-99E8-D2F60E14F818}" type="datetime1">
               <a:rPr lang="en-US" smtClean="0"/>
-              <a:t>12/4/2018</a:t>
+              <a:t>12/5/2018</a:t>
             </a:fld>
             <a:endParaRPr lang="en-US"/>
           </a:p>
@@ -2019,7 +2350,7 @@
           <a:p>
             <a:r>
               <a:rPr lang="en-US"/>
-              <a:t>Hệ thống quản lí choỗi cửa hàng giặt ủi</a:t>
+              <a:t>Hệ thống quản lí chuỗi cửa hàng giặt ủi</a:t>
             </a:r>
           </a:p>
         </p:txBody>
@@ -2404,9 +2735,9 @@
           <a:bodyPr/>
           <a:lstStyle/>
           <a:p>
-            <a:fld id="{57BD583F-EBF4-4C82-A713-C66552368FC5}" type="datetime1">
+            <a:fld id="{32F0DC09-F9A3-467A-8351-C9B01BF9B8B3}" type="datetime1">
               <a:rPr lang="en-US" smtClean="0"/>
-              <a:t>12/4/2018</a:t>
+              <a:t>12/5/2018</a:t>
             </a:fld>
             <a:endParaRPr lang="en-US"/>
           </a:p>
@@ -2429,7 +2760,7 @@
           <a:p>
             <a:r>
               <a:rPr lang="en-US"/>
-              <a:t>Hệ thống quản lí choỗi cửa hàng giặt ủi</a:t>
+              <a:t>Hệ thống quản lí chuỗi cửa hàng giặt ủi</a:t>
             </a:r>
           </a:p>
         </p:txBody>
@@ -2588,9 +2919,9 @@
           <a:bodyPr/>
           <a:lstStyle/>
           <a:p>
-            <a:fld id="{5464C345-A5DF-4928-84E4-96F92DBDBFB9}" type="datetime1">
+            <a:fld id="{63B8EA3A-BFF5-49B7-A99D-29AC5D1ABA26}" type="datetime1">
               <a:rPr lang="en-US" smtClean="0"/>
-              <a:t>12/4/2018</a:t>
+              <a:t>12/5/2018</a:t>
             </a:fld>
             <a:endParaRPr lang="en-US"/>
           </a:p>
@@ -2613,7 +2944,7 @@
           <a:p>
             <a:r>
               <a:rPr lang="en-US"/>
-              <a:t>Hệ thống quản lí choỗi cửa hàng giặt ủi</a:t>
+              <a:t>Hệ thống quản lí chuỗi cửa hàng giặt ủi</a:t>
             </a:r>
           </a:p>
         </p:txBody>
@@ -3348,9 +3679,9 @@
             </a:lvl1pPr>
           </a:lstStyle>
           <a:p>
-            <a:fld id="{65CD53DB-9474-488D-9862-FEFF505281D6}" type="datetime1">
+            <a:fld id="{7DD56D5A-1EC7-4782-B3C4-C58C67A4F5BB}" type="datetime1">
               <a:rPr lang="en-US" smtClean="0"/>
-              <a:t>12/4/2018</a:t>
+              <a:t>12/5/2018</a:t>
             </a:fld>
             <a:endParaRPr lang="en-US"/>
           </a:p>
@@ -3605,9 +3936,9 @@
           <a:bodyPr/>
           <a:lstStyle/>
           <a:p>
-            <a:fld id="{C6F23C06-0D5F-4036-9AB9-C10795D71F80}" type="datetime1">
+            <a:fld id="{C0D55FD9-BCB4-4A94-A011-680FE022C699}" type="datetime1">
               <a:rPr lang="en-US" smtClean="0"/>
-              <a:t>12/4/2018</a:t>
+              <a:t>12/5/2018</a:t>
             </a:fld>
             <a:endParaRPr lang="en-US"/>
           </a:p>
@@ -3630,7 +3961,7 @@
           <a:p>
             <a:r>
               <a:rPr lang="en-US"/>
-              <a:t>Hệ thống quản lí choỗi cửa hàng giặt ủi</a:t>
+              <a:t>Hệ thống quản lí chuỗi cửa hàng giặt ủi</a:t>
             </a:r>
           </a:p>
         </p:txBody>
@@ -3841,9 +4172,9 @@
           <a:bodyPr/>
           <a:lstStyle/>
           <a:p>
-            <a:fld id="{F7872312-A2E6-4E35-A4DD-B91BE6AE6EFD}" type="datetime1">
+            <a:fld id="{EF8D3708-CE4F-46B3-992F-A7444C464571}" type="datetime1">
               <a:rPr lang="en-US" smtClean="0"/>
-              <a:t>12/4/2018</a:t>
+              <a:t>12/5/2018</a:t>
             </a:fld>
             <a:endParaRPr lang="en-US"/>
           </a:p>
@@ -3866,7 +4197,7 @@
           <a:p>
             <a:r>
               <a:rPr lang="en-US"/>
-              <a:t>Hệ thống quản lí choỗi cửa hàng giặt ủi</a:t>
+              <a:t>Hệ thống quản lí chuỗi cửa hàng giặt ủi</a:t>
             </a:r>
           </a:p>
         </p:txBody>
@@ -4212,9 +4543,9 @@
           <a:bodyPr/>
           <a:lstStyle/>
           <a:p>
-            <a:fld id="{FAB12404-FFEC-4AF1-8881-8EFB6EA4E2D5}" type="datetime1">
+            <a:fld id="{E0F0533E-B0E3-4769-BA15-43D6711DDD12}" type="datetime1">
               <a:rPr lang="en-US" smtClean="0"/>
-              <a:t>12/4/2018</a:t>
+              <a:t>12/5/2018</a:t>
             </a:fld>
             <a:endParaRPr lang="en-US"/>
           </a:p>
@@ -4237,7 +4568,7 @@
           <a:p>
             <a:r>
               <a:rPr lang="en-US"/>
-              <a:t>Hệ thống quản lí choỗi cửa hàng giặt ủi</a:t>
+              <a:t>Hệ thống quản lí chuỗi cửa hàng giặt ủi</a:t>
             </a:r>
           </a:p>
         </p:txBody>
@@ -4334,9 +4665,9 @@
           <a:bodyPr/>
           <a:lstStyle/>
           <a:p>
-            <a:fld id="{936466F7-0D5B-4995-B2B2-2C2D048B0827}" type="datetime1">
+            <a:fld id="{EDDCDB92-FA17-44B2-A575-906AF04E6062}" type="datetime1">
               <a:rPr lang="en-US" smtClean="0"/>
-              <a:t>12/4/2018</a:t>
+              <a:t>12/5/2018</a:t>
             </a:fld>
             <a:endParaRPr lang="en-US"/>
           </a:p>
@@ -4359,7 +4690,7 @@
           <a:p>
             <a:r>
               <a:rPr lang="en-US"/>
-              <a:t>Hệ thống quản lí choỗi cửa hàng giặt ủi</a:t>
+              <a:t>Hệ thống quản lí chuỗi cửa hàng giặt ủi</a:t>
             </a:r>
           </a:p>
         </p:txBody>
@@ -4433,9 +4764,9 @@
           <a:bodyPr/>
           <a:lstStyle/>
           <a:p>
-            <a:fld id="{6E743EE8-24FB-45E7-A0D1-6D83CB1E8C27}" type="datetime1">
+            <a:fld id="{041B7191-18DB-4E73-B061-43D058299507}" type="datetime1">
               <a:rPr lang="en-US" smtClean="0"/>
-              <a:t>12/4/2018</a:t>
+              <a:t>12/5/2018</a:t>
             </a:fld>
             <a:endParaRPr lang="en-US"/>
           </a:p>
@@ -4458,7 +4789,7 @@
           <a:p>
             <a:r>
               <a:rPr lang="en-US"/>
-              <a:t>Hệ thống quản lí choỗi cửa hàng giặt ủi</a:t>
+              <a:t>Hệ thống quản lí chuỗi cửa hàng giặt ủi</a:t>
             </a:r>
           </a:p>
         </p:txBody>
@@ -4701,7 +5032,13 @@
       </p:sp>
       <p:sp>
         <p:nvSpPr>
-          <p:cNvPr id="5" name="Date Placeholder 4"/>
+          <p:cNvPr id="8" name="Date Placeholder 7">
+            <a:extLst>
+              <a:ext uri="{FF2B5EF4-FFF2-40B4-BE49-F238E27FC236}">
+                <a16:creationId xmlns:a16="http://schemas.microsoft.com/office/drawing/2014/main" id="{03AB3DED-DD3E-449E-99E4-6B6277D40152}"/>
+              </a:ext>
+            </a:extLst>
+          </p:cNvPr>
           <p:cNvSpPr>
             <a:spLocks noGrp="1"/>
           </p:cNvSpPr>
@@ -4714,9 +5051,9 @@
           <a:bodyPr/>
           <a:lstStyle/>
           <a:p>
-            <a:fld id="{DC90CDE6-84DC-459D-9B5F-A9E2B3D04964}" type="datetime1">
+            <a:fld id="{3E0E8CC1-07E9-42B7-A79E-E808CAB2E053}" type="datetime1">
               <a:rPr lang="en-US" smtClean="0"/>
-              <a:t>12/4/2018</a:t>
+              <a:t>12/5/2018</a:t>
             </a:fld>
             <a:endParaRPr lang="en-US"/>
           </a:p>
@@ -4724,7 +5061,13 @@
       </p:sp>
       <p:sp>
         <p:nvSpPr>
-          <p:cNvPr id="6" name="Footer Placeholder 5"/>
+          <p:cNvPr id="9" name="Footer Placeholder 8">
+            <a:extLst>
+              <a:ext uri="{FF2B5EF4-FFF2-40B4-BE49-F238E27FC236}">
+                <a16:creationId xmlns:a16="http://schemas.microsoft.com/office/drawing/2014/main" id="{9092AF26-5C76-4C15-A113-E047BABA290C}"/>
+              </a:ext>
+            </a:extLst>
+          </p:cNvPr>
           <p:cNvSpPr>
             <a:spLocks noGrp="1"/>
           </p:cNvSpPr>
@@ -4739,14 +5082,20 @@
           <a:p>
             <a:r>
               <a:rPr lang="en-US"/>
-              <a:t>Hệ thống quản lí choỗi cửa hàng giặt ủi</a:t>
-            </a:r>
-          </a:p>
-        </p:txBody>
-      </p:sp>
-      <p:sp>
-        <p:nvSpPr>
-          <p:cNvPr id="7" name="Slide Number Placeholder 6"/>
+              <a:t>Hệ thống quản lí chuỗi cửa hàng giặt ủi</a:t>
+            </a:r>
+          </a:p>
+        </p:txBody>
+      </p:sp>
+      <p:sp>
+        <p:nvSpPr>
+          <p:cNvPr id="10" name="Slide Number Placeholder 9">
+            <a:extLst>
+              <a:ext uri="{FF2B5EF4-FFF2-40B4-BE49-F238E27FC236}">
+                <a16:creationId xmlns:a16="http://schemas.microsoft.com/office/drawing/2014/main" id="{959BEC08-7005-4D03-B0EA-E75EA4B1CABD}"/>
+              </a:ext>
+            </a:extLst>
+          </p:cNvPr>
           <p:cNvSpPr>
             <a:spLocks noGrp="1"/>
           </p:cNvSpPr>
@@ -4975,9 +5324,9 @@
           <a:bodyPr/>
           <a:lstStyle/>
           <a:p>
-            <a:fld id="{6D1A0B0D-37CC-40D2-B3B9-9B0CB876112F}" type="datetime1">
+            <a:fld id="{8BF61D73-06F7-48A8-A75D-82B2AD8C44F7}" type="datetime1">
               <a:rPr lang="en-US" smtClean="0"/>
-              <a:t>12/4/2018</a:t>
+              <a:t>12/5/2018</a:t>
             </a:fld>
             <a:endParaRPr lang="en-US"/>
           </a:p>
@@ -5000,7 +5349,7 @@
           <a:p>
             <a:r>
               <a:rPr lang="en-US"/>
-              <a:t>Hệ thống quản lí choỗi cửa hàng giặt ủi</a:t>
+              <a:t>Hệ thống quản lí chuỗi cửa hàng giặt ủi</a:t>
             </a:r>
           </a:p>
         </p:txBody>
@@ -5426,10 +5775,9 @@
             </a:lvl1pPr>
           </a:lstStyle>
           <a:p>
-            <a:fld id="{0035F7E8-23A1-465F-B634-9398FF88113B}" type="datetime1">
+            <a:fld id="{79647555-8B04-47DE-BBA7-4D8FC12DA08C}" type="datetime1">
               <a:rPr lang="en-US" smtClean="0"/>
-              <a:pPr/>
-              <a:t>12/4/2018</a:t>
+              <a:t>12/5/2018</a:t>
             </a:fld>
             <a:endParaRPr lang="en-US"/>
           </a:p>
@@ -6375,6 +6723,719 @@
       </p:grpSpPr>
       <p:sp>
         <p:nvSpPr>
+          <p:cNvPr id="4" name="TextBox 3">
+            <a:extLst>
+              <a:ext uri="{FF2B5EF4-FFF2-40B4-BE49-F238E27FC236}">
+                <a16:creationId xmlns:a16="http://schemas.microsoft.com/office/drawing/2014/main" id="{349FF29F-A1A2-420F-9295-9A4444567665}"/>
+              </a:ext>
+            </a:extLst>
+          </p:cNvPr>
+          <p:cNvSpPr txBox="1"/>
+          <p:nvPr/>
+        </p:nvSpPr>
+        <p:spPr>
+          <a:xfrm>
+            <a:off x="2138515" y="771688"/>
+            <a:ext cx="14010967" cy="1084916"/>
+          </a:xfrm>
+          <a:prstGeom prst="rect">
+            <a:avLst/>
+          </a:prstGeom>
+          <a:noFill/>
+        </p:spPr>
+        <p:txBody>
+          <a:bodyPr wrap="square" lIns="68584" tIns="34292" rIns="68584" bIns="34292" rtlCol="0">
+            <a:spAutoFit/>
+          </a:bodyPr>
+          <a:lstStyle/>
+          <a:p>
+            <a:pPr algn="ctr"/>
+            <a:r>
+              <a:rPr lang="en-US" sz="6600" b="1">
+                <a:solidFill>
+                  <a:srgbClr val="445469"/>
+                </a:solidFill>
+                <a:latin typeface="Lato Heavy" charset="0"/>
+                <a:ea typeface="Lato Heavy" charset="0"/>
+                <a:cs typeface="Lato Heavy" charset="0"/>
+              </a:rPr>
+              <a:t>S</a:t>
+            </a:r>
+            <a:r>
+              <a:rPr lang="vi-VN" sz="6600" b="1">
+                <a:solidFill>
+                  <a:srgbClr val="445469"/>
+                </a:solidFill>
+                <a:latin typeface="Lato Heavy" charset="0"/>
+                <a:ea typeface="Lato Heavy" charset="0"/>
+                <a:cs typeface="Lato Heavy" charset="0"/>
+              </a:rPr>
+              <a:t>ơ</a:t>
+            </a:r>
+            <a:r>
+              <a:rPr lang="en-US" sz="6600" b="1">
+                <a:solidFill>
+                  <a:srgbClr val="445469"/>
+                </a:solidFill>
+                <a:latin typeface="Lato Heavy" charset="0"/>
+                <a:ea typeface="Lato Heavy" charset="0"/>
+                <a:cs typeface="Lato Heavy" charset="0"/>
+              </a:rPr>
+              <a:t> đồ USE CASE</a:t>
+            </a:r>
+            <a:endParaRPr lang="id-ID" sz="5401" b="1">
+              <a:solidFill>
+                <a:srgbClr val="445469"/>
+              </a:solidFill>
+              <a:latin typeface="Lato Heavy" charset="0"/>
+              <a:ea typeface="Lato Heavy" charset="0"/>
+              <a:cs typeface="Lato Heavy" charset="0"/>
+            </a:endParaRPr>
+          </a:p>
+        </p:txBody>
+      </p:sp>
+      <p:sp>
+        <p:nvSpPr>
+          <p:cNvPr id="6" name="Date Placeholder 5">
+            <a:extLst>
+              <a:ext uri="{FF2B5EF4-FFF2-40B4-BE49-F238E27FC236}">
+                <a16:creationId xmlns:a16="http://schemas.microsoft.com/office/drawing/2014/main" id="{4DB1461A-FAF4-43D8-BD39-E67D9CFFDF54}"/>
+              </a:ext>
+            </a:extLst>
+          </p:cNvPr>
+          <p:cNvSpPr>
+            <a:spLocks noGrp="1"/>
+          </p:cNvSpPr>
+          <p:nvPr>
+            <p:ph type="dt" sz="half" idx="10"/>
+          </p:nvPr>
+        </p:nvSpPr>
+        <p:spPr/>
+        <p:txBody>
+          <a:bodyPr/>
+          <a:lstStyle/>
+          <a:p>
+            <a:fld id="{FFB071F1-1E35-461A-B73B-C84C05065C87}" type="datetime1">
+              <a:rPr lang="en-US" smtClean="0">
+                <a:solidFill>
+                  <a:schemeClr val="bg1"/>
+                </a:solidFill>
+              </a:rPr>
+              <a:t>12/5/2018</a:t>
+            </a:fld>
+            <a:endParaRPr lang="en-US">
+              <a:solidFill>
+                <a:schemeClr val="bg1"/>
+              </a:solidFill>
+            </a:endParaRPr>
+          </a:p>
+        </p:txBody>
+      </p:sp>
+      <p:sp>
+        <p:nvSpPr>
+          <p:cNvPr id="7" name="Footer Placeholder 6">
+            <a:extLst>
+              <a:ext uri="{FF2B5EF4-FFF2-40B4-BE49-F238E27FC236}">
+                <a16:creationId xmlns:a16="http://schemas.microsoft.com/office/drawing/2014/main" id="{754D3DE7-1D0F-49BF-8DB3-87320527AB40}"/>
+              </a:ext>
+            </a:extLst>
+          </p:cNvPr>
+          <p:cNvSpPr>
+            <a:spLocks noGrp="1"/>
+          </p:cNvSpPr>
+          <p:nvPr>
+            <p:ph type="ftr" sz="quarter" idx="11"/>
+          </p:nvPr>
+        </p:nvSpPr>
+        <p:spPr/>
+        <p:txBody>
+          <a:bodyPr/>
+          <a:lstStyle/>
+          <a:p>
+            <a:pPr algn="ctr"/>
+            <a:r>
+              <a:rPr lang="en-US"/>
+              <a:t>Hệ thống quản lí chuỗi cửa hàng giặt ủi</a:t>
+            </a:r>
+          </a:p>
+        </p:txBody>
+      </p:sp>
+      <p:sp>
+        <p:nvSpPr>
+          <p:cNvPr id="8" name="TextBox 7">
+            <a:extLst>
+              <a:ext uri="{FF2B5EF4-FFF2-40B4-BE49-F238E27FC236}">
+                <a16:creationId xmlns:a16="http://schemas.microsoft.com/office/drawing/2014/main" id="{270D97FE-8B67-4F90-82B8-443323BA1946}"/>
+              </a:ext>
+            </a:extLst>
+          </p:cNvPr>
+          <p:cNvSpPr txBox="1"/>
+          <p:nvPr/>
+        </p:nvSpPr>
+        <p:spPr>
+          <a:xfrm>
+            <a:off x="1320505" y="2601235"/>
+            <a:ext cx="15646985" cy="830997"/>
+          </a:xfrm>
+          <a:prstGeom prst="rect">
+            <a:avLst/>
+          </a:prstGeom>
+          <a:noFill/>
+        </p:spPr>
+        <p:txBody>
+          <a:bodyPr wrap="square" rtlCol="0">
+            <a:spAutoFit/>
+          </a:bodyPr>
+          <a:lstStyle/>
+          <a:p>
+            <a:pPr marL="436562" lvl="3" algn="just">
+              <a:spcBef>
+                <a:spcPts val="1200"/>
+              </a:spcBef>
+              <a:spcAft>
+                <a:spcPts val="1200"/>
+              </a:spcAft>
+            </a:pPr>
+            <a:endParaRPr lang="en-US" sz="4800">
+              <a:latin typeface="Calibri" panose="020F0502020204030204" pitchFamily="34" charset="0"/>
+              <a:cs typeface="Calibri" panose="020F0502020204030204" pitchFamily="34" charset="0"/>
+            </a:endParaRPr>
+          </a:p>
+        </p:txBody>
+      </p:sp>
+      <p:pic>
+        <p:nvPicPr>
+          <p:cNvPr id="9" name="Picture 8">
+            <a:extLst>
+              <a:ext uri="{FF2B5EF4-FFF2-40B4-BE49-F238E27FC236}">
+                <a16:creationId xmlns:a16="http://schemas.microsoft.com/office/drawing/2014/main" id="{C17D86CF-A300-42A3-A320-B168D6F9B5A4}"/>
+              </a:ext>
+            </a:extLst>
+          </p:cNvPr>
+          <p:cNvPicPr/>
+          <p:nvPr/>
+        </p:nvPicPr>
+        <p:blipFill>
+          <a:blip r:embed="rId3" cstate="print">
+            <a:duotone>
+              <a:schemeClr val="accent5">
+                <a:shade val="45000"/>
+                <a:satMod val="135000"/>
+              </a:schemeClr>
+              <a:prstClr val="white"/>
+            </a:duotone>
+            <a:extLst>
+              <a:ext uri="{28A0092B-C50C-407E-A947-70E740481C1C}">
+                <a14:useLocalDpi xmlns:a14="http://schemas.microsoft.com/office/drawing/2010/main" val="0"/>
+              </a:ext>
+            </a:extLst>
+          </a:blip>
+          <a:srcRect/>
+          <a:stretch>
+            <a:fillRect/>
+          </a:stretch>
+        </p:blipFill>
+        <p:spPr bwMode="auto">
+          <a:xfrm>
+            <a:off x="884904" y="1856604"/>
+            <a:ext cx="17108128" cy="9529151"/>
+          </a:xfrm>
+          <a:prstGeom prst="rect">
+            <a:avLst/>
+          </a:prstGeom>
+          <a:noFill/>
+          <a:ln>
+            <a:noFill/>
+          </a:ln>
+        </p:spPr>
+      </p:pic>
+    </p:spTree>
+    <p:extLst>
+      <p:ext uri="{BB962C8B-B14F-4D97-AF65-F5344CB8AC3E}">
+        <p14:creationId xmlns:p14="http://schemas.microsoft.com/office/powerpoint/2010/main" val="2978430405"/>
+      </p:ext>
+    </p:extLst>
+  </p:cSld>
+  <p:clrMapOvr>
+    <a:masterClrMapping/>
+  </p:clrMapOvr>
+  <p:transition spd="slow">
+    <p:cover/>
+  </p:transition>
+</p:sld>
+</file>
+
+<file path=ppt/slides/slide11.xml><?xml version="1.0" encoding="utf-8"?>
+<p:sld xmlns:a="http://schemas.openxmlformats.org/drawingml/2006/main" xmlns:r="http://schemas.openxmlformats.org/officeDocument/2006/relationships" xmlns:p="http://schemas.openxmlformats.org/presentationml/2006/main">
+  <p:cSld>
+    <p:spTree>
+      <p:nvGrpSpPr>
+        <p:cNvPr id="1" name=""/>
+        <p:cNvGrpSpPr/>
+        <p:nvPr/>
+      </p:nvGrpSpPr>
+      <p:grpSpPr>
+        <a:xfrm>
+          <a:off x="0" y="0"/>
+          <a:ext cx="0" cy="0"/>
+          <a:chOff x="0" y="0"/>
+          <a:chExt cx="0" cy="0"/>
+        </a:xfrm>
+      </p:grpSpPr>
+      <p:sp>
+        <p:nvSpPr>
+          <p:cNvPr id="4" name="Date Placeholder 3">
+            <a:extLst>
+              <a:ext uri="{FF2B5EF4-FFF2-40B4-BE49-F238E27FC236}">
+                <a16:creationId xmlns:a16="http://schemas.microsoft.com/office/drawing/2014/main" id="{70F460BB-0D36-447E-8FB0-848F364C65BD}"/>
+              </a:ext>
+            </a:extLst>
+          </p:cNvPr>
+          <p:cNvSpPr>
+            <a:spLocks noGrp="1"/>
+          </p:cNvSpPr>
+          <p:nvPr>
+            <p:ph type="dt" sz="half" idx="10"/>
+          </p:nvPr>
+        </p:nvSpPr>
+        <p:spPr/>
+        <p:txBody>
+          <a:bodyPr/>
+          <a:lstStyle/>
+          <a:p>
+            <a:fld id="{A4A011FA-B193-4E45-9C66-8468ECC89401}" type="datetime1">
+              <a:rPr lang="en-US" smtClean="0"/>
+              <a:t>12/5/2018</a:t>
+            </a:fld>
+            <a:endParaRPr lang="en-US"/>
+          </a:p>
+        </p:txBody>
+      </p:sp>
+      <p:sp>
+        <p:nvSpPr>
+          <p:cNvPr id="5" name="Footer Placeholder 4">
+            <a:extLst>
+              <a:ext uri="{FF2B5EF4-FFF2-40B4-BE49-F238E27FC236}">
+                <a16:creationId xmlns:a16="http://schemas.microsoft.com/office/drawing/2014/main" id="{F57E6744-A5B3-49E5-B75E-99BEB74567BA}"/>
+              </a:ext>
+            </a:extLst>
+          </p:cNvPr>
+          <p:cNvSpPr>
+            <a:spLocks noGrp="1"/>
+          </p:cNvSpPr>
+          <p:nvPr>
+            <p:ph type="ftr" sz="quarter" idx="11"/>
+          </p:nvPr>
+        </p:nvSpPr>
+        <p:spPr/>
+        <p:txBody>
+          <a:bodyPr/>
+          <a:lstStyle/>
+          <a:p>
+            <a:pPr algn="ctr"/>
+            <a:r>
+              <a:rPr lang="en-US"/>
+              <a:t>Hệ thống quản lí chuỗi cửa hàng giặt ủi</a:t>
+            </a:r>
+          </a:p>
+        </p:txBody>
+      </p:sp>
+      <p:sp>
+        <p:nvSpPr>
+          <p:cNvPr id="6" name="TextBox 5">
+            <a:extLst>
+              <a:ext uri="{FF2B5EF4-FFF2-40B4-BE49-F238E27FC236}">
+                <a16:creationId xmlns:a16="http://schemas.microsoft.com/office/drawing/2014/main" id="{228CC9BB-EB1A-450C-A75F-B65F45F13188}"/>
+              </a:ext>
+            </a:extLst>
+          </p:cNvPr>
+          <p:cNvSpPr txBox="1"/>
+          <p:nvPr/>
+        </p:nvSpPr>
+        <p:spPr>
+          <a:xfrm>
+            <a:off x="4044868" y="5938515"/>
+            <a:ext cx="10198263" cy="1838969"/>
+          </a:xfrm>
+          <a:prstGeom prst="rect">
+            <a:avLst/>
+          </a:prstGeom>
+          <a:noFill/>
+        </p:spPr>
+        <p:txBody>
+          <a:bodyPr wrap="square" lIns="68584" tIns="34292" rIns="68584" bIns="34292" rtlCol="0">
+            <a:spAutoFit/>
+          </a:bodyPr>
+          <a:lstStyle/>
+          <a:p>
+            <a:pPr algn="ctr"/>
+            <a:r>
+              <a:rPr lang="en-US" sz="11500" b="1">
+                <a:solidFill>
+                  <a:srgbClr val="445469"/>
+                </a:solidFill>
+                <a:latin typeface="Lato Heavy" charset="0"/>
+                <a:ea typeface="Lato Heavy" charset="0"/>
+                <a:cs typeface="Lato Heavy" charset="0"/>
+              </a:rPr>
+              <a:t>Kết luận</a:t>
+            </a:r>
+            <a:endParaRPr lang="id-ID" sz="8800" b="1">
+              <a:solidFill>
+                <a:srgbClr val="445469"/>
+              </a:solidFill>
+              <a:latin typeface="Lato Heavy" charset="0"/>
+              <a:ea typeface="Lato Heavy" charset="0"/>
+              <a:cs typeface="Lato Heavy" charset="0"/>
+            </a:endParaRPr>
+          </a:p>
+        </p:txBody>
+      </p:sp>
+    </p:spTree>
+    <p:extLst>
+      <p:ext uri="{BB962C8B-B14F-4D97-AF65-F5344CB8AC3E}">
+        <p14:creationId xmlns:p14="http://schemas.microsoft.com/office/powerpoint/2010/main" val="972389456"/>
+      </p:ext>
+    </p:extLst>
+  </p:cSld>
+  <p:clrMapOvr>
+    <a:masterClrMapping/>
+  </p:clrMapOvr>
+</p:sld>
+</file>
+
+<file path=ppt/slides/slide12.xml><?xml version="1.0" encoding="utf-8"?>
+<p:sld xmlns:a="http://schemas.openxmlformats.org/drawingml/2006/main" xmlns:r="http://schemas.openxmlformats.org/officeDocument/2006/relationships" xmlns:p="http://schemas.openxmlformats.org/presentationml/2006/main">
+  <p:cSld>
+    <p:spTree>
+      <p:nvGrpSpPr>
+        <p:cNvPr id="1" name=""/>
+        <p:cNvGrpSpPr/>
+        <p:nvPr/>
+      </p:nvGrpSpPr>
+      <p:grpSpPr>
+        <a:xfrm>
+          <a:off x="0" y="0"/>
+          <a:ext cx="0" cy="0"/>
+          <a:chOff x="0" y="0"/>
+          <a:chExt cx="0" cy="0"/>
+        </a:xfrm>
+      </p:grpSpPr>
+      <p:sp>
+        <p:nvSpPr>
+          <p:cNvPr id="4" name="TextBox 3">
+            <a:extLst>
+              <a:ext uri="{FF2B5EF4-FFF2-40B4-BE49-F238E27FC236}">
+                <a16:creationId xmlns:a16="http://schemas.microsoft.com/office/drawing/2014/main" id="{349FF29F-A1A2-420F-9295-9A4444567665}"/>
+              </a:ext>
+            </a:extLst>
+          </p:cNvPr>
+          <p:cNvSpPr txBox="1"/>
+          <p:nvPr/>
+        </p:nvSpPr>
+        <p:spPr>
+          <a:xfrm>
+            <a:off x="5460319" y="771688"/>
+            <a:ext cx="8134287" cy="1084916"/>
+          </a:xfrm>
+          <a:prstGeom prst="rect">
+            <a:avLst/>
+          </a:prstGeom>
+          <a:noFill/>
+        </p:spPr>
+        <p:txBody>
+          <a:bodyPr wrap="square" lIns="68584" tIns="34292" rIns="68584" bIns="34292" rtlCol="0">
+            <a:spAutoFit/>
+          </a:bodyPr>
+          <a:lstStyle/>
+          <a:p>
+            <a:pPr algn="ctr"/>
+            <a:r>
+              <a:rPr lang="en-US" sz="6600" b="1">
+                <a:solidFill>
+                  <a:srgbClr val="445469"/>
+                </a:solidFill>
+                <a:latin typeface="Lato Heavy" charset="0"/>
+                <a:ea typeface="Lato Heavy" charset="0"/>
+                <a:cs typeface="Lato Heavy" charset="0"/>
+              </a:rPr>
+              <a:t>Kết quả đạt đ</a:t>
+            </a:r>
+            <a:r>
+              <a:rPr lang="vi-VN" sz="6600" b="1">
+                <a:solidFill>
+                  <a:srgbClr val="445469"/>
+                </a:solidFill>
+                <a:latin typeface="Lato Heavy" charset="0"/>
+                <a:ea typeface="Lato Heavy" charset="0"/>
+                <a:cs typeface="Lato Heavy" charset="0"/>
+              </a:rPr>
+              <a:t>ư</a:t>
+            </a:r>
+            <a:r>
+              <a:rPr lang="en-US" sz="6600" b="1">
+                <a:solidFill>
+                  <a:srgbClr val="445469"/>
+                </a:solidFill>
+                <a:latin typeface="Lato Heavy" charset="0"/>
+                <a:ea typeface="Lato Heavy" charset="0"/>
+                <a:cs typeface="Lato Heavy" charset="0"/>
+              </a:rPr>
+              <a:t>ợc</a:t>
+            </a:r>
+            <a:endParaRPr lang="id-ID" sz="5401" b="1">
+              <a:solidFill>
+                <a:srgbClr val="445469"/>
+              </a:solidFill>
+              <a:latin typeface="Lato Heavy" charset="0"/>
+              <a:ea typeface="Lato Heavy" charset="0"/>
+              <a:cs typeface="Lato Heavy" charset="0"/>
+            </a:endParaRPr>
+          </a:p>
+        </p:txBody>
+      </p:sp>
+      <p:sp>
+        <p:nvSpPr>
+          <p:cNvPr id="6" name="Date Placeholder 5">
+            <a:extLst>
+              <a:ext uri="{FF2B5EF4-FFF2-40B4-BE49-F238E27FC236}">
+                <a16:creationId xmlns:a16="http://schemas.microsoft.com/office/drawing/2014/main" id="{4DB1461A-FAF4-43D8-BD39-E67D9CFFDF54}"/>
+              </a:ext>
+            </a:extLst>
+          </p:cNvPr>
+          <p:cNvSpPr>
+            <a:spLocks noGrp="1"/>
+          </p:cNvSpPr>
+          <p:nvPr>
+            <p:ph type="dt" sz="half" idx="10"/>
+          </p:nvPr>
+        </p:nvSpPr>
+        <p:spPr/>
+        <p:txBody>
+          <a:bodyPr/>
+          <a:lstStyle/>
+          <a:p>
+            <a:fld id="{9A83CA19-A1D4-4B3C-98C2-120E4089C5D0}" type="datetime1">
+              <a:rPr lang="en-US" smtClean="0">
+                <a:solidFill>
+                  <a:schemeClr val="bg1"/>
+                </a:solidFill>
+              </a:rPr>
+              <a:t>12/5/2018</a:t>
+            </a:fld>
+            <a:endParaRPr lang="en-US">
+              <a:solidFill>
+                <a:schemeClr val="bg1"/>
+              </a:solidFill>
+            </a:endParaRPr>
+          </a:p>
+        </p:txBody>
+      </p:sp>
+      <p:sp>
+        <p:nvSpPr>
+          <p:cNvPr id="7" name="Footer Placeholder 6">
+            <a:extLst>
+              <a:ext uri="{FF2B5EF4-FFF2-40B4-BE49-F238E27FC236}">
+                <a16:creationId xmlns:a16="http://schemas.microsoft.com/office/drawing/2014/main" id="{754D3DE7-1D0F-49BF-8DB3-87320527AB40}"/>
+              </a:ext>
+            </a:extLst>
+          </p:cNvPr>
+          <p:cNvSpPr>
+            <a:spLocks noGrp="1"/>
+          </p:cNvSpPr>
+          <p:nvPr>
+            <p:ph type="ftr" sz="quarter" idx="11"/>
+          </p:nvPr>
+        </p:nvSpPr>
+        <p:spPr/>
+        <p:txBody>
+          <a:bodyPr/>
+          <a:lstStyle/>
+          <a:p>
+            <a:pPr algn="ctr"/>
+            <a:r>
+              <a:rPr lang="en-US"/>
+              <a:t>Hệ thống quản lí chuỗi cửa hàng giặt ủi</a:t>
+            </a:r>
+          </a:p>
+        </p:txBody>
+      </p:sp>
+      <p:sp>
+        <p:nvSpPr>
+          <p:cNvPr id="8" name="TextBox 7">
+            <a:extLst>
+              <a:ext uri="{FF2B5EF4-FFF2-40B4-BE49-F238E27FC236}">
+                <a16:creationId xmlns:a16="http://schemas.microsoft.com/office/drawing/2014/main" id="{270D97FE-8B67-4F90-82B8-443323BA1946}"/>
+              </a:ext>
+            </a:extLst>
+          </p:cNvPr>
+          <p:cNvSpPr txBox="1"/>
+          <p:nvPr/>
+        </p:nvSpPr>
+        <p:spPr>
+          <a:xfrm>
+            <a:off x="1077685" y="4389959"/>
+            <a:ext cx="16132629" cy="4708981"/>
+          </a:xfrm>
+          <a:prstGeom prst="rect">
+            <a:avLst/>
+          </a:prstGeom>
+          <a:noFill/>
+        </p:spPr>
+        <p:txBody>
+          <a:bodyPr wrap="square" rtlCol="0">
+            <a:spAutoFit/>
+          </a:bodyPr>
+          <a:lstStyle/>
+          <a:p>
+            <a:pPr marL="2351088" lvl="3" indent="-979488">
+              <a:spcBef>
+                <a:spcPts val="1200"/>
+              </a:spcBef>
+              <a:spcAft>
+                <a:spcPts val="1200"/>
+              </a:spcAft>
+              <a:buFont typeface="Courier New" panose="02070309020205020404" pitchFamily="49" charset="0"/>
+              <a:buChar char="o"/>
+            </a:pPr>
+            <a:r>
+              <a:rPr lang="vi-VN" sz="4800">
+                <a:latin typeface="Calibri" panose="020F0502020204030204" pitchFamily="34" charset="0"/>
+                <a:cs typeface="Calibri" panose="020F0502020204030204" pitchFamily="34" charset="0"/>
+              </a:rPr>
+              <a:t>Bổ sung các kiến thức về phân tích, thiết kế phần mềm.</a:t>
+            </a:r>
+            <a:endParaRPr lang="en-US" sz="4800">
+              <a:latin typeface="Calibri" panose="020F0502020204030204" pitchFamily="34" charset="0"/>
+              <a:cs typeface="Calibri" panose="020F0502020204030204" pitchFamily="34" charset="0"/>
+            </a:endParaRPr>
+          </a:p>
+          <a:p>
+            <a:pPr marL="2351088" lvl="3" indent="-979488">
+              <a:spcBef>
+                <a:spcPts val="1200"/>
+              </a:spcBef>
+              <a:spcAft>
+                <a:spcPts val="1200"/>
+              </a:spcAft>
+              <a:buFont typeface="Courier New" panose="02070309020205020404" pitchFamily="49" charset="0"/>
+              <a:buChar char="o"/>
+            </a:pPr>
+            <a:r>
+              <a:rPr lang="vi-VN" sz="4800">
+                <a:latin typeface="Calibri" panose="020F0502020204030204" pitchFamily="34" charset="0"/>
+                <a:cs typeface="Calibri" panose="020F0502020204030204" pitchFamily="34" charset="0"/>
+              </a:rPr>
+              <a:t>Củng cố các kiến thức về lập trình</a:t>
+            </a:r>
+            <a:r>
+              <a:rPr lang="en-US" sz="4800">
+                <a:latin typeface="Calibri" panose="020F0502020204030204" pitchFamily="34" charset="0"/>
+                <a:cs typeface="Calibri" panose="020F0502020204030204" pitchFamily="34" charset="0"/>
+              </a:rPr>
+              <a:t>.</a:t>
+            </a:r>
+          </a:p>
+          <a:p>
+            <a:pPr marL="2351088" lvl="3" indent="-979488">
+              <a:spcBef>
+                <a:spcPts val="1200"/>
+              </a:spcBef>
+              <a:spcAft>
+                <a:spcPts val="1200"/>
+              </a:spcAft>
+              <a:buFont typeface="Courier New" panose="02070309020205020404" pitchFamily="49" charset="0"/>
+              <a:buChar char="o"/>
+            </a:pPr>
+            <a:r>
+              <a:rPr lang="vi-VN" sz="4800">
+                <a:latin typeface="Calibri" panose="020F0502020204030204" pitchFamily="34" charset="0"/>
+                <a:cs typeface="Calibri" panose="020F0502020204030204" pitchFamily="34" charset="0"/>
+              </a:rPr>
+              <a:t>Bổ sung các kiến thức mới</a:t>
+            </a:r>
+            <a:r>
+              <a:rPr lang="en-US" sz="4800">
+                <a:latin typeface="Calibri" panose="020F0502020204030204" pitchFamily="34" charset="0"/>
+                <a:cs typeface="Calibri" panose="020F0502020204030204" pitchFamily="34" charset="0"/>
+              </a:rPr>
+              <a:t>:</a:t>
+            </a:r>
+            <a:r>
+              <a:rPr lang="vi-VN" sz="4800">
+                <a:latin typeface="Calibri" panose="020F0502020204030204" pitchFamily="34" charset="0"/>
+                <a:cs typeface="Calibri" panose="020F0502020204030204" pitchFamily="34" charset="0"/>
+              </a:rPr>
+              <a:t> GraphQL, ReactJS.</a:t>
+            </a:r>
+          </a:p>
+          <a:p>
+            <a:pPr marL="2351088" lvl="3" indent="-979488">
+              <a:spcBef>
+                <a:spcPts val="1200"/>
+              </a:spcBef>
+              <a:spcAft>
+                <a:spcPts val="1200"/>
+              </a:spcAft>
+              <a:buFont typeface="Courier New" panose="02070309020205020404" pitchFamily="49" charset="0"/>
+              <a:buChar char="o"/>
+            </a:pPr>
+            <a:r>
+              <a:rPr lang="vi-VN" sz="4800">
+                <a:latin typeface="Calibri" panose="020F0502020204030204" pitchFamily="34" charset="0"/>
+                <a:cs typeface="Calibri" panose="020F0502020204030204" pitchFamily="34" charset="0"/>
+              </a:rPr>
+              <a:t>Áp dụng được giải thuật hàng đợi nhiều trạm phục v</a:t>
+            </a:r>
+            <a:r>
+              <a:rPr lang="en-US" sz="4800">
+                <a:latin typeface="Calibri" panose="020F0502020204030204" pitchFamily="34" charset="0"/>
+                <a:cs typeface="Calibri" panose="020F0502020204030204" pitchFamily="34" charset="0"/>
+              </a:rPr>
+              <a:t>ụ.</a:t>
+            </a:r>
+            <a:endParaRPr lang="vi-VN" sz="4800">
+              <a:latin typeface="Calibri" panose="020F0502020204030204" pitchFamily="34" charset="0"/>
+              <a:cs typeface="Calibri" panose="020F0502020204030204" pitchFamily="34" charset="0"/>
+            </a:endParaRPr>
+          </a:p>
+        </p:txBody>
+      </p:sp>
+    </p:spTree>
+    <p:extLst>
+      <p:ext uri="{BB962C8B-B14F-4D97-AF65-F5344CB8AC3E}">
+        <p14:creationId xmlns:p14="http://schemas.microsoft.com/office/powerpoint/2010/main" val="2747992788"/>
+      </p:ext>
+    </p:extLst>
+  </p:cSld>
+  <p:clrMapOvr>
+    <a:masterClrMapping/>
+  </p:clrMapOvr>
+  <p:transition spd="slow">
+    <p:cover/>
+  </p:transition>
+</p:sld>
+</file>
+
+<file path=ppt/slides/slide13.xml><?xml version="1.0" encoding="utf-8"?>
+<p:sld xmlns:a="http://schemas.openxmlformats.org/drawingml/2006/main" xmlns:r="http://schemas.openxmlformats.org/officeDocument/2006/relationships" xmlns:p="http://schemas.openxmlformats.org/presentationml/2006/main">
+  <p:cSld>
+    <p:spTree>
+      <p:nvGrpSpPr>
+        <p:cNvPr id="1" name=""/>
+        <p:cNvGrpSpPr/>
+        <p:nvPr/>
+      </p:nvGrpSpPr>
+      <p:grpSpPr>
+        <a:xfrm>
+          <a:off x="0" y="0"/>
+          <a:ext cx="0" cy="0"/>
+          <a:chOff x="0" y="0"/>
+          <a:chExt cx="0" cy="0"/>
+        </a:xfrm>
+      </p:grpSpPr>
+      <p:sp>
+        <p:nvSpPr>
           <p:cNvPr id="4" name="Date Placeholder 3">
             <a:extLst>
               <a:ext uri="{FF2B5EF4-FFF2-40B4-BE49-F238E27FC236}">
@@ -6394,7 +7455,7 @@
           <a:bodyPr/>
           <a:lstStyle/>
           <a:p>
-            <a:fld id="{65CD53DB-9474-488D-9862-FEFF505281D6}" type="datetime1">
+            <a:fld id="{BFC50923-1F85-4A10-BAA0-A79B3C7166EF}" type="datetime1">
               <a:rPr lang="en-US" smtClean="0"/>
               <a:t>12/5/2018</a:t>
             </a:fld>
@@ -7683,739 +8744,6 @@
 </p:sld>
 </file>
 
-<file path=ppt/slides/slide11.xml><?xml version="1.0" encoding="utf-8"?>
-<p:sld xmlns:a="http://schemas.openxmlformats.org/drawingml/2006/main" xmlns:r="http://schemas.openxmlformats.org/officeDocument/2006/relationships" xmlns:p="http://schemas.openxmlformats.org/presentationml/2006/main">
-  <p:cSld>
-    <p:spTree>
-      <p:nvGrpSpPr>
-        <p:cNvPr id="1" name=""/>
-        <p:cNvGrpSpPr/>
-        <p:nvPr/>
-      </p:nvGrpSpPr>
-      <p:grpSpPr>
-        <a:xfrm>
-          <a:off x="0" y="0"/>
-          <a:ext cx="0" cy="0"/>
-          <a:chOff x="0" y="0"/>
-          <a:chExt cx="0" cy="0"/>
-        </a:xfrm>
-      </p:grpSpPr>
-      <p:sp>
-        <p:nvSpPr>
-          <p:cNvPr id="4" name="TextBox 3">
-            <a:extLst>
-              <a:ext uri="{FF2B5EF4-FFF2-40B4-BE49-F238E27FC236}">
-                <a16:creationId xmlns:a16="http://schemas.microsoft.com/office/drawing/2014/main" id="{349FF29F-A1A2-420F-9295-9A4444567665}"/>
-              </a:ext>
-            </a:extLst>
-          </p:cNvPr>
-          <p:cNvSpPr txBox="1"/>
-          <p:nvPr/>
-        </p:nvSpPr>
-        <p:spPr>
-          <a:xfrm>
-            <a:off x="5460319" y="771688"/>
-            <a:ext cx="8134287" cy="1084916"/>
-          </a:xfrm>
-          <a:prstGeom prst="rect">
-            <a:avLst/>
-          </a:prstGeom>
-          <a:noFill/>
-        </p:spPr>
-        <p:txBody>
-          <a:bodyPr wrap="square" lIns="68584" tIns="34292" rIns="68584" bIns="34292" rtlCol="0">
-            <a:spAutoFit/>
-          </a:bodyPr>
-          <a:lstStyle/>
-          <a:p>
-            <a:pPr algn="ctr"/>
-            <a:r>
-              <a:rPr lang="en-US" sz="6600" b="1">
-                <a:solidFill>
-                  <a:srgbClr val="445469"/>
-                </a:solidFill>
-                <a:latin typeface="Lato Heavy" charset="0"/>
-                <a:ea typeface="Lato Heavy" charset="0"/>
-                <a:cs typeface="Lato Heavy" charset="0"/>
-              </a:rPr>
-              <a:t>Hạn chế</a:t>
-            </a:r>
-            <a:endParaRPr lang="id-ID" sz="5401" b="1">
-              <a:solidFill>
-                <a:srgbClr val="445469"/>
-              </a:solidFill>
-              <a:latin typeface="Lato Heavy" charset="0"/>
-              <a:ea typeface="Lato Heavy" charset="0"/>
-              <a:cs typeface="Lato Heavy" charset="0"/>
-            </a:endParaRPr>
-          </a:p>
-        </p:txBody>
-      </p:sp>
-      <p:sp>
-        <p:nvSpPr>
-          <p:cNvPr id="6" name="Date Placeholder 5">
-            <a:extLst>
-              <a:ext uri="{FF2B5EF4-FFF2-40B4-BE49-F238E27FC236}">
-                <a16:creationId xmlns:a16="http://schemas.microsoft.com/office/drawing/2014/main" id="{4DB1461A-FAF4-43D8-BD39-E67D9CFFDF54}"/>
-              </a:ext>
-            </a:extLst>
-          </p:cNvPr>
-          <p:cNvSpPr>
-            <a:spLocks noGrp="1"/>
-          </p:cNvSpPr>
-          <p:nvPr>
-            <p:ph type="dt" sz="half" idx="10"/>
-          </p:nvPr>
-        </p:nvSpPr>
-        <p:spPr/>
-        <p:txBody>
-          <a:bodyPr/>
-          <a:lstStyle/>
-          <a:p>
-            <a:fld id="{CC2F3AFE-B587-4EA7-A71E-D5D1711BDBF4}" type="datetime1">
-              <a:rPr lang="en-US" smtClean="0">
-                <a:solidFill>
-                  <a:schemeClr val="bg1"/>
-                </a:solidFill>
-              </a:rPr>
-              <a:t>12/5/2018</a:t>
-            </a:fld>
-            <a:endParaRPr lang="en-US">
-              <a:solidFill>
-                <a:schemeClr val="bg1"/>
-              </a:solidFill>
-            </a:endParaRPr>
-          </a:p>
-        </p:txBody>
-      </p:sp>
-      <p:sp>
-        <p:nvSpPr>
-          <p:cNvPr id="7" name="Footer Placeholder 6">
-            <a:extLst>
-              <a:ext uri="{FF2B5EF4-FFF2-40B4-BE49-F238E27FC236}">
-                <a16:creationId xmlns:a16="http://schemas.microsoft.com/office/drawing/2014/main" id="{754D3DE7-1D0F-49BF-8DB3-87320527AB40}"/>
-              </a:ext>
-            </a:extLst>
-          </p:cNvPr>
-          <p:cNvSpPr>
-            <a:spLocks noGrp="1"/>
-          </p:cNvSpPr>
-          <p:nvPr>
-            <p:ph type="ftr" sz="quarter" idx="11"/>
-          </p:nvPr>
-        </p:nvSpPr>
-        <p:spPr/>
-        <p:txBody>
-          <a:bodyPr/>
-          <a:lstStyle/>
-          <a:p>
-            <a:pPr algn="ctr"/>
-            <a:r>
-              <a:rPr lang="en-US"/>
-              <a:t>Hệ thống quản lí choỗi cửa hàng giặt ủi</a:t>
-            </a:r>
-          </a:p>
-        </p:txBody>
-      </p:sp>
-      <p:sp>
-        <p:nvSpPr>
-          <p:cNvPr id="8" name="TextBox 7">
-            <a:extLst>
-              <a:ext uri="{FF2B5EF4-FFF2-40B4-BE49-F238E27FC236}">
-                <a16:creationId xmlns:a16="http://schemas.microsoft.com/office/drawing/2014/main" id="{270D97FE-8B67-4F90-82B8-443323BA1946}"/>
-              </a:ext>
-            </a:extLst>
-          </p:cNvPr>
-          <p:cNvSpPr txBox="1"/>
-          <p:nvPr/>
-        </p:nvSpPr>
-        <p:spPr>
-          <a:xfrm>
-            <a:off x="1077685" y="4389959"/>
-            <a:ext cx="16132629" cy="4708981"/>
-          </a:xfrm>
-          <a:prstGeom prst="rect">
-            <a:avLst/>
-          </a:prstGeom>
-          <a:noFill/>
-        </p:spPr>
-        <p:txBody>
-          <a:bodyPr wrap="square" rtlCol="0">
-            <a:spAutoFit/>
-          </a:bodyPr>
-          <a:lstStyle/>
-          <a:p>
-            <a:pPr marL="2351088" lvl="3" indent="-979488">
-              <a:spcBef>
-                <a:spcPts val="1200"/>
-              </a:spcBef>
-              <a:spcAft>
-                <a:spcPts val="1200"/>
-              </a:spcAft>
-              <a:buFont typeface="Courier New" panose="02070309020205020404" pitchFamily="49" charset="0"/>
-              <a:buChar char="o"/>
-            </a:pPr>
-            <a:r>
-              <a:rPr lang="vi-VN" sz="4800">
-                <a:latin typeface="Calibri" panose="020F0502020204030204" pitchFamily="34" charset="0"/>
-                <a:cs typeface="Calibri" panose="020F0502020204030204" pitchFamily="34" charset="0"/>
-              </a:rPr>
-              <a:t>Bổ sung các kiến thức về phân tích, thiết kế phần mềm.</a:t>
-            </a:r>
-            <a:endParaRPr lang="en-US" sz="4800">
-              <a:latin typeface="Calibri" panose="020F0502020204030204" pitchFamily="34" charset="0"/>
-              <a:cs typeface="Calibri" panose="020F0502020204030204" pitchFamily="34" charset="0"/>
-            </a:endParaRPr>
-          </a:p>
-          <a:p>
-            <a:pPr marL="2351088" lvl="3" indent="-979488">
-              <a:spcBef>
-                <a:spcPts val="1200"/>
-              </a:spcBef>
-              <a:spcAft>
-                <a:spcPts val="1200"/>
-              </a:spcAft>
-              <a:buFont typeface="Courier New" panose="02070309020205020404" pitchFamily="49" charset="0"/>
-              <a:buChar char="o"/>
-            </a:pPr>
-            <a:r>
-              <a:rPr lang="vi-VN" sz="4800">
-                <a:latin typeface="Calibri" panose="020F0502020204030204" pitchFamily="34" charset="0"/>
-                <a:cs typeface="Calibri" panose="020F0502020204030204" pitchFamily="34" charset="0"/>
-              </a:rPr>
-              <a:t>Củng cố các kiến thức về lập trình</a:t>
-            </a:r>
-            <a:r>
-              <a:rPr lang="en-US" sz="4800">
-                <a:latin typeface="Calibri" panose="020F0502020204030204" pitchFamily="34" charset="0"/>
-                <a:cs typeface="Calibri" panose="020F0502020204030204" pitchFamily="34" charset="0"/>
-              </a:rPr>
-              <a:t>.</a:t>
-            </a:r>
-          </a:p>
-          <a:p>
-            <a:pPr marL="2351088" lvl="3" indent="-979488">
-              <a:spcBef>
-                <a:spcPts val="1200"/>
-              </a:spcBef>
-              <a:spcAft>
-                <a:spcPts val="1200"/>
-              </a:spcAft>
-              <a:buFont typeface="Courier New" panose="02070309020205020404" pitchFamily="49" charset="0"/>
-              <a:buChar char="o"/>
-            </a:pPr>
-            <a:r>
-              <a:rPr lang="vi-VN" sz="4800">
-                <a:latin typeface="Calibri" panose="020F0502020204030204" pitchFamily="34" charset="0"/>
-                <a:cs typeface="Calibri" panose="020F0502020204030204" pitchFamily="34" charset="0"/>
-              </a:rPr>
-              <a:t>Bổ sung các kiến thức mới</a:t>
-            </a:r>
-            <a:r>
-              <a:rPr lang="en-US" sz="4800">
-                <a:latin typeface="Calibri" panose="020F0502020204030204" pitchFamily="34" charset="0"/>
-                <a:cs typeface="Calibri" panose="020F0502020204030204" pitchFamily="34" charset="0"/>
-              </a:rPr>
-              <a:t>:</a:t>
-            </a:r>
-            <a:r>
-              <a:rPr lang="vi-VN" sz="4800">
-                <a:latin typeface="Calibri" panose="020F0502020204030204" pitchFamily="34" charset="0"/>
-                <a:cs typeface="Calibri" panose="020F0502020204030204" pitchFamily="34" charset="0"/>
-              </a:rPr>
-              <a:t> GraphQL, ReactJS.</a:t>
-            </a:r>
-          </a:p>
-          <a:p>
-            <a:pPr marL="2351088" lvl="3" indent="-979488">
-              <a:spcBef>
-                <a:spcPts val="1200"/>
-              </a:spcBef>
-              <a:spcAft>
-                <a:spcPts val="1200"/>
-              </a:spcAft>
-              <a:buFont typeface="Courier New" panose="02070309020205020404" pitchFamily="49" charset="0"/>
-              <a:buChar char="o"/>
-            </a:pPr>
-            <a:r>
-              <a:rPr lang="vi-VN" sz="4800">
-                <a:latin typeface="Calibri" panose="020F0502020204030204" pitchFamily="34" charset="0"/>
-                <a:cs typeface="Calibri" panose="020F0502020204030204" pitchFamily="34" charset="0"/>
-              </a:rPr>
-              <a:t>Áp dụng được giải thuật hàng đợi nhiều trạm phục v</a:t>
-            </a:r>
-            <a:r>
-              <a:rPr lang="en-US" sz="4800">
-                <a:latin typeface="Calibri" panose="020F0502020204030204" pitchFamily="34" charset="0"/>
-                <a:cs typeface="Calibri" panose="020F0502020204030204" pitchFamily="34" charset="0"/>
-              </a:rPr>
-              <a:t>ụ.</a:t>
-            </a:r>
-            <a:endParaRPr lang="vi-VN" sz="4800">
-              <a:latin typeface="Calibri" panose="020F0502020204030204" pitchFamily="34" charset="0"/>
-              <a:cs typeface="Calibri" panose="020F0502020204030204" pitchFamily="34" charset="0"/>
-            </a:endParaRPr>
-          </a:p>
-        </p:txBody>
-      </p:sp>
-    </p:spTree>
-    <p:extLst>
-      <p:ext uri="{BB962C8B-B14F-4D97-AF65-F5344CB8AC3E}">
-        <p14:creationId xmlns:p14="http://schemas.microsoft.com/office/powerpoint/2010/main" val="2535588095"/>
-      </p:ext>
-    </p:extLst>
-  </p:cSld>
-  <p:clrMapOvr>
-    <a:masterClrMapping/>
-  </p:clrMapOvr>
-  <p:transition spd="slow">
-    <p:cover/>
-  </p:transition>
-</p:sld>
-</file>
-
-<file path=ppt/slides/slide12.xml><?xml version="1.0" encoding="utf-8"?>
-<p:sld xmlns:a="http://schemas.openxmlformats.org/drawingml/2006/main" xmlns:r="http://schemas.openxmlformats.org/officeDocument/2006/relationships" xmlns:p="http://schemas.openxmlformats.org/presentationml/2006/main">
-  <p:cSld>
-    <p:spTree>
-      <p:nvGrpSpPr>
-        <p:cNvPr id="1" name=""/>
-        <p:cNvGrpSpPr/>
-        <p:nvPr/>
-      </p:nvGrpSpPr>
-      <p:grpSpPr>
-        <a:xfrm>
-          <a:off x="0" y="0"/>
-          <a:ext cx="0" cy="0"/>
-          <a:chOff x="0" y="0"/>
-          <a:chExt cx="0" cy="0"/>
-        </a:xfrm>
-      </p:grpSpPr>
-      <p:sp>
-        <p:nvSpPr>
-          <p:cNvPr id="4" name="Date Placeholder 3">
-            <a:extLst>
-              <a:ext uri="{FF2B5EF4-FFF2-40B4-BE49-F238E27FC236}">
-                <a16:creationId xmlns:a16="http://schemas.microsoft.com/office/drawing/2014/main" id="{05945B43-6D40-4B77-8555-9659A35ABE9C}"/>
-              </a:ext>
-            </a:extLst>
-          </p:cNvPr>
-          <p:cNvSpPr>
-            <a:spLocks noGrp="1"/>
-          </p:cNvSpPr>
-          <p:nvPr>
-            <p:ph type="dt" sz="half" idx="10"/>
-          </p:nvPr>
-        </p:nvSpPr>
-        <p:spPr/>
-        <p:txBody>
-          <a:bodyPr/>
-          <a:lstStyle/>
-          <a:p>
-            <a:fld id="{65CD53DB-9474-488D-9862-FEFF505281D6}" type="datetime1">
-              <a:rPr lang="en-US" smtClean="0"/>
-              <a:t>12/5/2018</a:t>
-            </a:fld>
-            <a:endParaRPr lang="en-US"/>
-          </a:p>
-        </p:txBody>
-      </p:sp>
-      <p:sp>
-        <p:nvSpPr>
-          <p:cNvPr id="5" name="Footer Placeholder 4">
-            <a:extLst>
-              <a:ext uri="{FF2B5EF4-FFF2-40B4-BE49-F238E27FC236}">
-                <a16:creationId xmlns:a16="http://schemas.microsoft.com/office/drawing/2014/main" id="{D082DE6A-06E7-4889-B1CE-3A6FBBFBDB54}"/>
-              </a:ext>
-            </a:extLst>
-          </p:cNvPr>
-          <p:cNvSpPr>
-            <a:spLocks noGrp="1"/>
-          </p:cNvSpPr>
-          <p:nvPr>
-            <p:ph type="ftr" sz="quarter" idx="11"/>
-          </p:nvPr>
-        </p:nvSpPr>
-        <p:spPr/>
-        <p:txBody>
-          <a:bodyPr/>
-          <a:lstStyle/>
-          <a:p>
-            <a:pPr algn="ctr"/>
-            <a:r>
-              <a:rPr lang="en-US"/>
-              <a:t>Hệ thống quản lí chuỗi cửa hàng giặt ủi</a:t>
-            </a:r>
-          </a:p>
-        </p:txBody>
-      </p:sp>
-      <p:sp>
-        <p:nvSpPr>
-          <p:cNvPr id="6" name="TextBox 5">
-            <a:extLst>
-              <a:ext uri="{FF2B5EF4-FFF2-40B4-BE49-F238E27FC236}">
-                <a16:creationId xmlns:a16="http://schemas.microsoft.com/office/drawing/2014/main" id="{66FE285B-FEBA-4870-8408-9EBB3F14EA88}"/>
-              </a:ext>
-            </a:extLst>
-          </p:cNvPr>
-          <p:cNvSpPr txBox="1"/>
-          <p:nvPr/>
-        </p:nvSpPr>
-        <p:spPr>
-          <a:xfrm>
-            <a:off x="5460319" y="771688"/>
-            <a:ext cx="8134287" cy="1084916"/>
-          </a:xfrm>
-          <a:prstGeom prst="rect">
-            <a:avLst/>
-          </a:prstGeom>
-          <a:noFill/>
-        </p:spPr>
-        <p:txBody>
-          <a:bodyPr wrap="square" lIns="68584" tIns="34292" rIns="68584" bIns="34292" rtlCol="0">
-            <a:spAutoFit/>
-          </a:bodyPr>
-          <a:lstStyle/>
-          <a:p>
-            <a:pPr algn="ctr"/>
-            <a:r>
-              <a:rPr lang="en-US" sz="6600" b="1">
-                <a:solidFill>
-                  <a:srgbClr val="445469"/>
-                </a:solidFill>
-                <a:latin typeface="Lato Heavy" charset="0"/>
-                <a:ea typeface="Lato Heavy" charset="0"/>
-                <a:cs typeface="Lato Heavy" charset="0"/>
-              </a:rPr>
-              <a:t>H</a:t>
-            </a:r>
-            <a:r>
-              <a:rPr lang="vi-VN" sz="6600" b="1">
-                <a:solidFill>
-                  <a:srgbClr val="445469"/>
-                </a:solidFill>
-                <a:latin typeface="Lato Heavy" charset="0"/>
-                <a:ea typeface="Lato Heavy" charset="0"/>
-                <a:cs typeface="Lato Heavy" charset="0"/>
-              </a:rPr>
-              <a:t>ư</a:t>
-            </a:r>
-            <a:r>
-              <a:rPr lang="en-US" sz="6600" b="1">
-                <a:solidFill>
-                  <a:srgbClr val="445469"/>
-                </a:solidFill>
-                <a:latin typeface="Lato Heavy" charset="0"/>
-                <a:ea typeface="Lato Heavy" charset="0"/>
-                <a:cs typeface="Lato Heavy" charset="0"/>
-              </a:rPr>
-              <a:t>ớng phát triển</a:t>
-            </a:r>
-            <a:endParaRPr lang="id-ID" sz="5401" b="1">
-              <a:solidFill>
-                <a:srgbClr val="445469"/>
-              </a:solidFill>
-              <a:latin typeface="Lato Heavy" charset="0"/>
-              <a:ea typeface="Lato Heavy" charset="0"/>
-              <a:cs typeface="Lato Heavy" charset="0"/>
-            </a:endParaRPr>
-          </a:p>
-        </p:txBody>
-      </p:sp>
-      <p:sp>
-        <p:nvSpPr>
-          <p:cNvPr id="26" name="TextBox 25">
-            <a:extLst>
-              <a:ext uri="{FF2B5EF4-FFF2-40B4-BE49-F238E27FC236}">
-                <a16:creationId xmlns:a16="http://schemas.microsoft.com/office/drawing/2014/main" id="{54A6A8AA-E7D6-4631-8D84-34F657A88134}"/>
-              </a:ext>
-            </a:extLst>
-          </p:cNvPr>
-          <p:cNvSpPr txBox="1"/>
-          <p:nvPr/>
-        </p:nvSpPr>
-        <p:spPr>
-          <a:xfrm>
-            <a:off x="1077685" y="3610957"/>
-            <a:ext cx="16132629" cy="6494085"/>
-          </a:xfrm>
-          <a:prstGeom prst="rect">
-            <a:avLst/>
-          </a:prstGeom>
-          <a:noFill/>
-        </p:spPr>
-        <p:txBody>
-          <a:bodyPr wrap="square" rtlCol="0">
-            <a:spAutoFit/>
-          </a:bodyPr>
-          <a:lstStyle/>
-          <a:p>
-            <a:pPr marL="2351088" lvl="3" indent="-979488" algn="just">
-              <a:spcBef>
-                <a:spcPts val="1200"/>
-              </a:spcBef>
-              <a:spcAft>
-                <a:spcPts val="1200"/>
-              </a:spcAft>
-              <a:buFont typeface="Courier New" panose="02070309020205020404" pitchFamily="49" charset="0"/>
-              <a:buChar char="o"/>
-            </a:pPr>
-            <a:r>
-              <a:rPr lang="vi-VN" sz="4800">
-                <a:latin typeface="Calibri" panose="020F0502020204030204" pitchFamily="34" charset="0"/>
-                <a:cs typeface="Calibri" panose="020F0502020204030204" pitchFamily="34" charset="0"/>
-              </a:rPr>
-              <a:t>Tối ưu hóa</a:t>
-            </a:r>
-            <a:r>
-              <a:rPr lang="en-US" sz="4800">
-                <a:latin typeface="Calibri" panose="020F0502020204030204" pitchFamily="34" charset="0"/>
-                <a:cs typeface="Calibri" panose="020F0502020204030204" pitchFamily="34" charset="0"/>
-              </a:rPr>
-              <a:t> thêm về</a:t>
-            </a:r>
-            <a:r>
-              <a:rPr lang="vi-VN" sz="4800">
-                <a:latin typeface="Calibri" panose="020F0502020204030204" pitchFamily="34" charset="0"/>
-                <a:cs typeface="Calibri" panose="020F0502020204030204" pitchFamily="34" charset="0"/>
-              </a:rPr>
-              <a:t> giao diện.</a:t>
-            </a:r>
-            <a:endParaRPr lang="en-US" sz="4800">
-              <a:latin typeface="Calibri" panose="020F0502020204030204" pitchFamily="34" charset="0"/>
-              <a:cs typeface="Calibri" panose="020F0502020204030204" pitchFamily="34" charset="0"/>
-            </a:endParaRPr>
-          </a:p>
-          <a:p>
-            <a:pPr marL="2351088" lvl="3" indent="-979488" algn="just">
-              <a:spcBef>
-                <a:spcPts val="1200"/>
-              </a:spcBef>
-              <a:spcAft>
-                <a:spcPts val="1200"/>
-              </a:spcAft>
-              <a:buFont typeface="Courier New" panose="02070309020205020404" pitchFamily="49" charset="0"/>
-              <a:buChar char="o"/>
-            </a:pPr>
-            <a:r>
-              <a:rPr lang="vi-VN" sz="4800">
-                <a:latin typeface="Calibri" panose="020F0502020204030204" pitchFamily="34" charset="0"/>
-                <a:cs typeface="Calibri" panose="020F0502020204030204" pitchFamily="34" charset="0"/>
-              </a:rPr>
-              <a:t>Tăng tốc độ xử lí các chức năng</a:t>
-            </a:r>
-          </a:p>
-          <a:p>
-            <a:pPr marL="2351088" lvl="3" indent="-979488" algn="just">
-              <a:spcBef>
-                <a:spcPts val="1200"/>
-              </a:spcBef>
-              <a:spcAft>
-                <a:spcPts val="1200"/>
-              </a:spcAft>
-              <a:buFont typeface="Courier New" panose="02070309020205020404" pitchFamily="49" charset="0"/>
-              <a:buChar char="o"/>
-            </a:pPr>
-            <a:r>
-              <a:rPr lang="vi-VN" sz="4800">
-                <a:latin typeface="Calibri" panose="020F0502020204030204" pitchFamily="34" charset="0"/>
-                <a:cs typeface="Calibri" panose="020F0502020204030204" pitchFamily="34" charset="0"/>
-              </a:rPr>
-              <a:t>Cải thiện giải thuật hàng đợi nhiều trạm phục vụ.</a:t>
-            </a:r>
-          </a:p>
-          <a:p>
-            <a:pPr marL="2351088" lvl="3" indent="-979488" algn="just">
-              <a:spcBef>
-                <a:spcPts val="1200"/>
-              </a:spcBef>
-              <a:spcAft>
-                <a:spcPts val="1200"/>
-              </a:spcAft>
-              <a:buFont typeface="Courier New" panose="02070309020205020404" pitchFamily="49" charset="0"/>
-              <a:buChar char="o"/>
-            </a:pPr>
-            <a:r>
-              <a:rPr lang="vi-VN" sz="4800">
-                <a:latin typeface="Calibri" panose="020F0502020204030204" pitchFamily="34" charset="0"/>
-                <a:cs typeface="Calibri" panose="020F0502020204030204" pitchFamily="34" charset="0"/>
-              </a:rPr>
-              <a:t>Triển khai lên internet.</a:t>
-            </a:r>
-          </a:p>
-          <a:p>
-            <a:pPr marL="2351088" lvl="3" indent="-979488" algn="just">
-              <a:spcBef>
-                <a:spcPts val="1200"/>
-              </a:spcBef>
-              <a:spcAft>
-                <a:spcPts val="1200"/>
-              </a:spcAft>
-              <a:buFont typeface="Courier New" panose="02070309020205020404" pitchFamily="49" charset="0"/>
-              <a:buChar char="o"/>
-            </a:pPr>
-            <a:r>
-              <a:rPr lang="vi-VN" sz="4800">
-                <a:latin typeface="Calibri" panose="020F0502020204030204" pitchFamily="34" charset="0"/>
-                <a:cs typeface="Calibri" panose="020F0502020204030204" pitchFamily="34" charset="0"/>
-              </a:rPr>
-              <a:t>Kết xuất báo cáo thống kê số lượng truy cập, thống kê đơn hàng, thống kê doanh thu theo các tiêu chí khác nhau.</a:t>
-            </a:r>
-          </a:p>
-        </p:txBody>
-      </p:sp>
-    </p:spTree>
-    <p:extLst>
-      <p:ext uri="{BB962C8B-B14F-4D97-AF65-F5344CB8AC3E}">
-        <p14:creationId xmlns:p14="http://schemas.microsoft.com/office/powerpoint/2010/main" val="1004779312"/>
-      </p:ext>
-    </p:extLst>
-  </p:cSld>
-  <p:clrMapOvr>
-    <a:masterClrMapping/>
-  </p:clrMapOvr>
-</p:sld>
-</file>
-
-<file path=ppt/slides/slide13.xml><?xml version="1.0" encoding="utf-8"?>
-<p:sld xmlns:a="http://schemas.openxmlformats.org/drawingml/2006/main" xmlns:r="http://schemas.openxmlformats.org/officeDocument/2006/relationships" xmlns:p="http://schemas.openxmlformats.org/presentationml/2006/main">
-  <p:cSld>
-    <p:spTree>
-      <p:nvGrpSpPr>
-        <p:cNvPr id="1" name=""/>
-        <p:cNvGrpSpPr/>
-        <p:nvPr/>
-      </p:nvGrpSpPr>
-      <p:grpSpPr>
-        <a:xfrm>
-          <a:off x="0" y="0"/>
-          <a:ext cx="0" cy="0"/>
-          <a:chOff x="0" y="0"/>
-          <a:chExt cx="0" cy="0"/>
-        </a:xfrm>
-      </p:grpSpPr>
-      <p:sp>
-        <p:nvSpPr>
-          <p:cNvPr id="4" name="Date Placeholder 3">
-            <a:extLst>
-              <a:ext uri="{FF2B5EF4-FFF2-40B4-BE49-F238E27FC236}">
-                <a16:creationId xmlns:a16="http://schemas.microsoft.com/office/drawing/2014/main" id="{70F460BB-0D36-447E-8FB0-848F364C65BD}"/>
-              </a:ext>
-            </a:extLst>
-          </p:cNvPr>
-          <p:cNvSpPr>
-            <a:spLocks noGrp="1"/>
-          </p:cNvSpPr>
-          <p:nvPr>
-            <p:ph type="dt" sz="half" idx="10"/>
-          </p:nvPr>
-        </p:nvSpPr>
-        <p:spPr/>
-        <p:txBody>
-          <a:bodyPr/>
-          <a:lstStyle/>
-          <a:p>
-            <a:fld id="{65CD53DB-9474-488D-9862-FEFF505281D6}" type="datetime1">
-              <a:rPr lang="en-US" smtClean="0"/>
-              <a:t>12/5/2018</a:t>
-            </a:fld>
-            <a:endParaRPr lang="en-US"/>
-          </a:p>
-        </p:txBody>
-      </p:sp>
-      <p:sp>
-        <p:nvSpPr>
-          <p:cNvPr id="5" name="Footer Placeholder 4">
-            <a:extLst>
-              <a:ext uri="{FF2B5EF4-FFF2-40B4-BE49-F238E27FC236}">
-                <a16:creationId xmlns:a16="http://schemas.microsoft.com/office/drawing/2014/main" id="{F57E6744-A5B3-49E5-B75E-99BEB74567BA}"/>
-              </a:ext>
-            </a:extLst>
-          </p:cNvPr>
-          <p:cNvSpPr>
-            <a:spLocks noGrp="1"/>
-          </p:cNvSpPr>
-          <p:nvPr>
-            <p:ph type="ftr" sz="quarter" idx="11"/>
-          </p:nvPr>
-        </p:nvSpPr>
-        <p:spPr/>
-        <p:txBody>
-          <a:bodyPr/>
-          <a:lstStyle/>
-          <a:p>
-            <a:pPr algn="ctr"/>
-            <a:r>
-              <a:rPr lang="en-US"/>
-              <a:t>Hệ thống quản lí choỗi cửa hàng giặt ủi</a:t>
-            </a:r>
-          </a:p>
-        </p:txBody>
-      </p:sp>
-      <p:sp>
-        <p:nvSpPr>
-          <p:cNvPr id="6" name="TextBox 5">
-            <a:extLst>
-              <a:ext uri="{FF2B5EF4-FFF2-40B4-BE49-F238E27FC236}">
-                <a16:creationId xmlns:a16="http://schemas.microsoft.com/office/drawing/2014/main" id="{228CC9BB-EB1A-450C-A75F-B65F45F13188}"/>
-              </a:ext>
-            </a:extLst>
-          </p:cNvPr>
-          <p:cNvSpPr txBox="1"/>
-          <p:nvPr/>
-        </p:nvSpPr>
-        <p:spPr>
-          <a:xfrm>
-            <a:off x="4044868" y="5938515"/>
-            <a:ext cx="10198263" cy="1838969"/>
-          </a:xfrm>
-          <a:prstGeom prst="rect">
-            <a:avLst/>
-          </a:prstGeom>
-          <a:noFill/>
-        </p:spPr>
-        <p:txBody>
-          <a:bodyPr wrap="square" lIns="68584" tIns="34292" rIns="68584" bIns="34292" rtlCol="0">
-            <a:spAutoFit/>
-          </a:bodyPr>
-          <a:lstStyle/>
-          <a:p>
-            <a:pPr algn="ctr"/>
-            <a:r>
-              <a:rPr lang="en-US" sz="11500" b="1">
-                <a:solidFill>
-                  <a:srgbClr val="445469"/>
-                </a:solidFill>
-                <a:latin typeface="Lato Heavy" charset="0"/>
-                <a:ea typeface="Lato Heavy" charset="0"/>
-                <a:cs typeface="Lato Heavy" charset="0"/>
-              </a:rPr>
-              <a:t>Demo kết quả</a:t>
-            </a:r>
-            <a:endParaRPr lang="id-ID" sz="8800" b="1">
-              <a:solidFill>
-                <a:srgbClr val="445469"/>
-              </a:solidFill>
-              <a:latin typeface="Lato Heavy" charset="0"/>
-              <a:ea typeface="Lato Heavy" charset="0"/>
-              <a:cs typeface="Lato Heavy" charset="0"/>
-            </a:endParaRPr>
-          </a:p>
-        </p:txBody>
-      </p:sp>
-    </p:spTree>
-    <p:extLst>
-      <p:ext uri="{BB962C8B-B14F-4D97-AF65-F5344CB8AC3E}">
-        <p14:creationId xmlns:p14="http://schemas.microsoft.com/office/powerpoint/2010/main" val="849013338"/>
-      </p:ext>
-    </p:extLst>
-  </p:cSld>
-  <p:clrMapOvr>
-    <a:masterClrMapping/>
-  </p:clrMapOvr>
-</p:sld>
-</file>
-
 <file path=ppt/slides/slide14.xml><?xml version="1.0" encoding="utf-8"?>
 <p:sld xmlns:a="http://schemas.openxmlformats.org/drawingml/2006/main" xmlns:r="http://schemas.openxmlformats.org/officeDocument/2006/relationships" xmlns:p="http://schemas.openxmlformats.org/presentationml/2006/main">
   <p:cSld>
@@ -8435,6 +8763,297 @@
       </p:grpSpPr>
       <p:sp>
         <p:nvSpPr>
+          <p:cNvPr id="4" name="TextBox 3">
+            <a:extLst>
+              <a:ext uri="{FF2B5EF4-FFF2-40B4-BE49-F238E27FC236}">
+                <a16:creationId xmlns:a16="http://schemas.microsoft.com/office/drawing/2014/main" id="{349FF29F-A1A2-420F-9295-9A4444567665}"/>
+              </a:ext>
+            </a:extLst>
+          </p:cNvPr>
+          <p:cNvSpPr txBox="1"/>
+          <p:nvPr/>
+        </p:nvSpPr>
+        <p:spPr>
+          <a:xfrm>
+            <a:off x="5460319" y="771688"/>
+            <a:ext cx="8134287" cy="1084916"/>
+          </a:xfrm>
+          <a:prstGeom prst="rect">
+            <a:avLst/>
+          </a:prstGeom>
+          <a:noFill/>
+        </p:spPr>
+        <p:txBody>
+          <a:bodyPr wrap="square" lIns="68584" tIns="34292" rIns="68584" bIns="34292" rtlCol="0">
+            <a:spAutoFit/>
+          </a:bodyPr>
+          <a:lstStyle/>
+          <a:p>
+            <a:pPr algn="ctr"/>
+            <a:r>
+              <a:rPr lang="en-US" sz="6600" b="1">
+                <a:solidFill>
+                  <a:srgbClr val="445469"/>
+                </a:solidFill>
+                <a:latin typeface="Lato Heavy" charset="0"/>
+                <a:ea typeface="Lato Heavy" charset="0"/>
+                <a:cs typeface="Lato Heavy" charset="0"/>
+              </a:rPr>
+              <a:t>Hạn chế</a:t>
+            </a:r>
+            <a:endParaRPr lang="id-ID" sz="5401" b="1">
+              <a:solidFill>
+                <a:srgbClr val="445469"/>
+              </a:solidFill>
+              <a:latin typeface="Lato Heavy" charset="0"/>
+              <a:ea typeface="Lato Heavy" charset="0"/>
+              <a:cs typeface="Lato Heavy" charset="0"/>
+            </a:endParaRPr>
+          </a:p>
+        </p:txBody>
+      </p:sp>
+      <p:sp>
+        <p:nvSpPr>
+          <p:cNvPr id="6" name="Date Placeholder 5">
+            <a:extLst>
+              <a:ext uri="{FF2B5EF4-FFF2-40B4-BE49-F238E27FC236}">
+                <a16:creationId xmlns:a16="http://schemas.microsoft.com/office/drawing/2014/main" id="{4DB1461A-FAF4-43D8-BD39-E67D9CFFDF54}"/>
+              </a:ext>
+            </a:extLst>
+          </p:cNvPr>
+          <p:cNvSpPr>
+            <a:spLocks noGrp="1"/>
+          </p:cNvSpPr>
+          <p:nvPr>
+            <p:ph type="dt" sz="half" idx="10"/>
+          </p:nvPr>
+        </p:nvSpPr>
+        <p:spPr/>
+        <p:txBody>
+          <a:bodyPr/>
+          <a:lstStyle/>
+          <a:p>
+            <a:fld id="{709911FB-7FF4-4A6D-8311-6EBC18597EB4}" type="datetime1">
+              <a:rPr lang="en-US" smtClean="0">
+                <a:solidFill>
+                  <a:schemeClr val="bg1"/>
+                </a:solidFill>
+              </a:rPr>
+              <a:t>12/5/2018</a:t>
+            </a:fld>
+            <a:endParaRPr lang="en-US">
+              <a:solidFill>
+                <a:schemeClr val="bg1"/>
+              </a:solidFill>
+            </a:endParaRPr>
+          </a:p>
+        </p:txBody>
+      </p:sp>
+      <p:sp>
+        <p:nvSpPr>
+          <p:cNvPr id="7" name="Footer Placeholder 6">
+            <a:extLst>
+              <a:ext uri="{FF2B5EF4-FFF2-40B4-BE49-F238E27FC236}">
+                <a16:creationId xmlns:a16="http://schemas.microsoft.com/office/drawing/2014/main" id="{754D3DE7-1D0F-49BF-8DB3-87320527AB40}"/>
+              </a:ext>
+            </a:extLst>
+          </p:cNvPr>
+          <p:cNvSpPr>
+            <a:spLocks noGrp="1"/>
+          </p:cNvSpPr>
+          <p:nvPr>
+            <p:ph type="ftr" sz="quarter" idx="11"/>
+          </p:nvPr>
+        </p:nvSpPr>
+        <p:spPr/>
+        <p:txBody>
+          <a:bodyPr/>
+          <a:lstStyle/>
+          <a:p>
+            <a:pPr algn="ctr"/>
+            <a:r>
+              <a:rPr lang="en-US"/>
+              <a:t>Hệ thống quản lí chuỗi cửa hàng giặt ủi</a:t>
+            </a:r>
+          </a:p>
+        </p:txBody>
+      </p:sp>
+      <p:sp>
+        <p:nvSpPr>
+          <p:cNvPr id="8" name="TextBox 7">
+            <a:extLst>
+              <a:ext uri="{FF2B5EF4-FFF2-40B4-BE49-F238E27FC236}">
+                <a16:creationId xmlns:a16="http://schemas.microsoft.com/office/drawing/2014/main" id="{270D97FE-8B67-4F90-82B8-443323BA1946}"/>
+              </a:ext>
+            </a:extLst>
+          </p:cNvPr>
+          <p:cNvSpPr txBox="1"/>
+          <p:nvPr/>
+        </p:nvSpPr>
+        <p:spPr>
+          <a:xfrm>
+            <a:off x="1077685" y="4389959"/>
+            <a:ext cx="16132629" cy="4708981"/>
+          </a:xfrm>
+          <a:prstGeom prst="rect">
+            <a:avLst/>
+          </a:prstGeom>
+          <a:noFill/>
+        </p:spPr>
+        <p:txBody>
+          <a:bodyPr wrap="square" rtlCol="0">
+            <a:spAutoFit/>
+          </a:bodyPr>
+          <a:lstStyle/>
+          <a:p>
+            <a:pPr marL="2351088" lvl="3" indent="-979488">
+              <a:spcBef>
+                <a:spcPts val="1200"/>
+              </a:spcBef>
+              <a:spcAft>
+                <a:spcPts val="1200"/>
+              </a:spcAft>
+              <a:buFont typeface="Courier New" panose="02070309020205020404" pitchFamily="49" charset="0"/>
+              <a:buChar char="o"/>
+            </a:pPr>
+            <a:r>
+              <a:rPr lang="vi-VN" sz="4800">
+                <a:latin typeface="Calibri" panose="020F0502020204030204" pitchFamily="34" charset="0"/>
+                <a:cs typeface="Calibri" panose="020F0502020204030204" pitchFamily="34" charset="0"/>
+              </a:rPr>
+              <a:t>Bổ sung các kiến thức về phân tích, thiết kế phần mềm.</a:t>
+            </a:r>
+            <a:endParaRPr lang="en-US" sz="4800">
+              <a:latin typeface="Calibri" panose="020F0502020204030204" pitchFamily="34" charset="0"/>
+              <a:cs typeface="Calibri" panose="020F0502020204030204" pitchFamily="34" charset="0"/>
+            </a:endParaRPr>
+          </a:p>
+          <a:p>
+            <a:pPr marL="2351088" lvl="3" indent="-979488">
+              <a:spcBef>
+                <a:spcPts val="1200"/>
+              </a:spcBef>
+              <a:spcAft>
+                <a:spcPts val="1200"/>
+              </a:spcAft>
+              <a:buFont typeface="Courier New" panose="02070309020205020404" pitchFamily="49" charset="0"/>
+              <a:buChar char="o"/>
+            </a:pPr>
+            <a:r>
+              <a:rPr lang="vi-VN" sz="4800">
+                <a:latin typeface="Calibri" panose="020F0502020204030204" pitchFamily="34" charset="0"/>
+                <a:cs typeface="Calibri" panose="020F0502020204030204" pitchFamily="34" charset="0"/>
+              </a:rPr>
+              <a:t>Củng cố các kiến thức về lập trình</a:t>
+            </a:r>
+            <a:r>
+              <a:rPr lang="en-US" sz="4800">
+                <a:latin typeface="Calibri" panose="020F0502020204030204" pitchFamily="34" charset="0"/>
+                <a:cs typeface="Calibri" panose="020F0502020204030204" pitchFamily="34" charset="0"/>
+              </a:rPr>
+              <a:t>.</a:t>
+            </a:r>
+          </a:p>
+          <a:p>
+            <a:pPr marL="2351088" lvl="3" indent="-979488">
+              <a:spcBef>
+                <a:spcPts val="1200"/>
+              </a:spcBef>
+              <a:spcAft>
+                <a:spcPts val="1200"/>
+              </a:spcAft>
+              <a:buFont typeface="Courier New" panose="02070309020205020404" pitchFamily="49" charset="0"/>
+              <a:buChar char="o"/>
+            </a:pPr>
+            <a:r>
+              <a:rPr lang="vi-VN" sz="4800">
+                <a:latin typeface="Calibri" panose="020F0502020204030204" pitchFamily="34" charset="0"/>
+                <a:cs typeface="Calibri" panose="020F0502020204030204" pitchFamily="34" charset="0"/>
+              </a:rPr>
+              <a:t>Bổ sung các kiến thức mới</a:t>
+            </a:r>
+            <a:r>
+              <a:rPr lang="en-US" sz="4800">
+                <a:latin typeface="Calibri" panose="020F0502020204030204" pitchFamily="34" charset="0"/>
+                <a:cs typeface="Calibri" panose="020F0502020204030204" pitchFamily="34" charset="0"/>
+              </a:rPr>
+              <a:t>:</a:t>
+            </a:r>
+            <a:r>
+              <a:rPr lang="vi-VN" sz="4800">
+                <a:latin typeface="Calibri" panose="020F0502020204030204" pitchFamily="34" charset="0"/>
+                <a:cs typeface="Calibri" panose="020F0502020204030204" pitchFamily="34" charset="0"/>
+              </a:rPr>
+              <a:t> GraphQL, ReactJS.</a:t>
+            </a:r>
+          </a:p>
+          <a:p>
+            <a:pPr marL="2351088" lvl="3" indent="-979488">
+              <a:spcBef>
+                <a:spcPts val="1200"/>
+              </a:spcBef>
+              <a:spcAft>
+                <a:spcPts val="1200"/>
+              </a:spcAft>
+              <a:buFont typeface="Courier New" panose="02070309020205020404" pitchFamily="49" charset="0"/>
+              <a:buChar char="o"/>
+            </a:pPr>
+            <a:r>
+              <a:rPr lang="vi-VN" sz="4800">
+                <a:latin typeface="Calibri" panose="020F0502020204030204" pitchFamily="34" charset="0"/>
+                <a:cs typeface="Calibri" panose="020F0502020204030204" pitchFamily="34" charset="0"/>
+              </a:rPr>
+              <a:t>Áp dụng được giải thuật hàng đợi nhiều trạm phục v</a:t>
+            </a:r>
+            <a:r>
+              <a:rPr lang="en-US" sz="4800">
+                <a:latin typeface="Calibri" panose="020F0502020204030204" pitchFamily="34" charset="0"/>
+                <a:cs typeface="Calibri" panose="020F0502020204030204" pitchFamily="34" charset="0"/>
+              </a:rPr>
+              <a:t>ụ.</a:t>
+            </a:r>
+            <a:endParaRPr lang="vi-VN" sz="4800">
+              <a:latin typeface="Calibri" panose="020F0502020204030204" pitchFamily="34" charset="0"/>
+              <a:cs typeface="Calibri" panose="020F0502020204030204" pitchFamily="34" charset="0"/>
+            </a:endParaRPr>
+          </a:p>
+        </p:txBody>
+      </p:sp>
+    </p:spTree>
+    <p:extLst>
+      <p:ext uri="{BB962C8B-B14F-4D97-AF65-F5344CB8AC3E}">
+        <p14:creationId xmlns:p14="http://schemas.microsoft.com/office/powerpoint/2010/main" val="2535588095"/>
+      </p:ext>
+    </p:extLst>
+  </p:cSld>
+  <p:clrMapOvr>
+    <a:masterClrMapping/>
+  </p:clrMapOvr>
+  <p:transition spd="slow">
+    <p:cover/>
+  </p:transition>
+</p:sld>
+</file>
+
+<file path=ppt/slides/slide15.xml><?xml version="1.0" encoding="utf-8"?>
+<p:sld xmlns:a="http://schemas.openxmlformats.org/drawingml/2006/main" xmlns:r="http://schemas.openxmlformats.org/officeDocument/2006/relationships" xmlns:p="http://schemas.openxmlformats.org/presentationml/2006/main">
+  <p:cSld>
+    <p:spTree>
+      <p:nvGrpSpPr>
+        <p:cNvPr id="1" name=""/>
+        <p:cNvGrpSpPr/>
+        <p:nvPr/>
+      </p:nvGrpSpPr>
+      <p:grpSpPr>
+        <a:xfrm>
+          <a:off x="0" y="0"/>
+          <a:ext cx="0" cy="0"/>
+          <a:chOff x="0" y="0"/>
+          <a:chExt cx="0" cy="0"/>
+        </a:xfrm>
+      </p:grpSpPr>
+      <p:sp>
+        <p:nvSpPr>
           <p:cNvPr id="4" name="Date Placeholder 3">
             <a:extLst>
               <a:ext uri="{FF2B5EF4-FFF2-40B4-BE49-F238E27FC236}">
@@ -8454,7 +9073,449 @@
           <a:bodyPr/>
           <a:lstStyle/>
           <a:p>
-            <a:fld id="{65CD53DB-9474-488D-9862-FEFF505281D6}" type="datetime1">
+            <a:fld id="{6A00E282-92F0-4A82-8819-CDE346C69EA7}" type="datetime1">
+              <a:rPr lang="en-US" smtClean="0"/>
+              <a:t>12/5/2018</a:t>
+            </a:fld>
+            <a:endParaRPr lang="en-US"/>
+          </a:p>
+        </p:txBody>
+      </p:sp>
+      <p:sp>
+        <p:nvSpPr>
+          <p:cNvPr id="5" name="Footer Placeholder 4">
+            <a:extLst>
+              <a:ext uri="{FF2B5EF4-FFF2-40B4-BE49-F238E27FC236}">
+                <a16:creationId xmlns:a16="http://schemas.microsoft.com/office/drawing/2014/main" id="{D082DE6A-06E7-4889-B1CE-3A6FBBFBDB54}"/>
+              </a:ext>
+            </a:extLst>
+          </p:cNvPr>
+          <p:cNvSpPr>
+            <a:spLocks noGrp="1"/>
+          </p:cNvSpPr>
+          <p:nvPr>
+            <p:ph type="ftr" sz="quarter" idx="11"/>
+          </p:nvPr>
+        </p:nvSpPr>
+        <p:spPr/>
+        <p:txBody>
+          <a:bodyPr/>
+          <a:lstStyle/>
+          <a:p>
+            <a:pPr algn="ctr"/>
+            <a:r>
+              <a:rPr lang="en-US"/>
+              <a:t>Hệ thống quản lí chuỗi cửa hàng giặt ủi</a:t>
+            </a:r>
+          </a:p>
+        </p:txBody>
+      </p:sp>
+      <p:sp>
+        <p:nvSpPr>
+          <p:cNvPr id="6" name="TextBox 5">
+            <a:extLst>
+              <a:ext uri="{FF2B5EF4-FFF2-40B4-BE49-F238E27FC236}">
+                <a16:creationId xmlns:a16="http://schemas.microsoft.com/office/drawing/2014/main" id="{66FE285B-FEBA-4870-8408-9EBB3F14EA88}"/>
+              </a:ext>
+            </a:extLst>
+          </p:cNvPr>
+          <p:cNvSpPr txBox="1"/>
+          <p:nvPr/>
+        </p:nvSpPr>
+        <p:spPr>
+          <a:xfrm>
+            <a:off x="5460319" y="771688"/>
+            <a:ext cx="8134287" cy="1084916"/>
+          </a:xfrm>
+          <a:prstGeom prst="rect">
+            <a:avLst/>
+          </a:prstGeom>
+          <a:noFill/>
+        </p:spPr>
+        <p:txBody>
+          <a:bodyPr wrap="square" lIns="68584" tIns="34292" rIns="68584" bIns="34292" rtlCol="0">
+            <a:spAutoFit/>
+          </a:bodyPr>
+          <a:lstStyle/>
+          <a:p>
+            <a:pPr algn="ctr"/>
+            <a:r>
+              <a:rPr lang="en-US" sz="6600" b="1">
+                <a:solidFill>
+                  <a:srgbClr val="445469"/>
+                </a:solidFill>
+                <a:latin typeface="Lato Heavy" charset="0"/>
+                <a:ea typeface="Lato Heavy" charset="0"/>
+                <a:cs typeface="Lato Heavy" charset="0"/>
+              </a:rPr>
+              <a:t>H</a:t>
+            </a:r>
+            <a:r>
+              <a:rPr lang="vi-VN" sz="6600" b="1">
+                <a:solidFill>
+                  <a:srgbClr val="445469"/>
+                </a:solidFill>
+                <a:latin typeface="Lato Heavy" charset="0"/>
+                <a:ea typeface="Lato Heavy" charset="0"/>
+                <a:cs typeface="Lato Heavy" charset="0"/>
+              </a:rPr>
+              <a:t>ư</a:t>
+            </a:r>
+            <a:r>
+              <a:rPr lang="en-US" sz="6600" b="1">
+                <a:solidFill>
+                  <a:srgbClr val="445469"/>
+                </a:solidFill>
+                <a:latin typeface="Lato Heavy" charset="0"/>
+                <a:ea typeface="Lato Heavy" charset="0"/>
+                <a:cs typeface="Lato Heavy" charset="0"/>
+              </a:rPr>
+              <a:t>ớng phát triển</a:t>
+            </a:r>
+            <a:endParaRPr lang="id-ID" sz="5401" b="1">
+              <a:solidFill>
+                <a:srgbClr val="445469"/>
+              </a:solidFill>
+              <a:latin typeface="Lato Heavy" charset="0"/>
+              <a:ea typeface="Lato Heavy" charset="0"/>
+              <a:cs typeface="Lato Heavy" charset="0"/>
+            </a:endParaRPr>
+          </a:p>
+        </p:txBody>
+      </p:sp>
+      <p:sp>
+        <p:nvSpPr>
+          <p:cNvPr id="26" name="TextBox 25">
+            <a:extLst>
+              <a:ext uri="{FF2B5EF4-FFF2-40B4-BE49-F238E27FC236}">
+                <a16:creationId xmlns:a16="http://schemas.microsoft.com/office/drawing/2014/main" id="{54A6A8AA-E7D6-4631-8D84-34F657A88134}"/>
+              </a:ext>
+            </a:extLst>
+          </p:cNvPr>
+          <p:cNvSpPr txBox="1"/>
+          <p:nvPr/>
+        </p:nvSpPr>
+        <p:spPr>
+          <a:xfrm>
+            <a:off x="1077685" y="3610957"/>
+            <a:ext cx="16132629" cy="6494085"/>
+          </a:xfrm>
+          <a:prstGeom prst="rect">
+            <a:avLst/>
+          </a:prstGeom>
+          <a:noFill/>
+        </p:spPr>
+        <p:txBody>
+          <a:bodyPr wrap="square" rtlCol="0">
+            <a:spAutoFit/>
+          </a:bodyPr>
+          <a:lstStyle/>
+          <a:p>
+            <a:pPr marL="2351088" lvl="3" indent="-979488" algn="just">
+              <a:spcBef>
+                <a:spcPts val="1200"/>
+              </a:spcBef>
+              <a:spcAft>
+                <a:spcPts val="1200"/>
+              </a:spcAft>
+              <a:buFont typeface="Courier New" panose="02070309020205020404" pitchFamily="49" charset="0"/>
+              <a:buChar char="o"/>
+            </a:pPr>
+            <a:r>
+              <a:rPr lang="vi-VN" sz="4800">
+                <a:latin typeface="Calibri" panose="020F0502020204030204" pitchFamily="34" charset="0"/>
+                <a:cs typeface="Calibri" panose="020F0502020204030204" pitchFamily="34" charset="0"/>
+              </a:rPr>
+              <a:t>Tối ưu hóa</a:t>
+            </a:r>
+            <a:r>
+              <a:rPr lang="en-US" sz="4800">
+                <a:latin typeface="Calibri" panose="020F0502020204030204" pitchFamily="34" charset="0"/>
+                <a:cs typeface="Calibri" panose="020F0502020204030204" pitchFamily="34" charset="0"/>
+              </a:rPr>
+              <a:t> thêm về</a:t>
+            </a:r>
+            <a:r>
+              <a:rPr lang="vi-VN" sz="4800">
+                <a:latin typeface="Calibri" panose="020F0502020204030204" pitchFamily="34" charset="0"/>
+                <a:cs typeface="Calibri" panose="020F0502020204030204" pitchFamily="34" charset="0"/>
+              </a:rPr>
+              <a:t> giao diện.</a:t>
+            </a:r>
+            <a:endParaRPr lang="en-US" sz="4800">
+              <a:latin typeface="Calibri" panose="020F0502020204030204" pitchFamily="34" charset="0"/>
+              <a:cs typeface="Calibri" panose="020F0502020204030204" pitchFamily="34" charset="0"/>
+            </a:endParaRPr>
+          </a:p>
+          <a:p>
+            <a:pPr marL="2351088" lvl="3" indent="-979488" algn="just">
+              <a:spcBef>
+                <a:spcPts val="1200"/>
+              </a:spcBef>
+              <a:spcAft>
+                <a:spcPts val="1200"/>
+              </a:spcAft>
+              <a:buFont typeface="Courier New" panose="02070309020205020404" pitchFamily="49" charset="0"/>
+              <a:buChar char="o"/>
+            </a:pPr>
+            <a:r>
+              <a:rPr lang="vi-VN" sz="4800">
+                <a:latin typeface="Calibri" panose="020F0502020204030204" pitchFamily="34" charset="0"/>
+                <a:cs typeface="Calibri" panose="020F0502020204030204" pitchFamily="34" charset="0"/>
+              </a:rPr>
+              <a:t>Tăng tốc độ xử lí các chức năng</a:t>
+            </a:r>
+          </a:p>
+          <a:p>
+            <a:pPr marL="2351088" lvl="3" indent="-979488" algn="just">
+              <a:spcBef>
+                <a:spcPts val="1200"/>
+              </a:spcBef>
+              <a:spcAft>
+                <a:spcPts val="1200"/>
+              </a:spcAft>
+              <a:buFont typeface="Courier New" panose="02070309020205020404" pitchFamily="49" charset="0"/>
+              <a:buChar char="o"/>
+            </a:pPr>
+            <a:r>
+              <a:rPr lang="vi-VN" sz="4800">
+                <a:latin typeface="Calibri" panose="020F0502020204030204" pitchFamily="34" charset="0"/>
+                <a:cs typeface="Calibri" panose="020F0502020204030204" pitchFamily="34" charset="0"/>
+              </a:rPr>
+              <a:t>Cải thiện giải thuật hàng đợi nhiều trạm phục vụ.</a:t>
+            </a:r>
+          </a:p>
+          <a:p>
+            <a:pPr marL="2351088" lvl="3" indent="-979488" algn="just">
+              <a:spcBef>
+                <a:spcPts val="1200"/>
+              </a:spcBef>
+              <a:spcAft>
+                <a:spcPts val="1200"/>
+              </a:spcAft>
+              <a:buFont typeface="Courier New" panose="02070309020205020404" pitchFamily="49" charset="0"/>
+              <a:buChar char="o"/>
+            </a:pPr>
+            <a:r>
+              <a:rPr lang="vi-VN" sz="4800">
+                <a:latin typeface="Calibri" panose="020F0502020204030204" pitchFamily="34" charset="0"/>
+                <a:cs typeface="Calibri" panose="020F0502020204030204" pitchFamily="34" charset="0"/>
+              </a:rPr>
+              <a:t>Triển khai lên internet.</a:t>
+            </a:r>
+          </a:p>
+          <a:p>
+            <a:pPr marL="2351088" lvl="3" indent="-979488" algn="just">
+              <a:spcBef>
+                <a:spcPts val="1200"/>
+              </a:spcBef>
+              <a:spcAft>
+                <a:spcPts val="1200"/>
+              </a:spcAft>
+              <a:buFont typeface="Courier New" panose="02070309020205020404" pitchFamily="49" charset="0"/>
+              <a:buChar char="o"/>
+            </a:pPr>
+            <a:r>
+              <a:rPr lang="vi-VN" sz="4800">
+                <a:latin typeface="Calibri" panose="020F0502020204030204" pitchFamily="34" charset="0"/>
+                <a:cs typeface="Calibri" panose="020F0502020204030204" pitchFamily="34" charset="0"/>
+              </a:rPr>
+              <a:t>Kết xuất báo cáo thống kê số lượng truy cập, thống kê đơn hàng, thống kê doanh thu theo các tiêu chí khác nhau.</a:t>
+            </a:r>
+          </a:p>
+        </p:txBody>
+      </p:sp>
+    </p:spTree>
+    <p:extLst>
+      <p:ext uri="{BB962C8B-B14F-4D97-AF65-F5344CB8AC3E}">
+        <p14:creationId xmlns:p14="http://schemas.microsoft.com/office/powerpoint/2010/main" val="1004779312"/>
+      </p:ext>
+    </p:extLst>
+  </p:cSld>
+  <p:clrMapOvr>
+    <a:masterClrMapping/>
+  </p:clrMapOvr>
+</p:sld>
+</file>
+
+<file path=ppt/slides/slide16.xml><?xml version="1.0" encoding="utf-8"?>
+<p:sld xmlns:a="http://schemas.openxmlformats.org/drawingml/2006/main" xmlns:r="http://schemas.openxmlformats.org/officeDocument/2006/relationships" xmlns:p="http://schemas.openxmlformats.org/presentationml/2006/main">
+  <p:cSld>
+    <p:spTree>
+      <p:nvGrpSpPr>
+        <p:cNvPr id="1" name=""/>
+        <p:cNvGrpSpPr/>
+        <p:nvPr/>
+      </p:nvGrpSpPr>
+      <p:grpSpPr>
+        <a:xfrm>
+          <a:off x="0" y="0"/>
+          <a:ext cx="0" cy="0"/>
+          <a:chOff x="0" y="0"/>
+          <a:chExt cx="0" cy="0"/>
+        </a:xfrm>
+      </p:grpSpPr>
+      <p:sp>
+        <p:nvSpPr>
+          <p:cNvPr id="4" name="Date Placeholder 3">
+            <a:extLst>
+              <a:ext uri="{FF2B5EF4-FFF2-40B4-BE49-F238E27FC236}">
+                <a16:creationId xmlns:a16="http://schemas.microsoft.com/office/drawing/2014/main" id="{70F460BB-0D36-447E-8FB0-848F364C65BD}"/>
+              </a:ext>
+            </a:extLst>
+          </p:cNvPr>
+          <p:cNvSpPr>
+            <a:spLocks noGrp="1"/>
+          </p:cNvSpPr>
+          <p:nvPr>
+            <p:ph type="dt" sz="half" idx="10"/>
+          </p:nvPr>
+        </p:nvSpPr>
+        <p:spPr/>
+        <p:txBody>
+          <a:bodyPr/>
+          <a:lstStyle/>
+          <a:p>
+            <a:fld id="{26D47124-A094-410F-84C6-37D23F5C65E7}" type="datetime1">
+              <a:rPr lang="en-US" smtClean="0"/>
+              <a:t>12/5/2018</a:t>
+            </a:fld>
+            <a:endParaRPr lang="en-US"/>
+          </a:p>
+        </p:txBody>
+      </p:sp>
+      <p:sp>
+        <p:nvSpPr>
+          <p:cNvPr id="5" name="Footer Placeholder 4">
+            <a:extLst>
+              <a:ext uri="{FF2B5EF4-FFF2-40B4-BE49-F238E27FC236}">
+                <a16:creationId xmlns:a16="http://schemas.microsoft.com/office/drawing/2014/main" id="{F57E6744-A5B3-49E5-B75E-99BEB74567BA}"/>
+              </a:ext>
+            </a:extLst>
+          </p:cNvPr>
+          <p:cNvSpPr>
+            <a:spLocks noGrp="1"/>
+          </p:cNvSpPr>
+          <p:nvPr>
+            <p:ph type="ftr" sz="quarter" idx="11"/>
+          </p:nvPr>
+        </p:nvSpPr>
+        <p:spPr/>
+        <p:txBody>
+          <a:bodyPr/>
+          <a:lstStyle/>
+          <a:p>
+            <a:pPr algn="ctr"/>
+            <a:r>
+              <a:rPr lang="en-US"/>
+              <a:t>Hệ thống quản lí chuỗi cửa hàng giặt ủi</a:t>
+            </a:r>
+          </a:p>
+        </p:txBody>
+      </p:sp>
+      <p:sp>
+        <p:nvSpPr>
+          <p:cNvPr id="6" name="TextBox 5">
+            <a:extLst>
+              <a:ext uri="{FF2B5EF4-FFF2-40B4-BE49-F238E27FC236}">
+                <a16:creationId xmlns:a16="http://schemas.microsoft.com/office/drawing/2014/main" id="{228CC9BB-EB1A-450C-A75F-B65F45F13188}"/>
+              </a:ext>
+            </a:extLst>
+          </p:cNvPr>
+          <p:cNvSpPr txBox="1"/>
+          <p:nvPr/>
+        </p:nvSpPr>
+        <p:spPr>
+          <a:xfrm>
+            <a:off x="4044868" y="5938515"/>
+            <a:ext cx="10198263" cy="1838969"/>
+          </a:xfrm>
+          <a:prstGeom prst="rect">
+            <a:avLst/>
+          </a:prstGeom>
+          <a:noFill/>
+        </p:spPr>
+        <p:txBody>
+          <a:bodyPr wrap="square" lIns="68584" tIns="34292" rIns="68584" bIns="34292" rtlCol="0">
+            <a:spAutoFit/>
+          </a:bodyPr>
+          <a:lstStyle/>
+          <a:p>
+            <a:pPr algn="ctr"/>
+            <a:r>
+              <a:rPr lang="en-US" sz="11500" b="1">
+                <a:solidFill>
+                  <a:srgbClr val="445469"/>
+                </a:solidFill>
+                <a:latin typeface="Lato Heavy" charset="0"/>
+                <a:ea typeface="Lato Heavy" charset="0"/>
+                <a:cs typeface="Lato Heavy" charset="0"/>
+              </a:rPr>
+              <a:t>Demo kết quả</a:t>
+            </a:r>
+            <a:endParaRPr lang="id-ID" sz="8800" b="1">
+              <a:solidFill>
+                <a:srgbClr val="445469"/>
+              </a:solidFill>
+              <a:latin typeface="Lato Heavy" charset="0"/>
+              <a:ea typeface="Lato Heavy" charset="0"/>
+              <a:cs typeface="Lato Heavy" charset="0"/>
+            </a:endParaRPr>
+          </a:p>
+        </p:txBody>
+      </p:sp>
+    </p:spTree>
+    <p:extLst>
+      <p:ext uri="{BB962C8B-B14F-4D97-AF65-F5344CB8AC3E}">
+        <p14:creationId xmlns:p14="http://schemas.microsoft.com/office/powerpoint/2010/main" val="849013338"/>
+      </p:ext>
+    </p:extLst>
+  </p:cSld>
+  <p:clrMapOvr>
+    <a:masterClrMapping/>
+  </p:clrMapOvr>
+</p:sld>
+</file>
+
+<file path=ppt/slides/slide17.xml><?xml version="1.0" encoding="utf-8"?>
+<p:sld xmlns:a="http://schemas.openxmlformats.org/drawingml/2006/main" xmlns:r="http://schemas.openxmlformats.org/officeDocument/2006/relationships" xmlns:p="http://schemas.openxmlformats.org/presentationml/2006/main">
+  <p:cSld>
+    <p:spTree>
+      <p:nvGrpSpPr>
+        <p:cNvPr id="1" name=""/>
+        <p:cNvGrpSpPr/>
+        <p:nvPr/>
+      </p:nvGrpSpPr>
+      <p:grpSpPr>
+        <a:xfrm>
+          <a:off x="0" y="0"/>
+          <a:ext cx="0" cy="0"/>
+          <a:chOff x="0" y="0"/>
+          <a:chExt cx="0" cy="0"/>
+        </a:xfrm>
+      </p:grpSpPr>
+      <p:sp>
+        <p:nvSpPr>
+          <p:cNvPr id="4" name="Date Placeholder 3">
+            <a:extLst>
+              <a:ext uri="{FF2B5EF4-FFF2-40B4-BE49-F238E27FC236}">
+                <a16:creationId xmlns:a16="http://schemas.microsoft.com/office/drawing/2014/main" id="{05945B43-6D40-4B77-8555-9659A35ABE9C}"/>
+              </a:ext>
+            </a:extLst>
+          </p:cNvPr>
+          <p:cNvSpPr>
+            <a:spLocks noGrp="1"/>
+          </p:cNvSpPr>
+          <p:nvPr>
+            <p:ph type="dt" sz="half" idx="10"/>
+          </p:nvPr>
+        </p:nvSpPr>
+        <p:spPr/>
+        <p:txBody>
+          <a:bodyPr/>
+          <a:lstStyle/>
+          <a:p>
+            <a:fld id="{E5507776-E559-40CE-A5D0-38777775A8EB}" type="datetime1">
               <a:rPr lang="en-US" smtClean="0"/>
               <a:t>12/5/2018</a:t>
             </a:fld>
@@ -8758,7 +9819,7 @@
 </p:sld>
 </file>
 
-<file path=ppt/slides/slide15.xml><?xml version="1.0" encoding="utf-8"?>
+<file path=ppt/slides/slide18.xml><?xml version="1.0" encoding="utf-8"?>
 <p:sld xmlns:a="http://schemas.openxmlformats.org/drawingml/2006/main" xmlns:r="http://schemas.openxmlformats.org/officeDocument/2006/relationships" xmlns:p="http://schemas.openxmlformats.org/presentationml/2006/main">
   <p:cSld>
     <p:spTree>
@@ -9700,9 +10761,9 @@
           <a:bodyPr/>
           <a:lstStyle/>
           <a:p>
-            <a:fld id="{C820CB5E-80C9-4923-BA46-0CA5CCC3E1CF}" type="datetime1">
+            <a:fld id="{23EEE96C-3494-4D2F-B44A-8BC74FD66544}" type="datetime1">
               <a:rPr lang="en-US" smtClean="0"/>
-              <a:t>12/4/2018</a:t>
+              <a:t>12/5/2018</a:t>
             </a:fld>
             <a:endParaRPr lang="en-US"/>
           </a:p>
@@ -9732,7 +10793,7 @@
             <a:pPr algn="ctr"/>
             <a:r>
               <a:rPr lang="en-US"/>
-              <a:t>Hệ thống quản lí choỗi cửa hàng giặt ủi</a:t>
+              <a:t>Hệ thống quản lí chuỗi cửa hàng giặt ủi</a:t>
             </a:r>
           </a:p>
         </p:txBody>
@@ -9791,7 +10852,7 @@
           <a:bodyPr/>
           <a:lstStyle/>
           <a:p>
-            <a:fld id="{65CD53DB-9474-488D-9862-FEFF505281D6}" type="datetime1">
+            <a:fld id="{D8CCFC1B-347F-495E-B4F1-F7E9A2F62C3E}" type="datetime1">
               <a:rPr lang="en-US" smtClean="0"/>
               <a:t>12/5/2018</a:t>
             </a:fld>
@@ -9823,7 +10884,7 @@
             <a:pPr algn="ctr"/>
             <a:r>
               <a:rPr lang="en-US"/>
-              <a:t>Hệ thống quản lí choỗi cửa hàng giặt ủi</a:t>
+              <a:t>Hệ thống quản lí chuỗi cửa hàng giặt ủi</a:t>
             </a:r>
           </a:p>
         </p:txBody>
@@ -9981,7 +11042,7 @@
           <a:bodyPr/>
           <a:lstStyle/>
           <a:p>
-            <a:fld id="{CC2F3AFE-B587-4EA7-A71E-D5D1711BDBF4}" type="datetime1">
+            <a:fld id="{3D9A2C65-EB15-4D39-959D-9CF792EC1861}" type="datetime1">
               <a:rPr lang="en-US" smtClean="0">
                 <a:solidFill>
                   <a:schemeClr val="bg1"/>
@@ -10021,7 +11082,7 @@
             <a:pPr algn="ctr"/>
             <a:r>
               <a:rPr lang="en-US"/>
-              <a:t>Hệ thống quản lí choỗi cửa hàng giặt ủi</a:t>
+              <a:t>Hệ thống quản lí chuỗi cửa hàng giặt ủi</a:t>
             </a:r>
           </a:p>
         </p:txBody>
@@ -10326,7 +11387,7 @@
           <a:bodyPr/>
           <a:lstStyle/>
           <a:p>
-            <a:fld id="{CC2F3AFE-B587-4EA7-A71E-D5D1711BDBF4}" type="datetime1">
+            <a:fld id="{14F9CA20-A7BC-4041-BB3D-3D85A6C053A8}" type="datetime1">
               <a:rPr lang="en-US" smtClean="0">
                 <a:solidFill>
                   <a:schemeClr val="bg1"/>
@@ -10366,7 +11427,7 @@
             <a:pPr algn="ctr"/>
             <a:r>
               <a:rPr lang="en-US"/>
-              <a:t>Hệ thống quản lí choỗi cửa hàng giặt ủi</a:t>
+              <a:t>Hệ thống quản lí chuỗi cửa hàng giặt ủi</a:t>
             </a:r>
           </a:p>
         </p:txBody>
@@ -10566,7 +11627,7 @@
           <a:bodyPr/>
           <a:lstStyle/>
           <a:p>
-            <a:fld id="{CC2F3AFE-B587-4EA7-A71E-D5D1711BDBF4}" type="datetime1">
+            <a:fld id="{FEE96022-AD4D-4BDC-9709-2E6A4FCF62C4}" type="datetime1">
               <a:rPr lang="en-US" smtClean="0">
                 <a:solidFill>
                   <a:schemeClr val="bg1"/>
@@ -10606,7 +11667,7 @@
             <a:pPr algn="ctr"/>
             <a:r>
               <a:rPr lang="en-US"/>
-              <a:t>Hệ thống quản lí choỗi cửa hàng giặt ủi</a:t>
+              <a:t>Hệ thống quản lí chuỗi cửa hàng giặt ủi</a:t>
             </a:r>
           </a:p>
         </p:txBody>
@@ -10860,7 +11921,7 @@
           <a:bodyPr/>
           <a:lstStyle/>
           <a:p>
-            <a:fld id="{CC2F3AFE-B587-4EA7-A71E-D5D1711BDBF4}" type="datetime1">
+            <a:fld id="{67273E2E-D870-4D14-930F-6C3EF5C14B77}" type="datetime1">
               <a:rPr lang="en-US" smtClean="0">
                 <a:solidFill>
                   <a:schemeClr val="bg1"/>
@@ -10900,7 +11961,7 @@
             <a:pPr algn="ctr"/>
             <a:r>
               <a:rPr lang="en-US"/>
-              <a:t>Hệ thống quản lí choỗi cửa hàng giặt ủi</a:t>
+              <a:t>Hệ thống quản lí chuỗi cửa hàng giặt ủi</a:t>
             </a:r>
           </a:p>
         </p:txBody>
@@ -11234,7 +12295,7 @@
           <a:bodyPr/>
           <a:lstStyle/>
           <a:p>
-            <a:fld id="{65CD53DB-9474-488D-9862-FEFF505281D6}" type="datetime1">
+            <a:fld id="{E515901E-D336-4833-A6F5-4CF4DD40E440}" type="datetime1">
               <a:rPr lang="en-US" smtClean="0"/>
               <a:t>12/5/2018</a:t>
             </a:fld>
@@ -11266,7 +12327,7 @@
             <a:pPr algn="ctr"/>
             <a:r>
               <a:rPr lang="en-US"/>
-              <a:t>Hệ thống quản lí choỗi cửa hàng giặt ủi</a:t>
+              <a:t>Hệ thống quản lí chuỗi cửa hàng giặt ủi</a:t>
             </a:r>
           </a:p>
         </p:txBody>
@@ -11309,7 +12370,7 @@
                 <a:ea typeface="Lato Heavy" charset="0"/>
                 <a:cs typeface="Lato Heavy" charset="0"/>
               </a:rPr>
-              <a:t>Kết luận</a:t>
+              <a:t>Nội dung</a:t>
             </a:r>
             <a:endParaRPr lang="id-ID" sz="8800" b="1">
               <a:solidFill>
@@ -11325,7 +12386,7 @@
     </p:spTree>
     <p:extLst>
       <p:ext uri="{BB962C8B-B14F-4D97-AF65-F5344CB8AC3E}">
-        <p14:creationId xmlns:p14="http://schemas.microsoft.com/office/powerpoint/2010/main" val="972389456"/>
+        <p14:creationId xmlns:p14="http://schemas.microsoft.com/office/powerpoint/2010/main" val="907278573"/>
       </p:ext>
     </p:extLst>
   </p:cSld>
@@ -11390,7 +12451,7 @@
                 <a:ea typeface="Lato Heavy" charset="0"/>
                 <a:cs typeface="Lato Heavy" charset="0"/>
               </a:rPr>
-              <a:t>Kết quả đạt đ</a:t>
+              <a:t>C</a:t>
             </a:r>
             <a:r>
               <a:rPr lang="vi-VN" sz="6600" b="1">
@@ -11401,7 +12462,7 @@
                 <a:ea typeface="Lato Heavy" charset="0"/>
                 <a:cs typeface="Lato Heavy" charset="0"/>
               </a:rPr>
-              <a:t>ư</a:t>
+              <a:t>ơ</a:t>
             </a:r>
             <a:r>
               <a:rPr lang="en-US" sz="6600" b="1">
@@ -11412,16 +12473,8 @@
                 <a:ea typeface="Lato Heavy" charset="0"/>
                 <a:cs typeface="Lato Heavy" charset="0"/>
               </a:rPr>
-              <a:t>ợc</a:t>
-            </a:r>
-            <a:endParaRPr lang="id-ID" sz="5401" b="1">
-              <a:solidFill>
-                <a:srgbClr val="445469"/>
-              </a:solidFill>
-              <a:latin typeface="Lato Heavy" charset="0"/>
-              <a:ea typeface="Lato Heavy" charset="0"/>
-              <a:cs typeface="Lato Heavy" charset="0"/>
-            </a:endParaRPr>
+              <a:t> sở lí thuyết</a:t>
+            </a:r>
           </a:p>
         </p:txBody>
       </p:sp>
@@ -11446,7 +12499,7 @@
           <a:bodyPr/>
           <a:lstStyle/>
           <a:p>
-            <a:fld id="{CC2F3AFE-B587-4EA7-A71E-D5D1711BDBF4}" type="datetime1">
+            <a:fld id="{70840168-5D59-45E9-8783-04AE3E3078F8}" type="datetime1">
               <a:rPr lang="en-US" smtClean="0">
                 <a:solidFill>
                   <a:schemeClr val="bg1"/>
@@ -11486,156 +12539,603 @@
             <a:pPr algn="ctr"/>
             <a:r>
               <a:rPr lang="en-US"/>
-              <a:t>Hệ thống quản lí choỗi cửa hàng giặt ủi</a:t>
-            </a:r>
-          </a:p>
-        </p:txBody>
-      </p:sp>
-      <p:sp>
-        <p:nvSpPr>
-          <p:cNvPr id="8" name="TextBox 7">
+              <a:t>Hệ thống quản lí chuỗi cửa hàng giặt ủi</a:t>
+            </a:r>
+          </a:p>
+        </p:txBody>
+      </p:sp>
+      <p:grpSp>
+        <p:nvGrpSpPr>
+          <p:cNvPr id="34" name="Group 33">
             <a:extLst>
               <a:ext uri="{FF2B5EF4-FFF2-40B4-BE49-F238E27FC236}">
-                <a16:creationId xmlns:a16="http://schemas.microsoft.com/office/drawing/2014/main" id="{270D97FE-8B67-4F90-82B8-443323BA1946}"/>
+                <a16:creationId xmlns:a16="http://schemas.microsoft.com/office/drawing/2014/main" id="{B0296CD0-A6E6-4AA8-B379-918EB5EA3F26}"/>
               </a:ext>
             </a:extLst>
           </p:cNvPr>
-          <p:cNvSpPr txBox="1"/>
+          <p:cNvGrpSpPr/>
           <p:nvPr/>
-        </p:nvSpPr>
-        <p:spPr>
+        </p:nvGrpSpPr>
+        <p:grpSpPr>
           <a:xfrm>
-            <a:off x="1077685" y="4389959"/>
-            <a:ext cx="16132629" cy="4708981"/>
+            <a:off x="1631635" y="1627554"/>
+            <a:ext cx="3712151" cy="9087827"/>
+            <a:chOff x="4447049" y="2041215"/>
+            <a:chExt cx="3712151" cy="9087827"/>
+          </a:xfrm>
+        </p:grpSpPr>
+        <p:sp>
+          <p:nvSpPr>
+            <p:cNvPr id="30" name="Rectangle: Rounded Corners 29">
+              <a:extLst>
+                <a:ext uri="{FF2B5EF4-FFF2-40B4-BE49-F238E27FC236}">
+                  <a16:creationId xmlns:a16="http://schemas.microsoft.com/office/drawing/2014/main" id="{3A32B576-FCE2-4F44-A5C0-03D69DE74907}"/>
+                </a:ext>
+              </a:extLst>
+            </p:cNvPr>
+            <p:cNvSpPr/>
+            <p:nvPr/>
+          </p:nvSpPr>
+          <p:spPr>
+            <a:xfrm>
+              <a:off x="4447049" y="2041215"/>
+              <a:ext cx="3712151" cy="9087827"/>
+            </a:xfrm>
+            <a:prstGeom prst="roundRect">
+              <a:avLst/>
+            </a:prstGeom>
+            <a:ln w="76200">
+              <a:solidFill>
+                <a:srgbClr val="2287D6"/>
+              </a:solidFill>
+            </a:ln>
+          </p:spPr>
+          <p:style>
+            <a:lnRef idx="2">
+              <a:schemeClr val="accent6"/>
+            </a:lnRef>
+            <a:fillRef idx="1">
+              <a:schemeClr val="lt1"/>
+            </a:fillRef>
+            <a:effectRef idx="0">
+              <a:schemeClr val="accent6"/>
+            </a:effectRef>
+            <a:fontRef idx="minor">
+              <a:schemeClr val="dk1"/>
+            </a:fontRef>
+          </p:style>
+          <p:txBody>
+            <a:bodyPr rtlCol="0" anchor="ctr"/>
+            <a:lstStyle/>
+            <a:p>
+              <a:pPr algn="ctr"/>
+              <a:endParaRPr lang="en-US"/>
+            </a:p>
+          </p:txBody>
+        </p:sp>
+        <p:pic>
+          <p:nvPicPr>
+            <p:cNvPr id="12" name="Picture 6" descr="HÃ¬nh áº£nh cÃ³ liÃªn quan">
+              <a:extLst>
+                <a:ext uri="{FF2B5EF4-FFF2-40B4-BE49-F238E27FC236}">
+                  <a16:creationId xmlns:a16="http://schemas.microsoft.com/office/drawing/2014/main" id="{3951DA40-8F21-4763-A7C8-EE737CFB6C75}"/>
+                </a:ext>
+              </a:extLst>
+            </p:cNvPr>
+            <p:cNvPicPr>
+              <a:picLocks noChangeAspect="1" noChangeArrowheads="1"/>
+            </p:cNvPicPr>
+            <p:nvPr/>
+          </p:nvPicPr>
+          <p:blipFill>
+            <a:blip r:embed="rId3">
+              <a:extLst>
+                <a:ext uri="{28A0092B-C50C-407E-A947-70E740481C1C}">
+                  <a14:useLocalDpi xmlns:a14="http://schemas.microsoft.com/office/drawing/2010/main" val="0"/>
+                </a:ext>
+              </a:extLst>
+            </a:blip>
+            <a:srcRect/>
+            <a:stretch>
+              <a:fillRect/>
+            </a:stretch>
+          </p:blipFill>
+          <p:spPr bwMode="auto">
+            <a:xfrm>
+              <a:off x="5122640" y="8220683"/>
+              <a:ext cx="2201810" cy="2240249"/>
+            </a:xfrm>
+            <a:prstGeom prst="rect">
+              <a:avLst/>
+            </a:prstGeom>
+            <a:noFill/>
+            <a:extLst>
+              <a:ext uri="{909E8E84-426E-40DD-AFC4-6F175D3DCCD1}">
+                <a14:hiddenFill xmlns:a14="http://schemas.microsoft.com/office/drawing/2010/main">
+                  <a:solidFill>
+                    <a:srgbClr val="FFFFFF"/>
+                  </a:solidFill>
+                </a14:hiddenFill>
+              </a:ext>
+            </a:extLst>
+          </p:spPr>
+        </p:pic>
+        <p:pic>
+          <p:nvPicPr>
+            <p:cNvPr id="28" name="Graphic 27">
+              <a:extLst>
+                <a:ext uri="{FF2B5EF4-FFF2-40B4-BE49-F238E27FC236}">
+                  <a16:creationId xmlns:a16="http://schemas.microsoft.com/office/drawing/2014/main" id="{04610603-3065-4955-ABEF-438FFBE91B4C}"/>
+                </a:ext>
+              </a:extLst>
+            </p:cNvPr>
+            <p:cNvPicPr>
+              <a:picLocks noChangeAspect="1"/>
+            </p:cNvPicPr>
+            <p:nvPr/>
+          </p:nvPicPr>
+          <p:blipFill>
+            <a:blip r:embed="rId4" cstate="email">
+              <a:extLst>
+                <a:ext uri="{28A0092B-C50C-407E-A947-70E740481C1C}">
+                  <a14:useLocalDpi xmlns:a14="http://schemas.microsoft.com/office/drawing/2010/main" val="0"/>
+                </a:ext>
+                <a:ext uri="{96DAC541-7B7A-43D3-8B79-37D633B846F1}">
+                  <asvg:svgBlip xmlns:asvg="http://schemas.microsoft.com/office/drawing/2016/SVG/main" r:embed="rId5"/>
+                </a:ext>
+              </a:extLst>
+            </a:blip>
+            <a:stretch>
+              <a:fillRect/>
+            </a:stretch>
+          </p:blipFill>
+          <p:spPr>
+            <a:xfrm>
+              <a:off x="5122640" y="5593667"/>
+              <a:ext cx="2240249" cy="2240249"/>
+            </a:xfrm>
+            <a:prstGeom prst="rect">
+              <a:avLst/>
+            </a:prstGeom>
+          </p:spPr>
+        </p:pic>
+        <p:pic>
+          <p:nvPicPr>
+            <p:cNvPr id="3082" name="Picture 10" descr="Káº¿t quáº£ hÃ¬nh áº£nh cho postgresql icon">
+              <a:extLst>
+                <a:ext uri="{FF2B5EF4-FFF2-40B4-BE49-F238E27FC236}">
+                  <a16:creationId xmlns:a16="http://schemas.microsoft.com/office/drawing/2014/main" id="{211914C4-10F0-4C2A-A11D-34AE53CF6873}"/>
+                </a:ext>
+              </a:extLst>
+            </p:cNvPr>
+            <p:cNvPicPr>
+              <a:picLocks noChangeAspect="1" noChangeArrowheads="1"/>
+            </p:cNvPicPr>
+            <p:nvPr/>
+          </p:nvPicPr>
+          <p:blipFill>
+            <a:blip r:embed="rId6">
+              <a:extLst>
+                <a:ext uri="{28A0092B-C50C-407E-A947-70E740481C1C}">
+                  <a14:useLocalDpi xmlns:a14="http://schemas.microsoft.com/office/drawing/2010/main" val="0"/>
+                </a:ext>
+              </a:extLst>
+            </a:blip>
+            <a:srcRect/>
+            <a:stretch>
+              <a:fillRect/>
+            </a:stretch>
+          </p:blipFill>
+          <p:spPr bwMode="auto">
+            <a:xfrm>
+              <a:off x="5015085" y="2586957"/>
+              <a:ext cx="2572042" cy="2366279"/>
+            </a:xfrm>
+            <a:prstGeom prst="rect">
+              <a:avLst/>
+            </a:prstGeom>
+            <a:noFill/>
+            <a:extLst>
+              <a:ext uri="{909E8E84-426E-40DD-AFC4-6F175D3DCCD1}">
+                <a14:hiddenFill xmlns:a14="http://schemas.microsoft.com/office/drawing/2010/main">
+                  <a:solidFill>
+                    <a:srgbClr val="FFFFFF"/>
+                  </a:solidFill>
+                </a14:hiddenFill>
+              </a:ext>
+            </a:extLst>
+          </p:spPr>
+        </p:pic>
+      </p:grpSp>
+      <p:grpSp>
+        <p:nvGrpSpPr>
+          <p:cNvPr id="35" name="Group 34">
+            <a:extLst>
+              <a:ext uri="{FF2B5EF4-FFF2-40B4-BE49-F238E27FC236}">
+                <a16:creationId xmlns:a16="http://schemas.microsoft.com/office/drawing/2014/main" id="{11D74930-6CCC-4FBB-AF55-276AC3F2CF5E}"/>
+              </a:ext>
+            </a:extLst>
+          </p:cNvPr>
+          <p:cNvGrpSpPr/>
+          <p:nvPr/>
+        </p:nvGrpSpPr>
+        <p:grpSpPr>
+          <a:xfrm>
+            <a:off x="13224789" y="1982221"/>
+            <a:ext cx="4148415" cy="9087827"/>
+            <a:chOff x="12611262" y="1759874"/>
+            <a:chExt cx="4148415" cy="9087827"/>
+          </a:xfrm>
+        </p:grpSpPr>
+        <p:pic>
+          <p:nvPicPr>
+            <p:cNvPr id="31" name="Picture 8" descr="HÃ¬nh áº£nh cÃ³ liÃªn quan">
+              <a:extLst>
+                <a:ext uri="{FF2B5EF4-FFF2-40B4-BE49-F238E27FC236}">
+                  <a16:creationId xmlns:a16="http://schemas.microsoft.com/office/drawing/2014/main" id="{4F19156F-ECD7-4DB9-A870-376E4FC3FB7D}"/>
+                </a:ext>
+              </a:extLst>
+            </p:cNvPr>
+            <p:cNvPicPr>
+              <a:picLocks noChangeAspect="1" noChangeArrowheads="1"/>
+            </p:cNvPicPr>
+            <p:nvPr/>
+          </p:nvPicPr>
+          <p:blipFill>
+            <a:blip r:embed="rId7" cstate="email">
+              <a:extLst>
+                <a:ext uri="{28A0092B-C50C-407E-A947-70E740481C1C}">
+                  <a14:useLocalDpi xmlns:a14="http://schemas.microsoft.com/office/drawing/2010/main" val="0"/>
+                </a:ext>
+              </a:extLst>
+            </a:blip>
+            <a:srcRect/>
+            <a:stretch>
+              <a:fillRect/>
+            </a:stretch>
+          </p:blipFill>
+          <p:spPr bwMode="auto">
+            <a:xfrm>
+              <a:off x="12611262" y="7252801"/>
+              <a:ext cx="4148415" cy="2127174"/>
+            </a:xfrm>
+            <a:prstGeom prst="rect">
+              <a:avLst/>
+            </a:prstGeom>
+            <a:noFill/>
+            <a:extLst>
+              <a:ext uri="{909E8E84-426E-40DD-AFC4-6F175D3DCCD1}">
+                <a14:hiddenFill xmlns:a14="http://schemas.microsoft.com/office/drawing/2010/main">
+                  <a:solidFill>
+                    <a:srgbClr val="FFFFFF"/>
+                  </a:solidFill>
+                </a14:hiddenFill>
+              </a:ext>
+            </a:extLst>
+          </p:spPr>
+        </p:pic>
+        <p:sp>
+          <p:nvSpPr>
+            <p:cNvPr id="37" name="Rectangle: Rounded Corners 36">
+              <a:extLst>
+                <a:ext uri="{FF2B5EF4-FFF2-40B4-BE49-F238E27FC236}">
+                  <a16:creationId xmlns:a16="http://schemas.microsoft.com/office/drawing/2014/main" id="{3E1F150C-79FF-4E35-8AF1-9A76A54C15C0}"/>
+                </a:ext>
+              </a:extLst>
+            </p:cNvPr>
+            <p:cNvSpPr/>
+            <p:nvPr/>
+          </p:nvSpPr>
+          <p:spPr>
+            <a:xfrm>
+              <a:off x="12719864" y="1759874"/>
+              <a:ext cx="3712151" cy="9087827"/>
+            </a:xfrm>
+            <a:prstGeom prst="roundRect">
+              <a:avLst/>
+            </a:prstGeom>
+            <a:noFill/>
+            <a:ln w="76200">
+              <a:solidFill>
+                <a:srgbClr val="2287D6"/>
+              </a:solidFill>
+            </a:ln>
+          </p:spPr>
+          <p:style>
+            <a:lnRef idx="2">
+              <a:schemeClr val="accent6"/>
+            </a:lnRef>
+            <a:fillRef idx="1">
+              <a:schemeClr val="lt1"/>
+            </a:fillRef>
+            <a:effectRef idx="0">
+              <a:schemeClr val="accent6"/>
+            </a:effectRef>
+            <a:fontRef idx="minor">
+              <a:schemeClr val="dk1"/>
+            </a:fontRef>
+          </p:style>
+          <p:txBody>
+            <a:bodyPr rtlCol="0" anchor="ctr"/>
+            <a:lstStyle/>
+            <a:p>
+              <a:pPr algn="ctr"/>
+              <a:endParaRPr lang="en-US"/>
+            </a:p>
+          </p:txBody>
+        </p:sp>
+        <p:pic>
+          <p:nvPicPr>
+            <p:cNvPr id="3084" name="Picture 12" descr="Káº¿t quáº£ hÃ¬nh áº£nh cho android icon">
+              <a:extLst>
+                <a:ext uri="{FF2B5EF4-FFF2-40B4-BE49-F238E27FC236}">
+                  <a16:creationId xmlns:a16="http://schemas.microsoft.com/office/drawing/2014/main" id="{74B177CB-A79C-4776-AC37-B38501395914}"/>
+                </a:ext>
+              </a:extLst>
+            </p:cNvPr>
+            <p:cNvPicPr>
+              <a:picLocks noChangeAspect="1" noChangeArrowheads="1"/>
+            </p:cNvPicPr>
+            <p:nvPr/>
+          </p:nvPicPr>
+          <p:blipFill>
+            <a:blip r:embed="rId8" cstate="email">
+              <a:extLst>
+                <a:ext uri="{28A0092B-C50C-407E-A947-70E740481C1C}">
+                  <a14:useLocalDpi xmlns:a14="http://schemas.microsoft.com/office/drawing/2010/main" val="0"/>
+                </a:ext>
+              </a:extLst>
+            </a:blip>
+            <a:srcRect/>
+            <a:stretch>
+              <a:fillRect/>
+            </a:stretch>
+          </p:blipFill>
+          <p:spPr bwMode="auto">
+            <a:xfrm>
+              <a:off x="13069046" y="2189675"/>
+              <a:ext cx="3013785" cy="3013785"/>
+            </a:xfrm>
+            <a:prstGeom prst="rect">
+              <a:avLst/>
+            </a:prstGeom>
+            <a:noFill/>
+            <a:extLst>
+              <a:ext uri="{909E8E84-426E-40DD-AFC4-6F175D3DCCD1}">
+                <a14:hiddenFill xmlns:a14="http://schemas.microsoft.com/office/drawing/2010/main">
+                  <a:solidFill>
+                    <a:srgbClr val="FFFFFF"/>
+                  </a:solidFill>
+                </a14:hiddenFill>
+              </a:ext>
+            </a:extLst>
+          </p:spPr>
+        </p:pic>
+      </p:grpSp>
+      <p:sp>
+        <p:nvSpPr>
+          <p:cNvPr id="33" name="AutoShape 14" descr="Káº¿t quáº£ hÃ¬nh áº£nh cho android icon">
+            <a:extLst>
+              <a:ext uri="{FF2B5EF4-FFF2-40B4-BE49-F238E27FC236}">
+                <a16:creationId xmlns:a16="http://schemas.microsoft.com/office/drawing/2014/main" id="{97A5E0AE-AEA8-42E5-93E5-438E530750DC}"/>
+              </a:ext>
+            </a:extLst>
+          </p:cNvPr>
+          <p:cNvSpPr>
+            <a:spLocks noChangeAspect="1" noChangeArrowheads="1"/>
+          </p:cNvSpPr>
+          <p:nvPr/>
+        </p:nvSpPr>
+        <p:spPr bwMode="auto">
+          <a:xfrm>
+            <a:off x="8991600" y="6705600"/>
+            <a:ext cx="304800" cy="304800"/>
           </a:xfrm>
           <a:prstGeom prst="rect">
             <a:avLst/>
           </a:prstGeom>
           <a:noFill/>
+          <a:extLst>
+            <a:ext uri="{909E8E84-426E-40DD-AFC4-6F175D3DCCD1}">
+              <a14:hiddenFill xmlns:a14="http://schemas.microsoft.com/office/drawing/2010/main">
+                <a:solidFill>
+                  <a:srgbClr val="FFFFFF"/>
+                </a:solidFill>
+              </a14:hiddenFill>
+            </a:ext>
+          </a:extLst>
         </p:spPr>
         <p:txBody>
-          <a:bodyPr wrap="square" rtlCol="0">
-            <a:spAutoFit/>
+          <a:bodyPr vert="horz" wrap="square" lIns="91440" tIns="45720" rIns="91440" bIns="45720" numCol="1" anchor="t" anchorCtr="0" compatLnSpc="1">
+            <a:prstTxWarp prst="textNoShape">
+              <a:avLst/>
+            </a:prstTxWarp>
           </a:bodyPr>
           <a:lstStyle/>
           <a:p>
-            <a:pPr marL="2351088" lvl="3" indent="-979488">
-              <a:spcBef>
-                <a:spcPts val="1200"/>
-              </a:spcBef>
-              <a:spcAft>
-                <a:spcPts val="1200"/>
-              </a:spcAft>
-              <a:buFont typeface="Courier New" panose="02070309020205020404" pitchFamily="49" charset="0"/>
-              <a:buChar char="o"/>
-            </a:pPr>
-            <a:r>
-              <a:rPr lang="vi-VN" sz="4800">
-                <a:latin typeface="Calibri" panose="020F0502020204030204" pitchFamily="34" charset="0"/>
-                <a:cs typeface="Calibri" panose="020F0502020204030204" pitchFamily="34" charset="0"/>
-              </a:rPr>
-              <a:t>Bổ sung các kiến thức về phân tích, thiết kế phần mềm.</a:t>
-            </a:r>
-            <a:endParaRPr lang="en-US" sz="4800">
-              <a:latin typeface="Calibri" panose="020F0502020204030204" pitchFamily="34" charset="0"/>
-              <a:cs typeface="Calibri" panose="020F0502020204030204" pitchFamily="34" charset="0"/>
-            </a:endParaRPr>
-          </a:p>
-          <a:p>
-            <a:pPr marL="2351088" lvl="3" indent="-979488">
-              <a:spcBef>
-                <a:spcPts val="1200"/>
-              </a:spcBef>
-              <a:spcAft>
-                <a:spcPts val="1200"/>
-              </a:spcAft>
-              <a:buFont typeface="Courier New" panose="02070309020205020404" pitchFamily="49" charset="0"/>
-              <a:buChar char="o"/>
-            </a:pPr>
-            <a:r>
-              <a:rPr lang="vi-VN" sz="4800">
-                <a:latin typeface="Calibri" panose="020F0502020204030204" pitchFamily="34" charset="0"/>
-                <a:cs typeface="Calibri" panose="020F0502020204030204" pitchFamily="34" charset="0"/>
-              </a:rPr>
-              <a:t>Củng cố các kiến thức về lập trình</a:t>
-            </a:r>
-            <a:r>
-              <a:rPr lang="en-US" sz="4800">
-                <a:latin typeface="Calibri" panose="020F0502020204030204" pitchFamily="34" charset="0"/>
-                <a:cs typeface="Calibri" panose="020F0502020204030204" pitchFamily="34" charset="0"/>
-              </a:rPr>
-              <a:t>.</a:t>
-            </a:r>
-          </a:p>
-          <a:p>
-            <a:pPr marL="2351088" lvl="3" indent="-979488">
-              <a:spcBef>
-                <a:spcPts val="1200"/>
-              </a:spcBef>
-              <a:spcAft>
-                <a:spcPts val="1200"/>
-              </a:spcAft>
-              <a:buFont typeface="Courier New" panose="02070309020205020404" pitchFamily="49" charset="0"/>
-              <a:buChar char="o"/>
-            </a:pPr>
-            <a:r>
-              <a:rPr lang="vi-VN" sz="4800">
-                <a:latin typeface="Calibri" panose="020F0502020204030204" pitchFamily="34" charset="0"/>
-                <a:cs typeface="Calibri" panose="020F0502020204030204" pitchFamily="34" charset="0"/>
-              </a:rPr>
-              <a:t>Bổ sung các kiến thức mới</a:t>
-            </a:r>
-            <a:r>
-              <a:rPr lang="en-US" sz="4800">
-                <a:latin typeface="Calibri" panose="020F0502020204030204" pitchFamily="34" charset="0"/>
-                <a:cs typeface="Calibri" panose="020F0502020204030204" pitchFamily="34" charset="0"/>
-              </a:rPr>
-              <a:t>:</a:t>
-            </a:r>
-            <a:r>
-              <a:rPr lang="vi-VN" sz="4800">
-                <a:latin typeface="Calibri" panose="020F0502020204030204" pitchFamily="34" charset="0"/>
-                <a:cs typeface="Calibri" panose="020F0502020204030204" pitchFamily="34" charset="0"/>
-              </a:rPr>
-              <a:t> GraphQL, ReactJS.</a:t>
-            </a:r>
-          </a:p>
-          <a:p>
-            <a:pPr marL="2351088" lvl="3" indent="-979488">
-              <a:spcBef>
-                <a:spcPts val="1200"/>
-              </a:spcBef>
-              <a:spcAft>
-                <a:spcPts val="1200"/>
-              </a:spcAft>
-              <a:buFont typeface="Courier New" panose="02070309020205020404" pitchFamily="49" charset="0"/>
-              <a:buChar char="o"/>
-            </a:pPr>
-            <a:r>
-              <a:rPr lang="vi-VN" sz="4800">
-                <a:latin typeface="Calibri" panose="020F0502020204030204" pitchFamily="34" charset="0"/>
-                <a:cs typeface="Calibri" panose="020F0502020204030204" pitchFamily="34" charset="0"/>
-              </a:rPr>
-              <a:t>Áp dụng được giải thuật hàng đợi nhiều trạm phục v</a:t>
-            </a:r>
-            <a:r>
-              <a:rPr lang="en-US" sz="4800">
-                <a:latin typeface="Calibri" panose="020F0502020204030204" pitchFamily="34" charset="0"/>
-                <a:cs typeface="Calibri" panose="020F0502020204030204" pitchFamily="34" charset="0"/>
-              </a:rPr>
-              <a:t>ụ.</a:t>
-            </a:r>
-            <a:endParaRPr lang="vi-VN" sz="4800">
-              <a:latin typeface="Calibri" panose="020F0502020204030204" pitchFamily="34" charset="0"/>
-              <a:cs typeface="Calibri" panose="020F0502020204030204" pitchFamily="34" charset="0"/>
-            </a:endParaRPr>
-          </a:p>
-        </p:txBody>
-      </p:sp>
+            <a:endParaRPr lang="en-US"/>
+          </a:p>
+        </p:txBody>
+      </p:sp>
+      <p:grpSp>
+        <p:nvGrpSpPr>
+          <p:cNvPr id="38" name="Group 37">
+            <a:extLst>
+              <a:ext uri="{FF2B5EF4-FFF2-40B4-BE49-F238E27FC236}">
+                <a16:creationId xmlns:a16="http://schemas.microsoft.com/office/drawing/2014/main" id="{8A1E1092-3C86-438C-A77B-393CB3311655}"/>
+              </a:ext>
+            </a:extLst>
+          </p:cNvPr>
+          <p:cNvGrpSpPr/>
+          <p:nvPr/>
+        </p:nvGrpSpPr>
+        <p:grpSpPr>
+          <a:xfrm>
+            <a:off x="6143414" y="5873200"/>
+            <a:ext cx="6305971" cy="1969600"/>
+            <a:chOff x="6495805" y="5873200"/>
+            <a:chExt cx="6305971" cy="1969600"/>
+          </a:xfrm>
+        </p:grpSpPr>
+        <p:pic>
+          <p:nvPicPr>
+            <p:cNvPr id="3080" name="Picture 8" descr="Káº¿t quáº£ hÃ¬nh áº£nh cho apollo client icon">
+              <a:extLst>
+                <a:ext uri="{FF2B5EF4-FFF2-40B4-BE49-F238E27FC236}">
+                  <a16:creationId xmlns:a16="http://schemas.microsoft.com/office/drawing/2014/main" id="{9E7E735D-ACBB-4A76-A739-931686F1E6FA}"/>
+                </a:ext>
+              </a:extLst>
+            </p:cNvPr>
+            <p:cNvPicPr>
+              <a:picLocks noChangeAspect="1" noChangeArrowheads="1"/>
+            </p:cNvPicPr>
+            <p:nvPr/>
+          </p:nvPicPr>
+          <p:blipFill>
+            <a:blip r:embed="rId9" cstate="email">
+              <a:extLst>
+                <a:ext uri="{28A0092B-C50C-407E-A947-70E740481C1C}">
+                  <a14:useLocalDpi xmlns:a14="http://schemas.microsoft.com/office/drawing/2010/main" val="0"/>
+                </a:ext>
+              </a:extLst>
+            </a:blip>
+            <a:srcRect/>
+            <a:stretch>
+              <a:fillRect/>
+            </a:stretch>
+          </p:blipFill>
+          <p:spPr bwMode="auto">
+            <a:xfrm>
+              <a:off x="8588622" y="5873200"/>
+              <a:ext cx="1969600" cy="1969600"/>
+            </a:xfrm>
+            <a:prstGeom prst="rect">
+              <a:avLst/>
+            </a:prstGeom>
+            <a:noFill/>
+            <a:extLst>
+              <a:ext uri="{909E8E84-426E-40DD-AFC4-6F175D3DCCD1}">
+                <a14:hiddenFill xmlns:a14="http://schemas.microsoft.com/office/drawing/2010/main">
+                  <a:solidFill>
+                    <a:srgbClr val="FFFFFF"/>
+                  </a:solidFill>
+                </a14:hiddenFill>
+              </a:ext>
+            </a:extLst>
+          </p:spPr>
+        </p:pic>
+        <p:sp>
+          <p:nvSpPr>
+            <p:cNvPr id="36" name="Arrow: Left-Right 35">
+              <a:extLst>
+                <a:ext uri="{FF2B5EF4-FFF2-40B4-BE49-F238E27FC236}">
+                  <a16:creationId xmlns:a16="http://schemas.microsoft.com/office/drawing/2014/main" id="{FF69C34B-B03B-4FC7-BD91-4B8FC1A66BB1}"/>
+                </a:ext>
+              </a:extLst>
+            </p:cNvPr>
+            <p:cNvSpPr/>
+            <p:nvPr/>
+          </p:nvSpPr>
+          <p:spPr>
+            <a:xfrm>
+              <a:off x="10825492" y="6171468"/>
+              <a:ext cx="1976284" cy="1051657"/>
+            </a:xfrm>
+            <a:prstGeom prst="leftRightArrow">
+              <a:avLst>
+                <a:gd name="adj1" fmla="val 50000"/>
+                <a:gd name="adj2" fmla="val 47195"/>
+              </a:avLst>
+            </a:prstGeom>
+            <a:solidFill>
+              <a:srgbClr val="4099E0"/>
+            </a:solidFill>
+            <a:ln>
+              <a:noFill/>
+            </a:ln>
+          </p:spPr>
+          <p:style>
+            <a:lnRef idx="2">
+              <a:schemeClr val="accent1">
+                <a:shade val="50000"/>
+              </a:schemeClr>
+            </a:lnRef>
+            <a:fillRef idx="1">
+              <a:schemeClr val="accent1"/>
+            </a:fillRef>
+            <a:effectRef idx="0">
+              <a:schemeClr val="accent1"/>
+            </a:effectRef>
+            <a:fontRef idx="minor">
+              <a:schemeClr val="lt1"/>
+            </a:fontRef>
+          </p:style>
+          <p:txBody>
+            <a:bodyPr rtlCol="0" anchor="ctr"/>
+            <a:lstStyle/>
+            <a:p>
+              <a:pPr algn="ctr"/>
+              <a:endParaRPr lang="en-US"/>
+            </a:p>
+          </p:txBody>
+        </p:sp>
+        <p:sp>
+          <p:nvSpPr>
+            <p:cNvPr id="41" name="Arrow: Left-Right 40">
+              <a:extLst>
+                <a:ext uri="{FF2B5EF4-FFF2-40B4-BE49-F238E27FC236}">
+                  <a16:creationId xmlns:a16="http://schemas.microsoft.com/office/drawing/2014/main" id="{A1D9BD5C-A61E-4A4E-A627-DE5EB741D2B4}"/>
+                </a:ext>
+              </a:extLst>
+            </p:cNvPr>
+            <p:cNvSpPr/>
+            <p:nvPr/>
+          </p:nvSpPr>
+          <p:spPr>
+            <a:xfrm>
+              <a:off x="6495805" y="6171468"/>
+              <a:ext cx="1976284" cy="1084916"/>
+            </a:xfrm>
+            <a:prstGeom prst="leftRightArrow">
+              <a:avLst/>
+            </a:prstGeom>
+            <a:solidFill>
+              <a:srgbClr val="4099E0"/>
+            </a:solidFill>
+            <a:ln>
+              <a:noFill/>
+            </a:ln>
+          </p:spPr>
+          <p:style>
+            <a:lnRef idx="2">
+              <a:schemeClr val="accent1">
+                <a:shade val="50000"/>
+              </a:schemeClr>
+            </a:lnRef>
+            <a:fillRef idx="1">
+              <a:schemeClr val="accent1"/>
+            </a:fillRef>
+            <a:effectRef idx="0">
+              <a:schemeClr val="accent1"/>
+            </a:effectRef>
+            <a:fontRef idx="minor">
+              <a:schemeClr val="lt1"/>
+            </a:fontRef>
+          </p:style>
+          <p:txBody>
+            <a:bodyPr rtlCol="0" anchor="ctr"/>
+            <a:lstStyle/>
+            <a:p>
+              <a:pPr algn="ctr"/>
+              <a:endParaRPr lang="en-US"/>
+            </a:p>
+          </p:txBody>
+        </p:sp>
+      </p:grpSp>
     </p:spTree>
     <p:extLst>
       <p:ext uri="{BB962C8B-B14F-4D97-AF65-F5344CB8AC3E}">
-        <p14:creationId xmlns:p14="http://schemas.microsoft.com/office/powerpoint/2010/main" val="2747992788"/>
+        <p14:creationId xmlns:p14="http://schemas.microsoft.com/office/powerpoint/2010/main" val="3899022492"/>
       </p:ext>
     </p:extLst>
   </p:cSld>

--- a/baoCao/bao_cao.pptx
+++ b/baoCao/bao_cao.pptx
@@ -5,30 +5,36 @@
     <p:sldMasterId id="2147483892" r:id="rId1"/>
   </p:sldMasterIdLst>
   <p:notesMasterIdLst>
-    <p:notesMasterId r:id="rId20"/>
+    <p:notesMasterId r:id="rId26"/>
   </p:notesMasterIdLst>
   <p:handoutMasterIdLst>
-    <p:handoutMasterId r:id="rId21"/>
+    <p:handoutMasterId r:id="rId27"/>
   </p:handoutMasterIdLst>
   <p:sldIdLst>
     <p:sldId id="1481" r:id="rId2"/>
     <p:sldId id="1486" r:id="rId3"/>
     <p:sldId id="1494" r:id="rId4"/>
     <p:sldId id="1484" r:id="rId5"/>
-    <p:sldId id="1496" r:id="rId6"/>
-    <p:sldId id="1497" r:id="rId7"/>
-    <p:sldId id="1498" r:id="rId8"/>
-    <p:sldId id="1500" r:id="rId9"/>
-    <p:sldId id="1502" r:id="rId10"/>
-    <p:sldId id="1503" r:id="rId11"/>
-    <p:sldId id="1488" r:id="rId12"/>
-    <p:sldId id="1489" r:id="rId13"/>
-    <p:sldId id="1490" r:id="rId14"/>
-    <p:sldId id="1493" r:id="rId15"/>
-    <p:sldId id="1491" r:id="rId16"/>
-    <p:sldId id="1499" r:id="rId17"/>
-    <p:sldId id="1495" r:id="rId18"/>
-    <p:sldId id="1487" r:id="rId19"/>
+    <p:sldId id="1510" r:id="rId6"/>
+    <p:sldId id="1496" r:id="rId7"/>
+    <p:sldId id="1497" r:id="rId8"/>
+    <p:sldId id="1498" r:id="rId9"/>
+    <p:sldId id="1509" r:id="rId10"/>
+    <p:sldId id="1500" r:id="rId11"/>
+    <p:sldId id="1502" r:id="rId12"/>
+    <p:sldId id="1506" r:id="rId13"/>
+    <p:sldId id="1504" r:id="rId14"/>
+    <p:sldId id="1503" r:id="rId15"/>
+    <p:sldId id="1488" r:id="rId16"/>
+    <p:sldId id="1489" r:id="rId17"/>
+    <p:sldId id="1490" r:id="rId18"/>
+    <p:sldId id="1507" r:id="rId19"/>
+    <p:sldId id="1508" r:id="rId20"/>
+    <p:sldId id="1493" r:id="rId21"/>
+    <p:sldId id="1491" r:id="rId22"/>
+    <p:sldId id="1499" r:id="rId23"/>
+    <p:sldId id="1495" r:id="rId24"/>
+    <p:sldId id="1487" r:id="rId25"/>
   </p:sldIdLst>
   <p:sldSz cx="18288000" cy="13716000"/>
   <p:notesSz cx="6858000" cy="9144000"/>
@@ -140,15 +146,19 @@
           <p14:sldIdLst>
             <p14:sldId id="1494"/>
             <p14:sldId id="1484"/>
+            <p14:sldId id="1510"/>
             <p14:sldId id="1496"/>
             <p14:sldId id="1497"/>
             <p14:sldId id="1498"/>
+            <p14:sldId id="1509"/>
           </p14:sldIdLst>
         </p14:section>
         <p14:section name="Nội dung" id="{891E852F-E744-46D2-9A44-79705C958D0D}">
           <p14:sldIdLst>
             <p14:sldId id="1500"/>
             <p14:sldId id="1502"/>
+            <p14:sldId id="1506"/>
+            <p14:sldId id="1504"/>
             <p14:sldId id="1503"/>
           </p14:sldIdLst>
         </p14:section>
@@ -157,6 +167,8 @@
             <p14:sldId id="1488"/>
             <p14:sldId id="1489"/>
             <p14:sldId id="1490"/>
+            <p14:sldId id="1507"/>
+            <p14:sldId id="1508"/>
             <p14:sldId id="1493"/>
             <p14:sldId id="1491"/>
           </p14:sldIdLst>
@@ -904,33 +916,10 @@
           <a:bodyPr/>
           <a:lstStyle/>
           <a:p>
-            <a:pPr marL="0" marR="0" lvl="0" indent="0" algn="l" defTabSz="914217" rtl="0" eaLnBrk="1" fontAlgn="auto" latinLnBrk="0" hangingPunct="1">
-              <a:lnSpc>
-                <a:spcPct val="100000"/>
-              </a:lnSpc>
-              <a:spcBef>
-                <a:spcPts val="0"/>
-              </a:spcBef>
-              <a:spcAft>
-                <a:spcPts val="0"/>
-              </a:spcAft>
-              <a:buClrTx/>
-              <a:buSzTx/>
-              <a:buFontTx/>
-              <a:buNone/>
-              <a:tabLst/>
-              <a:defRPr/>
-            </a:pPr>
-            <a:r>
-              <a:rPr lang="vi-VN" sz="2400">
-                <a:latin typeface="Calibri" panose="020F0502020204030204" pitchFamily="34" charset="0"/>
-                <a:cs typeface="Calibri" panose="020F0502020204030204" pitchFamily="34" charset="0"/>
-              </a:rPr>
-              <a:t>Cải thiện giải thuật hàng đợi nhiều trạm phục vụ hỗ trợ cho mỗi đơn hàng có thời gian không đồng nhất.</a:t>
-            </a:r>
-          </a:p>
-          <a:p>
-            <a:endParaRPr lang="en-US"/>
+            <a:r>
+              <a:rPr lang="en-US"/>
+              <a:t>Về lí thuyết</a:t>
+            </a:r>
           </a:p>
         </p:txBody>
       </p:sp>
@@ -971,7 +960,7 @@
             <a:fld id="{006BE02D-20C0-F840-AFAC-BEA99C74FDC2}" type="slidenum">
               <a:rPr lang="en-US" smtClean="0"/>
               <a:pPr/>
-              <a:t>15</a:t>
+              <a:t>16</a:t>
             </a:fld>
             <a:endParaRPr lang="en-US"/>
           </a:p>
@@ -980,7 +969,7 @@
     </p:spTree>
     <p:extLst>
       <p:ext uri="{BB962C8B-B14F-4D97-AF65-F5344CB8AC3E}">
-        <p14:creationId xmlns:p14="http://schemas.microsoft.com/office/powerpoint/2010/main" val="3892512948"/>
+        <p14:creationId xmlns:p14="http://schemas.microsoft.com/office/powerpoint/2010/main" val="1313105270"/>
       </p:ext>
     </p:extLst>
   </p:cSld>
@@ -1034,6 +1023,220 @@
           <a:bodyPr/>
           <a:lstStyle/>
           <a:p>
+            <a:r>
+              <a:rPr lang="en-US"/>
+              <a:t>Về chức</a:t>
+            </a:r>
+          </a:p>
+        </p:txBody>
+      </p:sp>
+      <p:sp>
+        <p:nvSpPr>
+          <p:cNvPr id="4" name="Footer Placeholder 3"/>
+          <p:cNvSpPr>
+            <a:spLocks noGrp="1"/>
+          </p:cNvSpPr>
+          <p:nvPr>
+            <p:ph type="ftr" sz="quarter" idx="4"/>
+          </p:nvPr>
+        </p:nvSpPr>
+        <p:spPr/>
+        <p:txBody>
+          <a:bodyPr/>
+          <a:lstStyle/>
+          <a:p>
+            <a:endParaRPr lang="en-US"/>
+          </a:p>
+        </p:txBody>
+      </p:sp>
+      <p:sp>
+        <p:nvSpPr>
+          <p:cNvPr id="5" name="Slide Number Placeholder 4"/>
+          <p:cNvSpPr>
+            <a:spLocks noGrp="1"/>
+          </p:cNvSpPr>
+          <p:nvPr>
+            <p:ph type="sldNum" sz="quarter" idx="5"/>
+          </p:nvPr>
+        </p:nvSpPr>
+        <p:spPr/>
+        <p:txBody>
+          <a:bodyPr/>
+          <a:lstStyle/>
+          <a:p>
+            <a:fld id="{006BE02D-20C0-F840-AFAC-BEA99C74FDC2}" type="slidenum">
+              <a:rPr lang="en-US" smtClean="0"/>
+              <a:pPr/>
+              <a:t>17</a:t>
+            </a:fld>
+            <a:endParaRPr lang="en-US"/>
+          </a:p>
+        </p:txBody>
+      </p:sp>
+    </p:spTree>
+    <p:extLst>
+      <p:ext uri="{BB962C8B-B14F-4D97-AF65-F5344CB8AC3E}">
+        <p14:creationId xmlns:p14="http://schemas.microsoft.com/office/powerpoint/2010/main" val="1127075508"/>
+      </p:ext>
+    </p:extLst>
+  </p:cSld>
+  <p:clrMapOvr>
+    <a:masterClrMapping/>
+  </p:clrMapOvr>
+</p:notes>
+</file>
+
+<file path=ppt/notesSlides/notesSlide12.xml><?xml version="1.0" encoding="utf-8"?>
+<p:notes xmlns:a="http://schemas.openxmlformats.org/drawingml/2006/main" xmlns:r="http://schemas.openxmlformats.org/officeDocument/2006/relationships" xmlns:p="http://schemas.openxmlformats.org/presentationml/2006/main">
+  <p:cSld>
+    <p:spTree>
+      <p:nvGrpSpPr>
+        <p:cNvPr id="1" name=""/>
+        <p:cNvGrpSpPr/>
+        <p:nvPr/>
+      </p:nvGrpSpPr>
+      <p:grpSpPr>
+        <a:xfrm>
+          <a:off x="0" y="0"/>
+          <a:ext cx="0" cy="0"/>
+          <a:chOff x="0" y="0"/>
+          <a:chExt cx="0" cy="0"/>
+        </a:xfrm>
+      </p:grpSpPr>
+      <p:sp>
+        <p:nvSpPr>
+          <p:cNvPr id="2" name="Slide Image Placeholder 1"/>
+          <p:cNvSpPr>
+            <a:spLocks noGrp="1" noRot="1" noChangeAspect="1"/>
+          </p:cNvSpPr>
+          <p:nvPr>
+            <p:ph type="sldImg"/>
+          </p:nvPr>
+        </p:nvSpPr>
+        <p:spPr/>
+      </p:sp>
+      <p:sp>
+        <p:nvSpPr>
+          <p:cNvPr id="3" name="Notes Placeholder 2"/>
+          <p:cNvSpPr>
+            <a:spLocks noGrp="1"/>
+          </p:cNvSpPr>
+          <p:nvPr>
+            <p:ph type="body" idx="1"/>
+          </p:nvPr>
+        </p:nvSpPr>
+        <p:spPr/>
+        <p:txBody>
+          <a:bodyPr/>
+          <a:lstStyle/>
+          <a:p>
+            <a:r>
+              <a:rPr lang="en-US"/>
+              <a:t>Về lí thuyết</a:t>
+            </a:r>
+          </a:p>
+        </p:txBody>
+      </p:sp>
+      <p:sp>
+        <p:nvSpPr>
+          <p:cNvPr id="4" name="Footer Placeholder 3"/>
+          <p:cNvSpPr>
+            <a:spLocks noGrp="1"/>
+          </p:cNvSpPr>
+          <p:nvPr>
+            <p:ph type="ftr" sz="quarter" idx="4"/>
+          </p:nvPr>
+        </p:nvSpPr>
+        <p:spPr/>
+        <p:txBody>
+          <a:bodyPr/>
+          <a:lstStyle/>
+          <a:p>
+            <a:endParaRPr lang="en-US"/>
+          </a:p>
+        </p:txBody>
+      </p:sp>
+      <p:sp>
+        <p:nvSpPr>
+          <p:cNvPr id="5" name="Slide Number Placeholder 4"/>
+          <p:cNvSpPr>
+            <a:spLocks noGrp="1"/>
+          </p:cNvSpPr>
+          <p:nvPr>
+            <p:ph type="sldNum" sz="quarter" idx="5"/>
+          </p:nvPr>
+        </p:nvSpPr>
+        <p:spPr/>
+        <p:txBody>
+          <a:bodyPr/>
+          <a:lstStyle/>
+          <a:p>
+            <a:fld id="{006BE02D-20C0-F840-AFAC-BEA99C74FDC2}" type="slidenum">
+              <a:rPr lang="en-US" smtClean="0"/>
+              <a:pPr/>
+              <a:t>20</a:t>
+            </a:fld>
+            <a:endParaRPr lang="en-US"/>
+          </a:p>
+        </p:txBody>
+      </p:sp>
+    </p:spTree>
+    <p:extLst>
+      <p:ext uri="{BB962C8B-B14F-4D97-AF65-F5344CB8AC3E}">
+        <p14:creationId xmlns:p14="http://schemas.microsoft.com/office/powerpoint/2010/main" val="1217591120"/>
+      </p:ext>
+    </p:extLst>
+  </p:cSld>
+  <p:clrMapOvr>
+    <a:masterClrMapping/>
+  </p:clrMapOvr>
+</p:notes>
+</file>
+
+<file path=ppt/notesSlides/notesSlide13.xml><?xml version="1.0" encoding="utf-8"?>
+<p:notes xmlns:a="http://schemas.openxmlformats.org/drawingml/2006/main" xmlns:r="http://schemas.openxmlformats.org/officeDocument/2006/relationships" xmlns:p="http://schemas.openxmlformats.org/presentationml/2006/main">
+  <p:cSld>
+    <p:spTree>
+      <p:nvGrpSpPr>
+        <p:cNvPr id="1" name=""/>
+        <p:cNvGrpSpPr/>
+        <p:nvPr/>
+      </p:nvGrpSpPr>
+      <p:grpSpPr>
+        <a:xfrm>
+          <a:off x="0" y="0"/>
+          <a:ext cx="0" cy="0"/>
+          <a:chOff x="0" y="0"/>
+          <a:chExt cx="0" cy="0"/>
+        </a:xfrm>
+      </p:grpSpPr>
+      <p:sp>
+        <p:nvSpPr>
+          <p:cNvPr id="2" name="Slide Image Placeholder 1"/>
+          <p:cNvSpPr>
+            <a:spLocks noGrp="1" noRot="1" noChangeAspect="1"/>
+          </p:cNvSpPr>
+          <p:nvPr>
+            <p:ph type="sldImg"/>
+          </p:nvPr>
+        </p:nvSpPr>
+        <p:spPr/>
+      </p:sp>
+      <p:sp>
+        <p:nvSpPr>
+          <p:cNvPr id="3" name="Notes Placeholder 2"/>
+          <p:cNvSpPr>
+            <a:spLocks noGrp="1"/>
+          </p:cNvSpPr>
+          <p:nvPr>
+            <p:ph type="body" idx="1"/>
+          </p:nvPr>
+        </p:nvSpPr>
+        <p:spPr/>
+        <p:txBody>
+          <a:bodyPr/>
+          <a:lstStyle/>
+          <a:p>
             <a:pPr marL="0" marR="0" lvl="0" indent="0" algn="l" defTabSz="914217" rtl="0" eaLnBrk="1" fontAlgn="auto" latinLnBrk="0" hangingPunct="1">
               <a:lnSpc>
                 <a:spcPct val="100000"/>
@@ -1101,7 +1304,137 @@
             <a:fld id="{006BE02D-20C0-F840-AFAC-BEA99C74FDC2}" type="slidenum">
               <a:rPr lang="en-US" smtClean="0"/>
               <a:pPr/>
-              <a:t>17</a:t>
+              <a:t>21</a:t>
+            </a:fld>
+            <a:endParaRPr lang="en-US"/>
+          </a:p>
+        </p:txBody>
+      </p:sp>
+    </p:spTree>
+    <p:extLst>
+      <p:ext uri="{BB962C8B-B14F-4D97-AF65-F5344CB8AC3E}">
+        <p14:creationId xmlns:p14="http://schemas.microsoft.com/office/powerpoint/2010/main" val="3892512948"/>
+      </p:ext>
+    </p:extLst>
+  </p:cSld>
+  <p:clrMapOvr>
+    <a:masterClrMapping/>
+  </p:clrMapOvr>
+</p:notes>
+</file>
+
+<file path=ppt/notesSlides/notesSlide14.xml><?xml version="1.0" encoding="utf-8"?>
+<p:notes xmlns:a="http://schemas.openxmlformats.org/drawingml/2006/main" xmlns:r="http://schemas.openxmlformats.org/officeDocument/2006/relationships" xmlns:p="http://schemas.openxmlformats.org/presentationml/2006/main">
+  <p:cSld>
+    <p:spTree>
+      <p:nvGrpSpPr>
+        <p:cNvPr id="1" name=""/>
+        <p:cNvGrpSpPr/>
+        <p:nvPr/>
+      </p:nvGrpSpPr>
+      <p:grpSpPr>
+        <a:xfrm>
+          <a:off x="0" y="0"/>
+          <a:ext cx="0" cy="0"/>
+          <a:chOff x="0" y="0"/>
+          <a:chExt cx="0" cy="0"/>
+        </a:xfrm>
+      </p:grpSpPr>
+      <p:sp>
+        <p:nvSpPr>
+          <p:cNvPr id="2" name="Slide Image Placeholder 1"/>
+          <p:cNvSpPr>
+            <a:spLocks noGrp="1" noRot="1" noChangeAspect="1"/>
+          </p:cNvSpPr>
+          <p:nvPr>
+            <p:ph type="sldImg"/>
+          </p:nvPr>
+        </p:nvSpPr>
+        <p:spPr/>
+      </p:sp>
+      <p:sp>
+        <p:nvSpPr>
+          <p:cNvPr id="3" name="Notes Placeholder 2"/>
+          <p:cNvSpPr>
+            <a:spLocks noGrp="1"/>
+          </p:cNvSpPr>
+          <p:nvPr>
+            <p:ph type="body" idx="1"/>
+          </p:nvPr>
+        </p:nvSpPr>
+        <p:spPr/>
+        <p:txBody>
+          <a:bodyPr/>
+          <a:lstStyle/>
+          <a:p>
+            <a:pPr marL="0" marR="0" lvl="0" indent="0" algn="l" defTabSz="914217" rtl="0" eaLnBrk="1" fontAlgn="auto" latinLnBrk="0" hangingPunct="1">
+              <a:lnSpc>
+                <a:spcPct val="100000"/>
+              </a:lnSpc>
+              <a:spcBef>
+                <a:spcPts val="0"/>
+              </a:spcBef>
+              <a:spcAft>
+                <a:spcPts val="0"/>
+              </a:spcAft>
+              <a:buClrTx/>
+              <a:buSzTx/>
+              <a:buFontTx/>
+              <a:buNone/>
+              <a:tabLst/>
+              <a:defRPr/>
+            </a:pPr>
+            <a:r>
+              <a:rPr lang="vi-VN" sz="2400">
+                <a:latin typeface="Calibri" panose="020F0502020204030204" pitchFamily="34" charset="0"/>
+                <a:cs typeface="Calibri" panose="020F0502020204030204" pitchFamily="34" charset="0"/>
+              </a:rPr>
+              <a:t>Cải thiện giải thuật hàng đợi nhiều trạm phục vụ hỗ trợ cho mỗi đơn hàng có thời gian không đồng nhất.</a:t>
+            </a:r>
+          </a:p>
+          <a:p>
+            <a:endParaRPr lang="en-US"/>
+          </a:p>
+        </p:txBody>
+      </p:sp>
+      <p:sp>
+        <p:nvSpPr>
+          <p:cNvPr id="4" name="Footer Placeholder 3"/>
+          <p:cNvSpPr>
+            <a:spLocks noGrp="1"/>
+          </p:cNvSpPr>
+          <p:nvPr>
+            <p:ph type="ftr" sz="quarter" idx="4"/>
+          </p:nvPr>
+        </p:nvSpPr>
+        <p:spPr/>
+        <p:txBody>
+          <a:bodyPr/>
+          <a:lstStyle/>
+          <a:p>
+            <a:endParaRPr lang="en-US"/>
+          </a:p>
+        </p:txBody>
+      </p:sp>
+      <p:sp>
+        <p:nvSpPr>
+          <p:cNvPr id="5" name="Slide Number Placeholder 4"/>
+          <p:cNvSpPr>
+            <a:spLocks noGrp="1"/>
+          </p:cNvSpPr>
+          <p:nvPr>
+            <p:ph type="sldNum" sz="quarter" idx="5"/>
+          </p:nvPr>
+        </p:nvSpPr>
+        <p:spPr/>
+        <p:txBody>
+          <a:bodyPr/>
+          <a:lstStyle/>
+          <a:p>
+            <a:fld id="{006BE02D-20C0-F840-AFAC-BEA99C74FDC2}" type="slidenum">
+              <a:rPr lang="en-US" smtClean="0"/>
+              <a:pPr/>
+              <a:t>23</a:t>
             </a:fld>
             <a:endParaRPr lang="en-US"/>
           </a:p>
@@ -1208,7 +1541,7 @@
             <a:fld id="{006BE02D-20C0-F840-AFAC-BEA99C74FDC2}" type="slidenum">
               <a:rPr lang="en-US" smtClean="0"/>
               <a:pPr/>
-              <a:t>5</a:t>
+              <a:t>6</a:t>
             </a:fld>
             <a:endParaRPr lang="en-US"/>
           </a:p>
@@ -1370,7 +1703,7 @@
             <a:fld id="{006BE02D-20C0-F840-AFAC-BEA99C74FDC2}" type="slidenum">
               <a:rPr lang="en-US" smtClean="0"/>
               <a:pPr/>
-              <a:t>6</a:t>
+              <a:t>7</a:t>
             </a:fld>
             <a:endParaRPr lang="en-US"/>
           </a:p>
@@ -1532,7 +1865,7 @@
             <a:fld id="{006BE02D-20C0-F840-AFAC-BEA99C74FDC2}" type="slidenum">
               <a:rPr lang="en-US" smtClean="0"/>
               <a:pPr/>
-              <a:t>7</a:t>
+              <a:t>8</a:t>
             </a:fld>
             <a:endParaRPr lang="en-US"/>
           </a:p>
@@ -1703,7 +2036,7 @@
     </p:spTree>
     <p:extLst>
       <p:ext uri="{BB962C8B-B14F-4D97-AF65-F5344CB8AC3E}">
-        <p14:creationId xmlns:p14="http://schemas.microsoft.com/office/powerpoint/2010/main" val="2120440486"/>
+        <p14:creationId xmlns:p14="http://schemas.microsoft.com/office/powerpoint/2010/main" val="3642506623"/>
       </p:ext>
     </p:extLst>
   </p:cSld>
@@ -1856,7 +2189,7 @@
             <a:fld id="{006BE02D-20C0-F840-AFAC-BEA99C74FDC2}" type="slidenum">
               <a:rPr lang="en-US" smtClean="0"/>
               <a:pPr/>
-              <a:t>10</a:t>
+              <a:t>11</a:t>
             </a:fld>
             <a:endParaRPr lang="en-US"/>
           </a:p>
@@ -1865,7 +2198,7 @@
     </p:spTree>
     <p:extLst>
       <p:ext uri="{BB962C8B-B14F-4D97-AF65-F5344CB8AC3E}">
-        <p14:creationId xmlns:p14="http://schemas.microsoft.com/office/powerpoint/2010/main" val="774175749"/>
+        <p14:creationId xmlns:p14="http://schemas.microsoft.com/office/powerpoint/2010/main" val="2120440486"/>
       </p:ext>
     </p:extLst>
   </p:cSld>
@@ -1919,9 +2252,64 @@
           <a:bodyPr/>
           <a:lstStyle/>
           <a:p>
-            <a:r>
-              <a:rPr lang="en-US"/>
-              <a:t>Về lí thuyết</a:t>
+            <a:pPr marL="1416050" lvl="3" indent="-979488" algn="just">
+              <a:spcBef>
+                <a:spcPts val="1200"/>
+              </a:spcBef>
+              <a:spcAft>
+                <a:spcPts val="1200"/>
+              </a:spcAft>
+              <a:buFont typeface="Courier New" panose="02070309020205020404" pitchFamily="49" charset="0"/>
+              <a:buChar char="o"/>
+            </a:pPr>
+            <a:r>
+              <a:rPr lang="vi-VN" sz="4800">
+                <a:latin typeface="Calibri" panose="020F0502020204030204" pitchFamily="34" charset="0"/>
+                <a:cs typeface="Calibri" panose="020F0502020204030204" pitchFamily="34" charset="0"/>
+              </a:rPr>
+              <a:t>Ứng dụng Android hỗ trợ khách hàng chọn dịch vụ mình cần thiết và tìm kiếm những chi nhánh của hàng có hỗ trợ đầy đủ dịch vụ khách hàng đã chọn lựa. </a:t>
+            </a:r>
+            <a:endParaRPr lang="en-US" sz="4800">
+              <a:latin typeface="Calibri" panose="020F0502020204030204" pitchFamily="34" charset="0"/>
+              <a:cs typeface="Calibri" panose="020F0502020204030204" pitchFamily="34" charset="0"/>
+            </a:endParaRPr>
+          </a:p>
+          <a:p>
+            <a:pPr marL="1416050" lvl="3" indent="-979488" algn="just">
+              <a:spcBef>
+                <a:spcPts val="1200"/>
+              </a:spcBef>
+              <a:spcAft>
+                <a:spcPts val="1200"/>
+              </a:spcAft>
+              <a:buFont typeface="Courier New" panose="02070309020205020404" pitchFamily="49" charset="0"/>
+              <a:buChar char="o"/>
+            </a:pPr>
+            <a:r>
+              <a:rPr lang="vi-VN" sz="4800">
+                <a:latin typeface="Calibri" panose="020F0502020204030204" pitchFamily="34" charset="0"/>
+                <a:cs typeface="Calibri" panose="020F0502020204030204" pitchFamily="34" charset="0"/>
+              </a:rPr>
+              <a:t>Ứng dụng web quản lí cửa hàng có thể quản lí các đơn hàng, biên nhận bằng cách kiểm soát trạng thái của chúng. Hỗ trợ đưa ra gợi ý sắp lịch xử lí đơn hàng cho cửa hàng và phân loại tự động giúp tiết kiệm thời gian có thể.</a:t>
+            </a:r>
+          </a:p>
+          <a:p>
+            <a:pPr marL="1416050" lvl="3" indent="-979488" algn="just">
+              <a:spcBef>
+                <a:spcPts val="1200"/>
+              </a:spcBef>
+              <a:spcAft>
+                <a:spcPts val="1200"/>
+              </a:spcAft>
+              <a:buFont typeface="Courier New" panose="02070309020205020404" pitchFamily="49" charset="0"/>
+              <a:buChar char="o"/>
+            </a:pPr>
+            <a:r>
+              <a:rPr lang="vi-VN" sz="4800">
+                <a:latin typeface="Calibri" panose="020F0502020204030204" pitchFamily="34" charset="0"/>
+                <a:cs typeface="Calibri" panose="020F0502020204030204" pitchFamily="34" charset="0"/>
+              </a:rPr>
+              <a:t>Đề tài hiện tại không hỗ trợ xây dựng trang quản lí các thông tin dữ liệu đầu vào để tạo đơn hàng cũng như quản lí. Mọi dữ liệu được chạy từ tập tin dữ liệu có sẵn.</a:t>
             </a:r>
           </a:p>
         </p:txBody>
@@ -1972,7 +2360,7 @@
     </p:spTree>
     <p:extLst>
       <p:ext uri="{BB962C8B-B14F-4D97-AF65-F5344CB8AC3E}">
-        <p14:creationId xmlns:p14="http://schemas.microsoft.com/office/powerpoint/2010/main" val="1313105270"/>
+        <p14:creationId xmlns:p14="http://schemas.microsoft.com/office/powerpoint/2010/main" val="2655421649"/>
       </p:ext>
     </p:extLst>
   </p:cSld>
@@ -2026,10 +2414,20 @@
           <a:bodyPr/>
           <a:lstStyle/>
           <a:p>
-            <a:r>
-              <a:rPr lang="en-US"/>
-              <a:t>Về chức</a:t>
-            </a:r>
+            <a:pPr marL="1416050" lvl="3" indent="-979488" algn="just">
+              <a:spcBef>
+                <a:spcPts val="1200"/>
+              </a:spcBef>
+              <a:spcAft>
+                <a:spcPts val="1200"/>
+              </a:spcAft>
+              <a:buFont typeface="Courier New" panose="02070309020205020404" pitchFamily="49" charset="0"/>
+              <a:buChar char="o"/>
+            </a:pPr>
+            <a:endParaRPr lang="vi-VN" sz="4800">
+              <a:latin typeface="Calibri" panose="020F0502020204030204" pitchFamily="34" charset="0"/>
+              <a:cs typeface="Calibri" panose="020F0502020204030204" pitchFamily="34" charset="0"/>
+            </a:endParaRPr>
           </a:p>
         </p:txBody>
       </p:sp>
@@ -2079,7 +2477,7 @@
     </p:spTree>
     <p:extLst>
       <p:ext uri="{BB962C8B-B14F-4D97-AF65-F5344CB8AC3E}">
-        <p14:creationId xmlns:p14="http://schemas.microsoft.com/office/powerpoint/2010/main" val="1127075508"/>
+        <p14:creationId xmlns:p14="http://schemas.microsoft.com/office/powerpoint/2010/main" val="1342742730"/>
       </p:ext>
     </p:extLst>
   </p:cSld>
@@ -2133,9 +2531,64 @@
           <a:bodyPr/>
           <a:lstStyle/>
           <a:p>
-            <a:r>
-              <a:rPr lang="en-US"/>
-              <a:t>Về lí thuyết</a:t>
+            <a:pPr marL="1416050" lvl="3" indent="-979488" algn="just">
+              <a:spcBef>
+                <a:spcPts val="1200"/>
+              </a:spcBef>
+              <a:spcAft>
+                <a:spcPts val="1200"/>
+              </a:spcAft>
+              <a:buFont typeface="Courier New" panose="02070309020205020404" pitchFamily="49" charset="0"/>
+              <a:buChar char="o"/>
+            </a:pPr>
+            <a:r>
+              <a:rPr lang="vi-VN" sz="4800">
+                <a:latin typeface="Calibri" panose="020F0502020204030204" pitchFamily="34" charset="0"/>
+                <a:cs typeface="Calibri" panose="020F0502020204030204" pitchFamily="34" charset="0"/>
+              </a:rPr>
+              <a:t>Ứng dụng Android hỗ trợ khách hàng chọn dịch vụ mình cần thiết và tìm kiếm những chi nhánh của hàng có hỗ trợ đầy đủ dịch vụ khách hàng đã chọn lựa. </a:t>
+            </a:r>
+            <a:endParaRPr lang="en-US" sz="4800">
+              <a:latin typeface="Calibri" panose="020F0502020204030204" pitchFamily="34" charset="0"/>
+              <a:cs typeface="Calibri" panose="020F0502020204030204" pitchFamily="34" charset="0"/>
+            </a:endParaRPr>
+          </a:p>
+          <a:p>
+            <a:pPr marL="1416050" lvl="3" indent="-979488" algn="just">
+              <a:spcBef>
+                <a:spcPts val="1200"/>
+              </a:spcBef>
+              <a:spcAft>
+                <a:spcPts val="1200"/>
+              </a:spcAft>
+              <a:buFont typeface="Courier New" panose="02070309020205020404" pitchFamily="49" charset="0"/>
+              <a:buChar char="o"/>
+            </a:pPr>
+            <a:r>
+              <a:rPr lang="vi-VN" sz="4800">
+                <a:latin typeface="Calibri" panose="020F0502020204030204" pitchFamily="34" charset="0"/>
+                <a:cs typeface="Calibri" panose="020F0502020204030204" pitchFamily="34" charset="0"/>
+              </a:rPr>
+              <a:t>Ứng dụng web quản lí cửa hàng có thể quản lí các đơn hàng, biên nhận bằng cách kiểm soát trạng thái của chúng. Hỗ trợ đưa ra gợi ý sắp lịch xử lí đơn hàng cho cửa hàng và phân loại tự động giúp tiết kiệm thời gian có thể.</a:t>
+            </a:r>
+          </a:p>
+          <a:p>
+            <a:pPr marL="1416050" lvl="3" indent="-979488" algn="just">
+              <a:spcBef>
+                <a:spcPts val="1200"/>
+              </a:spcBef>
+              <a:spcAft>
+                <a:spcPts val="1200"/>
+              </a:spcAft>
+              <a:buFont typeface="Courier New" panose="02070309020205020404" pitchFamily="49" charset="0"/>
+              <a:buChar char="o"/>
+            </a:pPr>
+            <a:r>
+              <a:rPr lang="vi-VN" sz="4800">
+                <a:latin typeface="Calibri" panose="020F0502020204030204" pitchFamily="34" charset="0"/>
+                <a:cs typeface="Calibri" panose="020F0502020204030204" pitchFamily="34" charset="0"/>
+              </a:rPr>
+              <a:t>Đề tài hiện tại không hỗ trợ xây dựng trang quản lí các thông tin dữ liệu đầu vào để tạo đơn hàng cũng như quản lí. Mọi dữ liệu được chạy từ tập tin dữ liệu có sẵn.</a:t>
             </a:r>
           </a:p>
         </p:txBody>
@@ -2186,7 +2639,7 @@
     </p:spTree>
     <p:extLst>
       <p:ext uri="{BB962C8B-B14F-4D97-AF65-F5344CB8AC3E}">
-        <p14:creationId xmlns:p14="http://schemas.microsoft.com/office/powerpoint/2010/main" val="1217591120"/>
+        <p14:creationId xmlns:p14="http://schemas.microsoft.com/office/powerpoint/2010/main" val="774175749"/>
       </p:ext>
     </p:extLst>
   </p:cSld>
@@ -3541,6 +3994,37 @@
 <file path=ppt/slideLayouts/slideLayout2.xml><?xml version="1.0" encoding="utf-8"?>
 <p:sldLayout xmlns:a="http://schemas.openxmlformats.org/drawingml/2006/main" xmlns:r="http://schemas.openxmlformats.org/officeDocument/2006/relationships" xmlns:p="http://schemas.openxmlformats.org/presentationml/2006/main" type="obj" preserve="1">
   <p:cSld name="Title and Content">
+    <p:bg>
+      <p:bgPr>
+        <a:gradFill rotWithShape="1">
+          <a:gsLst>
+            <a:gs pos="0">
+              <a:schemeClr val="bg1">
+                <a:tint val="93000"/>
+                <a:satMod val="150000"/>
+                <a:shade val="98000"/>
+                <a:lumMod val="102000"/>
+              </a:schemeClr>
+            </a:gs>
+            <a:gs pos="50000">
+              <a:schemeClr val="bg1">
+                <a:tint val="98000"/>
+                <a:satMod val="130000"/>
+                <a:shade val="90000"/>
+                <a:lumMod val="103000"/>
+              </a:schemeClr>
+            </a:gs>
+            <a:gs pos="100000">
+              <a:schemeClr val="bg1">
+                <a:lumMod val="95000"/>
+              </a:schemeClr>
+            </a:gs>
+          </a:gsLst>
+          <a:lin ang="5400000" scaled="0"/>
+        </a:gradFill>
+        <a:effectLst/>
+      </p:bgPr>
+    </p:bg>
     <p:spTree>
       <p:nvGrpSpPr>
         <p:cNvPr id="1" name=""/>
@@ -3750,7 +4234,7 @@
     </p:extLst>
   </p:cSld>
   <p:clrMapOvr>
-    <a:masterClrMapping/>
+    <a:overrideClrMapping bg1="lt1" tx1="dk1" bg2="lt2" tx2="dk2" accent1="accent1" accent2="accent2" accent3="accent3" accent4="accent4" accent5="accent5" accent6="accent6" hlink="hlink" folHlink="folHlink"/>
   </p:clrMapOvr>
 </p:sldLayout>
 </file>
@@ -6723,6 +7207,1804 @@
       </p:grpSpPr>
       <p:sp>
         <p:nvSpPr>
+          <p:cNvPr id="4" name="Date Placeholder 3">
+            <a:extLst>
+              <a:ext uri="{FF2B5EF4-FFF2-40B4-BE49-F238E27FC236}">
+                <a16:creationId xmlns:a16="http://schemas.microsoft.com/office/drawing/2014/main" id="{70F460BB-0D36-447E-8FB0-848F364C65BD}"/>
+              </a:ext>
+            </a:extLst>
+          </p:cNvPr>
+          <p:cNvSpPr>
+            <a:spLocks noGrp="1"/>
+          </p:cNvSpPr>
+          <p:nvPr>
+            <p:ph type="dt" sz="half" idx="10"/>
+          </p:nvPr>
+        </p:nvSpPr>
+        <p:spPr/>
+        <p:txBody>
+          <a:bodyPr/>
+          <a:lstStyle/>
+          <a:p>
+            <a:fld id="{E515901E-D336-4833-A6F5-4CF4DD40E440}" type="datetime1">
+              <a:rPr lang="en-US" smtClean="0"/>
+              <a:t>12/5/2018</a:t>
+            </a:fld>
+            <a:endParaRPr lang="en-US"/>
+          </a:p>
+        </p:txBody>
+      </p:sp>
+      <p:sp>
+        <p:nvSpPr>
+          <p:cNvPr id="5" name="Footer Placeholder 4">
+            <a:extLst>
+              <a:ext uri="{FF2B5EF4-FFF2-40B4-BE49-F238E27FC236}">
+                <a16:creationId xmlns:a16="http://schemas.microsoft.com/office/drawing/2014/main" id="{F57E6744-A5B3-49E5-B75E-99BEB74567BA}"/>
+              </a:ext>
+            </a:extLst>
+          </p:cNvPr>
+          <p:cNvSpPr>
+            <a:spLocks noGrp="1"/>
+          </p:cNvSpPr>
+          <p:nvPr>
+            <p:ph type="ftr" sz="quarter" idx="11"/>
+          </p:nvPr>
+        </p:nvSpPr>
+        <p:spPr/>
+        <p:txBody>
+          <a:bodyPr/>
+          <a:lstStyle/>
+          <a:p>
+            <a:pPr algn="ctr"/>
+            <a:r>
+              <a:rPr lang="en-US"/>
+              <a:t>Hệ thống quản lí chuỗi cửa hàng giặt ủi</a:t>
+            </a:r>
+          </a:p>
+        </p:txBody>
+      </p:sp>
+      <p:sp>
+        <p:nvSpPr>
+          <p:cNvPr id="6" name="TextBox 5">
+            <a:extLst>
+              <a:ext uri="{FF2B5EF4-FFF2-40B4-BE49-F238E27FC236}">
+                <a16:creationId xmlns:a16="http://schemas.microsoft.com/office/drawing/2014/main" id="{228CC9BB-EB1A-450C-A75F-B65F45F13188}"/>
+              </a:ext>
+            </a:extLst>
+          </p:cNvPr>
+          <p:cNvSpPr txBox="1"/>
+          <p:nvPr/>
+        </p:nvSpPr>
+        <p:spPr>
+          <a:xfrm>
+            <a:off x="4044868" y="5938515"/>
+            <a:ext cx="10198263" cy="1838969"/>
+          </a:xfrm>
+          <a:prstGeom prst="rect">
+            <a:avLst/>
+          </a:prstGeom>
+          <a:noFill/>
+        </p:spPr>
+        <p:txBody>
+          <a:bodyPr wrap="square" lIns="68584" tIns="34292" rIns="68584" bIns="34292" rtlCol="0">
+            <a:spAutoFit/>
+          </a:bodyPr>
+          <a:lstStyle/>
+          <a:p>
+            <a:pPr algn="ctr"/>
+            <a:r>
+              <a:rPr lang="en-US" sz="11500" b="1">
+                <a:solidFill>
+                  <a:srgbClr val="445469"/>
+                </a:solidFill>
+                <a:latin typeface="Lato Heavy" charset="0"/>
+                <a:ea typeface="Lato Heavy" charset="0"/>
+                <a:cs typeface="Lato Heavy" charset="0"/>
+              </a:rPr>
+              <a:t>Nội dung</a:t>
+            </a:r>
+            <a:endParaRPr lang="id-ID" sz="8800" b="1">
+              <a:solidFill>
+                <a:srgbClr val="445469"/>
+              </a:solidFill>
+              <a:latin typeface="Lato Heavy" charset="0"/>
+              <a:ea typeface="Lato Heavy" charset="0"/>
+              <a:cs typeface="Lato Heavy" charset="0"/>
+            </a:endParaRPr>
+          </a:p>
+        </p:txBody>
+      </p:sp>
+    </p:spTree>
+    <p:extLst>
+      <p:ext uri="{BB962C8B-B14F-4D97-AF65-F5344CB8AC3E}">
+        <p14:creationId xmlns:p14="http://schemas.microsoft.com/office/powerpoint/2010/main" val="907278573"/>
+      </p:ext>
+    </p:extLst>
+  </p:cSld>
+  <p:clrMapOvr>
+    <a:masterClrMapping/>
+  </p:clrMapOvr>
+</p:sld>
+</file>
+
+<file path=ppt/slides/slide11.xml><?xml version="1.0" encoding="utf-8"?>
+<p:sld xmlns:a="http://schemas.openxmlformats.org/drawingml/2006/main" xmlns:r="http://schemas.openxmlformats.org/officeDocument/2006/relationships" xmlns:p="http://schemas.openxmlformats.org/presentationml/2006/main">
+  <p:cSld>
+    <p:spTree>
+      <p:nvGrpSpPr>
+        <p:cNvPr id="1" name=""/>
+        <p:cNvGrpSpPr/>
+        <p:nvPr/>
+      </p:nvGrpSpPr>
+      <p:grpSpPr>
+        <a:xfrm>
+          <a:off x="0" y="0"/>
+          <a:ext cx="0" cy="0"/>
+          <a:chOff x="0" y="0"/>
+          <a:chExt cx="0" cy="0"/>
+        </a:xfrm>
+      </p:grpSpPr>
+      <p:sp>
+        <p:nvSpPr>
+          <p:cNvPr id="4" name="TextBox 3">
+            <a:extLst>
+              <a:ext uri="{FF2B5EF4-FFF2-40B4-BE49-F238E27FC236}">
+                <a16:creationId xmlns:a16="http://schemas.microsoft.com/office/drawing/2014/main" id="{349FF29F-A1A2-420F-9295-9A4444567665}"/>
+              </a:ext>
+            </a:extLst>
+          </p:cNvPr>
+          <p:cNvSpPr txBox="1"/>
+          <p:nvPr/>
+        </p:nvSpPr>
+        <p:spPr>
+          <a:xfrm>
+            <a:off x="5460319" y="771688"/>
+            <a:ext cx="8134287" cy="1084916"/>
+          </a:xfrm>
+          <a:prstGeom prst="rect">
+            <a:avLst/>
+          </a:prstGeom>
+          <a:noFill/>
+        </p:spPr>
+        <p:txBody>
+          <a:bodyPr wrap="square" lIns="68584" tIns="34292" rIns="68584" bIns="34292" rtlCol="0">
+            <a:spAutoFit/>
+          </a:bodyPr>
+          <a:lstStyle/>
+          <a:p>
+            <a:pPr algn="ctr"/>
+            <a:r>
+              <a:rPr lang="en-US" sz="6600" b="1">
+                <a:solidFill>
+                  <a:srgbClr val="445469"/>
+                </a:solidFill>
+                <a:latin typeface="Lato Heavy" charset="0"/>
+                <a:ea typeface="Lato Heavy" charset="0"/>
+                <a:cs typeface="Lato Heavy" charset="0"/>
+              </a:rPr>
+              <a:t>C</a:t>
+            </a:r>
+            <a:r>
+              <a:rPr lang="vi-VN" sz="6600" b="1">
+                <a:solidFill>
+                  <a:srgbClr val="445469"/>
+                </a:solidFill>
+                <a:latin typeface="Lato Heavy" charset="0"/>
+                <a:ea typeface="Lato Heavy" charset="0"/>
+                <a:cs typeface="Lato Heavy" charset="0"/>
+              </a:rPr>
+              <a:t>ơ</a:t>
+            </a:r>
+            <a:r>
+              <a:rPr lang="en-US" sz="6600" b="1">
+                <a:solidFill>
+                  <a:srgbClr val="445469"/>
+                </a:solidFill>
+                <a:latin typeface="Lato Heavy" charset="0"/>
+                <a:ea typeface="Lato Heavy" charset="0"/>
+                <a:cs typeface="Lato Heavy" charset="0"/>
+              </a:rPr>
+              <a:t> sở lí thuyết</a:t>
+            </a:r>
+          </a:p>
+        </p:txBody>
+      </p:sp>
+      <p:sp>
+        <p:nvSpPr>
+          <p:cNvPr id="6" name="Date Placeholder 5">
+            <a:extLst>
+              <a:ext uri="{FF2B5EF4-FFF2-40B4-BE49-F238E27FC236}">
+                <a16:creationId xmlns:a16="http://schemas.microsoft.com/office/drawing/2014/main" id="{4DB1461A-FAF4-43D8-BD39-E67D9CFFDF54}"/>
+              </a:ext>
+            </a:extLst>
+          </p:cNvPr>
+          <p:cNvSpPr>
+            <a:spLocks noGrp="1"/>
+          </p:cNvSpPr>
+          <p:nvPr>
+            <p:ph type="dt" sz="half" idx="10"/>
+          </p:nvPr>
+        </p:nvSpPr>
+        <p:spPr/>
+        <p:txBody>
+          <a:bodyPr/>
+          <a:lstStyle/>
+          <a:p>
+            <a:fld id="{70840168-5D59-45E9-8783-04AE3E3078F8}" type="datetime1">
+              <a:rPr lang="en-US" smtClean="0">
+                <a:solidFill>
+                  <a:schemeClr val="bg1"/>
+                </a:solidFill>
+              </a:rPr>
+              <a:t>12/5/2018</a:t>
+            </a:fld>
+            <a:endParaRPr lang="en-US">
+              <a:solidFill>
+                <a:schemeClr val="bg1"/>
+              </a:solidFill>
+            </a:endParaRPr>
+          </a:p>
+        </p:txBody>
+      </p:sp>
+      <p:sp>
+        <p:nvSpPr>
+          <p:cNvPr id="7" name="Footer Placeholder 6">
+            <a:extLst>
+              <a:ext uri="{FF2B5EF4-FFF2-40B4-BE49-F238E27FC236}">
+                <a16:creationId xmlns:a16="http://schemas.microsoft.com/office/drawing/2014/main" id="{754D3DE7-1D0F-49BF-8DB3-87320527AB40}"/>
+              </a:ext>
+            </a:extLst>
+          </p:cNvPr>
+          <p:cNvSpPr>
+            <a:spLocks noGrp="1"/>
+          </p:cNvSpPr>
+          <p:nvPr>
+            <p:ph type="ftr" sz="quarter" idx="11"/>
+          </p:nvPr>
+        </p:nvSpPr>
+        <p:spPr/>
+        <p:txBody>
+          <a:bodyPr/>
+          <a:lstStyle/>
+          <a:p>
+            <a:pPr algn="ctr"/>
+            <a:r>
+              <a:rPr lang="en-US"/>
+              <a:t>Hệ thống quản lí chuỗi cửa hàng giặt ủi</a:t>
+            </a:r>
+          </a:p>
+        </p:txBody>
+      </p:sp>
+      <p:grpSp>
+        <p:nvGrpSpPr>
+          <p:cNvPr id="34" name="Group 33">
+            <a:extLst>
+              <a:ext uri="{FF2B5EF4-FFF2-40B4-BE49-F238E27FC236}">
+                <a16:creationId xmlns:a16="http://schemas.microsoft.com/office/drawing/2014/main" id="{B0296CD0-A6E6-4AA8-B379-918EB5EA3F26}"/>
+              </a:ext>
+            </a:extLst>
+          </p:cNvPr>
+          <p:cNvGrpSpPr/>
+          <p:nvPr/>
+        </p:nvGrpSpPr>
+        <p:grpSpPr>
+          <a:xfrm>
+            <a:off x="1631635" y="2386852"/>
+            <a:ext cx="3712151" cy="7974768"/>
+            <a:chOff x="4447049" y="2041215"/>
+            <a:chExt cx="3712151" cy="9087827"/>
+          </a:xfrm>
+        </p:grpSpPr>
+        <p:sp>
+          <p:nvSpPr>
+            <p:cNvPr id="30" name="Rectangle: Rounded Corners 29">
+              <a:extLst>
+                <a:ext uri="{FF2B5EF4-FFF2-40B4-BE49-F238E27FC236}">
+                  <a16:creationId xmlns:a16="http://schemas.microsoft.com/office/drawing/2014/main" id="{3A32B576-FCE2-4F44-A5C0-03D69DE74907}"/>
+                </a:ext>
+              </a:extLst>
+            </p:cNvPr>
+            <p:cNvSpPr/>
+            <p:nvPr/>
+          </p:nvSpPr>
+          <p:spPr>
+            <a:xfrm>
+              <a:off x="4447049" y="2041215"/>
+              <a:ext cx="3712151" cy="9087827"/>
+            </a:xfrm>
+            <a:prstGeom prst="roundRect">
+              <a:avLst/>
+            </a:prstGeom>
+            <a:ln w="76200">
+              <a:solidFill>
+                <a:srgbClr val="2287D6"/>
+              </a:solidFill>
+            </a:ln>
+          </p:spPr>
+          <p:style>
+            <a:lnRef idx="2">
+              <a:schemeClr val="accent6"/>
+            </a:lnRef>
+            <a:fillRef idx="1">
+              <a:schemeClr val="lt1"/>
+            </a:fillRef>
+            <a:effectRef idx="0">
+              <a:schemeClr val="accent6"/>
+            </a:effectRef>
+            <a:fontRef idx="minor">
+              <a:schemeClr val="dk1"/>
+            </a:fontRef>
+          </p:style>
+          <p:txBody>
+            <a:bodyPr rtlCol="0" anchor="ctr"/>
+            <a:lstStyle/>
+            <a:p>
+              <a:pPr algn="ctr"/>
+              <a:endParaRPr lang="en-US"/>
+            </a:p>
+          </p:txBody>
+        </p:sp>
+        <p:pic>
+          <p:nvPicPr>
+            <p:cNvPr id="12" name="Picture 6" descr="HÃ¬nh áº£nh cÃ³ liÃªn quan">
+              <a:extLst>
+                <a:ext uri="{FF2B5EF4-FFF2-40B4-BE49-F238E27FC236}">
+                  <a16:creationId xmlns:a16="http://schemas.microsoft.com/office/drawing/2014/main" id="{3951DA40-8F21-4763-A7C8-EE737CFB6C75}"/>
+                </a:ext>
+              </a:extLst>
+            </p:cNvPr>
+            <p:cNvPicPr>
+              <a:picLocks noChangeAspect="1" noChangeArrowheads="1"/>
+            </p:cNvPicPr>
+            <p:nvPr/>
+          </p:nvPicPr>
+          <p:blipFill>
+            <a:blip r:embed="rId3">
+              <a:extLst>
+                <a:ext uri="{28A0092B-C50C-407E-A947-70E740481C1C}">
+                  <a14:useLocalDpi xmlns:a14="http://schemas.microsoft.com/office/drawing/2010/main" val="0"/>
+                </a:ext>
+              </a:extLst>
+            </a:blip>
+            <a:srcRect/>
+            <a:stretch>
+              <a:fillRect/>
+            </a:stretch>
+          </p:blipFill>
+          <p:spPr bwMode="auto">
+            <a:xfrm>
+              <a:off x="5122640" y="8220683"/>
+              <a:ext cx="2201810" cy="2240249"/>
+            </a:xfrm>
+            <a:prstGeom prst="rect">
+              <a:avLst/>
+            </a:prstGeom>
+            <a:noFill/>
+            <a:extLst>
+              <a:ext uri="{909E8E84-426E-40DD-AFC4-6F175D3DCCD1}">
+                <a14:hiddenFill xmlns:a14="http://schemas.microsoft.com/office/drawing/2010/main">
+                  <a:solidFill>
+                    <a:srgbClr val="FFFFFF"/>
+                  </a:solidFill>
+                </a14:hiddenFill>
+              </a:ext>
+            </a:extLst>
+          </p:spPr>
+        </p:pic>
+        <p:pic>
+          <p:nvPicPr>
+            <p:cNvPr id="28" name="Graphic 27">
+              <a:extLst>
+                <a:ext uri="{FF2B5EF4-FFF2-40B4-BE49-F238E27FC236}">
+                  <a16:creationId xmlns:a16="http://schemas.microsoft.com/office/drawing/2014/main" id="{04610603-3065-4955-ABEF-438FFBE91B4C}"/>
+                </a:ext>
+              </a:extLst>
+            </p:cNvPr>
+            <p:cNvPicPr>
+              <a:picLocks noChangeAspect="1"/>
+            </p:cNvPicPr>
+            <p:nvPr/>
+          </p:nvPicPr>
+          <p:blipFill>
+            <a:blip r:embed="rId4" cstate="email">
+              <a:extLst>
+                <a:ext uri="{28A0092B-C50C-407E-A947-70E740481C1C}">
+                  <a14:useLocalDpi xmlns:a14="http://schemas.microsoft.com/office/drawing/2010/main" val="0"/>
+                </a:ext>
+                <a:ext uri="{96DAC541-7B7A-43D3-8B79-37D633B846F1}">
+                  <asvg:svgBlip xmlns:asvg="http://schemas.microsoft.com/office/drawing/2016/SVG/main" r:embed="rId5"/>
+                </a:ext>
+              </a:extLst>
+            </a:blip>
+            <a:stretch>
+              <a:fillRect/>
+            </a:stretch>
+          </p:blipFill>
+          <p:spPr>
+            <a:xfrm>
+              <a:off x="5122640" y="5593667"/>
+              <a:ext cx="2240249" cy="2240249"/>
+            </a:xfrm>
+            <a:prstGeom prst="rect">
+              <a:avLst/>
+            </a:prstGeom>
+          </p:spPr>
+        </p:pic>
+        <p:pic>
+          <p:nvPicPr>
+            <p:cNvPr id="3082" name="Picture 10" descr="Káº¿t quáº£ hÃ¬nh áº£nh cho postgresql icon">
+              <a:extLst>
+                <a:ext uri="{FF2B5EF4-FFF2-40B4-BE49-F238E27FC236}">
+                  <a16:creationId xmlns:a16="http://schemas.microsoft.com/office/drawing/2014/main" id="{211914C4-10F0-4C2A-A11D-34AE53CF6873}"/>
+                </a:ext>
+              </a:extLst>
+            </p:cNvPr>
+            <p:cNvPicPr>
+              <a:picLocks noChangeAspect="1" noChangeArrowheads="1"/>
+            </p:cNvPicPr>
+            <p:nvPr/>
+          </p:nvPicPr>
+          <p:blipFill>
+            <a:blip r:embed="rId6">
+              <a:extLst>
+                <a:ext uri="{28A0092B-C50C-407E-A947-70E740481C1C}">
+                  <a14:useLocalDpi xmlns:a14="http://schemas.microsoft.com/office/drawing/2010/main" val="0"/>
+                </a:ext>
+              </a:extLst>
+            </a:blip>
+            <a:srcRect/>
+            <a:stretch>
+              <a:fillRect/>
+            </a:stretch>
+          </p:blipFill>
+          <p:spPr bwMode="auto">
+            <a:xfrm>
+              <a:off x="5015085" y="2586957"/>
+              <a:ext cx="2572042" cy="2366279"/>
+            </a:xfrm>
+            <a:prstGeom prst="rect">
+              <a:avLst/>
+            </a:prstGeom>
+            <a:noFill/>
+            <a:extLst>
+              <a:ext uri="{909E8E84-426E-40DD-AFC4-6F175D3DCCD1}">
+                <a14:hiddenFill xmlns:a14="http://schemas.microsoft.com/office/drawing/2010/main">
+                  <a:solidFill>
+                    <a:srgbClr val="FFFFFF"/>
+                  </a:solidFill>
+                </a14:hiddenFill>
+              </a:ext>
+            </a:extLst>
+          </p:spPr>
+        </p:pic>
+      </p:grpSp>
+      <p:sp>
+        <p:nvSpPr>
+          <p:cNvPr id="33" name="AutoShape 14" descr="Káº¿t quáº£ hÃ¬nh áº£nh cho android icon">
+            <a:extLst>
+              <a:ext uri="{FF2B5EF4-FFF2-40B4-BE49-F238E27FC236}">
+                <a16:creationId xmlns:a16="http://schemas.microsoft.com/office/drawing/2014/main" id="{97A5E0AE-AEA8-42E5-93E5-438E530750DC}"/>
+              </a:ext>
+            </a:extLst>
+          </p:cNvPr>
+          <p:cNvSpPr>
+            <a:spLocks noChangeAspect="1" noChangeArrowheads="1"/>
+          </p:cNvSpPr>
+          <p:nvPr/>
+        </p:nvSpPr>
+        <p:spPr bwMode="auto">
+          <a:xfrm>
+            <a:off x="8991600" y="6705600"/>
+            <a:ext cx="304800" cy="304800"/>
+          </a:xfrm>
+          <a:prstGeom prst="rect">
+            <a:avLst/>
+          </a:prstGeom>
+          <a:noFill/>
+          <a:extLst>
+            <a:ext uri="{909E8E84-426E-40DD-AFC4-6F175D3DCCD1}">
+              <a14:hiddenFill xmlns:a14="http://schemas.microsoft.com/office/drawing/2010/main">
+                <a:solidFill>
+                  <a:srgbClr val="FFFFFF"/>
+                </a:solidFill>
+              </a14:hiddenFill>
+            </a:ext>
+          </a:extLst>
+        </p:spPr>
+        <p:txBody>
+          <a:bodyPr vert="horz" wrap="square" lIns="91440" tIns="45720" rIns="91440" bIns="45720" numCol="1" anchor="t" anchorCtr="0" compatLnSpc="1">
+            <a:prstTxWarp prst="textNoShape">
+              <a:avLst/>
+            </a:prstTxWarp>
+          </a:bodyPr>
+          <a:lstStyle/>
+          <a:p>
+            <a:endParaRPr lang="en-US"/>
+          </a:p>
+        </p:txBody>
+      </p:sp>
+      <p:grpSp>
+        <p:nvGrpSpPr>
+          <p:cNvPr id="38" name="Group 37">
+            <a:extLst>
+              <a:ext uri="{FF2B5EF4-FFF2-40B4-BE49-F238E27FC236}">
+                <a16:creationId xmlns:a16="http://schemas.microsoft.com/office/drawing/2014/main" id="{8A1E1092-3C86-438C-A77B-393CB3311655}"/>
+              </a:ext>
+            </a:extLst>
+          </p:cNvPr>
+          <p:cNvGrpSpPr/>
+          <p:nvPr/>
+        </p:nvGrpSpPr>
+        <p:grpSpPr>
+          <a:xfrm>
+            <a:off x="6143414" y="5676739"/>
+            <a:ext cx="6305971" cy="1969600"/>
+            <a:chOff x="6495805" y="5873200"/>
+            <a:chExt cx="6305971" cy="1969600"/>
+          </a:xfrm>
+        </p:grpSpPr>
+        <p:pic>
+          <p:nvPicPr>
+            <p:cNvPr id="3080" name="Picture 8" descr="Káº¿t quáº£ hÃ¬nh áº£nh cho apollo client icon">
+              <a:extLst>
+                <a:ext uri="{FF2B5EF4-FFF2-40B4-BE49-F238E27FC236}">
+                  <a16:creationId xmlns:a16="http://schemas.microsoft.com/office/drawing/2014/main" id="{9E7E735D-ACBB-4A76-A739-931686F1E6FA}"/>
+                </a:ext>
+              </a:extLst>
+            </p:cNvPr>
+            <p:cNvPicPr>
+              <a:picLocks noChangeAspect="1" noChangeArrowheads="1"/>
+            </p:cNvPicPr>
+            <p:nvPr/>
+          </p:nvPicPr>
+          <p:blipFill>
+            <a:blip r:embed="rId7" cstate="email">
+              <a:extLst>
+                <a:ext uri="{28A0092B-C50C-407E-A947-70E740481C1C}">
+                  <a14:useLocalDpi xmlns:a14="http://schemas.microsoft.com/office/drawing/2010/main" val="0"/>
+                </a:ext>
+              </a:extLst>
+            </a:blip>
+            <a:srcRect/>
+            <a:stretch>
+              <a:fillRect/>
+            </a:stretch>
+          </p:blipFill>
+          <p:spPr bwMode="auto">
+            <a:xfrm>
+              <a:off x="8588622" y="5873200"/>
+              <a:ext cx="1969600" cy="1969600"/>
+            </a:xfrm>
+            <a:prstGeom prst="rect">
+              <a:avLst/>
+            </a:prstGeom>
+            <a:noFill/>
+            <a:extLst>
+              <a:ext uri="{909E8E84-426E-40DD-AFC4-6F175D3DCCD1}">
+                <a14:hiddenFill xmlns:a14="http://schemas.microsoft.com/office/drawing/2010/main">
+                  <a:solidFill>
+                    <a:srgbClr val="FFFFFF"/>
+                  </a:solidFill>
+                </a14:hiddenFill>
+              </a:ext>
+            </a:extLst>
+          </p:spPr>
+        </p:pic>
+        <p:sp>
+          <p:nvSpPr>
+            <p:cNvPr id="36" name="Arrow: Left-Right 35">
+              <a:extLst>
+                <a:ext uri="{FF2B5EF4-FFF2-40B4-BE49-F238E27FC236}">
+                  <a16:creationId xmlns:a16="http://schemas.microsoft.com/office/drawing/2014/main" id="{FF69C34B-B03B-4FC7-BD91-4B8FC1A66BB1}"/>
+                </a:ext>
+              </a:extLst>
+            </p:cNvPr>
+            <p:cNvSpPr/>
+            <p:nvPr/>
+          </p:nvSpPr>
+          <p:spPr>
+            <a:xfrm>
+              <a:off x="10825492" y="6171468"/>
+              <a:ext cx="1976284" cy="1051657"/>
+            </a:xfrm>
+            <a:prstGeom prst="leftRightArrow">
+              <a:avLst>
+                <a:gd name="adj1" fmla="val 50000"/>
+                <a:gd name="adj2" fmla="val 47195"/>
+              </a:avLst>
+            </a:prstGeom>
+            <a:solidFill>
+              <a:srgbClr val="4099E0"/>
+            </a:solidFill>
+            <a:ln>
+              <a:noFill/>
+            </a:ln>
+          </p:spPr>
+          <p:style>
+            <a:lnRef idx="2">
+              <a:schemeClr val="accent1">
+                <a:shade val="50000"/>
+              </a:schemeClr>
+            </a:lnRef>
+            <a:fillRef idx="1">
+              <a:schemeClr val="accent1"/>
+            </a:fillRef>
+            <a:effectRef idx="0">
+              <a:schemeClr val="accent1"/>
+            </a:effectRef>
+            <a:fontRef idx="minor">
+              <a:schemeClr val="lt1"/>
+            </a:fontRef>
+          </p:style>
+          <p:txBody>
+            <a:bodyPr rtlCol="0" anchor="ctr"/>
+            <a:lstStyle/>
+            <a:p>
+              <a:pPr algn="ctr"/>
+              <a:endParaRPr lang="en-US"/>
+            </a:p>
+          </p:txBody>
+        </p:sp>
+        <p:sp>
+          <p:nvSpPr>
+            <p:cNvPr id="41" name="Arrow: Left-Right 40">
+              <a:extLst>
+                <a:ext uri="{FF2B5EF4-FFF2-40B4-BE49-F238E27FC236}">
+                  <a16:creationId xmlns:a16="http://schemas.microsoft.com/office/drawing/2014/main" id="{A1D9BD5C-A61E-4A4E-A627-DE5EB741D2B4}"/>
+                </a:ext>
+              </a:extLst>
+            </p:cNvPr>
+            <p:cNvSpPr/>
+            <p:nvPr/>
+          </p:nvSpPr>
+          <p:spPr>
+            <a:xfrm>
+              <a:off x="6495805" y="6171468"/>
+              <a:ext cx="1976284" cy="1084916"/>
+            </a:xfrm>
+            <a:prstGeom prst="leftRightArrow">
+              <a:avLst/>
+            </a:prstGeom>
+            <a:solidFill>
+              <a:srgbClr val="4099E0"/>
+            </a:solidFill>
+            <a:ln>
+              <a:noFill/>
+            </a:ln>
+          </p:spPr>
+          <p:style>
+            <a:lnRef idx="2">
+              <a:schemeClr val="accent1">
+                <a:shade val="50000"/>
+              </a:schemeClr>
+            </a:lnRef>
+            <a:fillRef idx="1">
+              <a:schemeClr val="accent1"/>
+            </a:fillRef>
+            <a:effectRef idx="0">
+              <a:schemeClr val="accent1"/>
+            </a:effectRef>
+            <a:fontRef idx="minor">
+              <a:schemeClr val="lt1"/>
+            </a:fontRef>
+          </p:style>
+          <p:txBody>
+            <a:bodyPr rtlCol="0" anchor="ctr"/>
+            <a:lstStyle/>
+            <a:p>
+              <a:pPr algn="ctr"/>
+              <a:endParaRPr lang="en-US"/>
+            </a:p>
+          </p:txBody>
+        </p:sp>
+      </p:grpSp>
+      <p:grpSp>
+        <p:nvGrpSpPr>
+          <p:cNvPr id="42" name="Group 41">
+            <a:extLst>
+              <a:ext uri="{FF2B5EF4-FFF2-40B4-BE49-F238E27FC236}">
+                <a16:creationId xmlns:a16="http://schemas.microsoft.com/office/drawing/2014/main" id="{D1D41E0E-C179-47C7-91DE-7AF9540A85CF}"/>
+              </a:ext>
+            </a:extLst>
+          </p:cNvPr>
+          <p:cNvGrpSpPr/>
+          <p:nvPr/>
+        </p:nvGrpSpPr>
+        <p:grpSpPr>
+          <a:xfrm>
+            <a:off x="13333391" y="2741518"/>
+            <a:ext cx="3712151" cy="7620101"/>
+            <a:chOff x="13333391" y="2741518"/>
+            <a:chExt cx="3712151" cy="7620101"/>
+          </a:xfrm>
+        </p:grpSpPr>
+        <p:grpSp>
+          <p:nvGrpSpPr>
+            <p:cNvPr id="35" name="Group 34">
+              <a:extLst>
+                <a:ext uri="{FF2B5EF4-FFF2-40B4-BE49-F238E27FC236}">
+                  <a16:creationId xmlns:a16="http://schemas.microsoft.com/office/drawing/2014/main" id="{11D74930-6CCC-4FBB-AF55-276AC3F2CF5E}"/>
+                </a:ext>
+              </a:extLst>
+            </p:cNvPr>
+            <p:cNvGrpSpPr/>
+            <p:nvPr/>
+          </p:nvGrpSpPr>
+          <p:grpSpPr>
+            <a:xfrm>
+              <a:off x="13333391" y="2741518"/>
+              <a:ext cx="3712151" cy="7620101"/>
+              <a:chOff x="12719864" y="1759874"/>
+              <a:chExt cx="3712151" cy="9087827"/>
+            </a:xfrm>
+          </p:grpSpPr>
+          <p:sp>
+            <p:nvSpPr>
+              <p:cNvPr id="37" name="Rectangle: Rounded Corners 36">
+                <a:extLst>
+                  <a:ext uri="{FF2B5EF4-FFF2-40B4-BE49-F238E27FC236}">
+                    <a16:creationId xmlns:a16="http://schemas.microsoft.com/office/drawing/2014/main" id="{3E1F150C-79FF-4E35-8AF1-9A76A54C15C0}"/>
+                  </a:ext>
+                </a:extLst>
+              </p:cNvPr>
+              <p:cNvSpPr/>
+              <p:nvPr/>
+            </p:nvSpPr>
+            <p:spPr>
+              <a:xfrm>
+                <a:off x="12719864" y="1759874"/>
+                <a:ext cx="3712151" cy="9087827"/>
+              </a:xfrm>
+              <a:prstGeom prst="roundRect">
+                <a:avLst/>
+              </a:prstGeom>
+              <a:noFill/>
+              <a:ln w="76200">
+                <a:solidFill>
+                  <a:srgbClr val="2287D6"/>
+                </a:solidFill>
+              </a:ln>
+            </p:spPr>
+            <p:style>
+              <a:lnRef idx="2">
+                <a:schemeClr val="accent6"/>
+              </a:lnRef>
+              <a:fillRef idx="1">
+                <a:schemeClr val="lt1"/>
+              </a:fillRef>
+              <a:effectRef idx="0">
+                <a:schemeClr val="accent6"/>
+              </a:effectRef>
+              <a:fontRef idx="minor">
+                <a:schemeClr val="dk1"/>
+              </a:fontRef>
+            </p:style>
+            <p:txBody>
+              <a:bodyPr rtlCol="0" anchor="ctr"/>
+              <a:lstStyle/>
+              <a:p>
+                <a:pPr algn="ctr"/>
+                <a:endParaRPr lang="en-US"/>
+              </a:p>
+            </p:txBody>
+          </p:sp>
+          <p:pic>
+            <p:nvPicPr>
+              <p:cNvPr id="3084" name="Picture 12" descr="Káº¿t quáº£ hÃ¬nh áº£nh cho android icon">
+                <a:extLst>
+                  <a:ext uri="{FF2B5EF4-FFF2-40B4-BE49-F238E27FC236}">
+                    <a16:creationId xmlns:a16="http://schemas.microsoft.com/office/drawing/2014/main" id="{74B177CB-A79C-4776-AC37-B38501395914}"/>
+                  </a:ext>
+                </a:extLst>
+              </p:cNvPr>
+              <p:cNvPicPr>
+                <a:picLocks noChangeAspect="1" noChangeArrowheads="1"/>
+              </p:cNvPicPr>
+              <p:nvPr/>
+            </p:nvPicPr>
+            <p:blipFill>
+              <a:blip r:embed="rId8" cstate="email">
+                <a:extLst>
+                  <a:ext uri="{28A0092B-C50C-407E-A947-70E740481C1C}">
+                    <a14:useLocalDpi xmlns:a14="http://schemas.microsoft.com/office/drawing/2010/main" val="0"/>
+                  </a:ext>
+                </a:extLst>
+              </a:blip>
+              <a:srcRect/>
+              <a:stretch>
+                <a:fillRect/>
+              </a:stretch>
+            </p:blipFill>
+            <p:spPr bwMode="auto">
+              <a:xfrm>
+                <a:off x="13069046" y="2189675"/>
+                <a:ext cx="3013785" cy="3013785"/>
+              </a:xfrm>
+              <a:prstGeom prst="rect">
+                <a:avLst/>
+              </a:prstGeom>
+              <a:noFill/>
+              <a:extLst>
+                <a:ext uri="{909E8E84-426E-40DD-AFC4-6F175D3DCCD1}">
+                  <a14:hiddenFill xmlns:a14="http://schemas.microsoft.com/office/drawing/2010/main">
+                    <a:solidFill>
+                      <a:srgbClr val="FFFFFF"/>
+                    </a:solidFill>
+                  </a14:hiddenFill>
+                </a:ext>
+              </a:extLst>
+            </p:spPr>
+          </p:pic>
+        </p:grpSp>
+        <p:pic>
+          <p:nvPicPr>
+            <p:cNvPr id="3088" name="Picture 16" descr="HÃ¬nh áº£nh cÃ³ liÃªn quan">
+              <a:extLst>
+                <a:ext uri="{FF2B5EF4-FFF2-40B4-BE49-F238E27FC236}">
+                  <a16:creationId xmlns:a16="http://schemas.microsoft.com/office/drawing/2014/main" id="{077082F2-E47A-4294-8E99-4424B88FB791}"/>
+                </a:ext>
+              </a:extLst>
+            </p:cNvPr>
+            <p:cNvPicPr>
+              <a:picLocks noChangeAspect="1" noChangeArrowheads="1"/>
+            </p:cNvPicPr>
+            <p:nvPr/>
+          </p:nvPicPr>
+          <p:blipFill>
+            <a:blip r:embed="rId9" cstate="email">
+              <a:extLst>
+                <a:ext uri="{28A0092B-C50C-407E-A947-70E740481C1C}">
+                  <a14:useLocalDpi xmlns:a14="http://schemas.microsoft.com/office/drawing/2010/main" val="0"/>
+                </a:ext>
+              </a:extLst>
+            </a:blip>
+            <a:srcRect/>
+            <a:stretch>
+              <a:fillRect/>
+            </a:stretch>
+          </p:blipFill>
+          <p:spPr bwMode="auto">
+            <a:xfrm>
+              <a:off x="13894065" y="6858000"/>
+              <a:ext cx="2590800" cy="2590800"/>
+            </a:xfrm>
+            <a:prstGeom prst="rect">
+              <a:avLst/>
+            </a:prstGeom>
+            <a:noFill/>
+            <a:extLst>
+              <a:ext uri="{909E8E84-426E-40DD-AFC4-6F175D3DCCD1}">
+                <a14:hiddenFill xmlns:a14="http://schemas.microsoft.com/office/drawing/2010/main">
+                  <a:solidFill>
+                    <a:srgbClr val="FFFFFF"/>
+                  </a:solidFill>
+                </a14:hiddenFill>
+              </a:ext>
+            </a:extLst>
+          </p:spPr>
+        </p:pic>
+      </p:grpSp>
+    </p:spTree>
+    <p:extLst>
+      <p:ext uri="{BB962C8B-B14F-4D97-AF65-F5344CB8AC3E}">
+        <p14:creationId xmlns:p14="http://schemas.microsoft.com/office/powerpoint/2010/main" val="3899022492"/>
+      </p:ext>
+    </p:extLst>
+  </p:cSld>
+  <p:clrMapOvr>
+    <a:masterClrMapping/>
+  </p:clrMapOvr>
+  <p:transition spd="slow">
+    <p:cover/>
+  </p:transition>
+</p:sld>
+</file>
+
+<file path=ppt/slides/slide12.xml><?xml version="1.0" encoding="utf-8"?>
+<p:sld xmlns:a="http://schemas.openxmlformats.org/drawingml/2006/main" xmlns:r="http://schemas.openxmlformats.org/officeDocument/2006/relationships" xmlns:p="http://schemas.openxmlformats.org/presentationml/2006/main">
+  <p:cSld>
+    <p:spTree>
+      <p:nvGrpSpPr>
+        <p:cNvPr id="1" name=""/>
+        <p:cNvGrpSpPr/>
+        <p:nvPr/>
+      </p:nvGrpSpPr>
+      <p:grpSpPr>
+        <a:xfrm>
+          <a:off x="0" y="0"/>
+          <a:ext cx="0" cy="0"/>
+          <a:chOff x="0" y="0"/>
+          <a:chExt cx="0" cy="0"/>
+        </a:xfrm>
+      </p:grpSpPr>
+      <p:sp>
+        <p:nvSpPr>
+          <p:cNvPr id="4" name="TextBox 3">
+            <a:extLst>
+              <a:ext uri="{FF2B5EF4-FFF2-40B4-BE49-F238E27FC236}">
+                <a16:creationId xmlns:a16="http://schemas.microsoft.com/office/drawing/2014/main" id="{349FF29F-A1A2-420F-9295-9A4444567665}"/>
+              </a:ext>
+            </a:extLst>
+          </p:cNvPr>
+          <p:cNvSpPr txBox="1"/>
+          <p:nvPr/>
+        </p:nvSpPr>
+        <p:spPr>
+          <a:xfrm>
+            <a:off x="5460319" y="771688"/>
+            <a:ext cx="8134287" cy="1700470"/>
+          </a:xfrm>
+          <a:prstGeom prst="rect">
+            <a:avLst/>
+          </a:prstGeom>
+          <a:noFill/>
+        </p:spPr>
+        <p:txBody>
+          <a:bodyPr wrap="square" lIns="68584" tIns="34292" rIns="68584" bIns="34292" rtlCol="0">
+            <a:spAutoFit/>
+          </a:bodyPr>
+          <a:lstStyle/>
+          <a:p>
+            <a:pPr algn="ctr"/>
+            <a:r>
+              <a:rPr lang="en-US" sz="6600" b="1">
+                <a:solidFill>
+                  <a:srgbClr val="445469"/>
+                </a:solidFill>
+                <a:latin typeface="Lato Heavy" charset="0"/>
+                <a:ea typeface="Lato Heavy" charset="0"/>
+                <a:cs typeface="Lato Heavy" charset="0"/>
+              </a:rPr>
+              <a:t>C</a:t>
+            </a:r>
+            <a:r>
+              <a:rPr lang="vi-VN" sz="6600" b="1">
+                <a:solidFill>
+                  <a:srgbClr val="445469"/>
+                </a:solidFill>
+                <a:latin typeface="Lato Heavy" charset="0"/>
+                <a:ea typeface="Lato Heavy" charset="0"/>
+                <a:cs typeface="Lato Heavy" charset="0"/>
+              </a:rPr>
+              <a:t>ơ</a:t>
+            </a:r>
+            <a:r>
+              <a:rPr lang="en-US" sz="6600" b="1">
+                <a:solidFill>
+                  <a:srgbClr val="445469"/>
+                </a:solidFill>
+                <a:latin typeface="Lato Heavy" charset="0"/>
+                <a:ea typeface="Lato Heavy" charset="0"/>
+                <a:cs typeface="Lato Heavy" charset="0"/>
+              </a:rPr>
+              <a:t> sở lí thuyết</a:t>
+            </a:r>
+          </a:p>
+          <a:p>
+            <a:pPr algn="ctr"/>
+            <a:r>
+              <a:rPr lang="en-US" sz="4000">
+                <a:latin typeface="Lato Heavy" charset="0"/>
+                <a:ea typeface="Lato Heavy" charset="0"/>
+                <a:cs typeface="Lato Heavy" charset="0"/>
+              </a:rPr>
+              <a:t>(hàng đợi nhiều trạm phục vụ)</a:t>
+            </a:r>
+          </a:p>
+        </p:txBody>
+      </p:sp>
+      <p:sp>
+        <p:nvSpPr>
+          <p:cNvPr id="6" name="Date Placeholder 5">
+            <a:extLst>
+              <a:ext uri="{FF2B5EF4-FFF2-40B4-BE49-F238E27FC236}">
+                <a16:creationId xmlns:a16="http://schemas.microsoft.com/office/drawing/2014/main" id="{4DB1461A-FAF4-43D8-BD39-E67D9CFFDF54}"/>
+              </a:ext>
+            </a:extLst>
+          </p:cNvPr>
+          <p:cNvSpPr>
+            <a:spLocks noGrp="1"/>
+          </p:cNvSpPr>
+          <p:nvPr>
+            <p:ph type="dt" sz="half" idx="10"/>
+          </p:nvPr>
+        </p:nvSpPr>
+        <p:spPr/>
+        <p:txBody>
+          <a:bodyPr/>
+          <a:lstStyle/>
+          <a:p>
+            <a:fld id="{70840168-5D59-45E9-8783-04AE3E3078F8}" type="datetime1">
+              <a:rPr lang="en-US" smtClean="0">
+                <a:solidFill>
+                  <a:schemeClr val="bg1"/>
+                </a:solidFill>
+              </a:rPr>
+              <a:t>12/5/2018</a:t>
+            </a:fld>
+            <a:endParaRPr lang="en-US">
+              <a:solidFill>
+                <a:schemeClr val="bg1"/>
+              </a:solidFill>
+            </a:endParaRPr>
+          </a:p>
+        </p:txBody>
+      </p:sp>
+      <p:sp>
+        <p:nvSpPr>
+          <p:cNvPr id="7" name="Footer Placeholder 6">
+            <a:extLst>
+              <a:ext uri="{FF2B5EF4-FFF2-40B4-BE49-F238E27FC236}">
+                <a16:creationId xmlns:a16="http://schemas.microsoft.com/office/drawing/2014/main" id="{754D3DE7-1D0F-49BF-8DB3-87320527AB40}"/>
+              </a:ext>
+            </a:extLst>
+          </p:cNvPr>
+          <p:cNvSpPr>
+            <a:spLocks noGrp="1"/>
+          </p:cNvSpPr>
+          <p:nvPr>
+            <p:ph type="ftr" sz="quarter" idx="11"/>
+          </p:nvPr>
+        </p:nvSpPr>
+        <p:spPr/>
+        <p:txBody>
+          <a:bodyPr/>
+          <a:lstStyle/>
+          <a:p>
+            <a:pPr algn="ctr"/>
+            <a:r>
+              <a:rPr lang="en-US"/>
+              <a:t>Hệ thống quản lí chuỗi cửa hàng giặt ủi</a:t>
+            </a:r>
+          </a:p>
+        </p:txBody>
+      </p:sp>
+      <p:sp>
+        <p:nvSpPr>
+          <p:cNvPr id="33" name="AutoShape 14" descr="Káº¿t quáº£ hÃ¬nh áº£nh cho android icon">
+            <a:extLst>
+              <a:ext uri="{FF2B5EF4-FFF2-40B4-BE49-F238E27FC236}">
+                <a16:creationId xmlns:a16="http://schemas.microsoft.com/office/drawing/2014/main" id="{97A5E0AE-AEA8-42E5-93E5-438E530750DC}"/>
+              </a:ext>
+            </a:extLst>
+          </p:cNvPr>
+          <p:cNvSpPr>
+            <a:spLocks noChangeAspect="1" noChangeArrowheads="1"/>
+          </p:cNvSpPr>
+          <p:nvPr/>
+        </p:nvSpPr>
+        <p:spPr bwMode="auto">
+          <a:xfrm>
+            <a:off x="8991600" y="6705600"/>
+            <a:ext cx="304800" cy="304800"/>
+          </a:xfrm>
+          <a:prstGeom prst="rect">
+            <a:avLst/>
+          </a:prstGeom>
+          <a:noFill/>
+          <a:extLst>
+            <a:ext uri="{909E8E84-426E-40DD-AFC4-6F175D3DCCD1}">
+              <a14:hiddenFill xmlns:a14="http://schemas.microsoft.com/office/drawing/2010/main">
+                <a:solidFill>
+                  <a:srgbClr val="FFFFFF"/>
+                </a:solidFill>
+              </a14:hiddenFill>
+            </a:ext>
+          </a:extLst>
+        </p:spPr>
+        <p:txBody>
+          <a:bodyPr vert="horz" wrap="square" lIns="91440" tIns="45720" rIns="91440" bIns="45720" numCol="1" anchor="t" anchorCtr="0" compatLnSpc="1">
+            <a:prstTxWarp prst="textNoShape">
+              <a:avLst/>
+            </a:prstTxWarp>
+          </a:bodyPr>
+          <a:lstStyle/>
+          <a:p>
+            <a:endParaRPr lang="en-US"/>
+          </a:p>
+        </p:txBody>
+      </p:sp>
+    </p:spTree>
+    <p:extLst>
+      <p:ext uri="{BB962C8B-B14F-4D97-AF65-F5344CB8AC3E}">
+        <p14:creationId xmlns:p14="http://schemas.microsoft.com/office/powerpoint/2010/main" val="316531171"/>
+      </p:ext>
+    </p:extLst>
+  </p:cSld>
+  <p:clrMapOvr>
+    <a:masterClrMapping/>
+  </p:clrMapOvr>
+  <p:transition spd="slow">
+    <p:cover/>
+  </p:transition>
+</p:sld>
+</file>
+
+<file path=ppt/slides/slide13.xml><?xml version="1.0" encoding="utf-8"?>
+<p:sld xmlns:a="http://schemas.openxmlformats.org/drawingml/2006/main" xmlns:r="http://schemas.openxmlformats.org/officeDocument/2006/relationships" xmlns:p="http://schemas.openxmlformats.org/presentationml/2006/main">
+  <p:cSld>
+    <p:spTree>
+      <p:nvGrpSpPr>
+        <p:cNvPr id="1" name=""/>
+        <p:cNvGrpSpPr/>
+        <p:nvPr/>
+      </p:nvGrpSpPr>
+      <p:grpSpPr>
+        <a:xfrm>
+          <a:off x="0" y="0"/>
+          <a:ext cx="0" cy="0"/>
+          <a:chOff x="0" y="0"/>
+          <a:chExt cx="0" cy="0"/>
+        </a:xfrm>
+      </p:grpSpPr>
+      <p:sp>
+        <p:nvSpPr>
+          <p:cNvPr id="6" name="Date Placeholder 5">
+            <a:extLst>
+              <a:ext uri="{FF2B5EF4-FFF2-40B4-BE49-F238E27FC236}">
+                <a16:creationId xmlns:a16="http://schemas.microsoft.com/office/drawing/2014/main" id="{4DB1461A-FAF4-43D8-BD39-E67D9CFFDF54}"/>
+              </a:ext>
+            </a:extLst>
+          </p:cNvPr>
+          <p:cNvSpPr>
+            <a:spLocks noGrp="1"/>
+          </p:cNvSpPr>
+          <p:nvPr>
+            <p:ph type="dt" sz="half" idx="10"/>
+          </p:nvPr>
+        </p:nvSpPr>
+        <p:spPr/>
+        <p:txBody>
+          <a:bodyPr/>
+          <a:lstStyle/>
+          <a:p>
+            <a:fld id="{70840168-5D59-45E9-8783-04AE3E3078F8}" type="datetime1">
+              <a:rPr lang="en-US" smtClean="0">
+                <a:solidFill>
+                  <a:schemeClr val="bg1"/>
+                </a:solidFill>
+              </a:rPr>
+              <a:t>12/5/2018</a:t>
+            </a:fld>
+            <a:endParaRPr lang="en-US">
+              <a:solidFill>
+                <a:schemeClr val="bg1"/>
+              </a:solidFill>
+            </a:endParaRPr>
+          </a:p>
+        </p:txBody>
+      </p:sp>
+      <p:sp>
+        <p:nvSpPr>
+          <p:cNvPr id="7" name="Footer Placeholder 6">
+            <a:extLst>
+              <a:ext uri="{FF2B5EF4-FFF2-40B4-BE49-F238E27FC236}">
+                <a16:creationId xmlns:a16="http://schemas.microsoft.com/office/drawing/2014/main" id="{754D3DE7-1D0F-49BF-8DB3-87320527AB40}"/>
+              </a:ext>
+            </a:extLst>
+          </p:cNvPr>
+          <p:cNvSpPr>
+            <a:spLocks noGrp="1"/>
+          </p:cNvSpPr>
+          <p:nvPr>
+            <p:ph type="ftr" sz="quarter" idx="11"/>
+          </p:nvPr>
+        </p:nvSpPr>
+        <p:spPr/>
+        <p:txBody>
+          <a:bodyPr/>
+          <a:lstStyle/>
+          <a:p>
+            <a:pPr algn="ctr"/>
+            <a:r>
+              <a:rPr lang="en-US"/>
+              <a:t>Hệ thống quản lí chuỗi cửa hàng giặt ủi</a:t>
+            </a:r>
+          </a:p>
+        </p:txBody>
+      </p:sp>
+      <p:sp>
+        <p:nvSpPr>
+          <p:cNvPr id="19" name="Rectangle: Rounded Corners 18">
+            <a:extLst>
+              <a:ext uri="{FF2B5EF4-FFF2-40B4-BE49-F238E27FC236}">
+                <a16:creationId xmlns:a16="http://schemas.microsoft.com/office/drawing/2014/main" id="{BE3BBFAC-0EBD-476D-AE0A-C79463203A41}"/>
+              </a:ext>
+            </a:extLst>
+          </p:cNvPr>
+          <p:cNvSpPr/>
+          <p:nvPr/>
+        </p:nvSpPr>
+        <p:spPr>
+          <a:xfrm>
+            <a:off x="1849173" y="4678706"/>
+            <a:ext cx="4798662" cy="1986005"/>
+          </a:xfrm>
+          <a:prstGeom prst="roundRect">
+            <a:avLst/>
+          </a:prstGeom>
+          <a:solidFill>
+            <a:schemeClr val="bg1"/>
+          </a:solidFill>
+          <a:ln>
+            <a:solidFill>
+              <a:schemeClr val="bg1"/>
+            </a:solidFill>
+          </a:ln>
+          <a:effectLst>
+            <a:outerShdw blurRad="609600" dist="177800" dir="5400000" algn="t" rotWithShape="0">
+              <a:schemeClr val="bg2">
+                <a:lumMod val="10000"/>
+                <a:alpha val="11000"/>
+              </a:schemeClr>
+            </a:outerShdw>
+          </a:effectLst>
+        </p:spPr>
+        <p:style>
+          <a:lnRef idx="2">
+            <a:schemeClr val="accent1">
+              <a:shade val="50000"/>
+            </a:schemeClr>
+          </a:lnRef>
+          <a:fillRef idx="1">
+            <a:schemeClr val="accent1"/>
+          </a:fillRef>
+          <a:effectRef idx="0">
+            <a:schemeClr val="accent1"/>
+          </a:effectRef>
+          <a:fontRef idx="minor">
+            <a:schemeClr val="lt1"/>
+          </a:fontRef>
+        </p:style>
+        <p:txBody>
+          <a:bodyPr rtlCol="0" anchor="ctr"/>
+          <a:lstStyle/>
+          <a:p>
+            <a:pPr algn="ctr"/>
+            <a:r>
+              <a:rPr lang="en-US" sz="3600" b="1">
+                <a:solidFill>
+                  <a:srgbClr val="445469"/>
+                </a:solidFill>
+              </a:rPr>
+              <a:t>Nhân viên cửa hàng</a:t>
+            </a:r>
+          </a:p>
+        </p:txBody>
+      </p:sp>
+      <p:sp>
+        <p:nvSpPr>
+          <p:cNvPr id="20" name="Rectangle: Rounded Corners 19">
+            <a:extLst>
+              <a:ext uri="{FF2B5EF4-FFF2-40B4-BE49-F238E27FC236}">
+                <a16:creationId xmlns:a16="http://schemas.microsoft.com/office/drawing/2014/main" id="{472E0867-3688-4F03-BC3C-1D0DA7297818}"/>
+              </a:ext>
+            </a:extLst>
+          </p:cNvPr>
+          <p:cNvSpPr/>
+          <p:nvPr/>
+        </p:nvSpPr>
+        <p:spPr>
+          <a:xfrm>
+            <a:off x="1849173" y="8357609"/>
+            <a:ext cx="4798662" cy="1986005"/>
+          </a:xfrm>
+          <a:prstGeom prst="roundRect">
+            <a:avLst/>
+          </a:prstGeom>
+          <a:solidFill>
+            <a:schemeClr val="bg1"/>
+          </a:solidFill>
+          <a:ln>
+            <a:solidFill>
+              <a:schemeClr val="bg1"/>
+            </a:solidFill>
+          </a:ln>
+          <a:effectLst>
+            <a:outerShdw blurRad="609600" dist="177800" dir="5400000" algn="t" rotWithShape="0">
+              <a:prstClr val="black">
+                <a:alpha val="11000"/>
+              </a:prstClr>
+            </a:outerShdw>
+          </a:effectLst>
+        </p:spPr>
+        <p:style>
+          <a:lnRef idx="2">
+            <a:schemeClr val="accent1">
+              <a:shade val="50000"/>
+            </a:schemeClr>
+          </a:lnRef>
+          <a:fillRef idx="1">
+            <a:schemeClr val="accent1"/>
+          </a:fillRef>
+          <a:effectRef idx="0">
+            <a:schemeClr val="accent1"/>
+          </a:effectRef>
+          <a:fontRef idx="minor">
+            <a:schemeClr val="lt1"/>
+          </a:fontRef>
+        </p:style>
+        <p:txBody>
+          <a:bodyPr rtlCol="0" anchor="ctr"/>
+          <a:lstStyle/>
+          <a:p>
+            <a:pPr algn="ctr"/>
+            <a:r>
+              <a:rPr lang="en-US" sz="3600" b="1">
+                <a:solidFill>
+                  <a:srgbClr val="445469"/>
+                </a:solidFill>
+              </a:rPr>
+              <a:t>Khách hàng</a:t>
+            </a:r>
+          </a:p>
+        </p:txBody>
+      </p:sp>
+      <p:sp>
+        <p:nvSpPr>
+          <p:cNvPr id="21" name="TextBox 20">
+            <a:extLst>
+              <a:ext uri="{FF2B5EF4-FFF2-40B4-BE49-F238E27FC236}">
+                <a16:creationId xmlns:a16="http://schemas.microsoft.com/office/drawing/2014/main" id="{0DD03E34-754E-4953-B9A3-864C18FD8351}"/>
+              </a:ext>
+            </a:extLst>
+          </p:cNvPr>
+          <p:cNvSpPr txBox="1"/>
+          <p:nvPr/>
+        </p:nvSpPr>
+        <p:spPr>
+          <a:xfrm>
+            <a:off x="5460319" y="771688"/>
+            <a:ext cx="8134287" cy="1084916"/>
+          </a:xfrm>
+          <a:prstGeom prst="rect">
+            <a:avLst/>
+          </a:prstGeom>
+          <a:noFill/>
+        </p:spPr>
+        <p:txBody>
+          <a:bodyPr wrap="square" lIns="68584" tIns="34292" rIns="68584" bIns="34292" rtlCol="0">
+            <a:spAutoFit/>
+          </a:bodyPr>
+          <a:lstStyle/>
+          <a:p>
+            <a:pPr algn="ctr"/>
+            <a:r>
+              <a:rPr lang="en-US" sz="6600" b="1">
+                <a:solidFill>
+                  <a:srgbClr val="445469"/>
+                </a:solidFill>
+                <a:latin typeface="Lato Heavy" charset="0"/>
+                <a:ea typeface="Lato Heavy" charset="0"/>
+                <a:cs typeface="Lato Heavy" charset="0"/>
+              </a:rPr>
+              <a:t>Ng</a:t>
+            </a:r>
+            <a:r>
+              <a:rPr lang="vi-VN" sz="6600" b="1">
+                <a:solidFill>
+                  <a:srgbClr val="445469"/>
+                </a:solidFill>
+                <a:latin typeface="Lato Heavy" charset="0"/>
+                <a:ea typeface="Lato Heavy" charset="0"/>
+                <a:cs typeface="Lato Heavy" charset="0"/>
+              </a:rPr>
+              <a:t>ư</a:t>
+            </a:r>
+            <a:r>
+              <a:rPr lang="en-US" sz="6600" b="1">
+                <a:solidFill>
+                  <a:srgbClr val="445469"/>
+                </a:solidFill>
+                <a:latin typeface="Lato Heavy" charset="0"/>
+                <a:ea typeface="Lato Heavy" charset="0"/>
+                <a:cs typeface="Lato Heavy" charset="0"/>
+              </a:rPr>
+              <a:t>ời dùng</a:t>
+            </a:r>
+          </a:p>
+        </p:txBody>
+      </p:sp>
+      <p:sp>
+        <p:nvSpPr>
+          <p:cNvPr id="22" name="Rectangle: Rounded Corners 21">
+            <a:extLst>
+              <a:ext uri="{FF2B5EF4-FFF2-40B4-BE49-F238E27FC236}">
+                <a16:creationId xmlns:a16="http://schemas.microsoft.com/office/drawing/2014/main" id="{D77E94ED-73FA-439C-992D-7AF3A60BB03B}"/>
+              </a:ext>
+            </a:extLst>
+          </p:cNvPr>
+          <p:cNvSpPr/>
+          <p:nvPr/>
+        </p:nvSpPr>
+        <p:spPr>
+          <a:xfrm>
+            <a:off x="11195275" y="2492992"/>
+            <a:ext cx="4798662" cy="1986005"/>
+          </a:xfrm>
+          <a:prstGeom prst="roundRect">
+            <a:avLst/>
+          </a:prstGeom>
+          <a:solidFill>
+            <a:schemeClr val="bg1"/>
+          </a:solidFill>
+          <a:ln>
+            <a:solidFill>
+              <a:schemeClr val="bg1"/>
+            </a:solidFill>
+          </a:ln>
+          <a:effectLst>
+            <a:outerShdw blurRad="609600" dist="177800" dir="5400000" algn="t" rotWithShape="0">
+              <a:schemeClr val="bg2">
+                <a:lumMod val="10000"/>
+                <a:alpha val="11000"/>
+              </a:schemeClr>
+            </a:outerShdw>
+          </a:effectLst>
+        </p:spPr>
+        <p:style>
+          <a:lnRef idx="2">
+            <a:schemeClr val="accent1">
+              <a:shade val="50000"/>
+            </a:schemeClr>
+          </a:lnRef>
+          <a:fillRef idx="1">
+            <a:schemeClr val="accent1"/>
+          </a:fillRef>
+          <a:effectRef idx="0">
+            <a:schemeClr val="accent1"/>
+          </a:effectRef>
+          <a:fontRef idx="minor">
+            <a:schemeClr val="lt1"/>
+          </a:fontRef>
+        </p:style>
+        <p:txBody>
+          <a:bodyPr rtlCol="0" anchor="ctr"/>
+          <a:lstStyle/>
+          <a:p>
+            <a:pPr algn="ctr"/>
+            <a:r>
+              <a:rPr lang="en-US" sz="3600" b="1">
+                <a:solidFill>
+                  <a:srgbClr val="445469"/>
+                </a:solidFill>
+              </a:rPr>
+              <a:t>NV quản lí đ</a:t>
+            </a:r>
+            <a:r>
+              <a:rPr lang="vi-VN" sz="3600" b="1">
+                <a:solidFill>
+                  <a:srgbClr val="445469"/>
+                </a:solidFill>
+              </a:rPr>
+              <a:t>ơ</a:t>
+            </a:r>
+            <a:r>
+              <a:rPr lang="en-US" sz="3600" b="1">
+                <a:solidFill>
+                  <a:srgbClr val="445469"/>
+                </a:solidFill>
+              </a:rPr>
+              <a:t>n hàng</a:t>
+            </a:r>
+          </a:p>
+        </p:txBody>
+      </p:sp>
+      <p:sp>
+        <p:nvSpPr>
+          <p:cNvPr id="23" name="Rectangle: Rounded Corners 22">
+            <a:extLst>
+              <a:ext uri="{FF2B5EF4-FFF2-40B4-BE49-F238E27FC236}">
+                <a16:creationId xmlns:a16="http://schemas.microsoft.com/office/drawing/2014/main" id="{999C67EA-31D6-4495-A195-80217E2BA295}"/>
+              </a:ext>
+            </a:extLst>
+          </p:cNvPr>
+          <p:cNvSpPr/>
+          <p:nvPr/>
+        </p:nvSpPr>
+        <p:spPr>
+          <a:xfrm>
+            <a:off x="11195275" y="4678706"/>
+            <a:ext cx="4798662" cy="1986005"/>
+          </a:xfrm>
+          <a:prstGeom prst="roundRect">
+            <a:avLst/>
+          </a:prstGeom>
+          <a:solidFill>
+            <a:schemeClr val="bg1"/>
+          </a:solidFill>
+          <a:ln>
+            <a:solidFill>
+              <a:schemeClr val="bg1"/>
+            </a:solidFill>
+          </a:ln>
+          <a:effectLst>
+            <a:outerShdw blurRad="609600" dist="177800" dir="5400000" algn="t" rotWithShape="0">
+              <a:schemeClr val="bg2">
+                <a:lumMod val="10000"/>
+                <a:alpha val="11000"/>
+              </a:schemeClr>
+            </a:outerShdw>
+          </a:effectLst>
+        </p:spPr>
+        <p:style>
+          <a:lnRef idx="2">
+            <a:schemeClr val="accent1">
+              <a:shade val="50000"/>
+            </a:schemeClr>
+          </a:lnRef>
+          <a:fillRef idx="1">
+            <a:schemeClr val="accent1"/>
+          </a:fillRef>
+          <a:effectRef idx="0">
+            <a:schemeClr val="accent1"/>
+          </a:effectRef>
+          <a:fontRef idx="minor">
+            <a:schemeClr val="lt1"/>
+          </a:fontRef>
+        </p:style>
+        <p:txBody>
+          <a:bodyPr rtlCol="0" anchor="ctr"/>
+          <a:lstStyle/>
+          <a:p>
+            <a:pPr algn="ctr"/>
+            <a:r>
+              <a:rPr lang="en-US" sz="3600" b="1">
+                <a:solidFill>
+                  <a:srgbClr val="445469"/>
+                </a:solidFill>
+              </a:rPr>
+              <a:t>NV xử lí đ</a:t>
+            </a:r>
+            <a:r>
+              <a:rPr lang="vi-VN" sz="3600" b="1">
+                <a:solidFill>
+                  <a:srgbClr val="445469"/>
+                </a:solidFill>
+              </a:rPr>
+              <a:t>ơ</a:t>
+            </a:r>
+            <a:r>
+              <a:rPr lang="en-US" sz="3600" b="1">
+                <a:solidFill>
+                  <a:srgbClr val="445469"/>
+                </a:solidFill>
+              </a:rPr>
+              <a:t>n hàng</a:t>
+            </a:r>
+          </a:p>
+        </p:txBody>
+      </p:sp>
+      <p:sp>
+        <p:nvSpPr>
+          <p:cNvPr id="24" name="Rectangle: Rounded Corners 23">
+            <a:extLst>
+              <a:ext uri="{FF2B5EF4-FFF2-40B4-BE49-F238E27FC236}">
+                <a16:creationId xmlns:a16="http://schemas.microsoft.com/office/drawing/2014/main" id="{B9EE296D-DBBD-4ADB-8E66-E28CD604A57A}"/>
+              </a:ext>
+            </a:extLst>
+          </p:cNvPr>
+          <p:cNvSpPr/>
+          <p:nvPr/>
+        </p:nvSpPr>
+        <p:spPr>
+          <a:xfrm>
+            <a:off x="11195275" y="7051290"/>
+            <a:ext cx="4798662" cy="1986005"/>
+          </a:xfrm>
+          <a:prstGeom prst="roundRect">
+            <a:avLst/>
+          </a:prstGeom>
+          <a:solidFill>
+            <a:schemeClr val="bg1"/>
+          </a:solidFill>
+          <a:ln>
+            <a:solidFill>
+              <a:schemeClr val="bg1"/>
+            </a:solidFill>
+          </a:ln>
+          <a:effectLst>
+            <a:outerShdw blurRad="609600" dist="177800" dir="5400000" algn="t" rotWithShape="0">
+              <a:schemeClr val="bg2">
+                <a:lumMod val="10000"/>
+                <a:alpha val="11000"/>
+              </a:schemeClr>
+            </a:outerShdw>
+          </a:effectLst>
+        </p:spPr>
+        <p:style>
+          <a:lnRef idx="2">
+            <a:schemeClr val="accent1">
+              <a:shade val="50000"/>
+            </a:schemeClr>
+          </a:lnRef>
+          <a:fillRef idx="1">
+            <a:schemeClr val="accent1"/>
+          </a:fillRef>
+          <a:effectRef idx="0">
+            <a:schemeClr val="accent1"/>
+          </a:effectRef>
+          <a:fontRef idx="minor">
+            <a:schemeClr val="lt1"/>
+          </a:fontRef>
+        </p:style>
+        <p:txBody>
+          <a:bodyPr rtlCol="0" anchor="ctr"/>
+          <a:lstStyle/>
+          <a:p>
+            <a:pPr algn="ctr"/>
+            <a:r>
+              <a:rPr lang="en-US" sz="3600" b="1">
+                <a:solidFill>
+                  <a:srgbClr val="445469"/>
+                </a:solidFill>
+              </a:rPr>
+              <a:t>NV giao và nhận quần áo</a:t>
+            </a:r>
+          </a:p>
+        </p:txBody>
+      </p:sp>
+      <p:cxnSp>
+        <p:nvCxnSpPr>
+          <p:cNvPr id="5" name="Straight Arrow Connector 4">
+            <a:extLst>
+              <a:ext uri="{FF2B5EF4-FFF2-40B4-BE49-F238E27FC236}">
+                <a16:creationId xmlns:a16="http://schemas.microsoft.com/office/drawing/2014/main" id="{86C6AB18-D5D3-4ACB-88F4-F5CEF6B0F8A6}"/>
+              </a:ext>
+            </a:extLst>
+          </p:cNvPr>
+          <p:cNvCxnSpPr>
+            <a:stCxn id="19" idx="3"/>
+            <a:endCxn id="22" idx="1"/>
+          </p:cNvCxnSpPr>
+          <p:nvPr/>
+        </p:nvCxnSpPr>
+        <p:spPr>
+          <a:xfrm flipV="1">
+            <a:off x="6647835" y="3485995"/>
+            <a:ext cx="4547440" cy="2185714"/>
+          </a:xfrm>
+          <a:prstGeom prst="straightConnector1">
+            <a:avLst/>
+          </a:prstGeom>
+          <a:ln w="57150">
+            <a:tailEnd type="triangle"/>
+          </a:ln>
+        </p:spPr>
+        <p:style>
+          <a:lnRef idx="1">
+            <a:schemeClr val="accent1"/>
+          </a:lnRef>
+          <a:fillRef idx="0">
+            <a:schemeClr val="accent1"/>
+          </a:fillRef>
+          <a:effectRef idx="0">
+            <a:schemeClr val="accent1"/>
+          </a:effectRef>
+          <a:fontRef idx="minor">
+            <a:schemeClr val="tx1"/>
+          </a:fontRef>
+        </p:style>
+      </p:cxnSp>
+      <p:cxnSp>
+        <p:nvCxnSpPr>
+          <p:cNvPr id="9" name="Straight Arrow Connector 8">
+            <a:extLst>
+              <a:ext uri="{FF2B5EF4-FFF2-40B4-BE49-F238E27FC236}">
+                <a16:creationId xmlns:a16="http://schemas.microsoft.com/office/drawing/2014/main" id="{D0207B9D-F3D7-4537-B7CA-212F26134F89}"/>
+              </a:ext>
+            </a:extLst>
+          </p:cNvPr>
+          <p:cNvCxnSpPr>
+            <a:stCxn id="19" idx="3"/>
+            <a:endCxn id="23" idx="1"/>
+          </p:cNvCxnSpPr>
+          <p:nvPr/>
+        </p:nvCxnSpPr>
+        <p:spPr>
+          <a:xfrm>
+            <a:off x="6647835" y="5671709"/>
+            <a:ext cx="4547440" cy="0"/>
+          </a:xfrm>
+          <a:prstGeom prst="straightConnector1">
+            <a:avLst/>
+          </a:prstGeom>
+          <a:ln w="57150">
+            <a:tailEnd type="triangle"/>
+          </a:ln>
+        </p:spPr>
+        <p:style>
+          <a:lnRef idx="1">
+            <a:schemeClr val="accent1"/>
+          </a:lnRef>
+          <a:fillRef idx="0">
+            <a:schemeClr val="accent1"/>
+          </a:fillRef>
+          <a:effectRef idx="0">
+            <a:schemeClr val="accent1"/>
+          </a:effectRef>
+          <a:fontRef idx="minor">
+            <a:schemeClr val="tx1"/>
+          </a:fontRef>
+        </p:style>
+      </p:cxnSp>
+      <p:cxnSp>
+        <p:nvCxnSpPr>
+          <p:cNvPr id="11" name="Straight Arrow Connector 10">
+            <a:extLst>
+              <a:ext uri="{FF2B5EF4-FFF2-40B4-BE49-F238E27FC236}">
+                <a16:creationId xmlns:a16="http://schemas.microsoft.com/office/drawing/2014/main" id="{DDE756B4-7983-456A-B869-9E1235CA6881}"/>
+              </a:ext>
+            </a:extLst>
+          </p:cNvPr>
+          <p:cNvCxnSpPr>
+            <a:stCxn id="19" idx="3"/>
+            <a:endCxn id="24" idx="1"/>
+          </p:cNvCxnSpPr>
+          <p:nvPr/>
+        </p:nvCxnSpPr>
+        <p:spPr>
+          <a:xfrm>
+            <a:off x="6647835" y="5671709"/>
+            <a:ext cx="4547440" cy="2372584"/>
+          </a:xfrm>
+          <a:prstGeom prst="straightConnector1">
+            <a:avLst/>
+          </a:prstGeom>
+          <a:ln w="57150">
+            <a:tailEnd type="triangle"/>
+          </a:ln>
+        </p:spPr>
+        <p:style>
+          <a:lnRef idx="1">
+            <a:schemeClr val="accent1"/>
+          </a:lnRef>
+          <a:fillRef idx="0">
+            <a:schemeClr val="accent1"/>
+          </a:fillRef>
+          <a:effectRef idx="0">
+            <a:schemeClr val="accent1"/>
+          </a:effectRef>
+          <a:fontRef idx="minor">
+            <a:schemeClr val="tx1"/>
+          </a:fontRef>
+        </p:style>
+      </p:cxnSp>
+    </p:spTree>
+    <p:extLst>
+      <p:ext uri="{BB962C8B-B14F-4D97-AF65-F5344CB8AC3E}">
+        <p14:creationId xmlns:p14="http://schemas.microsoft.com/office/powerpoint/2010/main" val="1153176184"/>
+      </p:ext>
+    </p:extLst>
+  </p:cSld>
+  <p:clrMapOvr>
+    <a:masterClrMapping/>
+  </p:clrMapOvr>
+  <p:transition spd="slow">
+    <p:cover/>
+  </p:transition>
+</p:sld>
+</file>
+
+<file path=ppt/slides/slide14.xml><?xml version="1.0" encoding="utf-8"?>
+<p:sld xmlns:a="http://schemas.openxmlformats.org/drawingml/2006/main" xmlns:r="http://schemas.openxmlformats.org/officeDocument/2006/relationships" xmlns:p="http://schemas.openxmlformats.org/presentationml/2006/main">
+  <p:cSld>
+    <p:spTree>
+      <p:nvGrpSpPr>
+        <p:cNvPr id="1" name=""/>
+        <p:cNvGrpSpPr/>
+        <p:nvPr/>
+      </p:nvGrpSpPr>
+      <p:grpSpPr>
+        <a:xfrm>
+          <a:off x="0" y="0"/>
+          <a:ext cx="0" cy="0"/>
+          <a:chOff x="0" y="0"/>
+          <a:chExt cx="0" cy="0"/>
+        </a:xfrm>
+      </p:grpSpPr>
+      <p:sp>
+        <p:nvSpPr>
           <p:cNvPr id="4" name="TextBox 3">
             <a:extLst>
               <a:ext uri="{FF2B5EF4-FFF2-40B4-BE49-F238E27FC236}">
@@ -6938,7 +9220,7 @@
         <p:spPr bwMode="auto">
           <a:xfrm>
             <a:off x="884904" y="1856604"/>
-            <a:ext cx="17108128" cy="9529151"/>
+            <a:ext cx="17108128" cy="9794622"/>
           </a:xfrm>
           <a:prstGeom prst="rect">
             <a:avLst/>
@@ -6965,7 +9247,7 @@
 </p:sld>
 </file>
 
-<file path=ppt/slides/slide11.xml><?xml version="1.0" encoding="utf-8"?>
+<file path=ppt/slides/slide15.xml><?xml version="1.0" encoding="utf-8"?>
 <p:sld xmlns:a="http://schemas.openxmlformats.org/drawingml/2006/main" xmlns:r="http://schemas.openxmlformats.org/officeDocument/2006/relationships" xmlns:p="http://schemas.openxmlformats.org/presentationml/2006/main">
   <p:cSld>
     <p:spTree>
@@ -7104,7 +9386,7 @@
 </p:sld>
 </file>
 
-<file path=ppt/slides/slide12.xml><?xml version="1.0" encoding="utf-8"?>
+<file path=ppt/slides/slide16.xml><?xml version="1.0" encoding="utf-8"?>
 <p:sld xmlns:a="http://schemas.openxmlformats.org/drawingml/2006/main" xmlns:r="http://schemas.openxmlformats.org/officeDocument/2006/relationships" xmlns:p="http://schemas.openxmlformats.org/presentationml/2006/main">
   <p:cSld>
     <p:spTree>
@@ -7275,7 +9557,7 @@
         <p:spPr>
           <a:xfrm>
             <a:off x="1077685" y="4389959"/>
-            <a:ext cx="16132629" cy="4708981"/>
+            <a:ext cx="16132629" cy="5447645"/>
           </a:xfrm>
           <a:prstGeom prst="rect">
             <a:avLst/>
@@ -7366,7 +9648,21 @@
                 <a:latin typeface="Calibri" panose="020F0502020204030204" pitchFamily="34" charset="0"/>
                 <a:cs typeface="Calibri" panose="020F0502020204030204" pitchFamily="34" charset="0"/>
               </a:rPr>
-              <a:t> GraphQL, ReactJS.</a:t>
+              <a:t> GraphQL, ReactJS</a:t>
+            </a:r>
+            <a:r>
+              <a:rPr lang="en-US" sz="4800">
+                <a:latin typeface="Calibri" panose="020F0502020204030204" pitchFamily="34" charset="0"/>
+                <a:cs typeface="Calibri" panose="020F0502020204030204" pitchFamily="34" charset="0"/>
+              </a:rPr>
+              <a:t>, PostgreSQL, Postgraphile, Apollo Client</a:t>
+            </a:r>
+            <a:r>
+              <a:rPr lang="vi-VN" sz="4800">
+                <a:latin typeface="Calibri" panose="020F0502020204030204" pitchFamily="34" charset="0"/>
+                <a:cs typeface="Calibri" panose="020F0502020204030204" pitchFamily="34" charset="0"/>
+              </a:rPr>
+              <a:t>.</a:t>
             </a:r>
           </a:p>
           <a:p>
@@ -7417,7 +9713,7 @@
 </p:sld>
 </file>
 
-<file path=ppt/slides/slide13.xml><?xml version="1.0" encoding="utf-8"?>
+<file path=ppt/slides/slide17.xml><?xml version="1.0" encoding="utf-8"?>
 <p:sld xmlns:a="http://schemas.openxmlformats.org/drawingml/2006/main" xmlns:r="http://schemas.openxmlformats.org/officeDocument/2006/relationships" xmlns:p="http://schemas.openxmlformats.org/presentationml/2006/main">
   <p:cSld>
     <p:spTree>
@@ -7579,10 +9875,10 @@
         </p:nvGrpSpPr>
         <p:grpSpPr>
           <a:xfrm>
-            <a:off x="4424516" y="5843750"/>
+            <a:off x="4710028" y="4029150"/>
             <a:ext cx="9511087" cy="3521072"/>
-            <a:chOff x="1998036" y="3383399"/>
-            <a:chExt cx="14291928" cy="5784759"/>
+            <a:chOff x="1998035" y="3383399"/>
+            <a:chExt cx="14291929" cy="5784759"/>
           </a:xfrm>
         </p:grpSpPr>
         <p:grpSp>
@@ -7599,10 +9895,10 @@
           </p:nvGrpSpPr>
           <p:grpSpPr>
             <a:xfrm>
-              <a:off x="1998036" y="3383399"/>
-              <a:ext cx="2986919" cy="5784759"/>
-              <a:chOff x="2351314" y="2939143"/>
-              <a:chExt cx="3020786" cy="5388428"/>
+              <a:off x="1998035" y="3383399"/>
+              <a:ext cx="2986918" cy="5784759"/>
+              <a:chOff x="2351313" y="2939143"/>
+              <a:chExt cx="3020785" cy="5388428"/>
             </a:xfrm>
           </p:grpSpPr>
           <p:grpSp>
@@ -7619,10 +9915,10 @@
             </p:nvGrpSpPr>
             <p:grpSpPr>
               <a:xfrm>
-                <a:off x="2351314" y="2939143"/>
-                <a:ext cx="3020786" cy="5388428"/>
-                <a:chOff x="2351314" y="2939143"/>
-                <a:chExt cx="3020786" cy="5388428"/>
+                <a:off x="2351313" y="2939143"/>
+                <a:ext cx="3020785" cy="5388428"/>
+                <a:chOff x="2351313" y="2939143"/>
+                <a:chExt cx="3020785" cy="5388428"/>
               </a:xfrm>
             </p:grpSpPr>
             <p:grpSp>
@@ -7639,10 +9935,10 @@
               </p:nvGrpSpPr>
               <p:grpSpPr>
                 <a:xfrm>
-                  <a:off x="2351314" y="2939143"/>
-                  <a:ext cx="3020786" cy="5388428"/>
-                  <a:chOff x="2351314" y="2939143"/>
-                  <a:chExt cx="3020786" cy="5388428"/>
+                  <a:off x="2351313" y="2939143"/>
+                  <a:ext cx="3020785" cy="5388428"/>
+                  <a:chOff x="2351313" y="2939143"/>
+                  <a:chExt cx="3020785" cy="5388428"/>
                 </a:xfrm>
               </p:grpSpPr>
               <p:sp>
@@ -7659,8 +9955,8 @@
                 </p:nvSpPr>
                 <p:spPr>
                   <a:xfrm>
-                    <a:off x="2351314" y="2939143"/>
-                    <a:ext cx="3020786" cy="5388428"/>
+                    <a:off x="2351313" y="2939143"/>
+                    <a:ext cx="3020785" cy="5388428"/>
                   </a:xfrm>
                   <a:prstGeom prst="roundRect">
                     <a:avLst/>
@@ -8710,7 +11006,7 @@
         </p:nvSpPr>
         <p:spPr>
           <a:xfrm>
-            <a:off x="2890684" y="3303639"/>
+            <a:off x="1419439" y="2476619"/>
             <a:ext cx="11680722" cy="923330"/>
           </a:xfrm>
           <a:prstGeom prst="rect">
@@ -8735,1081 +11031,6 @@
     <p:extLst>
       <p:ext uri="{BB962C8B-B14F-4D97-AF65-F5344CB8AC3E}">
         <p14:creationId xmlns:p14="http://schemas.microsoft.com/office/powerpoint/2010/main" val="441616516"/>
-      </p:ext>
-    </p:extLst>
-  </p:cSld>
-  <p:clrMapOvr>
-    <a:masterClrMapping/>
-  </p:clrMapOvr>
-</p:sld>
-</file>
-
-<file path=ppt/slides/slide14.xml><?xml version="1.0" encoding="utf-8"?>
-<p:sld xmlns:a="http://schemas.openxmlformats.org/drawingml/2006/main" xmlns:r="http://schemas.openxmlformats.org/officeDocument/2006/relationships" xmlns:p="http://schemas.openxmlformats.org/presentationml/2006/main">
-  <p:cSld>
-    <p:spTree>
-      <p:nvGrpSpPr>
-        <p:cNvPr id="1" name=""/>
-        <p:cNvGrpSpPr/>
-        <p:nvPr/>
-      </p:nvGrpSpPr>
-      <p:grpSpPr>
-        <a:xfrm>
-          <a:off x="0" y="0"/>
-          <a:ext cx="0" cy="0"/>
-          <a:chOff x="0" y="0"/>
-          <a:chExt cx="0" cy="0"/>
-        </a:xfrm>
-      </p:grpSpPr>
-      <p:sp>
-        <p:nvSpPr>
-          <p:cNvPr id="4" name="TextBox 3">
-            <a:extLst>
-              <a:ext uri="{FF2B5EF4-FFF2-40B4-BE49-F238E27FC236}">
-                <a16:creationId xmlns:a16="http://schemas.microsoft.com/office/drawing/2014/main" id="{349FF29F-A1A2-420F-9295-9A4444567665}"/>
-              </a:ext>
-            </a:extLst>
-          </p:cNvPr>
-          <p:cNvSpPr txBox="1"/>
-          <p:nvPr/>
-        </p:nvSpPr>
-        <p:spPr>
-          <a:xfrm>
-            <a:off x="5460319" y="771688"/>
-            <a:ext cx="8134287" cy="1084916"/>
-          </a:xfrm>
-          <a:prstGeom prst="rect">
-            <a:avLst/>
-          </a:prstGeom>
-          <a:noFill/>
-        </p:spPr>
-        <p:txBody>
-          <a:bodyPr wrap="square" lIns="68584" tIns="34292" rIns="68584" bIns="34292" rtlCol="0">
-            <a:spAutoFit/>
-          </a:bodyPr>
-          <a:lstStyle/>
-          <a:p>
-            <a:pPr algn="ctr"/>
-            <a:r>
-              <a:rPr lang="en-US" sz="6600" b="1">
-                <a:solidFill>
-                  <a:srgbClr val="445469"/>
-                </a:solidFill>
-                <a:latin typeface="Lato Heavy" charset="0"/>
-                <a:ea typeface="Lato Heavy" charset="0"/>
-                <a:cs typeface="Lato Heavy" charset="0"/>
-              </a:rPr>
-              <a:t>Hạn chế</a:t>
-            </a:r>
-            <a:endParaRPr lang="id-ID" sz="5401" b="1">
-              <a:solidFill>
-                <a:srgbClr val="445469"/>
-              </a:solidFill>
-              <a:latin typeface="Lato Heavy" charset="0"/>
-              <a:ea typeface="Lato Heavy" charset="0"/>
-              <a:cs typeface="Lato Heavy" charset="0"/>
-            </a:endParaRPr>
-          </a:p>
-        </p:txBody>
-      </p:sp>
-      <p:sp>
-        <p:nvSpPr>
-          <p:cNvPr id="6" name="Date Placeholder 5">
-            <a:extLst>
-              <a:ext uri="{FF2B5EF4-FFF2-40B4-BE49-F238E27FC236}">
-                <a16:creationId xmlns:a16="http://schemas.microsoft.com/office/drawing/2014/main" id="{4DB1461A-FAF4-43D8-BD39-E67D9CFFDF54}"/>
-              </a:ext>
-            </a:extLst>
-          </p:cNvPr>
-          <p:cNvSpPr>
-            <a:spLocks noGrp="1"/>
-          </p:cNvSpPr>
-          <p:nvPr>
-            <p:ph type="dt" sz="half" idx="10"/>
-          </p:nvPr>
-        </p:nvSpPr>
-        <p:spPr/>
-        <p:txBody>
-          <a:bodyPr/>
-          <a:lstStyle/>
-          <a:p>
-            <a:fld id="{709911FB-7FF4-4A6D-8311-6EBC18597EB4}" type="datetime1">
-              <a:rPr lang="en-US" smtClean="0">
-                <a:solidFill>
-                  <a:schemeClr val="bg1"/>
-                </a:solidFill>
-              </a:rPr>
-              <a:t>12/5/2018</a:t>
-            </a:fld>
-            <a:endParaRPr lang="en-US">
-              <a:solidFill>
-                <a:schemeClr val="bg1"/>
-              </a:solidFill>
-            </a:endParaRPr>
-          </a:p>
-        </p:txBody>
-      </p:sp>
-      <p:sp>
-        <p:nvSpPr>
-          <p:cNvPr id="7" name="Footer Placeholder 6">
-            <a:extLst>
-              <a:ext uri="{FF2B5EF4-FFF2-40B4-BE49-F238E27FC236}">
-                <a16:creationId xmlns:a16="http://schemas.microsoft.com/office/drawing/2014/main" id="{754D3DE7-1D0F-49BF-8DB3-87320527AB40}"/>
-              </a:ext>
-            </a:extLst>
-          </p:cNvPr>
-          <p:cNvSpPr>
-            <a:spLocks noGrp="1"/>
-          </p:cNvSpPr>
-          <p:nvPr>
-            <p:ph type="ftr" sz="quarter" idx="11"/>
-          </p:nvPr>
-        </p:nvSpPr>
-        <p:spPr/>
-        <p:txBody>
-          <a:bodyPr/>
-          <a:lstStyle/>
-          <a:p>
-            <a:pPr algn="ctr"/>
-            <a:r>
-              <a:rPr lang="en-US"/>
-              <a:t>Hệ thống quản lí chuỗi cửa hàng giặt ủi</a:t>
-            </a:r>
-          </a:p>
-        </p:txBody>
-      </p:sp>
-      <p:sp>
-        <p:nvSpPr>
-          <p:cNvPr id="8" name="TextBox 7">
-            <a:extLst>
-              <a:ext uri="{FF2B5EF4-FFF2-40B4-BE49-F238E27FC236}">
-                <a16:creationId xmlns:a16="http://schemas.microsoft.com/office/drawing/2014/main" id="{270D97FE-8B67-4F90-82B8-443323BA1946}"/>
-              </a:ext>
-            </a:extLst>
-          </p:cNvPr>
-          <p:cNvSpPr txBox="1"/>
-          <p:nvPr/>
-        </p:nvSpPr>
-        <p:spPr>
-          <a:xfrm>
-            <a:off x="1077685" y="4389959"/>
-            <a:ext cx="16132629" cy="4708981"/>
-          </a:xfrm>
-          <a:prstGeom prst="rect">
-            <a:avLst/>
-          </a:prstGeom>
-          <a:noFill/>
-        </p:spPr>
-        <p:txBody>
-          <a:bodyPr wrap="square" rtlCol="0">
-            <a:spAutoFit/>
-          </a:bodyPr>
-          <a:lstStyle/>
-          <a:p>
-            <a:pPr marL="2351088" lvl="3" indent="-979488">
-              <a:spcBef>
-                <a:spcPts val="1200"/>
-              </a:spcBef>
-              <a:spcAft>
-                <a:spcPts val="1200"/>
-              </a:spcAft>
-              <a:buFont typeface="Courier New" panose="02070309020205020404" pitchFamily="49" charset="0"/>
-              <a:buChar char="o"/>
-            </a:pPr>
-            <a:r>
-              <a:rPr lang="vi-VN" sz="4800">
-                <a:latin typeface="Calibri" panose="020F0502020204030204" pitchFamily="34" charset="0"/>
-                <a:cs typeface="Calibri" panose="020F0502020204030204" pitchFamily="34" charset="0"/>
-              </a:rPr>
-              <a:t>Bổ sung các kiến thức về phân tích, thiết kế phần mềm.</a:t>
-            </a:r>
-            <a:endParaRPr lang="en-US" sz="4800">
-              <a:latin typeface="Calibri" panose="020F0502020204030204" pitchFamily="34" charset="0"/>
-              <a:cs typeface="Calibri" panose="020F0502020204030204" pitchFamily="34" charset="0"/>
-            </a:endParaRPr>
-          </a:p>
-          <a:p>
-            <a:pPr marL="2351088" lvl="3" indent="-979488">
-              <a:spcBef>
-                <a:spcPts val="1200"/>
-              </a:spcBef>
-              <a:spcAft>
-                <a:spcPts val="1200"/>
-              </a:spcAft>
-              <a:buFont typeface="Courier New" panose="02070309020205020404" pitchFamily="49" charset="0"/>
-              <a:buChar char="o"/>
-            </a:pPr>
-            <a:r>
-              <a:rPr lang="vi-VN" sz="4800">
-                <a:latin typeface="Calibri" panose="020F0502020204030204" pitchFamily="34" charset="0"/>
-                <a:cs typeface="Calibri" panose="020F0502020204030204" pitchFamily="34" charset="0"/>
-              </a:rPr>
-              <a:t>Củng cố các kiến thức về lập trình</a:t>
-            </a:r>
-            <a:r>
-              <a:rPr lang="en-US" sz="4800">
-                <a:latin typeface="Calibri" panose="020F0502020204030204" pitchFamily="34" charset="0"/>
-                <a:cs typeface="Calibri" panose="020F0502020204030204" pitchFamily="34" charset="0"/>
-              </a:rPr>
-              <a:t>.</a:t>
-            </a:r>
-          </a:p>
-          <a:p>
-            <a:pPr marL="2351088" lvl="3" indent="-979488">
-              <a:spcBef>
-                <a:spcPts val="1200"/>
-              </a:spcBef>
-              <a:spcAft>
-                <a:spcPts val="1200"/>
-              </a:spcAft>
-              <a:buFont typeface="Courier New" panose="02070309020205020404" pitchFamily="49" charset="0"/>
-              <a:buChar char="o"/>
-            </a:pPr>
-            <a:r>
-              <a:rPr lang="vi-VN" sz="4800">
-                <a:latin typeface="Calibri" panose="020F0502020204030204" pitchFamily="34" charset="0"/>
-                <a:cs typeface="Calibri" panose="020F0502020204030204" pitchFamily="34" charset="0"/>
-              </a:rPr>
-              <a:t>Bổ sung các kiến thức mới</a:t>
-            </a:r>
-            <a:r>
-              <a:rPr lang="en-US" sz="4800">
-                <a:latin typeface="Calibri" panose="020F0502020204030204" pitchFamily="34" charset="0"/>
-                <a:cs typeface="Calibri" panose="020F0502020204030204" pitchFamily="34" charset="0"/>
-              </a:rPr>
-              <a:t>:</a:t>
-            </a:r>
-            <a:r>
-              <a:rPr lang="vi-VN" sz="4800">
-                <a:latin typeface="Calibri" panose="020F0502020204030204" pitchFamily="34" charset="0"/>
-                <a:cs typeface="Calibri" panose="020F0502020204030204" pitchFamily="34" charset="0"/>
-              </a:rPr>
-              <a:t> GraphQL, ReactJS.</a:t>
-            </a:r>
-          </a:p>
-          <a:p>
-            <a:pPr marL="2351088" lvl="3" indent="-979488">
-              <a:spcBef>
-                <a:spcPts val="1200"/>
-              </a:spcBef>
-              <a:spcAft>
-                <a:spcPts val="1200"/>
-              </a:spcAft>
-              <a:buFont typeface="Courier New" panose="02070309020205020404" pitchFamily="49" charset="0"/>
-              <a:buChar char="o"/>
-            </a:pPr>
-            <a:r>
-              <a:rPr lang="vi-VN" sz="4800">
-                <a:latin typeface="Calibri" panose="020F0502020204030204" pitchFamily="34" charset="0"/>
-                <a:cs typeface="Calibri" panose="020F0502020204030204" pitchFamily="34" charset="0"/>
-              </a:rPr>
-              <a:t>Áp dụng được giải thuật hàng đợi nhiều trạm phục v</a:t>
-            </a:r>
-            <a:r>
-              <a:rPr lang="en-US" sz="4800">
-                <a:latin typeface="Calibri" panose="020F0502020204030204" pitchFamily="34" charset="0"/>
-                <a:cs typeface="Calibri" panose="020F0502020204030204" pitchFamily="34" charset="0"/>
-              </a:rPr>
-              <a:t>ụ.</a:t>
-            </a:r>
-            <a:endParaRPr lang="vi-VN" sz="4800">
-              <a:latin typeface="Calibri" panose="020F0502020204030204" pitchFamily="34" charset="0"/>
-              <a:cs typeface="Calibri" panose="020F0502020204030204" pitchFamily="34" charset="0"/>
-            </a:endParaRPr>
-          </a:p>
-        </p:txBody>
-      </p:sp>
-    </p:spTree>
-    <p:extLst>
-      <p:ext uri="{BB962C8B-B14F-4D97-AF65-F5344CB8AC3E}">
-        <p14:creationId xmlns:p14="http://schemas.microsoft.com/office/powerpoint/2010/main" val="2535588095"/>
-      </p:ext>
-    </p:extLst>
-  </p:cSld>
-  <p:clrMapOvr>
-    <a:masterClrMapping/>
-  </p:clrMapOvr>
-  <p:transition spd="slow">
-    <p:cover/>
-  </p:transition>
-</p:sld>
-</file>
-
-<file path=ppt/slides/slide15.xml><?xml version="1.0" encoding="utf-8"?>
-<p:sld xmlns:a="http://schemas.openxmlformats.org/drawingml/2006/main" xmlns:r="http://schemas.openxmlformats.org/officeDocument/2006/relationships" xmlns:p="http://schemas.openxmlformats.org/presentationml/2006/main">
-  <p:cSld>
-    <p:spTree>
-      <p:nvGrpSpPr>
-        <p:cNvPr id="1" name=""/>
-        <p:cNvGrpSpPr/>
-        <p:nvPr/>
-      </p:nvGrpSpPr>
-      <p:grpSpPr>
-        <a:xfrm>
-          <a:off x="0" y="0"/>
-          <a:ext cx="0" cy="0"/>
-          <a:chOff x="0" y="0"/>
-          <a:chExt cx="0" cy="0"/>
-        </a:xfrm>
-      </p:grpSpPr>
-      <p:sp>
-        <p:nvSpPr>
-          <p:cNvPr id="4" name="Date Placeholder 3">
-            <a:extLst>
-              <a:ext uri="{FF2B5EF4-FFF2-40B4-BE49-F238E27FC236}">
-                <a16:creationId xmlns:a16="http://schemas.microsoft.com/office/drawing/2014/main" id="{05945B43-6D40-4B77-8555-9659A35ABE9C}"/>
-              </a:ext>
-            </a:extLst>
-          </p:cNvPr>
-          <p:cNvSpPr>
-            <a:spLocks noGrp="1"/>
-          </p:cNvSpPr>
-          <p:nvPr>
-            <p:ph type="dt" sz="half" idx="10"/>
-          </p:nvPr>
-        </p:nvSpPr>
-        <p:spPr/>
-        <p:txBody>
-          <a:bodyPr/>
-          <a:lstStyle/>
-          <a:p>
-            <a:fld id="{6A00E282-92F0-4A82-8819-CDE346C69EA7}" type="datetime1">
-              <a:rPr lang="en-US" smtClean="0"/>
-              <a:t>12/5/2018</a:t>
-            </a:fld>
-            <a:endParaRPr lang="en-US"/>
-          </a:p>
-        </p:txBody>
-      </p:sp>
-      <p:sp>
-        <p:nvSpPr>
-          <p:cNvPr id="5" name="Footer Placeholder 4">
-            <a:extLst>
-              <a:ext uri="{FF2B5EF4-FFF2-40B4-BE49-F238E27FC236}">
-                <a16:creationId xmlns:a16="http://schemas.microsoft.com/office/drawing/2014/main" id="{D082DE6A-06E7-4889-B1CE-3A6FBBFBDB54}"/>
-              </a:ext>
-            </a:extLst>
-          </p:cNvPr>
-          <p:cNvSpPr>
-            <a:spLocks noGrp="1"/>
-          </p:cNvSpPr>
-          <p:nvPr>
-            <p:ph type="ftr" sz="quarter" idx="11"/>
-          </p:nvPr>
-        </p:nvSpPr>
-        <p:spPr/>
-        <p:txBody>
-          <a:bodyPr/>
-          <a:lstStyle/>
-          <a:p>
-            <a:pPr algn="ctr"/>
-            <a:r>
-              <a:rPr lang="en-US"/>
-              <a:t>Hệ thống quản lí chuỗi cửa hàng giặt ủi</a:t>
-            </a:r>
-          </a:p>
-        </p:txBody>
-      </p:sp>
-      <p:sp>
-        <p:nvSpPr>
-          <p:cNvPr id="6" name="TextBox 5">
-            <a:extLst>
-              <a:ext uri="{FF2B5EF4-FFF2-40B4-BE49-F238E27FC236}">
-                <a16:creationId xmlns:a16="http://schemas.microsoft.com/office/drawing/2014/main" id="{66FE285B-FEBA-4870-8408-9EBB3F14EA88}"/>
-              </a:ext>
-            </a:extLst>
-          </p:cNvPr>
-          <p:cNvSpPr txBox="1"/>
-          <p:nvPr/>
-        </p:nvSpPr>
-        <p:spPr>
-          <a:xfrm>
-            <a:off x="5460319" y="771688"/>
-            <a:ext cx="8134287" cy="1084916"/>
-          </a:xfrm>
-          <a:prstGeom prst="rect">
-            <a:avLst/>
-          </a:prstGeom>
-          <a:noFill/>
-        </p:spPr>
-        <p:txBody>
-          <a:bodyPr wrap="square" lIns="68584" tIns="34292" rIns="68584" bIns="34292" rtlCol="0">
-            <a:spAutoFit/>
-          </a:bodyPr>
-          <a:lstStyle/>
-          <a:p>
-            <a:pPr algn="ctr"/>
-            <a:r>
-              <a:rPr lang="en-US" sz="6600" b="1">
-                <a:solidFill>
-                  <a:srgbClr val="445469"/>
-                </a:solidFill>
-                <a:latin typeface="Lato Heavy" charset="0"/>
-                <a:ea typeface="Lato Heavy" charset="0"/>
-                <a:cs typeface="Lato Heavy" charset="0"/>
-              </a:rPr>
-              <a:t>H</a:t>
-            </a:r>
-            <a:r>
-              <a:rPr lang="vi-VN" sz="6600" b="1">
-                <a:solidFill>
-                  <a:srgbClr val="445469"/>
-                </a:solidFill>
-                <a:latin typeface="Lato Heavy" charset="0"/>
-                <a:ea typeface="Lato Heavy" charset="0"/>
-                <a:cs typeface="Lato Heavy" charset="0"/>
-              </a:rPr>
-              <a:t>ư</a:t>
-            </a:r>
-            <a:r>
-              <a:rPr lang="en-US" sz="6600" b="1">
-                <a:solidFill>
-                  <a:srgbClr val="445469"/>
-                </a:solidFill>
-                <a:latin typeface="Lato Heavy" charset="0"/>
-                <a:ea typeface="Lato Heavy" charset="0"/>
-                <a:cs typeface="Lato Heavy" charset="0"/>
-              </a:rPr>
-              <a:t>ớng phát triển</a:t>
-            </a:r>
-            <a:endParaRPr lang="id-ID" sz="5401" b="1">
-              <a:solidFill>
-                <a:srgbClr val="445469"/>
-              </a:solidFill>
-              <a:latin typeface="Lato Heavy" charset="0"/>
-              <a:ea typeface="Lato Heavy" charset="0"/>
-              <a:cs typeface="Lato Heavy" charset="0"/>
-            </a:endParaRPr>
-          </a:p>
-        </p:txBody>
-      </p:sp>
-      <p:sp>
-        <p:nvSpPr>
-          <p:cNvPr id="26" name="TextBox 25">
-            <a:extLst>
-              <a:ext uri="{FF2B5EF4-FFF2-40B4-BE49-F238E27FC236}">
-                <a16:creationId xmlns:a16="http://schemas.microsoft.com/office/drawing/2014/main" id="{54A6A8AA-E7D6-4631-8D84-34F657A88134}"/>
-              </a:ext>
-            </a:extLst>
-          </p:cNvPr>
-          <p:cNvSpPr txBox="1"/>
-          <p:nvPr/>
-        </p:nvSpPr>
-        <p:spPr>
-          <a:xfrm>
-            <a:off x="1077685" y="3610957"/>
-            <a:ext cx="16132629" cy="6494085"/>
-          </a:xfrm>
-          <a:prstGeom prst="rect">
-            <a:avLst/>
-          </a:prstGeom>
-          <a:noFill/>
-        </p:spPr>
-        <p:txBody>
-          <a:bodyPr wrap="square" rtlCol="0">
-            <a:spAutoFit/>
-          </a:bodyPr>
-          <a:lstStyle/>
-          <a:p>
-            <a:pPr marL="2351088" lvl="3" indent="-979488" algn="just">
-              <a:spcBef>
-                <a:spcPts val="1200"/>
-              </a:spcBef>
-              <a:spcAft>
-                <a:spcPts val="1200"/>
-              </a:spcAft>
-              <a:buFont typeface="Courier New" panose="02070309020205020404" pitchFamily="49" charset="0"/>
-              <a:buChar char="o"/>
-            </a:pPr>
-            <a:r>
-              <a:rPr lang="vi-VN" sz="4800">
-                <a:latin typeface="Calibri" panose="020F0502020204030204" pitchFamily="34" charset="0"/>
-                <a:cs typeface="Calibri" panose="020F0502020204030204" pitchFamily="34" charset="0"/>
-              </a:rPr>
-              <a:t>Tối ưu hóa</a:t>
-            </a:r>
-            <a:r>
-              <a:rPr lang="en-US" sz="4800">
-                <a:latin typeface="Calibri" panose="020F0502020204030204" pitchFamily="34" charset="0"/>
-                <a:cs typeface="Calibri" panose="020F0502020204030204" pitchFamily="34" charset="0"/>
-              </a:rPr>
-              <a:t> thêm về</a:t>
-            </a:r>
-            <a:r>
-              <a:rPr lang="vi-VN" sz="4800">
-                <a:latin typeface="Calibri" panose="020F0502020204030204" pitchFamily="34" charset="0"/>
-                <a:cs typeface="Calibri" panose="020F0502020204030204" pitchFamily="34" charset="0"/>
-              </a:rPr>
-              <a:t> giao diện.</a:t>
-            </a:r>
-            <a:endParaRPr lang="en-US" sz="4800">
-              <a:latin typeface="Calibri" panose="020F0502020204030204" pitchFamily="34" charset="0"/>
-              <a:cs typeface="Calibri" panose="020F0502020204030204" pitchFamily="34" charset="0"/>
-            </a:endParaRPr>
-          </a:p>
-          <a:p>
-            <a:pPr marL="2351088" lvl="3" indent="-979488" algn="just">
-              <a:spcBef>
-                <a:spcPts val="1200"/>
-              </a:spcBef>
-              <a:spcAft>
-                <a:spcPts val="1200"/>
-              </a:spcAft>
-              <a:buFont typeface="Courier New" panose="02070309020205020404" pitchFamily="49" charset="0"/>
-              <a:buChar char="o"/>
-            </a:pPr>
-            <a:r>
-              <a:rPr lang="vi-VN" sz="4800">
-                <a:latin typeface="Calibri" panose="020F0502020204030204" pitchFamily="34" charset="0"/>
-                <a:cs typeface="Calibri" panose="020F0502020204030204" pitchFamily="34" charset="0"/>
-              </a:rPr>
-              <a:t>Tăng tốc độ xử lí các chức năng</a:t>
-            </a:r>
-          </a:p>
-          <a:p>
-            <a:pPr marL="2351088" lvl="3" indent="-979488" algn="just">
-              <a:spcBef>
-                <a:spcPts val="1200"/>
-              </a:spcBef>
-              <a:spcAft>
-                <a:spcPts val="1200"/>
-              </a:spcAft>
-              <a:buFont typeface="Courier New" panose="02070309020205020404" pitchFamily="49" charset="0"/>
-              <a:buChar char="o"/>
-            </a:pPr>
-            <a:r>
-              <a:rPr lang="vi-VN" sz="4800">
-                <a:latin typeface="Calibri" panose="020F0502020204030204" pitchFamily="34" charset="0"/>
-                <a:cs typeface="Calibri" panose="020F0502020204030204" pitchFamily="34" charset="0"/>
-              </a:rPr>
-              <a:t>Cải thiện giải thuật hàng đợi nhiều trạm phục vụ.</a:t>
-            </a:r>
-          </a:p>
-          <a:p>
-            <a:pPr marL="2351088" lvl="3" indent="-979488" algn="just">
-              <a:spcBef>
-                <a:spcPts val="1200"/>
-              </a:spcBef>
-              <a:spcAft>
-                <a:spcPts val="1200"/>
-              </a:spcAft>
-              <a:buFont typeface="Courier New" panose="02070309020205020404" pitchFamily="49" charset="0"/>
-              <a:buChar char="o"/>
-            </a:pPr>
-            <a:r>
-              <a:rPr lang="vi-VN" sz="4800">
-                <a:latin typeface="Calibri" panose="020F0502020204030204" pitchFamily="34" charset="0"/>
-                <a:cs typeface="Calibri" panose="020F0502020204030204" pitchFamily="34" charset="0"/>
-              </a:rPr>
-              <a:t>Triển khai lên internet.</a:t>
-            </a:r>
-          </a:p>
-          <a:p>
-            <a:pPr marL="2351088" lvl="3" indent="-979488" algn="just">
-              <a:spcBef>
-                <a:spcPts val="1200"/>
-              </a:spcBef>
-              <a:spcAft>
-                <a:spcPts val="1200"/>
-              </a:spcAft>
-              <a:buFont typeface="Courier New" panose="02070309020205020404" pitchFamily="49" charset="0"/>
-              <a:buChar char="o"/>
-            </a:pPr>
-            <a:r>
-              <a:rPr lang="vi-VN" sz="4800">
-                <a:latin typeface="Calibri" panose="020F0502020204030204" pitchFamily="34" charset="0"/>
-                <a:cs typeface="Calibri" panose="020F0502020204030204" pitchFamily="34" charset="0"/>
-              </a:rPr>
-              <a:t>Kết xuất báo cáo thống kê số lượng truy cập, thống kê đơn hàng, thống kê doanh thu theo các tiêu chí khác nhau.</a:t>
-            </a:r>
-          </a:p>
-        </p:txBody>
-      </p:sp>
-    </p:spTree>
-    <p:extLst>
-      <p:ext uri="{BB962C8B-B14F-4D97-AF65-F5344CB8AC3E}">
-        <p14:creationId xmlns:p14="http://schemas.microsoft.com/office/powerpoint/2010/main" val="1004779312"/>
-      </p:ext>
-    </p:extLst>
-  </p:cSld>
-  <p:clrMapOvr>
-    <a:masterClrMapping/>
-  </p:clrMapOvr>
-</p:sld>
-</file>
-
-<file path=ppt/slides/slide16.xml><?xml version="1.0" encoding="utf-8"?>
-<p:sld xmlns:a="http://schemas.openxmlformats.org/drawingml/2006/main" xmlns:r="http://schemas.openxmlformats.org/officeDocument/2006/relationships" xmlns:p="http://schemas.openxmlformats.org/presentationml/2006/main">
-  <p:cSld>
-    <p:spTree>
-      <p:nvGrpSpPr>
-        <p:cNvPr id="1" name=""/>
-        <p:cNvGrpSpPr/>
-        <p:nvPr/>
-      </p:nvGrpSpPr>
-      <p:grpSpPr>
-        <a:xfrm>
-          <a:off x="0" y="0"/>
-          <a:ext cx="0" cy="0"/>
-          <a:chOff x="0" y="0"/>
-          <a:chExt cx="0" cy="0"/>
-        </a:xfrm>
-      </p:grpSpPr>
-      <p:sp>
-        <p:nvSpPr>
-          <p:cNvPr id="4" name="Date Placeholder 3">
-            <a:extLst>
-              <a:ext uri="{FF2B5EF4-FFF2-40B4-BE49-F238E27FC236}">
-                <a16:creationId xmlns:a16="http://schemas.microsoft.com/office/drawing/2014/main" id="{70F460BB-0D36-447E-8FB0-848F364C65BD}"/>
-              </a:ext>
-            </a:extLst>
-          </p:cNvPr>
-          <p:cNvSpPr>
-            <a:spLocks noGrp="1"/>
-          </p:cNvSpPr>
-          <p:nvPr>
-            <p:ph type="dt" sz="half" idx="10"/>
-          </p:nvPr>
-        </p:nvSpPr>
-        <p:spPr/>
-        <p:txBody>
-          <a:bodyPr/>
-          <a:lstStyle/>
-          <a:p>
-            <a:fld id="{26D47124-A094-410F-84C6-37D23F5C65E7}" type="datetime1">
-              <a:rPr lang="en-US" smtClean="0"/>
-              <a:t>12/5/2018</a:t>
-            </a:fld>
-            <a:endParaRPr lang="en-US"/>
-          </a:p>
-        </p:txBody>
-      </p:sp>
-      <p:sp>
-        <p:nvSpPr>
-          <p:cNvPr id="5" name="Footer Placeholder 4">
-            <a:extLst>
-              <a:ext uri="{FF2B5EF4-FFF2-40B4-BE49-F238E27FC236}">
-                <a16:creationId xmlns:a16="http://schemas.microsoft.com/office/drawing/2014/main" id="{F57E6744-A5B3-49E5-B75E-99BEB74567BA}"/>
-              </a:ext>
-            </a:extLst>
-          </p:cNvPr>
-          <p:cNvSpPr>
-            <a:spLocks noGrp="1"/>
-          </p:cNvSpPr>
-          <p:nvPr>
-            <p:ph type="ftr" sz="quarter" idx="11"/>
-          </p:nvPr>
-        </p:nvSpPr>
-        <p:spPr/>
-        <p:txBody>
-          <a:bodyPr/>
-          <a:lstStyle/>
-          <a:p>
-            <a:pPr algn="ctr"/>
-            <a:r>
-              <a:rPr lang="en-US"/>
-              <a:t>Hệ thống quản lí chuỗi cửa hàng giặt ủi</a:t>
-            </a:r>
-          </a:p>
-        </p:txBody>
-      </p:sp>
-      <p:sp>
-        <p:nvSpPr>
-          <p:cNvPr id="6" name="TextBox 5">
-            <a:extLst>
-              <a:ext uri="{FF2B5EF4-FFF2-40B4-BE49-F238E27FC236}">
-                <a16:creationId xmlns:a16="http://schemas.microsoft.com/office/drawing/2014/main" id="{228CC9BB-EB1A-450C-A75F-B65F45F13188}"/>
-              </a:ext>
-            </a:extLst>
-          </p:cNvPr>
-          <p:cNvSpPr txBox="1"/>
-          <p:nvPr/>
-        </p:nvSpPr>
-        <p:spPr>
-          <a:xfrm>
-            <a:off x="4044868" y="5938515"/>
-            <a:ext cx="10198263" cy="1838969"/>
-          </a:xfrm>
-          <a:prstGeom prst="rect">
-            <a:avLst/>
-          </a:prstGeom>
-          <a:noFill/>
-        </p:spPr>
-        <p:txBody>
-          <a:bodyPr wrap="square" lIns="68584" tIns="34292" rIns="68584" bIns="34292" rtlCol="0">
-            <a:spAutoFit/>
-          </a:bodyPr>
-          <a:lstStyle/>
-          <a:p>
-            <a:pPr algn="ctr"/>
-            <a:r>
-              <a:rPr lang="en-US" sz="11500" b="1">
-                <a:solidFill>
-                  <a:srgbClr val="445469"/>
-                </a:solidFill>
-                <a:latin typeface="Lato Heavy" charset="0"/>
-                <a:ea typeface="Lato Heavy" charset="0"/>
-                <a:cs typeface="Lato Heavy" charset="0"/>
-              </a:rPr>
-              <a:t>Demo kết quả</a:t>
-            </a:r>
-            <a:endParaRPr lang="id-ID" sz="8800" b="1">
-              <a:solidFill>
-                <a:srgbClr val="445469"/>
-              </a:solidFill>
-              <a:latin typeface="Lato Heavy" charset="0"/>
-              <a:ea typeface="Lato Heavy" charset="0"/>
-              <a:cs typeface="Lato Heavy" charset="0"/>
-            </a:endParaRPr>
-          </a:p>
-        </p:txBody>
-      </p:sp>
-    </p:spTree>
-    <p:extLst>
-      <p:ext uri="{BB962C8B-B14F-4D97-AF65-F5344CB8AC3E}">
-        <p14:creationId xmlns:p14="http://schemas.microsoft.com/office/powerpoint/2010/main" val="849013338"/>
-      </p:ext>
-    </p:extLst>
-  </p:cSld>
-  <p:clrMapOvr>
-    <a:masterClrMapping/>
-  </p:clrMapOvr>
-</p:sld>
-</file>
-
-<file path=ppt/slides/slide17.xml><?xml version="1.0" encoding="utf-8"?>
-<p:sld xmlns:a="http://schemas.openxmlformats.org/drawingml/2006/main" xmlns:r="http://schemas.openxmlformats.org/officeDocument/2006/relationships" xmlns:p="http://schemas.openxmlformats.org/presentationml/2006/main">
-  <p:cSld>
-    <p:spTree>
-      <p:nvGrpSpPr>
-        <p:cNvPr id="1" name=""/>
-        <p:cNvGrpSpPr/>
-        <p:nvPr/>
-      </p:nvGrpSpPr>
-      <p:grpSpPr>
-        <a:xfrm>
-          <a:off x="0" y="0"/>
-          <a:ext cx="0" cy="0"/>
-          <a:chOff x="0" y="0"/>
-          <a:chExt cx="0" cy="0"/>
-        </a:xfrm>
-      </p:grpSpPr>
-      <p:sp>
-        <p:nvSpPr>
-          <p:cNvPr id="4" name="Date Placeholder 3">
-            <a:extLst>
-              <a:ext uri="{FF2B5EF4-FFF2-40B4-BE49-F238E27FC236}">
-                <a16:creationId xmlns:a16="http://schemas.microsoft.com/office/drawing/2014/main" id="{05945B43-6D40-4B77-8555-9659A35ABE9C}"/>
-              </a:ext>
-            </a:extLst>
-          </p:cNvPr>
-          <p:cNvSpPr>
-            <a:spLocks noGrp="1"/>
-          </p:cNvSpPr>
-          <p:nvPr>
-            <p:ph type="dt" sz="half" idx="10"/>
-          </p:nvPr>
-        </p:nvSpPr>
-        <p:spPr/>
-        <p:txBody>
-          <a:bodyPr/>
-          <a:lstStyle/>
-          <a:p>
-            <a:fld id="{E5507776-E559-40CE-A5D0-38777775A8EB}" type="datetime1">
-              <a:rPr lang="en-US" smtClean="0"/>
-              <a:t>12/5/2018</a:t>
-            </a:fld>
-            <a:endParaRPr lang="en-US"/>
-          </a:p>
-        </p:txBody>
-      </p:sp>
-      <p:sp>
-        <p:nvSpPr>
-          <p:cNvPr id="5" name="Footer Placeholder 4">
-            <a:extLst>
-              <a:ext uri="{FF2B5EF4-FFF2-40B4-BE49-F238E27FC236}">
-                <a16:creationId xmlns:a16="http://schemas.microsoft.com/office/drawing/2014/main" id="{D082DE6A-06E7-4889-B1CE-3A6FBBFBDB54}"/>
-              </a:ext>
-            </a:extLst>
-          </p:cNvPr>
-          <p:cNvSpPr>
-            <a:spLocks noGrp="1"/>
-          </p:cNvSpPr>
-          <p:nvPr>
-            <p:ph type="ftr" sz="quarter" idx="11"/>
-          </p:nvPr>
-        </p:nvSpPr>
-        <p:spPr/>
-        <p:txBody>
-          <a:bodyPr/>
-          <a:lstStyle/>
-          <a:p>
-            <a:pPr algn="ctr"/>
-            <a:r>
-              <a:rPr lang="en-US"/>
-              <a:t>Hệ thống quản lí chuỗi cửa hàng giặt ủi</a:t>
-            </a:r>
-          </a:p>
-        </p:txBody>
-      </p:sp>
-      <p:sp>
-        <p:nvSpPr>
-          <p:cNvPr id="6" name="TextBox 5">
-            <a:extLst>
-              <a:ext uri="{FF2B5EF4-FFF2-40B4-BE49-F238E27FC236}">
-                <a16:creationId xmlns:a16="http://schemas.microsoft.com/office/drawing/2014/main" id="{66FE285B-FEBA-4870-8408-9EBB3F14EA88}"/>
-              </a:ext>
-            </a:extLst>
-          </p:cNvPr>
-          <p:cNvSpPr txBox="1"/>
-          <p:nvPr/>
-        </p:nvSpPr>
-        <p:spPr>
-          <a:xfrm>
-            <a:off x="5460319" y="771688"/>
-            <a:ext cx="8134287" cy="1084916"/>
-          </a:xfrm>
-          <a:prstGeom prst="rect">
-            <a:avLst/>
-          </a:prstGeom>
-          <a:noFill/>
-        </p:spPr>
-        <p:txBody>
-          <a:bodyPr wrap="square" lIns="68584" tIns="34292" rIns="68584" bIns="34292" rtlCol="0">
-            <a:spAutoFit/>
-          </a:bodyPr>
-          <a:lstStyle/>
-          <a:p>
-            <a:pPr algn="ctr"/>
-            <a:r>
-              <a:rPr lang="en-US" sz="6600" b="1">
-                <a:solidFill>
-                  <a:srgbClr val="445469"/>
-                </a:solidFill>
-                <a:latin typeface="Lato Heavy" charset="0"/>
-                <a:ea typeface="Lato Heavy" charset="0"/>
-                <a:cs typeface="Lato Heavy" charset="0"/>
-              </a:rPr>
-              <a:t>Demo kết quả</a:t>
-            </a:r>
-            <a:endParaRPr lang="id-ID" sz="5401" b="1">
-              <a:solidFill>
-                <a:srgbClr val="445469"/>
-              </a:solidFill>
-              <a:latin typeface="Lato Heavy" charset="0"/>
-              <a:ea typeface="Lato Heavy" charset="0"/>
-              <a:cs typeface="Lato Heavy" charset="0"/>
-            </a:endParaRPr>
-          </a:p>
-        </p:txBody>
-      </p:sp>
-      <p:sp>
-        <p:nvSpPr>
-          <p:cNvPr id="26" name="TextBox 25">
-            <a:extLst>
-              <a:ext uri="{FF2B5EF4-FFF2-40B4-BE49-F238E27FC236}">
-                <a16:creationId xmlns:a16="http://schemas.microsoft.com/office/drawing/2014/main" id="{54A6A8AA-E7D6-4631-8D84-34F657A88134}"/>
-              </a:ext>
-            </a:extLst>
-          </p:cNvPr>
-          <p:cNvSpPr txBox="1"/>
-          <p:nvPr/>
-        </p:nvSpPr>
-        <p:spPr>
-          <a:xfrm>
-            <a:off x="1077685" y="4167912"/>
-            <a:ext cx="16132629" cy="5447645"/>
-          </a:xfrm>
-          <a:prstGeom prst="rect">
-            <a:avLst/>
-          </a:prstGeom>
-          <a:noFill/>
-        </p:spPr>
-        <p:txBody>
-          <a:bodyPr wrap="square" rtlCol="0">
-            <a:spAutoFit/>
-          </a:bodyPr>
-          <a:lstStyle/>
-          <a:p>
-            <a:pPr marL="2351088" lvl="3" indent="-979488">
-              <a:spcBef>
-                <a:spcPts val="1200"/>
-              </a:spcBef>
-              <a:spcAft>
-                <a:spcPts val="1200"/>
-              </a:spcAft>
-              <a:buFont typeface="Courier New" panose="02070309020205020404" pitchFamily="49" charset="0"/>
-              <a:buChar char="o"/>
-            </a:pPr>
-            <a:r>
-              <a:rPr lang="en-US" sz="4800">
-                <a:latin typeface="Calibri" panose="020F0502020204030204" pitchFamily="34" charset="0"/>
-                <a:cs typeface="Calibri" panose="020F0502020204030204" pitchFamily="34" charset="0"/>
-              </a:rPr>
-              <a:t>Giới thiệu quá trình xử lí một đ</a:t>
-            </a:r>
-            <a:r>
-              <a:rPr lang="vi-VN" sz="4800">
-                <a:latin typeface="Calibri" panose="020F0502020204030204" pitchFamily="34" charset="0"/>
-                <a:cs typeface="Calibri" panose="020F0502020204030204" pitchFamily="34" charset="0"/>
-              </a:rPr>
-              <a:t>ơ</a:t>
-            </a:r>
-            <a:r>
-              <a:rPr lang="en-US" sz="4800">
-                <a:latin typeface="Calibri" panose="020F0502020204030204" pitchFamily="34" charset="0"/>
-                <a:cs typeface="Calibri" panose="020F0502020204030204" pitchFamily="34" charset="0"/>
-              </a:rPr>
-              <a:t>n hàng bình th</a:t>
-            </a:r>
-            <a:r>
-              <a:rPr lang="vi-VN" sz="4800">
-                <a:latin typeface="Calibri" panose="020F0502020204030204" pitchFamily="34" charset="0"/>
-                <a:cs typeface="Calibri" panose="020F0502020204030204" pitchFamily="34" charset="0"/>
-              </a:rPr>
-              <a:t>ư</a:t>
-            </a:r>
-            <a:r>
-              <a:rPr lang="en-US" sz="4800">
-                <a:latin typeface="Calibri" panose="020F0502020204030204" pitchFamily="34" charset="0"/>
-                <a:cs typeface="Calibri" panose="020F0502020204030204" pitchFamily="34" charset="0"/>
-              </a:rPr>
-              <a:t>ờng.</a:t>
-            </a:r>
-          </a:p>
-          <a:p>
-            <a:pPr marL="2351088" lvl="3" indent="-979488">
-              <a:spcBef>
-                <a:spcPts val="1200"/>
-              </a:spcBef>
-              <a:spcAft>
-                <a:spcPts val="1200"/>
-              </a:spcAft>
-              <a:buFont typeface="Courier New" panose="02070309020205020404" pitchFamily="49" charset="0"/>
-              <a:buChar char="o"/>
-            </a:pPr>
-            <a:r>
-              <a:rPr lang="en-US" sz="4800">
-                <a:latin typeface="Calibri" panose="020F0502020204030204" pitchFamily="34" charset="0"/>
-                <a:cs typeface="Calibri" panose="020F0502020204030204" pitchFamily="34" charset="0"/>
-              </a:rPr>
-              <a:t>Các tr</a:t>
-            </a:r>
-            <a:r>
-              <a:rPr lang="vi-VN" sz="4800">
-                <a:latin typeface="Calibri" panose="020F0502020204030204" pitchFamily="34" charset="0"/>
-                <a:cs typeface="Calibri" panose="020F0502020204030204" pitchFamily="34" charset="0"/>
-              </a:rPr>
-              <a:t>ư</a:t>
-            </a:r>
-            <a:r>
-              <a:rPr lang="en-US" sz="4800">
-                <a:latin typeface="Calibri" panose="020F0502020204030204" pitchFamily="34" charset="0"/>
-                <a:cs typeface="Calibri" panose="020F0502020204030204" pitchFamily="34" charset="0"/>
-              </a:rPr>
-              <a:t>ờng hợp đặc biệt mà hệ thống có thể xử lí:</a:t>
-            </a:r>
-          </a:p>
-          <a:p>
-            <a:pPr marL="4179888" lvl="7" indent="-979488">
-              <a:spcBef>
-                <a:spcPts val="1200"/>
-              </a:spcBef>
-              <a:spcAft>
-                <a:spcPts val="1200"/>
-              </a:spcAft>
-              <a:buFont typeface="Courier New" panose="02070309020205020404" pitchFamily="49" charset="0"/>
-              <a:buChar char="o"/>
-            </a:pPr>
-            <a:r>
-              <a:rPr lang="en-US" sz="4800" b="1">
-                <a:latin typeface="Calibri" panose="020F0502020204030204" pitchFamily="34" charset="0"/>
-                <a:cs typeface="Calibri" panose="020F0502020204030204" pitchFamily="34" charset="0"/>
-              </a:rPr>
-              <a:t>TH1:  </a:t>
-            </a:r>
-            <a:r>
-              <a:rPr lang="en-US" sz="4800">
-                <a:latin typeface="Calibri" panose="020F0502020204030204" pitchFamily="34" charset="0"/>
-                <a:cs typeface="Calibri" panose="020F0502020204030204" pitchFamily="34" charset="0"/>
-              </a:rPr>
-              <a:t>Đơn hàng đ</a:t>
-            </a:r>
-            <a:r>
-              <a:rPr lang="vi-VN" sz="4800">
-                <a:latin typeface="Calibri" panose="020F0502020204030204" pitchFamily="34" charset="0"/>
-                <a:cs typeface="Calibri" panose="020F0502020204030204" pitchFamily="34" charset="0"/>
-              </a:rPr>
-              <a:t>ư</a:t>
-            </a:r>
-            <a:r>
-              <a:rPr lang="en-US" sz="4800">
-                <a:latin typeface="Calibri" panose="020F0502020204030204" pitchFamily="34" charset="0"/>
-                <a:cs typeface="Calibri" panose="020F0502020204030204" pitchFamily="34" charset="0"/>
-              </a:rPr>
-              <a:t>ợc cập nhật khi đang chờ xác nhận.</a:t>
-            </a:r>
-          </a:p>
-          <a:p>
-            <a:pPr marL="4179888" lvl="7" indent="-979488">
-              <a:spcBef>
-                <a:spcPts val="1200"/>
-              </a:spcBef>
-              <a:spcAft>
-                <a:spcPts val="1200"/>
-              </a:spcAft>
-              <a:buFont typeface="Courier New" panose="02070309020205020404" pitchFamily="49" charset="0"/>
-              <a:buChar char="o"/>
-            </a:pPr>
-            <a:r>
-              <a:rPr lang="en-US" sz="4800" b="1">
-                <a:latin typeface="Calibri" panose="020F0502020204030204" pitchFamily="34" charset="0"/>
-                <a:cs typeface="Calibri" panose="020F0502020204030204" pitchFamily="34" charset="0"/>
-              </a:rPr>
-              <a:t>TH2: </a:t>
-            </a:r>
-            <a:r>
-              <a:rPr lang="en-US" sz="4800">
-                <a:latin typeface="Calibri" panose="020F0502020204030204" pitchFamily="34" charset="0"/>
-                <a:cs typeface="Calibri" panose="020F0502020204030204" pitchFamily="34" charset="0"/>
-              </a:rPr>
-              <a:t>Đ</a:t>
-            </a:r>
-            <a:r>
-              <a:rPr lang="vi-VN" sz="4800">
-                <a:latin typeface="Calibri" panose="020F0502020204030204" pitchFamily="34" charset="0"/>
-                <a:cs typeface="Calibri" panose="020F0502020204030204" pitchFamily="34" charset="0"/>
-              </a:rPr>
-              <a:t>ơ</a:t>
-            </a:r>
-            <a:r>
-              <a:rPr lang="en-US" sz="4800">
-                <a:latin typeface="Calibri" panose="020F0502020204030204" pitchFamily="34" charset="0"/>
-                <a:cs typeface="Calibri" panose="020F0502020204030204" pitchFamily="34" charset="0"/>
-              </a:rPr>
-              <a:t>n hàng đang đ</a:t>
-            </a:r>
-            <a:r>
-              <a:rPr lang="vi-VN" sz="4800">
-                <a:latin typeface="Calibri" panose="020F0502020204030204" pitchFamily="34" charset="0"/>
-                <a:cs typeface="Calibri" panose="020F0502020204030204" pitchFamily="34" charset="0"/>
-              </a:rPr>
-              <a:t>ư</a:t>
-            </a:r>
-            <a:r>
-              <a:rPr lang="en-US" sz="4800">
-                <a:latin typeface="Calibri" panose="020F0502020204030204" pitchFamily="34" charset="0"/>
-                <a:cs typeface="Calibri" panose="020F0502020204030204" pitchFamily="34" charset="0"/>
-              </a:rPr>
-              <a:t>ợc xử lí thì máy giặt xảy ra sự cố.</a:t>
-            </a:r>
-          </a:p>
-        </p:txBody>
-      </p:sp>
-    </p:spTree>
-    <p:extLst>
-      <p:ext uri="{BB962C8B-B14F-4D97-AF65-F5344CB8AC3E}">
-        <p14:creationId xmlns:p14="http://schemas.microsoft.com/office/powerpoint/2010/main" val="2306885639"/>
       </p:ext>
     </p:extLst>
   </p:cSld>
@@ -9838,149 +11059,1310 @@
       </p:grpSpPr>
       <p:sp>
         <p:nvSpPr>
-          <p:cNvPr id="21" name="Rectangle 20"/>
-          <p:cNvSpPr>
-            <a:spLocks/>
-          </p:cNvSpPr>
+          <p:cNvPr id="4" name="TextBox 3">
+            <a:extLst>
+              <a:ext uri="{FF2B5EF4-FFF2-40B4-BE49-F238E27FC236}">
+                <a16:creationId xmlns:a16="http://schemas.microsoft.com/office/drawing/2014/main" id="{59C0ACEE-A758-4097-BE68-38919A370F73}"/>
+              </a:ext>
+            </a:extLst>
+          </p:cNvPr>
+          <p:cNvSpPr txBox="1"/>
           <p:nvPr/>
         </p:nvSpPr>
-        <p:spPr bwMode="auto">
+        <p:spPr>
           <a:xfrm>
-            <a:off x="2773680" y="5218567"/>
-            <a:ext cx="13136880" cy="2216632"/>
+            <a:off x="5460319" y="771688"/>
+            <a:ext cx="8134287" cy="1084916"/>
           </a:xfrm>
           <a:prstGeom prst="rect">
             <a:avLst/>
           </a:prstGeom>
           <a:noFill/>
-          <a:ln>
-            <a:noFill/>
-          </a:ln>
-          <a:extLst>
-            <a:ext uri="{909E8E84-426E-40dd-AFC4-6F175D3DCCD1}">
-              <a14:hiddenFill xmlns:a14="http://schemas.microsoft.com/office/drawing/2010/main" xmlns="">
-                <a:solidFill>
-                  <a:srgbClr val="FFFFFF"/>
-                </a:solidFill>
-              </a14:hiddenFill>
-            </a:ext>
-            <a:ext uri="{91240B29-F687-4f45-9708-019B960494DF}">
-              <a14:hiddenLine xmlns:a14="http://schemas.microsoft.com/office/drawing/2010/main" xmlns="" w="12700">
-                <a:solidFill>
-                  <a:schemeClr val="tx1"/>
-                </a:solidFill>
-                <a:miter lim="800000"/>
-                <a:headEnd/>
-                <a:tailEnd/>
-              </a14:hiddenLine>
-            </a:ext>
-          </a:extLst>
         </p:spPr>
         <p:txBody>
-          <a:bodyPr vert="horz" wrap="square" lIns="0" tIns="0" rIns="0" bIns="0" anchor="ctr" anchorCtr="0">
+          <a:bodyPr wrap="square" lIns="68584" tIns="34292" rIns="68584" bIns="34292" rtlCol="0">
             <a:spAutoFit/>
           </a:bodyPr>
           <a:lstStyle/>
           <a:p>
-            <a:pPr algn="ctr" defTabSz="3429743"/>
-            <a:r>
-              <a:rPr lang="en-US" sz="7202" b="1" spc="900">
-                <a:latin typeface="Lato Black" charset="0"/>
-                <a:ea typeface="Lato Black" charset="0"/>
-                <a:cs typeface="Lato Black" charset="0"/>
-                <a:sym typeface="Bebas Neue" charset="0"/>
-              </a:rPr>
-              <a:t>Cảm </a:t>
-            </a:r>
-            <a:r>
-              <a:rPr lang="vi-VN" sz="7202" b="1" spc="900">
-                <a:latin typeface="Lato Black" charset="0"/>
-                <a:ea typeface="Lato Black" charset="0"/>
-                <a:cs typeface="Lato Black" charset="0"/>
-                <a:sym typeface="Bebas Neue" charset="0"/>
-              </a:rPr>
-              <a:t>ơ</a:t>
-            </a:r>
-            <a:r>
-              <a:rPr lang="en-US" sz="7202" b="1" spc="900">
-                <a:latin typeface="Lato Black" charset="0"/>
-                <a:ea typeface="Lato Black" charset="0"/>
-                <a:cs typeface="Lato Black" charset="0"/>
-                <a:sym typeface="Bebas Neue" charset="0"/>
-              </a:rPr>
-              <a:t>n thầy cô và mọi ng</a:t>
-            </a:r>
-            <a:r>
-              <a:rPr lang="vi-VN" sz="7202" b="1" spc="900">
-                <a:latin typeface="Lato Black" charset="0"/>
-                <a:ea typeface="Lato Black" charset="0"/>
-                <a:cs typeface="Lato Black" charset="0"/>
-                <a:sym typeface="Bebas Neue" charset="0"/>
+            <a:pPr algn="ctr"/>
+            <a:r>
+              <a:rPr lang="en-US" sz="6600" b="1">
+                <a:solidFill>
+                  <a:srgbClr val="445469"/>
+                </a:solidFill>
+                <a:latin typeface="Lato Heavy" charset="0"/>
+                <a:ea typeface="Lato Heavy" charset="0"/>
+                <a:cs typeface="Lato Heavy" charset="0"/>
+              </a:rPr>
+              <a:t>Kết quả đạt đ</a:t>
+            </a:r>
+            <a:r>
+              <a:rPr lang="vi-VN" sz="6600" b="1">
+                <a:solidFill>
+                  <a:srgbClr val="445469"/>
+                </a:solidFill>
+                <a:latin typeface="Lato Heavy" charset="0"/>
+                <a:ea typeface="Lato Heavy" charset="0"/>
+                <a:cs typeface="Lato Heavy" charset="0"/>
               </a:rPr>
               <a:t>ư</a:t>
             </a:r>
             <a:r>
-              <a:rPr lang="en-US" sz="7202" b="1" spc="900">
-                <a:latin typeface="Lato Black" charset="0"/>
-                <a:ea typeface="Lato Black" charset="0"/>
-                <a:cs typeface="Lato Black" charset="0"/>
-                <a:sym typeface="Bebas Neue" charset="0"/>
-              </a:rPr>
-              <a:t>ời đã lắng nghe</a:t>
-            </a:r>
-          </a:p>
-        </p:txBody>
-      </p:sp>
-      <p:pic>
-        <p:nvPicPr>
-          <p:cNvPr id="5" name="Graphic 4">
+              <a:rPr lang="en-US" sz="6600" b="1">
+                <a:solidFill>
+                  <a:srgbClr val="445469"/>
+                </a:solidFill>
+                <a:latin typeface="Lato Heavy" charset="0"/>
+                <a:ea typeface="Lato Heavy" charset="0"/>
+                <a:cs typeface="Lato Heavy" charset="0"/>
+              </a:rPr>
+              <a:t>ợc</a:t>
+            </a:r>
+            <a:endParaRPr lang="id-ID" sz="5401" b="1">
+              <a:solidFill>
+                <a:srgbClr val="445469"/>
+              </a:solidFill>
+              <a:latin typeface="Lato Heavy" charset="0"/>
+              <a:ea typeface="Lato Heavy" charset="0"/>
+              <a:cs typeface="Lato Heavy" charset="0"/>
+            </a:endParaRPr>
+          </a:p>
+        </p:txBody>
+      </p:sp>
+      <p:grpSp>
+        <p:nvGrpSpPr>
+          <p:cNvPr id="2" name="Group 1">
             <a:extLst>
               <a:ext uri="{FF2B5EF4-FFF2-40B4-BE49-F238E27FC236}">
-                <a16:creationId xmlns:a16="http://schemas.microsoft.com/office/drawing/2014/main" id="{D36C2E12-C812-48B2-A0EA-89CEC9DCD162}"/>
+                <a16:creationId xmlns:a16="http://schemas.microsoft.com/office/drawing/2014/main" id="{06C789DB-A321-48D5-86D9-7A693C8F2F5E}"/>
               </a:ext>
             </a:extLst>
           </p:cNvPr>
-          <p:cNvPicPr>
-            <a:picLocks noChangeAspect="1"/>
-          </p:cNvPicPr>
+          <p:cNvGrpSpPr/>
           <p:nvPr/>
-        </p:nvPicPr>
-        <p:blipFill>
-          <a:blip r:embed="rId2">
+        </p:nvGrpSpPr>
+        <p:grpSpPr>
+          <a:xfrm>
+            <a:off x="12563056" y="2802194"/>
+            <a:ext cx="4475862" cy="8684125"/>
+            <a:chOff x="4424516" y="5843750"/>
+            <a:chExt cx="1987754" cy="3521072"/>
+          </a:xfrm>
+        </p:grpSpPr>
+        <p:sp>
+          <p:nvSpPr>
+            <p:cNvPr id="20" name="Rectangle: Rounded Corners 19">
+              <a:extLst>
+                <a:ext uri="{FF2B5EF4-FFF2-40B4-BE49-F238E27FC236}">
+                  <a16:creationId xmlns:a16="http://schemas.microsoft.com/office/drawing/2014/main" id="{0E37A231-053D-4F3D-B23B-5AA76904E645}"/>
+                </a:ext>
+              </a:extLst>
+            </p:cNvPr>
+            <p:cNvSpPr/>
+            <p:nvPr/>
+          </p:nvSpPr>
+          <p:spPr>
+            <a:xfrm>
+              <a:off x="4424516" y="5843750"/>
+              <a:ext cx="1987754" cy="3521072"/>
+            </a:xfrm>
+            <a:prstGeom prst="roundRect">
+              <a:avLst>
+                <a:gd name="adj" fmla="val 9663"/>
+              </a:avLst>
+            </a:prstGeom>
+            <a:solidFill>
+              <a:schemeClr val="tx1"/>
+            </a:solidFill>
+            <a:ln>
+              <a:noFill/>
+            </a:ln>
+            <a:effectLst>
+              <a:outerShdw blurRad="355600" dist="88900" dir="5400000" algn="t" rotWithShape="0">
+                <a:schemeClr val="bg2">
+                  <a:lumMod val="50000"/>
+                  <a:alpha val="54000"/>
+                </a:schemeClr>
+              </a:outerShdw>
+            </a:effectLst>
+          </p:spPr>
+          <p:style>
+            <a:lnRef idx="2">
+              <a:schemeClr val="accent1">
+                <a:shade val="50000"/>
+              </a:schemeClr>
+            </a:lnRef>
+            <a:fillRef idx="1">
+              <a:schemeClr val="accent1"/>
+            </a:fillRef>
+            <a:effectRef idx="0">
+              <a:schemeClr val="accent1"/>
+            </a:effectRef>
+            <a:fontRef idx="minor">
+              <a:schemeClr val="lt1"/>
+            </a:fontRef>
+          </p:style>
+          <p:txBody>
+            <a:bodyPr rtlCol="0" anchor="ctr"/>
+            <a:lstStyle/>
+            <a:p>
+              <a:pPr algn="ctr"/>
+              <a:endParaRPr lang="en-US"/>
+            </a:p>
+          </p:txBody>
+        </p:sp>
+        <p:sp>
+          <p:nvSpPr>
+            <p:cNvPr id="22" name="Rectangle: Rounded Corners 21">
+              <a:extLst>
+                <a:ext uri="{FF2B5EF4-FFF2-40B4-BE49-F238E27FC236}">
+                  <a16:creationId xmlns:a16="http://schemas.microsoft.com/office/drawing/2014/main" id="{824A61E0-508A-409F-A022-62EDBDBEE1DC}"/>
+                </a:ext>
+              </a:extLst>
+            </p:cNvPr>
+            <p:cNvSpPr/>
+            <p:nvPr/>
+          </p:nvSpPr>
+          <p:spPr>
+            <a:xfrm>
+              <a:off x="4491670" y="5904361"/>
+              <a:ext cx="1853447" cy="3350232"/>
+            </a:xfrm>
+            <a:prstGeom prst="roundRect">
+              <a:avLst>
+                <a:gd name="adj" fmla="val 5741"/>
+              </a:avLst>
+            </a:prstGeom>
+            <a:blipFill>
+              <a:blip r:embed="rId2"/>
+              <a:stretch>
+                <a:fillRect/>
+              </a:stretch>
+            </a:blipFill>
+            <a:ln>
+              <a:noFill/>
+            </a:ln>
+          </p:spPr>
+          <p:style>
+            <a:lnRef idx="2">
+              <a:schemeClr val="accent1">
+                <a:shade val="50000"/>
+              </a:schemeClr>
+            </a:lnRef>
+            <a:fillRef idx="1">
+              <a:schemeClr val="accent1"/>
+            </a:fillRef>
+            <a:effectRef idx="0">
+              <a:schemeClr val="accent1"/>
+            </a:effectRef>
+            <a:fontRef idx="minor">
+              <a:schemeClr val="lt1"/>
+            </a:fontRef>
+          </p:style>
+          <p:txBody>
+            <a:bodyPr rtlCol="0" anchor="ctr"/>
+            <a:lstStyle/>
+            <a:p>
+              <a:pPr algn="ctr"/>
+              <a:endParaRPr lang="en-US"/>
+            </a:p>
+          </p:txBody>
+        </p:sp>
+        <p:sp>
+          <p:nvSpPr>
+            <p:cNvPr id="23" name="Rectangle: Rounded Corners 22">
+              <a:extLst>
+                <a:ext uri="{FF2B5EF4-FFF2-40B4-BE49-F238E27FC236}">
+                  <a16:creationId xmlns:a16="http://schemas.microsoft.com/office/drawing/2014/main" id="{E37CA849-78FF-4F44-AAAC-B7234C1EDED7}"/>
+                </a:ext>
+              </a:extLst>
+            </p:cNvPr>
+            <p:cNvSpPr/>
+            <p:nvPr/>
+          </p:nvSpPr>
+          <p:spPr>
+            <a:xfrm>
+              <a:off x="5047270" y="5843750"/>
+              <a:ext cx="742246" cy="245407"/>
+            </a:xfrm>
+            <a:prstGeom prst="roundRect">
+              <a:avLst>
+                <a:gd name="adj" fmla="val 30194"/>
+              </a:avLst>
+            </a:prstGeom>
+            <a:solidFill>
+              <a:schemeClr val="tx1"/>
+            </a:solidFill>
+            <a:ln>
+              <a:noFill/>
+            </a:ln>
+          </p:spPr>
+          <p:style>
+            <a:lnRef idx="2">
+              <a:schemeClr val="accent1">
+                <a:shade val="50000"/>
+              </a:schemeClr>
+            </a:lnRef>
+            <a:fillRef idx="1">
+              <a:schemeClr val="accent1"/>
+            </a:fillRef>
+            <a:effectRef idx="0">
+              <a:schemeClr val="accent1"/>
+            </a:effectRef>
+            <a:fontRef idx="minor">
+              <a:schemeClr val="lt1"/>
+            </a:fontRef>
+          </p:style>
+          <p:txBody>
+            <a:bodyPr rtlCol="0" anchor="ctr"/>
+            <a:lstStyle/>
+            <a:p>
+              <a:pPr algn="ctr"/>
+              <a:endParaRPr lang="en-US"/>
+            </a:p>
+          </p:txBody>
+        </p:sp>
+        <p:sp>
+          <p:nvSpPr>
+            <p:cNvPr id="24" name="Oval 23">
+              <a:extLst>
+                <a:ext uri="{FF2B5EF4-FFF2-40B4-BE49-F238E27FC236}">
+                  <a16:creationId xmlns:a16="http://schemas.microsoft.com/office/drawing/2014/main" id="{B4627EE1-A113-47A3-B151-97C3795B60A0}"/>
+                </a:ext>
+              </a:extLst>
+            </p:cNvPr>
+            <p:cNvSpPr/>
+            <p:nvPr/>
+          </p:nvSpPr>
+          <p:spPr>
+            <a:xfrm>
+              <a:off x="5118588" y="5966454"/>
+              <a:ext cx="54320" cy="53942"/>
+            </a:xfrm>
+            <a:prstGeom prst="ellipse">
+              <a:avLst/>
+            </a:prstGeom>
+            <a:solidFill>
+              <a:schemeClr val="bg1"/>
+            </a:solidFill>
+            <a:ln>
+              <a:solidFill>
+                <a:schemeClr val="bg1"/>
+              </a:solidFill>
+            </a:ln>
+          </p:spPr>
+          <p:style>
+            <a:lnRef idx="2">
+              <a:schemeClr val="accent1">
+                <a:shade val="50000"/>
+              </a:schemeClr>
+            </a:lnRef>
+            <a:fillRef idx="1">
+              <a:schemeClr val="accent1"/>
+            </a:fillRef>
+            <a:effectRef idx="0">
+              <a:schemeClr val="accent1"/>
+            </a:effectRef>
+            <a:fontRef idx="minor">
+              <a:schemeClr val="lt1"/>
+            </a:fontRef>
+          </p:style>
+          <p:txBody>
+            <a:bodyPr rtlCol="0" anchor="ctr"/>
+            <a:lstStyle/>
+            <a:p>
+              <a:pPr algn="ctr"/>
+              <a:endParaRPr lang="en-US"/>
+            </a:p>
+          </p:txBody>
+        </p:sp>
+        <p:sp>
+          <p:nvSpPr>
+            <p:cNvPr id="25" name="Oval 24">
+              <a:extLst>
+                <a:ext uri="{FF2B5EF4-FFF2-40B4-BE49-F238E27FC236}">
+                  <a16:creationId xmlns:a16="http://schemas.microsoft.com/office/drawing/2014/main" id="{9B6DC053-82AE-4901-8735-1CA8E5F46813}"/>
+                </a:ext>
+              </a:extLst>
+            </p:cNvPr>
+            <p:cNvSpPr/>
+            <p:nvPr/>
+          </p:nvSpPr>
+          <p:spPr>
+            <a:xfrm>
+              <a:off x="5663877" y="5966454"/>
+              <a:ext cx="54320" cy="53942"/>
+            </a:xfrm>
+            <a:prstGeom prst="ellipse">
+              <a:avLst/>
+            </a:prstGeom>
+            <a:solidFill>
+              <a:schemeClr val="bg1"/>
+            </a:solidFill>
+            <a:ln>
+              <a:solidFill>
+                <a:schemeClr val="bg1"/>
+              </a:solidFill>
+            </a:ln>
+          </p:spPr>
+          <p:style>
+            <a:lnRef idx="2">
+              <a:schemeClr val="accent1">
+                <a:shade val="50000"/>
+              </a:schemeClr>
+            </a:lnRef>
+            <a:fillRef idx="1">
+              <a:schemeClr val="accent1"/>
+            </a:fillRef>
+            <a:effectRef idx="0">
+              <a:schemeClr val="accent1"/>
+            </a:effectRef>
+            <a:fontRef idx="minor">
+              <a:schemeClr val="lt1"/>
+            </a:fontRef>
+          </p:style>
+          <p:txBody>
+            <a:bodyPr rtlCol="0" anchor="ctr"/>
+            <a:lstStyle/>
+            <a:p>
+              <a:pPr algn="ctr"/>
+              <a:endParaRPr lang="en-US"/>
+            </a:p>
+          </p:txBody>
+        </p:sp>
+        <p:sp>
+          <p:nvSpPr>
+            <p:cNvPr id="26" name="Rectangle: Rounded Corners 25">
+              <a:extLst>
+                <a:ext uri="{FF2B5EF4-FFF2-40B4-BE49-F238E27FC236}">
+                  <a16:creationId xmlns:a16="http://schemas.microsoft.com/office/drawing/2014/main" id="{385D1760-4CDF-4BC2-8626-F8B761AC4DD4}"/>
+                </a:ext>
+              </a:extLst>
+            </p:cNvPr>
+            <p:cNvSpPr/>
+            <p:nvPr/>
+          </p:nvSpPr>
+          <p:spPr>
+            <a:xfrm>
+              <a:off x="5262247" y="5984157"/>
+              <a:ext cx="312290" cy="18537"/>
+            </a:xfrm>
+            <a:prstGeom prst="roundRect">
+              <a:avLst>
+                <a:gd name="adj" fmla="val 50000"/>
+              </a:avLst>
+            </a:prstGeom>
+            <a:solidFill>
+              <a:schemeClr val="bg1"/>
+            </a:solidFill>
+            <a:ln>
+              <a:solidFill>
+                <a:schemeClr val="bg1"/>
+              </a:solidFill>
+            </a:ln>
+          </p:spPr>
+          <p:style>
+            <a:lnRef idx="2">
+              <a:schemeClr val="accent1">
+                <a:shade val="50000"/>
+              </a:schemeClr>
+            </a:lnRef>
+            <a:fillRef idx="1">
+              <a:schemeClr val="accent1"/>
+            </a:fillRef>
+            <a:effectRef idx="0">
+              <a:schemeClr val="accent1"/>
+            </a:effectRef>
+            <a:fontRef idx="minor">
+              <a:schemeClr val="lt1"/>
+            </a:fontRef>
+          </p:style>
+          <p:txBody>
+            <a:bodyPr rtlCol="0" anchor="ctr"/>
+            <a:lstStyle/>
+            <a:p>
+              <a:pPr algn="ctr"/>
+              <a:endParaRPr lang="en-US"/>
+            </a:p>
+          </p:txBody>
+        </p:sp>
+      </p:grpSp>
+      <p:sp>
+        <p:nvSpPr>
+          <p:cNvPr id="27" name="TextBox 26">
             <a:extLst>
-              <a:ext uri="{28A0092B-C50C-407E-A947-70E740481C1C}">
-                <a14:useLocalDpi xmlns:a14="http://schemas.microsoft.com/office/drawing/2010/main" val="0"/>
-              </a:ext>
-              <a:ext uri="{96DAC541-7B7A-43D3-8B79-37D633B846F1}">
-                <asvg:svgBlip xmlns:asvg="http://schemas.microsoft.com/office/drawing/2016/SVG/main" r:embed="rId3"/>
+              <a:ext uri="{FF2B5EF4-FFF2-40B4-BE49-F238E27FC236}">
+                <a16:creationId xmlns:a16="http://schemas.microsoft.com/office/drawing/2014/main" id="{4A1649A8-7EAE-49F5-9045-03B0CC2CDF7A}"/>
               </a:ext>
             </a:extLst>
-          </a:blip>
-          <a:stretch>
-            <a:fillRect/>
-          </a:stretch>
-        </p:blipFill>
+          </p:cNvPr>
+          <p:cNvSpPr txBox="1"/>
+          <p:nvPr/>
+        </p:nvSpPr>
         <p:spPr>
           <a:xfrm>
-            <a:off x="7481757" y="431181"/>
-            <a:ext cx="3720725" cy="3958906"/>
+            <a:off x="1144175" y="2557188"/>
+            <a:ext cx="5791201" cy="830997"/>
           </a:xfrm>
           <a:prstGeom prst="rect">
             <a:avLst/>
           </a:prstGeom>
-          <a:effectLst>
-            <a:outerShdw blurRad="1003300" dist="1625600" dir="17580000" sx="99000" sy="99000" algn="r" rotWithShape="0">
-              <a:schemeClr val="bg1">
-                <a:alpha val="25000"/>
-              </a:schemeClr>
-            </a:outerShdw>
-          </a:effectLst>
+          <a:noFill/>
         </p:spPr>
-      </p:pic>
+        <p:txBody>
+          <a:bodyPr wrap="square" rtlCol="0">
+            <a:spAutoFit/>
+          </a:bodyPr>
+          <a:lstStyle/>
+          <a:p>
+            <a:pPr marL="0" lvl="3">
+              <a:spcBef>
+                <a:spcPts val="1200"/>
+              </a:spcBef>
+              <a:spcAft>
+                <a:spcPts val="1200"/>
+              </a:spcAft>
+            </a:pPr>
+            <a:r>
+              <a:rPr lang="en-US" sz="4800" b="1">
+                <a:solidFill>
+                  <a:srgbClr val="445469"/>
+                </a:solidFill>
+                <a:latin typeface="Calibri" panose="020F0502020204030204" pitchFamily="34" charset="0"/>
+                <a:cs typeface="Calibri" panose="020F0502020204030204" pitchFamily="34" charset="0"/>
+              </a:rPr>
+              <a:t>PHÂN HỆ ANDROID</a:t>
+            </a:r>
+          </a:p>
+        </p:txBody>
+      </p:sp>
+      <p:sp>
+        <p:nvSpPr>
+          <p:cNvPr id="3" name="TextBox 2">
+            <a:extLst>
+              <a:ext uri="{FF2B5EF4-FFF2-40B4-BE49-F238E27FC236}">
+                <a16:creationId xmlns:a16="http://schemas.microsoft.com/office/drawing/2014/main" id="{1D151C72-92B0-48C9-B450-927C1E595097}"/>
+              </a:ext>
+            </a:extLst>
+          </p:cNvPr>
+          <p:cNvSpPr txBox="1"/>
+          <p:nvPr/>
+        </p:nvSpPr>
+        <p:spPr>
+          <a:xfrm>
+            <a:off x="1144175" y="3673270"/>
+            <a:ext cx="9734550" cy="830997"/>
+          </a:xfrm>
+          <a:prstGeom prst="rect">
+            <a:avLst/>
+          </a:prstGeom>
+          <a:noFill/>
+        </p:spPr>
+        <p:txBody>
+          <a:bodyPr wrap="square" rtlCol="0">
+            <a:spAutoFit/>
+          </a:bodyPr>
+          <a:lstStyle/>
+          <a:p>
+            <a:r>
+              <a:rPr lang="en-US" sz="4800"/>
+              <a:t>Mô tả ngắn gọn</a:t>
+            </a:r>
+          </a:p>
+        </p:txBody>
+      </p:sp>
     </p:spTree>
     <p:extLst>
       <p:ext uri="{BB962C8B-B14F-4D97-AF65-F5344CB8AC3E}">
-        <p14:creationId xmlns:p14="http://schemas.microsoft.com/office/powerpoint/2010/main" val="3847515448"/>
+        <p14:creationId xmlns:p14="http://schemas.microsoft.com/office/powerpoint/2010/main" val="115608605"/>
+      </p:ext>
+    </p:extLst>
+  </p:cSld>
+  <p:clrMapOvr>
+    <a:masterClrMapping/>
+  </p:clrMapOvr>
+  <p:transition spd="slow" advClick="0">
+    <p:cover/>
+  </p:transition>
+</p:sld>
+</file>
+
+<file path=ppt/slides/slide19.xml><?xml version="1.0" encoding="utf-8"?>
+<p:sld xmlns:a="http://schemas.openxmlformats.org/drawingml/2006/main" xmlns:r="http://schemas.openxmlformats.org/officeDocument/2006/relationships" xmlns:p="http://schemas.openxmlformats.org/presentationml/2006/main">
+  <p:cSld>
+    <p:spTree>
+      <p:nvGrpSpPr>
+        <p:cNvPr id="1" name=""/>
+        <p:cNvGrpSpPr/>
+        <p:nvPr/>
+      </p:nvGrpSpPr>
+      <p:grpSpPr>
+        <a:xfrm>
+          <a:off x="0" y="0"/>
+          <a:ext cx="0" cy="0"/>
+          <a:chOff x="0" y="0"/>
+          <a:chExt cx="0" cy="0"/>
+        </a:xfrm>
+      </p:grpSpPr>
+      <p:sp>
+        <p:nvSpPr>
+          <p:cNvPr id="4" name="TextBox 3">
+            <a:extLst>
+              <a:ext uri="{FF2B5EF4-FFF2-40B4-BE49-F238E27FC236}">
+                <a16:creationId xmlns:a16="http://schemas.microsoft.com/office/drawing/2014/main" id="{59C0ACEE-A758-4097-BE68-38919A370F73}"/>
+              </a:ext>
+            </a:extLst>
+          </p:cNvPr>
+          <p:cNvSpPr txBox="1"/>
+          <p:nvPr/>
+        </p:nvSpPr>
+        <p:spPr>
+          <a:xfrm>
+            <a:off x="5460319" y="771688"/>
+            <a:ext cx="8134287" cy="1084916"/>
+          </a:xfrm>
+          <a:prstGeom prst="rect">
+            <a:avLst/>
+          </a:prstGeom>
+          <a:noFill/>
+        </p:spPr>
+        <p:txBody>
+          <a:bodyPr wrap="square" lIns="68584" tIns="34292" rIns="68584" bIns="34292" rtlCol="0">
+            <a:spAutoFit/>
+          </a:bodyPr>
+          <a:lstStyle/>
+          <a:p>
+            <a:pPr algn="ctr"/>
+            <a:r>
+              <a:rPr lang="en-US" sz="6600" b="1">
+                <a:solidFill>
+                  <a:srgbClr val="445469"/>
+                </a:solidFill>
+                <a:latin typeface="Lato Heavy" charset="0"/>
+                <a:ea typeface="Lato Heavy" charset="0"/>
+                <a:cs typeface="Lato Heavy" charset="0"/>
+              </a:rPr>
+              <a:t>Kết quả đạt đ</a:t>
+            </a:r>
+            <a:r>
+              <a:rPr lang="vi-VN" sz="6600" b="1">
+                <a:solidFill>
+                  <a:srgbClr val="445469"/>
+                </a:solidFill>
+                <a:latin typeface="Lato Heavy" charset="0"/>
+                <a:ea typeface="Lato Heavy" charset="0"/>
+                <a:cs typeface="Lato Heavy" charset="0"/>
+              </a:rPr>
+              <a:t>ư</a:t>
+            </a:r>
+            <a:r>
+              <a:rPr lang="en-US" sz="6600" b="1">
+                <a:solidFill>
+                  <a:srgbClr val="445469"/>
+                </a:solidFill>
+                <a:latin typeface="Lato Heavy" charset="0"/>
+                <a:ea typeface="Lato Heavy" charset="0"/>
+                <a:cs typeface="Lato Heavy" charset="0"/>
+              </a:rPr>
+              <a:t>ợc</a:t>
+            </a:r>
+            <a:endParaRPr lang="id-ID" sz="5401" b="1">
+              <a:solidFill>
+                <a:srgbClr val="445469"/>
+              </a:solidFill>
+              <a:latin typeface="Lato Heavy" charset="0"/>
+              <a:ea typeface="Lato Heavy" charset="0"/>
+              <a:cs typeface="Lato Heavy" charset="0"/>
+            </a:endParaRPr>
+          </a:p>
+        </p:txBody>
+      </p:sp>
+      <p:sp>
+        <p:nvSpPr>
+          <p:cNvPr id="27" name="TextBox 26">
+            <a:extLst>
+              <a:ext uri="{FF2B5EF4-FFF2-40B4-BE49-F238E27FC236}">
+                <a16:creationId xmlns:a16="http://schemas.microsoft.com/office/drawing/2014/main" id="{4A1649A8-7EAE-49F5-9045-03B0CC2CDF7A}"/>
+              </a:ext>
+            </a:extLst>
+          </p:cNvPr>
+          <p:cNvSpPr txBox="1"/>
+          <p:nvPr/>
+        </p:nvSpPr>
+        <p:spPr>
+          <a:xfrm>
+            <a:off x="1144175" y="2557188"/>
+            <a:ext cx="5791201" cy="830997"/>
+          </a:xfrm>
+          <a:prstGeom prst="rect">
+            <a:avLst/>
+          </a:prstGeom>
+          <a:noFill/>
+        </p:spPr>
+        <p:txBody>
+          <a:bodyPr wrap="square" rtlCol="0">
+            <a:spAutoFit/>
+          </a:bodyPr>
+          <a:lstStyle/>
+          <a:p>
+            <a:pPr marL="0" lvl="3">
+              <a:spcBef>
+                <a:spcPts val="1200"/>
+              </a:spcBef>
+              <a:spcAft>
+                <a:spcPts val="1200"/>
+              </a:spcAft>
+            </a:pPr>
+            <a:r>
+              <a:rPr lang="en-US" sz="4800" b="1">
+                <a:solidFill>
+                  <a:srgbClr val="445469"/>
+                </a:solidFill>
+                <a:latin typeface="Calibri" panose="020F0502020204030204" pitchFamily="34" charset="0"/>
+                <a:cs typeface="Calibri" panose="020F0502020204030204" pitchFamily="34" charset="0"/>
+              </a:rPr>
+              <a:t>PHÂN HỆ WEB</a:t>
+            </a:r>
+          </a:p>
+        </p:txBody>
+      </p:sp>
+      <p:grpSp>
+        <p:nvGrpSpPr>
+          <p:cNvPr id="5" name="Group 4">
+            <a:extLst>
+              <a:ext uri="{FF2B5EF4-FFF2-40B4-BE49-F238E27FC236}">
+                <a16:creationId xmlns:a16="http://schemas.microsoft.com/office/drawing/2014/main" id="{20D31FAA-5FF3-4EBD-BDF2-0D0BBEE1795B}"/>
+              </a:ext>
+            </a:extLst>
+          </p:cNvPr>
+          <p:cNvGrpSpPr/>
+          <p:nvPr/>
+        </p:nvGrpSpPr>
+        <p:grpSpPr>
+          <a:xfrm>
+            <a:off x="10205884" y="4447410"/>
+            <a:ext cx="7455865" cy="6133281"/>
+            <a:chOff x="9527462" y="4612372"/>
+            <a:chExt cx="8134287" cy="6133281"/>
+          </a:xfrm>
+        </p:grpSpPr>
+        <p:sp>
+          <p:nvSpPr>
+            <p:cNvPr id="12" name="Google Shape;758;p36">
+              <a:extLst>
+                <a:ext uri="{FF2B5EF4-FFF2-40B4-BE49-F238E27FC236}">
+                  <a16:creationId xmlns:a16="http://schemas.microsoft.com/office/drawing/2014/main" id="{311E3480-6E08-4F71-A026-75DE638BE2E0}"/>
+                </a:ext>
+              </a:extLst>
+            </p:cNvPr>
+            <p:cNvSpPr/>
+            <p:nvPr/>
+          </p:nvSpPr>
+          <p:spPr>
+            <a:xfrm>
+              <a:off x="9527462" y="4612372"/>
+              <a:ext cx="8134287" cy="6133281"/>
+            </a:xfrm>
+            <a:custGeom>
+              <a:avLst/>
+              <a:gdLst/>
+              <a:ahLst/>
+              <a:cxnLst/>
+              <a:rect l="l" t="t" r="r" b="b"/>
+              <a:pathLst>
+                <a:path w="143434" h="111665" extrusionOk="0">
+                  <a:moveTo>
+                    <a:pt x="71751" y="2308"/>
+                  </a:moveTo>
+                  <a:lnTo>
+                    <a:pt x="71887" y="2376"/>
+                  </a:lnTo>
+                  <a:lnTo>
+                    <a:pt x="72091" y="2444"/>
+                  </a:lnTo>
+                  <a:lnTo>
+                    <a:pt x="72159" y="2647"/>
+                  </a:lnTo>
+                  <a:lnTo>
+                    <a:pt x="72226" y="2783"/>
+                  </a:lnTo>
+                  <a:lnTo>
+                    <a:pt x="72159" y="2987"/>
+                  </a:lnTo>
+                  <a:lnTo>
+                    <a:pt x="72091" y="3190"/>
+                  </a:lnTo>
+                  <a:lnTo>
+                    <a:pt x="71887" y="3258"/>
+                  </a:lnTo>
+                  <a:lnTo>
+                    <a:pt x="71751" y="3326"/>
+                  </a:lnTo>
+                  <a:lnTo>
+                    <a:pt x="71548" y="3258"/>
+                  </a:lnTo>
+                  <a:lnTo>
+                    <a:pt x="71344" y="3190"/>
+                  </a:lnTo>
+                  <a:lnTo>
+                    <a:pt x="71276" y="2987"/>
+                  </a:lnTo>
+                  <a:lnTo>
+                    <a:pt x="71208" y="2783"/>
+                  </a:lnTo>
+                  <a:lnTo>
+                    <a:pt x="71276" y="2647"/>
+                  </a:lnTo>
+                  <a:lnTo>
+                    <a:pt x="71344" y="2444"/>
+                  </a:lnTo>
+                  <a:lnTo>
+                    <a:pt x="71548" y="2376"/>
+                  </a:lnTo>
+                  <a:lnTo>
+                    <a:pt x="71751" y="2308"/>
+                  </a:lnTo>
+                  <a:close/>
+                  <a:moveTo>
+                    <a:pt x="137528" y="5906"/>
+                  </a:moveTo>
+                  <a:lnTo>
+                    <a:pt x="137596" y="5974"/>
+                  </a:lnTo>
+                  <a:lnTo>
+                    <a:pt x="137596" y="89604"/>
+                  </a:lnTo>
+                  <a:lnTo>
+                    <a:pt x="5906" y="89604"/>
+                  </a:lnTo>
+                  <a:lnTo>
+                    <a:pt x="5906" y="5974"/>
+                  </a:lnTo>
+                  <a:lnTo>
+                    <a:pt x="5906" y="5906"/>
+                  </a:lnTo>
+                  <a:close/>
+                  <a:moveTo>
+                    <a:pt x="3530" y="0"/>
+                  </a:moveTo>
+                  <a:lnTo>
+                    <a:pt x="3191" y="68"/>
+                  </a:lnTo>
+                  <a:lnTo>
+                    <a:pt x="2444" y="339"/>
+                  </a:lnTo>
+                  <a:lnTo>
+                    <a:pt x="1766" y="679"/>
+                  </a:lnTo>
+                  <a:lnTo>
+                    <a:pt x="1155" y="1154"/>
+                  </a:lnTo>
+                  <a:lnTo>
+                    <a:pt x="679" y="1765"/>
+                  </a:lnTo>
+                  <a:lnTo>
+                    <a:pt x="272" y="2444"/>
+                  </a:lnTo>
+                  <a:lnTo>
+                    <a:pt x="69" y="3190"/>
+                  </a:lnTo>
+                  <a:lnTo>
+                    <a:pt x="1" y="3598"/>
+                  </a:lnTo>
+                  <a:lnTo>
+                    <a:pt x="1" y="4005"/>
+                  </a:lnTo>
+                  <a:lnTo>
+                    <a:pt x="1" y="91572"/>
+                  </a:lnTo>
+                  <a:lnTo>
+                    <a:pt x="1" y="91979"/>
+                  </a:lnTo>
+                  <a:lnTo>
+                    <a:pt x="69" y="92319"/>
+                  </a:lnTo>
+                  <a:lnTo>
+                    <a:pt x="272" y="93065"/>
+                  </a:lnTo>
+                  <a:lnTo>
+                    <a:pt x="679" y="93744"/>
+                  </a:lnTo>
+                  <a:lnTo>
+                    <a:pt x="1155" y="94355"/>
+                  </a:lnTo>
+                  <a:lnTo>
+                    <a:pt x="1766" y="94830"/>
+                  </a:lnTo>
+                  <a:lnTo>
+                    <a:pt x="2444" y="95238"/>
+                  </a:lnTo>
+                  <a:lnTo>
+                    <a:pt x="3191" y="95441"/>
+                  </a:lnTo>
+                  <a:lnTo>
+                    <a:pt x="3530" y="95509"/>
+                  </a:lnTo>
+                  <a:lnTo>
+                    <a:pt x="139904" y="95509"/>
+                  </a:lnTo>
+                  <a:lnTo>
+                    <a:pt x="140311" y="95441"/>
+                  </a:lnTo>
+                  <a:lnTo>
+                    <a:pt x="141058" y="95238"/>
+                  </a:lnTo>
+                  <a:lnTo>
+                    <a:pt x="141737" y="94830"/>
+                  </a:lnTo>
+                  <a:lnTo>
+                    <a:pt x="142280" y="94355"/>
+                  </a:lnTo>
+                  <a:lnTo>
+                    <a:pt x="142755" y="93744"/>
+                  </a:lnTo>
+                  <a:lnTo>
+                    <a:pt x="143162" y="93065"/>
+                  </a:lnTo>
+                  <a:lnTo>
+                    <a:pt x="143366" y="92319"/>
+                  </a:lnTo>
+                  <a:lnTo>
+                    <a:pt x="143434" y="91979"/>
+                  </a:lnTo>
+                  <a:lnTo>
+                    <a:pt x="143434" y="91572"/>
+                  </a:lnTo>
+                  <a:lnTo>
+                    <a:pt x="143434" y="4005"/>
+                  </a:lnTo>
+                  <a:lnTo>
+                    <a:pt x="143434" y="3598"/>
+                  </a:lnTo>
+                  <a:lnTo>
+                    <a:pt x="143366" y="3190"/>
+                  </a:lnTo>
+                  <a:lnTo>
+                    <a:pt x="143162" y="2444"/>
+                  </a:lnTo>
+                  <a:lnTo>
+                    <a:pt x="142755" y="1765"/>
+                  </a:lnTo>
+                  <a:lnTo>
+                    <a:pt x="142280" y="1154"/>
+                  </a:lnTo>
+                  <a:lnTo>
+                    <a:pt x="141737" y="679"/>
+                  </a:lnTo>
+                  <a:lnTo>
+                    <a:pt x="141058" y="339"/>
+                  </a:lnTo>
+                  <a:lnTo>
+                    <a:pt x="140311" y="68"/>
+                  </a:lnTo>
+                  <a:lnTo>
+                    <a:pt x="139904" y="0"/>
+                  </a:lnTo>
+                  <a:close/>
+                  <a:moveTo>
+                    <a:pt x="55324" y="95713"/>
+                  </a:moveTo>
+                  <a:lnTo>
+                    <a:pt x="55052" y="98971"/>
+                  </a:lnTo>
+                  <a:lnTo>
+                    <a:pt x="54713" y="102297"/>
+                  </a:lnTo>
+                  <a:lnTo>
+                    <a:pt x="54374" y="105284"/>
+                  </a:lnTo>
+                  <a:lnTo>
+                    <a:pt x="53966" y="107388"/>
+                  </a:lnTo>
+                  <a:lnTo>
+                    <a:pt x="53763" y="108203"/>
+                  </a:lnTo>
+                  <a:lnTo>
+                    <a:pt x="53627" y="108746"/>
+                  </a:lnTo>
+                  <a:lnTo>
+                    <a:pt x="53423" y="109153"/>
+                  </a:lnTo>
+                  <a:lnTo>
+                    <a:pt x="53220" y="109357"/>
+                  </a:lnTo>
+                  <a:lnTo>
+                    <a:pt x="52677" y="109493"/>
+                  </a:lnTo>
+                  <a:lnTo>
+                    <a:pt x="51794" y="109696"/>
+                  </a:lnTo>
+                  <a:lnTo>
+                    <a:pt x="49690" y="110036"/>
+                  </a:lnTo>
+                  <a:lnTo>
+                    <a:pt x="48061" y="110307"/>
+                  </a:lnTo>
+                  <a:lnTo>
+                    <a:pt x="47450" y="110443"/>
+                  </a:lnTo>
+                  <a:lnTo>
+                    <a:pt x="47110" y="110511"/>
+                  </a:lnTo>
+                  <a:lnTo>
+                    <a:pt x="47042" y="110579"/>
+                  </a:lnTo>
+                  <a:lnTo>
+                    <a:pt x="47042" y="110783"/>
+                  </a:lnTo>
+                  <a:lnTo>
+                    <a:pt x="47110" y="110850"/>
+                  </a:lnTo>
+                  <a:lnTo>
+                    <a:pt x="47585" y="110918"/>
+                  </a:lnTo>
+                  <a:lnTo>
+                    <a:pt x="48400" y="110986"/>
+                  </a:lnTo>
+                  <a:lnTo>
+                    <a:pt x="51387" y="111054"/>
+                  </a:lnTo>
+                  <a:lnTo>
+                    <a:pt x="56071" y="111122"/>
+                  </a:lnTo>
+                  <a:lnTo>
+                    <a:pt x="87092" y="111122"/>
+                  </a:lnTo>
+                  <a:lnTo>
+                    <a:pt x="91708" y="111054"/>
+                  </a:lnTo>
+                  <a:lnTo>
+                    <a:pt x="94695" y="110986"/>
+                  </a:lnTo>
+                  <a:lnTo>
+                    <a:pt x="95578" y="110918"/>
+                  </a:lnTo>
+                  <a:lnTo>
+                    <a:pt x="96053" y="110850"/>
+                  </a:lnTo>
+                  <a:lnTo>
+                    <a:pt x="96121" y="110783"/>
+                  </a:lnTo>
+                  <a:lnTo>
+                    <a:pt x="96121" y="110579"/>
+                  </a:lnTo>
+                  <a:lnTo>
+                    <a:pt x="96053" y="110511"/>
+                  </a:lnTo>
+                  <a:lnTo>
+                    <a:pt x="95713" y="110443"/>
+                  </a:lnTo>
+                  <a:lnTo>
+                    <a:pt x="95102" y="110307"/>
+                  </a:lnTo>
+                  <a:lnTo>
+                    <a:pt x="93473" y="110036"/>
+                  </a:lnTo>
+                  <a:lnTo>
+                    <a:pt x="91369" y="109696"/>
+                  </a:lnTo>
+                  <a:lnTo>
+                    <a:pt x="90487" y="109493"/>
+                  </a:lnTo>
+                  <a:lnTo>
+                    <a:pt x="89943" y="109357"/>
+                  </a:lnTo>
+                  <a:lnTo>
+                    <a:pt x="89740" y="109153"/>
+                  </a:lnTo>
+                  <a:lnTo>
+                    <a:pt x="89536" y="108746"/>
+                  </a:lnTo>
+                  <a:lnTo>
+                    <a:pt x="89333" y="108203"/>
+                  </a:lnTo>
+                  <a:lnTo>
+                    <a:pt x="89197" y="107388"/>
+                  </a:lnTo>
+                  <a:lnTo>
+                    <a:pt x="88789" y="105284"/>
+                  </a:lnTo>
+                  <a:lnTo>
+                    <a:pt x="88382" y="102297"/>
+                  </a:lnTo>
+                  <a:lnTo>
+                    <a:pt x="88043" y="98971"/>
+                  </a:lnTo>
+                  <a:lnTo>
+                    <a:pt x="87839" y="95713"/>
+                  </a:lnTo>
+                  <a:close/>
+                  <a:moveTo>
+                    <a:pt x="47450" y="111054"/>
+                  </a:moveTo>
+                  <a:lnTo>
+                    <a:pt x="47450" y="111122"/>
+                  </a:lnTo>
+                  <a:lnTo>
+                    <a:pt x="47450" y="111393"/>
+                  </a:lnTo>
+                  <a:lnTo>
+                    <a:pt x="47518" y="111461"/>
+                  </a:lnTo>
+                  <a:lnTo>
+                    <a:pt x="48807" y="111529"/>
+                  </a:lnTo>
+                  <a:lnTo>
+                    <a:pt x="52473" y="111597"/>
+                  </a:lnTo>
+                  <a:lnTo>
+                    <a:pt x="62384" y="111665"/>
+                  </a:lnTo>
+                  <a:lnTo>
+                    <a:pt x="80779" y="111665"/>
+                  </a:lnTo>
+                  <a:lnTo>
+                    <a:pt x="90622" y="111597"/>
+                  </a:lnTo>
+                  <a:lnTo>
+                    <a:pt x="94356" y="111529"/>
+                  </a:lnTo>
+                  <a:lnTo>
+                    <a:pt x="95646" y="111461"/>
+                  </a:lnTo>
+                  <a:lnTo>
+                    <a:pt x="95713" y="111393"/>
+                  </a:lnTo>
+                  <a:lnTo>
+                    <a:pt x="95713" y="111122"/>
+                  </a:lnTo>
+                  <a:lnTo>
+                    <a:pt x="95646" y="111054"/>
+                  </a:lnTo>
+                  <a:lnTo>
+                    <a:pt x="94084" y="111122"/>
+                  </a:lnTo>
+                  <a:lnTo>
+                    <a:pt x="91233" y="111190"/>
+                  </a:lnTo>
+                  <a:lnTo>
+                    <a:pt x="80847" y="111258"/>
+                  </a:lnTo>
+                  <a:lnTo>
+                    <a:pt x="62316" y="111258"/>
+                  </a:lnTo>
+                  <a:lnTo>
+                    <a:pt x="51930" y="111190"/>
+                  </a:lnTo>
+                  <a:lnTo>
+                    <a:pt x="49079" y="111122"/>
+                  </a:lnTo>
+                  <a:lnTo>
+                    <a:pt x="47518" y="111054"/>
+                  </a:lnTo>
+                  <a:close/>
+                </a:path>
+              </a:pathLst>
+            </a:custGeom>
+            <a:solidFill>
+              <a:schemeClr val="tx1"/>
+            </a:solidFill>
+            <a:ln>
+              <a:noFill/>
+              <a:headEnd type="none" w="sm" len="sm"/>
+              <a:tailEnd type="none" w="sm" len="sm"/>
+            </a:ln>
+            <a:effectLst>
+              <a:outerShdw blurRad="152400" dist="38100" dir="5400000" algn="t" rotWithShape="0">
+                <a:srgbClr val="4099E0">
+                  <a:alpha val="40000"/>
+                </a:srgbClr>
+              </a:outerShdw>
+            </a:effectLst>
+          </p:spPr>
+          <p:style>
+            <a:lnRef idx="2">
+              <a:schemeClr val="accent1"/>
+            </a:lnRef>
+            <a:fillRef idx="1">
+              <a:schemeClr val="lt1"/>
+            </a:fillRef>
+            <a:effectRef idx="0">
+              <a:schemeClr val="accent1"/>
+            </a:effectRef>
+            <a:fontRef idx="minor">
+              <a:schemeClr val="dk1"/>
+            </a:fontRef>
+          </p:style>
+          <p:txBody>
+            <a:bodyPr spcFirstLastPara="1" wrap="square" lIns="91425" tIns="91425" rIns="91425" bIns="91425" anchor="ctr" anchorCtr="0">
+              <a:noAutofit/>
+            </a:bodyPr>
+            <a:lstStyle/>
+            <a:p>
+              <a:pPr marL="0" lvl="0" indent="0" algn="l" rtl="0">
+                <a:spcBef>
+                  <a:spcPts val="0"/>
+                </a:spcBef>
+                <a:spcAft>
+                  <a:spcPts val="0"/>
+                </a:spcAft>
+                <a:buNone/>
+              </a:pPr>
+              <a:endParaRPr>
+                <a:latin typeface="Source Sans Pro"/>
+                <a:ea typeface="Source Sans Pro"/>
+                <a:cs typeface="Source Sans Pro"/>
+                <a:sym typeface="Source Sans Pro"/>
+              </a:endParaRPr>
+            </a:p>
+          </p:txBody>
+        </p:sp>
+        <p:sp>
+          <p:nvSpPr>
+            <p:cNvPr id="13" name="Rectangle: Rounded Corners 12">
+              <a:extLst>
+                <a:ext uri="{FF2B5EF4-FFF2-40B4-BE49-F238E27FC236}">
+                  <a16:creationId xmlns:a16="http://schemas.microsoft.com/office/drawing/2014/main" id="{47764E74-4D95-4B24-BB32-35B3E74EED01}"/>
+                </a:ext>
+              </a:extLst>
+            </p:cNvPr>
+            <p:cNvSpPr/>
+            <p:nvPr/>
+          </p:nvSpPr>
+          <p:spPr>
+            <a:xfrm>
+              <a:off x="9792929" y="4789352"/>
+              <a:ext cx="7610168" cy="4826596"/>
+            </a:xfrm>
+            <a:prstGeom prst="roundRect">
+              <a:avLst>
+                <a:gd name="adj" fmla="val 2842"/>
+              </a:avLst>
+            </a:prstGeom>
+            <a:blipFill>
+              <a:blip r:embed="rId2"/>
+              <a:stretch>
+                <a:fillRect/>
+              </a:stretch>
+            </a:blipFill>
+            <a:ln>
+              <a:noFill/>
+            </a:ln>
+          </p:spPr>
+          <p:style>
+            <a:lnRef idx="2">
+              <a:schemeClr val="accent1">
+                <a:shade val="50000"/>
+              </a:schemeClr>
+            </a:lnRef>
+            <a:fillRef idx="1">
+              <a:schemeClr val="accent1"/>
+            </a:fillRef>
+            <a:effectRef idx="0">
+              <a:schemeClr val="accent1"/>
+            </a:effectRef>
+            <a:fontRef idx="minor">
+              <a:schemeClr val="lt1"/>
+            </a:fontRef>
+          </p:style>
+          <p:txBody>
+            <a:bodyPr rtlCol="0" anchor="ctr"/>
+            <a:lstStyle/>
+            <a:p>
+              <a:pPr algn="ctr"/>
+              <a:endParaRPr lang="en-US"/>
+            </a:p>
+          </p:txBody>
+        </p:sp>
+      </p:grpSp>
+      <p:sp>
+        <p:nvSpPr>
+          <p:cNvPr id="16" name="TextBox 15">
+            <a:extLst>
+              <a:ext uri="{FF2B5EF4-FFF2-40B4-BE49-F238E27FC236}">
+                <a16:creationId xmlns:a16="http://schemas.microsoft.com/office/drawing/2014/main" id="{B627D24B-5ACF-4F2F-BEA9-89CB34EBF167}"/>
+              </a:ext>
+            </a:extLst>
+          </p:cNvPr>
+          <p:cNvSpPr txBox="1"/>
+          <p:nvPr/>
+        </p:nvSpPr>
+        <p:spPr>
+          <a:xfrm>
+            <a:off x="1144175" y="3673270"/>
+            <a:ext cx="8353786" cy="5493812"/>
+          </a:xfrm>
+          <a:prstGeom prst="rect">
+            <a:avLst/>
+          </a:prstGeom>
+          <a:noFill/>
+        </p:spPr>
+        <p:txBody>
+          <a:bodyPr wrap="square" rtlCol="0">
+            <a:spAutoFit/>
+          </a:bodyPr>
+          <a:lstStyle/>
+          <a:p>
+            <a:pPr marL="685800" indent="-685800" algn="just">
+              <a:spcBef>
+                <a:spcPts val="600"/>
+              </a:spcBef>
+              <a:spcAft>
+                <a:spcPts val="600"/>
+              </a:spcAft>
+              <a:buFont typeface="Courier New" panose="02070309020205020404" pitchFamily="49" charset="0"/>
+              <a:buChar char="o"/>
+            </a:pPr>
+            <a:r>
+              <a:rPr lang="en-US" sz="4800"/>
+              <a:t>Phân chia các chức năng cho ng</a:t>
+            </a:r>
+            <a:r>
+              <a:rPr lang="vi-VN" sz="4800"/>
+              <a:t>ư</a:t>
+            </a:r>
+            <a:r>
+              <a:rPr lang="en-US" sz="4800"/>
+              <a:t>ời dùng nhân viên rõ ràng.</a:t>
+            </a:r>
+          </a:p>
+          <a:p>
+            <a:pPr marL="685800" indent="-685800" algn="just">
+              <a:spcBef>
+                <a:spcPts val="600"/>
+              </a:spcBef>
+              <a:spcAft>
+                <a:spcPts val="600"/>
+              </a:spcAft>
+              <a:buFont typeface="Courier New" panose="02070309020205020404" pitchFamily="49" charset="0"/>
+              <a:buChar char="o"/>
+            </a:pPr>
+            <a:r>
+              <a:rPr lang="vi-VN" sz="4800">
+                <a:latin typeface="Calibri" panose="020F0502020204030204" pitchFamily="34" charset="0"/>
+                <a:cs typeface="Calibri" panose="020F0502020204030204" pitchFamily="34" charset="0"/>
+              </a:rPr>
+              <a:t>Quản lí đơn hàng, quản lí biên nhận và quản lí phân công xử lí đơn hàng.</a:t>
+            </a:r>
+            <a:endParaRPr lang="en-US" sz="4800">
+              <a:latin typeface="Calibri" panose="020F0502020204030204" pitchFamily="34" charset="0"/>
+              <a:cs typeface="Calibri" panose="020F0502020204030204" pitchFamily="34" charset="0"/>
+            </a:endParaRPr>
+          </a:p>
+          <a:p>
+            <a:pPr marL="685800" indent="-685800">
+              <a:buFont typeface="Courier New" panose="02070309020205020404" pitchFamily="49" charset="0"/>
+              <a:buChar char="o"/>
+            </a:pPr>
+            <a:endParaRPr lang="en-US" sz="4800"/>
+          </a:p>
+        </p:txBody>
+      </p:sp>
+    </p:spTree>
+    <p:extLst>
+      <p:ext uri="{BB962C8B-B14F-4D97-AF65-F5344CB8AC3E}">
+        <p14:creationId xmlns:p14="http://schemas.microsoft.com/office/powerpoint/2010/main" val="1076673239"/>
       </p:ext>
     </p:extLst>
   </p:cSld>
@@ -10814,6 +13196,1255 @@
 </p:sld>
 </file>
 
+<file path=ppt/slides/slide20.xml><?xml version="1.0" encoding="utf-8"?>
+<p:sld xmlns:a="http://schemas.openxmlformats.org/drawingml/2006/main" xmlns:r="http://schemas.openxmlformats.org/officeDocument/2006/relationships" xmlns:p="http://schemas.openxmlformats.org/presentationml/2006/main">
+  <p:cSld>
+    <p:spTree>
+      <p:nvGrpSpPr>
+        <p:cNvPr id="1" name=""/>
+        <p:cNvGrpSpPr/>
+        <p:nvPr/>
+      </p:nvGrpSpPr>
+      <p:grpSpPr>
+        <a:xfrm>
+          <a:off x="0" y="0"/>
+          <a:ext cx="0" cy="0"/>
+          <a:chOff x="0" y="0"/>
+          <a:chExt cx="0" cy="0"/>
+        </a:xfrm>
+      </p:grpSpPr>
+      <p:sp>
+        <p:nvSpPr>
+          <p:cNvPr id="4" name="TextBox 3">
+            <a:extLst>
+              <a:ext uri="{FF2B5EF4-FFF2-40B4-BE49-F238E27FC236}">
+                <a16:creationId xmlns:a16="http://schemas.microsoft.com/office/drawing/2014/main" id="{349FF29F-A1A2-420F-9295-9A4444567665}"/>
+              </a:ext>
+            </a:extLst>
+          </p:cNvPr>
+          <p:cNvSpPr txBox="1"/>
+          <p:nvPr/>
+        </p:nvSpPr>
+        <p:spPr>
+          <a:xfrm>
+            <a:off x="5460319" y="771688"/>
+            <a:ext cx="8134287" cy="1084916"/>
+          </a:xfrm>
+          <a:prstGeom prst="rect">
+            <a:avLst/>
+          </a:prstGeom>
+          <a:noFill/>
+        </p:spPr>
+        <p:txBody>
+          <a:bodyPr wrap="square" lIns="68584" tIns="34292" rIns="68584" bIns="34292" rtlCol="0">
+            <a:spAutoFit/>
+          </a:bodyPr>
+          <a:lstStyle/>
+          <a:p>
+            <a:pPr algn="ctr"/>
+            <a:r>
+              <a:rPr lang="en-US" sz="6600" b="1">
+                <a:solidFill>
+                  <a:srgbClr val="445469"/>
+                </a:solidFill>
+                <a:latin typeface="Lato Heavy" charset="0"/>
+                <a:ea typeface="Lato Heavy" charset="0"/>
+                <a:cs typeface="Lato Heavy" charset="0"/>
+              </a:rPr>
+              <a:t>Hạn chế</a:t>
+            </a:r>
+            <a:endParaRPr lang="id-ID" sz="5401" b="1">
+              <a:solidFill>
+                <a:srgbClr val="445469"/>
+              </a:solidFill>
+              <a:latin typeface="Lato Heavy" charset="0"/>
+              <a:ea typeface="Lato Heavy" charset="0"/>
+              <a:cs typeface="Lato Heavy" charset="0"/>
+            </a:endParaRPr>
+          </a:p>
+        </p:txBody>
+      </p:sp>
+      <p:sp>
+        <p:nvSpPr>
+          <p:cNvPr id="6" name="Date Placeholder 5">
+            <a:extLst>
+              <a:ext uri="{FF2B5EF4-FFF2-40B4-BE49-F238E27FC236}">
+                <a16:creationId xmlns:a16="http://schemas.microsoft.com/office/drawing/2014/main" id="{4DB1461A-FAF4-43D8-BD39-E67D9CFFDF54}"/>
+              </a:ext>
+            </a:extLst>
+          </p:cNvPr>
+          <p:cNvSpPr>
+            <a:spLocks noGrp="1"/>
+          </p:cNvSpPr>
+          <p:nvPr>
+            <p:ph type="dt" sz="half" idx="10"/>
+          </p:nvPr>
+        </p:nvSpPr>
+        <p:spPr/>
+        <p:txBody>
+          <a:bodyPr/>
+          <a:lstStyle/>
+          <a:p>
+            <a:fld id="{709911FB-7FF4-4A6D-8311-6EBC18597EB4}" type="datetime1">
+              <a:rPr lang="en-US" smtClean="0">
+                <a:solidFill>
+                  <a:schemeClr val="bg1"/>
+                </a:solidFill>
+              </a:rPr>
+              <a:t>12/5/2018</a:t>
+            </a:fld>
+            <a:endParaRPr lang="en-US">
+              <a:solidFill>
+                <a:schemeClr val="bg1"/>
+              </a:solidFill>
+            </a:endParaRPr>
+          </a:p>
+        </p:txBody>
+      </p:sp>
+      <p:sp>
+        <p:nvSpPr>
+          <p:cNvPr id="7" name="Footer Placeholder 6">
+            <a:extLst>
+              <a:ext uri="{FF2B5EF4-FFF2-40B4-BE49-F238E27FC236}">
+                <a16:creationId xmlns:a16="http://schemas.microsoft.com/office/drawing/2014/main" id="{754D3DE7-1D0F-49BF-8DB3-87320527AB40}"/>
+              </a:ext>
+            </a:extLst>
+          </p:cNvPr>
+          <p:cNvSpPr>
+            <a:spLocks noGrp="1"/>
+          </p:cNvSpPr>
+          <p:nvPr>
+            <p:ph type="ftr" sz="quarter" idx="11"/>
+          </p:nvPr>
+        </p:nvSpPr>
+        <p:spPr/>
+        <p:txBody>
+          <a:bodyPr/>
+          <a:lstStyle/>
+          <a:p>
+            <a:pPr algn="ctr"/>
+            <a:r>
+              <a:rPr lang="en-US"/>
+              <a:t>Hệ thống quản lí chuỗi cửa hàng giặt ủi</a:t>
+            </a:r>
+          </a:p>
+        </p:txBody>
+      </p:sp>
+      <p:sp>
+        <p:nvSpPr>
+          <p:cNvPr id="8" name="TextBox 7">
+            <a:extLst>
+              <a:ext uri="{FF2B5EF4-FFF2-40B4-BE49-F238E27FC236}">
+                <a16:creationId xmlns:a16="http://schemas.microsoft.com/office/drawing/2014/main" id="{270D97FE-8B67-4F90-82B8-443323BA1946}"/>
+              </a:ext>
+            </a:extLst>
+          </p:cNvPr>
+          <p:cNvSpPr txBox="1"/>
+          <p:nvPr/>
+        </p:nvSpPr>
+        <p:spPr>
+          <a:xfrm>
+            <a:off x="1077685" y="4389959"/>
+            <a:ext cx="16132629" cy="4708981"/>
+          </a:xfrm>
+          <a:prstGeom prst="rect">
+            <a:avLst/>
+          </a:prstGeom>
+          <a:noFill/>
+        </p:spPr>
+        <p:txBody>
+          <a:bodyPr wrap="square" rtlCol="0">
+            <a:spAutoFit/>
+          </a:bodyPr>
+          <a:lstStyle/>
+          <a:p>
+            <a:pPr marL="2351088" lvl="3" indent="-979488">
+              <a:spcBef>
+                <a:spcPts val="1200"/>
+              </a:spcBef>
+              <a:spcAft>
+                <a:spcPts val="1200"/>
+              </a:spcAft>
+              <a:buFont typeface="Courier New" panose="02070309020205020404" pitchFamily="49" charset="0"/>
+              <a:buChar char="o"/>
+            </a:pPr>
+            <a:r>
+              <a:rPr lang="vi-VN" sz="4800">
+                <a:latin typeface="Calibri" panose="020F0502020204030204" pitchFamily="34" charset="0"/>
+                <a:cs typeface="Calibri" panose="020F0502020204030204" pitchFamily="34" charset="0"/>
+              </a:rPr>
+              <a:t>Bổ sung các kiến thức về phân tích, thiết kế phần mềm.</a:t>
+            </a:r>
+            <a:endParaRPr lang="en-US" sz="4800">
+              <a:latin typeface="Calibri" panose="020F0502020204030204" pitchFamily="34" charset="0"/>
+              <a:cs typeface="Calibri" panose="020F0502020204030204" pitchFamily="34" charset="0"/>
+            </a:endParaRPr>
+          </a:p>
+          <a:p>
+            <a:pPr marL="2351088" lvl="3" indent="-979488">
+              <a:spcBef>
+                <a:spcPts val="1200"/>
+              </a:spcBef>
+              <a:spcAft>
+                <a:spcPts val="1200"/>
+              </a:spcAft>
+              <a:buFont typeface="Courier New" panose="02070309020205020404" pitchFamily="49" charset="0"/>
+              <a:buChar char="o"/>
+            </a:pPr>
+            <a:r>
+              <a:rPr lang="vi-VN" sz="4800">
+                <a:latin typeface="Calibri" panose="020F0502020204030204" pitchFamily="34" charset="0"/>
+                <a:cs typeface="Calibri" panose="020F0502020204030204" pitchFamily="34" charset="0"/>
+              </a:rPr>
+              <a:t>Củng cố các kiến thức về lập trình</a:t>
+            </a:r>
+            <a:r>
+              <a:rPr lang="en-US" sz="4800">
+                <a:latin typeface="Calibri" panose="020F0502020204030204" pitchFamily="34" charset="0"/>
+                <a:cs typeface="Calibri" panose="020F0502020204030204" pitchFamily="34" charset="0"/>
+              </a:rPr>
+              <a:t>.</a:t>
+            </a:r>
+          </a:p>
+          <a:p>
+            <a:pPr marL="2351088" lvl="3" indent="-979488">
+              <a:spcBef>
+                <a:spcPts val="1200"/>
+              </a:spcBef>
+              <a:spcAft>
+                <a:spcPts val="1200"/>
+              </a:spcAft>
+              <a:buFont typeface="Courier New" panose="02070309020205020404" pitchFamily="49" charset="0"/>
+              <a:buChar char="o"/>
+            </a:pPr>
+            <a:r>
+              <a:rPr lang="vi-VN" sz="4800">
+                <a:latin typeface="Calibri" panose="020F0502020204030204" pitchFamily="34" charset="0"/>
+                <a:cs typeface="Calibri" panose="020F0502020204030204" pitchFamily="34" charset="0"/>
+              </a:rPr>
+              <a:t>Bổ sung các kiến thức mới</a:t>
+            </a:r>
+            <a:r>
+              <a:rPr lang="en-US" sz="4800">
+                <a:latin typeface="Calibri" panose="020F0502020204030204" pitchFamily="34" charset="0"/>
+                <a:cs typeface="Calibri" panose="020F0502020204030204" pitchFamily="34" charset="0"/>
+              </a:rPr>
+              <a:t>:</a:t>
+            </a:r>
+            <a:r>
+              <a:rPr lang="vi-VN" sz="4800">
+                <a:latin typeface="Calibri" panose="020F0502020204030204" pitchFamily="34" charset="0"/>
+                <a:cs typeface="Calibri" panose="020F0502020204030204" pitchFamily="34" charset="0"/>
+              </a:rPr>
+              <a:t> GraphQL, ReactJS.</a:t>
+            </a:r>
+          </a:p>
+          <a:p>
+            <a:pPr marL="2351088" lvl="3" indent="-979488">
+              <a:spcBef>
+                <a:spcPts val="1200"/>
+              </a:spcBef>
+              <a:spcAft>
+                <a:spcPts val="1200"/>
+              </a:spcAft>
+              <a:buFont typeface="Courier New" panose="02070309020205020404" pitchFamily="49" charset="0"/>
+              <a:buChar char="o"/>
+            </a:pPr>
+            <a:r>
+              <a:rPr lang="vi-VN" sz="4800">
+                <a:latin typeface="Calibri" panose="020F0502020204030204" pitchFamily="34" charset="0"/>
+                <a:cs typeface="Calibri" panose="020F0502020204030204" pitchFamily="34" charset="0"/>
+              </a:rPr>
+              <a:t>Áp dụng được giải thuật hàng đợi nhiều trạm phục v</a:t>
+            </a:r>
+            <a:r>
+              <a:rPr lang="en-US" sz="4800">
+                <a:latin typeface="Calibri" panose="020F0502020204030204" pitchFamily="34" charset="0"/>
+                <a:cs typeface="Calibri" panose="020F0502020204030204" pitchFamily="34" charset="0"/>
+              </a:rPr>
+              <a:t>ụ.</a:t>
+            </a:r>
+            <a:endParaRPr lang="vi-VN" sz="4800">
+              <a:latin typeface="Calibri" panose="020F0502020204030204" pitchFamily="34" charset="0"/>
+              <a:cs typeface="Calibri" panose="020F0502020204030204" pitchFamily="34" charset="0"/>
+            </a:endParaRPr>
+          </a:p>
+        </p:txBody>
+      </p:sp>
+    </p:spTree>
+    <p:extLst>
+      <p:ext uri="{BB962C8B-B14F-4D97-AF65-F5344CB8AC3E}">
+        <p14:creationId xmlns:p14="http://schemas.microsoft.com/office/powerpoint/2010/main" val="2535588095"/>
+      </p:ext>
+    </p:extLst>
+  </p:cSld>
+  <p:clrMapOvr>
+    <a:masterClrMapping/>
+  </p:clrMapOvr>
+  <p:transition spd="slow">
+    <p:cover/>
+  </p:transition>
+</p:sld>
+</file>
+
+<file path=ppt/slides/slide21.xml><?xml version="1.0" encoding="utf-8"?>
+<p:sld xmlns:a="http://schemas.openxmlformats.org/drawingml/2006/main" xmlns:r="http://schemas.openxmlformats.org/officeDocument/2006/relationships" xmlns:p="http://schemas.openxmlformats.org/presentationml/2006/main">
+  <p:cSld>
+    <p:spTree>
+      <p:nvGrpSpPr>
+        <p:cNvPr id="1" name=""/>
+        <p:cNvGrpSpPr/>
+        <p:nvPr/>
+      </p:nvGrpSpPr>
+      <p:grpSpPr>
+        <a:xfrm>
+          <a:off x="0" y="0"/>
+          <a:ext cx="0" cy="0"/>
+          <a:chOff x="0" y="0"/>
+          <a:chExt cx="0" cy="0"/>
+        </a:xfrm>
+      </p:grpSpPr>
+      <p:sp>
+        <p:nvSpPr>
+          <p:cNvPr id="4" name="Date Placeholder 3">
+            <a:extLst>
+              <a:ext uri="{FF2B5EF4-FFF2-40B4-BE49-F238E27FC236}">
+                <a16:creationId xmlns:a16="http://schemas.microsoft.com/office/drawing/2014/main" id="{05945B43-6D40-4B77-8555-9659A35ABE9C}"/>
+              </a:ext>
+            </a:extLst>
+          </p:cNvPr>
+          <p:cNvSpPr>
+            <a:spLocks noGrp="1"/>
+          </p:cNvSpPr>
+          <p:nvPr>
+            <p:ph type="dt" sz="half" idx="10"/>
+          </p:nvPr>
+        </p:nvSpPr>
+        <p:spPr/>
+        <p:txBody>
+          <a:bodyPr/>
+          <a:lstStyle/>
+          <a:p>
+            <a:fld id="{6A00E282-92F0-4A82-8819-CDE346C69EA7}" type="datetime1">
+              <a:rPr lang="en-US" smtClean="0"/>
+              <a:t>12/5/2018</a:t>
+            </a:fld>
+            <a:endParaRPr lang="en-US"/>
+          </a:p>
+        </p:txBody>
+      </p:sp>
+      <p:sp>
+        <p:nvSpPr>
+          <p:cNvPr id="5" name="Footer Placeholder 4">
+            <a:extLst>
+              <a:ext uri="{FF2B5EF4-FFF2-40B4-BE49-F238E27FC236}">
+                <a16:creationId xmlns:a16="http://schemas.microsoft.com/office/drawing/2014/main" id="{D082DE6A-06E7-4889-B1CE-3A6FBBFBDB54}"/>
+              </a:ext>
+            </a:extLst>
+          </p:cNvPr>
+          <p:cNvSpPr>
+            <a:spLocks noGrp="1"/>
+          </p:cNvSpPr>
+          <p:nvPr>
+            <p:ph type="ftr" sz="quarter" idx="11"/>
+          </p:nvPr>
+        </p:nvSpPr>
+        <p:spPr/>
+        <p:txBody>
+          <a:bodyPr/>
+          <a:lstStyle/>
+          <a:p>
+            <a:pPr algn="ctr"/>
+            <a:r>
+              <a:rPr lang="en-US"/>
+              <a:t>Hệ thống quản lí chuỗi cửa hàng giặt ủi</a:t>
+            </a:r>
+          </a:p>
+        </p:txBody>
+      </p:sp>
+      <p:sp>
+        <p:nvSpPr>
+          <p:cNvPr id="6" name="TextBox 5">
+            <a:extLst>
+              <a:ext uri="{FF2B5EF4-FFF2-40B4-BE49-F238E27FC236}">
+                <a16:creationId xmlns:a16="http://schemas.microsoft.com/office/drawing/2014/main" id="{66FE285B-FEBA-4870-8408-9EBB3F14EA88}"/>
+              </a:ext>
+            </a:extLst>
+          </p:cNvPr>
+          <p:cNvSpPr txBox="1"/>
+          <p:nvPr/>
+        </p:nvSpPr>
+        <p:spPr>
+          <a:xfrm>
+            <a:off x="5460319" y="771688"/>
+            <a:ext cx="8134287" cy="1084916"/>
+          </a:xfrm>
+          <a:prstGeom prst="rect">
+            <a:avLst/>
+          </a:prstGeom>
+          <a:noFill/>
+        </p:spPr>
+        <p:txBody>
+          <a:bodyPr wrap="square" lIns="68584" tIns="34292" rIns="68584" bIns="34292" rtlCol="0">
+            <a:spAutoFit/>
+          </a:bodyPr>
+          <a:lstStyle/>
+          <a:p>
+            <a:pPr algn="ctr"/>
+            <a:r>
+              <a:rPr lang="en-US" sz="6600" b="1">
+                <a:solidFill>
+                  <a:srgbClr val="445469"/>
+                </a:solidFill>
+                <a:latin typeface="Lato Heavy" charset="0"/>
+                <a:ea typeface="Lato Heavy" charset="0"/>
+                <a:cs typeface="Lato Heavy" charset="0"/>
+              </a:rPr>
+              <a:t>H</a:t>
+            </a:r>
+            <a:r>
+              <a:rPr lang="vi-VN" sz="6600" b="1">
+                <a:solidFill>
+                  <a:srgbClr val="445469"/>
+                </a:solidFill>
+                <a:latin typeface="Lato Heavy" charset="0"/>
+                <a:ea typeface="Lato Heavy" charset="0"/>
+                <a:cs typeface="Lato Heavy" charset="0"/>
+              </a:rPr>
+              <a:t>ư</a:t>
+            </a:r>
+            <a:r>
+              <a:rPr lang="en-US" sz="6600" b="1">
+                <a:solidFill>
+                  <a:srgbClr val="445469"/>
+                </a:solidFill>
+                <a:latin typeface="Lato Heavy" charset="0"/>
+                <a:ea typeface="Lato Heavy" charset="0"/>
+                <a:cs typeface="Lato Heavy" charset="0"/>
+              </a:rPr>
+              <a:t>ớng phát triển</a:t>
+            </a:r>
+            <a:endParaRPr lang="id-ID" sz="5401" b="1">
+              <a:solidFill>
+                <a:srgbClr val="445469"/>
+              </a:solidFill>
+              <a:latin typeface="Lato Heavy" charset="0"/>
+              <a:ea typeface="Lato Heavy" charset="0"/>
+              <a:cs typeface="Lato Heavy" charset="0"/>
+            </a:endParaRPr>
+          </a:p>
+        </p:txBody>
+      </p:sp>
+      <p:sp>
+        <p:nvSpPr>
+          <p:cNvPr id="26" name="TextBox 25">
+            <a:extLst>
+              <a:ext uri="{FF2B5EF4-FFF2-40B4-BE49-F238E27FC236}">
+                <a16:creationId xmlns:a16="http://schemas.microsoft.com/office/drawing/2014/main" id="{54A6A8AA-E7D6-4631-8D84-34F657A88134}"/>
+              </a:ext>
+            </a:extLst>
+          </p:cNvPr>
+          <p:cNvSpPr txBox="1"/>
+          <p:nvPr/>
+        </p:nvSpPr>
+        <p:spPr>
+          <a:xfrm>
+            <a:off x="1077685" y="3610957"/>
+            <a:ext cx="16132629" cy="6494085"/>
+          </a:xfrm>
+          <a:prstGeom prst="rect">
+            <a:avLst/>
+          </a:prstGeom>
+          <a:noFill/>
+        </p:spPr>
+        <p:txBody>
+          <a:bodyPr wrap="square" rtlCol="0">
+            <a:spAutoFit/>
+          </a:bodyPr>
+          <a:lstStyle/>
+          <a:p>
+            <a:pPr marL="2351088" lvl="3" indent="-979488" algn="just">
+              <a:spcBef>
+                <a:spcPts val="1200"/>
+              </a:spcBef>
+              <a:spcAft>
+                <a:spcPts val="1200"/>
+              </a:spcAft>
+              <a:buFont typeface="Courier New" panose="02070309020205020404" pitchFamily="49" charset="0"/>
+              <a:buChar char="o"/>
+            </a:pPr>
+            <a:r>
+              <a:rPr lang="vi-VN" sz="4800">
+                <a:latin typeface="Calibri" panose="020F0502020204030204" pitchFamily="34" charset="0"/>
+                <a:cs typeface="Calibri" panose="020F0502020204030204" pitchFamily="34" charset="0"/>
+              </a:rPr>
+              <a:t>Tối ưu hóa</a:t>
+            </a:r>
+            <a:r>
+              <a:rPr lang="en-US" sz="4800">
+                <a:latin typeface="Calibri" panose="020F0502020204030204" pitchFamily="34" charset="0"/>
+                <a:cs typeface="Calibri" panose="020F0502020204030204" pitchFamily="34" charset="0"/>
+              </a:rPr>
+              <a:t> thêm về</a:t>
+            </a:r>
+            <a:r>
+              <a:rPr lang="vi-VN" sz="4800">
+                <a:latin typeface="Calibri" panose="020F0502020204030204" pitchFamily="34" charset="0"/>
+                <a:cs typeface="Calibri" panose="020F0502020204030204" pitchFamily="34" charset="0"/>
+              </a:rPr>
+              <a:t> giao diện.</a:t>
+            </a:r>
+            <a:endParaRPr lang="en-US" sz="4800">
+              <a:latin typeface="Calibri" panose="020F0502020204030204" pitchFamily="34" charset="0"/>
+              <a:cs typeface="Calibri" panose="020F0502020204030204" pitchFamily="34" charset="0"/>
+            </a:endParaRPr>
+          </a:p>
+          <a:p>
+            <a:pPr marL="2351088" lvl="3" indent="-979488" algn="just">
+              <a:spcBef>
+                <a:spcPts val="1200"/>
+              </a:spcBef>
+              <a:spcAft>
+                <a:spcPts val="1200"/>
+              </a:spcAft>
+              <a:buFont typeface="Courier New" panose="02070309020205020404" pitchFamily="49" charset="0"/>
+              <a:buChar char="o"/>
+            </a:pPr>
+            <a:r>
+              <a:rPr lang="vi-VN" sz="4800">
+                <a:latin typeface="Calibri" panose="020F0502020204030204" pitchFamily="34" charset="0"/>
+                <a:cs typeface="Calibri" panose="020F0502020204030204" pitchFamily="34" charset="0"/>
+              </a:rPr>
+              <a:t>Tăng tốc độ xử lí các chức năng</a:t>
+            </a:r>
+          </a:p>
+          <a:p>
+            <a:pPr marL="2351088" lvl="3" indent="-979488" algn="just">
+              <a:spcBef>
+                <a:spcPts val="1200"/>
+              </a:spcBef>
+              <a:spcAft>
+                <a:spcPts val="1200"/>
+              </a:spcAft>
+              <a:buFont typeface="Courier New" panose="02070309020205020404" pitchFamily="49" charset="0"/>
+              <a:buChar char="o"/>
+            </a:pPr>
+            <a:r>
+              <a:rPr lang="vi-VN" sz="4800">
+                <a:latin typeface="Calibri" panose="020F0502020204030204" pitchFamily="34" charset="0"/>
+                <a:cs typeface="Calibri" panose="020F0502020204030204" pitchFamily="34" charset="0"/>
+              </a:rPr>
+              <a:t>Cải thiện giải thuật hàng đợi nhiều trạm phục vụ.</a:t>
+            </a:r>
+          </a:p>
+          <a:p>
+            <a:pPr marL="2351088" lvl="3" indent="-979488" algn="just">
+              <a:spcBef>
+                <a:spcPts val="1200"/>
+              </a:spcBef>
+              <a:spcAft>
+                <a:spcPts val="1200"/>
+              </a:spcAft>
+              <a:buFont typeface="Courier New" panose="02070309020205020404" pitchFamily="49" charset="0"/>
+              <a:buChar char="o"/>
+            </a:pPr>
+            <a:r>
+              <a:rPr lang="vi-VN" sz="4800">
+                <a:latin typeface="Calibri" panose="020F0502020204030204" pitchFamily="34" charset="0"/>
+                <a:cs typeface="Calibri" panose="020F0502020204030204" pitchFamily="34" charset="0"/>
+              </a:rPr>
+              <a:t>Triển khai lên internet.</a:t>
+            </a:r>
+          </a:p>
+          <a:p>
+            <a:pPr marL="2351088" lvl="3" indent="-979488" algn="just">
+              <a:spcBef>
+                <a:spcPts val="1200"/>
+              </a:spcBef>
+              <a:spcAft>
+                <a:spcPts val="1200"/>
+              </a:spcAft>
+              <a:buFont typeface="Courier New" panose="02070309020205020404" pitchFamily="49" charset="0"/>
+              <a:buChar char="o"/>
+            </a:pPr>
+            <a:r>
+              <a:rPr lang="vi-VN" sz="4800">
+                <a:latin typeface="Calibri" panose="020F0502020204030204" pitchFamily="34" charset="0"/>
+                <a:cs typeface="Calibri" panose="020F0502020204030204" pitchFamily="34" charset="0"/>
+              </a:rPr>
+              <a:t>Kết xuất báo cáo thống kê số lượng truy cập, thống kê đơn hàng, thống kê doanh thu theo các tiêu chí khác nhau.</a:t>
+            </a:r>
+          </a:p>
+        </p:txBody>
+      </p:sp>
+    </p:spTree>
+    <p:extLst>
+      <p:ext uri="{BB962C8B-B14F-4D97-AF65-F5344CB8AC3E}">
+        <p14:creationId xmlns:p14="http://schemas.microsoft.com/office/powerpoint/2010/main" val="1004779312"/>
+      </p:ext>
+    </p:extLst>
+  </p:cSld>
+  <p:clrMapOvr>
+    <a:masterClrMapping/>
+  </p:clrMapOvr>
+</p:sld>
+</file>
+
+<file path=ppt/slides/slide22.xml><?xml version="1.0" encoding="utf-8"?>
+<p:sld xmlns:a="http://schemas.openxmlformats.org/drawingml/2006/main" xmlns:r="http://schemas.openxmlformats.org/officeDocument/2006/relationships" xmlns:p="http://schemas.openxmlformats.org/presentationml/2006/main">
+  <p:cSld>
+    <p:spTree>
+      <p:nvGrpSpPr>
+        <p:cNvPr id="1" name=""/>
+        <p:cNvGrpSpPr/>
+        <p:nvPr/>
+      </p:nvGrpSpPr>
+      <p:grpSpPr>
+        <a:xfrm>
+          <a:off x="0" y="0"/>
+          <a:ext cx="0" cy="0"/>
+          <a:chOff x="0" y="0"/>
+          <a:chExt cx="0" cy="0"/>
+        </a:xfrm>
+      </p:grpSpPr>
+      <p:sp>
+        <p:nvSpPr>
+          <p:cNvPr id="4" name="Date Placeholder 3">
+            <a:extLst>
+              <a:ext uri="{FF2B5EF4-FFF2-40B4-BE49-F238E27FC236}">
+                <a16:creationId xmlns:a16="http://schemas.microsoft.com/office/drawing/2014/main" id="{70F460BB-0D36-447E-8FB0-848F364C65BD}"/>
+              </a:ext>
+            </a:extLst>
+          </p:cNvPr>
+          <p:cNvSpPr>
+            <a:spLocks noGrp="1"/>
+          </p:cNvSpPr>
+          <p:nvPr>
+            <p:ph type="dt" sz="half" idx="10"/>
+          </p:nvPr>
+        </p:nvSpPr>
+        <p:spPr/>
+        <p:txBody>
+          <a:bodyPr/>
+          <a:lstStyle/>
+          <a:p>
+            <a:fld id="{26D47124-A094-410F-84C6-37D23F5C65E7}" type="datetime1">
+              <a:rPr lang="en-US" smtClean="0"/>
+              <a:t>12/5/2018</a:t>
+            </a:fld>
+            <a:endParaRPr lang="en-US"/>
+          </a:p>
+        </p:txBody>
+      </p:sp>
+      <p:sp>
+        <p:nvSpPr>
+          <p:cNvPr id="5" name="Footer Placeholder 4">
+            <a:extLst>
+              <a:ext uri="{FF2B5EF4-FFF2-40B4-BE49-F238E27FC236}">
+                <a16:creationId xmlns:a16="http://schemas.microsoft.com/office/drawing/2014/main" id="{F57E6744-A5B3-49E5-B75E-99BEB74567BA}"/>
+              </a:ext>
+            </a:extLst>
+          </p:cNvPr>
+          <p:cNvSpPr>
+            <a:spLocks noGrp="1"/>
+          </p:cNvSpPr>
+          <p:nvPr>
+            <p:ph type="ftr" sz="quarter" idx="11"/>
+          </p:nvPr>
+        </p:nvSpPr>
+        <p:spPr/>
+        <p:txBody>
+          <a:bodyPr/>
+          <a:lstStyle/>
+          <a:p>
+            <a:pPr algn="ctr"/>
+            <a:r>
+              <a:rPr lang="en-US"/>
+              <a:t>Hệ thống quản lí chuỗi cửa hàng giặt ủi</a:t>
+            </a:r>
+          </a:p>
+        </p:txBody>
+      </p:sp>
+      <p:sp>
+        <p:nvSpPr>
+          <p:cNvPr id="6" name="TextBox 5">
+            <a:extLst>
+              <a:ext uri="{FF2B5EF4-FFF2-40B4-BE49-F238E27FC236}">
+                <a16:creationId xmlns:a16="http://schemas.microsoft.com/office/drawing/2014/main" id="{228CC9BB-EB1A-450C-A75F-B65F45F13188}"/>
+              </a:ext>
+            </a:extLst>
+          </p:cNvPr>
+          <p:cNvSpPr txBox="1"/>
+          <p:nvPr/>
+        </p:nvSpPr>
+        <p:spPr>
+          <a:xfrm>
+            <a:off x="4044868" y="5938515"/>
+            <a:ext cx="10198263" cy="1838969"/>
+          </a:xfrm>
+          <a:prstGeom prst="rect">
+            <a:avLst/>
+          </a:prstGeom>
+          <a:noFill/>
+        </p:spPr>
+        <p:txBody>
+          <a:bodyPr wrap="square" lIns="68584" tIns="34292" rIns="68584" bIns="34292" rtlCol="0">
+            <a:spAutoFit/>
+          </a:bodyPr>
+          <a:lstStyle/>
+          <a:p>
+            <a:pPr algn="ctr"/>
+            <a:r>
+              <a:rPr lang="en-US" sz="11500" b="1">
+                <a:solidFill>
+                  <a:srgbClr val="445469"/>
+                </a:solidFill>
+                <a:latin typeface="Lato Heavy" charset="0"/>
+                <a:ea typeface="Lato Heavy" charset="0"/>
+                <a:cs typeface="Lato Heavy" charset="0"/>
+              </a:rPr>
+              <a:t>Demo kết quả</a:t>
+            </a:r>
+            <a:endParaRPr lang="id-ID" sz="8800" b="1">
+              <a:solidFill>
+                <a:srgbClr val="445469"/>
+              </a:solidFill>
+              <a:latin typeface="Lato Heavy" charset="0"/>
+              <a:ea typeface="Lato Heavy" charset="0"/>
+              <a:cs typeface="Lato Heavy" charset="0"/>
+            </a:endParaRPr>
+          </a:p>
+        </p:txBody>
+      </p:sp>
+    </p:spTree>
+    <p:extLst>
+      <p:ext uri="{BB962C8B-B14F-4D97-AF65-F5344CB8AC3E}">
+        <p14:creationId xmlns:p14="http://schemas.microsoft.com/office/powerpoint/2010/main" val="849013338"/>
+      </p:ext>
+    </p:extLst>
+  </p:cSld>
+  <p:clrMapOvr>
+    <a:masterClrMapping/>
+  </p:clrMapOvr>
+</p:sld>
+</file>
+
+<file path=ppt/slides/slide23.xml><?xml version="1.0" encoding="utf-8"?>
+<p:sld xmlns:a="http://schemas.openxmlformats.org/drawingml/2006/main" xmlns:r="http://schemas.openxmlformats.org/officeDocument/2006/relationships" xmlns:p="http://schemas.openxmlformats.org/presentationml/2006/main">
+  <p:cSld>
+    <p:spTree>
+      <p:nvGrpSpPr>
+        <p:cNvPr id="1" name=""/>
+        <p:cNvGrpSpPr/>
+        <p:nvPr/>
+      </p:nvGrpSpPr>
+      <p:grpSpPr>
+        <a:xfrm>
+          <a:off x="0" y="0"/>
+          <a:ext cx="0" cy="0"/>
+          <a:chOff x="0" y="0"/>
+          <a:chExt cx="0" cy="0"/>
+        </a:xfrm>
+      </p:grpSpPr>
+      <p:sp>
+        <p:nvSpPr>
+          <p:cNvPr id="4" name="Date Placeholder 3">
+            <a:extLst>
+              <a:ext uri="{FF2B5EF4-FFF2-40B4-BE49-F238E27FC236}">
+                <a16:creationId xmlns:a16="http://schemas.microsoft.com/office/drawing/2014/main" id="{05945B43-6D40-4B77-8555-9659A35ABE9C}"/>
+              </a:ext>
+            </a:extLst>
+          </p:cNvPr>
+          <p:cNvSpPr>
+            <a:spLocks noGrp="1"/>
+          </p:cNvSpPr>
+          <p:nvPr>
+            <p:ph type="dt" sz="half" idx="10"/>
+          </p:nvPr>
+        </p:nvSpPr>
+        <p:spPr/>
+        <p:txBody>
+          <a:bodyPr/>
+          <a:lstStyle/>
+          <a:p>
+            <a:fld id="{E5507776-E559-40CE-A5D0-38777775A8EB}" type="datetime1">
+              <a:rPr lang="en-US" smtClean="0"/>
+              <a:t>12/5/2018</a:t>
+            </a:fld>
+            <a:endParaRPr lang="en-US"/>
+          </a:p>
+        </p:txBody>
+      </p:sp>
+      <p:sp>
+        <p:nvSpPr>
+          <p:cNvPr id="5" name="Footer Placeholder 4">
+            <a:extLst>
+              <a:ext uri="{FF2B5EF4-FFF2-40B4-BE49-F238E27FC236}">
+                <a16:creationId xmlns:a16="http://schemas.microsoft.com/office/drawing/2014/main" id="{D082DE6A-06E7-4889-B1CE-3A6FBBFBDB54}"/>
+              </a:ext>
+            </a:extLst>
+          </p:cNvPr>
+          <p:cNvSpPr>
+            <a:spLocks noGrp="1"/>
+          </p:cNvSpPr>
+          <p:nvPr>
+            <p:ph type="ftr" sz="quarter" idx="11"/>
+          </p:nvPr>
+        </p:nvSpPr>
+        <p:spPr/>
+        <p:txBody>
+          <a:bodyPr/>
+          <a:lstStyle/>
+          <a:p>
+            <a:pPr algn="ctr"/>
+            <a:r>
+              <a:rPr lang="en-US"/>
+              <a:t>Hệ thống quản lí chuỗi cửa hàng giặt ủi</a:t>
+            </a:r>
+          </a:p>
+        </p:txBody>
+      </p:sp>
+      <p:sp>
+        <p:nvSpPr>
+          <p:cNvPr id="6" name="TextBox 5">
+            <a:extLst>
+              <a:ext uri="{FF2B5EF4-FFF2-40B4-BE49-F238E27FC236}">
+                <a16:creationId xmlns:a16="http://schemas.microsoft.com/office/drawing/2014/main" id="{66FE285B-FEBA-4870-8408-9EBB3F14EA88}"/>
+              </a:ext>
+            </a:extLst>
+          </p:cNvPr>
+          <p:cNvSpPr txBox="1"/>
+          <p:nvPr/>
+        </p:nvSpPr>
+        <p:spPr>
+          <a:xfrm>
+            <a:off x="5460319" y="771688"/>
+            <a:ext cx="8134287" cy="1084916"/>
+          </a:xfrm>
+          <a:prstGeom prst="rect">
+            <a:avLst/>
+          </a:prstGeom>
+          <a:noFill/>
+        </p:spPr>
+        <p:txBody>
+          <a:bodyPr wrap="square" lIns="68584" tIns="34292" rIns="68584" bIns="34292" rtlCol="0">
+            <a:spAutoFit/>
+          </a:bodyPr>
+          <a:lstStyle/>
+          <a:p>
+            <a:pPr algn="ctr"/>
+            <a:r>
+              <a:rPr lang="en-US" sz="6600" b="1">
+                <a:solidFill>
+                  <a:srgbClr val="445469"/>
+                </a:solidFill>
+                <a:latin typeface="Lato Heavy" charset="0"/>
+                <a:ea typeface="Lato Heavy" charset="0"/>
+                <a:cs typeface="Lato Heavy" charset="0"/>
+              </a:rPr>
+              <a:t>Demo kết quả</a:t>
+            </a:r>
+            <a:endParaRPr lang="id-ID" sz="5401" b="1">
+              <a:solidFill>
+                <a:srgbClr val="445469"/>
+              </a:solidFill>
+              <a:latin typeface="Lato Heavy" charset="0"/>
+              <a:ea typeface="Lato Heavy" charset="0"/>
+              <a:cs typeface="Lato Heavy" charset="0"/>
+            </a:endParaRPr>
+          </a:p>
+        </p:txBody>
+      </p:sp>
+      <p:sp>
+        <p:nvSpPr>
+          <p:cNvPr id="26" name="TextBox 25">
+            <a:extLst>
+              <a:ext uri="{FF2B5EF4-FFF2-40B4-BE49-F238E27FC236}">
+                <a16:creationId xmlns:a16="http://schemas.microsoft.com/office/drawing/2014/main" id="{54A6A8AA-E7D6-4631-8D84-34F657A88134}"/>
+              </a:ext>
+            </a:extLst>
+          </p:cNvPr>
+          <p:cNvSpPr txBox="1"/>
+          <p:nvPr/>
+        </p:nvSpPr>
+        <p:spPr>
+          <a:xfrm>
+            <a:off x="1077685" y="4167912"/>
+            <a:ext cx="16132629" cy="5447645"/>
+          </a:xfrm>
+          <a:prstGeom prst="rect">
+            <a:avLst/>
+          </a:prstGeom>
+          <a:noFill/>
+        </p:spPr>
+        <p:txBody>
+          <a:bodyPr wrap="square" rtlCol="0">
+            <a:spAutoFit/>
+          </a:bodyPr>
+          <a:lstStyle/>
+          <a:p>
+            <a:pPr marL="2351088" lvl="3" indent="-979488">
+              <a:spcBef>
+                <a:spcPts val="1200"/>
+              </a:spcBef>
+              <a:spcAft>
+                <a:spcPts val="1200"/>
+              </a:spcAft>
+              <a:buFont typeface="Courier New" panose="02070309020205020404" pitchFamily="49" charset="0"/>
+              <a:buChar char="o"/>
+            </a:pPr>
+            <a:r>
+              <a:rPr lang="en-US" sz="4800">
+                <a:latin typeface="Calibri" panose="020F0502020204030204" pitchFamily="34" charset="0"/>
+                <a:cs typeface="Calibri" panose="020F0502020204030204" pitchFamily="34" charset="0"/>
+              </a:rPr>
+              <a:t>Giới thiệu quá trình xử lí một đ</a:t>
+            </a:r>
+            <a:r>
+              <a:rPr lang="vi-VN" sz="4800">
+                <a:latin typeface="Calibri" panose="020F0502020204030204" pitchFamily="34" charset="0"/>
+                <a:cs typeface="Calibri" panose="020F0502020204030204" pitchFamily="34" charset="0"/>
+              </a:rPr>
+              <a:t>ơ</a:t>
+            </a:r>
+            <a:r>
+              <a:rPr lang="en-US" sz="4800">
+                <a:latin typeface="Calibri" panose="020F0502020204030204" pitchFamily="34" charset="0"/>
+                <a:cs typeface="Calibri" panose="020F0502020204030204" pitchFamily="34" charset="0"/>
+              </a:rPr>
+              <a:t>n hàng bình th</a:t>
+            </a:r>
+            <a:r>
+              <a:rPr lang="vi-VN" sz="4800">
+                <a:latin typeface="Calibri" panose="020F0502020204030204" pitchFamily="34" charset="0"/>
+                <a:cs typeface="Calibri" panose="020F0502020204030204" pitchFamily="34" charset="0"/>
+              </a:rPr>
+              <a:t>ư</a:t>
+            </a:r>
+            <a:r>
+              <a:rPr lang="en-US" sz="4800">
+                <a:latin typeface="Calibri" panose="020F0502020204030204" pitchFamily="34" charset="0"/>
+                <a:cs typeface="Calibri" panose="020F0502020204030204" pitchFamily="34" charset="0"/>
+              </a:rPr>
+              <a:t>ờng.</a:t>
+            </a:r>
+          </a:p>
+          <a:p>
+            <a:pPr marL="2351088" lvl="3" indent="-979488">
+              <a:spcBef>
+                <a:spcPts val="1200"/>
+              </a:spcBef>
+              <a:spcAft>
+                <a:spcPts val="1200"/>
+              </a:spcAft>
+              <a:buFont typeface="Courier New" panose="02070309020205020404" pitchFamily="49" charset="0"/>
+              <a:buChar char="o"/>
+            </a:pPr>
+            <a:r>
+              <a:rPr lang="en-US" sz="4800">
+                <a:latin typeface="Calibri" panose="020F0502020204030204" pitchFamily="34" charset="0"/>
+                <a:cs typeface="Calibri" panose="020F0502020204030204" pitchFamily="34" charset="0"/>
+              </a:rPr>
+              <a:t>Các tr</a:t>
+            </a:r>
+            <a:r>
+              <a:rPr lang="vi-VN" sz="4800">
+                <a:latin typeface="Calibri" panose="020F0502020204030204" pitchFamily="34" charset="0"/>
+                <a:cs typeface="Calibri" panose="020F0502020204030204" pitchFamily="34" charset="0"/>
+              </a:rPr>
+              <a:t>ư</a:t>
+            </a:r>
+            <a:r>
+              <a:rPr lang="en-US" sz="4800">
+                <a:latin typeface="Calibri" panose="020F0502020204030204" pitchFamily="34" charset="0"/>
+                <a:cs typeface="Calibri" panose="020F0502020204030204" pitchFamily="34" charset="0"/>
+              </a:rPr>
+              <a:t>ờng hợp đặc biệt mà hệ thống có thể xử lí:</a:t>
+            </a:r>
+          </a:p>
+          <a:p>
+            <a:pPr marL="4179888" lvl="7" indent="-979488">
+              <a:spcBef>
+                <a:spcPts val="1200"/>
+              </a:spcBef>
+              <a:spcAft>
+                <a:spcPts val="1200"/>
+              </a:spcAft>
+              <a:buFont typeface="Courier New" panose="02070309020205020404" pitchFamily="49" charset="0"/>
+              <a:buChar char="o"/>
+            </a:pPr>
+            <a:r>
+              <a:rPr lang="en-US" sz="4800" b="1">
+                <a:latin typeface="Calibri" panose="020F0502020204030204" pitchFamily="34" charset="0"/>
+                <a:cs typeface="Calibri" panose="020F0502020204030204" pitchFamily="34" charset="0"/>
+              </a:rPr>
+              <a:t>TH1:  </a:t>
+            </a:r>
+            <a:r>
+              <a:rPr lang="en-US" sz="4800">
+                <a:latin typeface="Calibri" panose="020F0502020204030204" pitchFamily="34" charset="0"/>
+                <a:cs typeface="Calibri" panose="020F0502020204030204" pitchFamily="34" charset="0"/>
+              </a:rPr>
+              <a:t>Đơn hàng đ</a:t>
+            </a:r>
+            <a:r>
+              <a:rPr lang="vi-VN" sz="4800">
+                <a:latin typeface="Calibri" panose="020F0502020204030204" pitchFamily="34" charset="0"/>
+                <a:cs typeface="Calibri" panose="020F0502020204030204" pitchFamily="34" charset="0"/>
+              </a:rPr>
+              <a:t>ư</a:t>
+            </a:r>
+            <a:r>
+              <a:rPr lang="en-US" sz="4800">
+                <a:latin typeface="Calibri" panose="020F0502020204030204" pitchFamily="34" charset="0"/>
+                <a:cs typeface="Calibri" panose="020F0502020204030204" pitchFamily="34" charset="0"/>
+              </a:rPr>
+              <a:t>ợc cập nhật khi đang chờ xác nhận.</a:t>
+            </a:r>
+          </a:p>
+          <a:p>
+            <a:pPr marL="4179888" lvl="7" indent="-979488">
+              <a:spcBef>
+                <a:spcPts val="1200"/>
+              </a:spcBef>
+              <a:spcAft>
+                <a:spcPts val="1200"/>
+              </a:spcAft>
+              <a:buFont typeface="Courier New" panose="02070309020205020404" pitchFamily="49" charset="0"/>
+              <a:buChar char="o"/>
+            </a:pPr>
+            <a:r>
+              <a:rPr lang="en-US" sz="4800" b="1">
+                <a:latin typeface="Calibri" panose="020F0502020204030204" pitchFamily="34" charset="0"/>
+                <a:cs typeface="Calibri" panose="020F0502020204030204" pitchFamily="34" charset="0"/>
+              </a:rPr>
+              <a:t>TH2: </a:t>
+            </a:r>
+            <a:r>
+              <a:rPr lang="en-US" sz="4800">
+                <a:latin typeface="Calibri" panose="020F0502020204030204" pitchFamily="34" charset="0"/>
+                <a:cs typeface="Calibri" panose="020F0502020204030204" pitchFamily="34" charset="0"/>
+              </a:rPr>
+              <a:t>Đ</a:t>
+            </a:r>
+            <a:r>
+              <a:rPr lang="vi-VN" sz="4800">
+                <a:latin typeface="Calibri" panose="020F0502020204030204" pitchFamily="34" charset="0"/>
+                <a:cs typeface="Calibri" panose="020F0502020204030204" pitchFamily="34" charset="0"/>
+              </a:rPr>
+              <a:t>ơ</a:t>
+            </a:r>
+            <a:r>
+              <a:rPr lang="en-US" sz="4800">
+                <a:latin typeface="Calibri" panose="020F0502020204030204" pitchFamily="34" charset="0"/>
+                <a:cs typeface="Calibri" panose="020F0502020204030204" pitchFamily="34" charset="0"/>
+              </a:rPr>
+              <a:t>n hàng đang đ</a:t>
+            </a:r>
+            <a:r>
+              <a:rPr lang="vi-VN" sz="4800">
+                <a:latin typeface="Calibri" panose="020F0502020204030204" pitchFamily="34" charset="0"/>
+                <a:cs typeface="Calibri" panose="020F0502020204030204" pitchFamily="34" charset="0"/>
+              </a:rPr>
+              <a:t>ư</a:t>
+            </a:r>
+            <a:r>
+              <a:rPr lang="en-US" sz="4800">
+                <a:latin typeface="Calibri" panose="020F0502020204030204" pitchFamily="34" charset="0"/>
+                <a:cs typeface="Calibri" panose="020F0502020204030204" pitchFamily="34" charset="0"/>
+              </a:rPr>
+              <a:t>ợc xử lí thì máy giặt xảy ra sự cố.</a:t>
+            </a:r>
+          </a:p>
+        </p:txBody>
+      </p:sp>
+    </p:spTree>
+    <p:extLst>
+      <p:ext uri="{BB962C8B-B14F-4D97-AF65-F5344CB8AC3E}">
+        <p14:creationId xmlns:p14="http://schemas.microsoft.com/office/powerpoint/2010/main" val="2306885639"/>
+      </p:ext>
+    </p:extLst>
+  </p:cSld>
+  <p:clrMapOvr>
+    <a:masterClrMapping/>
+  </p:clrMapOvr>
+</p:sld>
+</file>
+
+<file path=ppt/slides/slide24.xml><?xml version="1.0" encoding="utf-8"?>
+<p:sld xmlns:a="http://schemas.openxmlformats.org/drawingml/2006/main" xmlns:r="http://schemas.openxmlformats.org/officeDocument/2006/relationships" xmlns:p="http://schemas.openxmlformats.org/presentationml/2006/main">
+  <p:cSld>
+    <p:spTree>
+      <p:nvGrpSpPr>
+        <p:cNvPr id="1" name=""/>
+        <p:cNvGrpSpPr/>
+        <p:nvPr/>
+      </p:nvGrpSpPr>
+      <p:grpSpPr>
+        <a:xfrm>
+          <a:off x="0" y="0"/>
+          <a:ext cx="0" cy="0"/>
+          <a:chOff x="0" y="0"/>
+          <a:chExt cx="0" cy="0"/>
+        </a:xfrm>
+      </p:grpSpPr>
+      <p:sp>
+        <p:nvSpPr>
+          <p:cNvPr id="21" name="Rectangle 20"/>
+          <p:cNvSpPr>
+            <a:spLocks/>
+          </p:cNvSpPr>
+          <p:nvPr/>
+        </p:nvSpPr>
+        <p:spPr bwMode="auto">
+          <a:xfrm>
+            <a:off x="2773680" y="5218567"/>
+            <a:ext cx="13136880" cy="2216632"/>
+          </a:xfrm>
+          <a:prstGeom prst="rect">
+            <a:avLst/>
+          </a:prstGeom>
+          <a:noFill/>
+          <a:ln>
+            <a:noFill/>
+          </a:ln>
+          <a:extLst>
+            <a:ext uri="{909E8E84-426E-40dd-AFC4-6F175D3DCCD1}">
+              <a14:hiddenFill xmlns:a14="http://schemas.microsoft.com/office/drawing/2010/main" xmlns="">
+                <a:solidFill>
+                  <a:srgbClr val="FFFFFF"/>
+                </a:solidFill>
+              </a14:hiddenFill>
+            </a:ext>
+            <a:ext uri="{91240B29-F687-4f45-9708-019B960494DF}">
+              <a14:hiddenLine xmlns:a14="http://schemas.microsoft.com/office/drawing/2010/main" xmlns="" w="12700">
+                <a:solidFill>
+                  <a:schemeClr val="tx1"/>
+                </a:solidFill>
+                <a:miter lim="800000"/>
+                <a:headEnd/>
+                <a:tailEnd/>
+              </a14:hiddenLine>
+            </a:ext>
+          </a:extLst>
+        </p:spPr>
+        <p:txBody>
+          <a:bodyPr vert="horz" wrap="square" lIns="0" tIns="0" rIns="0" bIns="0" anchor="ctr" anchorCtr="0">
+            <a:spAutoFit/>
+          </a:bodyPr>
+          <a:lstStyle/>
+          <a:p>
+            <a:pPr algn="ctr" defTabSz="3429743"/>
+            <a:r>
+              <a:rPr lang="en-US" sz="7202" b="1" spc="900">
+                <a:latin typeface="Lato Black" charset="0"/>
+                <a:ea typeface="Lato Black" charset="0"/>
+                <a:cs typeface="Lato Black" charset="0"/>
+                <a:sym typeface="Bebas Neue" charset="0"/>
+              </a:rPr>
+              <a:t>Cảm </a:t>
+            </a:r>
+            <a:r>
+              <a:rPr lang="vi-VN" sz="7202" b="1" spc="900">
+                <a:latin typeface="Lato Black" charset="0"/>
+                <a:ea typeface="Lato Black" charset="0"/>
+                <a:cs typeface="Lato Black" charset="0"/>
+                <a:sym typeface="Bebas Neue" charset="0"/>
+              </a:rPr>
+              <a:t>ơ</a:t>
+            </a:r>
+            <a:r>
+              <a:rPr lang="en-US" sz="7202" b="1" spc="900">
+                <a:latin typeface="Lato Black" charset="0"/>
+                <a:ea typeface="Lato Black" charset="0"/>
+                <a:cs typeface="Lato Black" charset="0"/>
+                <a:sym typeface="Bebas Neue" charset="0"/>
+              </a:rPr>
+              <a:t>n thầy cô và mọi ng</a:t>
+            </a:r>
+            <a:r>
+              <a:rPr lang="vi-VN" sz="7202" b="1" spc="900">
+                <a:latin typeface="Lato Black" charset="0"/>
+                <a:ea typeface="Lato Black" charset="0"/>
+                <a:cs typeface="Lato Black" charset="0"/>
+                <a:sym typeface="Bebas Neue" charset="0"/>
+              </a:rPr>
+              <a:t>ư</a:t>
+            </a:r>
+            <a:r>
+              <a:rPr lang="en-US" sz="7202" b="1" spc="900">
+                <a:latin typeface="Lato Black" charset="0"/>
+                <a:ea typeface="Lato Black" charset="0"/>
+                <a:cs typeface="Lato Black" charset="0"/>
+                <a:sym typeface="Bebas Neue" charset="0"/>
+              </a:rPr>
+              <a:t>ời đã lắng nghe</a:t>
+            </a:r>
+          </a:p>
+        </p:txBody>
+      </p:sp>
+      <p:pic>
+        <p:nvPicPr>
+          <p:cNvPr id="5" name="Graphic 4">
+            <a:extLst>
+              <a:ext uri="{FF2B5EF4-FFF2-40B4-BE49-F238E27FC236}">
+                <a16:creationId xmlns:a16="http://schemas.microsoft.com/office/drawing/2014/main" id="{D36C2E12-C812-48B2-A0EA-89CEC9DCD162}"/>
+              </a:ext>
+            </a:extLst>
+          </p:cNvPr>
+          <p:cNvPicPr>
+            <a:picLocks noChangeAspect="1"/>
+          </p:cNvPicPr>
+          <p:nvPr/>
+        </p:nvPicPr>
+        <p:blipFill>
+          <a:blip r:embed="rId2">
+            <a:extLst>
+              <a:ext uri="{28A0092B-C50C-407E-A947-70E740481C1C}">
+                <a14:useLocalDpi xmlns:a14="http://schemas.microsoft.com/office/drawing/2010/main" val="0"/>
+              </a:ext>
+              <a:ext uri="{96DAC541-7B7A-43D3-8B79-37D633B846F1}">
+                <asvg:svgBlip xmlns:asvg="http://schemas.microsoft.com/office/drawing/2016/SVG/main" r:embed="rId3"/>
+              </a:ext>
+            </a:extLst>
+          </a:blip>
+          <a:stretch>
+            <a:fillRect/>
+          </a:stretch>
+        </p:blipFill>
+        <p:spPr>
+          <a:xfrm>
+            <a:off x="7481757" y="431181"/>
+            <a:ext cx="3720725" cy="3958906"/>
+          </a:xfrm>
+          <a:prstGeom prst="rect">
+            <a:avLst/>
+          </a:prstGeom>
+          <a:effectLst>
+            <a:outerShdw blurRad="1003300" dist="1625600" dir="17580000" sx="99000" sy="99000" algn="r" rotWithShape="0">
+              <a:schemeClr val="bg1">
+                <a:alpha val="25000"/>
+              </a:schemeClr>
+            </a:outerShdw>
+          </a:effectLst>
+        </p:spPr>
+      </p:pic>
+    </p:spTree>
+    <p:extLst>
+      <p:ext uri="{BB962C8B-B14F-4D97-AF65-F5344CB8AC3E}">
+        <p14:creationId xmlns:p14="http://schemas.microsoft.com/office/powerpoint/2010/main" val="3847515448"/>
+      </p:ext>
+    </p:extLst>
+  </p:cSld>
+  <p:clrMapOvr>
+    <a:masterClrMapping/>
+  </p:clrMapOvr>
+  <p:transition spd="slow" advClick="0">
+    <p:cover/>
+  </p:transition>
+</p:sld>
+</file>
+
 <file path=ppt/slides/slide3.xml><?xml version="1.0" encoding="utf-8"?>
 <p:sld xmlns:a="http://schemas.openxmlformats.org/drawingml/2006/main" xmlns:r="http://schemas.openxmlformats.org/officeDocument/2006/relationships" xmlns:p="http://schemas.openxmlformats.org/presentationml/2006/main">
   <p:cSld>
@@ -11317,10 +14948,68 @@
       </p:grpSpPr>
       <p:sp>
         <p:nvSpPr>
-          <p:cNvPr id="4" name="TextBox 3">
+          <p:cNvPr id="4" name="Date Placeholder 3">
             <a:extLst>
               <a:ext uri="{FF2B5EF4-FFF2-40B4-BE49-F238E27FC236}">
-                <a16:creationId xmlns:a16="http://schemas.microsoft.com/office/drawing/2014/main" id="{349FF29F-A1A2-420F-9295-9A4444567665}"/>
+                <a16:creationId xmlns:a16="http://schemas.microsoft.com/office/drawing/2014/main" id="{70F460BB-0D36-447E-8FB0-848F364C65BD}"/>
+              </a:ext>
+            </a:extLst>
+          </p:cNvPr>
+          <p:cNvSpPr>
+            <a:spLocks noGrp="1"/>
+          </p:cNvSpPr>
+          <p:nvPr>
+            <p:ph type="dt" sz="half" idx="10"/>
+          </p:nvPr>
+        </p:nvSpPr>
+        <p:spPr/>
+        <p:txBody>
+          <a:bodyPr/>
+          <a:lstStyle/>
+          <a:p>
+            <a:fld id="{E515901E-D336-4833-A6F5-4CF4DD40E440}" type="datetime1">
+              <a:rPr lang="en-US" smtClean="0"/>
+              <a:t>12/5/2018</a:t>
+            </a:fld>
+            <a:endParaRPr lang="en-US"/>
+          </a:p>
+        </p:txBody>
+      </p:sp>
+      <p:sp>
+        <p:nvSpPr>
+          <p:cNvPr id="5" name="Footer Placeholder 4">
+            <a:extLst>
+              <a:ext uri="{FF2B5EF4-FFF2-40B4-BE49-F238E27FC236}">
+                <a16:creationId xmlns:a16="http://schemas.microsoft.com/office/drawing/2014/main" id="{F57E6744-A5B3-49E5-B75E-99BEB74567BA}"/>
+              </a:ext>
+            </a:extLst>
+          </p:cNvPr>
+          <p:cNvSpPr>
+            <a:spLocks noGrp="1"/>
+          </p:cNvSpPr>
+          <p:nvPr>
+            <p:ph type="ftr" sz="quarter" idx="11"/>
+          </p:nvPr>
+        </p:nvSpPr>
+        <p:spPr/>
+        <p:txBody>
+          <a:bodyPr/>
+          <a:lstStyle/>
+          <a:p>
+            <a:pPr algn="ctr"/>
+            <a:r>
+              <a:rPr lang="en-US"/>
+              <a:t>Hệ thống quản lí chuỗi cửa hàng giặt ủi</a:t>
+            </a:r>
+          </a:p>
+        </p:txBody>
+      </p:sp>
+      <p:sp>
+        <p:nvSpPr>
+          <p:cNvPr id="7" name="TextBox 6">
+            <a:extLst>
+              <a:ext uri="{FF2B5EF4-FFF2-40B4-BE49-F238E27FC236}">
+                <a16:creationId xmlns:a16="http://schemas.microsoft.com/office/drawing/2014/main" id="{2DB5F550-E164-4E2E-ABDF-663B4F1AB408}"/>
               </a:ext>
             </a:extLst>
           </p:cNvPr>
@@ -11329,8 +15018,8 @@
         </p:nvSpPr>
         <p:spPr>
           <a:xfrm>
-            <a:off x="5460319" y="771688"/>
-            <a:ext cx="8134287" cy="1084916"/>
+            <a:off x="2492477" y="3506109"/>
+            <a:ext cx="13303046" cy="5201424"/>
           </a:xfrm>
           <a:prstGeom prst="rect">
             <a:avLst/>
@@ -11338,203 +15027,54 @@
           <a:noFill/>
         </p:spPr>
         <p:txBody>
-          <a:bodyPr wrap="square" lIns="68584" tIns="34292" rIns="68584" bIns="34292" rtlCol="0">
+          <a:bodyPr wrap="square" rtlCol="0">
             <a:spAutoFit/>
           </a:bodyPr>
           <a:lstStyle/>
           <a:p>
             <a:pPr algn="ctr"/>
             <a:r>
-              <a:rPr lang="en-US" sz="6600" b="1">
+              <a:rPr lang="en-US" sz="16600" b="1">
                 <a:solidFill>
                   <a:srgbClr val="445469"/>
                 </a:solidFill>
-                <a:latin typeface="Lato Heavy" charset="0"/>
-                <a:ea typeface="Lato Heavy" charset="0"/>
-                <a:cs typeface="Lato Heavy" charset="0"/>
-              </a:rPr>
-              <a:t>Phạm vi đề tài</a:t>
-            </a:r>
-            <a:endParaRPr lang="id-ID" sz="5401" b="1">
+              </a:rPr>
+              <a:t>“</a:t>
+            </a:r>
+            <a:r>
+              <a:rPr lang="en-US" sz="8800">
+                <a:solidFill>
+                  <a:srgbClr val="445469"/>
+                </a:solidFill>
+              </a:rPr>
+              <a:t>Xây dựng hệ thống quản lí chuỗi cửa hàng giặt ủi</a:t>
+            </a:r>
+            <a:r>
+              <a:rPr lang="en-US" sz="16600" b="1">
+                <a:solidFill>
+                  <a:srgbClr val="445469"/>
+                </a:solidFill>
+              </a:rPr>
+              <a:t>”</a:t>
+            </a:r>
+            <a:endParaRPr lang="en-US" sz="4400" b="1">
               <a:solidFill>
                 <a:srgbClr val="445469"/>
               </a:solidFill>
-              <a:latin typeface="Lato Heavy" charset="0"/>
-              <a:ea typeface="Lato Heavy" charset="0"/>
-              <a:cs typeface="Lato Heavy" charset="0"/>
             </a:endParaRPr>
-          </a:p>
-        </p:txBody>
-      </p:sp>
-      <p:sp>
-        <p:nvSpPr>
-          <p:cNvPr id="6" name="Date Placeholder 5">
-            <a:extLst>
-              <a:ext uri="{FF2B5EF4-FFF2-40B4-BE49-F238E27FC236}">
-                <a16:creationId xmlns:a16="http://schemas.microsoft.com/office/drawing/2014/main" id="{4DB1461A-FAF4-43D8-BD39-E67D9CFFDF54}"/>
-              </a:ext>
-            </a:extLst>
-          </p:cNvPr>
-          <p:cNvSpPr>
-            <a:spLocks noGrp="1"/>
-          </p:cNvSpPr>
-          <p:nvPr>
-            <p:ph type="dt" sz="half" idx="10"/>
-          </p:nvPr>
-        </p:nvSpPr>
-        <p:spPr/>
-        <p:txBody>
-          <a:bodyPr/>
-          <a:lstStyle/>
-          <a:p>
-            <a:fld id="{14F9CA20-A7BC-4041-BB3D-3D85A6C053A8}" type="datetime1">
-              <a:rPr lang="en-US" smtClean="0">
-                <a:solidFill>
-                  <a:schemeClr val="bg1"/>
-                </a:solidFill>
-              </a:rPr>
-              <a:t>12/5/2018</a:t>
-            </a:fld>
-            <a:endParaRPr lang="en-US">
-              <a:solidFill>
-                <a:schemeClr val="bg1"/>
-              </a:solidFill>
-            </a:endParaRPr>
-          </a:p>
-        </p:txBody>
-      </p:sp>
-      <p:sp>
-        <p:nvSpPr>
-          <p:cNvPr id="7" name="Footer Placeholder 6">
-            <a:extLst>
-              <a:ext uri="{FF2B5EF4-FFF2-40B4-BE49-F238E27FC236}">
-                <a16:creationId xmlns:a16="http://schemas.microsoft.com/office/drawing/2014/main" id="{754D3DE7-1D0F-49BF-8DB3-87320527AB40}"/>
-              </a:ext>
-            </a:extLst>
-          </p:cNvPr>
-          <p:cNvSpPr>
-            <a:spLocks noGrp="1"/>
-          </p:cNvSpPr>
-          <p:nvPr>
-            <p:ph type="ftr" sz="quarter" idx="11"/>
-          </p:nvPr>
-        </p:nvSpPr>
-        <p:spPr/>
-        <p:txBody>
-          <a:bodyPr/>
-          <a:lstStyle/>
-          <a:p>
-            <a:pPr algn="ctr"/>
-            <a:r>
-              <a:rPr lang="en-US"/>
-              <a:t>Hệ thống quản lí chuỗi cửa hàng giặt ủi</a:t>
-            </a:r>
-          </a:p>
-        </p:txBody>
-      </p:sp>
-      <p:sp>
-        <p:nvSpPr>
-          <p:cNvPr id="8" name="TextBox 7">
-            <a:extLst>
-              <a:ext uri="{FF2B5EF4-FFF2-40B4-BE49-F238E27FC236}">
-                <a16:creationId xmlns:a16="http://schemas.microsoft.com/office/drawing/2014/main" id="{270D97FE-8B67-4F90-82B8-443323BA1946}"/>
-              </a:ext>
-            </a:extLst>
-          </p:cNvPr>
-          <p:cNvSpPr txBox="1"/>
-          <p:nvPr/>
-        </p:nvSpPr>
-        <p:spPr>
-          <a:xfrm>
-            <a:off x="1257300" y="2390359"/>
-            <a:ext cx="15646985" cy="8833187"/>
-          </a:xfrm>
-          <a:prstGeom prst="rect">
-            <a:avLst/>
-          </a:prstGeom>
-          <a:noFill/>
-        </p:spPr>
-        <p:txBody>
-          <a:bodyPr wrap="square" rtlCol="0">
-            <a:spAutoFit/>
-          </a:bodyPr>
-          <a:lstStyle/>
-          <a:p>
-            <a:pPr marL="1416050" lvl="3" indent="-979488" algn="just">
-              <a:spcBef>
-                <a:spcPts val="1200"/>
-              </a:spcBef>
-              <a:spcAft>
-                <a:spcPts val="1200"/>
-              </a:spcAft>
-              <a:buFont typeface="Courier New" panose="02070309020205020404" pitchFamily="49" charset="0"/>
-              <a:buChar char="o"/>
-            </a:pPr>
-            <a:r>
-              <a:rPr lang="vi-VN" sz="4800">
-                <a:latin typeface="Calibri" panose="020F0502020204030204" pitchFamily="34" charset="0"/>
-                <a:cs typeface="Calibri" panose="020F0502020204030204" pitchFamily="34" charset="0"/>
-              </a:rPr>
-              <a:t>Ứng dụng Android hỗ trợ khách hàng chọn dịch vụ mình cần thiết và tìm kiếm những chi nhánh của hàng có hỗ trợ đầy đủ dịch vụ khách hàng đã chọn lựa. </a:t>
-            </a:r>
-            <a:endParaRPr lang="en-US" sz="4800">
-              <a:latin typeface="Calibri" panose="020F0502020204030204" pitchFamily="34" charset="0"/>
-              <a:cs typeface="Calibri" panose="020F0502020204030204" pitchFamily="34" charset="0"/>
-            </a:endParaRPr>
-          </a:p>
-          <a:p>
-            <a:pPr marL="1416050" lvl="3" indent="-979488" algn="just">
-              <a:spcBef>
-                <a:spcPts val="1200"/>
-              </a:spcBef>
-              <a:spcAft>
-                <a:spcPts val="1200"/>
-              </a:spcAft>
-              <a:buFont typeface="Courier New" panose="02070309020205020404" pitchFamily="49" charset="0"/>
-              <a:buChar char="o"/>
-            </a:pPr>
-            <a:r>
-              <a:rPr lang="vi-VN" sz="4800">
-                <a:latin typeface="Calibri" panose="020F0502020204030204" pitchFamily="34" charset="0"/>
-                <a:cs typeface="Calibri" panose="020F0502020204030204" pitchFamily="34" charset="0"/>
-              </a:rPr>
-              <a:t>Ứng dụng web quản lí cửa hàng có thể quản lí các đơn hàng, biên nhận bằng cách kiểm soát trạng thái của chúng. Hỗ trợ đưa ra gợi ý sắp lịch xử lí đơn hàng cho cửa hàng và phân loại tự động giúp tiết kiệm thời gian có thể.</a:t>
-            </a:r>
-          </a:p>
-          <a:p>
-            <a:pPr marL="1416050" lvl="3" indent="-979488" algn="just">
-              <a:spcBef>
-                <a:spcPts val="1200"/>
-              </a:spcBef>
-              <a:spcAft>
-                <a:spcPts val="1200"/>
-              </a:spcAft>
-              <a:buFont typeface="Courier New" panose="02070309020205020404" pitchFamily="49" charset="0"/>
-              <a:buChar char="o"/>
-            </a:pPr>
-            <a:r>
-              <a:rPr lang="vi-VN" sz="4800">
-                <a:latin typeface="Calibri" panose="020F0502020204030204" pitchFamily="34" charset="0"/>
-                <a:cs typeface="Calibri" panose="020F0502020204030204" pitchFamily="34" charset="0"/>
-              </a:rPr>
-              <a:t>Đề tài hiện tại không hỗ trợ xây dựng trang quản lí các thông tin dữ liệu đầu vào để tạo đơn hàng cũng như quản lí. Mọi dữ liệu được chạy từ tập tin dữ liệu có sẵn.</a:t>
-            </a:r>
           </a:p>
         </p:txBody>
       </p:sp>
     </p:spTree>
     <p:extLst>
       <p:ext uri="{BB962C8B-B14F-4D97-AF65-F5344CB8AC3E}">
-        <p14:creationId xmlns:p14="http://schemas.microsoft.com/office/powerpoint/2010/main" val="2643899141"/>
+        <p14:creationId xmlns:p14="http://schemas.microsoft.com/office/powerpoint/2010/main" val="3545997020"/>
       </p:ext>
     </p:extLst>
   </p:cSld>
   <p:clrMapOvr>
     <a:masterClrMapping/>
   </p:clrMapOvr>
-  <p:transition spd="slow">
-    <p:cover/>
-  </p:transition>
 </p:sld>
 </file>
 
@@ -11593,7 +15133,7 @@
                 <a:ea typeface="Lato Heavy" charset="0"/>
                 <a:cs typeface="Lato Heavy" charset="0"/>
               </a:rPr>
-              <a:t>Mục tiêu đề tài</a:t>
+              <a:t>Phạm vi đề tài</a:t>
             </a:r>
             <a:endParaRPr lang="id-ID" sz="5401" b="1">
               <a:solidFill>
@@ -11627,7 +15167,7 @@
           <a:bodyPr/>
           <a:lstStyle/>
           <a:p>
-            <a:fld id="{FEE96022-AD4D-4BDC-9709-2E6A4FCF62C4}" type="datetime1">
+            <a:fld id="{14F9CA20-A7BC-4041-BB3D-3D85A6C053A8}" type="datetime1">
               <a:rPr lang="en-US" smtClean="0">
                 <a:solidFill>
                   <a:schemeClr val="bg1"/>
@@ -11686,8 +15226,8 @@
         </p:nvSpPr>
         <p:spPr>
           <a:xfrm>
-            <a:off x="1320507" y="3918734"/>
-            <a:ext cx="15646985" cy="5878532"/>
+            <a:off x="1257300" y="2390359"/>
+            <a:ext cx="15646985" cy="8833187"/>
           </a:xfrm>
           <a:prstGeom prst="rect">
             <a:avLst/>
@@ -11715,35 +15255,7 @@
                 <a:latin typeface="Calibri" panose="020F0502020204030204" pitchFamily="34" charset="0"/>
                 <a:cs typeface="Calibri" panose="020F0502020204030204" pitchFamily="34" charset="0"/>
               </a:rPr>
-              <a:t>Ứng dụng Android hỗ trợ khách hàng</a:t>
-            </a:r>
-            <a:r>
-              <a:rPr lang="en-US" sz="4800">
-                <a:latin typeface="Calibri" panose="020F0502020204030204" pitchFamily="34" charset="0"/>
-                <a:cs typeface="Calibri" panose="020F0502020204030204" pitchFamily="34" charset="0"/>
-              </a:rPr>
-              <a:t> tạo đ</a:t>
-            </a:r>
-            <a:r>
-              <a:rPr lang="vi-VN" sz="4800">
-                <a:latin typeface="Calibri" panose="020F0502020204030204" pitchFamily="34" charset="0"/>
-                <a:cs typeface="Calibri" panose="020F0502020204030204" pitchFamily="34" charset="0"/>
-              </a:rPr>
-              <a:t>ơ</a:t>
-            </a:r>
-            <a:r>
-              <a:rPr lang="en-US" sz="4800">
-                <a:latin typeface="Calibri" panose="020F0502020204030204" pitchFamily="34" charset="0"/>
-                <a:cs typeface="Calibri" panose="020F0502020204030204" pitchFamily="34" charset="0"/>
-              </a:rPr>
-              <a:t>n hàng</a:t>
-            </a:r>
-            <a:r>
-              <a:rPr lang="vi-VN" sz="4800">
-                <a:latin typeface="Calibri" panose="020F0502020204030204" pitchFamily="34" charset="0"/>
-                <a:cs typeface="Calibri" panose="020F0502020204030204" pitchFamily="34" charset="0"/>
-              </a:rPr>
-              <a:t>. </a:t>
+              <a:t>Ứng dụng Android hỗ trợ khách hàng chọn dịch vụ mình cần thiết và tìm kiếm những chi nhánh của hàng có hỗ trợ đầy đủ dịch vụ khách hàng đã chọn lựa. </a:t>
             </a:r>
             <a:endParaRPr lang="en-US" sz="4800">
               <a:latin typeface="Calibri" panose="020F0502020204030204" pitchFamily="34" charset="0"/>
@@ -11766,12 +15278,8 @@
                 <a:latin typeface="Calibri" panose="020F0502020204030204" pitchFamily="34" charset="0"/>
                 <a:cs typeface="Calibri" panose="020F0502020204030204" pitchFamily="34" charset="0"/>
               </a:rPr>
-              <a:t>Ứng dụng web quản lí cửa hàng có thể quản lí các đơn hàng, biên nhận bằng cách kiểm soát trạng thái của chúng. </a:t>
-            </a:r>
-            <a:endParaRPr lang="en-US" sz="4800">
-              <a:latin typeface="Calibri" panose="020F0502020204030204" pitchFamily="34" charset="0"/>
-              <a:cs typeface="Calibri" panose="020F0502020204030204" pitchFamily="34" charset="0"/>
-            </a:endParaRPr>
+              <a:t>Ứng dụng web quản lí cửa hàng có thể quản lí các đơn hàng, biên nhận bằng cách kiểm soát trạng thái của chúng. Hỗ trợ đưa ra gợi ý sắp lịch xử lí đơn hàng cho cửa hàng và phân loại tự động giúp tiết kiệm thời gian có thể.</a:t>
+            </a:r>
           </a:p>
           <a:p>
             <a:pPr marL="1416050" lvl="3" indent="-979488" algn="just">
@@ -11797,7 +15305,7 @@
     </p:spTree>
     <p:extLst>
       <p:ext uri="{BB962C8B-B14F-4D97-AF65-F5344CB8AC3E}">
-        <p14:creationId xmlns:p14="http://schemas.microsoft.com/office/powerpoint/2010/main" val="3284136078"/>
+        <p14:creationId xmlns:p14="http://schemas.microsoft.com/office/powerpoint/2010/main" val="2643899141"/>
       </p:ext>
     </p:extLst>
   </p:cSld>
@@ -11841,8 +15349,8 @@
         </p:nvSpPr>
         <p:spPr>
           <a:xfrm>
-            <a:off x="2138515" y="771688"/>
-            <a:ext cx="14010967" cy="1084916"/>
+            <a:off x="5460319" y="771688"/>
+            <a:ext cx="8134287" cy="1084916"/>
           </a:xfrm>
           <a:prstGeom prst="rect">
             <a:avLst/>
@@ -11865,29 +15373,7 @@
                 <a:ea typeface="Lato Heavy" charset="0"/>
                 <a:cs typeface="Lato Heavy" charset="0"/>
               </a:rPr>
-              <a:t>Đối t</a:t>
-            </a:r>
-            <a:r>
-              <a:rPr lang="vi-VN" sz="6600" b="1">
-                <a:solidFill>
-                  <a:srgbClr val="445469"/>
-                </a:solidFill>
-                <a:latin typeface="Lato Heavy" charset="0"/>
-                <a:ea typeface="Lato Heavy" charset="0"/>
-                <a:cs typeface="Lato Heavy" charset="0"/>
-              </a:rPr>
-              <a:t>ư</a:t>
-            </a:r>
-            <a:r>
-              <a:rPr lang="en-US" sz="6600" b="1">
-                <a:solidFill>
-                  <a:srgbClr val="445469"/>
-                </a:solidFill>
-                <a:latin typeface="Lato Heavy" charset="0"/>
-                <a:ea typeface="Lato Heavy" charset="0"/>
-                <a:cs typeface="Lato Heavy" charset="0"/>
-              </a:rPr>
-              <a:t>ợng và phạm vi nghiên cứu</a:t>
+              <a:t>Mục tiêu đề tài</a:t>
             </a:r>
             <a:endParaRPr lang="id-ID" sz="5401" b="1">
               <a:solidFill>
@@ -11921,7 +15407,7 @@
           <a:bodyPr/>
           <a:lstStyle/>
           <a:p>
-            <a:fld id="{67273E2E-D870-4D14-930F-6C3EF5C14B77}" type="datetime1">
+            <a:fld id="{FEE96022-AD4D-4BDC-9709-2E6A4FCF62C4}" type="datetime1">
               <a:rPr lang="en-US" smtClean="0">
                 <a:solidFill>
                   <a:schemeClr val="bg1"/>
@@ -11980,8 +15466,8 @@
         </p:nvSpPr>
         <p:spPr>
           <a:xfrm>
-            <a:off x="1320505" y="2601235"/>
-            <a:ext cx="15646985" cy="10064294"/>
+            <a:off x="1320507" y="3918734"/>
+            <a:ext cx="15646985" cy="5878532"/>
           </a:xfrm>
           <a:prstGeom prst="rect">
             <a:avLst/>
@@ -11994,69 +15480,7 @@
           </a:bodyPr>
           <a:lstStyle/>
           <a:p>
-            <a:pPr marL="436562" lvl="3" algn="just">
-              <a:spcBef>
-                <a:spcPts val="1200"/>
-              </a:spcBef>
-              <a:spcAft>
-                <a:spcPts val="1200"/>
-              </a:spcAft>
-            </a:pPr>
-            <a:r>
-              <a:rPr lang="en" sz="4800" b="1">
-                <a:solidFill>
-                  <a:srgbClr val="28324A"/>
-                </a:solidFill>
-                <a:latin typeface="Source Sans Pro"/>
-                <a:ea typeface="Source Sans Pro"/>
-                <a:cs typeface="Source Sans Pro"/>
-                <a:sym typeface="Source Sans Pro"/>
-              </a:rPr>
-              <a:t>👉  </a:t>
-            </a:r>
-            <a:r>
-              <a:rPr lang="en-US" sz="4800" b="1">
-                <a:solidFill>
-                  <a:srgbClr val="28324A"/>
-                </a:solidFill>
-                <a:latin typeface="Source Sans Pro"/>
-                <a:ea typeface="Source Sans Pro"/>
-                <a:cs typeface="Source Sans Pro"/>
-                <a:sym typeface="Source Sans Pro"/>
-              </a:rPr>
-              <a:t>Đối t</a:t>
-            </a:r>
-            <a:r>
-              <a:rPr lang="vi-VN" sz="4800" b="1">
-                <a:solidFill>
-                  <a:srgbClr val="28324A"/>
-                </a:solidFill>
-                <a:latin typeface="Source Sans Pro"/>
-                <a:ea typeface="Source Sans Pro"/>
-                <a:cs typeface="Source Sans Pro"/>
-                <a:sym typeface="Source Sans Pro"/>
-              </a:rPr>
-              <a:t>ư</a:t>
-            </a:r>
-            <a:r>
-              <a:rPr lang="en-US" sz="4800" b="1">
-                <a:solidFill>
-                  <a:srgbClr val="28324A"/>
-                </a:solidFill>
-                <a:latin typeface="Source Sans Pro"/>
-                <a:ea typeface="Source Sans Pro"/>
-                <a:cs typeface="Source Sans Pro"/>
-                <a:sym typeface="Source Sans Pro"/>
-              </a:rPr>
-              <a:t>ợng nghiên cứu</a:t>
-            </a:r>
-            <a:endParaRPr lang="en-US" sz="4800" b="1">
-              <a:latin typeface="Calibri" panose="020F0502020204030204" pitchFamily="34" charset="0"/>
-              <a:cs typeface="Calibri" panose="020F0502020204030204" pitchFamily="34" charset="0"/>
-            </a:endParaRPr>
-          </a:p>
-          <a:p>
-            <a:pPr marL="2330450" lvl="5" indent="-979488" algn="just">
+            <a:pPr marL="1416050" lvl="3" indent="-979488" algn="just">
               <a:spcBef>
                 <a:spcPts val="1200"/>
               </a:spcBef>
@@ -12067,29 +15491,47 @@
               <a:buChar char="o"/>
             </a:pPr>
             <a:r>
+              <a:rPr lang="vi-VN" sz="4800">
+                <a:latin typeface="Calibri" panose="020F0502020204030204" pitchFamily="34" charset="0"/>
+                <a:cs typeface="Calibri" panose="020F0502020204030204" pitchFamily="34" charset="0"/>
+              </a:rPr>
+              <a:t>Ứng dụng Android hỗ trợ khách hàng</a:t>
+            </a:r>
+            <a:r>
               <a:rPr lang="en-US" sz="4800">
                 <a:latin typeface="Calibri" panose="020F0502020204030204" pitchFamily="34" charset="0"/>
                 <a:cs typeface="Calibri" panose="020F0502020204030204" pitchFamily="34" charset="0"/>
               </a:rPr>
-              <a:t>M</a:t>
+              <a:t> tạo đ</a:t>
             </a:r>
             <a:r>
               <a:rPr lang="vi-VN" sz="4800">
                 <a:latin typeface="Calibri" panose="020F0502020204030204" pitchFamily="34" charset="0"/>
                 <a:cs typeface="Calibri" panose="020F0502020204030204" pitchFamily="34" charset="0"/>
               </a:rPr>
-              <a:t>ô hình quản lí một cửa hàng giặt ủi với nhiều chi nhánh</a:t>
+              <a:t>ơ</a:t>
             </a:r>
             <a:r>
               <a:rPr lang="en-US" sz="4800">
                 <a:latin typeface="Calibri" panose="020F0502020204030204" pitchFamily="34" charset="0"/>
                 <a:cs typeface="Calibri" panose="020F0502020204030204" pitchFamily="34" charset="0"/>
               </a:rPr>
-              <a:t>.</a:t>
-            </a:r>
-          </a:p>
-          <a:p>
-            <a:pPr marL="2330450" lvl="5" indent="-979488" algn="just">
+              <a:t>n hàng</a:t>
+            </a:r>
+            <a:r>
+              <a:rPr lang="vi-VN" sz="4800">
+                <a:latin typeface="Calibri" panose="020F0502020204030204" pitchFamily="34" charset="0"/>
+                <a:cs typeface="Calibri" panose="020F0502020204030204" pitchFamily="34" charset="0"/>
+              </a:rPr>
+              <a:t>. </a:t>
+            </a:r>
+            <a:endParaRPr lang="en-US" sz="4800">
+              <a:latin typeface="Calibri" panose="020F0502020204030204" pitchFamily="34" charset="0"/>
+              <a:cs typeface="Calibri" panose="020F0502020204030204" pitchFamily="34" charset="0"/>
+            </a:endParaRPr>
+          </a:p>
+          <a:p>
+            <a:pPr marL="1416050" lvl="3" indent="-979488" algn="just">
               <a:spcBef>
                 <a:spcPts val="1200"/>
               </a:spcBef>
@@ -12104,52 +15546,15 @@
                 <a:latin typeface="Calibri" panose="020F0502020204030204" pitchFamily="34" charset="0"/>
                 <a:cs typeface="Calibri" panose="020F0502020204030204" pitchFamily="34" charset="0"/>
               </a:rPr>
-              <a:t>Tìm hiểu giải thuật hàng đợi nhiều trạm để hỗ trợ việc sắp xếp đơn hàng</a:t>
-            </a:r>
-            <a:r>
-              <a:rPr lang="en-US" sz="4800">
-                <a:latin typeface="Calibri" panose="020F0502020204030204" pitchFamily="34" charset="0"/>
-                <a:cs typeface="Calibri" panose="020F0502020204030204" pitchFamily="34" charset="0"/>
-              </a:rPr>
-              <a:t>.</a:t>
-            </a:r>
-          </a:p>
-          <a:p>
-            <a:pPr marL="457200" lvl="3" algn="just">
-              <a:spcBef>
-                <a:spcPts val="1200"/>
-              </a:spcBef>
-              <a:spcAft>
-                <a:spcPts val="1200"/>
-              </a:spcAft>
-            </a:pPr>
-            <a:r>
-              <a:rPr lang="en" sz="4800" b="1">
-                <a:solidFill>
-                  <a:srgbClr val="28324A"/>
-                </a:solidFill>
-                <a:latin typeface="Source Sans Pro"/>
-                <a:ea typeface="Source Sans Pro"/>
-                <a:cs typeface="Source Sans Pro"/>
-                <a:sym typeface="Source Sans Pro"/>
-              </a:rPr>
-              <a:t>👉  </a:t>
-            </a:r>
-            <a:r>
-              <a:rPr lang="en-US" sz="4800" b="1">
-                <a:solidFill>
-                  <a:srgbClr val="28324A"/>
-                </a:solidFill>
-                <a:latin typeface="Source Sans Pro"/>
-                <a:ea typeface="Source Sans Pro"/>
-                <a:cs typeface="Source Sans Pro"/>
-                <a:sym typeface="Source Sans Pro"/>
-              </a:rPr>
-              <a:t>Phạm vi nghiên cứu</a:t>
-            </a:r>
-          </a:p>
-          <a:p>
-            <a:pPr marL="2330450" lvl="5" indent="-979488" algn="just">
+              <a:t>Ứng dụng web quản lí cửa hàng có thể quản lí các đơn hàng, biên nhận bằng cách kiểm soát trạng thái của chúng. </a:t>
+            </a:r>
+            <a:endParaRPr lang="en-US" sz="4800">
+              <a:latin typeface="Calibri" panose="020F0502020204030204" pitchFamily="34" charset="0"/>
+              <a:cs typeface="Calibri" panose="020F0502020204030204" pitchFamily="34" charset="0"/>
+            </a:endParaRPr>
+          </a:p>
+          <a:p>
+            <a:pPr marL="1416050" lvl="3" indent="-979488" algn="just">
               <a:spcBef>
                 <a:spcPts val="1200"/>
               </a:spcBef>
@@ -12160,91 +15565,19 @@
               <a:buChar char="o"/>
             </a:pPr>
             <a:r>
-              <a:rPr lang="en-US" sz="4800">
-                <a:latin typeface="Calibri" panose="020F0502020204030204" pitchFamily="34" charset="0"/>
-                <a:cs typeface="Calibri" panose="020F0502020204030204" pitchFamily="34" charset="0"/>
-              </a:rPr>
-              <a:t>N</a:t>
-            </a:r>
-            <a:r>
               <a:rPr lang="vi-VN" sz="4800">
                 <a:latin typeface="Calibri" panose="020F0502020204030204" pitchFamily="34" charset="0"/>
                 <a:cs typeface="Calibri" panose="020F0502020204030204" pitchFamily="34" charset="0"/>
               </a:rPr>
-              <a:t>ghiên cứu cách kết hợp cả hai </a:t>
-            </a:r>
-            <a:r>
-              <a:rPr lang="en-US" sz="4800">
-                <a:latin typeface="Calibri" panose="020F0502020204030204" pitchFamily="34" charset="0"/>
-                <a:cs typeface="Calibri" panose="020F0502020204030204" pitchFamily="34" charset="0"/>
-              </a:rPr>
-              <a:t>đơn vị tính (cái và kg) </a:t>
-            </a:r>
-            <a:r>
-              <a:rPr lang="vi-VN" sz="4800">
-                <a:latin typeface="Calibri" panose="020F0502020204030204" pitchFamily="34" charset="0"/>
-                <a:cs typeface="Calibri" panose="020F0502020204030204" pitchFamily="34" charset="0"/>
-              </a:rPr>
-              <a:t>để phù hợp với nhiều loại dịch vụ nhất</a:t>
-            </a:r>
-            <a:r>
-              <a:rPr lang="en-US" sz="4800">
-                <a:latin typeface="Calibri" panose="020F0502020204030204" pitchFamily="34" charset="0"/>
-                <a:cs typeface="Calibri" panose="020F0502020204030204" pitchFamily="34" charset="0"/>
-              </a:rPr>
-              <a:t>.</a:t>
-            </a:r>
-          </a:p>
-          <a:p>
-            <a:pPr marL="2330450" lvl="5" indent="-979488" algn="just">
-              <a:spcBef>
-                <a:spcPts val="1200"/>
-              </a:spcBef>
-              <a:spcAft>
-                <a:spcPts val="1200"/>
-              </a:spcAft>
-              <a:buFont typeface="Courier New" panose="02070309020205020404" pitchFamily="49" charset="0"/>
-              <a:buChar char="o"/>
-            </a:pPr>
-            <a:r>
-              <a:rPr lang="en-US" sz="4800">
-                <a:latin typeface="Calibri" panose="020F0502020204030204" pitchFamily="34" charset="0"/>
-                <a:cs typeface="Calibri" panose="020F0502020204030204" pitchFamily="34" charset="0"/>
-              </a:rPr>
-              <a:t>S</a:t>
-            </a:r>
-            <a:r>
-              <a:rPr lang="vi-VN" sz="4800">
-                <a:latin typeface="Calibri" panose="020F0502020204030204" pitchFamily="34" charset="0"/>
-                <a:cs typeface="Calibri" panose="020F0502020204030204" pitchFamily="34" charset="0"/>
-              </a:rPr>
-              <a:t>ắp xếp thời gian xử lí các đơn hàng sao cho thời gian xử lí là thấp nhất có thể.</a:t>
-            </a:r>
-            <a:endParaRPr lang="en-US" sz="4800" b="1">
-              <a:latin typeface="Calibri" panose="020F0502020204030204" pitchFamily="34" charset="0"/>
-              <a:cs typeface="Calibri" panose="020F0502020204030204" pitchFamily="34" charset="0"/>
-            </a:endParaRPr>
-          </a:p>
-          <a:p>
-            <a:pPr marL="1350962" lvl="5" algn="just">
-              <a:spcBef>
-                <a:spcPts val="1200"/>
-              </a:spcBef>
-              <a:spcAft>
-                <a:spcPts val="1200"/>
-              </a:spcAft>
-            </a:pPr>
-            <a:endParaRPr lang="en-US" sz="4800">
-              <a:latin typeface="Calibri" panose="020F0502020204030204" pitchFamily="34" charset="0"/>
-              <a:cs typeface="Calibri" panose="020F0502020204030204" pitchFamily="34" charset="0"/>
-            </a:endParaRPr>
+              <a:t>Đề tài hiện tại không hỗ trợ xây dựng trang quản lí các thông tin dữ liệu đầu vào để tạo đơn hàng cũng như quản lí. Mọi dữ liệu được chạy từ tập tin dữ liệu có sẵn.</a:t>
+            </a:r>
           </a:p>
         </p:txBody>
       </p:sp>
     </p:spTree>
     <p:extLst>
       <p:ext uri="{BB962C8B-B14F-4D97-AF65-F5344CB8AC3E}">
-        <p14:creationId xmlns:p14="http://schemas.microsoft.com/office/powerpoint/2010/main" val="2146846594"/>
+        <p14:creationId xmlns:p14="http://schemas.microsoft.com/office/powerpoint/2010/main" val="3284136078"/>
       </p:ext>
     </p:extLst>
   </p:cSld>
@@ -12276,68 +15609,10 @@
       </p:grpSpPr>
       <p:sp>
         <p:nvSpPr>
-          <p:cNvPr id="4" name="Date Placeholder 3">
+          <p:cNvPr id="4" name="TextBox 3">
             <a:extLst>
               <a:ext uri="{FF2B5EF4-FFF2-40B4-BE49-F238E27FC236}">
-                <a16:creationId xmlns:a16="http://schemas.microsoft.com/office/drawing/2014/main" id="{70F460BB-0D36-447E-8FB0-848F364C65BD}"/>
-              </a:ext>
-            </a:extLst>
-          </p:cNvPr>
-          <p:cNvSpPr>
-            <a:spLocks noGrp="1"/>
-          </p:cNvSpPr>
-          <p:nvPr>
-            <p:ph type="dt" sz="half" idx="10"/>
-          </p:nvPr>
-        </p:nvSpPr>
-        <p:spPr/>
-        <p:txBody>
-          <a:bodyPr/>
-          <a:lstStyle/>
-          <a:p>
-            <a:fld id="{E515901E-D336-4833-A6F5-4CF4DD40E440}" type="datetime1">
-              <a:rPr lang="en-US" smtClean="0"/>
-              <a:t>12/5/2018</a:t>
-            </a:fld>
-            <a:endParaRPr lang="en-US"/>
-          </a:p>
-        </p:txBody>
-      </p:sp>
-      <p:sp>
-        <p:nvSpPr>
-          <p:cNvPr id="5" name="Footer Placeholder 4">
-            <a:extLst>
-              <a:ext uri="{FF2B5EF4-FFF2-40B4-BE49-F238E27FC236}">
-                <a16:creationId xmlns:a16="http://schemas.microsoft.com/office/drawing/2014/main" id="{F57E6744-A5B3-49E5-B75E-99BEB74567BA}"/>
-              </a:ext>
-            </a:extLst>
-          </p:cNvPr>
-          <p:cNvSpPr>
-            <a:spLocks noGrp="1"/>
-          </p:cNvSpPr>
-          <p:nvPr>
-            <p:ph type="ftr" sz="quarter" idx="11"/>
-          </p:nvPr>
-        </p:nvSpPr>
-        <p:spPr/>
-        <p:txBody>
-          <a:bodyPr/>
-          <a:lstStyle/>
-          <a:p>
-            <a:pPr algn="ctr"/>
-            <a:r>
-              <a:rPr lang="en-US"/>
-              <a:t>Hệ thống quản lí chuỗi cửa hàng giặt ủi</a:t>
-            </a:r>
-          </a:p>
-        </p:txBody>
-      </p:sp>
-      <p:sp>
-        <p:nvSpPr>
-          <p:cNvPr id="6" name="TextBox 5">
-            <a:extLst>
-              <a:ext uri="{FF2B5EF4-FFF2-40B4-BE49-F238E27FC236}">
-                <a16:creationId xmlns:a16="http://schemas.microsoft.com/office/drawing/2014/main" id="{228CC9BB-EB1A-450C-A75F-B65F45F13188}"/>
+                <a16:creationId xmlns:a16="http://schemas.microsoft.com/office/drawing/2014/main" id="{349FF29F-A1A2-420F-9295-9A4444567665}"/>
               </a:ext>
             </a:extLst>
           </p:cNvPr>
@@ -12346,8 +15621,8 @@
         </p:nvSpPr>
         <p:spPr>
           <a:xfrm>
-            <a:off x="4044868" y="5938515"/>
-            <a:ext cx="10198263" cy="1838969"/>
+            <a:off x="2138515" y="771688"/>
+            <a:ext cx="14010967" cy="1084916"/>
           </a:xfrm>
           <a:prstGeom prst="rect">
             <a:avLst/>
@@ -12362,7 +15637,7 @@
           <a:p>
             <a:pPr algn="ctr"/>
             <a:r>
-              <a:rPr lang="en-US" sz="11500" b="1">
+              <a:rPr lang="en-US" sz="6600" b="1">
                 <a:solidFill>
                   <a:srgbClr val="445469"/>
                 </a:solidFill>
@@ -12370,9 +15645,31 @@
                 <a:ea typeface="Lato Heavy" charset="0"/>
                 <a:cs typeface="Lato Heavy" charset="0"/>
               </a:rPr>
-              <a:t>Nội dung</a:t>
-            </a:r>
-            <a:endParaRPr lang="id-ID" sz="8800" b="1">
+              <a:t>Đối t</a:t>
+            </a:r>
+            <a:r>
+              <a:rPr lang="vi-VN" sz="6600" b="1">
+                <a:solidFill>
+                  <a:srgbClr val="445469"/>
+                </a:solidFill>
+                <a:latin typeface="Lato Heavy" charset="0"/>
+                <a:ea typeface="Lato Heavy" charset="0"/>
+                <a:cs typeface="Lato Heavy" charset="0"/>
+              </a:rPr>
+              <a:t>ư</a:t>
+            </a:r>
+            <a:r>
+              <a:rPr lang="en-US" sz="6600" b="1">
+                <a:solidFill>
+                  <a:srgbClr val="445469"/>
+                </a:solidFill>
+                <a:latin typeface="Lato Heavy" charset="0"/>
+                <a:ea typeface="Lato Heavy" charset="0"/>
+                <a:cs typeface="Lato Heavy" charset="0"/>
+              </a:rPr>
+              <a:t>ợng và phạm vi nghiên cứu</a:t>
+            </a:r>
+            <a:endParaRPr lang="id-ID" sz="5401" b="1">
               <a:solidFill>
                 <a:srgbClr val="445469"/>
               </a:solidFill>
@@ -12383,16 +15680,360 @@
           </a:p>
         </p:txBody>
       </p:sp>
+      <p:sp>
+        <p:nvSpPr>
+          <p:cNvPr id="6" name="Date Placeholder 5">
+            <a:extLst>
+              <a:ext uri="{FF2B5EF4-FFF2-40B4-BE49-F238E27FC236}">
+                <a16:creationId xmlns:a16="http://schemas.microsoft.com/office/drawing/2014/main" id="{4DB1461A-FAF4-43D8-BD39-E67D9CFFDF54}"/>
+              </a:ext>
+            </a:extLst>
+          </p:cNvPr>
+          <p:cNvSpPr>
+            <a:spLocks noGrp="1"/>
+          </p:cNvSpPr>
+          <p:nvPr>
+            <p:ph type="dt" sz="half" idx="10"/>
+          </p:nvPr>
+        </p:nvSpPr>
+        <p:spPr/>
+        <p:txBody>
+          <a:bodyPr/>
+          <a:lstStyle/>
+          <a:p>
+            <a:fld id="{67273E2E-D870-4D14-930F-6C3EF5C14B77}" type="datetime1">
+              <a:rPr lang="en-US" smtClean="0">
+                <a:solidFill>
+                  <a:schemeClr val="bg1"/>
+                </a:solidFill>
+              </a:rPr>
+              <a:t>12/5/2018</a:t>
+            </a:fld>
+            <a:endParaRPr lang="en-US">
+              <a:solidFill>
+                <a:schemeClr val="bg1"/>
+              </a:solidFill>
+            </a:endParaRPr>
+          </a:p>
+        </p:txBody>
+      </p:sp>
+      <p:sp>
+        <p:nvSpPr>
+          <p:cNvPr id="7" name="Footer Placeholder 6">
+            <a:extLst>
+              <a:ext uri="{FF2B5EF4-FFF2-40B4-BE49-F238E27FC236}">
+                <a16:creationId xmlns:a16="http://schemas.microsoft.com/office/drawing/2014/main" id="{754D3DE7-1D0F-49BF-8DB3-87320527AB40}"/>
+              </a:ext>
+            </a:extLst>
+          </p:cNvPr>
+          <p:cNvSpPr>
+            <a:spLocks noGrp="1"/>
+          </p:cNvSpPr>
+          <p:nvPr>
+            <p:ph type="ftr" sz="quarter" idx="11"/>
+          </p:nvPr>
+        </p:nvSpPr>
+        <p:spPr/>
+        <p:txBody>
+          <a:bodyPr/>
+          <a:lstStyle/>
+          <a:p>
+            <a:pPr algn="ctr"/>
+            <a:r>
+              <a:rPr lang="en-US"/>
+              <a:t>Hệ thống quản lí chuỗi cửa hàng giặt ủi</a:t>
+            </a:r>
+          </a:p>
+        </p:txBody>
+      </p:sp>
+      <p:sp>
+        <p:nvSpPr>
+          <p:cNvPr id="8" name="TextBox 7">
+            <a:extLst>
+              <a:ext uri="{FF2B5EF4-FFF2-40B4-BE49-F238E27FC236}">
+                <a16:creationId xmlns:a16="http://schemas.microsoft.com/office/drawing/2014/main" id="{270D97FE-8B67-4F90-82B8-443323BA1946}"/>
+              </a:ext>
+            </a:extLst>
+          </p:cNvPr>
+          <p:cNvSpPr txBox="1"/>
+          <p:nvPr/>
+        </p:nvSpPr>
+        <p:spPr>
+          <a:xfrm>
+            <a:off x="1320505" y="2287522"/>
+            <a:ext cx="15646985" cy="10064294"/>
+          </a:xfrm>
+          <a:prstGeom prst="rect">
+            <a:avLst/>
+          </a:prstGeom>
+          <a:noFill/>
+        </p:spPr>
+        <p:txBody>
+          <a:bodyPr wrap="square" rtlCol="0">
+            <a:spAutoFit/>
+          </a:bodyPr>
+          <a:lstStyle/>
+          <a:p>
+            <a:pPr marL="436562" lvl="3" algn="just">
+              <a:spcBef>
+                <a:spcPts val="1200"/>
+              </a:spcBef>
+              <a:spcAft>
+                <a:spcPts val="1200"/>
+              </a:spcAft>
+            </a:pPr>
+            <a:r>
+              <a:rPr lang="en" sz="4800" b="1">
+                <a:solidFill>
+                  <a:srgbClr val="28324A"/>
+                </a:solidFill>
+                <a:latin typeface="Source Sans Pro"/>
+                <a:ea typeface="Source Sans Pro"/>
+                <a:cs typeface="Source Sans Pro"/>
+                <a:sym typeface="Source Sans Pro"/>
+              </a:rPr>
+              <a:t>👉  </a:t>
+            </a:r>
+            <a:r>
+              <a:rPr lang="en-US" sz="4800" b="1">
+                <a:solidFill>
+                  <a:srgbClr val="28324A"/>
+                </a:solidFill>
+                <a:latin typeface="Source Sans Pro"/>
+                <a:ea typeface="Source Sans Pro"/>
+                <a:cs typeface="Source Sans Pro"/>
+                <a:sym typeface="Source Sans Pro"/>
+              </a:rPr>
+              <a:t>Đối t</a:t>
+            </a:r>
+            <a:r>
+              <a:rPr lang="vi-VN" sz="4800" b="1">
+                <a:solidFill>
+                  <a:srgbClr val="28324A"/>
+                </a:solidFill>
+                <a:latin typeface="Source Sans Pro"/>
+                <a:ea typeface="Source Sans Pro"/>
+                <a:cs typeface="Source Sans Pro"/>
+                <a:sym typeface="Source Sans Pro"/>
+              </a:rPr>
+              <a:t>ư</a:t>
+            </a:r>
+            <a:r>
+              <a:rPr lang="en-US" sz="4800" b="1">
+                <a:solidFill>
+                  <a:srgbClr val="28324A"/>
+                </a:solidFill>
+                <a:latin typeface="Source Sans Pro"/>
+                <a:ea typeface="Source Sans Pro"/>
+                <a:cs typeface="Source Sans Pro"/>
+                <a:sym typeface="Source Sans Pro"/>
+              </a:rPr>
+              <a:t>ợng nghiên cứu</a:t>
+            </a:r>
+            <a:endParaRPr lang="en-US" sz="4800" b="1">
+              <a:latin typeface="Calibri" panose="020F0502020204030204" pitchFamily="34" charset="0"/>
+              <a:cs typeface="Calibri" panose="020F0502020204030204" pitchFamily="34" charset="0"/>
+            </a:endParaRPr>
+          </a:p>
+          <a:p>
+            <a:pPr marL="2330450" lvl="5" indent="-979488" algn="just">
+              <a:spcBef>
+                <a:spcPts val="1200"/>
+              </a:spcBef>
+              <a:spcAft>
+                <a:spcPts val="1200"/>
+              </a:spcAft>
+              <a:buFont typeface="Courier New" panose="02070309020205020404" pitchFamily="49" charset="0"/>
+              <a:buChar char="o"/>
+            </a:pPr>
+            <a:r>
+              <a:rPr lang="en-US" sz="4800">
+                <a:latin typeface="Calibri" panose="020F0502020204030204" pitchFamily="34" charset="0"/>
+                <a:cs typeface="Calibri" panose="020F0502020204030204" pitchFamily="34" charset="0"/>
+              </a:rPr>
+              <a:t>M</a:t>
+            </a:r>
+            <a:r>
+              <a:rPr lang="vi-VN" sz="4800">
+                <a:latin typeface="Calibri" panose="020F0502020204030204" pitchFamily="34" charset="0"/>
+                <a:cs typeface="Calibri" panose="020F0502020204030204" pitchFamily="34" charset="0"/>
+              </a:rPr>
+              <a:t>ô hình quản lí một cửa hàng giặt ủi với nhiều chi nhánh</a:t>
+            </a:r>
+            <a:r>
+              <a:rPr lang="en-US" sz="4800">
+                <a:latin typeface="Calibri" panose="020F0502020204030204" pitchFamily="34" charset="0"/>
+                <a:cs typeface="Calibri" panose="020F0502020204030204" pitchFamily="34" charset="0"/>
+              </a:rPr>
+              <a:t>.</a:t>
+            </a:r>
+          </a:p>
+          <a:p>
+            <a:pPr marL="2330450" lvl="5" indent="-979488" algn="just">
+              <a:spcBef>
+                <a:spcPts val="1200"/>
+              </a:spcBef>
+              <a:spcAft>
+                <a:spcPts val="1200"/>
+              </a:spcAft>
+              <a:buFont typeface="Courier New" panose="02070309020205020404" pitchFamily="49" charset="0"/>
+              <a:buChar char="o"/>
+            </a:pPr>
+            <a:r>
+              <a:rPr lang="vi-VN" sz="4800">
+                <a:latin typeface="Calibri" panose="020F0502020204030204" pitchFamily="34" charset="0"/>
+                <a:cs typeface="Calibri" panose="020F0502020204030204" pitchFamily="34" charset="0"/>
+              </a:rPr>
+              <a:t>Tìm hiểu giải thuật hàng đợi nhiều trạm để hỗ trợ việc sắp xếp đơn hàng</a:t>
+            </a:r>
+            <a:r>
+              <a:rPr lang="en-US" sz="4800">
+                <a:latin typeface="Calibri" panose="020F0502020204030204" pitchFamily="34" charset="0"/>
+                <a:cs typeface="Calibri" panose="020F0502020204030204" pitchFamily="34" charset="0"/>
+              </a:rPr>
+              <a:t>.</a:t>
+            </a:r>
+          </a:p>
+          <a:p>
+            <a:pPr marL="457200" lvl="3" algn="just">
+              <a:spcBef>
+                <a:spcPts val="1200"/>
+              </a:spcBef>
+              <a:spcAft>
+                <a:spcPts val="1200"/>
+              </a:spcAft>
+            </a:pPr>
+            <a:r>
+              <a:rPr lang="en" sz="4800" b="1">
+                <a:solidFill>
+                  <a:srgbClr val="28324A"/>
+                </a:solidFill>
+                <a:latin typeface="Source Sans Pro"/>
+                <a:ea typeface="Source Sans Pro"/>
+                <a:cs typeface="Source Sans Pro"/>
+                <a:sym typeface="Source Sans Pro"/>
+              </a:rPr>
+              <a:t>👉  </a:t>
+            </a:r>
+            <a:r>
+              <a:rPr lang="en-US" sz="4800" b="1">
+                <a:solidFill>
+                  <a:srgbClr val="28324A"/>
+                </a:solidFill>
+                <a:latin typeface="Source Sans Pro"/>
+                <a:ea typeface="Source Sans Pro"/>
+                <a:cs typeface="Source Sans Pro"/>
+                <a:sym typeface="Source Sans Pro"/>
+              </a:rPr>
+              <a:t>Phạm vi nghiên cứu</a:t>
+            </a:r>
+          </a:p>
+          <a:p>
+            <a:pPr marL="2330450" lvl="5" indent="-979488" algn="just">
+              <a:spcBef>
+                <a:spcPts val="1200"/>
+              </a:spcBef>
+              <a:spcAft>
+                <a:spcPts val="1200"/>
+              </a:spcAft>
+              <a:buFont typeface="Courier New" panose="02070309020205020404" pitchFamily="49" charset="0"/>
+              <a:buChar char="o"/>
+            </a:pPr>
+            <a:r>
+              <a:rPr lang="en-US" sz="4800">
+                <a:latin typeface="Calibri" panose="020F0502020204030204" pitchFamily="34" charset="0"/>
+                <a:cs typeface="Calibri" panose="020F0502020204030204" pitchFamily="34" charset="0"/>
+              </a:rPr>
+              <a:t>N</a:t>
+            </a:r>
+            <a:r>
+              <a:rPr lang="vi-VN" sz="4800">
+                <a:latin typeface="Calibri" panose="020F0502020204030204" pitchFamily="34" charset="0"/>
+                <a:cs typeface="Calibri" panose="020F0502020204030204" pitchFamily="34" charset="0"/>
+              </a:rPr>
+              <a:t>ghiên cứu cách kết hợp cả hai </a:t>
+            </a:r>
+            <a:r>
+              <a:rPr lang="en-US" sz="4800">
+                <a:latin typeface="Calibri" panose="020F0502020204030204" pitchFamily="34" charset="0"/>
+                <a:cs typeface="Calibri" panose="020F0502020204030204" pitchFamily="34" charset="0"/>
+              </a:rPr>
+              <a:t>đơn vị tính (cái và kg) </a:t>
+            </a:r>
+            <a:r>
+              <a:rPr lang="vi-VN" sz="4800">
+                <a:latin typeface="Calibri" panose="020F0502020204030204" pitchFamily="34" charset="0"/>
+                <a:cs typeface="Calibri" panose="020F0502020204030204" pitchFamily="34" charset="0"/>
+              </a:rPr>
+              <a:t>để phù hợp với nhiều loại dịch vụ nhất</a:t>
+            </a:r>
+            <a:r>
+              <a:rPr lang="en-US" sz="4800">
+                <a:latin typeface="Calibri" panose="020F0502020204030204" pitchFamily="34" charset="0"/>
+                <a:cs typeface="Calibri" panose="020F0502020204030204" pitchFamily="34" charset="0"/>
+              </a:rPr>
+              <a:t>.</a:t>
+            </a:r>
+          </a:p>
+          <a:p>
+            <a:pPr marL="2330450" lvl="5" indent="-979488" algn="just">
+              <a:spcBef>
+                <a:spcPts val="1200"/>
+              </a:spcBef>
+              <a:spcAft>
+                <a:spcPts val="1200"/>
+              </a:spcAft>
+              <a:buFont typeface="Courier New" panose="02070309020205020404" pitchFamily="49" charset="0"/>
+              <a:buChar char="o"/>
+            </a:pPr>
+            <a:r>
+              <a:rPr lang="en-US" sz="4800">
+                <a:latin typeface="Calibri" panose="020F0502020204030204" pitchFamily="34" charset="0"/>
+                <a:cs typeface="Calibri" panose="020F0502020204030204" pitchFamily="34" charset="0"/>
+              </a:rPr>
+              <a:t>S</a:t>
+            </a:r>
+            <a:r>
+              <a:rPr lang="vi-VN" sz="4800">
+                <a:latin typeface="Calibri" panose="020F0502020204030204" pitchFamily="34" charset="0"/>
+                <a:cs typeface="Calibri" panose="020F0502020204030204" pitchFamily="34" charset="0"/>
+              </a:rPr>
+              <a:t>ắp xếp thời gian xử lí các đơn hàng sao cho thời gian xử lí là thấp nhất có thể.</a:t>
+            </a:r>
+            <a:endParaRPr lang="en-US" sz="4800" b="1">
+              <a:latin typeface="Calibri" panose="020F0502020204030204" pitchFamily="34" charset="0"/>
+              <a:cs typeface="Calibri" panose="020F0502020204030204" pitchFamily="34" charset="0"/>
+            </a:endParaRPr>
+          </a:p>
+          <a:p>
+            <a:pPr marL="1350962" lvl="5" algn="just">
+              <a:spcBef>
+                <a:spcPts val="1200"/>
+              </a:spcBef>
+              <a:spcAft>
+                <a:spcPts val="1200"/>
+              </a:spcAft>
+            </a:pPr>
+            <a:endParaRPr lang="en-US" sz="4800">
+              <a:latin typeface="Calibri" panose="020F0502020204030204" pitchFamily="34" charset="0"/>
+              <a:cs typeface="Calibri" panose="020F0502020204030204" pitchFamily="34" charset="0"/>
+            </a:endParaRPr>
+          </a:p>
+        </p:txBody>
+      </p:sp>
     </p:spTree>
     <p:extLst>
       <p:ext uri="{BB962C8B-B14F-4D97-AF65-F5344CB8AC3E}">
-        <p14:creationId xmlns:p14="http://schemas.microsoft.com/office/powerpoint/2010/main" val="907278573"/>
+        <p14:creationId xmlns:p14="http://schemas.microsoft.com/office/powerpoint/2010/main" val="2146846594"/>
       </p:ext>
     </p:extLst>
   </p:cSld>
   <p:clrMapOvr>
     <a:masterClrMapping/>
   </p:clrMapOvr>
+  <p:transition spd="slow">
+    <p:cover/>
+  </p:transition>
 </p:sld>
 </file>
 
@@ -12427,8 +16068,8 @@
         </p:nvSpPr>
         <p:spPr>
           <a:xfrm>
-            <a:off x="5460319" y="771688"/>
-            <a:ext cx="8134287" cy="1084916"/>
+            <a:off x="2138515" y="771688"/>
+            <a:ext cx="14010967" cy="1084916"/>
           </a:xfrm>
           <a:prstGeom prst="rect">
             <a:avLst/>
@@ -12451,7 +16092,7 @@
                 <a:ea typeface="Lato Heavy" charset="0"/>
                 <a:cs typeface="Lato Heavy" charset="0"/>
               </a:rPr>
-              <a:t>C</a:t>
+              <a:t>Ph</a:t>
             </a:r>
             <a:r>
               <a:rPr lang="vi-VN" sz="6600" b="1">
@@ -12462,7 +16103,7 @@
                 <a:ea typeface="Lato Heavy" charset="0"/>
                 <a:cs typeface="Lato Heavy" charset="0"/>
               </a:rPr>
-              <a:t>ơ</a:t>
+              <a:t>ư</a:t>
             </a:r>
             <a:r>
               <a:rPr lang="en-US" sz="6600" b="1">
@@ -12473,8 +16114,16 @@
                 <a:ea typeface="Lato Heavy" charset="0"/>
                 <a:cs typeface="Lato Heavy" charset="0"/>
               </a:rPr>
-              <a:t> sở lí thuyết</a:t>
-            </a:r>
+              <a:t>ơng pháp nghiên cứu</a:t>
+            </a:r>
+            <a:endParaRPr lang="id-ID" sz="5401" b="1">
+              <a:solidFill>
+                <a:srgbClr val="445469"/>
+              </a:solidFill>
+              <a:latin typeface="Lato Heavy" charset="0"/>
+              <a:ea typeface="Lato Heavy" charset="0"/>
+              <a:cs typeface="Lato Heavy" charset="0"/>
+            </a:endParaRPr>
           </a:p>
         </p:txBody>
       </p:sp>
@@ -12499,7 +16148,7 @@
           <a:bodyPr/>
           <a:lstStyle/>
           <a:p>
-            <a:fld id="{70840168-5D59-45E9-8783-04AE3E3078F8}" type="datetime1">
+            <a:fld id="{67273E2E-D870-4D14-930F-6C3EF5C14B77}" type="datetime1">
               <a:rPr lang="en-US" smtClean="0">
                 <a:solidFill>
                   <a:schemeClr val="bg1"/>
@@ -12544,598 +16193,281 @@
           </a:p>
         </p:txBody>
       </p:sp>
-      <p:grpSp>
-        <p:nvGrpSpPr>
-          <p:cNvPr id="34" name="Group 33">
+      <p:sp>
+        <p:nvSpPr>
+          <p:cNvPr id="8" name="TextBox 7">
             <a:extLst>
               <a:ext uri="{FF2B5EF4-FFF2-40B4-BE49-F238E27FC236}">
-                <a16:creationId xmlns:a16="http://schemas.microsoft.com/office/drawing/2014/main" id="{B0296CD0-A6E6-4AA8-B379-918EB5EA3F26}"/>
+                <a16:creationId xmlns:a16="http://schemas.microsoft.com/office/drawing/2014/main" id="{270D97FE-8B67-4F90-82B8-443323BA1946}"/>
               </a:ext>
             </a:extLst>
           </p:cNvPr>
-          <p:cNvGrpSpPr/>
+          <p:cNvSpPr txBox="1"/>
           <p:nvPr/>
-        </p:nvGrpSpPr>
-        <p:grpSpPr>
+        </p:nvSpPr>
+        <p:spPr>
           <a:xfrm>
-            <a:off x="1631635" y="1627554"/>
-            <a:ext cx="3712151" cy="9087827"/>
-            <a:chOff x="4447049" y="2041215"/>
-            <a:chExt cx="3712151" cy="9087827"/>
-          </a:xfrm>
-        </p:grpSpPr>
-        <p:sp>
-          <p:nvSpPr>
-            <p:cNvPr id="30" name="Rectangle: Rounded Corners 29">
-              <a:extLst>
-                <a:ext uri="{FF2B5EF4-FFF2-40B4-BE49-F238E27FC236}">
-                  <a16:creationId xmlns:a16="http://schemas.microsoft.com/office/drawing/2014/main" id="{3A32B576-FCE2-4F44-A5C0-03D69DE74907}"/>
-                </a:ext>
-              </a:extLst>
-            </p:cNvPr>
-            <p:cNvSpPr/>
-            <p:nvPr/>
-          </p:nvSpPr>
-          <p:spPr>
-            <a:xfrm>
-              <a:off x="4447049" y="2041215"/>
-              <a:ext cx="3712151" cy="9087827"/>
-            </a:xfrm>
-            <a:prstGeom prst="roundRect">
-              <a:avLst/>
-            </a:prstGeom>
-            <a:ln w="76200">
-              <a:solidFill>
-                <a:srgbClr val="2287D6"/>
-              </a:solidFill>
-            </a:ln>
-          </p:spPr>
-          <p:style>
-            <a:lnRef idx="2">
-              <a:schemeClr val="accent6"/>
-            </a:lnRef>
-            <a:fillRef idx="1">
-              <a:schemeClr val="lt1"/>
-            </a:fillRef>
-            <a:effectRef idx="0">
-              <a:schemeClr val="accent6"/>
-            </a:effectRef>
-            <a:fontRef idx="minor">
-              <a:schemeClr val="dk1"/>
-            </a:fontRef>
-          </p:style>
-          <p:txBody>
-            <a:bodyPr rtlCol="0" anchor="ctr"/>
-            <a:lstStyle/>
-            <a:p>
-              <a:pPr algn="ctr"/>
-              <a:endParaRPr lang="en-US"/>
-            </a:p>
-          </p:txBody>
-        </p:sp>
-        <p:pic>
-          <p:nvPicPr>
-            <p:cNvPr id="12" name="Picture 6" descr="HÃ¬nh áº£nh cÃ³ liÃªn quan">
-              <a:extLst>
-                <a:ext uri="{FF2B5EF4-FFF2-40B4-BE49-F238E27FC236}">
-                  <a16:creationId xmlns:a16="http://schemas.microsoft.com/office/drawing/2014/main" id="{3951DA40-8F21-4763-A7C8-EE737CFB6C75}"/>
-                </a:ext>
-              </a:extLst>
-            </p:cNvPr>
-            <p:cNvPicPr>
-              <a:picLocks noChangeAspect="1" noChangeArrowheads="1"/>
-            </p:cNvPicPr>
-            <p:nvPr/>
-          </p:nvPicPr>
-          <p:blipFill>
-            <a:blip r:embed="rId3">
-              <a:extLst>
-                <a:ext uri="{28A0092B-C50C-407E-A947-70E740481C1C}">
-                  <a14:useLocalDpi xmlns:a14="http://schemas.microsoft.com/office/drawing/2010/main" val="0"/>
-                </a:ext>
-              </a:extLst>
-            </a:blip>
-            <a:srcRect/>
-            <a:stretch>
-              <a:fillRect/>
-            </a:stretch>
-          </p:blipFill>
-          <p:spPr bwMode="auto">
-            <a:xfrm>
-              <a:off x="5122640" y="8220683"/>
-              <a:ext cx="2201810" cy="2240249"/>
-            </a:xfrm>
-            <a:prstGeom prst="rect">
-              <a:avLst/>
-            </a:prstGeom>
-            <a:noFill/>
-            <a:extLst>
-              <a:ext uri="{909E8E84-426E-40DD-AFC4-6F175D3DCCD1}">
-                <a14:hiddenFill xmlns:a14="http://schemas.microsoft.com/office/drawing/2010/main">
-                  <a:solidFill>
-                    <a:srgbClr val="FFFFFF"/>
-                  </a:solidFill>
-                </a14:hiddenFill>
-              </a:ext>
-            </a:extLst>
-          </p:spPr>
-        </p:pic>
-        <p:pic>
-          <p:nvPicPr>
-            <p:cNvPr id="28" name="Graphic 27">
-              <a:extLst>
-                <a:ext uri="{FF2B5EF4-FFF2-40B4-BE49-F238E27FC236}">
-                  <a16:creationId xmlns:a16="http://schemas.microsoft.com/office/drawing/2014/main" id="{04610603-3065-4955-ABEF-438FFBE91B4C}"/>
-                </a:ext>
-              </a:extLst>
-            </p:cNvPr>
-            <p:cNvPicPr>
-              <a:picLocks noChangeAspect="1"/>
-            </p:cNvPicPr>
-            <p:nvPr/>
-          </p:nvPicPr>
-          <p:blipFill>
-            <a:blip r:embed="rId4" cstate="email">
-              <a:extLst>
-                <a:ext uri="{28A0092B-C50C-407E-A947-70E740481C1C}">
-                  <a14:useLocalDpi xmlns:a14="http://schemas.microsoft.com/office/drawing/2010/main" val="0"/>
-                </a:ext>
-                <a:ext uri="{96DAC541-7B7A-43D3-8B79-37D633B846F1}">
-                  <asvg:svgBlip xmlns:asvg="http://schemas.microsoft.com/office/drawing/2016/SVG/main" r:embed="rId5"/>
-                </a:ext>
-              </a:extLst>
-            </a:blip>
-            <a:stretch>
-              <a:fillRect/>
-            </a:stretch>
-          </p:blipFill>
-          <p:spPr>
-            <a:xfrm>
-              <a:off x="5122640" y="5593667"/>
-              <a:ext cx="2240249" cy="2240249"/>
-            </a:xfrm>
-            <a:prstGeom prst="rect">
-              <a:avLst/>
-            </a:prstGeom>
-          </p:spPr>
-        </p:pic>
-        <p:pic>
-          <p:nvPicPr>
-            <p:cNvPr id="3082" name="Picture 10" descr="Káº¿t quáº£ hÃ¬nh áº£nh cho postgresql icon">
-              <a:extLst>
-                <a:ext uri="{FF2B5EF4-FFF2-40B4-BE49-F238E27FC236}">
-                  <a16:creationId xmlns:a16="http://schemas.microsoft.com/office/drawing/2014/main" id="{211914C4-10F0-4C2A-A11D-34AE53CF6873}"/>
-                </a:ext>
-              </a:extLst>
-            </p:cNvPr>
-            <p:cNvPicPr>
-              <a:picLocks noChangeAspect="1" noChangeArrowheads="1"/>
-            </p:cNvPicPr>
-            <p:nvPr/>
-          </p:nvPicPr>
-          <p:blipFill>
-            <a:blip r:embed="rId6">
-              <a:extLst>
-                <a:ext uri="{28A0092B-C50C-407E-A947-70E740481C1C}">
-                  <a14:useLocalDpi xmlns:a14="http://schemas.microsoft.com/office/drawing/2010/main" val="0"/>
-                </a:ext>
-              </a:extLst>
-            </a:blip>
-            <a:srcRect/>
-            <a:stretch>
-              <a:fillRect/>
-            </a:stretch>
-          </p:blipFill>
-          <p:spPr bwMode="auto">
-            <a:xfrm>
-              <a:off x="5015085" y="2586957"/>
-              <a:ext cx="2572042" cy="2366279"/>
-            </a:xfrm>
-            <a:prstGeom prst="rect">
-              <a:avLst/>
-            </a:prstGeom>
-            <a:noFill/>
-            <a:extLst>
-              <a:ext uri="{909E8E84-426E-40DD-AFC4-6F175D3DCCD1}">
-                <a14:hiddenFill xmlns:a14="http://schemas.microsoft.com/office/drawing/2010/main">
-                  <a:solidFill>
-                    <a:srgbClr val="FFFFFF"/>
-                  </a:solidFill>
-                </a14:hiddenFill>
-              </a:ext>
-            </a:extLst>
-          </p:spPr>
-        </p:pic>
-      </p:grpSp>
-      <p:grpSp>
-        <p:nvGrpSpPr>
-          <p:cNvPr id="35" name="Group 34">
-            <a:extLst>
-              <a:ext uri="{FF2B5EF4-FFF2-40B4-BE49-F238E27FC236}">
-                <a16:creationId xmlns:a16="http://schemas.microsoft.com/office/drawing/2014/main" id="{11D74930-6CCC-4FBB-AF55-276AC3F2CF5E}"/>
-              </a:ext>
-            </a:extLst>
-          </p:cNvPr>
-          <p:cNvGrpSpPr/>
-          <p:nvPr/>
-        </p:nvGrpSpPr>
-        <p:grpSpPr>
-          <a:xfrm>
-            <a:off x="13224789" y="1982221"/>
-            <a:ext cx="4148415" cy="9087827"/>
-            <a:chOff x="12611262" y="1759874"/>
-            <a:chExt cx="4148415" cy="9087827"/>
-          </a:xfrm>
-        </p:grpSpPr>
-        <p:pic>
-          <p:nvPicPr>
-            <p:cNvPr id="31" name="Picture 8" descr="HÃ¬nh áº£nh cÃ³ liÃªn quan">
-              <a:extLst>
-                <a:ext uri="{FF2B5EF4-FFF2-40B4-BE49-F238E27FC236}">
-                  <a16:creationId xmlns:a16="http://schemas.microsoft.com/office/drawing/2014/main" id="{4F19156F-ECD7-4DB9-A870-376E4FC3FB7D}"/>
-                </a:ext>
-              </a:extLst>
-            </p:cNvPr>
-            <p:cNvPicPr>
-              <a:picLocks noChangeAspect="1" noChangeArrowheads="1"/>
-            </p:cNvPicPr>
-            <p:nvPr/>
-          </p:nvPicPr>
-          <p:blipFill>
-            <a:blip r:embed="rId7" cstate="email">
-              <a:extLst>
-                <a:ext uri="{28A0092B-C50C-407E-A947-70E740481C1C}">
-                  <a14:useLocalDpi xmlns:a14="http://schemas.microsoft.com/office/drawing/2010/main" val="0"/>
-                </a:ext>
-              </a:extLst>
-            </a:blip>
-            <a:srcRect/>
-            <a:stretch>
-              <a:fillRect/>
-            </a:stretch>
-          </p:blipFill>
-          <p:spPr bwMode="auto">
-            <a:xfrm>
-              <a:off x="12611262" y="7252801"/>
-              <a:ext cx="4148415" cy="2127174"/>
-            </a:xfrm>
-            <a:prstGeom prst="rect">
-              <a:avLst/>
-            </a:prstGeom>
-            <a:noFill/>
-            <a:extLst>
-              <a:ext uri="{909E8E84-426E-40DD-AFC4-6F175D3DCCD1}">
-                <a14:hiddenFill xmlns:a14="http://schemas.microsoft.com/office/drawing/2010/main">
-                  <a:solidFill>
-                    <a:srgbClr val="FFFFFF"/>
-                  </a:solidFill>
-                </a14:hiddenFill>
-              </a:ext>
-            </a:extLst>
-          </p:spPr>
-        </p:pic>
-        <p:sp>
-          <p:nvSpPr>
-            <p:cNvPr id="37" name="Rectangle: Rounded Corners 36">
-              <a:extLst>
-                <a:ext uri="{FF2B5EF4-FFF2-40B4-BE49-F238E27FC236}">
-                  <a16:creationId xmlns:a16="http://schemas.microsoft.com/office/drawing/2014/main" id="{3E1F150C-79FF-4E35-8AF1-9A76A54C15C0}"/>
-                </a:ext>
-              </a:extLst>
-            </p:cNvPr>
-            <p:cNvSpPr/>
-            <p:nvPr/>
-          </p:nvSpPr>
-          <p:spPr>
-            <a:xfrm>
-              <a:off x="12719864" y="1759874"/>
-              <a:ext cx="3712151" cy="9087827"/>
-            </a:xfrm>
-            <a:prstGeom prst="roundRect">
-              <a:avLst/>
-            </a:prstGeom>
-            <a:noFill/>
-            <a:ln w="76200">
-              <a:solidFill>
-                <a:srgbClr val="2287D6"/>
-              </a:solidFill>
-            </a:ln>
-          </p:spPr>
-          <p:style>
-            <a:lnRef idx="2">
-              <a:schemeClr val="accent6"/>
-            </a:lnRef>
-            <a:fillRef idx="1">
-              <a:schemeClr val="lt1"/>
-            </a:fillRef>
-            <a:effectRef idx="0">
-              <a:schemeClr val="accent6"/>
-            </a:effectRef>
-            <a:fontRef idx="minor">
-              <a:schemeClr val="dk1"/>
-            </a:fontRef>
-          </p:style>
-          <p:txBody>
-            <a:bodyPr rtlCol="0" anchor="ctr"/>
-            <a:lstStyle/>
-            <a:p>
-              <a:pPr algn="ctr"/>
-              <a:endParaRPr lang="en-US"/>
-            </a:p>
-          </p:txBody>
-        </p:sp>
-        <p:pic>
-          <p:nvPicPr>
-            <p:cNvPr id="3084" name="Picture 12" descr="Káº¿t quáº£ hÃ¬nh áº£nh cho android icon">
-              <a:extLst>
-                <a:ext uri="{FF2B5EF4-FFF2-40B4-BE49-F238E27FC236}">
-                  <a16:creationId xmlns:a16="http://schemas.microsoft.com/office/drawing/2014/main" id="{74B177CB-A79C-4776-AC37-B38501395914}"/>
-                </a:ext>
-              </a:extLst>
-            </p:cNvPr>
-            <p:cNvPicPr>
-              <a:picLocks noChangeAspect="1" noChangeArrowheads="1"/>
-            </p:cNvPicPr>
-            <p:nvPr/>
-          </p:nvPicPr>
-          <p:blipFill>
-            <a:blip r:embed="rId8" cstate="email">
-              <a:extLst>
-                <a:ext uri="{28A0092B-C50C-407E-A947-70E740481C1C}">
-                  <a14:useLocalDpi xmlns:a14="http://schemas.microsoft.com/office/drawing/2010/main" val="0"/>
-                </a:ext>
-              </a:extLst>
-            </a:blip>
-            <a:srcRect/>
-            <a:stretch>
-              <a:fillRect/>
-            </a:stretch>
-          </p:blipFill>
-          <p:spPr bwMode="auto">
-            <a:xfrm>
-              <a:off x="13069046" y="2189675"/>
-              <a:ext cx="3013785" cy="3013785"/>
-            </a:xfrm>
-            <a:prstGeom prst="rect">
-              <a:avLst/>
-            </a:prstGeom>
-            <a:noFill/>
-            <a:extLst>
-              <a:ext uri="{909E8E84-426E-40DD-AFC4-6F175D3DCCD1}">
-                <a14:hiddenFill xmlns:a14="http://schemas.microsoft.com/office/drawing/2010/main">
-                  <a:solidFill>
-                    <a:srgbClr val="FFFFFF"/>
-                  </a:solidFill>
-                </a14:hiddenFill>
-              </a:ext>
-            </a:extLst>
-          </p:spPr>
-        </p:pic>
-      </p:grpSp>
-      <p:sp>
-        <p:nvSpPr>
-          <p:cNvPr id="33" name="AutoShape 14" descr="Káº¿t quáº£ hÃ¬nh áº£nh cho android icon">
-            <a:extLst>
-              <a:ext uri="{FF2B5EF4-FFF2-40B4-BE49-F238E27FC236}">
-                <a16:creationId xmlns:a16="http://schemas.microsoft.com/office/drawing/2014/main" id="{97A5E0AE-AEA8-42E5-93E5-438E530750DC}"/>
-              </a:ext>
-            </a:extLst>
-          </p:cNvPr>
-          <p:cNvSpPr>
-            <a:spLocks noChangeAspect="1" noChangeArrowheads="1"/>
-          </p:cNvSpPr>
-          <p:nvPr/>
-        </p:nvSpPr>
-        <p:spPr bwMode="auto">
-          <a:xfrm>
-            <a:off x="8991600" y="6705600"/>
-            <a:ext cx="304800" cy="304800"/>
+            <a:off x="1320505" y="2338404"/>
+            <a:ext cx="15646985" cy="9017853"/>
           </a:xfrm>
           <a:prstGeom prst="rect">
             <a:avLst/>
           </a:prstGeom>
           <a:noFill/>
-          <a:extLst>
-            <a:ext uri="{909E8E84-426E-40DD-AFC4-6F175D3DCCD1}">
-              <a14:hiddenFill xmlns:a14="http://schemas.microsoft.com/office/drawing/2010/main">
+        </p:spPr>
+        <p:txBody>
+          <a:bodyPr wrap="square" rtlCol="0">
+            <a:spAutoFit/>
+          </a:bodyPr>
+          <a:lstStyle/>
+          <a:p>
+            <a:pPr marL="436562" lvl="3" algn="just">
+              <a:spcBef>
+                <a:spcPts val="1200"/>
+              </a:spcBef>
+              <a:spcAft>
+                <a:spcPts val="1200"/>
+              </a:spcAft>
+            </a:pPr>
+            <a:r>
+              <a:rPr lang="en" sz="4800" b="1">
                 <a:solidFill>
-                  <a:srgbClr val="FFFFFF"/>
+                  <a:srgbClr val="28324A"/>
                 </a:solidFill>
-              </a14:hiddenFill>
-            </a:ext>
-          </a:extLst>
-        </p:spPr>
-        <p:txBody>
-          <a:bodyPr vert="horz" wrap="square" lIns="91440" tIns="45720" rIns="91440" bIns="45720" numCol="1" anchor="t" anchorCtr="0" compatLnSpc="1">
-            <a:prstTxWarp prst="textNoShape">
-              <a:avLst/>
-            </a:prstTxWarp>
-          </a:bodyPr>
-          <a:lstStyle/>
-          <a:p>
-            <a:endParaRPr lang="en-US"/>
-          </a:p>
-        </p:txBody>
-      </p:sp>
-      <p:grpSp>
-        <p:nvGrpSpPr>
-          <p:cNvPr id="38" name="Group 37">
-            <a:extLst>
-              <a:ext uri="{FF2B5EF4-FFF2-40B4-BE49-F238E27FC236}">
-                <a16:creationId xmlns:a16="http://schemas.microsoft.com/office/drawing/2014/main" id="{8A1E1092-3C86-438C-A77B-393CB3311655}"/>
-              </a:ext>
-            </a:extLst>
-          </p:cNvPr>
-          <p:cNvGrpSpPr/>
-          <p:nvPr/>
-        </p:nvGrpSpPr>
-        <p:grpSpPr>
-          <a:xfrm>
-            <a:off x="6143414" y="5873200"/>
-            <a:ext cx="6305971" cy="1969600"/>
-            <a:chOff x="6495805" y="5873200"/>
-            <a:chExt cx="6305971" cy="1969600"/>
-          </a:xfrm>
-        </p:grpSpPr>
-        <p:pic>
-          <p:nvPicPr>
-            <p:cNvPr id="3080" name="Picture 8" descr="Káº¿t quáº£ hÃ¬nh áº£nh cho apollo client icon">
-              <a:extLst>
-                <a:ext uri="{FF2B5EF4-FFF2-40B4-BE49-F238E27FC236}">
-                  <a16:creationId xmlns:a16="http://schemas.microsoft.com/office/drawing/2014/main" id="{9E7E735D-ACBB-4A76-A739-931686F1E6FA}"/>
-                </a:ext>
-              </a:extLst>
-            </p:cNvPr>
-            <p:cNvPicPr>
-              <a:picLocks noChangeAspect="1" noChangeArrowheads="1"/>
-            </p:cNvPicPr>
-            <p:nvPr/>
-          </p:nvPicPr>
-          <p:blipFill>
-            <a:blip r:embed="rId9" cstate="email">
-              <a:extLst>
-                <a:ext uri="{28A0092B-C50C-407E-A947-70E740481C1C}">
-                  <a14:useLocalDpi xmlns:a14="http://schemas.microsoft.com/office/drawing/2010/main" val="0"/>
-                </a:ext>
-              </a:extLst>
-            </a:blip>
-            <a:srcRect/>
-            <a:stretch>
-              <a:fillRect/>
-            </a:stretch>
-          </p:blipFill>
-          <p:spPr bwMode="auto">
-            <a:xfrm>
-              <a:off x="8588622" y="5873200"/>
-              <a:ext cx="1969600" cy="1969600"/>
-            </a:xfrm>
-            <a:prstGeom prst="rect">
-              <a:avLst/>
-            </a:prstGeom>
-            <a:noFill/>
-            <a:extLst>
-              <a:ext uri="{909E8E84-426E-40DD-AFC4-6F175D3DCCD1}">
-                <a14:hiddenFill xmlns:a14="http://schemas.microsoft.com/office/drawing/2010/main">
-                  <a:solidFill>
-                    <a:srgbClr val="FFFFFF"/>
-                  </a:solidFill>
-                </a14:hiddenFill>
-              </a:ext>
-            </a:extLst>
-          </p:spPr>
-        </p:pic>
-        <p:sp>
-          <p:nvSpPr>
-            <p:cNvPr id="36" name="Arrow: Left-Right 35">
-              <a:extLst>
-                <a:ext uri="{FF2B5EF4-FFF2-40B4-BE49-F238E27FC236}">
-                  <a16:creationId xmlns:a16="http://schemas.microsoft.com/office/drawing/2014/main" id="{FF69C34B-B03B-4FC7-BD91-4B8FC1A66BB1}"/>
-                </a:ext>
-              </a:extLst>
-            </p:cNvPr>
-            <p:cNvSpPr/>
-            <p:nvPr/>
-          </p:nvSpPr>
-          <p:spPr>
-            <a:xfrm>
-              <a:off x="10825492" y="6171468"/>
-              <a:ext cx="1976284" cy="1051657"/>
-            </a:xfrm>
-            <a:prstGeom prst="leftRightArrow">
-              <a:avLst>
-                <a:gd name="adj1" fmla="val 50000"/>
-                <a:gd name="adj2" fmla="val 47195"/>
-              </a:avLst>
-            </a:prstGeom>
-            <a:solidFill>
-              <a:srgbClr val="4099E0"/>
-            </a:solidFill>
-            <a:ln>
-              <a:noFill/>
-            </a:ln>
-          </p:spPr>
-          <p:style>
-            <a:lnRef idx="2">
-              <a:schemeClr val="accent1">
-                <a:shade val="50000"/>
-              </a:schemeClr>
-            </a:lnRef>
-            <a:fillRef idx="1">
-              <a:schemeClr val="accent1"/>
-            </a:fillRef>
-            <a:effectRef idx="0">
-              <a:schemeClr val="accent1"/>
-            </a:effectRef>
-            <a:fontRef idx="minor">
-              <a:schemeClr val="lt1"/>
-            </a:fontRef>
-          </p:style>
-          <p:txBody>
-            <a:bodyPr rtlCol="0" anchor="ctr"/>
-            <a:lstStyle/>
-            <a:p>
-              <a:pPr algn="ctr"/>
-              <a:endParaRPr lang="en-US"/>
-            </a:p>
-          </p:txBody>
-        </p:sp>
-        <p:sp>
-          <p:nvSpPr>
-            <p:cNvPr id="41" name="Arrow: Left-Right 40">
-              <a:extLst>
-                <a:ext uri="{FF2B5EF4-FFF2-40B4-BE49-F238E27FC236}">
-                  <a16:creationId xmlns:a16="http://schemas.microsoft.com/office/drawing/2014/main" id="{A1D9BD5C-A61E-4A4E-A627-DE5EB741D2B4}"/>
-                </a:ext>
-              </a:extLst>
-            </p:cNvPr>
-            <p:cNvSpPr/>
-            <p:nvPr/>
-          </p:nvSpPr>
-          <p:spPr>
-            <a:xfrm>
-              <a:off x="6495805" y="6171468"/>
-              <a:ext cx="1976284" cy="1084916"/>
-            </a:xfrm>
-            <a:prstGeom prst="leftRightArrow">
-              <a:avLst/>
-            </a:prstGeom>
-            <a:solidFill>
-              <a:srgbClr val="4099E0"/>
-            </a:solidFill>
-            <a:ln>
-              <a:noFill/>
-            </a:ln>
-          </p:spPr>
-          <p:style>
-            <a:lnRef idx="2">
-              <a:schemeClr val="accent1">
-                <a:shade val="50000"/>
-              </a:schemeClr>
-            </a:lnRef>
-            <a:fillRef idx="1">
-              <a:schemeClr val="accent1"/>
-            </a:fillRef>
-            <a:effectRef idx="0">
-              <a:schemeClr val="accent1"/>
-            </a:effectRef>
-            <a:fontRef idx="minor">
-              <a:schemeClr val="lt1"/>
-            </a:fontRef>
-          </p:style>
-          <p:txBody>
-            <a:bodyPr rtlCol="0" anchor="ctr"/>
-            <a:lstStyle/>
-            <a:p>
-              <a:pPr algn="ctr"/>
-              <a:endParaRPr lang="en-US"/>
-            </a:p>
-          </p:txBody>
-        </p:sp>
-      </p:grpSp>
+                <a:latin typeface="Source Sans Pro"/>
+                <a:ea typeface="Source Sans Pro"/>
+                <a:cs typeface="Source Sans Pro"/>
+                <a:sym typeface="Source Sans Pro"/>
+              </a:rPr>
+              <a:t>👉  </a:t>
+            </a:r>
+            <a:r>
+              <a:rPr lang="vi-VN" sz="4800" b="1">
+                <a:solidFill>
+                  <a:srgbClr val="28324A"/>
+                </a:solidFill>
+                <a:latin typeface="Source Sans Pro"/>
+                <a:ea typeface="Source Sans Pro"/>
+                <a:cs typeface="Source Sans Pro"/>
+                <a:sym typeface="Source Sans Pro"/>
+              </a:rPr>
+              <a:t>Về mặt lý thuyết</a:t>
+            </a:r>
+            <a:r>
+              <a:rPr lang="en-US" sz="4800" b="1">
+                <a:solidFill>
+                  <a:srgbClr val="28324A"/>
+                </a:solidFill>
+                <a:latin typeface="Source Sans Pro"/>
+                <a:ea typeface="Source Sans Pro"/>
+                <a:cs typeface="Source Sans Pro"/>
+                <a:sym typeface="Source Sans Pro"/>
+              </a:rPr>
+              <a:t>: </a:t>
+            </a:r>
+            <a:r>
+              <a:rPr lang="vi-VN" sz="4800">
+                <a:latin typeface="Source Sans Pro"/>
+                <a:ea typeface="Source Sans Pro"/>
+                <a:cs typeface="Source Sans Pro"/>
+                <a:sym typeface="Source Sans Pro"/>
+              </a:rPr>
+              <a:t>nghiên cứu cách phân tích, thiết kế hệ thống và thiết kế các mô hình: Sơ đồ Use Case, mô hình dữ liệu mức quan niệm (CDM), thiết kế cở sở dữ liệu.</a:t>
+            </a:r>
+          </a:p>
+          <a:p>
+            <a:pPr marL="436562" lvl="3" algn="just">
+              <a:spcBef>
+                <a:spcPts val="1200"/>
+              </a:spcBef>
+              <a:spcAft>
+                <a:spcPts val="1200"/>
+              </a:spcAft>
+            </a:pPr>
+            <a:r>
+              <a:rPr lang="en" sz="4800" b="1">
+                <a:solidFill>
+                  <a:srgbClr val="28324A"/>
+                </a:solidFill>
+                <a:latin typeface="Source Sans Pro"/>
+                <a:ea typeface="Source Sans Pro"/>
+                <a:cs typeface="Source Sans Pro"/>
+                <a:sym typeface="Source Sans Pro"/>
+              </a:rPr>
+              <a:t>👉 </a:t>
+            </a:r>
+            <a:r>
+              <a:rPr lang="vi-VN" sz="4800" b="1">
+                <a:solidFill>
+                  <a:srgbClr val="28324A"/>
+                </a:solidFill>
+                <a:latin typeface="Source Sans Pro"/>
+                <a:ea typeface="Source Sans Pro"/>
+                <a:cs typeface="Source Sans Pro"/>
+                <a:sym typeface="Source Sans Pro"/>
+              </a:rPr>
+              <a:t>Về mặt chức năng</a:t>
+            </a:r>
+            <a:r>
+              <a:rPr lang="en-US" sz="4800" b="1">
+                <a:solidFill>
+                  <a:srgbClr val="28324A"/>
+                </a:solidFill>
+                <a:latin typeface="Source Sans Pro"/>
+                <a:ea typeface="Source Sans Pro"/>
+                <a:cs typeface="Source Sans Pro"/>
+                <a:sym typeface="Source Sans Pro"/>
+              </a:rPr>
+              <a:t>:</a:t>
+            </a:r>
+            <a:r>
+              <a:rPr lang="vi-VN" sz="4800">
+                <a:solidFill>
+                  <a:srgbClr val="28324A"/>
+                </a:solidFill>
+                <a:latin typeface="Source Sans Pro"/>
+                <a:ea typeface="Source Sans Pro"/>
+                <a:cs typeface="Source Sans Pro"/>
+                <a:sym typeface="Source Sans Pro"/>
+              </a:rPr>
+              <a:t> </a:t>
+            </a:r>
+            <a:endParaRPr lang="en-US" sz="4800">
+              <a:solidFill>
+                <a:srgbClr val="28324A"/>
+              </a:solidFill>
+              <a:latin typeface="Source Sans Pro"/>
+              <a:ea typeface="Source Sans Pro"/>
+              <a:cs typeface="Source Sans Pro"/>
+              <a:sym typeface="Source Sans Pro"/>
+            </a:endParaRPr>
+          </a:p>
+          <a:p>
+            <a:pPr marL="1122362" lvl="3" indent="-685800" algn="just">
+              <a:spcBef>
+                <a:spcPts val="1200"/>
+              </a:spcBef>
+              <a:spcAft>
+                <a:spcPts val="1200"/>
+              </a:spcAft>
+              <a:buFont typeface="Courier New" panose="02070309020205020404" pitchFamily="49" charset="0"/>
+              <a:buChar char="o"/>
+            </a:pPr>
+            <a:r>
+              <a:rPr lang="en-US" sz="4800">
+                <a:latin typeface="Source Sans Pro"/>
+                <a:ea typeface="Source Sans Pro"/>
+                <a:cs typeface="Source Sans Pro"/>
+                <a:sym typeface="Source Sans Pro"/>
+              </a:rPr>
+              <a:t>N</a:t>
+            </a:r>
+            <a:r>
+              <a:rPr lang="vi-VN" sz="4800">
+                <a:latin typeface="Source Sans Pro"/>
+                <a:ea typeface="Source Sans Pro"/>
+                <a:cs typeface="Source Sans Pro"/>
+                <a:sym typeface="Source Sans Pro"/>
+              </a:rPr>
+              <a:t>ền tảng Android và cách lập trình Android tạo nên ứng dụng cho người dùng. </a:t>
+            </a:r>
+            <a:endParaRPr lang="en-US" sz="4800">
+              <a:latin typeface="Source Sans Pro"/>
+              <a:ea typeface="Source Sans Pro"/>
+              <a:cs typeface="Source Sans Pro"/>
+              <a:sym typeface="Source Sans Pro"/>
+            </a:endParaRPr>
+          </a:p>
+          <a:p>
+            <a:pPr marL="1122362" lvl="3" indent="-685800" algn="just">
+              <a:spcBef>
+                <a:spcPts val="1200"/>
+              </a:spcBef>
+              <a:spcAft>
+                <a:spcPts val="1200"/>
+              </a:spcAft>
+              <a:buFont typeface="Courier New" panose="02070309020205020404" pitchFamily="49" charset="0"/>
+              <a:buChar char="o"/>
+            </a:pPr>
+            <a:r>
+              <a:rPr lang="vi-VN" sz="4800">
+                <a:latin typeface="Source Sans Pro"/>
+                <a:ea typeface="Source Sans Pro"/>
+                <a:cs typeface="Source Sans Pro"/>
+                <a:sym typeface="Source Sans Pro"/>
+              </a:rPr>
+              <a:t>GraphQL, Postgraphile, PostgresSQL, JWT xây dựng server phục vụ truy vấn dữ liệu và xử lí dữ liệu. </a:t>
+            </a:r>
+            <a:endParaRPr lang="en-US" sz="4800">
+              <a:latin typeface="Source Sans Pro"/>
+              <a:ea typeface="Source Sans Pro"/>
+              <a:cs typeface="Source Sans Pro"/>
+              <a:sym typeface="Source Sans Pro"/>
+            </a:endParaRPr>
+          </a:p>
+          <a:p>
+            <a:pPr marL="1122362" lvl="3" indent="-685800" algn="just">
+              <a:spcBef>
+                <a:spcPts val="1200"/>
+              </a:spcBef>
+              <a:spcAft>
+                <a:spcPts val="1200"/>
+              </a:spcAft>
+              <a:buFont typeface="Courier New" panose="02070309020205020404" pitchFamily="49" charset="0"/>
+              <a:buChar char="o"/>
+            </a:pPr>
+            <a:r>
+              <a:rPr lang="en-US" sz="4800">
+                <a:latin typeface="Source Sans Pro"/>
+                <a:ea typeface="Source Sans Pro"/>
+                <a:cs typeface="Source Sans Pro"/>
+                <a:sym typeface="Source Sans Pro"/>
+              </a:rPr>
+              <a:t>X</a:t>
+            </a:r>
+            <a:r>
+              <a:rPr lang="vi-VN" sz="4800">
+                <a:latin typeface="Source Sans Pro"/>
+                <a:ea typeface="Source Sans Pro"/>
+                <a:cs typeface="Source Sans Pro"/>
+                <a:sym typeface="Source Sans Pro"/>
+              </a:rPr>
+              <a:t>ây dựng website quản lí bằng ReactJS. </a:t>
+            </a:r>
+            <a:endParaRPr lang="en-US" sz="4800">
+              <a:latin typeface="Source Sans Pro"/>
+              <a:ea typeface="Source Sans Pro"/>
+              <a:cs typeface="Source Sans Pro"/>
+              <a:sym typeface="Source Sans Pro"/>
+            </a:endParaRPr>
+          </a:p>
+          <a:p>
+            <a:pPr marL="1122362" lvl="3" indent="-685800" algn="just">
+              <a:spcBef>
+                <a:spcPts val="1200"/>
+              </a:spcBef>
+              <a:spcAft>
+                <a:spcPts val="1200"/>
+              </a:spcAft>
+              <a:buFont typeface="Courier New" panose="02070309020205020404" pitchFamily="49" charset="0"/>
+              <a:buChar char="o"/>
+            </a:pPr>
+            <a:r>
+              <a:rPr lang="vi-VN" sz="4800">
+                <a:latin typeface="Source Sans Pro"/>
+                <a:ea typeface="Source Sans Pro"/>
+                <a:cs typeface="Source Sans Pro"/>
+                <a:sym typeface="Source Sans Pro"/>
+              </a:rPr>
+              <a:t>Apollo Client để nối kết với server.</a:t>
+            </a:r>
+          </a:p>
+        </p:txBody>
+      </p:sp>
     </p:spTree>
     <p:extLst>
       <p:ext uri="{BB962C8B-B14F-4D97-AF65-F5344CB8AC3E}">
-        <p14:creationId xmlns:p14="http://schemas.microsoft.com/office/powerpoint/2010/main" val="3899022492"/>
+        <p14:creationId xmlns:p14="http://schemas.microsoft.com/office/powerpoint/2010/main" val="2741775152"/>
       </p:ext>
     </p:extLst>
   </p:cSld>

--- a/baoCao/bao_cao.pptx
+++ b/baoCao/bao_cao.pptx
@@ -5,10 +5,10 @@
     <p:sldMasterId id="2147483892" r:id="rId1"/>
   </p:sldMasterIdLst>
   <p:notesMasterIdLst>
-    <p:notesMasterId r:id="rId39"/>
+    <p:notesMasterId r:id="rId40"/>
   </p:notesMasterIdLst>
   <p:handoutMasterIdLst>
-    <p:handoutMasterId r:id="rId40"/>
+    <p:handoutMasterId r:id="rId41"/>
   </p:handoutMasterIdLst>
   <p:sldIdLst>
     <p:sldId id="1481" r:id="rId2"/>
@@ -23,31 +23,32 @@
     <p:sldId id="1500" r:id="rId11"/>
     <p:sldId id="1504" r:id="rId12"/>
     <p:sldId id="1503" r:id="rId13"/>
-    <p:sldId id="1502" r:id="rId14"/>
-    <p:sldId id="1515" r:id="rId15"/>
-    <p:sldId id="1516" r:id="rId16"/>
-    <p:sldId id="1517" r:id="rId17"/>
-    <p:sldId id="1518" r:id="rId18"/>
-    <p:sldId id="1519" r:id="rId19"/>
-    <p:sldId id="1520" r:id="rId20"/>
-    <p:sldId id="1512" r:id="rId21"/>
-    <p:sldId id="1511" r:id="rId22"/>
-    <p:sldId id="1506" r:id="rId23"/>
-    <p:sldId id="1513" r:id="rId24"/>
-    <p:sldId id="1521" r:id="rId25"/>
-    <p:sldId id="1523" r:id="rId26"/>
-    <p:sldId id="1524" r:id="rId27"/>
-    <p:sldId id="1522" r:id="rId28"/>
-    <p:sldId id="1488" r:id="rId29"/>
-    <p:sldId id="1489" r:id="rId30"/>
-    <p:sldId id="1490" r:id="rId31"/>
-    <p:sldId id="1507" r:id="rId32"/>
-    <p:sldId id="1508" r:id="rId33"/>
-    <p:sldId id="1493" r:id="rId34"/>
-    <p:sldId id="1491" r:id="rId35"/>
-    <p:sldId id="1499" r:id="rId36"/>
-    <p:sldId id="1495" r:id="rId37"/>
-    <p:sldId id="1487" r:id="rId38"/>
+    <p:sldId id="1526" r:id="rId14"/>
+    <p:sldId id="1502" r:id="rId15"/>
+    <p:sldId id="1515" r:id="rId16"/>
+    <p:sldId id="1516" r:id="rId17"/>
+    <p:sldId id="1517" r:id="rId18"/>
+    <p:sldId id="1518" r:id="rId19"/>
+    <p:sldId id="1519" r:id="rId20"/>
+    <p:sldId id="1520" r:id="rId21"/>
+    <p:sldId id="1512" r:id="rId22"/>
+    <p:sldId id="1511" r:id="rId23"/>
+    <p:sldId id="1506" r:id="rId24"/>
+    <p:sldId id="1525" r:id="rId25"/>
+    <p:sldId id="1521" r:id="rId26"/>
+    <p:sldId id="1523" r:id="rId27"/>
+    <p:sldId id="1524" r:id="rId28"/>
+    <p:sldId id="1522" r:id="rId29"/>
+    <p:sldId id="1488" r:id="rId30"/>
+    <p:sldId id="1489" r:id="rId31"/>
+    <p:sldId id="1490" r:id="rId32"/>
+    <p:sldId id="1507" r:id="rId33"/>
+    <p:sldId id="1508" r:id="rId34"/>
+    <p:sldId id="1493" r:id="rId35"/>
+    <p:sldId id="1491" r:id="rId36"/>
+    <p:sldId id="1499" r:id="rId37"/>
+    <p:sldId id="1495" r:id="rId38"/>
+    <p:sldId id="1487" r:id="rId39"/>
   </p:sldIdLst>
   <p:sldSz cx="18288000" cy="13716000"/>
   <p:notesSz cx="6858000" cy="9144000"/>
@@ -171,6 +172,11 @@
             <p14:sldId id="1500"/>
             <p14:sldId id="1504"/>
             <p14:sldId id="1503"/>
+            <p14:sldId id="1526"/>
+          </p14:sldIdLst>
+        </p14:section>
+        <p14:section name="Cơ sở lí thuyết" id="{A6CD0559-F059-477F-A3C4-AF34CA07769B}">
+          <p14:sldIdLst>
             <p14:sldId id="1502"/>
             <p14:sldId id="1515"/>
             <p14:sldId id="1516"/>
@@ -181,7 +187,11 @@
             <p14:sldId id="1512"/>
             <p14:sldId id="1511"/>
             <p14:sldId id="1506"/>
-            <p14:sldId id="1513"/>
+          </p14:sldIdLst>
+        </p14:section>
+        <p14:section name="Tổng quan hệ thống" id="{3A81F1D3-0664-42E9-92DB-2F521121E8E5}">
+          <p14:sldIdLst>
+            <p14:sldId id="1525"/>
             <p14:sldId id="1521"/>
             <p14:sldId id="1523"/>
             <p14:sldId id="1524"/>
@@ -16628,7 +16638,7 @@
     </p:spTree>
     <p:extLst>
       <p:ext uri="{BB962C8B-B14F-4D97-AF65-F5344CB8AC3E}">
-        <p14:creationId xmlns:p14="http://schemas.microsoft.com/office/powerpoint/2010/main" val="2744748137"/>
+        <p14:creationId xmlns:p14="http://schemas.microsoft.com/office/powerpoint/2010/main" val="203155090"/>
       </p:ext>
     </p:extLst>
   </p:cSld>
@@ -16790,7 +16800,7 @@
     </p:spTree>
     <p:extLst>
       <p:ext uri="{BB962C8B-B14F-4D97-AF65-F5344CB8AC3E}">
-        <p14:creationId xmlns:p14="http://schemas.microsoft.com/office/powerpoint/2010/main" val="3327018395"/>
+        <p14:creationId xmlns:p14="http://schemas.microsoft.com/office/powerpoint/2010/main" val="2744748137"/>
       </p:ext>
     </p:extLst>
   </p:cSld>
@@ -16952,7 +16962,7 @@
     </p:spTree>
     <p:extLst>
       <p:ext uri="{BB962C8B-B14F-4D97-AF65-F5344CB8AC3E}">
-        <p14:creationId xmlns:p14="http://schemas.microsoft.com/office/powerpoint/2010/main" val="2330040651"/>
+        <p14:creationId xmlns:p14="http://schemas.microsoft.com/office/powerpoint/2010/main" val="3327018395"/>
       </p:ext>
     </p:extLst>
   </p:cSld>
@@ -17114,7 +17124,7 @@
     </p:spTree>
     <p:extLst>
       <p:ext uri="{BB962C8B-B14F-4D97-AF65-F5344CB8AC3E}">
-        <p14:creationId xmlns:p14="http://schemas.microsoft.com/office/powerpoint/2010/main" val="1036971405"/>
+        <p14:creationId xmlns:p14="http://schemas.microsoft.com/office/powerpoint/2010/main" val="2330040651"/>
       </p:ext>
     </p:extLst>
   </p:cSld>
@@ -17276,7 +17286,7 @@
     </p:spTree>
     <p:extLst>
       <p:ext uri="{BB962C8B-B14F-4D97-AF65-F5344CB8AC3E}">
-        <p14:creationId xmlns:p14="http://schemas.microsoft.com/office/powerpoint/2010/main" val="1202406364"/>
+        <p14:creationId xmlns:p14="http://schemas.microsoft.com/office/powerpoint/2010/main" val="1036971405"/>
       </p:ext>
     </p:extLst>
   </p:cSld>
@@ -17438,7 +17448,7 @@
     </p:spTree>
     <p:extLst>
       <p:ext uri="{BB962C8B-B14F-4D97-AF65-F5344CB8AC3E}">
-        <p14:creationId xmlns:p14="http://schemas.microsoft.com/office/powerpoint/2010/main" val="585066472"/>
+        <p14:creationId xmlns:p14="http://schemas.microsoft.com/office/powerpoint/2010/main" val="1202406364"/>
       </p:ext>
     </p:extLst>
   </p:cSld>
@@ -17600,7 +17610,7 @@
     </p:spTree>
     <p:extLst>
       <p:ext uri="{BB962C8B-B14F-4D97-AF65-F5344CB8AC3E}">
-        <p14:creationId xmlns:p14="http://schemas.microsoft.com/office/powerpoint/2010/main" val="933255436"/>
+        <p14:creationId xmlns:p14="http://schemas.microsoft.com/office/powerpoint/2010/main" val="585066472"/>
       </p:ext>
     </p:extLst>
   </p:cSld>
@@ -17762,7 +17772,7 @@
     </p:spTree>
     <p:extLst>
       <p:ext uri="{BB962C8B-B14F-4D97-AF65-F5344CB8AC3E}">
-        <p14:creationId xmlns:p14="http://schemas.microsoft.com/office/powerpoint/2010/main" val="2655421649"/>
+        <p14:creationId xmlns:p14="http://schemas.microsoft.com/office/powerpoint/2010/main" val="933255436"/>
       </p:ext>
     </p:extLst>
   </p:cSld>
@@ -17924,7 +17934,7 @@
     </p:spTree>
     <p:extLst>
       <p:ext uri="{BB962C8B-B14F-4D97-AF65-F5344CB8AC3E}">
-        <p14:creationId xmlns:p14="http://schemas.microsoft.com/office/powerpoint/2010/main" val="990360094"/>
+        <p14:creationId xmlns:p14="http://schemas.microsoft.com/office/powerpoint/2010/main" val="2655421649"/>
       </p:ext>
     </p:extLst>
   </p:cSld>
@@ -18086,7 +18096,7 @@
     </p:spTree>
     <p:extLst>
       <p:ext uri="{BB962C8B-B14F-4D97-AF65-F5344CB8AC3E}">
-        <p14:creationId xmlns:p14="http://schemas.microsoft.com/office/powerpoint/2010/main" val="216625201"/>
+        <p14:creationId xmlns:p14="http://schemas.microsoft.com/office/powerpoint/2010/main" val="1924851921"/>
       </p:ext>
     </p:extLst>
   </p:cSld>
@@ -18355,7 +18365,7 @@
     </p:spTree>
     <p:extLst>
       <p:ext uri="{BB962C8B-B14F-4D97-AF65-F5344CB8AC3E}">
-        <p14:creationId xmlns:p14="http://schemas.microsoft.com/office/powerpoint/2010/main" val="4248497009"/>
+        <p14:creationId xmlns:p14="http://schemas.microsoft.com/office/powerpoint/2010/main" val="216625201"/>
       </p:ext>
     </p:extLst>
   </p:cSld>
@@ -18517,7 +18527,7 @@
     </p:spTree>
     <p:extLst>
       <p:ext uri="{BB962C8B-B14F-4D97-AF65-F5344CB8AC3E}">
-        <p14:creationId xmlns:p14="http://schemas.microsoft.com/office/powerpoint/2010/main" val="2146450198"/>
+        <p14:creationId xmlns:p14="http://schemas.microsoft.com/office/powerpoint/2010/main" val="4248497009"/>
       </p:ext>
     </p:extLst>
   </p:cSld>
@@ -18679,6 +18689,168 @@
     </p:spTree>
     <p:extLst>
       <p:ext uri="{BB962C8B-B14F-4D97-AF65-F5344CB8AC3E}">
+        <p14:creationId xmlns:p14="http://schemas.microsoft.com/office/powerpoint/2010/main" val="2146450198"/>
+      </p:ext>
+    </p:extLst>
+  </p:cSld>
+  <p:clrMapOvr>
+    <a:masterClrMapping/>
+  </p:clrMapOvr>
+</p:notes>
+</file>
+
+<file path=ppt/notesSlides/notesSlide23.xml><?xml version="1.0" encoding="utf-8"?>
+<p:notes xmlns:a="http://schemas.openxmlformats.org/drawingml/2006/main" xmlns:r="http://schemas.openxmlformats.org/officeDocument/2006/relationships" xmlns:p="http://schemas.openxmlformats.org/presentationml/2006/main">
+  <p:cSld>
+    <p:spTree>
+      <p:nvGrpSpPr>
+        <p:cNvPr id="1" name=""/>
+        <p:cNvGrpSpPr/>
+        <p:nvPr/>
+      </p:nvGrpSpPr>
+      <p:grpSpPr>
+        <a:xfrm>
+          <a:off x="0" y="0"/>
+          <a:ext cx="0" cy="0"/>
+          <a:chOff x="0" y="0"/>
+          <a:chExt cx="0" cy="0"/>
+        </a:xfrm>
+      </p:grpSpPr>
+      <p:sp>
+        <p:nvSpPr>
+          <p:cNvPr id="2" name="Slide Image Placeholder 1"/>
+          <p:cNvSpPr>
+            <a:spLocks noGrp="1" noRot="1" noChangeAspect="1"/>
+          </p:cNvSpPr>
+          <p:nvPr>
+            <p:ph type="sldImg"/>
+          </p:nvPr>
+        </p:nvSpPr>
+        <p:spPr/>
+      </p:sp>
+      <p:sp>
+        <p:nvSpPr>
+          <p:cNvPr id="3" name="Notes Placeholder 2"/>
+          <p:cNvSpPr>
+            <a:spLocks noGrp="1"/>
+          </p:cNvSpPr>
+          <p:nvPr>
+            <p:ph type="body" idx="1"/>
+          </p:nvPr>
+        </p:nvSpPr>
+        <p:spPr/>
+        <p:txBody>
+          <a:bodyPr/>
+          <a:lstStyle/>
+          <a:p>
+            <a:pPr marL="1416050" lvl="3" indent="-979488" algn="just">
+              <a:spcBef>
+                <a:spcPts val="1200"/>
+              </a:spcBef>
+              <a:spcAft>
+                <a:spcPts val="1200"/>
+              </a:spcAft>
+              <a:buFont typeface="Courier New" panose="02070309020205020404" pitchFamily="49" charset="0"/>
+              <a:buChar char="o"/>
+            </a:pPr>
+            <a:r>
+              <a:rPr lang="vi-VN" sz="4800">
+                <a:latin typeface="Calibri" panose="020F0502020204030204" pitchFamily="34" charset="0"/>
+                <a:cs typeface="Calibri" panose="020F0502020204030204" pitchFamily="34" charset="0"/>
+              </a:rPr>
+              <a:t>Ứng dụng Android hỗ trợ khách hàng chọn dịch vụ mình cần thiết và tìm kiếm những chi nhánh của hàng có hỗ trợ đầy đủ dịch vụ khách hàng đã chọn lựa. </a:t>
+            </a:r>
+            <a:endParaRPr lang="en-US" sz="4800">
+              <a:latin typeface="Calibri" panose="020F0502020204030204" pitchFamily="34" charset="0"/>
+              <a:cs typeface="Calibri" panose="020F0502020204030204" pitchFamily="34" charset="0"/>
+            </a:endParaRPr>
+          </a:p>
+          <a:p>
+            <a:pPr marL="1416050" lvl="3" indent="-979488" algn="just">
+              <a:spcBef>
+                <a:spcPts val="1200"/>
+              </a:spcBef>
+              <a:spcAft>
+                <a:spcPts val="1200"/>
+              </a:spcAft>
+              <a:buFont typeface="Courier New" panose="02070309020205020404" pitchFamily="49" charset="0"/>
+              <a:buChar char="o"/>
+            </a:pPr>
+            <a:r>
+              <a:rPr lang="vi-VN" sz="4800">
+                <a:latin typeface="Calibri" panose="020F0502020204030204" pitchFamily="34" charset="0"/>
+                <a:cs typeface="Calibri" panose="020F0502020204030204" pitchFamily="34" charset="0"/>
+              </a:rPr>
+              <a:t>Ứng dụng web quản lí cửa hàng có thể quản lí các đơn hàng, biên nhận bằng cách kiểm soát trạng thái của chúng. Hỗ trợ đưa ra gợi ý sắp lịch xử lí đơn hàng cho cửa hàng và phân loại tự động giúp tiết kiệm thời gian có thể.</a:t>
+            </a:r>
+          </a:p>
+          <a:p>
+            <a:pPr marL="1416050" lvl="3" indent="-979488" algn="just">
+              <a:spcBef>
+                <a:spcPts val="1200"/>
+              </a:spcBef>
+              <a:spcAft>
+                <a:spcPts val="1200"/>
+              </a:spcAft>
+              <a:buFont typeface="Courier New" panose="02070309020205020404" pitchFamily="49" charset="0"/>
+              <a:buChar char="o"/>
+            </a:pPr>
+            <a:r>
+              <a:rPr lang="vi-VN" sz="4800">
+                <a:latin typeface="Calibri" panose="020F0502020204030204" pitchFamily="34" charset="0"/>
+                <a:cs typeface="Calibri" panose="020F0502020204030204" pitchFamily="34" charset="0"/>
+              </a:rPr>
+              <a:t>Đề tài hiện tại không hỗ trợ xây dựng trang quản lí các thông tin dữ liệu đầu vào để tạo đơn hàng cũng như quản lí. Mọi dữ liệu được chạy từ tập tin dữ liệu có sẵn.</a:t>
+            </a:r>
+          </a:p>
+        </p:txBody>
+      </p:sp>
+      <p:sp>
+        <p:nvSpPr>
+          <p:cNvPr id="4" name="Footer Placeholder 3"/>
+          <p:cNvSpPr>
+            <a:spLocks noGrp="1"/>
+          </p:cNvSpPr>
+          <p:nvPr>
+            <p:ph type="ftr" sz="quarter" idx="4"/>
+          </p:nvPr>
+        </p:nvSpPr>
+        <p:spPr/>
+        <p:txBody>
+          <a:bodyPr/>
+          <a:lstStyle/>
+          <a:p>
+            <a:endParaRPr lang="en-US"/>
+          </a:p>
+        </p:txBody>
+      </p:sp>
+      <p:sp>
+        <p:nvSpPr>
+          <p:cNvPr id="5" name="Slide Number Placeholder 4"/>
+          <p:cNvSpPr>
+            <a:spLocks noGrp="1"/>
+          </p:cNvSpPr>
+          <p:nvPr>
+            <p:ph type="sldNum" sz="quarter" idx="5"/>
+          </p:nvPr>
+        </p:nvSpPr>
+        <p:spPr/>
+        <p:txBody>
+          <a:bodyPr/>
+          <a:lstStyle/>
+          <a:p>
+            <a:fld id="{006BE02D-20C0-F840-AFAC-BEA99C74FDC2}" type="slidenum">
+              <a:rPr lang="en-US" smtClean="0"/>
+              <a:pPr/>
+              <a:t>28</a:t>
+            </a:fld>
+            <a:endParaRPr lang="en-US"/>
+          </a:p>
+        </p:txBody>
+      </p:sp>
+    </p:spTree>
+    <p:extLst>
+      <p:ext uri="{BB962C8B-B14F-4D97-AF65-F5344CB8AC3E}">
         <p14:creationId xmlns:p14="http://schemas.microsoft.com/office/powerpoint/2010/main" val="2274010909"/>
       </p:ext>
     </p:extLst>
@@ -18689,7 +18861,7 @@
 </p:notes>
 </file>
 
-<file path=ppt/notesSlides/notesSlide23.xml><?xml version="1.0" encoding="utf-8"?>
+<file path=ppt/notesSlides/notesSlide24.xml><?xml version="1.0" encoding="utf-8"?>
 <p:notes xmlns:a="http://schemas.openxmlformats.org/drawingml/2006/main" xmlns:r="http://schemas.openxmlformats.org/officeDocument/2006/relationships" xmlns:p="http://schemas.openxmlformats.org/presentationml/2006/main">
   <p:cSld>
     <p:spTree>
@@ -18777,7 +18949,7 @@
             <a:fld id="{006BE02D-20C0-F840-AFAC-BEA99C74FDC2}" type="slidenum">
               <a:rPr lang="en-US" smtClean="0"/>
               <a:pPr/>
-              <a:t>29</a:t>
+              <a:t>30</a:t>
             </a:fld>
             <a:endParaRPr lang="en-US"/>
           </a:p>
@@ -18796,7 +18968,7 @@
 </p:notes>
 </file>
 
-<file path=ppt/notesSlides/notesSlide24.xml><?xml version="1.0" encoding="utf-8"?>
+<file path=ppt/notesSlides/notesSlide25.xml><?xml version="1.0" encoding="utf-8"?>
 <p:notes xmlns:a="http://schemas.openxmlformats.org/drawingml/2006/main" xmlns:r="http://schemas.openxmlformats.org/officeDocument/2006/relationships" xmlns:p="http://schemas.openxmlformats.org/presentationml/2006/main">
   <p:cSld>
     <p:spTree>
@@ -18884,7 +19056,7 @@
             <a:fld id="{006BE02D-20C0-F840-AFAC-BEA99C74FDC2}" type="slidenum">
               <a:rPr lang="en-US" smtClean="0"/>
               <a:pPr/>
-              <a:t>30</a:t>
+              <a:t>31</a:t>
             </a:fld>
             <a:endParaRPr lang="en-US"/>
           </a:p>
@@ -18903,7 +19075,7 @@
 </p:notes>
 </file>
 
-<file path=ppt/notesSlides/notesSlide25.xml><?xml version="1.0" encoding="utf-8"?>
+<file path=ppt/notesSlides/notesSlide26.xml><?xml version="1.0" encoding="utf-8"?>
 <p:notes xmlns:a="http://schemas.openxmlformats.org/drawingml/2006/main" xmlns:r="http://schemas.openxmlformats.org/officeDocument/2006/relationships" xmlns:p="http://schemas.openxmlformats.org/presentationml/2006/main">
   <p:cSld>
     <p:spTree>
@@ -18991,7 +19163,7 @@
             <a:fld id="{006BE02D-20C0-F840-AFAC-BEA99C74FDC2}" type="slidenum">
               <a:rPr lang="en-US" smtClean="0"/>
               <a:pPr/>
-              <a:t>33</a:t>
+              <a:t>34</a:t>
             </a:fld>
             <a:endParaRPr lang="en-US"/>
           </a:p>
@@ -19001,136 +19173,6 @@
     <p:extLst>
       <p:ext uri="{BB962C8B-B14F-4D97-AF65-F5344CB8AC3E}">
         <p14:creationId xmlns:p14="http://schemas.microsoft.com/office/powerpoint/2010/main" val="1217591120"/>
-      </p:ext>
-    </p:extLst>
-  </p:cSld>
-  <p:clrMapOvr>
-    <a:masterClrMapping/>
-  </p:clrMapOvr>
-</p:notes>
-</file>
-
-<file path=ppt/notesSlides/notesSlide26.xml><?xml version="1.0" encoding="utf-8"?>
-<p:notes xmlns:a="http://schemas.openxmlformats.org/drawingml/2006/main" xmlns:r="http://schemas.openxmlformats.org/officeDocument/2006/relationships" xmlns:p="http://schemas.openxmlformats.org/presentationml/2006/main">
-  <p:cSld>
-    <p:spTree>
-      <p:nvGrpSpPr>
-        <p:cNvPr id="1" name=""/>
-        <p:cNvGrpSpPr/>
-        <p:nvPr/>
-      </p:nvGrpSpPr>
-      <p:grpSpPr>
-        <a:xfrm>
-          <a:off x="0" y="0"/>
-          <a:ext cx="0" cy="0"/>
-          <a:chOff x="0" y="0"/>
-          <a:chExt cx="0" cy="0"/>
-        </a:xfrm>
-      </p:grpSpPr>
-      <p:sp>
-        <p:nvSpPr>
-          <p:cNvPr id="2" name="Slide Image Placeholder 1"/>
-          <p:cNvSpPr>
-            <a:spLocks noGrp="1" noRot="1" noChangeAspect="1"/>
-          </p:cNvSpPr>
-          <p:nvPr>
-            <p:ph type="sldImg"/>
-          </p:nvPr>
-        </p:nvSpPr>
-        <p:spPr/>
-      </p:sp>
-      <p:sp>
-        <p:nvSpPr>
-          <p:cNvPr id="3" name="Notes Placeholder 2"/>
-          <p:cNvSpPr>
-            <a:spLocks noGrp="1"/>
-          </p:cNvSpPr>
-          <p:nvPr>
-            <p:ph type="body" idx="1"/>
-          </p:nvPr>
-        </p:nvSpPr>
-        <p:spPr/>
-        <p:txBody>
-          <a:bodyPr/>
-          <a:lstStyle/>
-          <a:p>
-            <a:pPr marL="0" marR="0" lvl="0" indent="0" algn="l" defTabSz="914217" rtl="0" eaLnBrk="1" fontAlgn="auto" latinLnBrk="0" hangingPunct="1">
-              <a:lnSpc>
-                <a:spcPct val="100000"/>
-              </a:lnSpc>
-              <a:spcBef>
-                <a:spcPts val="0"/>
-              </a:spcBef>
-              <a:spcAft>
-                <a:spcPts val="0"/>
-              </a:spcAft>
-              <a:buClrTx/>
-              <a:buSzTx/>
-              <a:buFontTx/>
-              <a:buNone/>
-              <a:tabLst/>
-              <a:defRPr/>
-            </a:pPr>
-            <a:r>
-              <a:rPr lang="vi-VN" sz="2400">
-                <a:latin typeface="Calibri" panose="020F0502020204030204" pitchFamily="34" charset="0"/>
-                <a:cs typeface="Calibri" panose="020F0502020204030204" pitchFamily="34" charset="0"/>
-              </a:rPr>
-              <a:t>Cải thiện giải thuật hàng đợi nhiều trạm phục vụ hỗ trợ cho mỗi đơn hàng có thời gian không đồng nhất.</a:t>
-            </a:r>
-          </a:p>
-          <a:p>
-            <a:endParaRPr lang="en-US"/>
-          </a:p>
-        </p:txBody>
-      </p:sp>
-      <p:sp>
-        <p:nvSpPr>
-          <p:cNvPr id="4" name="Footer Placeholder 3"/>
-          <p:cNvSpPr>
-            <a:spLocks noGrp="1"/>
-          </p:cNvSpPr>
-          <p:nvPr>
-            <p:ph type="ftr" sz="quarter" idx="4"/>
-          </p:nvPr>
-        </p:nvSpPr>
-        <p:spPr/>
-        <p:txBody>
-          <a:bodyPr/>
-          <a:lstStyle/>
-          <a:p>
-            <a:endParaRPr lang="en-US"/>
-          </a:p>
-        </p:txBody>
-      </p:sp>
-      <p:sp>
-        <p:nvSpPr>
-          <p:cNvPr id="5" name="Slide Number Placeholder 4"/>
-          <p:cNvSpPr>
-            <a:spLocks noGrp="1"/>
-          </p:cNvSpPr>
-          <p:nvPr>
-            <p:ph type="sldNum" sz="quarter" idx="5"/>
-          </p:nvPr>
-        </p:nvSpPr>
-        <p:spPr/>
-        <p:txBody>
-          <a:bodyPr/>
-          <a:lstStyle/>
-          <a:p>
-            <a:fld id="{006BE02D-20C0-F840-AFAC-BEA99C74FDC2}" type="slidenum">
-              <a:rPr lang="en-US" smtClean="0"/>
-              <a:pPr/>
-              <a:t>34</a:t>
-            </a:fld>
-            <a:endParaRPr lang="en-US"/>
-          </a:p>
-        </p:txBody>
-      </p:sp>
-    </p:spTree>
-    <p:extLst>
-      <p:ext uri="{BB962C8B-B14F-4D97-AF65-F5344CB8AC3E}">
-        <p14:creationId xmlns:p14="http://schemas.microsoft.com/office/powerpoint/2010/main" val="3892512948"/>
       </p:ext>
     </p:extLst>
   </p:cSld>
@@ -19251,7 +19293,137 @@
             <a:fld id="{006BE02D-20C0-F840-AFAC-BEA99C74FDC2}" type="slidenum">
               <a:rPr lang="en-US" smtClean="0"/>
               <a:pPr/>
-              <a:t>36</a:t>
+              <a:t>35</a:t>
+            </a:fld>
+            <a:endParaRPr lang="en-US"/>
+          </a:p>
+        </p:txBody>
+      </p:sp>
+    </p:spTree>
+    <p:extLst>
+      <p:ext uri="{BB962C8B-B14F-4D97-AF65-F5344CB8AC3E}">
+        <p14:creationId xmlns:p14="http://schemas.microsoft.com/office/powerpoint/2010/main" val="3892512948"/>
+      </p:ext>
+    </p:extLst>
+  </p:cSld>
+  <p:clrMapOvr>
+    <a:masterClrMapping/>
+  </p:clrMapOvr>
+</p:notes>
+</file>
+
+<file path=ppt/notesSlides/notesSlide28.xml><?xml version="1.0" encoding="utf-8"?>
+<p:notes xmlns:a="http://schemas.openxmlformats.org/drawingml/2006/main" xmlns:r="http://schemas.openxmlformats.org/officeDocument/2006/relationships" xmlns:p="http://schemas.openxmlformats.org/presentationml/2006/main">
+  <p:cSld>
+    <p:spTree>
+      <p:nvGrpSpPr>
+        <p:cNvPr id="1" name=""/>
+        <p:cNvGrpSpPr/>
+        <p:nvPr/>
+      </p:nvGrpSpPr>
+      <p:grpSpPr>
+        <a:xfrm>
+          <a:off x="0" y="0"/>
+          <a:ext cx="0" cy="0"/>
+          <a:chOff x="0" y="0"/>
+          <a:chExt cx="0" cy="0"/>
+        </a:xfrm>
+      </p:grpSpPr>
+      <p:sp>
+        <p:nvSpPr>
+          <p:cNvPr id="2" name="Slide Image Placeholder 1"/>
+          <p:cNvSpPr>
+            <a:spLocks noGrp="1" noRot="1" noChangeAspect="1"/>
+          </p:cNvSpPr>
+          <p:nvPr>
+            <p:ph type="sldImg"/>
+          </p:nvPr>
+        </p:nvSpPr>
+        <p:spPr/>
+      </p:sp>
+      <p:sp>
+        <p:nvSpPr>
+          <p:cNvPr id="3" name="Notes Placeholder 2"/>
+          <p:cNvSpPr>
+            <a:spLocks noGrp="1"/>
+          </p:cNvSpPr>
+          <p:nvPr>
+            <p:ph type="body" idx="1"/>
+          </p:nvPr>
+        </p:nvSpPr>
+        <p:spPr/>
+        <p:txBody>
+          <a:bodyPr/>
+          <a:lstStyle/>
+          <a:p>
+            <a:pPr marL="0" marR="0" lvl="0" indent="0" algn="l" defTabSz="914217" rtl="0" eaLnBrk="1" fontAlgn="auto" latinLnBrk="0" hangingPunct="1">
+              <a:lnSpc>
+                <a:spcPct val="100000"/>
+              </a:lnSpc>
+              <a:spcBef>
+                <a:spcPts val="0"/>
+              </a:spcBef>
+              <a:spcAft>
+                <a:spcPts val="0"/>
+              </a:spcAft>
+              <a:buClrTx/>
+              <a:buSzTx/>
+              <a:buFontTx/>
+              <a:buNone/>
+              <a:tabLst/>
+              <a:defRPr/>
+            </a:pPr>
+            <a:r>
+              <a:rPr lang="vi-VN" sz="2400">
+                <a:latin typeface="Calibri" panose="020F0502020204030204" pitchFamily="34" charset="0"/>
+                <a:cs typeface="Calibri" panose="020F0502020204030204" pitchFamily="34" charset="0"/>
+              </a:rPr>
+              <a:t>Cải thiện giải thuật hàng đợi nhiều trạm phục vụ hỗ trợ cho mỗi đơn hàng có thời gian không đồng nhất.</a:t>
+            </a:r>
+          </a:p>
+          <a:p>
+            <a:endParaRPr lang="en-US"/>
+          </a:p>
+        </p:txBody>
+      </p:sp>
+      <p:sp>
+        <p:nvSpPr>
+          <p:cNvPr id="4" name="Footer Placeholder 3"/>
+          <p:cNvSpPr>
+            <a:spLocks noGrp="1"/>
+          </p:cNvSpPr>
+          <p:nvPr>
+            <p:ph type="ftr" sz="quarter" idx="4"/>
+          </p:nvPr>
+        </p:nvSpPr>
+        <p:spPr/>
+        <p:txBody>
+          <a:bodyPr/>
+          <a:lstStyle/>
+          <a:p>
+            <a:endParaRPr lang="en-US"/>
+          </a:p>
+        </p:txBody>
+      </p:sp>
+      <p:sp>
+        <p:nvSpPr>
+          <p:cNvPr id="5" name="Slide Number Placeholder 4"/>
+          <p:cNvSpPr>
+            <a:spLocks noGrp="1"/>
+          </p:cNvSpPr>
+          <p:nvPr>
+            <p:ph type="sldNum" sz="quarter" idx="5"/>
+          </p:nvPr>
+        </p:nvSpPr>
+        <p:spPr/>
+        <p:txBody>
+          <a:bodyPr/>
+          <a:lstStyle/>
+          <a:p>
+            <a:fld id="{006BE02D-20C0-F840-AFAC-BEA99C74FDC2}" type="slidenum">
+              <a:rPr lang="en-US" smtClean="0"/>
+              <a:pPr/>
+              <a:t>37</a:t>
             </a:fld>
             <a:endParaRPr lang="en-US"/>
           </a:p>
@@ -20089,55 +20261,10 @@
               <a:buFont typeface="Courier New" panose="02070309020205020404" pitchFamily="49" charset="0"/>
               <a:buChar char="o"/>
             </a:pPr>
-            <a:r>
-              <a:rPr lang="vi-VN" sz="4800">
-                <a:latin typeface="Calibri" panose="020F0502020204030204" pitchFamily="34" charset="0"/>
-                <a:cs typeface="Calibri" panose="020F0502020204030204" pitchFamily="34" charset="0"/>
-              </a:rPr>
-              <a:t>Ứng dụng Android hỗ trợ khách hàng chọn dịch vụ mình cần thiết và tìm kiếm những chi nhánh của hàng có hỗ trợ đầy đủ dịch vụ khách hàng đã chọn lựa. </a:t>
-            </a:r>
-            <a:endParaRPr lang="en-US" sz="4800">
+            <a:endParaRPr lang="vi-VN" sz="4800">
               <a:latin typeface="Calibri" panose="020F0502020204030204" pitchFamily="34" charset="0"/>
               <a:cs typeface="Calibri" panose="020F0502020204030204" pitchFamily="34" charset="0"/>
             </a:endParaRPr>
-          </a:p>
-          <a:p>
-            <a:pPr marL="1416050" lvl="3" indent="-979488" algn="just">
-              <a:spcBef>
-                <a:spcPts val="1200"/>
-              </a:spcBef>
-              <a:spcAft>
-                <a:spcPts val="1200"/>
-              </a:spcAft>
-              <a:buFont typeface="Courier New" panose="02070309020205020404" pitchFamily="49" charset="0"/>
-              <a:buChar char="o"/>
-            </a:pPr>
-            <a:r>
-              <a:rPr lang="vi-VN" sz="4800">
-                <a:latin typeface="Calibri" panose="020F0502020204030204" pitchFamily="34" charset="0"/>
-                <a:cs typeface="Calibri" panose="020F0502020204030204" pitchFamily="34" charset="0"/>
-              </a:rPr>
-              <a:t>Ứng dụng web quản lí cửa hàng có thể quản lí các đơn hàng, biên nhận bằng cách kiểm soát trạng thái của chúng. Hỗ trợ đưa ra gợi ý sắp lịch xử lí đơn hàng cho cửa hàng và phân loại tự động giúp tiết kiệm thời gian có thể.</a:t>
-            </a:r>
-          </a:p>
-          <a:p>
-            <a:pPr marL="1416050" lvl="3" indent="-979488" algn="just">
-              <a:spcBef>
-                <a:spcPts val="1200"/>
-              </a:spcBef>
-              <a:spcAft>
-                <a:spcPts val="1200"/>
-              </a:spcAft>
-              <a:buFont typeface="Courier New" panose="02070309020205020404" pitchFamily="49" charset="0"/>
-              <a:buChar char="o"/>
-            </a:pPr>
-            <a:r>
-              <a:rPr lang="vi-VN" sz="4800">
-                <a:latin typeface="Calibri" panose="020F0502020204030204" pitchFamily="34" charset="0"/>
-                <a:cs typeface="Calibri" panose="020F0502020204030204" pitchFamily="34" charset="0"/>
-              </a:rPr>
-              <a:t>Đề tài hiện tại không hỗ trợ xây dựng trang quản lí các thông tin dữ liệu đầu vào để tạo đơn hàng cũng như quản lí. Mọi dữ liệu được chạy từ tập tin dữ liệu có sẵn.</a:t>
-            </a:r>
           </a:p>
         </p:txBody>
       </p:sp>
@@ -20187,7 +20314,7 @@
     </p:spTree>
     <p:extLst>
       <p:ext uri="{BB962C8B-B14F-4D97-AF65-F5344CB8AC3E}">
-        <p14:creationId xmlns:p14="http://schemas.microsoft.com/office/powerpoint/2010/main" val="2120440486"/>
+        <p14:creationId xmlns:p14="http://schemas.microsoft.com/office/powerpoint/2010/main" val="1536332537"/>
       </p:ext>
     </p:extLst>
   </p:cSld>
@@ -20349,7 +20476,7 @@
     </p:spTree>
     <p:extLst>
       <p:ext uri="{BB962C8B-B14F-4D97-AF65-F5344CB8AC3E}">
-        <p14:creationId xmlns:p14="http://schemas.microsoft.com/office/powerpoint/2010/main" val="203155090"/>
+        <p14:creationId xmlns:p14="http://schemas.microsoft.com/office/powerpoint/2010/main" val="2120440486"/>
       </p:ext>
     </p:extLst>
   </p:cSld>
@@ -25145,7 +25272,7 @@
           </a:solidFill>
           <a:ln>
             <a:solidFill>
-              <a:schemeClr val="bg1"/>
+              <a:srgbClr val="2287D6"/>
             </a:solidFill>
           </a:ln>
           <a:effectLst>
@@ -25214,7 +25341,7 @@
           </a:solidFill>
           <a:ln>
             <a:solidFill>
-              <a:schemeClr val="bg1"/>
+              <a:srgbClr val="2287D6"/>
             </a:solidFill>
           </a:ln>
           <a:effectLst>
@@ -25347,7 +25474,7 @@
           </a:solidFill>
           <a:ln>
             <a:solidFill>
-              <a:schemeClr val="bg1"/>
+              <a:srgbClr val="2287D6"/>
             </a:solidFill>
           </a:ln>
           <a:effectLst>
@@ -25432,7 +25559,7 @@
           </a:solidFill>
           <a:ln>
             <a:solidFill>
-              <a:schemeClr val="bg1"/>
+              <a:srgbClr val="2287D6"/>
             </a:solidFill>
           </a:ln>
           <a:effectLst>
@@ -25517,7 +25644,7 @@
           </a:solidFill>
           <a:ln>
             <a:solidFill>
-              <a:schemeClr val="bg1"/>
+              <a:srgbClr val="2287D6"/>
             </a:solidFill>
           </a:ln>
           <a:effectLst>
@@ -25965,6 +26092,663 @@
 </file>
 
 <file path=ppt/slides/slide13.xml><?xml version="1.0" encoding="utf-8"?>
+<p:sld xmlns:a="http://schemas.openxmlformats.org/drawingml/2006/main" xmlns:r="http://schemas.openxmlformats.org/officeDocument/2006/relationships" xmlns:p="http://schemas.openxmlformats.org/presentationml/2006/main">
+  <p:cSld>
+    <p:spTree>
+      <p:nvGrpSpPr>
+        <p:cNvPr id="1" name=""/>
+        <p:cNvGrpSpPr/>
+        <p:nvPr/>
+      </p:nvGrpSpPr>
+      <p:grpSpPr>
+        <a:xfrm>
+          <a:off x="0" y="0"/>
+          <a:ext cx="0" cy="0"/>
+          <a:chOff x="0" y="0"/>
+          <a:chExt cx="0" cy="0"/>
+        </a:xfrm>
+      </p:grpSpPr>
+      <p:sp>
+        <p:nvSpPr>
+          <p:cNvPr id="6" name="Date Placeholder 5">
+            <a:extLst>
+              <a:ext uri="{FF2B5EF4-FFF2-40B4-BE49-F238E27FC236}">
+                <a16:creationId xmlns:a16="http://schemas.microsoft.com/office/drawing/2014/main" id="{4DB1461A-FAF4-43D8-BD39-E67D9CFFDF54}"/>
+              </a:ext>
+            </a:extLst>
+          </p:cNvPr>
+          <p:cNvSpPr>
+            <a:spLocks noGrp="1"/>
+          </p:cNvSpPr>
+          <p:nvPr>
+            <p:ph type="dt" sz="half" idx="10"/>
+          </p:nvPr>
+        </p:nvSpPr>
+        <p:spPr/>
+        <p:txBody>
+          <a:bodyPr/>
+          <a:lstStyle/>
+          <a:p>
+            <a:fld id="{70840168-5D59-45E9-8783-04AE3E3078F8}" type="datetime1">
+              <a:rPr lang="en-US" smtClean="0">
+                <a:solidFill>
+                  <a:schemeClr val="bg1"/>
+                </a:solidFill>
+              </a:rPr>
+              <a:t>12/6/2018</a:t>
+            </a:fld>
+            <a:endParaRPr lang="en-US">
+              <a:solidFill>
+                <a:schemeClr val="bg1"/>
+              </a:solidFill>
+            </a:endParaRPr>
+          </a:p>
+        </p:txBody>
+      </p:sp>
+      <p:sp>
+        <p:nvSpPr>
+          <p:cNvPr id="7" name="Footer Placeholder 6">
+            <a:extLst>
+              <a:ext uri="{FF2B5EF4-FFF2-40B4-BE49-F238E27FC236}">
+                <a16:creationId xmlns:a16="http://schemas.microsoft.com/office/drawing/2014/main" id="{754D3DE7-1D0F-49BF-8DB3-87320527AB40}"/>
+              </a:ext>
+            </a:extLst>
+          </p:cNvPr>
+          <p:cNvSpPr>
+            <a:spLocks noGrp="1"/>
+          </p:cNvSpPr>
+          <p:nvPr>
+            <p:ph type="ftr" sz="quarter" idx="11"/>
+          </p:nvPr>
+        </p:nvSpPr>
+        <p:spPr/>
+        <p:txBody>
+          <a:bodyPr/>
+          <a:lstStyle/>
+          <a:p>
+            <a:pPr algn="ctr"/>
+            <a:r>
+              <a:rPr lang="en-US"/>
+              <a:t>Hệ thống quản lí chuỗi cửa hàng giặt ủi</a:t>
+            </a:r>
+          </a:p>
+        </p:txBody>
+      </p:sp>
+      <p:sp>
+        <p:nvSpPr>
+          <p:cNvPr id="21" name="TextBox 20">
+            <a:extLst>
+              <a:ext uri="{FF2B5EF4-FFF2-40B4-BE49-F238E27FC236}">
+                <a16:creationId xmlns:a16="http://schemas.microsoft.com/office/drawing/2014/main" id="{0DD03E34-754E-4953-B9A3-864C18FD8351}"/>
+              </a:ext>
+            </a:extLst>
+          </p:cNvPr>
+          <p:cNvSpPr txBox="1"/>
+          <p:nvPr/>
+        </p:nvSpPr>
+        <p:spPr>
+          <a:xfrm>
+            <a:off x="5460319" y="771688"/>
+            <a:ext cx="8134287" cy="1084916"/>
+          </a:xfrm>
+          <a:prstGeom prst="rect">
+            <a:avLst/>
+          </a:prstGeom>
+          <a:noFill/>
+        </p:spPr>
+        <p:txBody>
+          <a:bodyPr wrap="square" lIns="68584" tIns="34292" rIns="68584" bIns="34292" rtlCol="0">
+            <a:spAutoFit/>
+          </a:bodyPr>
+          <a:lstStyle/>
+          <a:p>
+            <a:pPr algn="ctr"/>
+            <a:r>
+              <a:rPr lang="en-US" sz="6600" b="1">
+                <a:solidFill>
+                  <a:srgbClr val="445469"/>
+                </a:solidFill>
+                <a:latin typeface="Lato Heavy" charset="0"/>
+                <a:ea typeface="Lato Heavy" charset="0"/>
+                <a:cs typeface="Lato Heavy" charset="0"/>
+              </a:rPr>
+              <a:t>Các đối t</a:t>
+            </a:r>
+            <a:r>
+              <a:rPr lang="vi-VN" sz="6600" b="1">
+                <a:solidFill>
+                  <a:srgbClr val="445469"/>
+                </a:solidFill>
+                <a:latin typeface="Lato Heavy" charset="0"/>
+                <a:ea typeface="Lato Heavy" charset="0"/>
+                <a:cs typeface="Lato Heavy" charset="0"/>
+              </a:rPr>
+              <a:t>ư</a:t>
+            </a:r>
+            <a:r>
+              <a:rPr lang="en-US" sz="6600" b="1">
+                <a:solidFill>
+                  <a:srgbClr val="445469"/>
+                </a:solidFill>
+                <a:latin typeface="Lato Heavy" charset="0"/>
+                <a:ea typeface="Lato Heavy" charset="0"/>
+                <a:cs typeface="Lato Heavy" charset="0"/>
+              </a:rPr>
+              <a:t>ợng chính</a:t>
+            </a:r>
+          </a:p>
+        </p:txBody>
+      </p:sp>
+      <p:grpSp>
+        <p:nvGrpSpPr>
+          <p:cNvPr id="28" name="Group 27">
+            <a:extLst>
+              <a:ext uri="{FF2B5EF4-FFF2-40B4-BE49-F238E27FC236}">
+                <a16:creationId xmlns:a16="http://schemas.microsoft.com/office/drawing/2014/main" id="{D65D3D79-0773-4A9A-8448-4C5C562E5FD5}"/>
+              </a:ext>
+            </a:extLst>
+          </p:cNvPr>
+          <p:cNvGrpSpPr/>
+          <p:nvPr/>
+        </p:nvGrpSpPr>
+        <p:grpSpPr>
+          <a:xfrm>
+            <a:off x="3961876" y="2524461"/>
+            <a:ext cx="10364248" cy="8667077"/>
+            <a:chOff x="4345337" y="2492992"/>
+            <a:chExt cx="10364248" cy="8667077"/>
+          </a:xfrm>
+        </p:grpSpPr>
+        <p:sp>
+          <p:nvSpPr>
+            <p:cNvPr id="19" name="Rectangle: Rounded Corners 18">
+              <a:extLst>
+                <a:ext uri="{FF2B5EF4-FFF2-40B4-BE49-F238E27FC236}">
+                  <a16:creationId xmlns:a16="http://schemas.microsoft.com/office/drawing/2014/main" id="{BE3BBFAC-0EBD-476D-AE0A-C79463203A41}"/>
+                </a:ext>
+              </a:extLst>
+            </p:cNvPr>
+            <p:cNvSpPr/>
+            <p:nvPr/>
+          </p:nvSpPr>
+          <p:spPr>
+            <a:xfrm>
+              <a:off x="4345338" y="2555931"/>
+              <a:ext cx="4798662" cy="3716593"/>
+            </a:xfrm>
+            <a:prstGeom prst="roundRect">
+              <a:avLst>
+                <a:gd name="adj" fmla="val 10318"/>
+              </a:avLst>
+            </a:prstGeom>
+            <a:solidFill>
+              <a:schemeClr val="bg1"/>
+            </a:solidFill>
+            <a:ln>
+              <a:solidFill>
+                <a:schemeClr val="tx2"/>
+              </a:solidFill>
+            </a:ln>
+            <a:effectLst>
+              <a:outerShdw blurRad="609600" dist="177800" dir="5400000" algn="t" rotWithShape="0">
+                <a:schemeClr val="bg2">
+                  <a:lumMod val="10000"/>
+                  <a:alpha val="11000"/>
+                </a:schemeClr>
+              </a:outerShdw>
+            </a:effectLst>
+          </p:spPr>
+          <p:style>
+            <a:lnRef idx="2">
+              <a:schemeClr val="accent1">
+                <a:shade val="50000"/>
+              </a:schemeClr>
+            </a:lnRef>
+            <a:fillRef idx="1">
+              <a:schemeClr val="accent1"/>
+            </a:fillRef>
+            <a:effectRef idx="0">
+              <a:schemeClr val="accent1"/>
+            </a:effectRef>
+            <a:fontRef idx="minor">
+              <a:schemeClr val="lt1"/>
+            </a:fontRef>
+          </p:style>
+          <p:txBody>
+            <a:bodyPr rtlCol="0" anchor="ctr"/>
+            <a:lstStyle/>
+            <a:p>
+              <a:pPr algn="ctr"/>
+              <a:r>
+                <a:rPr lang="en-US" sz="3600" b="1">
+                  <a:solidFill>
+                    <a:srgbClr val="445469"/>
+                  </a:solidFill>
+                </a:rPr>
+                <a:t>Quần áo</a:t>
+              </a:r>
+            </a:p>
+            <a:p>
+              <a:pPr marL="501650" indent="-236538">
+                <a:buFont typeface="Arial" panose="020B0604020202020204" pitchFamily="34" charset="0"/>
+                <a:buChar char="•"/>
+              </a:pPr>
+              <a:r>
+                <a:rPr lang="en-US" sz="3600">
+                  <a:solidFill>
+                    <a:schemeClr val="tx1"/>
+                  </a:solidFill>
+                  <a:latin typeface="+mj-lt"/>
+                </a:rPr>
+                <a:t>Tên quần áo</a:t>
+              </a:r>
+            </a:p>
+            <a:p>
+              <a:pPr marL="501650" indent="-236538">
+                <a:buFont typeface="Arial" panose="020B0604020202020204" pitchFamily="34" charset="0"/>
+                <a:buChar char="•"/>
+              </a:pPr>
+              <a:r>
+                <a:rPr lang="en-US" sz="3600">
+                  <a:solidFill>
+                    <a:schemeClr val="tx1"/>
+                  </a:solidFill>
+                  <a:latin typeface="+mj-lt"/>
+                </a:rPr>
+                <a:t>Chất liệu</a:t>
+              </a:r>
+            </a:p>
+            <a:p>
+              <a:pPr marL="501650" indent="-236538">
+                <a:buFont typeface="Arial" panose="020B0604020202020204" pitchFamily="34" charset="0"/>
+                <a:buChar char="•"/>
+              </a:pPr>
+              <a:r>
+                <a:rPr lang="en-US" sz="3600">
+                  <a:solidFill>
+                    <a:schemeClr val="tx1"/>
+                  </a:solidFill>
+                  <a:latin typeface="+mj-lt"/>
+                </a:rPr>
+                <a:t>Màu sắc</a:t>
+              </a:r>
+            </a:p>
+            <a:p>
+              <a:pPr marL="501650" indent="-236538">
+                <a:buFont typeface="Arial" panose="020B0604020202020204" pitchFamily="34" charset="0"/>
+                <a:buChar char="•"/>
+              </a:pPr>
+              <a:r>
+                <a:rPr lang="en-US" sz="3600">
+                  <a:solidFill>
+                    <a:schemeClr val="tx1"/>
+                  </a:solidFill>
+                  <a:latin typeface="+mj-lt"/>
+                </a:rPr>
+                <a:t>Nhãn hiệu</a:t>
+              </a:r>
+            </a:p>
+          </p:txBody>
+        </p:sp>
+        <p:sp>
+          <p:nvSpPr>
+            <p:cNvPr id="20" name="Rectangle: Rounded Corners 19">
+              <a:extLst>
+                <a:ext uri="{FF2B5EF4-FFF2-40B4-BE49-F238E27FC236}">
+                  <a16:creationId xmlns:a16="http://schemas.microsoft.com/office/drawing/2014/main" id="{472E0867-3688-4F03-BC3C-1D0DA7297818}"/>
+                </a:ext>
+              </a:extLst>
+            </p:cNvPr>
+            <p:cNvSpPr/>
+            <p:nvPr/>
+          </p:nvSpPr>
+          <p:spPr>
+            <a:xfrm>
+              <a:off x="4345338" y="6730291"/>
+              <a:ext cx="4798662" cy="1986005"/>
+            </a:xfrm>
+            <a:prstGeom prst="roundRect">
+              <a:avLst/>
+            </a:prstGeom>
+            <a:solidFill>
+              <a:schemeClr val="bg1"/>
+            </a:solidFill>
+            <a:ln>
+              <a:solidFill>
+                <a:srgbClr val="2287D6"/>
+              </a:solidFill>
+            </a:ln>
+            <a:effectLst>
+              <a:outerShdw blurRad="609600" dist="177800" dir="5400000" algn="t" rotWithShape="0">
+                <a:prstClr val="black">
+                  <a:alpha val="11000"/>
+                </a:prstClr>
+              </a:outerShdw>
+            </a:effectLst>
+          </p:spPr>
+          <p:style>
+            <a:lnRef idx="2">
+              <a:schemeClr val="accent1">
+                <a:shade val="50000"/>
+              </a:schemeClr>
+            </a:lnRef>
+            <a:fillRef idx="1">
+              <a:schemeClr val="accent1"/>
+            </a:fillRef>
+            <a:effectRef idx="0">
+              <a:schemeClr val="accent1"/>
+            </a:effectRef>
+            <a:fontRef idx="minor">
+              <a:schemeClr val="lt1"/>
+            </a:fontRef>
+          </p:style>
+          <p:txBody>
+            <a:bodyPr rtlCol="0" anchor="ctr"/>
+            <a:lstStyle/>
+            <a:p>
+              <a:pPr algn="ctr"/>
+              <a:r>
+                <a:rPr lang="en-US" sz="3600" b="1">
+                  <a:solidFill>
+                    <a:srgbClr val="445469"/>
+                  </a:solidFill>
+                </a:rPr>
+                <a:t>Dịch vụ</a:t>
+              </a:r>
+            </a:p>
+          </p:txBody>
+        </p:sp>
+        <p:sp>
+          <p:nvSpPr>
+            <p:cNvPr id="22" name="Rectangle: Rounded Corners 21">
+              <a:extLst>
+                <a:ext uri="{FF2B5EF4-FFF2-40B4-BE49-F238E27FC236}">
+                  <a16:creationId xmlns:a16="http://schemas.microsoft.com/office/drawing/2014/main" id="{D77E94ED-73FA-439C-992D-7AF3A60BB03B}"/>
+                </a:ext>
+              </a:extLst>
+            </p:cNvPr>
+            <p:cNvSpPr/>
+            <p:nvPr/>
+          </p:nvSpPr>
+          <p:spPr>
+            <a:xfrm>
+              <a:off x="9910923" y="2492992"/>
+              <a:ext cx="4798662" cy="3779532"/>
+            </a:xfrm>
+            <a:prstGeom prst="roundRect">
+              <a:avLst/>
+            </a:prstGeom>
+            <a:solidFill>
+              <a:schemeClr val="bg1"/>
+            </a:solidFill>
+            <a:ln>
+              <a:solidFill>
+                <a:srgbClr val="2287D6"/>
+              </a:solidFill>
+            </a:ln>
+            <a:effectLst>
+              <a:outerShdw blurRad="609600" dist="177800" dir="5400000" algn="t" rotWithShape="0">
+                <a:schemeClr val="bg2">
+                  <a:lumMod val="10000"/>
+                  <a:alpha val="11000"/>
+                </a:schemeClr>
+              </a:outerShdw>
+            </a:effectLst>
+          </p:spPr>
+          <p:style>
+            <a:lnRef idx="2">
+              <a:schemeClr val="accent1">
+                <a:shade val="50000"/>
+              </a:schemeClr>
+            </a:lnRef>
+            <a:fillRef idx="1">
+              <a:schemeClr val="accent1"/>
+            </a:fillRef>
+            <a:effectRef idx="0">
+              <a:schemeClr val="accent1"/>
+            </a:effectRef>
+            <a:fontRef idx="minor">
+              <a:schemeClr val="lt1"/>
+            </a:fontRef>
+          </p:style>
+          <p:txBody>
+            <a:bodyPr rtlCol="0" anchor="ctr"/>
+            <a:lstStyle/>
+            <a:p>
+              <a:pPr algn="ctr"/>
+              <a:r>
+                <a:rPr lang="en-US" sz="3600" b="1">
+                  <a:solidFill>
+                    <a:srgbClr val="445469"/>
+                  </a:solidFill>
+                </a:rPr>
+                <a:t>Đơn hàng</a:t>
+              </a:r>
+            </a:p>
+            <a:p>
+              <a:pPr marL="501650" indent="-236538">
+                <a:buFont typeface="Arial" panose="020B0604020202020204" pitchFamily="34" charset="0"/>
+                <a:buChar char="•"/>
+              </a:pPr>
+              <a:r>
+                <a:rPr lang="en-US" sz="3600">
+                  <a:solidFill>
+                    <a:schemeClr val="tx1"/>
+                  </a:solidFill>
+                </a:rPr>
+                <a:t>Thời gian</a:t>
+              </a:r>
+            </a:p>
+            <a:p>
+              <a:pPr marL="501650" indent="-236538">
+                <a:buFont typeface="Arial" panose="020B0604020202020204" pitchFamily="34" charset="0"/>
+                <a:buChar char="•"/>
+              </a:pPr>
+              <a:r>
+                <a:rPr lang="en-US" sz="3600">
+                  <a:solidFill>
+                    <a:schemeClr val="tx1"/>
+                  </a:solidFill>
+                </a:rPr>
+                <a:t>Địa chỉ</a:t>
+              </a:r>
+            </a:p>
+            <a:p>
+              <a:pPr marL="501650" indent="-236538">
+                <a:buFont typeface="Arial" panose="020B0604020202020204" pitchFamily="34" charset="0"/>
+                <a:buChar char="•"/>
+              </a:pPr>
+              <a:r>
+                <a:rPr lang="en-US" sz="3600">
+                  <a:solidFill>
+                    <a:schemeClr val="tx1"/>
+                  </a:solidFill>
+                </a:rPr>
+                <a:t>…</a:t>
+              </a:r>
+            </a:p>
+            <a:p>
+              <a:pPr algn="ctr"/>
+              <a:endParaRPr lang="en-US" sz="3600" b="1">
+                <a:solidFill>
+                  <a:srgbClr val="445469"/>
+                </a:solidFill>
+              </a:endParaRPr>
+            </a:p>
+          </p:txBody>
+        </p:sp>
+        <p:sp>
+          <p:nvSpPr>
+            <p:cNvPr id="23" name="Rectangle: Rounded Corners 22">
+              <a:extLst>
+                <a:ext uri="{FF2B5EF4-FFF2-40B4-BE49-F238E27FC236}">
+                  <a16:creationId xmlns:a16="http://schemas.microsoft.com/office/drawing/2014/main" id="{999C67EA-31D6-4495-A195-80217E2BA295}"/>
+                </a:ext>
+              </a:extLst>
+            </p:cNvPr>
+            <p:cNvSpPr/>
+            <p:nvPr/>
+          </p:nvSpPr>
+          <p:spPr>
+            <a:xfrm>
+              <a:off x="9830769" y="6730291"/>
+              <a:ext cx="4798662" cy="1986005"/>
+            </a:xfrm>
+            <a:prstGeom prst="roundRect">
+              <a:avLst/>
+            </a:prstGeom>
+            <a:solidFill>
+              <a:schemeClr val="bg1"/>
+            </a:solidFill>
+            <a:ln>
+              <a:solidFill>
+                <a:srgbClr val="2287D6"/>
+              </a:solidFill>
+            </a:ln>
+            <a:effectLst>
+              <a:outerShdw blurRad="609600" dist="177800" dir="5400000" algn="t" rotWithShape="0">
+                <a:schemeClr val="bg2">
+                  <a:lumMod val="10000"/>
+                  <a:alpha val="11000"/>
+                </a:schemeClr>
+              </a:outerShdw>
+            </a:effectLst>
+          </p:spPr>
+          <p:style>
+            <a:lnRef idx="2">
+              <a:schemeClr val="accent1">
+                <a:shade val="50000"/>
+              </a:schemeClr>
+            </a:lnRef>
+            <a:fillRef idx="1">
+              <a:schemeClr val="accent1"/>
+            </a:fillRef>
+            <a:effectRef idx="0">
+              <a:schemeClr val="accent1"/>
+            </a:effectRef>
+            <a:fontRef idx="minor">
+              <a:schemeClr val="lt1"/>
+            </a:fontRef>
+          </p:style>
+          <p:txBody>
+            <a:bodyPr rtlCol="0" anchor="ctr"/>
+            <a:lstStyle/>
+            <a:p>
+              <a:pPr algn="ctr"/>
+              <a:r>
+                <a:rPr lang="en-US" sz="3600" b="1">
+                  <a:solidFill>
+                    <a:srgbClr val="445469"/>
+                  </a:solidFill>
+                </a:rPr>
+                <a:t>Biên nhận</a:t>
+              </a:r>
+            </a:p>
+          </p:txBody>
+        </p:sp>
+        <p:sp>
+          <p:nvSpPr>
+            <p:cNvPr id="24" name="Rectangle: Rounded Corners 23">
+              <a:extLst>
+                <a:ext uri="{FF2B5EF4-FFF2-40B4-BE49-F238E27FC236}">
+                  <a16:creationId xmlns:a16="http://schemas.microsoft.com/office/drawing/2014/main" id="{B9EE296D-DBBD-4ADB-8E66-E28CD604A57A}"/>
+                </a:ext>
+              </a:extLst>
+            </p:cNvPr>
+            <p:cNvSpPr/>
+            <p:nvPr/>
+          </p:nvSpPr>
+          <p:spPr>
+            <a:xfrm>
+              <a:off x="4345337" y="9174064"/>
+              <a:ext cx="10242854" cy="1986005"/>
+            </a:xfrm>
+            <a:prstGeom prst="roundRect">
+              <a:avLst/>
+            </a:prstGeom>
+            <a:solidFill>
+              <a:schemeClr val="bg1"/>
+            </a:solidFill>
+            <a:ln>
+              <a:solidFill>
+                <a:srgbClr val="2287D6"/>
+              </a:solidFill>
+            </a:ln>
+            <a:effectLst>
+              <a:outerShdw blurRad="609600" dist="177800" dir="5400000" algn="t" rotWithShape="0">
+                <a:schemeClr val="bg2">
+                  <a:lumMod val="10000"/>
+                  <a:alpha val="11000"/>
+                </a:schemeClr>
+              </a:outerShdw>
+            </a:effectLst>
+          </p:spPr>
+          <p:style>
+            <a:lnRef idx="2">
+              <a:schemeClr val="accent1">
+                <a:shade val="50000"/>
+              </a:schemeClr>
+            </a:lnRef>
+            <a:fillRef idx="1">
+              <a:schemeClr val="accent1"/>
+            </a:fillRef>
+            <a:effectRef idx="0">
+              <a:schemeClr val="accent1"/>
+            </a:effectRef>
+            <a:fontRef idx="minor">
+              <a:schemeClr val="lt1"/>
+            </a:fontRef>
+          </p:style>
+          <p:txBody>
+            <a:bodyPr rtlCol="0" anchor="ctr"/>
+            <a:lstStyle/>
+            <a:p>
+              <a:pPr algn="ctr"/>
+              <a:r>
+                <a:rPr lang="en-US" sz="3600" b="1">
+                  <a:solidFill>
+                    <a:srgbClr val="445469"/>
+                  </a:solidFill>
+                </a:rPr>
+                <a:t>Hóa đ</a:t>
+              </a:r>
+              <a:r>
+                <a:rPr lang="vi-VN" sz="3600" b="1">
+                  <a:solidFill>
+                    <a:srgbClr val="445469"/>
+                  </a:solidFill>
+                </a:rPr>
+                <a:t>ơ</a:t>
+              </a:r>
+              <a:r>
+                <a:rPr lang="en-US" sz="3600" b="1">
+                  <a:solidFill>
+                    <a:srgbClr val="445469"/>
+                  </a:solidFill>
+                </a:rPr>
+                <a:t>n</a:t>
+              </a:r>
+            </a:p>
+          </p:txBody>
+        </p:sp>
+      </p:grpSp>
+    </p:spTree>
+    <p:extLst>
+      <p:ext uri="{BB962C8B-B14F-4D97-AF65-F5344CB8AC3E}">
+        <p14:creationId xmlns:p14="http://schemas.microsoft.com/office/powerpoint/2010/main" val="1184921033"/>
+      </p:ext>
+    </p:extLst>
+  </p:cSld>
+  <p:clrMapOvr>
+    <a:masterClrMapping/>
+  </p:clrMapOvr>
+  <p:transition spd="slow">
+    <p:cover/>
+  </p:transition>
+</p:sld>
+</file>
+
+<file path=ppt/slides/slide14.xml><?xml version="1.0" encoding="utf-8"?>
 <p:sld xmlns:a="http://schemas.openxmlformats.org/drawingml/2006/main" xmlns:r="http://schemas.openxmlformats.org/officeDocument/2006/relationships" xmlns:p="http://schemas.openxmlformats.org/presentationml/2006/main">
   <p:cSld>
     <p:spTree>
@@ -26737,7 +27521,7 @@
 </p:sld>
 </file>
 
-<file path=ppt/slides/slide14.xml><?xml version="1.0" encoding="utf-8"?>
+<file path=ppt/slides/slide15.xml><?xml version="1.0" encoding="utf-8"?>
 <p:sld xmlns:a="http://schemas.openxmlformats.org/drawingml/2006/main" xmlns:r="http://schemas.openxmlformats.org/officeDocument/2006/relationships" xmlns:p="http://schemas.openxmlformats.org/presentationml/2006/main">
   <p:cSld>
     <p:spTree>
@@ -27112,7 +27896,7 @@
 </p:sld>
 </file>
 
-<file path=ppt/slides/slide15.xml><?xml version="1.0" encoding="utf-8"?>
+<file path=ppt/slides/slide16.xml><?xml version="1.0" encoding="utf-8"?>
 <p:sld xmlns:a="http://schemas.openxmlformats.org/drawingml/2006/main" xmlns:r="http://schemas.openxmlformats.org/officeDocument/2006/relationships" xmlns:p="http://schemas.openxmlformats.org/presentationml/2006/main">
   <p:cSld>
     <p:spTree>
@@ -27473,7 +28257,7 @@
 </p:sld>
 </file>
 
-<file path=ppt/slides/slide16.xml><?xml version="1.0" encoding="utf-8"?>
+<file path=ppt/slides/slide17.xml><?xml version="1.0" encoding="utf-8"?>
 <p:sld xmlns:a="http://schemas.openxmlformats.org/drawingml/2006/main" xmlns:r="http://schemas.openxmlformats.org/officeDocument/2006/relationships" xmlns:p="http://schemas.openxmlformats.org/presentationml/2006/main">
   <p:cSld>
     <p:spTree>
@@ -27826,7 +28610,7 @@
 </p:sld>
 </file>
 
-<file path=ppt/slides/slide17.xml><?xml version="1.0" encoding="utf-8"?>
+<file path=ppt/slides/slide18.xml><?xml version="1.0" encoding="utf-8"?>
 <p:sld xmlns:a="http://schemas.openxmlformats.org/drawingml/2006/main" xmlns:r="http://schemas.openxmlformats.org/officeDocument/2006/relationships" xmlns:p="http://schemas.openxmlformats.org/presentationml/2006/main">
   <p:cSld>
     <p:spTree>
@@ -28187,7 +28971,7 @@
 </p:sld>
 </file>
 
-<file path=ppt/slides/slide18.xml><?xml version="1.0" encoding="utf-8"?>
+<file path=ppt/slides/slide19.xml><?xml version="1.0" encoding="utf-8"?>
 <p:sld xmlns:a="http://schemas.openxmlformats.org/drawingml/2006/main" xmlns:r="http://schemas.openxmlformats.org/officeDocument/2006/relationships" xmlns:p="http://schemas.openxmlformats.org/presentationml/2006/main">
   <p:cSld>
     <p:spTree>
@@ -28550,367 +29334,6 @@
     <p:extLst>
       <p:ext uri="{BB962C8B-B14F-4D97-AF65-F5344CB8AC3E}">
         <p14:creationId xmlns:p14="http://schemas.microsoft.com/office/powerpoint/2010/main" val="178718980"/>
-      </p:ext>
-    </p:extLst>
-  </p:cSld>
-  <p:clrMapOvr>
-    <a:masterClrMapping/>
-  </p:clrMapOvr>
-  <p:transition spd="slow">
-    <p:cover/>
-  </p:transition>
-</p:sld>
-</file>
-
-<file path=ppt/slides/slide19.xml><?xml version="1.0" encoding="utf-8"?>
-<p:sld xmlns:a="http://schemas.openxmlformats.org/drawingml/2006/main" xmlns:r="http://schemas.openxmlformats.org/officeDocument/2006/relationships" xmlns:p="http://schemas.openxmlformats.org/presentationml/2006/main">
-  <p:cSld>
-    <p:spTree>
-      <p:nvGrpSpPr>
-        <p:cNvPr id="1" name=""/>
-        <p:cNvGrpSpPr/>
-        <p:nvPr/>
-      </p:nvGrpSpPr>
-      <p:grpSpPr>
-        <a:xfrm>
-          <a:off x="0" y="0"/>
-          <a:ext cx="0" cy="0"/>
-          <a:chOff x="0" y="0"/>
-          <a:chExt cx="0" cy="0"/>
-        </a:xfrm>
-      </p:grpSpPr>
-      <p:sp>
-        <p:nvSpPr>
-          <p:cNvPr id="4" name="TextBox 3">
-            <a:extLst>
-              <a:ext uri="{FF2B5EF4-FFF2-40B4-BE49-F238E27FC236}">
-                <a16:creationId xmlns:a16="http://schemas.microsoft.com/office/drawing/2014/main" id="{349FF29F-A1A2-420F-9295-9A4444567665}"/>
-              </a:ext>
-            </a:extLst>
-          </p:cNvPr>
-          <p:cNvSpPr txBox="1"/>
-          <p:nvPr/>
-        </p:nvSpPr>
-        <p:spPr>
-          <a:xfrm>
-            <a:off x="5460319" y="771688"/>
-            <a:ext cx="8134287" cy="1700470"/>
-          </a:xfrm>
-          <a:prstGeom prst="rect">
-            <a:avLst/>
-          </a:prstGeom>
-          <a:noFill/>
-        </p:spPr>
-        <p:txBody>
-          <a:bodyPr wrap="square" lIns="68584" tIns="34292" rIns="68584" bIns="34292" rtlCol="0">
-            <a:spAutoFit/>
-          </a:bodyPr>
-          <a:lstStyle/>
-          <a:p>
-            <a:pPr algn="ctr"/>
-            <a:r>
-              <a:rPr lang="en-US" sz="6600" b="1">
-                <a:solidFill>
-                  <a:srgbClr val="445469"/>
-                </a:solidFill>
-                <a:latin typeface="Lato Heavy" charset="0"/>
-                <a:ea typeface="Lato Heavy" charset="0"/>
-                <a:cs typeface="Lato Heavy" charset="0"/>
-              </a:rPr>
-              <a:t>C</a:t>
-            </a:r>
-            <a:r>
-              <a:rPr lang="vi-VN" sz="6600" b="1">
-                <a:solidFill>
-                  <a:srgbClr val="445469"/>
-                </a:solidFill>
-                <a:latin typeface="Lato Heavy" charset="0"/>
-                <a:ea typeface="Lato Heavy" charset="0"/>
-                <a:cs typeface="Lato Heavy" charset="0"/>
-              </a:rPr>
-              <a:t>ơ</a:t>
-            </a:r>
-            <a:r>
-              <a:rPr lang="en-US" sz="6600" b="1">
-                <a:solidFill>
-                  <a:srgbClr val="445469"/>
-                </a:solidFill>
-                <a:latin typeface="Lato Heavy" charset="0"/>
-                <a:ea typeface="Lato Heavy" charset="0"/>
-                <a:cs typeface="Lato Heavy" charset="0"/>
-              </a:rPr>
-              <a:t> sở lí thuyết</a:t>
-            </a:r>
-          </a:p>
-          <a:p>
-            <a:pPr algn="ctr"/>
-            <a:r>
-              <a:rPr lang="en-US" sz="4000">
-                <a:latin typeface="Lato Heavy" charset="0"/>
-                <a:ea typeface="Lato Heavy" charset="0"/>
-                <a:cs typeface="Lato Heavy" charset="0"/>
-              </a:rPr>
-              <a:t>(ReactJS)</a:t>
-            </a:r>
-          </a:p>
-        </p:txBody>
-      </p:sp>
-      <p:sp>
-        <p:nvSpPr>
-          <p:cNvPr id="6" name="Date Placeholder 5">
-            <a:extLst>
-              <a:ext uri="{FF2B5EF4-FFF2-40B4-BE49-F238E27FC236}">
-                <a16:creationId xmlns:a16="http://schemas.microsoft.com/office/drawing/2014/main" id="{4DB1461A-FAF4-43D8-BD39-E67D9CFFDF54}"/>
-              </a:ext>
-            </a:extLst>
-          </p:cNvPr>
-          <p:cNvSpPr>
-            <a:spLocks noGrp="1"/>
-          </p:cNvSpPr>
-          <p:nvPr>
-            <p:ph type="dt" sz="half" idx="10"/>
-          </p:nvPr>
-        </p:nvSpPr>
-        <p:spPr/>
-        <p:txBody>
-          <a:bodyPr/>
-          <a:lstStyle/>
-          <a:p>
-            <a:fld id="{70840168-5D59-45E9-8783-04AE3E3078F8}" type="datetime1">
-              <a:rPr lang="en-US" smtClean="0">
-                <a:solidFill>
-                  <a:schemeClr val="bg1"/>
-                </a:solidFill>
-              </a:rPr>
-              <a:t>12/5/2018</a:t>
-            </a:fld>
-            <a:endParaRPr lang="en-US">
-              <a:solidFill>
-                <a:schemeClr val="bg1"/>
-              </a:solidFill>
-            </a:endParaRPr>
-          </a:p>
-        </p:txBody>
-      </p:sp>
-      <p:sp>
-        <p:nvSpPr>
-          <p:cNvPr id="7" name="Footer Placeholder 6">
-            <a:extLst>
-              <a:ext uri="{FF2B5EF4-FFF2-40B4-BE49-F238E27FC236}">
-                <a16:creationId xmlns:a16="http://schemas.microsoft.com/office/drawing/2014/main" id="{754D3DE7-1D0F-49BF-8DB3-87320527AB40}"/>
-              </a:ext>
-            </a:extLst>
-          </p:cNvPr>
-          <p:cNvSpPr>
-            <a:spLocks noGrp="1"/>
-          </p:cNvSpPr>
-          <p:nvPr>
-            <p:ph type="ftr" sz="quarter" idx="11"/>
-          </p:nvPr>
-        </p:nvSpPr>
-        <p:spPr/>
-        <p:txBody>
-          <a:bodyPr/>
-          <a:lstStyle/>
-          <a:p>
-            <a:pPr algn="ctr"/>
-            <a:r>
-              <a:rPr lang="en-US"/>
-              <a:t>Hệ thống quản lí chuỗi cửa hàng giặt ủi</a:t>
-            </a:r>
-          </a:p>
-        </p:txBody>
-      </p:sp>
-      <p:sp>
-        <p:nvSpPr>
-          <p:cNvPr id="33" name="AutoShape 14" descr="Káº¿t quáº£ hÃ¬nh áº£nh cho android icon">
-            <a:extLst>
-              <a:ext uri="{FF2B5EF4-FFF2-40B4-BE49-F238E27FC236}">
-                <a16:creationId xmlns:a16="http://schemas.microsoft.com/office/drawing/2014/main" id="{97A5E0AE-AEA8-42E5-93E5-438E530750DC}"/>
-              </a:ext>
-            </a:extLst>
-          </p:cNvPr>
-          <p:cNvSpPr>
-            <a:spLocks noChangeAspect="1" noChangeArrowheads="1"/>
-          </p:cNvSpPr>
-          <p:nvPr/>
-        </p:nvSpPr>
-        <p:spPr bwMode="auto">
-          <a:xfrm>
-            <a:off x="8991600" y="6705600"/>
-            <a:ext cx="304800" cy="304800"/>
-          </a:xfrm>
-          <a:prstGeom prst="rect">
-            <a:avLst/>
-          </a:prstGeom>
-          <a:noFill/>
-          <a:extLst>
-            <a:ext uri="{909E8E84-426E-40DD-AFC4-6F175D3DCCD1}">
-              <a14:hiddenFill xmlns:a14="http://schemas.microsoft.com/office/drawing/2010/main">
-                <a:solidFill>
-                  <a:srgbClr val="FFFFFF"/>
-                </a:solidFill>
-              </a14:hiddenFill>
-            </a:ext>
-          </a:extLst>
-        </p:spPr>
-        <p:txBody>
-          <a:bodyPr vert="horz" wrap="square" lIns="91440" tIns="45720" rIns="91440" bIns="45720" numCol="1" anchor="t" anchorCtr="0" compatLnSpc="1">
-            <a:prstTxWarp prst="textNoShape">
-              <a:avLst/>
-            </a:prstTxWarp>
-          </a:bodyPr>
-          <a:lstStyle/>
-          <a:p>
-            <a:endParaRPr lang="en-US"/>
-          </a:p>
-        </p:txBody>
-      </p:sp>
-      <p:sp>
-        <p:nvSpPr>
-          <p:cNvPr id="2" name="AutoShape 4" descr="HÃ¬nh áº£nh cÃ³ liÃªn quan">
-            <a:extLst>
-              <a:ext uri="{FF2B5EF4-FFF2-40B4-BE49-F238E27FC236}">
-                <a16:creationId xmlns:a16="http://schemas.microsoft.com/office/drawing/2014/main" id="{CC907FF4-9673-4200-B1D2-278243DDF54D}"/>
-              </a:ext>
-            </a:extLst>
-          </p:cNvPr>
-          <p:cNvSpPr>
-            <a:spLocks noChangeAspect="1" noChangeArrowheads="1"/>
-          </p:cNvSpPr>
-          <p:nvPr/>
-        </p:nvSpPr>
-        <p:spPr bwMode="auto">
-          <a:xfrm>
-            <a:off x="9144000" y="6858000"/>
-            <a:ext cx="304800" cy="304800"/>
-          </a:xfrm>
-          <a:prstGeom prst="rect">
-            <a:avLst/>
-          </a:prstGeom>
-          <a:noFill/>
-          <a:extLst>
-            <a:ext uri="{909E8E84-426E-40DD-AFC4-6F175D3DCCD1}">
-              <a14:hiddenFill xmlns:a14="http://schemas.microsoft.com/office/drawing/2010/main">
-                <a:solidFill>
-                  <a:srgbClr val="FFFFFF"/>
-                </a:solidFill>
-              </a14:hiddenFill>
-            </a:ext>
-          </a:extLst>
-        </p:spPr>
-        <p:txBody>
-          <a:bodyPr vert="horz" wrap="square" lIns="91440" tIns="45720" rIns="91440" bIns="45720" numCol="1" anchor="t" anchorCtr="0" compatLnSpc="1">
-            <a:prstTxWarp prst="textNoShape">
-              <a:avLst/>
-            </a:prstTxWarp>
-          </a:bodyPr>
-          <a:lstStyle/>
-          <a:p>
-            <a:endParaRPr lang="en-US"/>
-          </a:p>
-        </p:txBody>
-      </p:sp>
-      <p:sp>
-        <p:nvSpPr>
-          <p:cNvPr id="5" name="Rectangle 4">
-            <a:extLst>
-              <a:ext uri="{FF2B5EF4-FFF2-40B4-BE49-F238E27FC236}">
-                <a16:creationId xmlns:a16="http://schemas.microsoft.com/office/drawing/2014/main" id="{3C3E1B19-564B-43BC-8060-DA99B4A4E9EF}"/>
-              </a:ext>
-            </a:extLst>
-          </p:cNvPr>
-          <p:cNvSpPr/>
-          <p:nvPr/>
-        </p:nvSpPr>
-        <p:spPr>
-          <a:xfrm>
-            <a:off x="1865670" y="2943634"/>
-            <a:ext cx="15166259" cy="5509200"/>
-          </a:xfrm>
-          <a:prstGeom prst="rect">
-            <a:avLst/>
-          </a:prstGeom>
-        </p:spPr>
-        <p:txBody>
-          <a:bodyPr wrap="square">
-            <a:spAutoFit/>
-          </a:bodyPr>
-          <a:lstStyle/>
-          <a:p>
-            <a:pPr algn="just"/>
-            <a:r>
-              <a:rPr lang="en-US" sz="4400">
-                <a:latin typeface="Calibri" panose="020F0502020204030204" pitchFamily="34" charset="0"/>
-                <a:cs typeface="Calibri" panose="020F0502020204030204" pitchFamily="34" charset="0"/>
-              </a:rPr>
-              <a:t>		</a:t>
-            </a:r>
-            <a:r>
-              <a:rPr lang="vi-VN" sz="4400">
-                <a:latin typeface="Calibri" panose="020F0502020204030204" pitchFamily="34" charset="0"/>
-                <a:cs typeface="Calibri" panose="020F0502020204030204" pitchFamily="34" charset="0"/>
-              </a:rPr>
-              <a:t>React là một thư viện UI phát triển tại Facebook để hỗ trợ việc xây dựng những thành phần (components) UI có tính tương tác cao, có trạng thái và có thể sử dụng lại được. Một trong những điểm hấp dẫn của React là thư viện này không chỉ hoạt động trên phía client, mà còn được render trên máy chủ và có thể kết nối với nhau. React so sánh sự thay đổi giữa các giá trị của lần render này với lần render trước và cập nhật ít thay đổi nhất trên DOM.</a:t>
-            </a:r>
-            <a:endParaRPr lang="en-US" sz="4400">
-              <a:latin typeface="Calibri" panose="020F0502020204030204" pitchFamily="34" charset="0"/>
-              <a:cs typeface="Calibri" panose="020F0502020204030204" pitchFamily="34" charset="0"/>
-            </a:endParaRPr>
-          </a:p>
-        </p:txBody>
-      </p:sp>
-      <p:pic>
-        <p:nvPicPr>
-          <p:cNvPr id="9" name="Picture 16" descr="HÃ¬nh áº£nh cÃ³ liÃªn quan">
-            <a:extLst>
-              <a:ext uri="{FF2B5EF4-FFF2-40B4-BE49-F238E27FC236}">
-                <a16:creationId xmlns:a16="http://schemas.microsoft.com/office/drawing/2014/main" id="{B1918D01-8B2C-463F-B810-AE69F0C6A90E}"/>
-              </a:ext>
-            </a:extLst>
-          </p:cNvPr>
-          <p:cNvPicPr>
-            <a:picLocks noChangeAspect="1" noChangeArrowheads="1"/>
-          </p:cNvPicPr>
-          <p:nvPr/>
-        </p:nvPicPr>
-        <p:blipFill>
-          <a:blip r:embed="rId3" cstate="email">
-            <a:extLst>
-              <a:ext uri="{28A0092B-C50C-407E-A947-70E740481C1C}">
-                <a14:useLocalDpi xmlns:a14="http://schemas.microsoft.com/office/drawing/2010/main" val="0"/>
-              </a:ext>
-            </a:extLst>
-          </a:blip>
-          <a:srcRect/>
-          <a:stretch>
-            <a:fillRect/>
-          </a:stretch>
-        </p:blipFill>
-        <p:spPr bwMode="auto">
-          <a:xfrm>
-            <a:off x="8275250" y="8355763"/>
-            <a:ext cx="2347097" cy="2227005"/>
-          </a:xfrm>
-          <a:prstGeom prst="rect">
-            <a:avLst/>
-          </a:prstGeom>
-          <a:noFill/>
-          <a:extLst>
-            <a:ext uri="{909E8E84-426E-40DD-AFC4-6F175D3DCCD1}">
-              <a14:hiddenFill xmlns:a14="http://schemas.microsoft.com/office/drawing/2010/main">
-                <a:solidFill>
-                  <a:srgbClr val="FFFFFF"/>
-                </a:solidFill>
-              </a14:hiddenFill>
-            </a:ext>
-          </a:extLst>
-        </p:spPr>
-      </p:pic>
-    </p:spTree>
-    <p:extLst>
-      <p:ext uri="{BB962C8B-B14F-4D97-AF65-F5344CB8AC3E}">
-        <p14:creationId xmlns:p14="http://schemas.microsoft.com/office/powerpoint/2010/main" val="3110061069"/>
       </p:ext>
     </p:extLst>
   </p:cSld>
@@ -29745,6 +30168,367 @@
 </file>
 
 <file path=ppt/slides/slide20.xml><?xml version="1.0" encoding="utf-8"?>
+<p:sld xmlns:a="http://schemas.openxmlformats.org/drawingml/2006/main" xmlns:r="http://schemas.openxmlformats.org/officeDocument/2006/relationships" xmlns:p="http://schemas.openxmlformats.org/presentationml/2006/main">
+  <p:cSld>
+    <p:spTree>
+      <p:nvGrpSpPr>
+        <p:cNvPr id="1" name=""/>
+        <p:cNvGrpSpPr/>
+        <p:nvPr/>
+      </p:nvGrpSpPr>
+      <p:grpSpPr>
+        <a:xfrm>
+          <a:off x="0" y="0"/>
+          <a:ext cx="0" cy="0"/>
+          <a:chOff x="0" y="0"/>
+          <a:chExt cx="0" cy="0"/>
+        </a:xfrm>
+      </p:grpSpPr>
+      <p:sp>
+        <p:nvSpPr>
+          <p:cNvPr id="4" name="TextBox 3">
+            <a:extLst>
+              <a:ext uri="{FF2B5EF4-FFF2-40B4-BE49-F238E27FC236}">
+                <a16:creationId xmlns:a16="http://schemas.microsoft.com/office/drawing/2014/main" id="{349FF29F-A1A2-420F-9295-9A4444567665}"/>
+              </a:ext>
+            </a:extLst>
+          </p:cNvPr>
+          <p:cNvSpPr txBox="1"/>
+          <p:nvPr/>
+        </p:nvSpPr>
+        <p:spPr>
+          <a:xfrm>
+            <a:off x="5460319" y="771688"/>
+            <a:ext cx="8134287" cy="1700470"/>
+          </a:xfrm>
+          <a:prstGeom prst="rect">
+            <a:avLst/>
+          </a:prstGeom>
+          <a:noFill/>
+        </p:spPr>
+        <p:txBody>
+          <a:bodyPr wrap="square" lIns="68584" tIns="34292" rIns="68584" bIns="34292" rtlCol="0">
+            <a:spAutoFit/>
+          </a:bodyPr>
+          <a:lstStyle/>
+          <a:p>
+            <a:pPr algn="ctr"/>
+            <a:r>
+              <a:rPr lang="en-US" sz="6600" b="1">
+                <a:solidFill>
+                  <a:srgbClr val="445469"/>
+                </a:solidFill>
+                <a:latin typeface="Lato Heavy" charset="0"/>
+                <a:ea typeface="Lato Heavy" charset="0"/>
+                <a:cs typeface="Lato Heavy" charset="0"/>
+              </a:rPr>
+              <a:t>C</a:t>
+            </a:r>
+            <a:r>
+              <a:rPr lang="vi-VN" sz="6600" b="1">
+                <a:solidFill>
+                  <a:srgbClr val="445469"/>
+                </a:solidFill>
+                <a:latin typeface="Lato Heavy" charset="0"/>
+                <a:ea typeface="Lato Heavy" charset="0"/>
+                <a:cs typeface="Lato Heavy" charset="0"/>
+              </a:rPr>
+              <a:t>ơ</a:t>
+            </a:r>
+            <a:r>
+              <a:rPr lang="en-US" sz="6600" b="1">
+                <a:solidFill>
+                  <a:srgbClr val="445469"/>
+                </a:solidFill>
+                <a:latin typeface="Lato Heavy" charset="0"/>
+                <a:ea typeface="Lato Heavy" charset="0"/>
+                <a:cs typeface="Lato Heavy" charset="0"/>
+              </a:rPr>
+              <a:t> sở lí thuyết</a:t>
+            </a:r>
+          </a:p>
+          <a:p>
+            <a:pPr algn="ctr"/>
+            <a:r>
+              <a:rPr lang="en-US" sz="4000">
+                <a:latin typeface="Lato Heavy" charset="0"/>
+                <a:ea typeface="Lato Heavy" charset="0"/>
+                <a:cs typeface="Lato Heavy" charset="0"/>
+              </a:rPr>
+              <a:t>(ReactJS)</a:t>
+            </a:r>
+          </a:p>
+        </p:txBody>
+      </p:sp>
+      <p:sp>
+        <p:nvSpPr>
+          <p:cNvPr id="6" name="Date Placeholder 5">
+            <a:extLst>
+              <a:ext uri="{FF2B5EF4-FFF2-40B4-BE49-F238E27FC236}">
+                <a16:creationId xmlns:a16="http://schemas.microsoft.com/office/drawing/2014/main" id="{4DB1461A-FAF4-43D8-BD39-E67D9CFFDF54}"/>
+              </a:ext>
+            </a:extLst>
+          </p:cNvPr>
+          <p:cNvSpPr>
+            <a:spLocks noGrp="1"/>
+          </p:cNvSpPr>
+          <p:nvPr>
+            <p:ph type="dt" sz="half" idx="10"/>
+          </p:nvPr>
+        </p:nvSpPr>
+        <p:spPr/>
+        <p:txBody>
+          <a:bodyPr/>
+          <a:lstStyle/>
+          <a:p>
+            <a:fld id="{70840168-5D59-45E9-8783-04AE3E3078F8}" type="datetime1">
+              <a:rPr lang="en-US" smtClean="0">
+                <a:solidFill>
+                  <a:schemeClr val="bg1"/>
+                </a:solidFill>
+              </a:rPr>
+              <a:t>12/5/2018</a:t>
+            </a:fld>
+            <a:endParaRPr lang="en-US">
+              <a:solidFill>
+                <a:schemeClr val="bg1"/>
+              </a:solidFill>
+            </a:endParaRPr>
+          </a:p>
+        </p:txBody>
+      </p:sp>
+      <p:sp>
+        <p:nvSpPr>
+          <p:cNvPr id="7" name="Footer Placeholder 6">
+            <a:extLst>
+              <a:ext uri="{FF2B5EF4-FFF2-40B4-BE49-F238E27FC236}">
+                <a16:creationId xmlns:a16="http://schemas.microsoft.com/office/drawing/2014/main" id="{754D3DE7-1D0F-49BF-8DB3-87320527AB40}"/>
+              </a:ext>
+            </a:extLst>
+          </p:cNvPr>
+          <p:cNvSpPr>
+            <a:spLocks noGrp="1"/>
+          </p:cNvSpPr>
+          <p:nvPr>
+            <p:ph type="ftr" sz="quarter" idx="11"/>
+          </p:nvPr>
+        </p:nvSpPr>
+        <p:spPr/>
+        <p:txBody>
+          <a:bodyPr/>
+          <a:lstStyle/>
+          <a:p>
+            <a:pPr algn="ctr"/>
+            <a:r>
+              <a:rPr lang="en-US"/>
+              <a:t>Hệ thống quản lí chuỗi cửa hàng giặt ủi</a:t>
+            </a:r>
+          </a:p>
+        </p:txBody>
+      </p:sp>
+      <p:sp>
+        <p:nvSpPr>
+          <p:cNvPr id="33" name="AutoShape 14" descr="Káº¿t quáº£ hÃ¬nh áº£nh cho android icon">
+            <a:extLst>
+              <a:ext uri="{FF2B5EF4-FFF2-40B4-BE49-F238E27FC236}">
+                <a16:creationId xmlns:a16="http://schemas.microsoft.com/office/drawing/2014/main" id="{97A5E0AE-AEA8-42E5-93E5-438E530750DC}"/>
+              </a:ext>
+            </a:extLst>
+          </p:cNvPr>
+          <p:cNvSpPr>
+            <a:spLocks noChangeAspect="1" noChangeArrowheads="1"/>
+          </p:cNvSpPr>
+          <p:nvPr/>
+        </p:nvSpPr>
+        <p:spPr bwMode="auto">
+          <a:xfrm>
+            <a:off x="8991600" y="6705600"/>
+            <a:ext cx="304800" cy="304800"/>
+          </a:xfrm>
+          <a:prstGeom prst="rect">
+            <a:avLst/>
+          </a:prstGeom>
+          <a:noFill/>
+          <a:extLst>
+            <a:ext uri="{909E8E84-426E-40DD-AFC4-6F175D3DCCD1}">
+              <a14:hiddenFill xmlns:a14="http://schemas.microsoft.com/office/drawing/2010/main">
+                <a:solidFill>
+                  <a:srgbClr val="FFFFFF"/>
+                </a:solidFill>
+              </a14:hiddenFill>
+            </a:ext>
+          </a:extLst>
+        </p:spPr>
+        <p:txBody>
+          <a:bodyPr vert="horz" wrap="square" lIns="91440" tIns="45720" rIns="91440" bIns="45720" numCol="1" anchor="t" anchorCtr="0" compatLnSpc="1">
+            <a:prstTxWarp prst="textNoShape">
+              <a:avLst/>
+            </a:prstTxWarp>
+          </a:bodyPr>
+          <a:lstStyle/>
+          <a:p>
+            <a:endParaRPr lang="en-US"/>
+          </a:p>
+        </p:txBody>
+      </p:sp>
+      <p:sp>
+        <p:nvSpPr>
+          <p:cNvPr id="2" name="AutoShape 4" descr="HÃ¬nh áº£nh cÃ³ liÃªn quan">
+            <a:extLst>
+              <a:ext uri="{FF2B5EF4-FFF2-40B4-BE49-F238E27FC236}">
+                <a16:creationId xmlns:a16="http://schemas.microsoft.com/office/drawing/2014/main" id="{CC907FF4-9673-4200-B1D2-278243DDF54D}"/>
+              </a:ext>
+            </a:extLst>
+          </p:cNvPr>
+          <p:cNvSpPr>
+            <a:spLocks noChangeAspect="1" noChangeArrowheads="1"/>
+          </p:cNvSpPr>
+          <p:nvPr/>
+        </p:nvSpPr>
+        <p:spPr bwMode="auto">
+          <a:xfrm>
+            <a:off x="9144000" y="6858000"/>
+            <a:ext cx="304800" cy="304800"/>
+          </a:xfrm>
+          <a:prstGeom prst="rect">
+            <a:avLst/>
+          </a:prstGeom>
+          <a:noFill/>
+          <a:extLst>
+            <a:ext uri="{909E8E84-426E-40DD-AFC4-6F175D3DCCD1}">
+              <a14:hiddenFill xmlns:a14="http://schemas.microsoft.com/office/drawing/2010/main">
+                <a:solidFill>
+                  <a:srgbClr val="FFFFFF"/>
+                </a:solidFill>
+              </a14:hiddenFill>
+            </a:ext>
+          </a:extLst>
+        </p:spPr>
+        <p:txBody>
+          <a:bodyPr vert="horz" wrap="square" lIns="91440" tIns="45720" rIns="91440" bIns="45720" numCol="1" anchor="t" anchorCtr="0" compatLnSpc="1">
+            <a:prstTxWarp prst="textNoShape">
+              <a:avLst/>
+            </a:prstTxWarp>
+          </a:bodyPr>
+          <a:lstStyle/>
+          <a:p>
+            <a:endParaRPr lang="en-US"/>
+          </a:p>
+        </p:txBody>
+      </p:sp>
+      <p:sp>
+        <p:nvSpPr>
+          <p:cNvPr id="5" name="Rectangle 4">
+            <a:extLst>
+              <a:ext uri="{FF2B5EF4-FFF2-40B4-BE49-F238E27FC236}">
+                <a16:creationId xmlns:a16="http://schemas.microsoft.com/office/drawing/2014/main" id="{3C3E1B19-564B-43BC-8060-DA99B4A4E9EF}"/>
+              </a:ext>
+            </a:extLst>
+          </p:cNvPr>
+          <p:cNvSpPr/>
+          <p:nvPr/>
+        </p:nvSpPr>
+        <p:spPr>
+          <a:xfrm>
+            <a:off x="1865670" y="2943634"/>
+            <a:ext cx="15166259" cy="5509200"/>
+          </a:xfrm>
+          <a:prstGeom prst="rect">
+            <a:avLst/>
+          </a:prstGeom>
+        </p:spPr>
+        <p:txBody>
+          <a:bodyPr wrap="square">
+            <a:spAutoFit/>
+          </a:bodyPr>
+          <a:lstStyle/>
+          <a:p>
+            <a:pPr algn="just"/>
+            <a:r>
+              <a:rPr lang="en-US" sz="4400">
+                <a:latin typeface="Calibri" panose="020F0502020204030204" pitchFamily="34" charset="0"/>
+                <a:cs typeface="Calibri" panose="020F0502020204030204" pitchFamily="34" charset="0"/>
+              </a:rPr>
+              <a:t>		</a:t>
+            </a:r>
+            <a:r>
+              <a:rPr lang="vi-VN" sz="4400">
+                <a:latin typeface="Calibri" panose="020F0502020204030204" pitchFamily="34" charset="0"/>
+                <a:cs typeface="Calibri" panose="020F0502020204030204" pitchFamily="34" charset="0"/>
+              </a:rPr>
+              <a:t>React là một thư viện UI phát triển tại Facebook để hỗ trợ việc xây dựng những thành phần (components) UI có tính tương tác cao, có trạng thái và có thể sử dụng lại được. Một trong những điểm hấp dẫn của React là thư viện này không chỉ hoạt động trên phía client, mà còn được render trên máy chủ và có thể kết nối với nhau. React so sánh sự thay đổi giữa các giá trị của lần render này với lần render trước và cập nhật ít thay đổi nhất trên DOM.</a:t>
+            </a:r>
+            <a:endParaRPr lang="en-US" sz="4400">
+              <a:latin typeface="Calibri" panose="020F0502020204030204" pitchFamily="34" charset="0"/>
+              <a:cs typeface="Calibri" panose="020F0502020204030204" pitchFamily="34" charset="0"/>
+            </a:endParaRPr>
+          </a:p>
+        </p:txBody>
+      </p:sp>
+      <p:pic>
+        <p:nvPicPr>
+          <p:cNvPr id="9" name="Picture 16" descr="HÃ¬nh áº£nh cÃ³ liÃªn quan">
+            <a:extLst>
+              <a:ext uri="{FF2B5EF4-FFF2-40B4-BE49-F238E27FC236}">
+                <a16:creationId xmlns:a16="http://schemas.microsoft.com/office/drawing/2014/main" id="{B1918D01-8B2C-463F-B810-AE69F0C6A90E}"/>
+              </a:ext>
+            </a:extLst>
+          </p:cNvPr>
+          <p:cNvPicPr>
+            <a:picLocks noChangeAspect="1" noChangeArrowheads="1"/>
+          </p:cNvPicPr>
+          <p:nvPr/>
+        </p:nvPicPr>
+        <p:blipFill>
+          <a:blip r:embed="rId3" cstate="email">
+            <a:extLst>
+              <a:ext uri="{28A0092B-C50C-407E-A947-70E740481C1C}">
+                <a14:useLocalDpi xmlns:a14="http://schemas.microsoft.com/office/drawing/2010/main" val="0"/>
+              </a:ext>
+            </a:extLst>
+          </a:blip>
+          <a:srcRect/>
+          <a:stretch>
+            <a:fillRect/>
+          </a:stretch>
+        </p:blipFill>
+        <p:spPr bwMode="auto">
+          <a:xfrm>
+            <a:off x="8275250" y="8355763"/>
+            <a:ext cx="2347097" cy="2227005"/>
+          </a:xfrm>
+          <a:prstGeom prst="rect">
+            <a:avLst/>
+          </a:prstGeom>
+          <a:noFill/>
+          <a:extLst>
+            <a:ext uri="{909E8E84-426E-40DD-AFC4-6F175D3DCCD1}">
+              <a14:hiddenFill xmlns:a14="http://schemas.microsoft.com/office/drawing/2010/main">
+                <a:solidFill>
+                  <a:srgbClr val="FFFFFF"/>
+                </a:solidFill>
+              </a14:hiddenFill>
+            </a:ext>
+          </a:extLst>
+        </p:spPr>
+      </p:pic>
+    </p:spTree>
+    <p:extLst>
+      <p:ext uri="{BB962C8B-B14F-4D97-AF65-F5344CB8AC3E}">
+        <p14:creationId xmlns:p14="http://schemas.microsoft.com/office/powerpoint/2010/main" val="3110061069"/>
+      </p:ext>
+    </p:extLst>
+  </p:cSld>
+  <p:clrMapOvr>
+    <a:masterClrMapping/>
+  </p:clrMapOvr>
+  <p:transition spd="slow">
+    <p:cover/>
+  </p:transition>
+</p:sld>
+</file>
+
+<file path=ppt/slides/slide21.xml><?xml version="1.0" encoding="utf-8"?>
 <p:sld xmlns:a="http://schemas.openxmlformats.org/drawingml/2006/main" xmlns:r="http://schemas.openxmlformats.org/officeDocument/2006/relationships" xmlns:p="http://schemas.openxmlformats.org/presentationml/2006/main">
   <p:cSld>
     <p:spTree>
@@ -36882,7 +37666,7 @@
 </p:sld>
 </file>
 
-<file path=ppt/slides/slide21.xml><?xml version="1.0" encoding="utf-8"?>
+<file path=ppt/slides/slide22.xml><?xml version="1.0" encoding="utf-8"?>
 <p:sld xmlns:a="http://schemas.openxmlformats.org/drawingml/2006/main" xmlns:r="http://schemas.openxmlformats.org/officeDocument/2006/relationships" xmlns:p="http://schemas.openxmlformats.org/presentationml/2006/main">
   <p:cSld>
     <p:spTree>
@@ -37249,7 +38033,7 @@
 </p:sld>
 </file>
 
-<file path=ppt/slides/slide22.xml><?xml version="1.0" encoding="utf-8"?>
+<file path=ppt/slides/slide23.xml><?xml version="1.0" encoding="utf-8"?>
 <p:sld xmlns:a="http://schemas.openxmlformats.org/drawingml/2006/main" xmlns:r="http://schemas.openxmlformats.org/officeDocument/2006/relationships" xmlns:p="http://schemas.openxmlformats.org/presentationml/2006/main">
   <p:cSld>
     <p:spTree>
@@ -37369,7 +38153,7 @@
                   <a:schemeClr val="bg1"/>
                 </a:solidFill>
               </a:rPr>
-              <a:t>12/5/2018</a:t>
+              <a:t>12/6/2018</a:t>
             </a:fld>
             <a:endParaRPr lang="en-US">
               <a:solidFill>
@@ -37500,10 +38284,10 @@
       </p:sp>
       <p:grpSp>
         <p:nvGrpSpPr>
-          <p:cNvPr id="118" name="Group 117">
+          <p:cNvPr id="120" name="Group 119">
             <a:extLst>
               <a:ext uri="{FF2B5EF4-FFF2-40B4-BE49-F238E27FC236}">
-                <a16:creationId xmlns:a16="http://schemas.microsoft.com/office/drawing/2014/main" id="{23555BB2-29F0-4E81-A58B-5C2EB5620BF9}"/>
+                <a16:creationId xmlns:a16="http://schemas.microsoft.com/office/drawing/2014/main" id="{3E99A8FE-5689-4705-9AFD-65C96EE83ED5}"/>
               </a:ext>
             </a:extLst>
           </p:cNvPr>
@@ -37512,18 +38296,65 @@
         </p:nvGrpSpPr>
         <p:grpSpPr>
           <a:xfrm>
-            <a:off x="1412002" y="2811563"/>
+            <a:off x="1288919" y="2711049"/>
             <a:ext cx="16310755" cy="8516175"/>
-            <a:chOff x="1412002" y="2811563"/>
+            <a:chOff x="1288919" y="2711049"/>
             <a:chExt cx="16310755" cy="8516175"/>
           </a:xfrm>
         </p:grpSpPr>
+        <p:pic>
+          <p:nvPicPr>
+            <p:cNvPr id="130" name="Picture 2" descr="HÃ¬nh áº£nh cÃ³ liÃªn quan">
+              <a:extLst>
+                <a:ext uri="{FF2B5EF4-FFF2-40B4-BE49-F238E27FC236}">
+                  <a16:creationId xmlns:a16="http://schemas.microsoft.com/office/drawing/2014/main" id="{B637E54A-A793-4C07-A2EA-68778F070425}"/>
+                </a:ext>
+              </a:extLst>
+            </p:cNvPr>
+            <p:cNvPicPr>
+              <a:picLocks noChangeAspect="1" noChangeArrowheads="1" noCrop="1"/>
+            </p:cNvPicPr>
+            <p:nvPr/>
+          </p:nvPicPr>
+          <p:blipFill>
+            <a:blip r:embed="rId3" cstate="email">
+              <a:extLst>
+                <a:ext uri="{28A0092B-C50C-407E-A947-70E740481C1C}">
+                  <a14:useLocalDpi xmlns:a14="http://schemas.microsoft.com/office/drawing/2010/main" val="0"/>
+                </a:ext>
+              </a:extLst>
+            </a:blip>
+            <a:srcRect/>
+            <a:stretch>
+              <a:fillRect/>
+            </a:stretch>
+          </p:blipFill>
+          <p:spPr bwMode="auto">
+            <a:xfrm>
+              <a:off x="12822497" y="3377780"/>
+              <a:ext cx="1556006" cy="1167005"/>
+            </a:xfrm>
+            <a:prstGeom prst="rect">
+              <a:avLst/>
+            </a:prstGeom>
+            <a:noFill/>
+            <a:extLst>
+              <a:ext uri="{909E8E84-426E-40DD-AFC4-6F175D3DCCD1}">
+                <a14:hiddenFill xmlns:a14="http://schemas.microsoft.com/office/drawing/2010/main">
+                  <a:solidFill>
+                    <a:srgbClr val="FFFFFF"/>
+                  </a:solidFill>
+                </a14:hiddenFill>
+              </a:ext>
+            </a:extLst>
+          </p:spPr>
+        </p:pic>
         <p:grpSp>
           <p:nvGrpSpPr>
-            <p:cNvPr id="117" name="Group 116">
+            <p:cNvPr id="119" name="Group 118">
               <a:extLst>
                 <a:ext uri="{FF2B5EF4-FFF2-40B4-BE49-F238E27FC236}">
-                  <a16:creationId xmlns:a16="http://schemas.microsoft.com/office/drawing/2014/main" id="{E0BBA46A-D98A-4E47-AD83-98098A1E347D}"/>
+                  <a16:creationId xmlns:a16="http://schemas.microsoft.com/office/drawing/2014/main" id="{2D891384-29AC-4CE4-AE56-55B80DA5CB60}"/>
                 </a:ext>
               </a:extLst>
             </p:cNvPr>
@@ -37532,112 +38363,65 @@
           </p:nvGrpSpPr>
           <p:grpSpPr>
             <a:xfrm>
-              <a:off x="1412002" y="2811563"/>
+              <a:off x="1288919" y="2711049"/>
               <a:ext cx="16310755" cy="8516175"/>
-              <a:chOff x="766916" y="2611762"/>
-              <a:chExt cx="17203992" cy="8516175"/>
+              <a:chOff x="1412002" y="2787864"/>
+              <a:chExt cx="16310755" cy="8516175"/>
             </a:xfrm>
           </p:grpSpPr>
-          <p:sp>
-            <p:nvSpPr>
-              <p:cNvPr id="40" name="Rectangle: Rounded Corners 39">
+          <p:pic>
+            <p:nvPicPr>
+              <p:cNvPr id="128" name="Picture 2" descr="HÃ¬nh áº£nh cÃ³ liÃªn quan">
                 <a:extLst>
                   <a:ext uri="{FF2B5EF4-FFF2-40B4-BE49-F238E27FC236}">
-                    <a16:creationId xmlns:a16="http://schemas.microsoft.com/office/drawing/2014/main" id="{FC5068D9-0792-4E70-B5C7-B897A9C788C9}"/>
+                    <a16:creationId xmlns:a16="http://schemas.microsoft.com/office/drawing/2014/main" id="{26559518-DE69-4C3B-AD7E-F3E1D34DDEFF}"/>
                   </a:ext>
                 </a:extLst>
               </p:cNvPr>
-              <p:cNvSpPr/>
+              <p:cNvPicPr>
+                <a:picLocks noChangeAspect="1" noChangeArrowheads="1" noCrop="1"/>
+              </p:cNvPicPr>
               <p:nvPr/>
-            </p:nvSpPr>
-            <p:spPr>
+            </p:nvPicPr>
+            <p:blipFill>
+              <a:blip r:embed="rId3" cstate="email">
+                <a:extLst>
+                  <a:ext uri="{28A0092B-C50C-407E-A947-70E740481C1C}">
+                    <a14:useLocalDpi xmlns:a14="http://schemas.microsoft.com/office/drawing/2010/main" val="0"/>
+                  </a:ext>
+                </a:extLst>
+              </a:blip>
+              <a:srcRect/>
+              <a:stretch>
+                <a:fillRect/>
+              </a:stretch>
+            </p:blipFill>
+            <p:spPr bwMode="auto">
               <a:xfrm>
-                <a:off x="12796353" y="5739716"/>
-                <a:ext cx="1596506" cy="1386348"/>
+                <a:off x="12858363" y="6145468"/>
+                <a:ext cx="1556006" cy="1167005"/>
               </a:xfrm>
-              <a:prstGeom prst="roundRect">
+              <a:prstGeom prst="rect">
                 <a:avLst/>
               </a:prstGeom>
               <a:noFill/>
-              <a:ln w="76200">
-                <a:solidFill>
-                  <a:srgbClr val="00B050"/>
-                </a:solidFill>
-              </a:ln>
+              <a:extLst>
+                <a:ext uri="{909E8E84-426E-40DD-AFC4-6F175D3DCCD1}">
+                  <a14:hiddenFill xmlns:a14="http://schemas.microsoft.com/office/drawing/2010/main">
+                    <a:solidFill>
+                      <a:srgbClr val="FFFFFF"/>
+                    </a:solidFill>
+                  </a14:hiddenFill>
+                </a:ext>
+              </a:extLst>
             </p:spPr>
-            <p:style>
-              <a:lnRef idx="2">
-                <a:schemeClr val="accent1">
-                  <a:shade val="50000"/>
-                </a:schemeClr>
-              </a:lnRef>
-              <a:fillRef idx="1">
-                <a:schemeClr val="accent1"/>
-              </a:fillRef>
-              <a:effectRef idx="0">
-                <a:schemeClr val="accent1"/>
-              </a:effectRef>
-              <a:fontRef idx="minor">
-                <a:schemeClr val="lt1"/>
-              </a:fontRef>
-            </p:style>
-            <p:txBody>
-              <a:bodyPr rtlCol="0" anchor="ctr"/>
-              <a:lstStyle/>
-              <a:p>
-                <a:pPr algn="ctr"/>
-                <a:endParaRPr lang="en-US"/>
-              </a:p>
-            </p:txBody>
-          </p:sp>
-          <p:cxnSp>
-            <p:nvCxnSpPr>
-              <p:cNvPr id="21" name="Straight Arrow Connector 20">
+          </p:pic>
+          <p:grpSp>
+            <p:nvGrpSpPr>
+              <p:cNvPr id="118" name="Group 117">
                 <a:extLst>
                   <a:ext uri="{FF2B5EF4-FFF2-40B4-BE49-F238E27FC236}">
-                    <a16:creationId xmlns:a16="http://schemas.microsoft.com/office/drawing/2014/main" id="{430B197B-3EA1-490B-9E60-688777C7CF08}"/>
-                  </a:ext>
-                </a:extLst>
-              </p:cNvPr>
-              <p:cNvCxnSpPr>
-                <a:stCxn id="32" idx="3"/>
-                <a:endCxn id="40" idx="1"/>
-              </p:cNvCxnSpPr>
-              <p:nvPr/>
-            </p:nvCxnSpPr>
-            <p:spPr>
-              <a:xfrm>
-                <a:off x="11635081" y="6432890"/>
-                <a:ext cx="1161272" cy="0"/>
-              </a:xfrm>
-              <a:prstGeom prst="straightConnector1">
-                <a:avLst/>
-              </a:prstGeom>
-              <a:ln w="57150">
-                <a:tailEnd type="triangle"/>
-              </a:ln>
-            </p:spPr>
-            <p:style>
-              <a:lnRef idx="1">
-                <a:schemeClr val="accent1"/>
-              </a:lnRef>
-              <a:fillRef idx="0">
-                <a:schemeClr val="accent1"/>
-              </a:fillRef>
-              <a:effectRef idx="0">
-                <a:schemeClr val="accent1"/>
-              </a:effectRef>
-              <a:fontRef idx="minor">
-                <a:schemeClr val="tx1"/>
-              </a:fontRef>
-            </p:style>
-          </p:cxnSp>
-          <p:grpSp>
-            <p:nvGrpSpPr>
-              <p:cNvPr id="116" name="Group 115">
-                <a:extLst>
-                  <a:ext uri="{FF2B5EF4-FFF2-40B4-BE49-F238E27FC236}">
-                    <a16:creationId xmlns:a16="http://schemas.microsoft.com/office/drawing/2014/main" id="{55015287-8A4D-4D94-AD68-69E1B095DEF7}"/>
+                    <a16:creationId xmlns:a16="http://schemas.microsoft.com/office/drawing/2014/main" id="{23555BB2-29F0-4E81-A58B-5C2EB5620BF9}"/>
                   </a:ext>
                 </a:extLst>
               </p:cNvPr>
@@ -37646,18 +38430,18 @@
             </p:nvGrpSpPr>
             <p:grpSpPr>
               <a:xfrm>
-                <a:off x="766916" y="2611762"/>
-                <a:ext cx="17203992" cy="8516175"/>
-                <a:chOff x="766916" y="2611762"/>
-                <a:chExt cx="17203992" cy="8516175"/>
+                <a:off x="1412002" y="2787864"/>
+                <a:ext cx="16310755" cy="8516175"/>
+                <a:chOff x="1412002" y="2811563"/>
+                <a:chExt cx="16310755" cy="8516175"/>
               </a:xfrm>
             </p:grpSpPr>
             <p:grpSp>
               <p:nvGrpSpPr>
-                <p:cNvPr id="115" name="Group 114">
+                <p:cNvPr id="117" name="Group 116">
                   <a:extLst>
                     <a:ext uri="{FF2B5EF4-FFF2-40B4-BE49-F238E27FC236}">
-                      <a16:creationId xmlns:a16="http://schemas.microsoft.com/office/drawing/2014/main" id="{9A1B9735-1D18-4085-8A23-C5E669B1E0C7}"/>
+                      <a16:creationId xmlns:a16="http://schemas.microsoft.com/office/drawing/2014/main" id="{E0BBA46A-D98A-4E47-AD83-98098A1E347D}"/>
                     </a:ext>
                   </a:extLst>
                 </p:cNvPr>
@@ -37666,122 +38450,18 @@
               </p:nvGrpSpPr>
               <p:grpSpPr>
                 <a:xfrm>
-                  <a:off x="766916" y="2611762"/>
-                  <a:ext cx="17203992" cy="8516175"/>
+                  <a:off x="1412002" y="2811563"/>
+                  <a:ext cx="16310755" cy="8516175"/>
                   <a:chOff x="766916" y="2611762"/>
                   <a:chExt cx="17203992" cy="8516175"/>
                 </a:xfrm>
               </p:grpSpPr>
-              <p:pic>
-                <p:nvPicPr>
-                  <p:cNvPr id="9222" name="Picture 6" descr="Káº¿t quáº£ hÃ¬nh áº£nh cho icon mÃ¡y giáº·t">
+              <p:sp>
+                <p:nvSpPr>
+                  <p:cNvPr id="40" name="Rectangle: Rounded Corners 39">
                     <a:extLst>
                       <a:ext uri="{FF2B5EF4-FFF2-40B4-BE49-F238E27FC236}">
-                        <a16:creationId xmlns:a16="http://schemas.microsoft.com/office/drawing/2014/main" id="{4E192B6B-5EF1-4428-BEC5-6E93BF48275A}"/>
-                      </a:ext>
-                    </a:extLst>
-                  </p:cNvPr>
-                  <p:cNvPicPr>
-                    <a:picLocks noChangeAspect="1" noChangeArrowheads="1"/>
-                  </p:cNvPicPr>
-                  <p:nvPr/>
-                </p:nvPicPr>
-                <p:blipFill rotWithShape="1">
-                  <a:blip r:embed="rId3" cstate="email">
-                    <a:extLst>
-                      <a:ext uri="{BEBA8EAE-BF5A-486C-A8C5-ECC9F3942E4B}">
-                        <a14:imgProps xmlns:a14="http://schemas.microsoft.com/office/drawing/2010/main">
-                          <a14:imgLayer r:embed="rId4">
-                            <a14:imgEffect>
-                              <a14:backgroundRemoval t="15033" b="83333" l="16372" r="82301">
-                                <a14:foregroundMark x1="38496" y1="15359" x2="38496" y2="15359"/>
-                                <a14:foregroundMark x1="37168" y1="24837" x2="37168" y2="24837"/>
-                                <a14:foregroundMark x1="62389" y1="22876" x2="62389" y2="22876"/>
-                                <a14:foregroundMark x1="71239" y1="22876" x2="71239" y2="22876"/>
-                                <a14:foregroundMark x1="82743" y1="26471" x2="82743" y2="26471"/>
-                                <a14:foregroundMark x1="67257" y1="83333" x2="67257" y2="83333"/>
-                              </a14:backgroundRemoval>
-                            </a14:imgEffect>
-                          </a14:imgLayer>
-                        </a14:imgProps>
-                      </a:ext>
-                      <a:ext uri="{28A0092B-C50C-407E-A947-70E740481C1C}">
-                        <a14:useLocalDpi xmlns:a14="http://schemas.microsoft.com/office/drawing/2010/main" val="0"/>
-                      </a:ext>
-                    </a:extLst>
-                  </a:blip>
-                  <a:srcRect l="9038" t="11779" r="11571" b="13350"/>
-                  <a:stretch/>
-                </p:blipFill>
-                <p:spPr bwMode="auto">
-                  <a:xfrm>
-                    <a:off x="15275922" y="2611762"/>
-                    <a:ext cx="1801749" cy="2182760"/>
-                  </a:xfrm>
-                  <a:prstGeom prst="rect">
-                    <a:avLst/>
-                  </a:prstGeom>
-                  <a:extLst>
-                    <a:ext uri="{909E8E84-426E-40DD-AFC4-6F175D3DCCD1}">
-                      <a14:hiddenFill xmlns:a14="http://schemas.microsoft.com/office/drawing/2010/main">
-                        <a:solidFill>
-                          <a:srgbClr val="FFFFFF"/>
-                        </a:solidFill>
-                      </a14:hiddenFill>
-                    </a:ext>
-                  </a:extLst>
-                </p:spPr>
-              </p:pic>
-              <p:pic>
-                <p:nvPicPr>
-                  <p:cNvPr id="26" name="Picture 6" descr="Káº¿t quáº£ hÃ¬nh áº£nh cho icon mÃ¡y giáº·t">
-                    <a:extLst>
-                      <a:ext uri="{FF2B5EF4-FFF2-40B4-BE49-F238E27FC236}">
-                        <a16:creationId xmlns:a16="http://schemas.microsoft.com/office/drawing/2014/main" id="{5B950EE1-34FA-41C2-8868-8188C266C1A9}"/>
-                      </a:ext>
-                    </a:extLst>
-                  </p:cNvPr>
-                  <p:cNvPicPr>
-                    <a:picLocks noChangeAspect="1" noChangeArrowheads="1"/>
-                  </p:cNvPicPr>
-                  <p:nvPr/>
-                </p:nvPicPr>
-                <p:blipFill rotWithShape="1">
-                  <a:blip r:embed="rId5" cstate="email">
-                    <a:extLst>
-                      <a:ext uri="{28A0092B-C50C-407E-A947-70E740481C1C}">
-                        <a14:useLocalDpi xmlns:a14="http://schemas.microsoft.com/office/drawing/2010/main" val="0"/>
-                      </a:ext>
-                    </a:extLst>
-                  </a:blip>
-                  <a:srcRect l="9038" t="11779" r="11571" b="13350"/>
-                  <a:stretch/>
-                </p:blipFill>
-                <p:spPr bwMode="auto">
-                  <a:xfrm>
-                    <a:off x="15338327" y="8065434"/>
-                    <a:ext cx="1801749" cy="2182760"/>
-                  </a:xfrm>
-                  <a:prstGeom prst="rect">
-                    <a:avLst/>
-                  </a:prstGeom>
-                  <a:extLst>
-                    <a:ext uri="{909E8E84-426E-40DD-AFC4-6F175D3DCCD1}">
-                      <a14:hiddenFill xmlns:a14="http://schemas.microsoft.com/office/drawing/2010/main">
-                        <a:solidFill>
-                          <a:srgbClr val="FFFFFF"/>
-                        </a:solidFill>
-                      </a14:hiddenFill>
-                    </a:ext>
-                  </a:extLst>
-                </p:spPr>
-              </p:pic>
-              <p:sp>
-                <p:nvSpPr>
-                  <p:cNvPr id="8" name="Rectangle: Rounded Corners 7">
-                    <a:extLst>
-                      <a:ext uri="{FF2B5EF4-FFF2-40B4-BE49-F238E27FC236}">
-                        <a16:creationId xmlns:a16="http://schemas.microsoft.com/office/drawing/2014/main" id="{04E20F5B-5785-4B0F-AB8C-7F8041986ED3}"/>
+                        <a16:creationId xmlns:a16="http://schemas.microsoft.com/office/drawing/2014/main" id="{FC5068D9-0792-4E70-B5C7-B897A9C788C9}"/>
                       </a:ext>
                     </a:extLst>
                   </p:cNvPr>
@@ -37790,215 +38470,7 @@
                 </p:nvSpPr>
                 <p:spPr>
                   <a:xfrm>
-                    <a:off x="4692278" y="3009968"/>
-                    <a:ext cx="6942803" cy="1386348"/>
-                  </a:xfrm>
-                  <a:prstGeom prst="roundRect">
-                    <a:avLst/>
-                  </a:prstGeom>
-                  <a:noFill/>
-                  <a:ln w="57150">
-                    <a:solidFill>
-                      <a:srgbClr val="2287D6"/>
-                    </a:solidFill>
-                  </a:ln>
-                </p:spPr>
-                <p:style>
-                  <a:lnRef idx="2">
-                    <a:schemeClr val="accent1">
-                      <a:shade val="50000"/>
-                    </a:schemeClr>
-                  </a:lnRef>
-                  <a:fillRef idx="1">
-                    <a:schemeClr val="accent1"/>
-                  </a:fillRef>
-                  <a:effectRef idx="0">
-                    <a:schemeClr val="accent1"/>
-                  </a:effectRef>
-                  <a:fontRef idx="minor">
-                    <a:schemeClr val="lt1"/>
-                  </a:fontRef>
-                </p:style>
-                <p:txBody>
-                  <a:bodyPr rtlCol="0" anchor="ctr"/>
-                  <a:lstStyle/>
-                  <a:p>
-                    <a:pPr algn="ctr"/>
-                    <a:endParaRPr lang="en-US"/>
-                  </a:p>
-                </p:txBody>
-              </p:sp>
-              <p:sp>
-                <p:nvSpPr>
-                  <p:cNvPr id="31" name="Rectangle: Rounded Corners 30">
-                    <a:extLst>
-                      <a:ext uri="{FF2B5EF4-FFF2-40B4-BE49-F238E27FC236}">
-                        <a16:creationId xmlns:a16="http://schemas.microsoft.com/office/drawing/2014/main" id="{68EB7B2B-BC1F-4126-BDB9-5C521A032D71}"/>
-                      </a:ext>
-                    </a:extLst>
-                  </p:cNvPr>
-                  <p:cNvSpPr/>
-                  <p:nvPr/>
-                </p:nvSpPr>
-                <p:spPr>
-                  <a:xfrm>
-                    <a:off x="4692277" y="8463640"/>
-                    <a:ext cx="6942803" cy="1386348"/>
-                  </a:xfrm>
-                  <a:prstGeom prst="roundRect">
-                    <a:avLst/>
-                  </a:prstGeom>
-                  <a:noFill/>
-                  <a:ln w="57150">
-                    <a:solidFill>
-                      <a:srgbClr val="2287D6"/>
-                    </a:solidFill>
-                  </a:ln>
-                </p:spPr>
-                <p:style>
-                  <a:lnRef idx="2">
-                    <a:schemeClr val="accent1">
-                      <a:shade val="50000"/>
-                    </a:schemeClr>
-                  </a:lnRef>
-                  <a:fillRef idx="1">
-                    <a:schemeClr val="accent1"/>
-                  </a:fillRef>
-                  <a:effectRef idx="0">
-                    <a:schemeClr val="accent1"/>
-                  </a:effectRef>
-                  <a:fontRef idx="minor">
-                    <a:schemeClr val="lt1"/>
-                  </a:fontRef>
-                </p:style>
-                <p:txBody>
-                  <a:bodyPr rtlCol="0" anchor="ctr"/>
-                  <a:lstStyle/>
-                  <a:p>
-                    <a:pPr algn="ctr"/>
-                    <a:endParaRPr lang="en-US"/>
-                  </a:p>
-                </p:txBody>
-              </p:sp>
-              <p:sp>
-                <p:nvSpPr>
-                  <p:cNvPr id="32" name="Rectangle: Rounded Corners 31">
-                    <a:extLst>
-                      <a:ext uri="{FF2B5EF4-FFF2-40B4-BE49-F238E27FC236}">
-                        <a16:creationId xmlns:a16="http://schemas.microsoft.com/office/drawing/2014/main" id="{439FBAE5-86BF-428A-900F-9552BC70D709}"/>
-                      </a:ext>
-                    </a:extLst>
-                  </p:cNvPr>
-                  <p:cNvSpPr/>
-                  <p:nvPr/>
-                </p:nvSpPr>
-                <p:spPr>
-                  <a:xfrm>
-                    <a:off x="4692278" y="5739716"/>
-                    <a:ext cx="6942803" cy="1386348"/>
-                  </a:xfrm>
-                  <a:prstGeom prst="roundRect">
-                    <a:avLst/>
-                  </a:prstGeom>
-                  <a:noFill/>
-                  <a:ln w="57150">
-                    <a:solidFill>
-                      <a:srgbClr val="2287D6"/>
-                    </a:solidFill>
-                  </a:ln>
-                </p:spPr>
-                <p:style>
-                  <a:lnRef idx="2">
-                    <a:schemeClr val="accent1">
-                      <a:shade val="50000"/>
-                    </a:schemeClr>
-                  </a:lnRef>
-                  <a:fillRef idx="1">
-                    <a:schemeClr val="accent1"/>
-                  </a:fillRef>
-                  <a:effectRef idx="0">
-                    <a:schemeClr val="accent1"/>
-                  </a:effectRef>
-                  <a:fontRef idx="minor">
-                    <a:schemeClr val="lt1"/>
-                  </a:fontRef>
-                </p:style>
-                <p:txBody>
-                  <a:bodyPr rtlCol="0" anchor="ctr"/>
-                  <a:lstStyle/>
-                  <a:p>
-                    <a:pPr algn="ctr"/>
-                    <a:endParaRPr lang="en-US"/>
-                  </a:p>
-                </p:txBody>
-              </p:sp>
-              <p:sp>
-                <p:nvSpPr>
-                  <p:cNvPr id="39" name="Rectangle: Rounded Corners 38">
-                    <a:extLst>
-                      <a:ext uri="{FF2B5EF4-FFF2-40B4-BE49-F238E27FC236}">
-                        <a16:creationId xmlns:a16="http://schemas.microsoft.com/office/drawing/2014/main" id="{14F291F2-8322-43BB-9334-864FF6D54014}"/>
-                      </a:ext>
-                    </a:extLst>
-                  </p:cNvPr>
-                  <p:cNvSpPr/>
-                  <p:nvPr/>
-                </p:nvSpPr>
-                <p:spPr>
-                  <a:xfrm>
-                    <a:off x="12893953" y="3009968"/>
-                    <a:ext cx="1596506" cy="1386348"/>
-                  </a:xfrm>
-                  <a:prstGeom prst="roundRect">
-                    <a:avLst/>
-                  </a:prstGeom>
-                  <a:noFill/>
-                  <a:ln w="76200">
-                    <a:solidFill>
-                      <a:srgbClr val="00B050"/>
-                    </a:solidFill>
-                  </a:ln>
-                </p:spPr>
-                <p:style>
-                  <a:lnRef idx="2">
-                    <a:schemeClr val="accent6">
-                      <a:shade val="50000"/>
-                    </a:schemeClr>
-                  </a:lnRef>
-                  <a:fillRef idx="1">
-                    <a:schemeClr val="accent6"/>
-                  </a:fillRef>
-                  <a:effectRef idx="0">
-                    <a:schemeClr val="accent6"/>
-                  </a:effectRef>
-                  <a:fontRef idx="minor">
-                    <a:schemeClr val="lt1"/>
-                  </a:fontRef>
-                </p:style>
-                <p:txBody>
-                  <a:bodyPr rtlCol="0" anchor="ctr"/>
-                  <a:lstStyle/>
-                  <a:p>
-                    <a:pPr algn="ctr"/>
-                    <a:endParaRPr lang="en-US"/>
-                  </a:p>
-                </p:txBody>
-              </p:sp>
-              <p:sp>
-                <p:nvSpPr>
-                  <p:cNvPr id="43" name="Rectangle: Rounded Corners 42">
-                    <a:extLst>
-                      <a:ext uri="{FF2B5EF4-FFF2-40B4-BE49-F238E27FC236}">
-                        <a16:creationId xmlns:a16="http://schemas.microsoft.com/office/drawing/2014/main" id="{CAD8CEA8-A24B-4880-ABC3-2AD1D1913310}"/>
-                      </a:ext>
-                    </a:extLst>
-                  </p:cNvPr>
-                  <p:cNvSpPr/>
-                  <p:nvPr/>
-                </p:nvSpPr>
-                <p:spPr>
-                  <a:xfrm>
-                    <a:off x="12796353" y="8499752"/>
+                    <a:off x="12796353" y="5739716"/>
                     <a:ext cx="1596506" cy="1386348"/>
                   </a:xfrm>
                   <a:prstGeom prst="roundRect">
@@ -38038,190 +38510,23 @@
               </p:sp>
               <p:cxnSp>
                 <p:nvCxnSpPr>
-                  <p:cNvPr id="10" name="Straight Arrow Connector 9">
+                  <p:cNvPr id="21" name="Straight Arrow Connector 20">
                     <a:extLst>
                       <a:ext uri="{FF2B5EF4-FFF2-40B4-BE49-F238E27FC236}">
-                        <a16:creationId xmlns:a16="http://schemas.microsoft.com/office/drawing/2014/main" id="{7ED3CA61-C922-423B-A07F-51A571815B2F}"/>
+                        <a16:creationId xmlns:a16="http://schemas.microsoft.com/office/drawing/2014/main" id="{430B197B-3EA1-490B-9E60-688777C7CF08}"/>
                       </a:ext>
                     </a:extLst>
                   </p:cNvPr>
                   <p:cNvCxnSpPr>
-                    <a:stCxn id="29" idx="3"/>
-                    <a:endCxn id="8" idx="1"/>
-                  </p:cNvCxnSpPr>
-                  <p:nvPr/>
-                </p:nvCxnSpPr>
-                <p:spPr>
-                  <a:xfrm flipV="1">
-                    <a:off x="3531007" y="3703142"/>
-                    <a:ext cx="1161271" cy="2755743"/>
-                  </a:xfrm>
-                  <a:prstGeom prst="straightConnector1">
-                    <a:avLst/>
-                  </a:prstGeom>
-                  <a:ln w="57150">
-                    <a:tailEnd type="triangle"/>
-                  </a:ln>
-                </p:spPr>
-                <p:style>
-                  <a:lnRef idx="1">
-                    <a:schemeClr val="accent1"/>
-                  </a:lnRef>
-                  <a:fillRef idx="0">
-                    <a:schemeClr val="accent1"/>
-                  </a:fillRef>
-                  <a:effectRef idx="0">
-                    <a:schemeClr val="accent1"/>
-                  </a:effectRef>
-                  <a:fontRef idx="minor">
-                    <a:schemeClr val="tx1"/>
-                  </a:fontRef>
-                </p:style>
-              </p:cxnSp>
-              <p:cxnSp>
-                <p:nvCxnSpPr>
-                  <p:cNvPr id="13" name="Straight Arrow Connector 12">
-                    <a:extLst>
-                      <a:ext uri="{FF2B5EF4-FFF2-40B4-BE49-F238E27FC236}">
-                        <a16:creationId xmlns:a16="http://schemas.microsoft.com/office/drawing/2014/main" id="{5B86B84D-45BF-4034-B27D-18D4E99FDB0B}"/>
-                      </a:ext>
-                    </a:extLst>
-                  </p:cNvPr>
-                  <p:cNvCxnSpPr>
-                    <a:stCxn id="29" idx="3"/>
-                    <a:endCxn id="32" idx="1"/>
-                  </p:cNvCxnSpPr>
-                  <p:nvPr/>
-                </p:nvCxnSpPr>
-                <p:spPr>
-                  <a:xfrm flipV="1">
-                    <a:off x="3531007" y="6432890"/>
-                    <a:ext cx="1161271" cy="25995"/>
-                  </a:xfrm>
-                  <a:prstGeom prst="straightConnector1">
-                    <a:avLst/>
-                  </a:prstGeom>
-                  <a:ln w="57150">
-                    <a:tailEnd type="triangle"/>
-                  </a:ln>
-                </p:spPr>
-                <p:style>
-                  <a:lnRef idx="1">
-                    <a:schemeClr val="accent1"/>
-                  </a:lnRef>
-                  <a:fillRef idx="0">
-                    <a:schemeClr val="accent1"/>
-                  </a:fillRef>
-                  <a:effectRef idx="0">
-                    <a:schemeClr val="accent1"/>
-                  </a:effectRef>
-                  <a:fontRef idx="minor">
-                    <a:schemeClr val="tx1"/>
-                  </a:fontRef>
-                </p:style>
-              </p:cxnSp>
-              <p:cxnSp>
-                <p:nvCxnSpPr>
-                  <p:cNvPr id="16" name="Straight Arrow Connector 15">
-                    <a:extLst>
-                      <a:ext uri="{FF2B5EF4-FFF2-40B4-BE49-F238E27FC236}">
-                        <a16:creationId xmlns:a16="http://schemas.microsoft.com/office/drawing/2014/main" id="{0E338389-FBED-46DB-96EA-9F5EB536BFF2}"/>
-                      </a:ext>
-                    </a:extLst>
-                  </p:cNvPr>
-                  <p:cNvCxnSpPr>
-                    <a:stCxn id="29" idx="3"/>
+                    <a:stCxn id="32" idx="3"/>
+                    <a:endCxn id="40" idx="1"/>
                   </p:cNvCxnSpPr>
                   <p:nvPr/>
                 </p:nvCxnSpPr>
                 <p:spPr>
                   <a:xfrm>
-                    <a:off x="3531007" y="6458885"/>
-                    <a:ext cx="1161270" cy="2743737"/>
-                  </a:xfrm>
-                  <a:prstGeom prst="straightConnector1">
-                    <a:avLst/>
-                  </a:prstGeom>
-                  <a:ln w="57150">
-                    <a:tailEnd type="triangle"/>
-                  </a:ln>
-                </p:spPr>
-                <p:style>
-                  <a:lnRef idx="1">
-                    <a:schemeClr val="accent1"/>
-                  </a:lnRef>
-                  <a:fillRef idx="0">
-                    <a:schemeClr val="accent1"/>
-                  </a:fillRef>
-                  <a:effectRef idx="0">
-                    <a:schemeClr val="accent1"/>
-                  </a:effectRef>
-                  <a:fontRef idx="minor">
-                    <a:schemeClr val="tx1"/>
-                  </a:fontRef>
-                </p:style>
-              </p:cxnSp>
-              <p:cxnSp>
-                <p:nvCxnSpPr>
-                  <p:cNvPr id="18" name="Straight Arrow Connector 17">
-                    <a:extLst>
-                      <a:ext uri="{FF2B5EF4-FFF2-40B4-BE49-F238E27FC236}">
-                        <a16:creationId xmlns:a16="http://schemas.microsoft.com/office/drawing/2014/main" id="{9788DC21-52FF-47FE-A27C-38B80AEFEB29}"/>
-                      </a:ext>
-                    </a:extLst>
-                  </p:cNvPr>
-                  <p:cNvCxnSpPr>
-                    <a:cxnSpLocks/>
-                    <a:stCxn id="8" idx="3"/>
-                    <a:endCxn id="39" idx="1"/>
-                  </p:cNvCxnSpPr>
-                  <p:nvPr/>
-                </p:nvCxnSpPr>
-                <p:spPr>
-                  <a:xfrm>
-                    <a:off x="11635081" y="3703142"/>
-                    <a:ext cx="1258872" cy="0"/>
-                  </a:xfrm>
-                  <a:prstGeom prst="straightConnector1">
-                    <a:avLst/>
-                  </a:prstGeom>
-                  <a:ln w="57150">
-                    <a:tailEnd type="triangle"/>
-                  </a:ln>
-                </p:spPr>
-                <p:style>
-                  <a:lnRef idx="1">
-                    <a:schemeClr val="accent1"/>
-                  </a:lnRef>
-                  <a:fillRef idx="0">
-                    <a:schemeClr val="accent1"/>
-                  </a:fillRef>
-                  <a:effectRef idx="0">
-                    <a:schemeClr val="accent1"/>
-                  </a:effectRef>
-                  <a:fontRef idx="minor">
-                    <a:schemeClr val="tx1"/>
-                  </a:fontRef>
-                </p:style>
-              </p:cxnSp>
-              <p:cxnSp>
-                <p:nvCxnSpPr>
-                  <p:cNvPr id="23" name="Straight Arrow Connector 22">
-                    <a:extLst>
-                      <a:ext uri="{FF2B5EF4-FFF2-40B4-BE49-F238E27FC236}">
-                        <a16:creationId xmlns:a16="http://schemas.microsoft.com/office/drawing/2014/main" id="{9987B137-2338-4D72-B708-F32F4A9319D5}"/>
-                      </a:ext>
-                    </a:extLst>
-                  </p:cNvPr>
-                  <p:cNvCxnSpPr>
-                    <a:stCxn id="31" idx="3"/>
-                  </p:cNvCxnSpPr>
-                  <p:nvPr/>
-                </p:nvCxnSpPr>
-                <p:spPr>
-                  <a:xfrm>
-                    <a:off x="11635080" y="9156814"/>
-                    <a:ext cx="1175408" cy="0"/>
+                    <a:off x="11635081" y="6432890"/>
+                    <a:ext cx="1161272" cy="0"/>
                   </a:xfrm>
                   <a:prstGeom prst="straightConnector1">
                     <a:avLst/>
@@ -38247,10 +38552,10 @@
               </p:cxnSp>
               <p:grpSp>
                 <p:nvGrpSpPr>
-                  <p:cNvPr id="114" name="Group 113">
+                  <p:cNvPr id="116" name="Group 115">
                     <a:extLst>
                       <a:ext uri="{FF2B5EF4-FFF2-40B4-BE49-F238E27FC236}">
-                        <a16:creationId xmlns:a16="http://schemas.microsoft.com/office/drawing/2014/main" id="{2410D8AD-3633-4481-A380-C529D0B42738}"/>
+                        <a16:creationId xmlns:a16="http://schemas.microsoft.com/office/drawing/2014/main" id="{55015287-8A4D-4D94-AD68-69E1B095DEF7}"/>
                       </a:ext>
                     </a:extLst>
                   </p:cNvPr>
@@ -38259,70 +38564,18 @@
                 </p:nvGrpSpPr>
                 <p:grpSpPr>
                   <a:xfrm>
-                    <a:off x="1257301" y="2979680"/>
-                    <a:ext cx="2273706" cy="6958409"/>
-                    <a:chOff x="1257301" y="2979680"/>
-                    <a:chExt cx="2273706" cy="6958409"/>
+                    <a:off x="766916" y="2611762"/>
+                    <a:ext cx="17203992" cy="8516175"/>
+                    <a:chOff x="766916" y="2611762"/>
+                    <a:chExt cx="17203992" cy="8516175"/>
                   </a:xfrm>
                 </p:grpSpPr>
-                <p:sp>
-                  <p:nvSpPr>
-                    <p:cNvPr id="29" name="Rectangle: Rounded Corners 28">
+                <p:grpSp>
+                  <p:nvGrpSpPr>
+                    <p:cNvPr id="115" name="Group 114">
                       <a:extLst>
                         <a:ext uri="{FF2B5EF4-FFF2-40B4-BE49-F238E27FC236}">
-                          <a16:creationId xmlns:a16="http://schemas.microsoft.com/office/drawing/2014/main" id="{879C33E5-5F89-4991-B6F2-6427B66B5CB4}"/>
-                        </a:ext>
-                      </a:extLst>
-                    </p:cNvPr>
-                    <p:cNvSpPr/>
-                    <p:nvPr/>
-                  </p:nvSpPr>
-                  <p:spPr>
-                    <a:xfrm>
-                      <a:off x="1257301" y="2979680"/>
-                      <a:ext cx="2273706" cy="6958409"/>
-                    </a:xfrm>
-                    <a:prstGeom prst="roundRect">
-                      <a:avLst/>
-                    </a:prstGeom>
-                    <a:noFill/>
-                    <a:ln w="57150">
-                      <a:solidFill>
-                        <a:srgbClr val="2287D6"/>
-                      </a:solidFill>
-                    </a:ln>
-                  </p:spPr>
-                  <p:style>
-                    <a:lnRef idx="2">
-                      <a:schemeClr val="accent1">
-                        <a:shade val="50000"/>
-                      </a:schemeClr>
-                    </a:lnRef>
-                    <a:fillRef idx="1">
-                      <a:schemeClr val="accent1"/>
-                    </a:fillRef>
-                    <a:effectRef idx="0">
-                      <a:schemeClr val="accent1"/>
-                    </a:effectRef>
-                    <a:fontRef idx="minor">
-                      <a:schemeClr val="lt1"/>
-                    </a:fontRef>
-                  </p:style>
-                  <p:txBody>
-                    <a:bodyPr rtlCol="0" anchor="ctr"/>
-                    <a:lstStyle/>
-                    <a:p>
-                      <a:pPr algn="ctr"/>
-                      <a:endParaRPr lang="en-US"/>
-                    </a:p>
-                  </p:txBody>
-                </p:sp>
-                <p:grpSp>
-                  <p:nvGrpSpPr>
-                    <p:cNvPr id="113" name="Group 112">
-                      <a:extLst>
-                        <a:ext uri="{FF2B5EF4-FFF2-40B4-BE49-F238E27FC236}">
-                          <a16:creationId xmlns:a16="http://schemas.microsoft.com/office/drawing/2014/main" id="{00512404-A470-40BF-857F-AA439B27330F}"/>
+                          <a16:creationId xmlns:a16="http://schemas.microsoft.com/office/drawing/2014/main" id="{9A1B9735-1D18-4085-8A23-C5E669B1E0C7}"/>
                         </a:ext>
                       </a:extLst>
                     </p:cNvPr>
@@ -38331,18 +38584,2444 @@
                   </p:nvGrpSpPr>
                   <p:grpSpPr>
                     <a:xfrm>
-                      <a:off x="1794409" y="3298874"/>
-                      <a:ext cx="1178611" cy="6322498"/>
-                      <a:chOff x="1794409" y="3298874"/>
-                      <a:chExt cx="1178611" cy="6322498"/>
+                      <a:off x="766916" y="2611762"/>
+                      <a:ext cx="17203992" cy="8516175"/>
+                      <a:chOff x="766916" y="2611762"/>
+                      <a:chExt cx="17203992" cy="8516175"/>
                     </a:xfrm>
                   </p:grpSpPr>
                   <p:pic>
                     <p:nvPicPr>
-                      <p:cNvPr id="9224" name="Picture 8" descr="Káº¿t quáº£ hÃ¬nh áº£nh cho bag icon outline">
+                      <p:cNvPr id="9222" name="Picture 6" descr="Káº¿t quáº£ hÃ¬nh áº£nh cho icon mÃ¡y giáº·t">
                         <a:extLst>
                           <a:ext uri="{FF2B5EF4-FFF2-40B4-BE49-F238E27FC236}">
-                            <a16:creationId xmlns:a16="http://schemas.microsoft.com/office/drawing/2014/main" id="{C2F5B8E7-C652-4D7E-8A37-1152FFC02EF8}"/>
+                            <a16:creationId xmlns:a16="http://schemas.microsoft.com/office/drawing/2014/main" id="{4E192B6B-5EF1-4428-BEC5-6E93BF48275A}"/>
+                          </a:ext>
+                        </a:extLst>
+                      </p:cNvPr>
+                      <p:cNvPicPr>
+                        <a:picLocks noChangeAspect="1" noChangeArrowheads="1"/>
+                      </p:cNvPicPr>
+                      <p:nvPr/>
+                    </p:nvPicPr>
+                    <p:blipFill rotWithShape="1">
+                      <a:blip r:embed="rId4" cstate="email">
+                        <a:extLst>
+                          <a:ext uri="{BEBA8EAE-BF5A-486C-A8C5-ECC9F3942E4B}">
+                            <a14:imgProps xmlns:a14="http://schemas.microsoft.com/office/drawing/2010/main">
+                              <a14:imgLayer r:embed="rId5">
+                                <a14:imgEffect>
+                                  <a14:backgroundRemoval t="15033" b="83333" l="16372" r="82301">
+                                    <a14:foregroundMark x1="38496" y1="15359" x2="38496" y2="15359"/>
+                                    <a14:foregroundMark x1="37168" y1="24837" x2="37168" y2="24837"/>
+                                    <a14:foregroundMark x1="62389" y1="22876" x2="62389" y2="22876"/>
+                                    <a14:foregroundMark x1="71239" y1="22876" x2="71239" y2="22876"/>
+                                    <a14:foregroundMark x1="82743" y1="26471" x2="82743" y2="26471"/>
+                                    <a14:foregroundMark x1="67257" y1="83333" x2="67257" y2="83333"/>
+                                  </a14:backgroundRemoval>
+                                </a14:imgEffect>
+                              </a14:imgLayer>
+                            </a14:imgProps>
+                          </a:ext>
+                          <a:ext uri="{28A0092B-C50C-407E-A947-70E740481C1C}">
+                            <a14:useLocalDpi xmlns:a14="http://schemas.microsoft.com/office/drawing/2010/main" val="0"/>
+                          </a:ext>
+                        </a:extLst>
+                      </a:blip>
+                      <a:srcRect l="9038" t="11779" r="11571" b="13350"/>
+                      <a:stretch/>
+                    </p:blipFill>
+                    <p:spPr bwMode="auto">
+                      <a:xfrm>
+                        <a:off x="15275922" y="2611762"/>
+                        <a:ext cx="1801749" cy="2182760"/>
+                      </a:xfrm>
+                      <a:prstGeom prst="rect">
+                        <a:avLst/>
+                      </a:prstGeom>
+                      <a:extLst>
+                        <a:ext uri="{909E8E84-426E-40DD-AFC4-6F175D3DCCD1}">
+                          <a14:hiddenFill xmlns:a14="http://schemas.microsoft.com/office/drawing/2010/main">
+                            <a:solidFill>
+                              <a:srgbClr val="FFFFFF"/>
+                            </a:solidFill>
+                          </a14:hiddenFill>
+                        </a:ext>
+                      </a:extLst>
+                    </p:spPr>
+                  </p:pic>
+                  <p:pic>
+                    <p:nvPicPr>
+                      <p:cNvPr id="26" name="Picture 6" descr="Káº¿t quáº£ hÃ¬nh áº£nh cho icon mÃ¡y giáº·t">
+                        <a:extLst>
+                          <a:ext uri="{FF2B5EF4-FFF2-40B4-BE49-F238E27FC236}">
+                            <a16:creationId xmlns:a16="http://schemas.microsoft.com/office/drawing/2014/main" id="{5B950EE1-34FA-41C2-8868-8188C266C1A9}"/>
+                          </a:ext>
+                        </a:extLst>
+                      </p:cNvPr>
+                      <p:cNvPicPr>
+                        <a:picLocks noChangeAspect="1" noChangeArrowheads="1"/>
+                      </p:cNvPicPr>
+                      <p:nvPr/>
+                    </p:nvPicPr>
+                    <p:blipFill rotWithShape="1">
+                      <a:blip r:embed="rId6" cstate="email">
+                        <a:extLst>
+                          <a:ext uri="{28A0092B-C50C-407E-A947-70E740481C1C}">
+                            <a14:useLocalDpi xmlns:a14="http://schemas.microsoft.com/office/drawing/2010/main" val="0"/>
+                          </a:ext>
+                        </a:extLst>
+                      </a:blip>
+                      <a:srcRect l="9038" t="11779" r="11571" b="13350"/>
+                      <a:stretch/>
+                    </p:blipFill>
+                    <p:spPr bwMode="auto">
+                      <a:xfrm>
+                        <a:off x="15338327" y="8065434"/>
+                        <a:ext cx="1801749" cy="2182760"/>
+                      </a:xfrm>
+                      <a:prstGeom prst="rect">
+                        <a:avLst/>
+                      </a:prstGeom>
+                      <a:extLst>
+                        <a:ext uri="{909E8E84-426E-40DD-AFC4-6F175D3DCCD1}">
+                          <a14:hiddenFill xmlns:a14="http://schemas.microsoft.com/office/drawing/2010/main">
+                            <a:solidFill>
+                              <a:srgbClr val="FFFFFF"/>
+                            </a:solidFill>
+                          </a14:hiddenFill>
+                        </a:ext>
+                      </a:extLst>
+                    </p:spPr>
+                  </p:pic>
+                  <p:sp>
+                    <p:nvSpPr>
+                      <p:cNvPr id="8" name="Rectangle: Rounded Corners 7">
+                        <a:extLst>
+                          <a:ext uri="{FF2B5EF4-FFF2-40B4-BE49-F238E27FC236}">
+                            <a16:creationId xmlns:a16="http://schemas.microsoft.com/office/drawing/2014/main" id="{04E20F5B-5785-4B0F-AB8C-7F8041986ED3}"/>
+                          </a:ext>
+                        </a:extLst>
+                      </p:cNvPr>
+                      <p:cNvSpPr/>
+                      <p:nvPr/>
+                    </p:nvSpPr>
+                    <p:spPr>
+                      <a:xfrm>
+                        <a:off x="4692278" y="3009968"/>
+                        <a:ext cx="6942803" cy="1386348"/>
+                      </a:xfrm>
+                      <a:prstGeom prst="roundRect">
+                        <a:avLst/>
+                      </a:prstGeom>
+                      <a:noFill/>
+                      <a:ln w="57150">
+                        <a:solidFill>
+                          <a:srgbClr val="2287D6"/>
+                        </a:solidFill>
+                      </a:ln>
+                    </p:spPr>
+                    <p:style>
+                      <a:lnRef idx="2">
+                        <a:schemeClr val="accent1">
+                          <a:shade val="50000"/>
+                        </a:schemeClr>
+                      </a:lnRef>
+                      <a:fillRef idx="1">
+                        <a:schemeClr val="accent1"/>
+                      </a:fillRef>
+                      <a:effectRef idx="0">
+                        <a:schemeClr val="accent1"/>
+                      </a:effectRef>
+                      <a:fontRef idx="minor">
+                        <a:schemeClr val="lt1"/>
+                      </a:fontRef>
+                    </p:style>
+                    <p:txBody>
+                      <a:bodyPr rtlCol="0" anchor="ctr"/>
+                      <a:lstStyle/>
+                      <a:p>
+                        <a:pPr algn="ctr"/>
+                        <a:endParaRPr lang="en-US"/>
+                      </a:p>
+                    </p:txBody>
+                  </p:sp>
+                  <p:sp>
+                    <p:nvSpPr>
+                      <p:cNvPr id="31" name="Rectangle: Rounded Corners 30">
+                        <a:extLst>
+                          <a:ext uri="{FF2B5EF4-FFF2-40B4-BE49-F238E27FC236}">
+                            <a16:creationId xmlns:a16="http://schemas.microsoft.com/office/drawing/2014/main" id="{68EB7B2B-BC1F-4126-BDB9-5C521A032D71}"/>
+                          </a:ext>
+                        </a:extLst>
+                      </p:cNvPr>
+                      <p:cNvSpPr/>
+                      <p:nvPr/>
+                    </p:nvSpPr>
+                    <p:spPr>
+                      <a:xfrm>
+                        <a:off x="4692277" y="8463640"/>
+                        <a:ext cx="6942803" cy="1386348"/>
+                      </a:xfrm>
+                      <a:prstGeom prst="roundRect">
+                        <a:avLst/>
+                      </a:prstGeom>
+                      <a:noFill/>
+                      <a:ln w="57150">
+                        <a:solidFill>
+                          <a:srgbClr val="2287D6"/>
+                        </a:solidFill>
+                      </a:ln>
+                    </p:spPr>
+                    <p:style>
+                      <a:lnRef idx="2">
+                        <a:schemeClr val="accent1">
+                          <a:shade val="50000"/>
+                        </a:schemeClr>
+                      </a:lnRef>
+                      <a:fillRef idx="1">
+                        <a:schemeClr val="accent1"/>
+                      </a:fillRef>
+                      <a:effectRef idx="0">
+                        <a:schemeClr val="accent1"/>
+                      </a:effectRef>
+                      <a:fontRef idx="minor">
+                        <a:schemeClr val="lt1"/>
+                      </a:fontRef>
+                    </p:style>
+                    <p:txBody>
+                      <a:bodyPr rtlCol="0" anchor="ctr"/>
+                      <a:lstStyle/>
+                      <a:p>
+                        <a:pPr algn="ctr"/>
+                        <a:endParaRPr lang="en-US"/>
+                      </a:p>
+                    </p:txBody>
+                  </p:sp>
+                  <p:sp>
+                    <p:nvSpPr>
+                      <p:cNvPr id="32" name="Rectangle: Rounded Corners 31">
+                        <a:extLst>
+                          <a:ext uri="{FF2B5EF4-FFF2-40B4-BE49-F238E27FC236}">
+                            <a16:creationId xmlns:a16="http://schemas.microsoft.com/office/drawing/2014/main" id="{439FBAE5-86BF-428A-900F-9552BC70D709}"/>
+                          </a:ext>
+                        </a:extLst>
+                      </p:cNvPr>
+                      <p:cNvSpPr/>
+                      <p:nvPr/>
+                    </p:nvSpPr>
+                    <p:spPr>
+                      <a:xfrm>
+                        <a:off x="4692278" y="5739716"/>
+                        <a:ext cx="6942803" cy="1386348"/>
+                      </a:xfrm>
+                      <a:prstGeom prst="roundRect">
+                        <a:avLst/>
+                      </a:prstGeom>
+                      <a:noFill/>
+                      <a:ln w="57150">
+                        <a:solidFill>
+                          <a:srgbClr val="2287D6"/>
+                        </a:solidFill>
+                      </a:ln>
+                    </p:spPr>
+                    <p:style>
+                      <a:lnRef idx="2">
+                        <a:schemeClr val="accent1">
+                          <a:shade val="50000"/>
+                        </a:schemeClr>
+                      </a:lnRef>
+                      <a:fillRef idx="1">
+                        <a:schemeClr val="accent1"/>
+                      </a:fillRef>
+                      <a:effectRef idx="0">
+                        <a:schemeClr val="accent1"/>
+                      </a:effectRef>
+                      <a:fontRef idx="minor">
+                        <a:schemeClr val="lt1"/>
+                      </a:fontRef>
+                    </p:style>
+                    <p:txBody>
+                      <a:bodyPr rtlCol="0" anchor="ctr"/>
+                      <a:lstStyle/>
+                      <a:p>
+                        <a:pPr algn="ctr"/>
+                        <a:endParaRPr lang="en-US"/>
+                      </a:p>
+                    </p:txBody>
+                  </p:sp>
+                  <p:sp>
+                    <p:nvSpPr>
+                      <p:cNvPr id="39" name="Rectangle: Rounded Corners 38">
+                        <a:extLst>
+                          <a:ext uri="{FF2B5EF4-FFF2-40B4-BE49-F238E27FC236}">
+                            <a16:creationId xmlns:a16="http://schemas.microsoft.com/office/drawing/2014/main" id="{14F291F2-8322-43BB-9334-864FF6D54014}"/>
+                          </a:ext>
+                        </a:extLst>
+                      </p:cNvPr>
+                      <p:cNvSpPr/>
+                      <p:nvPr/>
+                    </p:nvSpPr>
+                    <p:spPr>
+                      <a:xfrm>
+                        <a:off x="12893953" y="3009968"/>
+                        <a:ext cx="1596506" cy="1386348"/>
+                      </a:xfrm>
+                      <a:prstGeom prst="roundRect">
+                        <a:avLst/>
+                      </a:prstGeom>
+                      <a:noFill/>
+                      <a:ln w="76200">
+                        <a:solidFill>
+                          <a:srgbClr val="00B050"/>
+                        </a:solidFill>
+                      </a:ln>
+                    </p:spPr>
+                    <p:style>
+                      <a:lnRef idx="2">
+                        <a:schemeClr val="accent6">
+                          <a:shade val="50000"/>
+                        </a:schemeClr>
+                      </a:lnRef>
+                      <a:fillRef idx="1">
+                        <a:schemeClr val="accent6"/>
+                      </a:fillRef>
+                      <a:effectRef idx="0">
+                        <a:schemeClr val="accent6"/>
+                      </a:effectRef>
+                      <a:fontRef idx="minor">
+                        <a:schemeClr val="lt1"/>
+                      </a:fontRef>
+                    </p:style>
+                    <p:txBody>
+                      <a:bodyPr rtlCol="0" anchor="ctr"/>
+                      <a:lstStyle/>
+                      <a:p>
+                        <a:pPr algn="ctr"/>
+                        <a:endParaRPr lang="en-US"/>
+                      </a:p>
+                    </p:txBody>
+                  </p:sp>
+                  <p:sp>
+                    <p:nvSpPr>
+                      <p:cNvPr id="43" name="Rectangle: Rounded Corners 42">
+                        <a:extLst>
+                          <a:ext uri="{FF2B5EF4-FFF2-40B4-BE49-F238E27FC236}">
+                            <a16:creationId xmlns:a16="http://schemas.microsoft.com/office/drawing/2014/main" id="{CAD8CEA8-A24B-4880-ABC3-2AD1D1913310}"/>
+                          </a:ext>
+                        </a:extLst>
+                      </p:cNvPr>
+                      <p:cNvSpPr/>
+                      <p:nvPr/>
+                    </p:nvSpPr>
+                    <p:spPr>
+                      <a:xfrm>
+                        <a:off x="12796353" y="8499752"/>
+                        <a:ext cx="1596506" cy="1386348"/>
+                      </a:xfrm>
+                      <a:prstGeom prst="roundRect">
+                        <a:avLst/>
+                      </a:prstGeom>
+                      <a:noFill/>
+                      <a:ln w="76200">
+                        <a:solidFill>
+                          <a:srgbClr val="00B050"/>
+                        </a:solidFill>
+                      </a:ln>
+                    </p:spPr>
+                    <p:style>
+                      <a:lnRef idx="2">
+                        <a:schemeClr val="accent1">
+                          <a:shade val="50000"/>
+                        </a:schemeClr>
+                      </a:lnRef>
+                      <a:fillRef idx="1">
+                        <a:schemeClr val="accent1"/>
+                      </a:fillRef>
+                      <a:effectRef idx="0">
+                        <a:schemeClr val="accent1"/>
+                      </a:effectRef>
+                      <a:fontRef idx="minor">
+                        <a:schemeClr val="lt1"/>
+                      </a:fontRef>
+                    </p:style>
+                    <p:txBody>
+                      <a:bodyPr rtlCol="0" anchor="ctr"/>
+                      <a:lstStyle/>
+                      <a:p>
+                        <a:pPr algn="ctr"/>
+                        <a:endParaRPr lang="en-US"/>
+                      </a:p>
+                    </p:txBody>
+                  </p:sp>
+                  <p:cxnSp>
+                    <p:nvCxnSpPr>
+                      <p:cNvPr id="10" name="Straight Arrow Connector 9">
+                        <a:extLst>
+                          <a:ext uri="{FF2B5EF4-FFF2-40B4-BE49-F238E27FC236}">
+                            <a16:creationId xmlns:a16="http://schemas.microsoft.com/office/drawing/2014/main" id="{7ED3CA61-C922-423B-A07F-51A571815B2F}"/>
+                          </a:ext>
+                        </a:extLst>
+                      </p:cNvPr>
+                      <p:cNvCxnSpPr>
+                        <a:stCxn id="29" idx="3"/>
+                        <a:endCxn id="8" idx="1"/>
+                      </p:cNvCxnSpPr>
+                      <p:nvPr/>
+                    </p:nvCxnSpPr>
+                    <p:spPr>
+                      <a:xfrm flipV="1">
+                        <a:off x="3531007" y="3703142"/>
+                        <a:ext cx="1161271" cy="2755743"/>
+                      </a:xfrm>
+                      <a:prstGeom prst="straightConnector1">
+                        <a:avLst/>
+                      </a:prstGeom>
+                      <a:ln w="57150">
+                        <a:tailEnd type="triangle"/>
+                      </a:ln>
+                    </p:spPr>
+                    <p:style>
+                      <a:lnRef idx="1">
+                        <a:schemeClr val="accent1"/>
+                      </a:lnRef>
+                      <a:fillRef idx="0">
+                        <a:schemeClr val="accent1"/>
+                      </a:fillRef>
+                      <a:effectRef idx="0">
+                        <a:schemeClr val="accent1"/>
+                      </a:effectRef>
+                      <a:fontRef idx="minor">
+                        <a:schemeClr val="tx1"/>
+                      </a:fontRef>
+                    </p:style>
+                  </p:cxnSp>
+                  <p:cxnSp>
+                    <p:nvCxnSpPr>
+                      <p:cNvPr id="13" name="Straight Arrow Connector 12">
+                        <a:extLst>
+                          <a:ext uri="{FF2B5EF4-FFF2-40B4-BE49-F238E27FC236}">
+                            <a16:creationId xmlns:a16="http://schemas.microsoft.com/office/drawing/2014/main" id="{5B86B84D-45BF-4034-B27D-18D4E99FDB0B}"/>
+                          </a:ext>
+                        </a:extLst>
+                      </p:cNvPr>
+                      <p:cNvCxnSpPr>
+                        <a:stCxn id="29" idx="3"/>
+                        <a:endCxn id="32" idx="1"/>
+                      </p:cNvCxnSpPr>
+                      <p:nvPr/>
+                    </p:nvCxnSpPr>
+                    <p:spPr>
+                      <a:xfrm flipV="1">
+                        <a:off x="3531007" y="6432890"/>
+                        <a:ext cx="1161271" cy="25995"/>
+                      </a:xfrm>
+                      <a:prstGeom prst="straightConnector1">
+                        <a:avLst/>
+                      </a:prstGeom>
+                      <a:ln w="57150">
+                        <a:tailEnd type="triangle"/>
+                      </a:ln>
+                    </p:spPr>
+                    <p:style>
+                      <a:lnRef idx="1">
+                        <a:schemeClr val="accent1"/>
+                      </a:lnRef>
+                      <a:fillRef idx="0">
+                        <a:schemeClr val="accent1"/>
+                      </a:fillRef>
+                      <a:effectRef idx="0">
+                        <a:schemeClr val="accent1"/>
+                      </a:effectRef>
+                      <a:fontRef idx="minor">
+                        <a:schemeClr val="tx1"/>
+                      </a:fontRef>
+                    </p:style>
+                  </p:cxnSp>
+                  <p:cxnSp>
+                    <p:nvCxnSpPr>
+                      <p:cNvPr id="16" name="Straight Arrow Connector 15">
+                        <a:extLst>
+                          <a:ext uri="{FF2B5EF4-FFF2-40B4-BE49-F238E27FC236}">
+                            <a16:creationId xmlns:a16="http://schemas.microsoft.com/office/drawing/2014/main" id="{0E338389-FBED-46DB-96EA-9F5EB536BFF2}"/>
+                          </a:ext>
+                        </a:extLst>
+                      </p:cNvPr>
+                      <p:cNvCxnSpPr>
+                        <a:stCxn id="29" idx="3"/>
+                      </p:cNvCxnSpPr>
+                      <p:nvPr/>
+                    </p:nvCxnSpPr>
+                    <p:spPr>
+                      <a:xfrm>
+                        <a:off x="3531007" y="6458885"/>
+                        <a:ext cx="1161270" cy="2743737"/>
+                      </a:xfrm>
+                      <a:prstGeom prst="straightConnector1">
+                        <a:avLst/>
+                      </a:prstGeom>
+                      <a:ln w="57150">
+                        <a:tailEnd type="triangle"/>
+                      </a:ln>
+                    </p:spPr>
+                    <p:style>
+                      <a:lnRef idx="1">
+                        <a:schemeClr val="accent1"/>
+                      </a:lnRef>
+                      <a:fillRef idx="0">
+                        <a:schemeClr val="accent1"/>
+                      </a:fillRef>
+                      <a:effectRef idx="0">
+                        <a:schemeClr val="accent1"/>
+                      </a:effectRef>
+                      <a:fontRef idx="minor">
+                        <a:schemeClr val="tx1"/>
+                      </a:fontRef>
+                    </p:style>
+                  </p:cxnSp>
+                  <p:cxnSp>
+                    <p:nvCxnSpPr>
+                      <p:cNvPr id="18" name="Straight Arrow Connector 17">
+                        <a:extLst>
+                          <a:ext uri="{FF2B5EF4-FFF2-40B4-BE49-F238E27FC236}">
+                            <a16:creationId xmlns:a16="http://schemas.microsoft.com/office/drawing/2014/main" id="{9788DC21-52FF-47FE-A27C-38B80AEFEB29}"/>
+                          </a:ext>
+                        </a:extLst>
+                      </p:cNvPr>
+                      <p:cNvCxnSpPr>
+                        <a:cxnSpLocks/>
+                        <a:stCxn id="8" idx="3"/>
+                        <a:endCxn id="39" idx="1"/>
+                      </p:cNvCxnSpPr>
+                      <p:nvPr/>
+                    </p:nvCxnSpPr>
+                    <p:spPr>
+                      <a:xfrm>
+                        <a:off x="11635081" y="3703142"/>
+                        <a:ext cx="1258872" cy="0"/>
+                      </a:xfrm>
+                      <a:prstGeom prst="straightConnector1">
+                        <a:avLst/>
+                      </a:prstGeom>
+                      <a:ln w="57150">
+                        <a:tailEnd type="triangle"/>
+                      </a:ln>
+                    </p:spPr>
+                    <p:style>
+                      <a:lnRef idx="1">
+                        <a:schemeClr val="accent1"/>
+                      </a:lnRef>
+                      <a:fillRef idx="0">
+                        <a:schemeClr val="accent1"/>
+                      </a:fillRef>
+                      <a:effectRef idx="0">
+                        <a:schemeClr val="accent1"/>
+                      </a:effectRef>
+                      <a:fontRef idx="minor">
+                        <a:schemeClr val="tx1"/>
+                      </a:fontRef>
+                    </p:style>
+                  </p:cxnSp>
+                  <p:cxnSp>
+                    <p:nvCxnSpPr>
+                      <p:cNvPr id="23" name="Straight Arrow Connector 22">
+                        <a:extLst>
+                          <a:ext uri="{FF2B5EF4-FFF2-40B4-BE49-F238E27FC236}">
+                            <a16:creationId xmlns:a16="http://schemas.microsoft.com/office/drawing/2014/main" id="{9987B137-2338-4D72-B708-F32F4A9319D5}"/>
+                          </a:ext>
+                        </a:extLst>
+                      </p:cNvPr>
+                      <p:cNvCxnSpPr>
+                        <a:stCxn id="31" idx="3"/>
+                      </p:cNvCxnSpPr>
+                      <p:nvPr/>
+                    </p:nvCxnSpPr>
+                    <p:spPr>
+                      <a:xfrm>
+                        <a:off x="11635080" y="9156814"/>
+                        <a:ext cx="1175408" cy="0"/>
+                      </a:xfrm>
+                      <a:prstGeom prst="straightConnector1">
+                        <a:avLst/>
+                      </a:prstGeom>
+                      <a:ln w="57150">
+                        <a:tailEnd type="triangle"/>
+                      </a:ln>
+                    </p:spPr>
+                    <p:style>
+                      <a:lnRef idx="1">
+                        <a:schemeClr val="accent1"/>
+                      </a:lnRef>
+                      <a:fillRef idx="0">
+                        <a:schemeClr val="accent1"/>
+                      </a:fillRef>
+                      <a:effectRef idx="0">
+                        <a:schemeClr val="accent1"/>
+                      </a:effectRef>
+                      <a:fontRef idx="minor">
+                        <a:schemeClr val="tx1"/>
+                      </a:fontRef>
+                    </p:style>
+                  </p:cxnSp>
+                  <p:grpSp>
+                    <p:nvGrpSpPr>
+                      <p:cNvPr id="114" name="Group 113">
+                        <a:extLst>
+                          <a:ext uri="{FF2B5EF4-FFF2-40B4-BE49-F238E27FC236}">
+                            <a16:creationId xmlns:a16="http://schemas.microsoft.com/office/drawing/2014/main" id="{2410D8AD-3633-4481-A380-C529D0B42738}"/>
+                          </a:ext>
+                        </a:extLst>
+                      </p:cNvPr>
+                      <p:cNvGrpSpPr/>
+                      <p:nvPr/>
+                    </p:nvGrpSpPr>
+                    <p:grpSpPr>
+                      <a:xfrm>
+                        <a:off x="1257301" y="2979680"/>
+                        <a:ext cx="2273706" cy="6958409"/>
+                        <a:chOff x="1257301" y="2979680"/>
+                        <a:chExt cx="2273706" cy="6958409"/>
+                      </a:xfrm>
+                    </p:grpSpPr>
+                    <p:sp>
+                      <p:nvSpPr>
+                        <p:cNvPr id="29" name="Rectangle: Rounded Corners 28">
+                          <a:extLst>
+                            <a:ext uri="{FF2B5EF4-FFF2-40B4-BE49-F238E27FC236}">
+                              <a16:creationId xmlns:a16="http://schemas.microsoft.com/office/drawing/2014/main" id="{879C33E5-5F89-4991-B6F2-6427B66B5CB4}"/>
+                            </a:ext>
+                          </a:extLst>
+                        </p:cNvPr>
+                        <p:cNvSpPr/>
+                        <p:nvPr/>
+                      </p:nvSpPr>
+                      <p:spPr>
+                        <a:xfrm>
+                          <a:off x="1257301" y="2979680"/>
+                          <a:ext cx="2273706" cy="6958409"/>
+                        </a:xfrm>
+                        <a:prstGeom prst="roundRect">
+                          <a:avLst/>
+                        </a:prstGeom>
+                        <a:noFill/>
+                        <a:ln w="57150">
+                          <a:solidFill>
+                            <a:srgbClr val="2287D6"/>
+                          </a:solidFill>
+                        </a:ln>
+                      </p:spPr>
+                      <p:style>
+                        <a:lnRef idx="2">
+                          <a:schemeClr val="accent1">
+                            <a:shade val="50000"/>
+                          </a:schemeClr>
+                        </a:lnRef>
+                        <a:fillRef idx="1">
+                          <a:schemeClr val="accent1"/>
+                        </a:fillRef>
+                        <a:effectRef idx="0">
+                          <a:schemeClr val="accent1"/>
+                        </a:effectRef>
+                        <a:fontRef idx="minor">
+                          <a:schemeClr val="lt1"/>
+                        </a:fontRef>
+                      </p:style>
+                      <p:txBody>
+                        <a:bodyPr rtlCol="0" anchor="ctr"/>
+                        <a:lstStyle/>
+                        <a:p>
+                          <a:pPr algn="ctr"/>
+                          <a:endParaRPr lang="en-US"/>
+                        </a:p>
+                      </p:txBody>
+                    </p:sp>
+                    <p:grpSp>
+                      <p:nvGrpSpPr>
+                        <p:cNvPr id="113" name="Group 112">
+                          <a:extLst>
+                            <a:ext uri="{FF2B5EF4-FFF2-40B4-BE49-F238E27FC236}">
+                              <a16:creationId xmlns:a16="http://schemas.microsoft.com/office/drawing/2014/main" id="{00512404-A470-40BF-857F-AA439B27330F}"/>
+                            </a:ext>
+                          </a:extLst>
+                        </p:cNvPr>
+                        <p:cNvGrpSpPr/>
+                        <p:nvPr/>
+                      </p:nvGrpSpPr>
+                      <p:grpSpPr>
+                        <a:xfrm>
+                          <a:off x="1794409" y="3298874"/>
+                          <a:ext cx="1178611" cy="6322498"/>
+                          <a:chOff x="1794409" y="3298874"/>
+                          <a:chExt cx="1178611" cy="6322498"/>
+                        </a:xfrm>
+                      </p:grpSpPr>
+                      <p:pic>
+                        <p:nvPicPr>
+                          <p:cNvPr id="9224" name="Picture 8" descr="Káº¿t quáº£ hÃ¬nh áº£nh cho bag icon outline">
+                            <a:extLst>
+                              <a:ext uri="{FF2B5EF4-FFF2-40B4-BE49-F238E27FC236}">
+                                <a16:creationId xmlns:a16="http://schemas.microsoft.com/office/drawing/2014/main" id="{C2F5B8E7-C652-4D7E-8A37-1152FFC02EF8}"/>
+                              </a:ext>
+                            </a:extLst>
+                          </p:cNvPr>
+                          <p:cNvPicPr>
+                            <a:picLocks noChangeAspect="1" noChangeArrowheads="1"/>
+                          </p:cNvPicPr>
+                          <p:nvPr/>
+                        </p:nvPicPr>
+                        <p:blipFill>
+                          <a:blip r:embed="rId7" cstate="email">
+                            <a:duotone>
+                              <a:schemeClr val="accent2">
+                                <a:shade val="45000"/>
+                                <a:satMod val="135000"/>
+                              </a:schemeClr>
+                              <a:prstClr val="white"/>
+                            </a:duotone>
+                            <a:extLst>
+                              <a:ext uri="{28A0092B-C50C-407E-A947-70E740481C1C}">
+                                <a14:useLocalDpi xmlns:a14="http://schemas.microsoft.com/office/drawing/2010/main" val="0"/>
+                              </a:ext>
+                            </a:extLst>
+                          </a:blip>
+                          <a:srcRect/>
+                          <a:stretch>
+                            <a:fillRect/>
+                          </a:stretch>
+                        </p:blipFill>
+                        <p:spPr bwMode="auto">
+                          <a:xfrm>
+                            <a:off x="1815288" y="3298874"/>
+                            <a:ext cx="1157732" cy="1157732"/>
+                          </a:xfrm>
+                          <a:prstGeom prst="rect">
+                            <a:avLst/>
+                          </a:prstGeom>
+                          <a:noFill/>
+                          <a:extLst>
+                            <a:ext uri="{909E8E84-426E-40DD-AFC4-6F175D3DCCD1}">
+                              <a14:hiddenFill xmlns:a14="http://schemas.microsoft.com/office/drawing/2010/main">
+                                <a:solidFill>
+                                  <a:srgbClr val="FFFFFF"/>
+                                </a:solidFill>
+                              </a14:hiddenFill>
+                            </a:ext>
+                          </a:extLst>
+                        </p:spPr>
+                      </p:pic>
+                      <p:pic>
+                        <p:nvPicPr>
+                          <p:cNvPr id="49" name="Picture 8" descr="Káº¿t quáº£ hÃ¬nh áº£nh cho bag icon outline">
+                            <a:extLst>
+                              <a:ext uri="{FF2B5EF4-FFF2-40B4-BE49-F238E27FC236}">
+                                <a16:creationId xmlns:a16="http://schemas.microsoft.com/office/drawing/2014/main" id="{BEC3A021-B8C3-45AA-8C09-8D1391166DD3}"/>
+                              </a:ext>
+                            </a:extLst>
+                          </p:cNvPr>
+                          <p:cNvPicPr>
+                            <a:picLocks noChangeAspect="1" noChangeArrowheads="1"/>
+                          </p:cNvPicPr>
+                          <p:nvPr/>
+                        </p:nvPicPr>
+                        <p:blipFill>
+                          <a:blip r:embed="rId7" cstate="email">
+                            <a:duotone>
+                              <a:schemeClr val="accent2">
+                                <a:shade val="45000"/>
+                                <a:satMod val="135000"/>
+                              </a:schemeClr>
+                              <a:prstClr val="white"/>
+                            </a:duotone>
+                            <a:extLst>
+                              <a:ext uri="{28A0092B-C50C-407E-A947-70E740481C1C}">
+                                <a14:useLocalDpi xmlns:a14="http://schemas.microsoft.com/office/drawing/2010/main" val="0"/>
+                              </a:ext>
+                            </a:extLst>
+                          </a:blip>
+                          <a:srcRect/>
+                          <a:stretch>
+                            <a:fillRect/>
+                          </a:stretch>
+                        </p:blipFill>
+                        <p:spPr bwMode="auto">
+                          <a:xfrm>
+                            <a:off x="1794409" y="5061679"/>
+                            <a:ext cx="1157732" cy="1157732"/>
+                          </a:xfrm>
+                          <a:prstGeom prst="rect">
+                            <a:avLst/>
+                          </a:prstGeom>
+                          <a:noFill/>
+                          <a:extLst>
+                            <a:ext uri="{909E8E84-426E-40DD-AFC4-6F175D3DCCD1}">
+                              <a14:hiddenFill xmlns:a14="http://schemas.microsoft.com/office/drawing/2010/main">
+                                <a:solidFill>
+                                  <a:srgbClr val="FFFFFF"/>
+                                </a:solidFill>
+                              </a14:hiddenFill>
+                            </a:ext>
+                          </a:extLst>
+                        </p:spPr>
+                      </p:pic>
+                      <p:pic>
+                        <p:nvPicPr>
+                          <p:cNvPr id="50" name="Picture 8" descr="Káº¿t quáº£ hÃ¬nh áº£nh cho bag icon outline">
+                            <a:extLst>
+                              <a:ext uri="{FF2B5EF4-FFF2-40B4-BE49-F238E27FC236}">
+                                <a16:creationId xmlns:a16="http://schemas.microsoft.com/office/drawing/2014/main" id="{762CDA86-1976-4A52-A9FF-B0F52F84E1EA}"/>
+                              </a:ext>
+                            </a:extLst>
+                          </p:cNvPr>
+                          <p:cNvPicPr>
+                            <a:picLocks noChangeAspect="1" noChangeArrowheads="1"/>
+                          </p:cNvPicPr>
+                          <p:nvPr/>
+                        </p:nvPicPr>
+                        <p:blipFill>
+                          <a:blip r:embed="rId7" cstate="email">
+                            <a:duotone>
+                              <a:schemeClr val="accent2">
+                                <a:shade val="45000"/>
+                                <a:satMod val="135000"/>
+                              </a:schemeClr>
+                              <a:prstClr val="white"/>
+                            </a:duotone>
+                            <a:extLst>
+                              <a:ext uri="{28A0092B-C50C-407E-A947-70E740481C1C}">
+                                <a14:useLocalDpi xmlns:a14="http://schemas.microsoft.com/office/drawing/2010/main" val="0"/>
+                              </a:ext>
+                            </a:extLst>
+                          </a:blip>
+                          <a:srcRect/>
+                          <a:stretch>
+                            <a:fillRect/>
+                          </a:stretch>
+                        </p:blipFill>
+                        <p:spPr bwMode="auto">
+                          <a:xfrm>
+                            <a:off x="1794409" y="6761953"/>
+                            <a:ext cx="1157732" cy="1157732"/>
+                          </a:xfrm>
+                          <a:prstGeom prst="rect">
+                            <a:avLst/>
+                          </a:prstGeom>
+                          <a:noFill/>
+                          <a:extLst>
+                            <a:ext uri="{909E8E84-426E-40DD-AFC4-6F175D3DCCD1}">
+                              <a14:hiddenFill xmlns:a14="http://schemas.microsoft.com/office/drawing/2010/main">
+                                <a:solidFill>
+                                  <a:srgbClr val="FFFFFF"/>
+                                </a:solidFill>
+                              </a14:hiddenFill>
+                            </a:ext>
+                          </a:extLst>
+                        </p:spPr>
+                      </p:pic>
+                      <p:pic>
+                        <p:nvPicPr>
+                          <p:cNvPr id="51" name="Picture 8" descr="Káº¿t quáº£ hÃ¬nh áº£nh cho bag icon outline">
+                            <a:extLst>
+                              <a:ext uri="{FF2B5EF4-FFF2-40B4-BE49-F238E27FC236}">
+                                <a16:creationId xmlns:a16="http://schemas.microsoft.com/office/drawing/2014/main" id="{4FCBA7FC-067A-4129-BF7A-555B8AE39444}"/>
+                              </a:ext>
+                            </a:extLst>
+                          </p:cNvPr>
+                          <p:cNvPicPr>
+                            <a:picLocks noChangeAspect="1" noChangeArrowheads="1"/>
+                          </p:cNvPicPr>
+                          <p:nvPr/>
+                        </p:nvPicPr>
+                        <p:blipFill>
+                          <a:blip r:embed="rId7" cstate="email">
+                            <a:duotone>
+                              <a:schemeClr val="accent2">
+                                <a:shade val="45000"/>
+                                <a:satMod val="135000"/>
+                              </a:schemeClr>
+                              <a:prstClr val="white"/>
+                            </a:duotone>
+                            <a:extLst>
+                              <a:ext uri="{28A0092B-C50C-407E-A947-70E740481C1C}">
+                                <a14:useLocalDpi xmlns:a14="http://schemas.microsoft.com/office/drawing/2010/main" val="0"/>
+                              </a:ext>
+                            </a:extLst>
+                          </a:blip>
+                          <a:srcRect/>
+                          <a:stretch>
+                            <a:fillRect/>
+                          </a:stretch>
+                        </p:blipFill>
+                        <p:spPr bwMode="auto">
+                          <a:xfrm>
+                            <a:off x="1815288" y="8463640"/>
+                            <a:ext cx="1157732" cy="1157732"/>
+                          </a:xfrm>
+                          <a:prstGeom prst="rect">
+                            <a:avLst/>
+                          </a:prstGeom>
+                          <a:noFill/>
+                          <a:extLst>
+                            <a:ext uri="{909E8E84-426E-40DD-AFC4-6F175D3DCCD1}">
+                              <a14:hiddenFill xmlns:a14="http://schemas.microsoft.com/office/drawing/2010/main">
+                                <a:solidFill>
+                                  <a:srgbClr val="FFFFFF"/>
+                                </a:solidFill>
+                              </a14:hiddenFill>
+                            </a:ext>
+                          </a:extLst>
+                        </p:spPr>
+                      </p:pic>
+                    </p:grpSp>
+                  </p:grpSp>
+                  <p:sp>
+                    <p:nvSpPr>
+                      <p:cNvPr id="24" name="TextBox 23">
+                        <a:extLst>
+                          <a:ext uri="{FF2B5EF4-FFF2-40B4-BE49-F238E27FC236}">
+                            <a16:creationId xmlns:a16="http://schemas.microsoft.com/office/drawing/2014/main" id="{7F1F7563-CF94-4D68-8A75-17B4882DECDD}"/>
+                          </a:ext>
+                        </a:extLst>
+                      </p:cNvPr>
+                      <p:cNvSpPr txBox="1"/>
+                      <p:nvPr/>
+                    </p:nvSpPr>
+                    <p:spPr>
+                      <a:xfrm>
+                        <a:off x="766916" y="10543162"/>
+                        <a:ext cx="3362632" cy="584775"/>
+                      </a:xfrm>
+                      <a:prstGeom prst="rect">
+                        <a:avLst/>
+                      </a:prstGeom>
+                      <a:noFill/>
+                    </p:spPr>
+                    <p:txBody>
+                      <a:bodyPr wrap="square" rtlCol="0">
+                        <a:spAutoFit/>
+                      </a:bodyPr>
+                      <a:lstStyle/>
+                      <a:p>
+                        <a:pPr algn="ctr"/>
+                        <a:r>
+                          <a:rPr lang="en-US" sz="3200" b="1">
+                            <a:solidFill>
+                              <a:srgbClr val="445469"/>
+                            </a:solidFill>
+                          </a:rPr>
+                          <a:t>Đang chờ lấy đồ</a:t>
+                        </a:r>
+                      </a:p>
+                    </p:txBody>
+                  </p:sp>
+                  <p:sp>
+                    <p:nvSpPr>
+                      <p:cNvPr id="53" name="TextBox 52">
+                        <a:extLst>
+                          <a:ext uri="{FF2B5EF4-FFF2-40B4-BE49-F238E27FC236}">
+                            <a16:creationId xmlns:a16="http://schemas.microsoft.com/office/drawing/2014/main" id="{C68F6701-C235-4F05-92F1-F9C83E309782}"/>
+                          </a:ext>
+                        </a:extLst>
+                      </p:cNvPr>
+                      <p:cNvSpPr txBox="1"/>
+                      <p:nvPr/>
+                    </p:nvSpPr>
+                    <p:spPr>
+                      <a:xfrm>
+                        <a:off x="6482362" y="10543162"/>
+                        <a:ext cx="3362632" cy="584775"/>
+                      </a:xfrm>
+                      <a:prstGeom prst="rect">
+                        <a:avLst/>
+                      </a:prstGeom>
+                      <a:noFill/>
+                    </p:spPr>
+                    <p:txBody>
+                      <a:bodyPr wrap="square" rtlCol="0">
+                        <a:spAutoFit/>
+                      </a:bodyPr>
+                      <a:lstStyle/>
+                      <a:p>
+                        <a:pPr algn="ctr"/>
+                        <a:r>
+                          <a:rPr lang="en-US" sz="3200" b="1">
+                            <a:solidFill>
+                              <a:srgbClr val="445469"/>
+                            </a:solidFill>
+                          </a:rPr>
+                          <a:t>Đang chờ xử lí</a:t>
+                        </a:r>
+                      </a:p>
+                    </p:txBody>
+                  </p:sp>
+                  <p:sp>
+                    <p:nvSpPr>
+                      <p:cNvPr id="54" name="TextBox 53">
+                        <a:extLst>
+                          <a:ext uri="{FF2B5EF4-FFF2-40B4-BE49-F238E27FC236}">
+                            <a16:creationId xmlns:a16="http://schemas.microsoft.com/office/drawing/2014/main" id="{18D611F0-A831-4578-B5BF-E42CC4338868}"/>
+                          </a:ext>
+                        </a:extLst>
+                      </p:cNvPr>
+                      <p:cNvSpPr txBox="1"/>
+                      <p:nvPr/>
+                    </p:nvSpPr>
+                    <p:spPr>
+                      <a:xfrm>
+                        <a:off x="11913290" y="10543162"/>
+                        <a:ext cx="3362632" cy="584775"/>
+                      </a:xfrm>
+                      <a:prstGeom prst="rect">
+                        <a:avLst/>
+                      </a:prstGeom>
+                      <a:noFill/>
+                    </p:spPr>
+                    <p:txBody>
+                      <a:bodyPr wrap="square" rtlCol="0">
+                        <a:spAutoFit/>
+                      </a:bodyPr>
+                      <a:lstStyle/>
+                      <a:p>
+                        <a:pPr algn="ctr"/>
+                        <a:r>
+                          <a:rPr lang="en-US" sz="3200" b="1">
+                            <a:solidFill>
+                              <a:srgbClr val="445469"/>
+                            </a:solidFill>
+                          </a:rPr>
+                          <a:t>Đang xử lí</a:t>
+                        </a:r>
+                      </a:p>
+                    </p:txBody>
+                  </p:sp>
+                  <p:sp>
+                    <p:nvSpPr>
+                      <p:cNvPr id="55" name="TextBox 54">
+                        <a:extLst>
+                          <a:ext uri="{FF2B5EF4-FFF2-40B4-BE49-F238E27FC236}">
+                            <a16:creationId xmlns:a16="http://schemas.microsoft.com/office/drawing/2014/main" id="{EF8CA79E-FD5C-4CA2-907D-AE7C9877994D}"/>
+                          </a:ext>
+                        </a:extLst>
+                      </p:cNvPr>
+                      <p:cNvSpPr txBox="1"/>
+                      <p:nvPr/>
+                    </p:nvSpPr>
+                    <p:spPr>
+                      <a:xfrm>
+                        <a:off x="14608276" y="10519463"/>
+                        <a:ext cx="3362632" cy="584775"/>
+                      </a:xfrm>
+                      <a:prstGeom prst="rect">
+                        <a:avLst/>
+                      </a:prstGeom>
+                      <a:noFill/>
+                    </p:spPr>
+                    <p:txBody>
+                      <a:bodyPr wrap="square" rtlCol="0">
+                        <a:spAutoFit/>
+                      </a:bodyPr>
+                      <a:lstStyle/>
+                      <a:p>
+                        <a:pPr algn="ctr"/>
+                        <a:r>
+                          <a:rPr lang="en-US" sz="3200" b="1">
+                            <a:solidFill>
+                              <a:srgbClr val="445469"/>
+                            </a:solidFill>
+                          </a:rPr>
+                          <a:t>Máy giặt</a:t>
+                        </a:r>
+                      </a:p>
+                    </p:txBody>
+                  </p:sp>
+                  <p:grpSp>
+                    <p:nvGrpSpPr>
+                      <p:cNvPr id="48" name="Group 47">
+                        <a:extLst>
+                          <a:ext uri="{FF2B5EF4-FFF2-40B4-BE49-F238E27FC236}">
+                            <a16:creationId xmlns:a16="http://schemas.microsoft.com/office/drawing/2014/main" id="{FBC2EC30-99BA-426C-B148-9C47CA7746CF}"/>
+                          </a:ext>
+                        </a:extLst>
+                      </p:cNvPr>
+                      <p:cNvGrpSpPr/>
+                      <p:nvPr/>
+                    </p:nvGrpSpPr>
+                    <p:grpSpPr>
+                      <a:xfrm>
+                        <a:off x="5207767" y="3034205"/>
+                        <a:ext cx="6039777" cy="1182384"/>
+                        <a:chOff x="5207767" y="3034205"/>
+                        <a:chExt cx="6039777" cy="1182384"/>
+                      </a:xfrm>
+                    </p:grpSpPr>
+                    <p:grpSp>
+                      <p:nvGrpSpPr>
+                        <p:cNvPr id="44" name="Group 43">
+                          <a:extLst>
+                            <a:ext uri="{FF2B5EF4-FFF2-40B4-BE49-F238E27FC236}">
+                              <a16:creationId xmlns:a16="http://schemas.microsoft.com/office/drawing/2014/main" id="{8152185E-4A63-41BF-98C9-7253985CAC34}"/>
+                            </a:ext>
+                          </a:extLst>
+                        </p:cNvPr>
+                        <p:cNvGrpSpPr/>
+                        <p:nvPr/>
+                      </p:nvGrpSpPr>
+                      <p:grpSpPr>
+                        <a:xfrm>
+                          <a:off x="10089812" y="3034205"/>
+                          <a:ext cx="1157732" cy="1157732"/>
+                          <a:chOff x="10089812" y="3034205"/>
+                          <a:chExt cx="1157732" cy="1157732"/>
+                        </a:xfrm>
+                      </p:grpSpPr>
+                      <p:pic>
+                        <p:nvPicPr>
+                          <p:cNvPr id="58" name="Picture 8" descr="Káº¿t quáº£ hÃ¬nh áº£nh cho bag icon outline">
+                            <a:extLst>
+                              <a:ext uri="{FF2B5EF4-FFF2-40B4-BE49-F238E27FC236}">
+                                <a16:creationId xmlns:a16="http://schemas.microsoft.com/office/drawing/2014/main" id="{3A4899C0-7B8F-414D-8B00-862C1600FBEE}"/>
+                              </a:ext>
+                            </a:extLst>
+                          </p:cNvPr>
+                          <p:cNvPicPr>
+                            <a:picLocks noChangeAspect="1" noChangeArrowheads="1"/>
+                          </p:cNvPicPr>
+                          <p:nvPr/>
+                        </p:nvPicPr>
+                        <p:blipFill>
+                          <a:blip r:embed="rId7" cstate="email">
+                            <a:duotone>
+                              <a:schemeClr val="accent6">
+                                <a:shade val="45000"/>
+                                <a:satMod val="135000"/>
+                              </a:schemeClr>
+                              <a:prstClr val="white"/>
+                            </a:duotone>
+                            <a:extLst>
+                              <a:ext uri="{28A0092B-C50C-407E-A947-70E740481C1C}">
+                                <a14:useLocalDpi xmlns:a14="http://schemas.microsoft.com/office/drawing/2010/main" val="0"/>
+                              </a:ext>
+                            </a:extLst>
+                          </a:blip>
+                          <a:srcRect/>
+                          <a:stretch>
+                            <a:fillRect/>
+                          </a:stretch>
+                        </p:blipFill>
+                        <p:spPr bwMode="auto">
+                          <a:xfrm>
+                            <a:off x="10089812" y="3034205"/>
+                            <a:ext cx="1157732" cy="1157732"/>
+                          </a:xfrm>
+                          <a:prstGeom prst="rect">
+                            <a:avLst/>
+                          </a:prstGeom>
+                          <a:noFill/>
+                          <a:extLst>
+                            <a:ext uri="{909E8E84-426E-40DD-AFC4-6F175D3DCCD1}">
+                              <a14:hiddenFill xmlns:a14="http://schemas.microsoft.com/office/drawing/2010/main">
+                                <a:solidFill>
+                                  <a:srgbClr val="FFFFFF"/>
+                                </a:solidFill>
+                              </a14:hiddenFill>
+                            </a:ext>
+                          </a:extLst>
+                        </p:spPr>
+                      </p:pic>
+                      <p:sp>
+                        <p:nvSpPr>
+                          <p:cNvPr id="27" name="TextBox 26">
+                            <a:extLst>
+                              <a:ext uri="{FF2B5EF4-FFF2-40B4-BE49-F238E27FC236}">
+                                <a16:creationId xmlns:a16="http://schemas.microsoft.com/office/drawing/2014/main" id="{D7715600-B9D9-42A0-ABC4-7F373E932CD4}"/>
+                              </a:ext>
+                            </a:extLst>
+                          </p:cNvPr>
+                          <p:cNvSpPr txBox="1"/>
+                          <p:nvPr/>
+                        </p:nvSpPr>
+                        <p:spPr>
+                          <a:xfrm>
+                            <a:off x="10494670" y="3578015"/>
+                            <a:ext cx="340158" cy="461665"/>
+                          </a:xfrm>
+                          <a:prstGeom prst="rect">
+                            <a:avLst/>
+                          </a:prstGeom>
+                          <a:noFill/>
+                        </p:spPr>
+                        <p:txBody>
+                          <a:bodyPr wrap="none" rtlCol="0">
+                            <a:spAutoFit/>
+                          </a:bodyPr>
+                          <a:lstStyle/>
+                          <a:p>
+                            <a:r>
+                              <a:rPr lang="en-US" sz="2400" b="1"/>
+                              <a:t>1</a:t>
+                            </a:r>
+                          </a:p>
+                        </p:txBody>
+                      </p:sp>
+                    </p:grpSp>
+                    <p:grpSp>
+                      <p:nvGrpSpPr>
+                        <p:cNvPr id="45" name="Group 44">
+                          <a:extLst>
+                            <a:ext uri="{FF2B5EF4-FFF2-40B4-BE49-F238E27FC236}">
+                              <a16:creationId xmlns:a16="http://schemas.microsoft.com/office/drawing/2014/main" id="{4EEB4758-4B98-430A-96A8-B6050786ADDB}"/>
+                            </a:ext>
+                          </a:extLst>
+                        </p:cNvPr>
+                        <p:cNvGrpSpPr/>
+                        <p:nvPr/>
+                      </p:nvGrpSpPr>
+                      <p:grpSpPr>
+                        <a:xfrm>
+                          <a:off x="8422624" y="3034205"/>
+                          <a:ext cx="1157732" cy="1157732"/>
+                          <a:chOff x="8422624" y="3034205"/>
+                          <a:chExt cx="1157732" cy="1157732"/>
+                        </a:xfrm>
+                      </p:grpSpPr>
+                      <p:pic>
+                        <p:nvPicPr>
+                          <p:cNvPr id="57" name="Picture 8" descr="Káº¿t quáº£ hÃ¬nh áº£nh cho bag icon outline">
+                            <a:extLst>
+                              <a:ext uri="{FF2B5EF4-FFF2-40B4-BE49-F238E27FC236}">
+                                <a16:creationId xmlns:a16="http://schemas.microsoft.com/office/drawing/2014/main" id="{23FA5144-6DF5-4482-A799-1DF7FE5FEB99}"/>
+                              </a:ext>
+                            </a:extLst>
+                          </p:cNvPr>
+                          <p:cNvPicPr>
+                            <a:picLocks noChangeAspect="1" noChangeArrowheads="1"/>
+                          </p:cNvPicPr>
+                          <p:nvPr/>
+                        </p:nvPicPr>
+                        <p:blipFill>
+                          <a:blip r:embed="rId7" cstate="email">
+                            <a:duotone>
+                              <a:schemeClr val="accent6">
+                                <a:shade val="45000"/>
+                                <a:satMod val="135000"/>
+                              </a:schemeClr>
+                              <a:prstClr val="white"/>
+                            </a:duotone>
+                            <a:extLst>
+                              <a:ext uri="{28A0092B-C50C-407E-A947-70E740481C1C}">
+                                <a14:useLocalDpi xmlns:a14="http://schemas.microsoft.com/office/drawing/2010/main" val="0"/>
+                              </a:ext>
+                            </a:extLst>
+                          </a:blip>
+                          <a:srcRect/>
+                          <a:stretch>
+                            <a:fillRect/>
+                          </a:stretch>
+                        </p:blipFill>
+                        <p:spPr bwMode="auto">
+                          <a:xfrm>
+                            <a:off x="8422624" y="3034205"/>
+                            <a:ext cx="1157732" cy="1157732"/>
+                          </a:xfrm>
+                          <a:prstGeom prst="rect">
+                            <a:avLst/>
+                          </a:prstGeom>
+                          <a:noFill/>
+                          <a:extLst>
+                            <a:ext uri="{909E8E84-426E-40DD-AFC4-6F175D3DCCD1}">
+                              <a14:hiddenFill xmlns:a14="http://schemas.microsoft.com/office/drawing/2010/main">
+                                <a:solidFill>
+                                  <a:srgbClr val="FFFFFF"/>
+                                </a:solidFill>
+                              </a14:hiddenFill>
+                            </a:ext>
+                          </a:extLst>
+                        </p:spPr>
+                      </p:pic>
+                      <p:sp>
+                        <p:nvSpPr>
+                          <p:cNvPr id="61" name="TextBox 60">
+                            <a:extLst>
+                              <a:ext uri="{FF2B5EF4-FFF2-40B4-BE49-F238E27FC236}">
+                                <a16:creationId xmlns:a16="http://schemas.microsoft.com/office/drawing/2014/main" id="{2F5F9357-0186-4642-B32A-BCAD8D61ADBC}"/>
+                              </a:ext>
+                            </a:extLst>
+                          </p:cNvPr>
+                          <p:cNvSpPr txBox="1"/>
+                          <p:nvPr/>
+                        </p:nvSpPr>
+                        <p:spPr>
+                          <a:xfrm>
+                            <a:off x="8803842" y="3552601"/>
+                            <a:ext cx="340158" cy="461665"/>
+                          </a:xfrm>
+                          <a:prstGeom prst="rect">
+                            <a:avLst/>
+                          </a:prstGeom>
+                          <a:noFill/>
+                        </p:spPr>
+                        <p:txBody>
+                          <a:bodyPr wrap="none" rtlCol="0">
+                            <a:spAutoFit/>
+                          </a:bodyPr>
+                          <a:lstStyle/>
+                          <a:p>
+                            <a:r>
+                              <a:rPr lang="en-US" sz="2400" b="1"/>
+                              <a:t>1</a:t>
+                            </a:r>
+                          </a:p>
+                        </p:txBody>
+                      </p:sp>
+                    </p:grpSp>
+                    <p:grpSp>
+                      <p:nvGrpSpPr>
+                        <p:cNvPr id="46" name="Group 45">
+                          <a:extLst>
+                            <a:ext uri="{FF2B5EF4-FFF2-40B4-BE49-F238E27FC236}">
+                              <a16:creationId xmlns:a16="http://schemas.microsoft.com/office/drawing/2014/main" id="{0663DA3B-B553-4342-A1F2-85E2D500F2D2}"/>
+                            </a:ext>
+                          </a:extLst>
+                        </p:cNvPr>
+                        <p:cNvGrpSpPr/>
+                        <p:nvPr/>
+                      </p:nvGrpSpPr>
+                      <p:grpSpPr>
+                        <a:xfrm>
+                          <a:off x="6874955" y="3058857"/>
+                          <a:ext cx="1157732" cy="1157732"/>
+                          <a:chOff x="6874955" y="3058857"/>
+                          <a:chExt cx="1157732" cy="1157732"/>
+                        </a:xfrm>
+                      </p:grpSpPr>
+                      <p:pic>
+                        <p:nvPicPr>
+                          <p:cNvPr id="56" name="Picture 8" descr="Káº¿t quáº£ hÃ¬nh áº£nh cho bag icon outline">
+                            <a:extLst>
+                              <a:ext uri="{FF2B5EF4-FFF2-40B4-BE49-F238E27FC236}">
+                                <a16:creationId xmlns:a16="http://schemas.microsoft.com/office/drawing/2014/main" id="{19AAE2B8-B801-4B0A-BE9E-E5EF7C480A28}"/>
+                              </a:ext>
+                            </a:extLst>
+                          </p:cNvPr>
+                          <p:cNvPicPr>
+                            <a:picLocks noChangeAspect="1" noChangeArrowheads="1"/>
+                          </p:cNvPicPr>
+                          <p:nvPr/>
+                        </p:nvPicPr>
+                        <p:blipFill>
+                          <a:blip r:embed="rId7" cstate="email">
+                            <a:duotone>
+                              <a:schemeClr val="accent6">
+                                <a:shade val="45000"/>
+                                <a:satMod val="135000"/>
+                              </a:schemeClr>
+                              <a:prstClr val="white"/>
+                            </a:duotone>
+                            <a:extLst>
+                              <a:ext uri="{28A0092B-C50C-407E-A947-70E740481C1C}">
+                                <a14:useLocalDpi xmlns:a14="http://schemas.microsoft.com/office/drawing/2010/main" val="0"/>
+                              </a:ext>
+                            </a:extLst>
+                          </a:blip>
+                          <a:srcRect/>
+                          <a:stretch>
+                            <a:fillRect/>
+                          </a:stretch>
+                        </p:blipFill>
+                        <p:spPr bwMode="auto">
+                          <a:xfrm>
+                            <a:off x="6874955" y="3058857"/>
+                            <a:ext cx="1157732" cy="1157732"/>
+                          </a:xfrm>
+                          <a:prstGeom prst="rect">
+                            <a:avLst/>
+                          </a:prstGeom>
+                          <a:noFill/>
+                          <a:extLst>
+                            <a:ext uri="{909E8E84-426E-40DD-AFC4-6F175D3DCCD1}">
+                              <a14:hiddenFill xmlns:a14="http://schemas.microsoft.com/office/drawing/2010/main">
+                                <a:solidFill>
+                                  <a:srgbClr val="FFFFFF"/>
+                                </a:solidFill>
+                              </a14:hiddenFill>
+                            </a:ext>
+                          </a:extLst>
+                        </p:spPr>
+                      </p:pic>
+                      <p:sp>
+                        <p:nvSpPr>
+                          <p:cNvPr id="62" name="TextBox 61">
+                            <a:extLst>
+                              <a:ext uri="{FF2B5EF4-FFF2-40B4-BE49-F238E27FC236}">
+                                <a16:creationId xmlns:a16="http://schemas.microsoft.com/office/drawing/2014/main" id="{20A2648D-5054-4B45-87F0-1EB2C8E25704}"/>
+                              </a:ext>
+                            </a:extLst>
+                          </p:cNvPr>
+                          <p:cNvSpPr txBox="1"/>
+                          <p:nvPr/>
+                        </p:nvSpPr>
+                        <p:spPr>
+                          <a:xfrm>
+                            <a:off x="7283742" y="3571052"/>
+                            <a:ext cx="340158" cy="461665"/>
+                          </a:xfrm>
+                          <a:prstGeom prst="rect">
+                            <a:avLst/>
+                          </a:prstGeom>
+                          <a:noFill/>
+                        </p:spPr>
+                        <p:txBody>
+                          <a:bodyPr wrap="none" rtlCol="0">
+                            <a:spAutoFit/>
+                          </a:bodyPr>
+                          <a:lstStyle/>
+                          <a:p>
+                            <a:r>
+                              <a:rPr lang="en-US" sz="2400" b="1"/>
+                              <a:t>3</a:t>
+                            </a:r>
+                          </a:p>
+                        </p:txBody>
+                      </p:sp>
+                    </p:grpSp>
+                    <p:grpSp>
+                      <p:nvGrpSpPr>
+                        <p:cNvPr id="47" name="Group 46">
+                          <a:extLst>
+                            <a:ext uri="{FF2B5EF4-FFF2-40B4-BE49-F238E27FC236}">
+                              <a16:creationId xmlns:a16="http://schemas.microsoft.com/office/drawing/2014/main" id="{C5A7CB2D-7979-437B-8CE1-3111471E55C6}"/>
+                            </a:ext>
+                          </a:extLst>
+                        </p:cNvPr>
+                        <p:cNvGrpSpPr/>
+                        <p:nvPr/>
+                      </p:nvGrpSpPr>
+                      <p:grpSpPr>
+                        <a:xfrm>
+                          <a:off x="5207767" y="3034205"/>
+                          <a:ext cx="1157732" cy="1157732"/>
+                          <a:chOff x="5207767" y="3034205"/>
+                          <a:chExt cx="1157732" cy="1157732"/>
+                        </a:xfrm>
+                      </p:grpSpPr>
+                      <p:pic>
+                        <p:nvPicPr>
+                          <p:cNvPr id="59" name="Picture 8" descr="Káº¿t quáº£ hÃ¬nh áº£nh cho bag icon outline">
+                            <a:extLst>
+                              <a:ext uri="{FF2B5EF4-FFF2-40B4-BE49-F238E27FC236}">
+                                <a16:creationId xmlns:a16="http://schemas.microsoft.com/office/drawing/2014/main" id="{72C3E691-8132-46A4-B20D-45B09BA277FA}"/>
+                              </a:ext>
+                            </a:extLst>
+                          </p:cNvPr>
+                          <p:cNvPicPr>
+                            <a:picLocks noChangeAspect="1" noChangeArrowheads="1"/>
+                          </p:cNvPicPr>
+                          <p:nvPr/>
+                        </p:nvPicPr>
+                        <p:blipFill>
+                          <a:blip r:embed="rId7" cstate="email">
+                            <a:duotone>
+                              <a:schemeClr val="accent6">
+                                <a:shade val="45000"/>
+                                <a:satMod val="135000"/>
+                              </a:schemeClr>
+                              <a:prstClr val="white"/>
+                            </a:duotone>
+                            <a:extLst>
+                              <a:ext uri="{28A0092B-C50C-407E-A947-70E740481C1C}">
+                                <a14:useLocalDpi xmlns:a14="http://schemas.microsoft.com/office/drawing/2010/main" val="0"/>
+                              </a:ext>
+                            </a:extLst>
+                          </a:blip>
+                          <a:srcRect/>
+                          <a:stretch>
+                            <a:fillRect/>
+                          </a:stretch>
+                        </p:blipFill>
+                        <p:spPr bwMode="auto">
+                          <a:xfrm>
+                            <a:off x="5207767" y="3034205"/>
+                            <a:ext cx="1157732" cy="1157732"/>
+                          </a:xfrm>
+                          <a:prstGeom prst="rect">
+                            <a:avLst/>
+                          </a:prstGeom>
+                          <a:noFill/>
+                          <a:extLst>
+                            <a:ext uri="{909E8E84-426E-40DD-AFC4-6F175D3DCCD1}">
+                              <a14:hiddenFill xmlns:a14="http://schemas.microsoft.com/office/drawing/2010/main">
+                                <a:solidFill>
+                                  <a:srgbClr val="FFFFFF"/>
+                                </a:solidFill>
+                              </a14:hiddenFill>
+                            </a:ext>
+                          </a:extLst>
+                        </p:spPr>
+                      </p:pic>
+                      <p:sp>
+                        <p:nvSpPr>
+                          <p:cNvPr id="63" name="TextBox 62">
+                            <a:extLst>
+                              <a:ext uri="{FF2B5EF4-FFF2-40B4-BE49-F238E27FC236}">
+                                <a16:creationId xmlns:a16="http://schemas.microsoft.com/office/drawing/2014/main" id="{FA2B35F1-194F-4419-9652-E1CFD2FB5AB4}"/>
+                              </a:ext>
+                            </a:extLst>
+                          </p:cNvPr>
+                          <p:cNvSpPr txBox="1"/>
+                          <p:nvPr/>
+                        </p:nvSpPr>
+                        <p:spPr>
+                          <a:xfrm>
+                            <a:off x="5616554" y="3564609"/>
+                            <a:ext cx="340158" cy="461665"/>
+                          </a:xfrm>
+                          <a:prstGeom prst="rect">
+                            <a:avLst/>
+                          </a:prstGeom>
+                          <a:noFill/>
+                        </p:spPr>
+                        <p:txBody>
+                          <a:bodyPr wrap="none" rtlCol="0">
+                            <a:spAutoFit/>
+                          </a:bodyPr>
+                          <a:lstStyle/>
+                          <a:p>
+                            <a:r>
+                              <a:rPr lang="en-US" sz="2400" b="1"/>
+                              <a:t>4</a:t>
+                            </a:r>
+                          </a:p>
+                        </p:txBody>
+                      </p:sp>
+                    </p:grpSp>
+                  </p:grpSp>
+                  <p:grpSp>
+                    <p:nvGrpSpPr>
+                      <p:cNvPr id="69" name="Group 68">
+                        <a:extLst>
+                          <a:ext uri="{FF2B5EF4-FFF2-40B4-BE49-F238E27FC236}">
+                            <a16:creationId xmlns:a16="http://schemas.microsoft.com/office/drawing/2014/main" id="{3BE6B1B7-B217-42CD-96DB-73873AD62490}"/>
+                          </a:ext>
+                        </a:extLst>
+                      </p:cNvPr>
+                      <p:cNvGrpSpPr/>
+                      <p:nvPr/>
+                    </p:nvGrpSpPr>
+                    <p:grpSpPr>
+                      <a:xfrm>
+                        <a:off x="5150859" y="5787560"/>
+                        <a:ext cx="6039777" cy="1182384"/>
+                        <a:chOff x="5207767" y="3034205"/>
+                        <a:chExt cx="6039777" cy="1182384"/>
+                      </a:xfrm>
+                    </p:grpSpPr>
+                    <p:grpSp>
+                      <p:nvGrpSpPr>
+                        <p:cNvPr id="70" name="Group 69">
+                          <a:extLst>
+                            <a:ext uri="{FF2B5EF4-FFF2-40B4-BE49-F238E27FC236}">
+                              <a16:creationId xmlns:a16="http://schemas.microsoft.com/office/drawing/2014/main" id="{DB102B8A-08FB-43E1-9FFA-291A87FF4C46}"/>
+                            </a:ext>
+                          </a:extLst>
+                        </p:cNvPr>
+                        <p:cNvGrpSpPr/>
+                        <p:nvPr/>
+                      </p:nvGrpSpPr>
+                      <p:grpSpPr>
+                        <a:xfrm>
+                          <a:off x="10089812" y="3034205"/>
+                          <a:ext cx="1157732" cy="1157732"/>
+                          <a:chOff x="10089812" y="3034205"/>
+                          <a:chExt cx="1157732" cy="1157732"/>
+                        </a:xfrm>
+                      </p:grpSpPr>
+                      <p:pic>
+                        <p:nvPicPr>
+                          <p:cNvPr id="80" name="Picture 8" descr="Káº¿t quáº£ hÃ¬nh áº£nh cho bag icon outline">
+                            <a:extLst>
+                              <a:ext uri="{FF2B5EF4-FFF2-40B4-BE49-F238E27FC236}">
+                                <a16:creationId xmlns:a16="http://schemas.microsoft.com/office/drawing/2014/main" id="{EA7A19CB-D97F-40E5-BE21-7BB936C6DCD9}"/>
+                              </a:ext>
+                            </a:extLst>
+                          </p:cNvPr>
+                          <p:cNvPicPr>
+                            <a:picLocks noChangeAspect="1" noChangeArrowheads="1"/>
+                          </p:cNvPicPr>
+                          <p:nvPr/>
+                        </p:nvPicPr>
+                        <p:blipFill>
+                          <a:blip r:embed="rId7" cstate="email">
+                            <a:duotone>
+                              <a:schemeClr val="accent6">
+                                <a:shade val="45000"/>
+                                <a:satMod val="135000"/>
+                              </a:schemeClr>
+                              <a:prstClr val="white"/>
+                            </a:duotone>
+                            <a:extLst>
+                              <a:ext uri="{28A0092B-C50C-407E-A947-70E740481C1C}">
+                                <a14:useLocalDpi xmlns:a14="http://schemas.microsoft.com/office/drawing/2010/main" val="0"/>
+                              </a:ext>
+                            </a:extLst>
+                          </a:blip>
+                          <a:srcRect/>
+                          <a:stretch>
+                            <a:fillRect/>
+                          </a:stretch>
+                        </p:blipFill>
+                        <p:spPr bwMode="auto">
+                          <a:xfrm>
+                            <a:off x="10089812" y="3034205"/>
+                            <a:ext cx="1157732" cy="1157732"/>
+                          </a:xfrm>
+                          <a:prstGeom prst="rect">
+                            <a:avLst/>
+                          </a:prstGeom>
+                          <a:noFill/>
+                          <a:extLst>
+                            <a:ext uri="{909E8E84-426E-40DD-AFC4-6F175D3DCCD1}">
+                              <a14:hiddenFill xmlns:a14="http://schemas.microsoft.com/office/drawing/2010/main">
+                                <a:solidFill>
+                                  <a:srgbClr val="FFFFFF"/>
+                                </a:solidFill>
+                              </a14:hiddenFill>
+                            </a:ext>
+                          </a:extLst>
+                        </p:spPr>
+                      </p:pic>
+                      <p:sp>
+                        <p:nvSpPr>
+                          <p:cNvPr id="81" name="TextBox 80">
+                            <a:extLst>
+                              <a:ext uri="{FF2B5EF4-FFF2-40B4-BE49-F238E27FC236}">
+                                <a16:creationId xmlns:a16="http://schemas.microsoft.com/office/drawing/2014/main" id="{24661922-4E94-40D0-A524-B5DDB48A4BAC}"/>
+                              </a:ext>
+                            </a:extLst>
+                          </p:cNvPr>
+                          <p:cNvSpPr txBox="1"/>
+                          <p:nvPr/>
+                        </p:nvSpPr>
+                        <p:spPr>
+                          <a:xfrm>
+                            <a:off x="10494670" y="3578015"/>
+                            <a:ext cx="340158" cy="461665"/>
+                          </a:xfrm>
+                          <a:prstGeom prst="rect">
+                            <a:avLst/>
+                          </a:prstGeom>
+                          <a:noFill/>
+                        </p:spPr>
+                        <p:txBody>
+                          <a:bodyPr wrap="none" rtlCol="0">
+                            <a:spAutoFit/>
+                          </a:bodyPr>
+                          <a:lstStyle/>
+                          <a:p>
+                            <a:r>
+                              <a:rPr lang="en-US" sz="2400" b="1"/>
+                              <a:t>1</a:t>
+                            </a:r>
+                          </a:p>
+                        </p:txBody>
+                      </p:sp>
+                    </p:grpSp>
+                    <p:grpSp>
+                      <p:nvGrpSpPr>
+                        <p:cNvPr id="71" name="Group 70">
+                          <a:extLst>
+                            <a:ext uri="{FF2B5EF4-FFF2-40B4-BE49-F238E27FC236}">
+                              <a16:creationId xmlns:a16="http://schemas.microsoft.com/office/drawing/2014/main" id="{4F0119FC-E58F-4DB8-8580-BE5912429024}"/>
+                            </a:ext>
+                          </a:extLst>
+                        </p:cNvPr>
+                        <p:cNvGrpSpPr/>
+                        <p:nvPr/>
+                      </p:nvGrpSpPr>
+                      <p:grpSpPr>
+                        <a:xfrm>
+                          <a:off x="8422624" y="3034205"/>
+                          <a:ext cx="1157732" cy="1157732"/>
+                          <a:chOff x="8422624" y="3034205"/>
+                          <a:chExt cx="1157732" cy="1157732"/>
+                        </a:xfrm>
+                      </p:grpSpPr>
+                      <p:pic>
+                        <p:nvPicPr>
+                          <p:cNvPr id="78" name="Picture 8" descr="Káº¿t quáº£ hÃ¬nh áº£nh cho bag icon outline">
+                            <a:extLst>
+                              <a:ext uri="{FF2B5EF4-FFF2-40B4-BE49-F238E27FC236}">
+                                <a16:creationId xmlns:a16="http://schemas.microsoft.com/office/drawing/2014/main" id="{23D0DD9D-A828-47CC-8F3F-5CE5E3A9C887}"/>
+                              </a:ext>
+                            </a:extLst>
+                          </p:cNvPr>
+                          <p:cNvPicPr>
+                            <a:picLocks noChangeAspect="1" noChangeArrowheads="1"/>
+                          </p:cNvPicPr>
+                          <p:nvPr/>
+                        </p:nvPicPr>
+                        <p:blipFill>
+                          <a:blip r:embed="rId7" cstate="email">
+                            <a:duotone>
+                              <a:schemeClr val="accent6">
+                                <a:shade val="45000"/>
+                                <a:satMod val="135000"/>
+                              </a:schemeClr>
+                              <a:prstClr val="white"/>
+                            </a:duotone>
+                            <a:extLst>
+                              <a:ext uri="{28A0092B-C50C-407E-A947-70E740481C1C}">
+                                <a14:useLocalDpi xmlns:a14="http://schemas.microsoft.com/office/drawing/2010/main" val="0"/>
+                              </a:ext>
+                            </a:extLst>
+                          </a:blip>
+                          <a:srcRect/>
+                          <a:stretch>
+                            <a:fillRect/>
+                          </a:stretch>
+                        </p:blipFill>
+                        <p:spPr bwMode="auto">
+                          <a:xfrm>
+                            <a:off x="8422624" y="3034205"/>
+                            <a:ext cx="1157732" cy="1157732"/>
+                          </a:xfrm>
+                          <a:prstGeom prst="rect">
+                            <a:avLst/>
+                          </a:prstGeom>
+                          <a:noFill/>
+                          <a:extLst>
+                            <a:ext uri="{909E8E84-426E-40DD-AFC4-6F175D3DCCD1}">
+                              <a14:hiddenFill xmlns:a14="http://schemas.microsoft.com/office/drawing/2010/main">
+                                <a:solidFill>
+                                  <a:srgbClr val="FFFFFF"/>
+                                </a:solidFill>
+                              </a14:hiddenFill>
+                            </a:ext>
+                          </a:extLst>
+                        </p:spPr>
+                      </p:pic>
+                      <p:sp>
+                        <p:nvSpPr>
+                          <p:cNvPr id="79" name="TextBox 78">
+                            <a:extLst>
+                              <a:ext uri="{FF2B5EF4-FFF2-40B4-BE49-F238E27FC236}">
+                                <a16:creationId xmlns:a16="http://schemas.microsoft.com/office/drawing/2014/main" id="{FC1BB3AA-7BDB-44DE-9EA2-07265159356D}"/>
+                              </a:ext>
+                            </a:extLst>
+                          </p:cNvPr>
+                          <p:cNvSpPr txBox="1"/>
+                          <p:nvPr/>
+                        </p:nvSpPr>
+                        <p:spPr>
+                          <a:xfrm>
+                            <a:off x="8803842" y="3552601"/>
+                            <a:ext cx="340158" cy="461665"/>
+                          </a:xfrm>
+                          <a:prstGeom prst="rect">
+                            <a:avLst/>
+                          </a:prstGeom>
+                          <a:noFill/>
+                        </p:spPr>
+                        <p:txBody>
+                          <a:bodyPr wrap="none" rtlCol="0">
+                            <a:spAutoFit/>
+                          </a:bodyPr>
+                          <a:lstStyle/>
+                          <a:p>
+                            <a:r>
+                              <a:rPr lang="en-US" sz="2400" b="1"/>
+                              <a:t>2</a:t>
+                            </a:r>
+                          </a:p>
+                        </p:txBody>
+                      </p:sp>
+                    </p:grpSp>
+                    <p:grpSp>
+                      <p:nvGrpSpPr>
+                        <p:cNvPr id="72" name="Group 71">
+                          <a:extLst>
+                            <a:ext uri="{FF2B5EF4-FFF2-40B4-BE49-F238E27FC236}">
+                              <a16:creationId xmlns:a16="http://schemas.microsoft.com/office/drawing/2014/main" id="{50C01E7E-DD76-472F-8DAC-C222879F0E49}"/>
+                            </a:ext>
+                          </a:extLst>
+                        </p:cNvPr>
+                        <p:cNvGrpSpPr/>
+                        <p:nvPr/>
+                      </p:nvGrpSpPr>
+                      <p:grpSpPr>
+                        <a:xfrm>
+                          <a:off x="6874955" y="3058857"/>
+                          <a:ext cx="1157732" cy="1157732"/>
+                          <a:chOff x="6874955" y="3058857"/>
+                          <a:chExt cx="1157732" cy="1157732"/>
+                        </a:xfrm>
+                      </p:grpSpPr>
+                      <p:pic>
+                        <p:nvPicPr>
+                          <p:cNvPr id="76" name="Picture 8" descr="Káº¿t quáº£ hÃ¬nh áº£nh cho bag icon outline">
+                            <a:extLst>
+                              <a:ext uri="{FF2B5EF4-FFF2-40B4-BE49-F238E27FC236}">
+                                <a16:creationId xmlns:a16="http://schemas.microsoft.com/office/drawing/2014/main" id="{AFC91328-734C-4348-B516-CB1D7917CEB9}"/>
+                              </a:ext>
+                            </a:extLst>
+                          </p:cNvPr>
+                          <p:cNvPicPr>
+                            <a:picLocks noChangeAspect="1" noChangeArrowheads="1"/>
+                          </p:cNvPicPr>
+                          <p:nvPr/>
+                        </p:nvPicPr>
+                        <p:blipFill>
+                          <a:blip r:embed="rId7" cstate="email">
+                            <a:duotone>
+                              <a:schemeClr val="accent6">
+                                <a:shade val="45000"/>
+                                <a:satMod val="135000"/>
+                              </a:schemeClr>
+                              <a:prstClr val="white"/>
+                            </a:duotone>
+                            <a:extLst>
+                              <a:ext uri="{28A0092B-C50C-407E-A947-70E740481C1C}">
+                                <a14:useLocalDpi xmlns:a14="http://schemas.microsoft.com/office/drawing/2010/main" val="0"/>
+                              </a:ext>
+                            </a:extLst>
+                          </a:blip>
+                          <a:srcRect/>
+                          <a:stretch>
+                            <a:fillRect/>
+                          </a:stretch>
+                        </p:blipFill>
+                        <p:spPr bwMode="auto">
+                          <a:xfrm>
+                            <a:off x="6874955" y="3058857"/>
+                            <a:ext cx="1157732" cy="1157732"/>
+                          </a:xfrm>
+                          <a:prstGeom prst="rect">
+                            <a:avLst/>
+                          </a:prstGeom>
+                          <a:noFill/>
+                          <a:extLst>
+                            <a:ext uri="{909E8E84-426E-40DD-AFC4-6F175D3DCCD1}">
+                              <a14:hiddenFill xmlns:a14="http://schemas.microsoft.com/office/drawing/2010/main">
+                                <a:solidFill>
+                                  <a:srgbClr val="FFFFFF"/>
+                                </a:solidFill>
+                              </a14:hiddenFill>
+                            </a:ext>
+                          </a:extLst>
+                        </p:spPr>
+                      </p:pic>
+                      <p:sp>
+                        <p:nvSpPr>
+                          <p:cNvPr id="77" name="TextBox 76">
+                            <a:extLst>
+                              <a:ext uri="{FF2B5EF4-FFF2-40B4-BE49-F238E27FC236}">
+                                <a16:creationId xmlns:a16="http://schemas.microsoft.com/office/drawing/2014/main" id="{3ACC676D-F75A-401E-829A-3BAE7243DF8E}"/>
+                              </a:ext>
+                            </a:extLst>
+                          </p:cNvPr>
+                          <p:cNvSpPr txBox="1"/>
+                          <p:nvPr/>
+                        </p:nvSpPr>
+                        <p:spPr>
+                          <a:xfrm>
+                            <a:off x="7283742" y="3571052"/>
+                            <a:ext cx="340158" cy="461665"/>
+                          </a:xfrm>
+                          <a:prstGeom prst="rect">
+                            <a:avLst/>
+                          </a:prstGeom>
+                          <a:noFill/>
+                        </p:spPr>
+                        <p:txBody>
+                          <a:bodyPr wrap="none" rtlCol="0">
+                            <a:spAutoFit/>
+                          </a:bodyPr>
+                          <a:lstStyle/>
+                          <a:p>
+                            <a:r>
+                              <a:rPr lang="en-US" sz="2400" b="1"/>
+                              <a:t>3</a:t>
+                            </a:r>
+                          </a:p>
+                        </p:txBody>
+                      </p:sp>
+                    </p:grpSp>
+                    <p:grpSp>
+                      <p:nvGrpSpPr>
+                        <p:cNvPr id="73" name="Group 72">
+                          <a:extLst>
+                            <a:ext uri="{FF2B5EF4-FFF2-40B4-BE49-F238E27FC236}">
+                              <a16:creationId xmlns:a16="http://schemas.microsoft.com/office/drawing/2014/main" id="{B6B97E3E-2373-4A7B-82A6-374B73362800}"/>
+                            </a:ext>
+                          </a:extLst>
+                        </p:cNvPr>
+                        <p:cNvGrpSpPr/>
+                        <p:nvPr/>
+                      </p:nvGrpSpPr>
+                      <p:grpSpPr>
+                        <a:xfrm>
+                          <a:off x="5207767" y="3034205"/>
+                          <a:ext cx="1157732" cy="1157732"/>
+                          <a:chOff x="5207767" y="3034205"/>
+                          <a:chExt cx="1157732" cy="1157732"/>
+                        </a:xfrm>
+                      </p:grpSpPr>
+                      <p:pic>
+                        <p:nvPicPr>
+                          <p:cNvPr id="74" name="Picture 8" descr="Káº¿t quáº£ hÃ¬nh áº£nh cho bag icon outline">
+                            <a:extLst>
+                              <a:ext uri="{FF2B5EF4-FFF2-40B4-BE49-F238E27FC236}">
+                                <a16:creationId xmlns:a16="http://schemas.microsoft.com/office/drawing/2014/main" id="{B8A99CFB-1179-44F1-BA3C-F5528045BA4C}"/>
+                              </a:ext>
+                            </a:extLst>
+                          </p:cNvPr>
+                          <p:cNvPicPr>
+                            <a:picLocks noChangeAspect="1" noChangeArrowheads="1"/>
+                          </p:cNvPicPr>
+                          <p:nvPr/>
+                        </p:nvPicPr>
+                        <p:blipFill>
+                          <a:blip r:embed="rId7" cstate="email">
+                            <a:duotone>
+                              <a:schemeClr val="accent6">
+                                <a:shade val="45000"/>
+                                <a:satMod val="135000"/>
+                              </a:schemeClr>
+                              <a:prstClr val="white"/>
+                            </a:duotone>
+                            <a:extLst>
+                              <a:ext uri="{28A0092B-C50C-407E-A947-70E740481C1C}">
+                                <a14:useLocalDpi xmlns:a14="http://schemas.microsoft.com/office/drawing/2010/main" val="0"/>
+                              </a:ext>
+                            </a:extLst>
+                          </a:blip>
+                          <a:srcRect/>
+                          <a:stretch>
+                            <a:fillRect/>
+                          </a:stretch>
+                        </p:blipFill>
+                        <p:spPr bwMode="auto">
+                          <a:xfrm>
+                            <a:off x="5207767" y="3034205"/>
+                            <a:ext cx="1157732" cy="1157732"/>
+                          </a:xfrm>
+                          <a:prstGeom prst="rect">
+                            <a:avLst/>
+                          </a:prstGeom>
+                          <a:noFill/>
+                          <a:extLst>
+                            <a:ext uri="{909E8E84-426E-40DD-AFC4-6F175D3DCCD1}">
+                              <a14:hiddenFill xmlns:a14="http://schemas.microsoft.com/office/drawing/2010/main">
+                                <a:solidFill>
+                                  <a:srgbClr val="FFFFFF"/>
+                                </a:solidFill>
+                              </a14:hiddenFill>
+                            </a:ext>
+                          </a:extLst>
+                        </p:spPr>
+                      </p:pic>
+                      <p:sp>
+                        <p:nvSpPr>
+                          <p:cNvPr id="75" name="TextBox 74">
+                            <a:extLst>
+                              <a:ext uri="{FF2B5EF4-FFF2-40B4-BE49-F238E27FC236}">
+                                <a16:creationId xmlns:a16="http://schemas.microsoft.com/office/drawing/2014/main" id="{87411BAB-9892-4ADF-BCB0-90CE3A329511}"/>
+                              </a:ext>
+                            </a:extLst>
+                          </p:cNvPr>
+                          <p:cNvSpPr txBox="1"/>
+                          <p:nvPr/>
+                        </p:nvSpPr>
+                        <p:spPr>
+                          <a:xfrm>
+                            <a:off x="5616554" y="3564609"/>
+                            <a:ext cx="340158" cy="461665"/>
+                          </a:xfrm>
+                          <a:prstGeom prst="rect">
+                            <a:avLst/>
+                          </a:prstGeom>
+                          <a:noFill/>
+                        </p:spPr>
+                        <p:txBody>
+                          <a:bodyPr wrap="none" rtlCol="0">
+                            <a:spAutoFit/>
+                          </a:bodyPr>
+                          <a:lstStyle/>
+                          <a:p>
+                            <a:r>
+                              <a:rPr lang="en-US" sz="2400" b="1"/>
+                              <a:t>4</a:t>
+                            </a:r>
+                          </a:p>
+                        </p:txBody>
+                      </p:sp>
+                    </p:grpSp>
+                  </p:grpSp>
+                  <p:grpSp>
+                    <p:nvGrpSpPr>
+                      <p:cNvPr id="82" name="Group 81">
+                        <a:extLst>
+                          <a:ext uri="{FF2B5EF4-FFF2-40B4-BE49-F238E27FC236}">
+                            <a16:creationId xmlns:a16="http://schemas.microsoft.com/office/drawing/2014/main" id="{E6164A91-D3E5-484E-85D6-77E453FE8C2F}"/>
+                          </a:ext>
+                        </a:extLst>
+                      </p:cNvPr>
+                      <p:cNvGrpSpPr/>
+                      <p:nvPr/>
+                    </p:nvGrpSpPr>
+                    <p:grpSpPr>
+                      <a:xfrm>
+                        <a:off x="5207767" y="8554710"/>
+                        <a:ext cx="6039777" cy="1182384"/>
+                        <a:chOff x="5207767" y="3034205"/>
+                        <a:chExt cx="6039777" cy="1182384"/>
+                      </a:xfrm>
+                    </p:grpSpPr>
+                    <p:grpSp>
+                      <p:nvGrpSpPr>
+                        <p:cNvPr id="83" name="Group 82">
+                          <a:extLst>
+                            <a:ext uri="{FF2B5EF4-FFF2-40B4-BE49-F238E27FC236}">
+                              <a16:creationId xmlns:a16="http://schemas.microsoft.com/office/drawing/2014/main" id="{2AEC9AB5-6575-4839-BA5E-F399DFC72C2B}"/>
+                            </a:ext>
+                          </a:extLst>
+                        </p:cNvPr>
+                        <p:cNvGrpSpPr/>
+                        <p:nvPr/>
+                      </p:nvGrpSpPr>
+                      <p:grpSpPr>
+                        <a:xfrm>
+                          <a:off x="10089812" y="3034205"/>
+                          <a:ext cx="1157732" cy="1157732"/>
+                          <a:chOff x="10089812" y="3034205"/>
+                          <a:chExt cx="1157732" cy="1157732"/>
+                        </a:xfrm>
+                      </p:grpSpPr>
+                      <p:pic>
+                        <p:nvPicPr>
+                          <p:cNvPr id="93" name="Picture 8" descr="Káº¿t quáº£ hÃ¬nh áº£nh cho bag icon outline">
+                            <a:extLst>
+                              <a:ext uri="{FF2B5EF4-FFF2-40B4-BE49-F238E27FC236}">
+                                <a16:creationId xmlns:a16="http://schemas.microsoft.com/office/drawing/2014/main" id="{24640674-E209-4DF4-8D8F-873B5E5D1B10}"/>
+                              </a:ext>
+                            </a:extLst>
+                          </p:cNvPr>
+                          <p:cNvPicPr>
+                            <a:picLocks noChangeAspect="1" noChangeArrowheads="1"/>
+                          </p:cNvPicPr>
+                          <p:nvPr/>
+                        </p:nvPicPr>
+                        <p:blipFill>
+                          <a:blip r:embed="rId7" cstate="email">
+                            <a:duotone>
+                              <a:schemeClr val="accent6">
+                                <a:shade val="45000"/>
+                                <a:satMod val="135000"/>
+                              </a:schemeClr>
+                              <a:prstClr val="white"/>
+                            </a:duotone>
+                            <a:extLst>
+                              <a:ext uri="{28A0092B-C50C-407E-A947-70E740481C1C}">
+                                <a14:useLocalDpi xmlns:a14="http://schemas.microsoft.com/office/drawing/2010/main" val="0"/>
+                              </a:ext>
+                            </a:extLst>
+                          </a:blip>
+                          <a:srcRect/>
+                          <a:stretch>
+                            <a:fillRect/>
+                          </a:stretch>
+                        </p:blipFill>
+                        <p:spPr bwMode="auto">
+                          <a:xfrm>
+                            <a:off x="10089812" y="3034205"/>
+                            <a:ext cx="1157732" cy="1157732"/>
+                          </a:xfrm>
+                          <a:prstGeom prst="rect">
+                            <a:avLst/>
+                          </a:prstGeom>
+                          <a:noFill/>
+                          <a:extLst>
+                            <a:ext uri="{909E8E84-426E-40DD-AFC4-6F175D3DCCD1}">
+                              <a14:hiddenFill xmlns:a14="http://schemas.microsoft.com/office/drawing/2010/main">
+                                <a:solidFill>
+                                  <a:srgbClr val="FFFFFF"/>
+                                </a:solidFill>
+                              </a14:hiddenFill>
+                            </a:ext>
+                          </a:extLst>
+                        </p:spPr>
+                      </p:pic>
+                      <p:sp>
+                        <p:nvSpPr>
+                          <p:cNvPr id="94" name="TextBox 93">
+                            <a:extLst>
+                              <a:ext uri="{FF2B5EF4-FFF2-40B4-BE49-F238E27FC236}">
+                                <a16:creationId xmlns:a16="http://schemas.microsoft.com/office/drawing/2014/main" id="{F93C00A7-BAE2-4B36-9F82-39759439DCDD}"/>
+                              </a:ext>
+                            </a:extLst>
+                          </p:cNvPr>
+                          <p:cNvSpPr txBox="1"/>
+                          <p:nvPr/>
+                        </p:nvSpPr>
+                        <p:spPr>
+                          <a:xfrm>
+                            <a:off x="10494670" y="3578015"/>
+                            <a:ext cx="340158" cy="461665"/>
+                          </a:xfrm>
+                          <a:prstGeom prst="rect">
+                            <a:avLst/>
+                          </a:prstGeom>
+                          <a:noFill/>
+                        </p:spPr>
+                        <p:txBody>
+                          <a:bodyPr wrap="none" rtlCol="0">
+                            <a:spAutoFit/>
+                          </a:bodyPr>
+                          <a:lstStyle/>
+                          <a:p>
+                            <a:r>
+                              <a:rPr lang="en-US" sz="2400" b="1"/>
+                              <a:t>1</a:t>
+                            </a:r>
+                          </a:p>
+                        </p:txBody>
+                      </p:sp>
+                    </p:grpSp>
+                    <p:grpSp>
+                      <p:nvGrpSpPr>
+                        <p:cNvPr id="84" name="Group 83">
+                          <a:extLst>
+                            <a:ext uri="{FF2B5EF4-FFF2-40B4-BE49-F238E27FC236}">
+                              <a16:creationId xmlns:a16="http://schemas.microsoft.com/office/drawing/2014/main" id="{6BE8FE5E-0147-45EA-A663-5F7027E6271B}"/>
+                            </a:ext>
+                          </a:extLst>
+                        </p:cNvPr>
+                        <p:cNvGrpSpPr/>
+                        <p:nvPr/>
+                      </p:nvGrpSpPr>
+                      <p:grpSpPr>
+                        <a:xfrm>
+                          <a:off x="8422624" y="3034205"/>
+                          <a:ext cx="1157732" cy="1157732"/>
+                          <a:chOff x="8422624" y="3034205"/>
+                          <a:chExt cx="1157732" cy="1157732"/>
+                        </a:xfrm>
+                      </p:grpSpPr>
+                      <p:pic>
+                        <p:nvPicPr>
+                          <p:cNvPr id="91" name="Picture 8" descr="Káº¿t quáº£ hÃ¬nh áº£nh cho bag icon outline">
+                            <a:extLst>
+                              <a:ext uri="{FF2B5EF4-FFF2-40B4-BE49-F238E27FC236}">
+                                <a16:creationId xmlns:a16="http://schemas.microsoft.com/office/drawing/2014/main" id="{FF21A905-5387-47DC-A285-7BE1F0873EF7}"/>
+                              </a:ext>
+                            </a:extLst>
+                          </p:cNvPr>
+                          <p:cNvPicPr>
+                            <a:picLocks noChangeAspect="1" noChangeArrowheads="1"/>
+                          </p:cNvPicPr>
+                          <p:nvPr/>
+                        </p:nvPicPr>
+                        <p:blipFill>
+                          <a:blip r:embed="rId7" cstate="email">
+                            <a:duotone>
+                              <a:schemeClr val="accent6">
+                                <a:shade val="45000"/>
+                                <a:satMod val="135000"/>
+                              </a:schemeClr>
+                              <a:prstClr val="white"/>
+                            </a:duotone>
+                            <a:extLst>
+                              <a:ext uri="{28A0092B-C50C-407E-A947-70E740481C1C}">
+                                <a14:useLocalDpi xmlns:a14="http://schemas.microsoft.com/office/drawing/2010/main" val="0"/>
+                              </a:ext>
+                            </a:extLst>
+                          </a:blip>
+                          <a:srcRect/>
+                          <a:stretch>
+                            <a:fillRect/>
+                          </a:stretch>
+                        </p:blipFill>
+                        <p:spPr bwMode="auto">
+                          <a:xfrm>
+                            <a:off x="8422624" y="3034205"/>
+                            <a:ext cx="1157732" cy="1157732"/>
+                          </a:xfrm>
+                          <a:prstGeom prst="rect">
+                            <a:avLst/>
+                          </a:prstGeom>
+                          <a:noFill/>
+                          <a:extLst>
+                            <a:ext uri="{909E8E84-426E-40DD-AFC4-6F175D3DCCD1}">
+                              <a14:hiddenFill xmlns:a14="http://schemas.microsoft.com/office/drawing/2010/main">
+                                <a:solidFill>
+                                  <a:srgbClr val="FFFFFF"/>
+                                </a:solidFill>
+                              </a14:hiddenFill>
+                            </a:ext>
+                          </a:extLst>
+                        </p:spPr>
+                      </p:pic>
+                      <p:sp>
+                        <p:nvSpPr>
+                          <p:cNvPr id="92" name="TextBox 91">
+                            <a:extLst>
+                              <a:ext uri="{FF2B5EF4-FFF2-40B4-BE49-F238E27FC236}">
+                                <a16:creationId xmlns:a16="http://schemas.microsoft.com/office/drawing/2014/main" id="{5DE9349A-60D8-4158-8F67-F7AA72E2B45E}"/>
+                              </a:ext>
+                            </a:extLst>
+                          </p:cNvPr>
+                          <p:cNvSpPr txBox="1"/>
+                          <p:nvPr/>
+                        </p:nvSpPr>
+                        <p:spPr>
+                          <a:xfrm>
+                            <a:off x="8803842" y="3552601"/>
+                            <a:ext cx="340158" cy="461665"/>
+                          </a:xfrm>
+                          <a:prstGeom prst="rect">
+                            <a:avLst/>
+                          </a:prstGeom>
+                          <a:noFill/>
+                        </p:spPr>
+                        <p:txBody>
+                          <a:bodyPr wrap="none" rtlCol="0">
+                            <a:spAutoFit/>
+                          </a:bodyPr>
+                          <a:lstStyle/>
+                          <a:p>
+                            <a:r>
+                              <a:rPr lang="en-US" sz="2400" b="1"/>
+                              <a:t>2</a:t>
+                            </a:r>
+                          </a:p>
+                        </p:txBody>
+                      </p:sp>
+                    </p:grpSp>
+                    <p:grpSp>
+                      <p:nvGrpSpPr>
+                        <p:cNvPr id="85" name="Group 84">
+                          <a:extLst>
+                            <a:ext uri="{FF2B5EF4-FFF2-40B4-BE49-F238E27FC236}">
+                              <a16:creationId xmlns:a16="http://schemas.microsoft.com/office/drawing/2014/main" id="{63928450-8138-4CE4-8EC9-DB6B2D5C6AC4}"/>
+                            </a:ext>
+                          </a:extLst>
+                        </p:cNvPr>
+                        <p:cNvGrpSpPr/>
+                        <p:nvPr/>
+                      </p:nvGrpSpPr>
+                      <p:grpSpPr>
+                        <a:xfrm>
+                          <a:off x="6874955" y="3058857"/>
+                          <a:ext cx="1157732" cy="1157732"/>
+                          <a:chOff x="6874955" y="3058857"/>
+                          <a:chExt cx="1157732" cy="1157732"/>
+                        </a:xfrm>
+                      </p:grpSpPr>
+                      <p:pic>
+                        <p:nvPicPr>
+                          <p:cNvPr id="89" name="Picture 8" descr="Káº¿t quáº£ hÃ¬nh áº£nh cho bag icon outline">
+                            <a:extLst>
+                              <a:ext uri="{FF2B5EF4-FFF2-40B4-BE49-F238E27FC236}">
+                                <a16:creationId xmlns:a16="http://schemas.microsoft.com/office/drawing/2014/main" id="{1B7AB2AE-0335-43F3-8C84-71943C8DE0F6}"/>
+                              </a:ext>
+                            </a:extLst>
+                          </p:cNvPr>
+                          <p:cNvPicPr>
+                            <a:picLocks noChangeAspect="1" noChangeArrowheads="1"/>
+                          </p:cNvPicPr>
+                          <p:nvPr/>
+                        </p:nvPicPr>
+                        <p:blipFill>
+                          <a:blip r:embed="rId7" cstate="email">
+                            <a:duotone>
+                              <a:schemeClr val="accent6">
+                                <a:shade val="45000"/>
+                                <a:satMod val="135000"/>
+                              </a:schemeClr>
+                              <a:prstClr val="white"/>
+                            </a:duotone>
+                            <a:extLst>
+                              <a:ext uri="{28A0092B-C50C-407E-A947-70E740481C1C}">
+                                <a14:useLocalDpi xmlns:a14="http://schemas.microsoft.com/office/drawing/2010/main" val="0"/>
+                              </a:ext>
+                            </a:extLst>
+                          </a:blip>
+                          <a:srcRect/>
+                          <a:stretch>
+                            <a:fillRect/>
+                          </a:stretch>
+                        </p:blipFill>
+                        <p:spPr bwMode="auto">
+                          <a:xfrm>
+                            <a:off x="6874955" y="3058857"/>
+                            <a:ext cx="1157732" cy="1157732"/>
+                          </a:xfrm>
+                          <a:prstGeom prst="rect">
+                            <a:avLst/>
+                          </a:prstGeom>
+                          <a:noFill/>
+                          <a:extLst>
+                            <a:ext uri="{909E8E84-426E-40DD-AFC4-6F175D3DCCD1}">
+                              <a14:hiddenFill xmlns:a14="http://schemas.microsoft.com/office/drawing/2010/main">
+                                <a:solidFill>
+                                  <a:srgbClr val="FFFFFF"/>
+                                </a:solidFill>
+                              </a14:hiddenFill>
+                            </a:ext>
+                          </a:extLst>
+                        </p:spPr>
+                      </p:pic>
+                      <p:sp>
+                        <p:nvSpPr>
+                          <p:cNvPr id="90" name="TextBox 89">
+                            <a:extLst>
+                              <a:ext uri="{FF2B5EF4-FFF2-40B4-BE49-F238E27FC236}">
+                                <a16:creationId xmlns:a16="http://schemas.microsoft.com/office/drawing/2014/main" id="{3EB1EC04-2A78-4D67-AF6A-65F3B2072557}"/>
+                              </a:ext>
+                            </a:extLst>
+                          </p:cNvPr>
+                          <p:cNvSpPr txBox="1"/>
+                          <p:nvPr/>
+                        </p:nvSpPr>
+                        <p:spPr>
+                          <a:xfrm>
+                            <a:off x="7283742" y="3571052"/>
+                            <a:ext cx="340158" cy="461665"/>
+                          </a:xfrm>
+                          <a:prstGeom prst="rect">
+                            <a:avLst/>
+                          </a:prstGeom>
+                          <a:noFill/>
+                        </p:spPr>
+                        <p:txBody>
+                          <a:bodyPr wrap="none" rtlCol="0">
+                            <a:spAutoFit/>
+                          </a:bodyPr>
+                          <a:lstStyle/>
+                          <a:p>
+                            <a:r>
+                              <a:rPr lang="en-US" sz="2400" b="1"/>
+                              <a:t>3</a:t>
+                            </a:r>
+                          </a:p>
+                        </p:txBody>
+                      </p:sp>
+                    </p:grpSp>
+                    <p:grpSp>
+                      <p:nvGrpSpPr>
+                        <p:cNvPr id="86" name="Group 85">
+                          <a:extLst>
+                            <a:ext uri="{FF2B5EF4-FFF2-40B4-BE49-F238E27FC236}">
+                              <a16:creationId xmlns:a16="http://schemas.microsoft.com/office/drawing/2014/main" id="{919404E0-529C-4474-B2FB-A79409D5E2C5}"/>
+                            </a:ext>
+                          </a:extLst>
+                        </p:cNvPr>
+                        <p:cNvGrpSpPr/>
+                        <p:nvPr/>
+                      </p:nvGrpSpPr>
+                      <p:grpSpPr>
+                        <a:xfrm>
+                          <a:off x="5207767" y="3034205"/>
+                          <a:ext cx="1157732" cy="1157732"/>
+                          <a:chOff x="5207767" y="3034205"/>
+                          <a:chExt cx="1157732" cy="1157732"/>
+                        </a:xfrm>
+                      </p:grpSpPr>
+                      <p:pic>
+                        <p:nvPicPr>
+                          <p:cNvPr id="87" name="Picture 8" descr="Káº¿t quáº£ hÃ¬nh áº£nh cho bag icon outline">
+                            <a:extLst>
+                              <a:ext uri="{FF2B5EF4-FFF2-40B4-BE49-F238E27FC236}">
+                                <a16:creationId xmlns:a16="http://schemas.microsoft.com/office/drawing/2014/main" id="{26FB7024-AB9E-44DF-AECB-C26DD1CCB319}"/>
+                              </a:ext>
+                            </a:extLst>
+                          </p:cNvPr>
+                          <p:cNvPicPr>
+                            <a:picLocks noChangeAspect="1" noChangeArrowheads="1"/>
+                          </p:cNvPicPr>
+                          <p:nvPr/>
+                        </p:nvPicPr>
+                        <p:blipFill>
+                          <a:blip r:embed="rId7" cstate="email">
+                            <a:duotone>
+                              <a:schemeClr val="accent6">
+                                <a:shade val="45000"/>
+                                <a:satMod val="135000"/>
+                              </a:schemeClr>
+                              <a:prstClr val="white"/>
+                            </a:duotone>
+                            <a:extLst>
+                              <a:ext uri="{28A0092B-C50C-407E-A947-70E740481C1C}">
+                                <a14:useLocalDpi xmlns:a14="http://schemas.microsoft.com/office/drawing/2010/main" val="0"/>
+                              </a:ext>
+                            </a:extLst>
+                          </a:blip>
+                          <a:srcRect/>
+                          <a:stretch>
+                            <a:fillRect/>
+                          </a:stretch>
+                        </p:blipFill>
+                        <p:spPr bwMode="auto">
+                          <a:xfrm>
+                            <a:off x="5207767" y="3034205"/>
+                            <a:ext cx="1157732" cy="1157732"/>
+                          </a:xfrm>
+                          <a:prstGeom prst="rect">
+                            <a:avLst/>
+                          </a:prstGeom>
+                          <a:noFill/>
+                          <a:extLst>
+                            <a:ext uri="{909E8E84-426E-40DD-AFC4-6F175D3DCCD1}">
+                              <a14:hiddenFill xmlns:a14="http://schemas.microsoft.com/office/drawing/2010/main">
+                                <a:solidFill>
+                                  <a:srgbClr val="FFFFFF"/>
+                                </a:solidFill>
+                              </a14:hiddenFill>
+                            </a:ext>
+                          </a:extLst>
+                        </p:spPr>
+                      </p:pic>
+                      <p:sp>
+                        <p:nvSpPr>
+                          <p:cNvPr id="88" name="TextBox 87">
+                            <a:extLst>
+                              <a:ext uri="{FF2B5EF4-FFF2-40B4-BE49-F238E27FC236}">
+                                <a16:creationId xmlns:a16="http://schemas.microsoft.com/office/drawing/2014/main" id="{4DDA02BF-85CA-4F80-A4E9-24E35F66F681}"/>
+                              </a:ext>
+                            </a:extLst>
+                          </p:cNvPr>
+                          <p:cNvSpPr txBox="1"/>
+                          <p:nvPr/>
+                        </p:nvSpPr>
+                        <p:spPr>
+                          <a:xfrm>
+                            <a:off x="5616554" y="3564609"/>
+                            <a:ext cx="340158" cy="461665"/>
+                          </a:xfrm>
+                          <a:prstGeom prst="rect">
+                            <a:avLst/>
+                          </a:prstGeom>
+                          <a:noFill/>
+                        </p:spPr>
+                        <p:txBody>
+                          <a:bodyPr wrap="none" rtlCol="0">
+                            <a:spAutoFit/>
+                          </a:bodyPr>
+                          <a:lstStyle/>
+                          <a:p>
+                            <a:r>
+                              <a:rPr lang="en-US" sz="2400" b="1"/>
+                              <a:t>4</a:t>
+                            </a:r>
+                          </a:p>
+                        </p:txBody>
+                      </p:sp>
+                    </p:grpSp>
+                  </p:grpSp>
+                  <p:pic>
+                    <p:nvPicPr>
+                      <p:cNvPr id="95" name="Picture 8" descr="Káº¿t quáº£ hÃ¬nh áº£nh cho bag icon outline">
+                        <a:extLst>
+                          <a:ext uri="{FF2B5EF4-FFF2-40B4-BE49-F238E27FC236}">
+                            <a16:creationId xmlns:a16="http://schemas.microsoft.com/office/drawing/2014/main" id="{B9ED1039-D98F-4534-879C-23914CF25AD1}"/>
                           </a:ext>
                         </a:extLst>
                       </p:cNvPr>
@@ -38352,14 +41031,7 @@
                       <p:nvPr/>
                     </p:nvPicPr>
                     <p:blipFill>
-                      <a:blip r:embed="rId6" cstate="email">
-                        <a:duotone>
-                          <a:schemeClr val="accent2">
-                            <a:shade val="45000"/>
-                            <a:satMod val="135000"/>
-                          </a:schemeClr>
-                          <a:prstClr val="white"/>
-                        </a:duotone>
+                      <a:blip r:embed="rId7" cstate="email">
                         <a:extLst>
                           <a:ext uri="{28A0092B-C50C-407E-A947-70E740481C1C}">
                             <a14:useLocalDpi xmlns:a14="http://schemas.microsoft.com/office/drawing/2010/main" val="0"/>
@@ -38373,30 +41045,20 @@
                     </p:blipFill>
                     <p:spPr bwMode="auto">
                       <a:xfrm>
-                        <a:off x="1815288" y="3298874"/>
+                        <a:off x="13155956" y="3124276"/>
                         <a:ext cx="1157732" cy="1157732"/>
                       </a:xfrm>
                       <a:prstGeom prst="rect">
                         <a:avLst/>
                       </a:prstGeom>
-                      <a:noFill/>
-                      <a:extLst>
-                        <a:ext uri="{909E8E84-426E-40DD-AFC4-6F175D3DCCD1}">
-                          <a14:hiddenFill xmlns:a14="http://schemas.microsoft.com/office/drawing/2010/main">
-                            <a:solidFill>
-                              <a:srgbClr val="FFFFFF"/>
-                            </a:solidFill>
-                          </a14:hiddenFill>
-                        </a:ext>
-                      </a:extLst>
                     </p:spPr>
                   </p:pic>
                   <p:pic>
                     <p:nvPicPr>
-                      <p:cNvPr id="49" name="Picture 8" descr="Káº¿t quáº£ hÃ¬nh áº£nh cho bag icon outline">
+                      <p:cNvPr id="102" name="Picture 8" descr="Káº¿t quáº£ hÃ¬nh áº£nh cho bag icon outline">
                         <a:extLst>
                           <a:ext uri="{FF2B5EF4-FFF2-40B4-BE49-F238E27FC236}">
-                            <a16:creationId xmlns:a16="http://schemas.microsoft.com/office/drawing/2014/main" id="{BEC3A021-B8C3-45AA-8C09-8D1391166DD3}"/>
+                            <a16:creationId xmlns:a16="http://schemas.microsoft.com/office/drawing/2014/main" id="{C7703F60-A33E-4A33-957D-297E701A8CC3}"/>
                           </a:ext>
                         </a:extLst>
                       </p:cNvPr>
@@ -38406,14 +41068,7 @@
                       <p:nvPr/>
                     </p:nvPicPr>
                     <p:blipFill>
-                      <a:blip r:embed="rId6" cstate="email">
-                        <a:duotone>
-                          <a:schemeClr val="accent2">
-                            <a:shade val="45000"/>
-                            <a:satMod val="135000"/>
-                          </a:schemeClr>
-                          <a:prstClr val="white"/>
-                        </a:duotone>
+                      <a:blip r:embed="rId7" cstate="email">
                         <a:extLst>
                           <a:ext uri="{28A0092B-C50C-407E-A947-70E740481C1C}">
                             <a14:useLocalDpi xmlns:a14="http://schemas.microsoft.com/office/drawing/2010/main" val="0"/>
@@ -38427,2165 +41082,298 @@
                     </p:blipFill>
                     <p:spPr bwMode="auto">
                       <a:xfrm>
-                        <a:off x="1794409" y="5061679"/>
+                        <a:off x="13050639" y="5888704"/>
                         <a:ext cx="1157732" cy="1157732"/>
                       </a:xfrm>
                       <a:prstGeom prst="rect">
                         <a:avLst/>
                       </a:prstGeom>
-                      <a:noFill/>
-                      <a:extLst>
-                        <a:ext uri="{909E8E84-426E-40DD-AFC4-6F175D3DCCD1}">
-                          <a14:hiddenFill xmlns:a14="http://schemas.microsoft.com/office/drawing/2010/main">
-                            <a:solidFill>
-                              <a:srgbClr val="FFFFFF"/>
-                            </a:solidFill>
-                          </a14:hiddenFill>
-                        </a:ext>
-                      </a:extLst>
                     </p:spPr>
                   </p:pic>
-                  <p:pic>
-                    <p:nvPicPr>
-                      <p:cNvPr id="50" name="Picture 8" descr="Káº¿t quáº£ hÃ¬nh áº£nh cho bag icon outline">
+                  <p:cxnSp>
+                    <p:nvCxnSpPr>
+                      <p:cNvPr id="65" name="Straight Connector 64">
                         <a:extLst>
                           <a:ext uri="{FF2B5EF4-FFF2-40B4-BE49-F238E27FC236}">
-                            <a16:creationId xmlns:a16="http://schemas.microsoft.com/office/drawing/2014/main" id="{762CDA86-1976-4A52-A9FF-B0F52F84E1EA}"/>
+                            <a16:creationId xmlns:a16="http://schemas.microsoft.com/office/drawing/2014/main" id="{7F5BB65D-C003-431F-8993-FDB104D231C1}"/>
                           </a:ext>
                         </a:extLst>
                       </p:cNvPr>
-                      <p:cNvPicPr>
-                        <a:picLocks noChangeAspect="1" noChangeArrowheads="1"/>
-                      </p:cNvPicPr>
+                      <p:cNvCxnSpPr/>
                       <p:nvPr/>
-                    </p:nvPicPr>
-                    <p:blipFill>
-                      <a:blip r:embed="rId6" cstate="email">
-                        <a:duotone>
-                          <a:schemeClr val="accent2">
-                            <a:shade val="45000"/>
-                            <a:satMod val="135000"/>
-                          </a:schemeClr>
-                          <a:prstClr val="white"/>
-                        </a:duotone>
-                        <a:extLst>
-                          <a:ext uri="{28A0092B-C50C-407E-A947-70E740481C1C}">
-                            <a14:useLocalDpi xmlns:a14="http://schemas.microsoft.com/office/drawing/2010/main" val="0"/>
-                          </a:ext>
-                        </a:extLst>
-                      </a:blip>
-                      <a:srcRect/>
-                      <a:stretch>
-                        <a:fillRect/>
-                      </a:stretch>
-                    </p:blipFill>
-                    <p:spPr bwMode="auto">
+                    </p:nvCxnSpPr>
+                    <p:spPr>
                       <a:xfrm>
-                        <a:off x="1794409" y="6761953"/>
-                        <a:ext cx="1157732" cy="1157732"/>
+                        <a:off x="13029875" y="8723086"/>
+                        <a:ext cx="1165776" cy="898286"/>
                       </a:xfrm>
-                      <a:prstGeom prst="rect">
+                      <a:prstGeom prst="line">
                         <a:avLst/>
                       </a:prstGeom>
-                      <a:noFill/>
-                      <a:extLst>
-                        <a:ext uri="{909E8E84-426E-40DD-AFC4-6F175D3DCCD1}">
-                          <a14:hiddenFill xmlns:a14="http://schemas.microsoft.com/office/drawing/2010/main">
-                            <a:solidFill>
-                              <a:srgbClr val="FFFFFF"/>
-                            </a:solidFill>
-                          </a14:hiddenFill>
-                        </a:ext>
-                      </a:extLst>
+                      <a:ln w="76200" cap="rnd">
+                        <a:solidFill>
+                          <a:srgbClr val="C00000"/>
+                        </a:solidFill>
+                      </a:ln>
                     </p:spPr>
-                  </p:pic>
-                  <p:pic>
-                    <p:nvPicPr>
-                      <p:cNvPr id="51" name="Picture 8" descr="Káº¿t quáº£ hÃ¬nh áº£nh cho bag icon outline">
+                    <p:style>
+                      <a:lnRef idx="1">
+                        <a:schemeClr val="accent1"/>
+                      </a:lnRef>
+                      <a:fillRef idx="0">
+                        <a:schemeClr val="accent1"/>
+                      </a:fillRef>
+                      <a:effectRef idx="0">
+                        <a:schemeClr val="accent1"/>
+                      </a:effectRef>
+                      <a:fontRef idx="minor">
+                        <a:schemeClr val="tx1"/>
+                      </a:fontRef>
+                    </p:style>
+                  </p:cxnSp>
+                  <p:cxnSp>
+                    <p:nvCxnSpPr>
+                      <p:cNvPr id="67" name="Straight Connector 66">
                         <a:extLst>
                           <a:ext uri="{FF2B5EF4-FFF2-40B4-BE49-F238E27FC236}">
-                            <a16:creationId xmlns:a16="http://schemas.microsoft.com/office/drawing/2014/main" id="{4FCBA7FC-067A-4129-BF7A-555B8AE39444}"/>
+                            <a16:creationId xmlns:a16="http://schemas.microsoft.com/office/drawing/2014/main" id="{97E36EB0-F65C-4418-95E5-3353E9AFEF01}"/>
                           </a:ext>
                         </a:extLst>
                       </p:cNvPr>
-                      <p:cNvPicPr>
-                        <a:picLocks noChangeAspect="1" noChangeArrowheads="1"/>
-                      </p:cNvPicPr>
+                      <p:cNvCxnSpPr/>
                       <p:nvPr/>
-                    </p:nvPicPr>
-                    <p:blipFill>
-                      <a:blip r:embed="rId6" cstate="email">
-                        <a:duotone>
-                          <a:schemeClr val="accent2">
-                            <a:shade val="45000"/>
-                            <a:satMod val="135000"/>
-                          </a:schemeClr>
-                          <a:prstClr val="white"/>
-                        </a:duotone>
+                    </p:nvCxnSpPr>
+                    <p:spPr>
+                      <a:xfrm flipV="1">
+                        <a:off x="13037919" y="8723086"/>
+                        <a:ext cx="1149688" cy="898286"/>
+                      </a:xfrm>
+                      <a:prstGeom prst="line">
+                        <a:avLst/>
+                      </a:prstGeom>
+                      <a:ln w="76200" cap="rnd">
+                        <a:solidFill>
+                          <a:srgbClr val="FF0000"/>
+                        </a:solidFill>
+                        <a:round/>
+                        <a:headEnd type="none"/>
+                      </a:ln>
+                    </p:spPr>
+                    <p:style>
+                      <a:lnRef idx="1">
+                        <a:schemeClr val="accent1"/>
+                      </a:lnRef>
+                      <a:fillRef idx="0">
+                        <a:schemeClr val="accent1"/>
+                      </a:fillRef>
+                      <a:effectRef idx="0">
+                        <a:schemeClr val="accent1"/>
+                      </a:effectRef>
+                      <a:fontRef idx="minor">
+                        <a:schemeClr val="tx1"/>
+                      </a:fontRef>
+                    </p:style>
+                  </p:cxnSp>
+                  <p:cxnSp>
+                    <p:nvCxnSpPr>
+                      <p:cNvPr id="107" name="Straight Arrow Connector 106">
                         <a:extLst>
-                          <a:ext uri="{28A0092B-C50C-407E-A947-70E740481C1C}">
-                            <a14:useLocalDpi xmlns:a14="http://schemas.microsoft.com/office/drawing/2010/main" val="0"/>
+                          <a:ext uri="{FF2B5EF4-FFF2-40B4-BE49-F238E27FC236}">
+                            <a16:creationId xmlns:a16="http://schemas.microsoft.com/office/drawing/2014/main" id="{653E8820-CDF0-46DA-B609-7CB0FD3D33FE}"/>
                           </a:ext>
                         </a:extLst>
-                      </a:blip>
-                      <a:srcRect/>
-                      <a:stretch>
-                        <a:fillRect/>
-                      </a:stretch>
-                    </p:blipFill>
-                    <p:spPr bwMode="auto">
-                      <a:xfrm>
-                        <a:off x="1815288" y="8463640"/>
-                        <a:ext cx="1157732" cy="1157732"/>
+                      </p:cNvPr>
+                      <p:cNvCxnSpPr>
+                        <a:stCxn id="26" idx="1"/>
+                        <a:endCxn id="43" idx="3"/>
+                      </p:cNvCxnSpPr>
+                      <p:nvPr/>
+                    </p:nvCxnSpPr>
+                    <p:spPr>
+                      <a:xfrm flipH="1">
+                        <a:off x="14392859" y="9156814"/>
+                        <a:ext cx="945468" cy="36112"/>
                       </a:xfrm>
-                      <a:prstGeom prst="rect">
+                      <a:prstGeom prst="straightConnector1">
                         <a:avLst/>
                       </a:prstGeom>
-                      <a:noFill/>
-                      <a:extLst>
-                        <a:ext uri="{909E8E84-426E-40DD-AFC4-6F175D3DCCD1}">
-                          <a14:hiddenFill xmlns:a14="http://schemas.microsoft.com/office/drawing/2010/main">
-                            <a:solidFill>
-                              <a:srgbClr val="FFFFFF"/>
-                            </a:solidFill>
-                          </a14:hiddenFill>
-                        </a:ext>
-                      </a:extLst>
+                      <a:ln w="57150" cap="rnd">
+                        <a:solidFill>
+                          <a:srgbClr val="2287D6"/>
+                        </a:solidFill>
+                        <a:tailEnd type="triangle"/>
+                      </a:ln>
                     </p:spPr>
-                  </p:pic>
+                    <p:style>
+                      <a:lnRef idx="1">
+                        <a:schemeClr val="accent1"/>
+                      </a:lnRef>
+                      <a:fillRef idx="0">
+                        <a:schemeClr val="accent1"/>
+                      </a:fillRef>
+                      <a:effectRef idx="0">
+                        <a:schemeClr val="accent1"/>
+                      </a:effectRef>
+                      <a:fontRef idx="minor">
+                        <a:schemeClr val="tx1"/>
+                      </a:fontRef>
+                    </p:style>
+                  </p:cxnSp>
                 </p:grpSp>
-              </p:grpSp>
-              <p:sp>
-                <p:nvSpPr>
-                  <p:cNvPr id="24" name="TextBox 23">
-                    <a:extLst>
-                      <a:ext uri="{FF2B5EF4-FFF2-40B4-BE49-F238E27FC236}">
-                        <a16:creationId xmlns:a16="http://schemas.microsoft.com/office/drawing/2014/main" id="{7F1F7563-CF94-4D68-8A75-17B4882DECDD}"/>
-                      </a:ext>
-                    </a:extLst>
-                  </p:cNvPr>
-                  <p:cNvSpPr txBox="1"/>
-                  <p:nvPr/>
-                </p:nvSpPr>
-                <p:spPr>
-                  <a:xfrm>
-                    <a:off x="766916" y="10543162"/>
-                    <a:ext cx="3362632" cy="584775"/>
-                  </a:xfrm>
-                  <a:prstGeom prst="rect">
-                    <a:avLst/>
-                  </a:prstGeom>
-                  <a:noFill/>
-                </p:spPr>
-                <p:txBody>
-                  <a:bodyPr wrap="square" rtlCol="0">
-                    <a:spAutoFit/>
-                  </a:bodyPr>
-                  <a:lstStyle/>
-                  <a:p>
-                    <a:pPr algn="ctr"/>
-                    <a:r>
-                      <a:rPr lang="en-US" sz="3200" b="1">
-                        <a:solidFill>
-                          <a:srgbClr val="445469"/>
-                        </a:solidFill>
-                      </a:rPr>
-                      <a:t>Đang chờ lấy đồ</a:t>
-                    </a:r>
-                  </a:p>
-                </p:txBody>
-              </p:sp>
-              <p:sp>
-                <p:nvSpPr>
-                  <p:cNvPr id="53" name="TextBox 52">
-                    <a:extLst>
-                      <a:ext uri="{FF2B5EF4-FFF2-40B4-BE49-F238E27FC236}">
-                        <a16:creationId xmlns:a16="http://schemas.microsoft.com/office/drawing/2014/main" id="{C68F6701-C235-4F05-92F1-F9C83E309782}"/>
-                      </a:ext>
-                    </a:extLst>
-                  </p:cNvPr>
-                  <p:cNvSpPr txBox="1"/>
-                  <p:nvPr/>
-                </p:nvSpPr>
-                <p:spPr>
-                  <a:xfrm>
-                    <a:off x="6482362" y="10543162"/>
-                    <a:ext cx="3362632" cy="584775"/>
-                  </a:xfrm>
-                  <a:prstGeom prst="rect">
-                    <a:avLst/>
-                  </a:prstGeom>
-                  <a:noFill/>
-                </p:spPr>
-                <p:txBody>
-                  <a:bodyPr wrap="square" rtlCol="0">
-                    <a:spAutoFit/>
-                  </a:bodyPr>
-                  <a:lstStyle/>
-                  <a:p>
-                    <a:pPr algn="ctr"/>
-                    <a:r>
-                      <a:rPr lang="en-US" sz="3200" b="1">
-                        <a:solidFill>
-                          <a:srgbClr val="445469"/>
-                        </a:solidFill>
-                      </a:rPr>
-                      <a:t>Đang chờ xử lí</a:t>
-                    </a:r>
-                  </a:p>
-                </p:txBody>
-              </p:sp>
-              <p:sp>
-                <p:nvSpPr>
-                  <p:cNvPr id="54" name="TextBox 53">
-                    <a:extLst>
-                      <a:ext uri="{FF2B5EF4-FFF2-40B4-BE49-F238E27FC236}">
-                        <a16:creationId xmlns:a16="http://schemas.microsoft.com/office/drawing/2014/main" id="{18D611F0-A831-4578-B5BF-E42CC4338868}"/>
-                      </a:ext>
-                    </a:extLst>
-                  </p:cNvPr>
-                  <p:cNvSpPr txBox="1"/>
-                  <p:nvPr/>
-                </p:nvSpPr>
-                <p:spPr>
-                  <a:xfrm>
-                    <a:off x="11913290" y="10543162"/>
-                    <a:ext cx="3362632" cy="584775"/>
-                  </a:xfrm>
-                  <a:prstGeom prst="rect">
-                    <a:avLst/>
-                  </a:prstGeom>
-                  <a:noFill/>
-                </p:spPr>
-                <p:txBody>
-                  <a:bodyPr wrap="square" rtlCol="0">
-                    <a:spAutoFit/>
-                  </a:bodyPr>
-                  <a:lstStyle/>
-                  <a:p>
-                    <a:pPr algn="ctr"/>
-                    <a:r>
-                      <a:rPr lang="en-US" sz="3200" b="1">
-                        <a:solidFill>
-                          <a:srgbClr val="445469"/>
-                        </a:solidFill>
-                      </a:rPr>
-                      <a:t>Đang xử lí</a:t>
-                    </a:r>
-                  </a:p>
-                </p:txBody>
-              </p:sp>
-              <p:sp>
-                <p:nvSpPr>
-                  <p:cNvPr id="55" name="TextBox 54">
-                    <a:extLst>
-                      <a:ext uri="{FF2B5EF4-FFF2-40B4-BE49-F238E27FC236}">
-                        <a16:creationId xmlns:a16="http://schemas.microsoft.com/office/drawing/2014/main" id="{EF8CA79E-FD5C-4CA2-907D-AE7C9877994D}"/>
-                      </a:ext>
-                    </a:extLst>
-                  </p:cNvPr>
-                  <p:cNvSpPr txBox="1"/>
-                  <p:nvPr/>
-                </p:nvSpPr>
-                <p:spPr>
-                  <a:xfrm>
-                    <a:off x="14608276" y="10519463"/>
-                    <a:ext cx="3362632" cy="584775"/>
-                  </a:xfrm>
-                  <a:prstGeom prst="rect">
-                    <a:avLst/>
-                  </a:prstGeom>
-                  <a:noFill/>
-                </p:spPr>
-                <p:txBody>
-                  <a:bodyPr wrap="square" rtlCol="0">
-                    <a:spAutoFit/>
-                  </a:bodyPr>
-                  <a:lstStyle/>
-                  <a:p>
-                    <a:pPr algn="ctr"/>
-                    <a:r>
-                      <a:rPr lang="en-US" sz="3200" b="1">
-                        <a:solidFill>
-                          <a:srgbClr val="445469"/>
-                        </a:solidFill>
-                      </a:rPr>
-                      <a:t>Máy giặt</a:t>
-                    </a:r>
-                  </a:p>
-                </p:txBody>
-              </p:sp>
-              <p:grpSp>
-                <p:nvGrpSpPr>
-                  <p:cNvPr id="48" name="Group 47">
-                    <a:extLst>
-                      <a:ext uri="{FF2B5EF4-FFF2-40B4-BE49-F238E27FC236}">
-                        <a16:creationId xmlns:a16="http://schemas.microsoft.com/office/drawing/2014/main" id="{FBC2EC30-99BA-426C-B148-9C47CA7746CF}"/>
-                      </a:ext>
-                    </a:extLst>
-                  </p:cNvPr>
-                  <p:cNvGrpSpPr/>
-                  <p:nvPr/>
-                </p:nvGrpSpPr>
-                <p:grpSpPr>
-                  <a:xfrm>
-                    <a:off x="5207767" y="3034205"/>
-                    <a:ext cx="6039777" cy="1182384"/>
-                    <a:chOff x="5207767" y="3034205"/>
-                    <a:chExt cx="6039777" cy="1182384"/>
-                  </a:xfrm>
-                </p:grpSpPr>
-                <p:grpSp>
-                  <p:nvGrpSpPr>
-                    <p:cNvPr id="44" name="Group 43">
+                <p:cxnSp>
+                  <p:nvCxnSpPr>
+                    <p:cNvPr id="109" name="Straight Arrow Connector 108">
                       <a:extLst>
                         <a:ext uri="{FF2B5EF4-FFF2-40B4-BE49-F238E27FC236}">
-                          <a16:creationId xmlns:a16="http://schemas.microsoft.com/office/drawing/2014/main" id="{8152185E-4A63-41BF-98C9-7253985CAC34}"/>
+                          <a16:creationId xmlns:a16="http://schemas.microsoft.com/office/drawing/2014/main" id="{82CBFD16-720F-42AE-922A-43424BB445D1}"/>
                         </a:ext>
                       </a:extLst>
                     </p:cNvPr>
-                    <p:cNvGrpSpPr/>
+                    <p:cNvCxnSpPr>
+                      <a:cxnSpLocks/>
+                      <a:endCxn id="40" idx="3"/>
+                    </p:cNvCxnSpPr>
                     <p:nvPr/>
-                  </p:nvGrpSpPr>
-                  <p:grpSpPr>
-                    <a:xfrm>
-                      <a:off x="10089812" y="3034205"/>
-                      <a:ext cx="1157732" cy="1157732"/>
-                      <a:chOff x="10089812" y="3034205"/>
-                      <a:chExt cx="1157732" cy="1157732"/>
+                  </p:nvCxnSpPr>
+                  <p:spPr>
+                    <a:xfrm flipH="1">
+                      <a:off x="14392859" y="6432890"/>
+                      <a:ext cx="945469" cy="0"/>
                     </a:xfrm>
-                  </p:grpSpPr>
-                  <p:pic>
-                    <p:nvPicPr>
-                      <p:cNvPr id="58" name="Picture 8" descr="Káº¿t quáº£ hÃ¬nh áº£nh cho bag icon outline">
-                        <a:extLst>
-                          <a:ext uri="{FF2B5EF4-FFF2-40B4-BE49-F238E27FC236}">
-                            <a16:creationId xmlns:a16="http://schemas.microsoft.com/office/drawing/2014/main" id="{3A4899C0-7B8F-414D-8B00-862C1600FBEE}"/>
-                          </a:ext>
-                        </a:extLst>
-                      </p:cNvPr>
-                      <p:cNvPicPr>
-                        <a:picLocks noChangeAspect="1" noChangeArrowheads="1"/>
-                      </p:cNvPicPr>
-                      <p:nvPr/>
-                    </p:nvPicPr>
-                    <p:blipFill>
-                      <a:blip r:embed="rId6" cstate="email">
-                        <a:duotone>
-                          <a:schemeClr val="accent6">
-                            <a:shade val="45000"/>
-                            <a:satMod val="135000"/>
-                          </a:schemeClr>
-                          <a:prstClr val="white"/>
-                        </a:duotone>
-                        <a:extLst>
-                          <a:ext uri="{28A0092B-C50C-407E-A947-70E740481C1C}">
-                            <a14:useLocalDpi xmlns:a14="http://schemas.microsoft.com/office/drawing/2010/main" val="0"/>
-                          </a:ext>
-                        </a:extLst>
-                      </a:blip>
-                      <a:srcRect/>
-                      <a:stretch>
-                        <a:fillRect/>
-                      </a:stretch>
-                    </p:blipFill>
-                    <p:spPr bwMode="auto">
-                      <a:xfrm>
-                        <a:off x="10089812" y="3034205"/>
-                        <a:ext cx="1157732" cy="1157732"/>
-                      </a:xfrm>
-                      <a:prstGeom prst="rect">
-                        <a:avLst/>
-                      </a:prstGeom>
-                      <a:noFill/>
-                      <a:extLst>
-                        <a:ext uri="{909E8E84-426E-40DD-AFC4-6F175D3DCCD1}">
-                          <a14:hiddenFill xmlns:a14="http://schemas.microsoft.com/office/drawing/2010/main">
-                            <a:solidFill>
-                              <a:srgbClr val="FFFFFF"/>
-                            </a:solidFill>
-                          </a14:hiddenFill>
-                        </a:ext>
-                      </a:extLst>
-                    </p:spPr>
-                  </p:pic>
-                  <p:sp>
-                    <p:nvSpPr>
-                      <p:cNvPr id="27" name="TextBox 26">
-                        <a:extLst>
-                          <a:ext uri="{FF2B5EF4-FFF2-40B4-BE49-F238E27FC236}">
-                            <a16:creationId xmlns:a16="http://schemas.microsoft.com/office/drawing/2014/main" id="{D7715600-B9D9-42A0-ABC4-7F373E932CD4}"/>
-                          </a:ext>
-                        </a:extLst>
-                      </p:cNvPr>
-                      <p:cNvSpPr txBox="1"/>
-                      <p:nvPr/>
-                    </p:nvSpPr>
-                    <p:spPr>
-                      <a:xfrm>
-                        <a:off x="10494670" y="3578015"/>
-                        <a:ext cx="340158" cy="461665"/>
-                      </a:xfrm>
-                      <a:prstGeom prst="rect">
-                        <a:avLst/>
-                      </a:prstGeom>
-                      <a:noFill/>
-                    </p:spPr>
-                    <p:txBody>
-                      <a:bodyPr wrap="none" rtlCol="0">
-                        <a:spAutoFit/>
-                      </a:bodyPr>
-                      <a:lstStyle/>
-                      <a:p>
-                        <a:r>
-                          <a:rPr lang="en-US" sz="2400" b="1"/>
-                          <a:t>1</a:t>
-                        </a:r>
-                      </a:p>
-                    </p:txBody>
-                  </p:sp>
-                </p:grpSp>
-                <p:grpSp>
-                  <p:nvGrpSpPr>
-                    <p:cNvPr id="45" name="Group 44">
+                    <a:prstGeom prst="straightConnector1">
+                      <a:avLst/>
+                    </a:prstGeom>
+                    <a:ln w="57150" cap="rnd">
+                      <a:solidFill>
+                        <a:srgbClr val="2287D6"/>
+                      </a:solidFill>
+                      <a:tailEnd type="triangle"/>
+                    </a:ln>
+                  </p:spPr>
+                  <p:style>
+                    <a:lnRef idx="1">
+                      <a:schemeClr val="accent1"/>
+                    </a:lnRef>
+                    <a:fillRef idx="0">
+                      <a:schemeClr val="accent1"/>
+                    </a:fillRef>
+                    <a:effectRef idx="0">
+                      <a:schemeClr val="accent1"/>
+                    </a:effectRef>
+                    <a:fontRef idx="minor">
+                      <a:schemeClr val="tx1"/>
+                    </a:fontRef>
+                  </p:style>
+                </p:cxnSp>
+                <p:cxnSp>
+                  <p:nvCxnSpPr>
+                    <p:cNvPr id="111" name="Straight Arrow Connector 110">
                       <a:extLst>
                         <a:ext uri="{FF2B5EF4-FFF2-40B4-BE49-F238E27FC236}">
-                          <a16:creationId xmlns:a16="http://schemas.microsoft.com/office/drawing/2014/main" id="{4EEB4758-4B98-430A-96A8-B6050786ADDB}"/>
+                          <a16:creationId xmlns:a16="http://schemas.microsoft.com/office/drawing/2014/main" id="{C8D5BF34-12D6-4FC1-8AF6-ABF9ECAE29ED}"/>
                         </a:ext>
                       </a:extLst>
                     </p:cNvPr>
-                    <p:cNvGrpSpPr/>
+                    <p:cNvCxnSpPr>
+                      <a:stCxn id="9222" idx="1"/>
+                      <a:endCxn id="39" idx="3"/>
+                    </p:cNvCxnSpPr>
                     <p:nvPr/>
-                  </p:nvGrpSpPr>
-                  <p:grpSpPr>
-                    <a:xfrm>
-                      <a:off x="8422624" y="3034205"/>
-                      <a:ext cx="1157732" cy="1157732"/>
-                      <a:chOff x="8422624" y="3034205"/>
-                      <a:chExt cx="1157732" cy="1157732"/>
+                  </p:nvCxnSpPr>
+                  <p:spPr>
+                    <a:xfrm flipH="1">
+                      <a:off x="14490459" y="3703142"/>
+                      <a:ext cx="785463" cy="0"/>
                     </a:xfrm>
-                  </p:grpSpPr>
-                  <p:pic>
-                    <p:nvPicPr>
-                      <p:cNvPr id="57" name="Picture 8" descr="Káº¿t quáº£ hÃ¬nh áº£nh cho bag icon outline">
-                        <a:extLst>
-                          <a:ext uri="{FF2B5EF4-FFF2-40B4-BE49-F238E27FC236}">
-                            <a16:creationId xmlns:a16="http://schemas.microsoft.com/office/drawing/2014/main" id="{23FA5144-6DF5-4482-A799-1DF7FE5FEB99}"/>
-                          </a:ext>
-                        </a:extLst>
-                      </p:cNvPr>
-                      <p:cNvPicPr>
-                        <a:picLocks noChangeAspect="1" noChangeArrowheads="1"/>
-                      </p:cNvPicPr>
-                      <p:nvPr/>
-                    </p:nvPicPr>
-                    <p:blipFill>
-                      <a:blip r:embed="rId6" cstate="email">
-                        <a:duotone>
-                          <a:schemeClr val="accent6">
-                            <a:shade val="45000"/>
-                            <a:satMod val="135000"/>
-                          </a:schemeClr>
-                          <a:prstClr val="white"/>
-                        </a:duotone>
-                        <a:extLst>
-                          <a:ext uri="{28A0092B-C50C-407E-A947-70E740481C1C}">
-                            <a14:useLocalDpi xmlns:a14="http://schemas.microsoft.com/office/drawing/2010/main" val="0"/>
-                          </a:ext>
-                        </a:extLst>
-                      </a:blip>
-                      <a:srcRect/>
-                      <a:stretch>
-                        <a:fillRect/>
-                      </a:stretch>
-                    </p:blipFill>
-                    <p:spPr bwMode="auto">
-                      <a:xfrm>
-                        <a:off x="8422624" y="3034205"/>
-                        <a:ext cx="1157732" cy="1157732"/>
-                      </a:xfrm>
-                      <a:prstGeom prst="rect">
-                        <a:avLst/>
-                      </a:prstGeom>
-                      <a:noFill/>
-                      <a:extLst>
-                        <a:ext uri="{909E8E84-426E-40DD-AFC4-6F175D3DCCD1}">
-                          <a14:hiddenFill xmlns:a14="http://schemas.microsoft.com/office/drawing/2010/main">
-                            <a:solidFill>
-                              <a:srgbClr val="FFFFFF"/>
-                            </a:solidFill>
-                          </a14:hiddenFill>
-                        </a:ext>
-                      </a:extLst>
-                    </p:spPr>
-                  </p:pic>
-                  <p:sp>
-                    <p:nvSpPr>
-                      <p:cNvPr id="61" name="TextBox 60">
-                        <a:extLst>
-                          <a:ext uri="{FF2B5EF4-FFF2-40B4-BE49-F238E27FC236}">
-                            <a16:creationId xmlns:a16="http://schemas.microsoft.com/office/drawing/2014/main" id="{2F5F9357-0186-4642-B32A-BCAD8D61ADBC}"/>
-                          </a:ext>
-                        </a:extLst>
-                      </p:cNvPr>
-                      <p:cNvSpPr txBox="1"/>
-                      <p:nvPr/>
-                    </p:nvSpPr>
-                    <p:spPr>
-                      <a:xfrm>
-                        <a:off x="8803842" y="3552601"/>
-                        <a:ext cx="340158" cy="461665"/>
-                      </a:xfrm>
-                      <a:prstGeom prst="rect">
-                        <a:avLst/>
-                      </a:prstGeom>
-                      <a:noFill/>
-                    </p:spPr>
-                    <p:txBody>
-                      <a:bodyPr wrap="none" rtlCol="0">
-                        <a:spAutoFit/>
-                      </a:bodyPr>
-                      <a:lstStyle/>
-                      <a:p>
-                        <a:r>
-                          <a:rPr lang="en-US" sz="2400" b="1"/>
-                          <a:t>1</a:t>
-                        </a:r>
-                      </a:p>
-                    </p:txBody>
-                  </p:sp>
-                </p:grpSp>
-                <p:grpSp>
-                  <p:nvGrpSpPr>
-                    <p:cNvPr id="46" name="Group 45">
-                      <a:extLst>
-                        <a:ext uri="{FF2B5EF4-FFF2-40B4-BE49-F238E27FC236}">
-                          <a16:creationId xmlns:a16="http://schemas.microsoft.com/office/drawing/2014/main" id="{0663DA3B-B553-4342-A1F2-85E2D500F2D2}"/>
-                        </a:ext>
-                      </a:extLst>
-                    </p:cNvPr>
-                    <p:cNvGrpSpPr/>
-                    <p:nvPr/>
-                  </p:nvGrpSpPr>
-                  <p:grpSpPr>
-                    <a:xfrm>
-                      <a:off x="6874955" y="3058857"/>
-                      <a:ext cx="1157732" cy="1157732"/>
-                      <a:chOff x="6874955" y="3058857"/>
-                      <a:chExt cx="1157732" cy="1157732"/>
-                    </a:xfrm>
-                  </p:grpSpPr>
-                  <p:pic>
-                    <p:nvPicPr>
-                      <p:cNvPr id="56" name="Picture 8" descr="Káº¿t quáº£ hÃ¬nh áº£nh cho bag icon outline">
-                        <a:extLst>
-                          <a:ext uri="{FF2B5EF4-FFF2-40B4-BE49-F238E27FC236}">
-                            <a16:creationId xmlns:a16="http://schemas.microsoft.com/office/drawing/2014/main" id="{19AAE2B8-B801-4B0A-BE9E-E5EF7C480A28}"/>
-                          </a:ext>
-                        </a:extLst>
-                      </p:cNvPr>
-                      <p:cNvPicPr>
-                        <a:picLocks noChangeAspect="1" noChangeArrowheads="1"/>
-                      </p:cNvPicPr>
-                      <p:nvPr/>
-                    </p:nvPicPr>
-                    <p:blipFill>
-                      <a:blip r:embed="rId6" cstate="email">
-                        <a:duotone>
-                          <a:schemeClr val="accent6">
-                            <a:shade val="45000"/>
-                            <a:satMod val="135000"/>
-                          </a:schemeClr>
-                          <a:prstClr val="white"/>
-                        </a:duotone>
-                        <a:extLst>
-                          <a:ext uri="{28A0092B-C50C-407E-A947-70E740481C1C}">
-                            <a14:useLocalDpi xmlns:a14="http://schemas.microsoft.com/office/drawing/2010/main" val="0"/>
-                          </a:ext>
-                        </a:extLst>
-                      </a:blip>
-                      <a:srcRect/>
-                      <a:stretch>
-                        <a:fillRect/>
-                      </a:stretch>
-                    </p:blipFill>
-                    <p:spPr bwMode="auto">
-                      <a:xfrm>
-                        <a:off x="6874955" y="3058857"/>
-                        <a:ext cx="1157732" cy="1157732"/>
-                      </a:xfrm>
-                      <a:prstGeom prst="rect">
-                        <a:avLst/>
-                      </a:prstGeom>
-                      <a:noFill/>
-                      <a:extLst>
-                        <a:ext uri="{909E8E84-426E-40DD-AFC4-6F175D3DCCD1}">
-                          <a14:hiddenFill xmlns:a14="http://schemas.microsoft.com/office/drawing/2010/main">
-                            <a:solidFill>
-                              <a:srgbClr val="FFFFFF"/>
-                            </a:solidFill>
-                          </a14:hiddenFill>
-                        </a:ext>
-                      </a:extLst>
-                    </p:spPr>
-                  </p:pic>
-                  <p:sp>
-                    <p:nvSpPr>
-                      <p:cNvPr id="62" name="TextBox 61">
-                        <a:extLst>
-                          <a:ext uri="{FF2B5EF4-FFF2-40B4-BE49-F238E27FC236}">
-                            <a16:creationId xmlns:a16="http://schemas.microsoft.com/office/drawing/2014/main" id="{20A2648D-5054-4B45-87F0-1EB2C8E25704}"/>
-                          </a:ext>
-                        </a:extLst>
-                      </p:cNvPr>
-                      <p:cNvSpPr txBox="1"/>
-                      <p:nvPr/>
-                    </p:nvSpPr>
-                    <p:spPr>
-                      <a:xfrm>
-                        <a:off x="7283742" y="3571052"/>
-                        <a:ext cx="340158" cy="461665"/>
-                      </a:xfrm>
-                      <a:prstGeom prst="rect">
-                        <a:avLst/>
-                      </a:prstGeom>
-                      <a:noFill/>
-                    </p:spPr>
-                    <p:txBody>
-                      <a:bodyPr wrap="none" rtlCol="0">
-                        <a:spAutoFit/>
-                      </a:bodyPr>
-                      <a:lstStyle/>
-                      <a:p>
-                        <a:r>
-                          <a:rPr lang="en-US" sz="2400" b="1"/>
-                          <a:t>3</a:t>
-                        </a:r>
-                      </a:p>
-                    </p:txBody>
-                  </p:sp>
-                </p:grpSp>
-                <p:grpSp>
-                  <p:nvGrpSpPr>
-                    <p:cNvPr id="47" name="Group 46">
-                      <a:extLst>
-                        <a:ext uri="{FF2B5EF4-FFF2-40B4-BE49-F238E27FC236}">
-                          <a16:creationId xmlns:a16="http://schemas.microsoft.com/office/drawing/2014/main" id="{C5A7CB2D-7979-437B-8CE1-3111471E55C6}"/>
-                        </a:ext>
-                      </a:extLst>
-                    </p:cNvPr>
-                    <p:cNvGrpSpPr/>
-                    <p:nvPr/>
-                  </p:nvGrpSpPr>
-                  <p:grpSpPr>
-                    <a:xfrm>
-                      <a:off x="5207767" y="3034205"/>
-                      <a:ext cx="1157732" cy="1157732"/>
-                      <a:chOff x="5207767" y="3034205"/>
-                      <a:chExt cx="1157732" cy="1157732"/>
-                    </a:xfrm>
-                  </p:grpSpPr>
-                  <p:pic>
-                    <p:nvPicPr>
-                      <p:cNvPr id="59" name="Picture 8" descr="Káº¿t quáº£ hÃ¬nh áº£nh cho bag icon outline">
-                        <a:extLst>
-                          <a:ext uri="{FF2B5EF4-FFF2-40B4-BE49-F238E27FC236}">
-                            <a16:creationId xmlns:a16="http://schemas.microsoft.com/office/drawing/2014/main" id="{72C3E691-8132-46A4-B20D-45B09BA277FA}"/>
-                          </a:ext>
-                        </a:extLst>
-                      </p:cNvPr>
-                      <p:cNvPicPr>
-                        <a:picLocks noChangeAspect="1" noChangeArrowheads="1"/>
-                      </p:cNvPicPr>
-                      <p:nvPr/>
-                    </p:nvPicPr>
-                    <p:blipFill>
-                      <a:blip r:embed="rId6" cstate="email">
-                        <a:duotone>
-                          <a:schemeClr val="accent6">
-                            <a:shade val="45000"/>
-                            <a:satMod val="135000"/>
-                          </a:schemeClr>
-                          <a:prstClr val="white"/>
-                        </a:duotone>
-                        <a:extLst>
-                          <a:ext uri="{28A0092B-C50C-407E-A947-70E740481C1C}">
-                            <a14:useLocalDpi xmlns:a14="http://schemas.microsoft.com/office/drawing/2010/main" val="0"/>
-                          </a:ext>
-                        </a:extLst>
-                      </a:blip>
-                      <a:srcRect/>
-                      <a:stretch>
-                        <a:fillRect/>
-                      </a:stretch>
-                    </p:blipFill>
-                    <p:spPr bwMode="auto">
-                      <a:xfrm>
-                        <a:off x="5207767" y="3034205"/>
-                        <a:ext cx="1157732" cy="1157732"/>
-                      </a:xfrm>
-                      <a:prstGeom prst="rect">
-                        <a:avLst/>
-                      </a:prstGeom>
-                      <a:noFill/>
-                      <a:extLst>
-                        <a:ext uri="{909E8E84-426E-40DD-AFC4-6F175D3DCCD1}">
-                          <a14:hiddenFill xmlns:a14="http://schemas.microsoft.com/office/drawing/2010/main">
-                            <a:solidFill>
-                              <a:srgbClr val="FFFFFF"/>
-                            </a:solidFill>
-                          </a14:hiddenFill>
-                        </a:ext>
-                      </a:extLst>
-                    </p:spPr>
-                  </p:pic>
-                  <p:sp>
-                    <p:nvSpPr>
-                      <p:cNvPr id="63" name="TextBox 62">
-                        <a:extLst>
-                          <a:ext uri="{FF2B5EF4-FFF2-40B4-BE49-F238E27FC236}">
-                            <a16:creationId xmlns:a16="http://schemas.microsoft.com/office/drawing/2014/main" id="{FA2B35F1-194F-4419-9652-E1CFD2FB5AB4}"/>
-                          </a:ext>
-                        </a:extLst>
-                      </p:cNvPr>
-                      <p:cNvSpPr txBox="1"/>
-                      <p:nvPr/>
-                    </p:nvSpPr>
-                    <p:spPr>
-                      <a:xfrm>
-                        <a:off x="5616554" y="3564609"/>
-                        <a:ext cx="340158" cy="461665"/>
-                      </a:xfrm>
-                      <a:prstGeom prst="rect">
-                        <a:avLst/>
-                      </a:prstGeom>
-                      <a:noFill/>
-                    </p:spPr>
-                    <p:txBody>
-                      <a:bodyPr wrap="none" rtlCol="0">
-                        <a:spAutoFit/>
-                      </a:bodyPr>
-                      <a:lstStyle/>
-                      <a:p>
-                        <a:r>
-                          <a:rPr lang="en-US" sz="2400" b="1"/>
-                          <a:t>4</a:t>
-                        </a:r>
-                      </a:p>
-                    </p:txBody>
-                  </p:sp>
-                </p:grpSp>
-              </p:grpSp>
-              <p:grpSp>
-                <p:nvGrpSpPr>
-                  <p:cNvPr id="69" name="Group 68">
-                    <a:extLst>
-                      <a:ext uri="{FF2B5EF4-FFF2-40B4-BE49-F238E27FC236}">
-                        <a16:creationId xmlns:a16="http://schemas.microsoft.com/office/drawing/2014/main" id="{3BE6B1B7-B217-42CD-96DB-73873AD62490}"/>
-                      </a:ext>
-                    </a:extLst>
-                  </p:cNvPr>
-                  <p:cNvGrpSpPr/>
-                  <p:nvPr/>
-                </p:nvGrpSpPr>
-                <p:grpSpPr>
-                  <a:xfrm>
-                    <a:off x="5150859" y="5787560"/>
-                    <a:ext cx="6039777" cy="1182384"/>
-                    <a:chOff x="5207767" y="3034205"/>
-                    <a:chExt cx="6039777" cy="1182384"/>
-                  </a:xfrm>
-                </p:grpSpPr>
-                <p:grpSp>
-                  <p:nvGrpSpPr>
-                    <p:cNvPr id="70" name="Group 69">
-                      <a:extLst>
-                        <a:ext uri="{FF2B5EF4-FFF2-40B4-BE49-F238E27FC236}">
-                          <a16:creationId xmlns:a16="http://schemas.microsoft.com/office/drawing/2014/main" id="{DB102B8A-08FB-43E1-9FFA-291A87FF4C46}"/>
-                        </a:ext>
-                      </a:extLst>
-                    </p:cNvPr>
-                    <p:cNvGrpSpPr/>
-                    <p:nvPr/>
-                  </p:nvGrpSpPr>
-                  <p:grpSpPr>
-                    <a:xfrm>
-                      <a:off x="10089812" y="3034205"/>
-                      <a:ext cx="1157732" cy="1157732"/>
-                      <a:chOff x="10089812" y="3034205"/>
-                      <a:chExt cx="1157732" cy="1157732"/>
-                    </a:xfrm>
-                  </p:grpSpPr>
-                  <p:pic>
-                    <p:nvPicPr>
-                      <p:cNvPr id="80" name="Picture 8" descr="Káº¿t quáº£ hÃ¬nh áº£nh cho bag icon outline">
-                        <a:extLst>
-                          <a:ext uri="{FF2B5EF4-FFF2-40B4-BE49-F238E27FC236}">
-                            <a16:creationId xmlns:a16="http://schemas.microsoft.com/office/drawing/2014/main" id="{EA7A19CB-D97F-40E5-BE21-7BB936C6DCD9}"/>
-                          </a:ext>
-                        </a:extLst>
-                      </p:cNvPr>
-                      <p:cNvPicPr>
-                        <a:picLocks noChangeAspect="1" noChangeArrowheads="1"/>
-                      </p:cNvPicPr>
-                      <p:nvPr/>
-                    </p:nvPicPr>
-                    <p:blipFill>
-                      <a:blip r:embed="rId6" cstate="email">
-                        <a:duotone>
-                          <a:schemeClr val="accent6">
-                            <a:shade val="45000"/>
-                            <a:satMod val="135000"/>
-                          </a:schemeClr>
-                          <a:prstClr val="white"/>
-                        </a:duotone>
-                        <a:extLst>
-                          <a:ext uri="{28A0092B-C50C-407E-A947-70E740481C1C}">
-                            <a14:useLocalDpi xmlns:a14="http://schemas.microsoft.com/office/drawing/2010/main" val="0"/>
-                          </a:ext>
-                        </a:extLst>
-                      </a:blip>
-                      <a:srcRect/>
-                      <a:stretch>
-                        <a:fillRect/>
-                      </a:stretch>
-                    </p:blipFill>
-                    <p:spPr bwMode="auto">
-                      <a:xfrm>
-                        <a:off x="10089812" y="3034205"/>
-                        <a:ext cx="1157732" cy="1157732"/>
-                      </a:xfrm>
-                      <a:prstGeom prst="rect">
-                        <a:avLst/>
-                      </a:prstGeom>
-                      <a:noFill/>
-                      <a:extLst>
-                        <a:ext uri="{909E8E84-426E-40DD-AFC4-6F175D3DCCD1}">
-                          <a14:hiddenFill xmlns:a14="http://schemas.microsoft.com/office/drawing/2010/main">
-                            <a:solidFill>
-                              <a:srgbClr val="FFFFFF"/>
-                            </a:solidFill>
-                          </a14:hiddenFill>
-                        </a:ext>
-                      </a:extLst>
-                    </p:spPr>
-                  </p:pic>
-                  <p:sp>
-                    <p:nvSpPr>
-                      <p:cNvPr id="81" name="TextBox 80">
-                        <a:extLst>
-                          <a:ext uri="{FF2B5EF4-FFF2-40B4-BE49-F238E27FC236}">
-                            <a16:creationId xmlns:a16="http://schemas.microsoft.com/office/drawing/2014/main" id="{24661922-4E94-40D0-A524-B5DDB48A4BAC}"/>
-                          </a:ext>
-                        </a:extLst>
-                      </p:cNvPr>
-                      <p:cNvSpPr txBox="1"/>
-                      <p:nvPr/>
-                    </p:nvSpPr>
-                    <p:spPr>
-                      <a:xfrm>
-                        <a:off x="10494670" y="3578015"/>
-                        <a:ext cx="340158" cy="461665"/>
-                      </a:xfrm>
-                      <a:prstGeom prst="rect">
-                        <a:avLst/>
-                      </a:prstGeom>
-                      <a:noFill/>
-                    </p:spPr>
-                    <p:txBody>
-                      <a:bodyPr wrap="none" rtlCol="0">
-                        <a:spAutoFit/>
-                      </a:bodyPr>
-                      <a:lstStyle/>
-                      <a:p>
-                        <a:r>
-                          <a:rPr lang="en-US" sz="2400" b="1"/>
-                          <a:t>1</a:t>
-                        </a:r>
-                      </a:p>
-                    </p:txBody>
-                  </p:sp>
-                </p:grpSp>
-                <p:grpSp>
-                  <p:nvGrpSpPr>
-                    <p:cNvPr id="71" name="Group 70">
-                      <a:extLst>
-                        <a:ext uri="{FF2B5EF4-FFF2-40B4-BE49-F238E27FC236}">
-                          <a16:creationId xmlns:a16="http://schemas.microsoft.com/office/drawing/2014/main" id="{4F0119FC-E58F-4DB8-8580-BE5912429024}"/>
-                        </a:ext>
-                      </a:extLst>
-                    </p:cNvPr>
-                    <p:cNvGrpSpPr/>
-                    <p:nvPr/>
-                  </p:nvGrpSpPr>
-                  <p:grpSpPr>
-                    <a:xfrm>
-                      <a:off x="8422624" y="3034205"/>
-                      <a:ext cx="1157732" cy="1157732"/>
-                      <a:chOff x="8422624" y="3034205"/>
-                      <a:chExt cx="1157732" cy="1157732"/>
-                    </a:xfrm>
-                  </p:grpSpPr>
-                  <p:pic>
-                    <p:nvPicPr>
-                      <p:cNvPr id="78" name="Picture 8" descr="Káº¿t quáº£ hÃ¬nh áº£nh cho bag icon outline">
-                        <a:extLst>
-                          <a:ext uri="{FF2B5EF4-FFF2-40B4-BE49-F238E27FC236}">
-                            <a16:creationId xmlns:a16="http://schemas.microsoft.com/office/drawing/2014/main" id="{23D0DD9D-A828-47CC-8F3F-5CE5E3A9C887}"/>
-                          </a:ext>
-                        </a:extLst>
-                      </p:cNvPr>
-                      <p:cNvPicPr>
-                        <a:picLocks noChangeAspect="1" noChangeArrowheads="1"/>
-                      </p:cNvPicPr>
-                      <p:nvPr/>
-                    </p:nvPicPr>
-                    <p:blipFill>
-                      <a:blip r:embed="rId6" cstate="email">
-                        <a:duotone>
-                          <a:schemeClr val="accent6">
-                            <a:shade val="45000"/>
-                            <a:satMod val="135000"/>
-                          </a:schemeClr>
-                          <a:prstClr val="white"/>
-                        </a:duotone>
-                        <a:extLst>
-                          <a:ext uri="{28A0092B-C50C-407E-A947-70E740481C1C}">
-                            <a14:useLocalDpi xmlns:a14="http://schemas.microsoft.com/office/drawing/2010/main" val="0"/>
-                          </a:ext>
-                        </a:extLst>
-                      </a:blip>
-                      <a:srcRect/>
-                      <a:stretch>
-                        <a:fillRect/>
-                      </a:stretch>
-                    </p:blipFill>
-                    <p:spPr bwMode="auto">
-                      <a:xfrm>
-                        <a:off x="8422624" y="3034205"/>
-                        <a:ext cx="1157732" cy="1157732"/>
-                      </a:xfrm>
-                      <a:prstGeom prst="rect">
-                        <a:avLst/>
-                      </a:prstGeom>
-                      <a:noFill/>
-                      <a:extLst>
-                        <a:ext uri="{909E8E84-426E-40DD-AFC4-6F175D3DCCD1}">
-                          <a14:hiddenFill xmlns:a14="http://schemas.microsoft.com/office/drawing/2010/main">
-                            <a:solidFill>
-                              <a:srgbClr val="FFFFFF"/>
-                            </a:solidFill>
-                          </a14:hiddenFill>
-                        </a:ext>
-                      </a:extLst>
-                    </p:spPr>
-                  </p:pic>
-                  <p:sp>
-                    <p:nvSpPr>
-                      <p:cNvPr id="79" name="TextBox 78">
-                        <a:extLst>
-                          <a:ext uri="{FF2B5EF4-FFF2-40B4-BE49-F238E27FC236}">
-                            <a16:creationId xmlns:a16="http://schemas.microsoft.com/office/drawing/2014/main" id="{FC1BB3AA-7BDB-44DE-9EA2-07265159356D}"/>
-                          </a:ext>
-                        </a:extLst>
-                      </p:cNvPr>
-                      <p:cNvSpPr txBox="1"/>
-                      <p:nvPr/>
-                    </p:nvSpPr>
-                    <p:spPr>
-                      <a:xfrm>
-                        <a:off x="8803842" y="3552601"/>
-                        <a:ext cx="340158" cy="461665"/>
-                      </a:xfrm>
-                      <a:prstGeom prst="rect">
-                        <a:avLst/>
-                      </a:prstGeom>
-                      <a:noFill/>
-                    </p:spPr>
-                    <p:txBody>
-                      <a:bodyPr wrap="none" rtlCol="0">
-                        <a:spAutoFit/>
-                      </a:bodyPr>
-                      <a:lstStyle/>
-                      <a:p>
-                        <a:r>
-                          <a:rPr lang="en-US" sz="2400" b="1"/>
-                          <a:t>2</a:t>
-                        </a:r>
-                      </a:p>
-                    </p:txBody>
-                  </p:sp>
-                </p:grpSp>
-                <p:grpSp>
-                  <p:nvGrpSpPr>
-                    <p:cNvPr id="72" name="Group 71">
-                      <a:extLst>
-                        <a:ext uri="{FF2B5EF4-FFF2-40B4-BE49-F238E27FC236}">
-                          <a16:creationId xmlns:a16="http://schemas.microsoft.com/office/drawing/2014/main" id="{50C01E7E-DD76-472F-8DAC-C222879F0E49}"/>
-                        </a:ext>
-                      </a:extLst>
-                    </p:cNvPr>
-                    <p:cNvGrpSpPr/>
-                    <p:nvPr/>
-                  </p:nvGrpSpPr>
-                  <p:grpSpPr>
-                    <a:xfrm>
-                      <a:off x="6874955" y="3058857"/>
-                      <a:ext cx="1157732" cy="1157732"/>
-                      <a:chOff x="6874955" y="3058857"/>
-                      <a:chExt cx="1157732" cy="1157732"/>
-                    </a:xfrm>
-                  </p:grpSpPr>
-                  <p:pic>
-                    <p:nvPicPr>
-                      <p:cNvPr id="76" name="Picture 8" descr="Káº¿t quáº£ hÃ¬nh áº£nh cho bag icon outline">
-                        <a:extLst>
-                          <a:ext uri="{FF2B5EF4-FFF2-40B4-BE49-F238E27FC236}">
-                            <a16:creationId xmlns:a16="http://schemas.microsoft.com/office/drawing/2014/main" id="{AFC91328-734C-4348-B516-CB1D7917CEB9}"/>
-                          </a:ext>
-                        </a:extLst>
-                      </p:cNvPr>
-                      <p:cNvPicPr>
-                        <a:picLocks noChangeAspect="1" noChangeArrowheads="1"/>
-                      </p:cNvPicPr>
-                      <p:nvPr/>
-                    </p:nvPicPr>
-                    <p:blipFill>
-                      <a:blip r:embed="rId6" cstate="email">
-                        <a:duotone>
-                          <a:schemeClr val="accent6">
-                            <a:shade val="45000"/>
-                            <a:satMod val="135000"/>
-                          </a:schemeClr>
-                          <a:prstClr val="white"/>
-                        </a:duotone>
-                        <a:extLst>
-                          <a:ext uri="{28A0092B-C50C-407E-A947-70E740481C1C}">
-                            <a14:useLocalDpi xmlns:a14="http://schemas.microsoft.com/office/drawing/2010/main" val="0"/>
-                          </a:ext>
-                        </a:extLst>
-                      </a:blip>
-                      <a:srcRect/>
-                      <a:stretch>
-                        <a:fillRect/>
-                      </a:stretch>
-                    </p:blipFill>
-                    <p:spPr bwMode="auto">
-                      <a:xfrm>
-                        <a:off x="6874955" y="3058857"/>
-                        <a:ext cx="1157732" cy="1157732"/>
-                      </a:xfrm>
-                      <a:prstGeom prst="rect">
-                        <a:avLst/>
-                      </a:prstGeom>
-                      <a:noFill/>
-                      <a:extLst>
-                        <a:ext uri="{909E8E84-426E-40DD-AFC4-6F175D3DCCD1}">
-                          <a14:hiddenFill xmlns:a14="http://schemas.microsoft.com/office/drawing/2010/main">
-                            <a:solidFill>
-                              <a:srgbClr val="FFFFFF"/>
-                            </a:solidFill>
-                          </a14:hiddenFill>
-                        </a:ext>
-                      </a:extLst>
-                    </p:spPr>
-                  </p:pic>
-                  <p:sp>
-                    <p:nvSpPr>
-                      <p:cNvPr id="77" name="TextBox 76">
-                        <a:extLst>
-                          <a:ext uri="{FF2B5EF4-FFF2-40B4-BE49-F238E27FC236}">
-                            <a16:creationId xmlns:a16="http://schemas.microsoft.com/office/drawing/2014/main" id="{3ACC676D-F75A-401E-829A-3BAE7243DF8E}"/>
-                          </a:ext>
-                        </a:extLst>
-                      </p:cNvPr>
-                      <p:cNvSpPr txBox="1"/>
-                      <p:nvPr/>
-                    </p:nvSpPr>
-                    <p:spPr>
-                      <a:xfrm>
-                        <a:off x="7283742" y="3571052"/>
-                        <a:ext cx="340158" cy="461665"/>
-                      </a:xfrm>
-                      <a:prstGeom prst="rect">
-                        <a:avLst/>
-                      </a:prstGeom>
-                      <a:noFill/>
-                    </p:spPr>
-                    <p:txBody>
-                      <a:bodyPr wrap="none" rtlCol="0">
-                        <a:spAutoFit/>
-                      </a:bodyPr>
-                      <a:lstStyle/>
-                      <a:p>
-                        <a:r>
-                          <a:rPr lang="en-US" sz="2400" b="1"/>
-                          <a:t>3</a:t>
-                        </a:r>
-                      </a:p>
-                    </p:txBody>
-                  </p:sp>
-                </p:grpSp>
-                <p:grpSp>
-                  <p:nvGrpSpPr>
-                    <p:cNvPr id="73" name="Group 72">
-                      <a:extLst>
-                        <a:ext uri="{FF2B5EF4-FFF2-40B4-BE49-F238E27FC236}">
-                          <a16:creationId xmlns:a16="http://schemas.microsoft.com/office/drawing/2014/main" id="{B6B97E3E-2373-4A7B-82A6-374B73362800}"/>
-                        </a:ext>
-                      </a:extLst>
-                    </p:cNvPr>
-                    <p:cNvGrpSpPr/>
-                    <p:nvPr/>
-                  </p:nvGrpSpPr>
-                  <p:grpSpPr>
-                    <a:xfrm>
-                      <a:off x="5207767" y="3034205"/>
-                      <a:ext cx="1157732" cy="1157732"/>
-                      <a:chOff x="5207767" y="3034205"/>
-                      <a:chExt cx="1157732" cy="1157732"/>
-                    </a:xfrm>
-                  </p:grpSpPr>
-                  <p:pic>
-                    <p:nvPicPr>
-                      <p:cNvPr id="74" name="Picture 8" descr="Káº¿t quáº£ hÃ¬nh áº£nh cho bag icon outline">
-                        <a:extLst>
-                          <a:ext uri="{FF2B5EF4-FFF2-40B4-BE49-F238E27FC236}">
-                            <a16:creationId xmlns:a16="http://schemas.microsoft.com/office/drawing/2014/main" id="{B8A99CFB-1179-44F1-BA3C-F5528045BA4C}"/>
-                          </a:ext>
-                        </a:extLst>
-                      </p:cNvPr>
-                      <p:cNvPicPr>
-                        <a:picLocks noChangeAspect="1" noChangeArrowheads="1"/>
-                      </p:cNvPicPr>
-                      <p:nvPr/>
-                    </p:nvPicPr>
-                    <p:blipFill>
-                      <a:blip r:embed="rId6" cstate="email">
-                        <a:duotone>
-                          <a:schemeClr val="accent6">
-                            <a:shade val="45000"/>
-                            <a:satMod val="135000"/>
-                          </a:schemeClr>
-                          <a:prstClr val="white"/>
-                        </a:duotone>
-                        <a:extLst>
-                          <a:ext uri="{28A0092B-C50C-407E-A947-70E740481C1C}">
-                            <a14:useLocalDpi xmlns:a14="http://schemas.microsoft.com/office/drawing/2010/main" val="0"/>
-                          </a:ext>
-                        </a:extLst>
-                      </a:blip>
-                      <a:srcRect/>
-                      <a:stretch>
-                        <a:fillRect/>
-                      </a:stretch>
-                    </p:blipFill>
-                    <p:spPr bwMode="auto">
-                      <a:xfrm>
-                        <a:off x="5207767" y="3034205"/>
-                        <a:ext cx="1157732" cy="1157732"/>
-                      </a:xfrm>
-                      <a:prstGeom prst="rect">
-                        <a:avLst/>
-                      </a:prstGeom>
-                      <a:noFill/>
-                      <a:extLst>
-                        <a:ext uri="{909E8E84-426E-40DD-AFC4-6F175D3DCCD1}">
-                          <a14:hiddenFill xmlns:a14="http://schemas.microsoft.com/office/drawing/2010/main">
-                            <a:solidFill>
-                              <a:srgbClr val="FFFFFF"/>
-                            </a:solidFill>
-                          </a14:hiddenFill>
-                        </a:ext>
-                      </a:extLst>
-                    </p:spPr>
-                  </p:pic>
-                  <p:sp>
-                    <p:nvSpPr>
-                      <p:cNvPr id="75" name="TextBox 74">
-                        <a:extLst>
-                          <a:ext uri="{FF2B5EF4-FFF2-40B4-BE49-F238E27FC236}">
-                            <a16:creationId xmlns:a16="http://schemas.microsoft.com/office/drawing/2014/main" id="{87411BAB-9892-4ADF-BCB0-90CE3A329511}"/>
-                          </a:ext>
-                        </a:extLst>
-                      </p:cNvPr>
-                      <p:cNvSpPr txBox="1"/>
-                      <p:nvPr/>
-                    </p:nvSpPr>
-                    <p:spPr>
-                      <a:xfrm>
-                        <a:off x="5616554" y="3564609"/>
-                        <a:ext cx="340158" cy="461665"/>
-                      </a:xfrm>
-                      <a:prstGeom prst="rect">
-                        <a:avLst/>
-                      </a:prstGeom>
-                      <a:noFill/>
-                    </p:spPr>
-                    <p:txBody>
-                      <a:bodyPr wrap="none" rtlCol="0">
-                        <a:spAutoFit/>
-                      </a:bodyPr>
-                      <a:lstStyle/>
-                      <a:p>
-                        <a:r>
-                          <a:rPr lang="en-US" sz="2400" b="1"/>
-                          <a:t>4</a:t>
-                        </a:r>
-                      </a:p>
-                    </p:txBody>
-                  </p:sp>
-                </p:grpSp>
-              </p:grpSp>
-              <p:grpSp>
-                <p:nvGrpSpPr>
-                  <p:cNvPr id="82" name="Group 81">
-                    <a:extLst>
-                      <a:ext uri="{FF2B5EF4-FFF2-40B4-BE49-F238E27FC236}">
-                        <a16:creationId xmlns:a16="http://schemas.microsoft.com/office/drawing/2014/main" id="{E6164A91-D3E5-484E-85D6-77E453FE8C2F}"/>
-                      </a:ext>
-                    </a:extLst>
-                  </p:cNvPr>
-                  <p:cNvGrpSpPr/>
-                  <p:nvPr/>
-                </p:nvGrpSpPr>
-                <p:grpSpPr>
-                  <a:xfrm>
-                    <a:off x="5207767" y="8554710"/>
-                    <a:ext cx="6039777" cy="1182384"/>
-                    <a:chOff x="5207767" y="3034205"/>
-                    <a:chExt cx="6039777" cy="1182384"/>
-                  </a:xfrm>
-                </p:grpSpPr>
-                <p:grpSp>
-                  <p:nvGrpSpPr>
-                    <p:cNvPr id="83" name="Group 82">
-                      <a:extLst>
-                        <a:ext uri="{FF2B5EF4-FFF2-40B4-BE49-F238E27FC236}">
-                          <a16:creationId xmlns:a16="http://schemas.microsoft.com/office/drawing/2014/main" id="{2AEC9AB5-6575-4839-BA5E-F399DFC72C2B}"/>
-                        </a:ext>
-                      </a:extLst>
-                    </p:cNvPr>
-                    <p:cNvGrpSpPr/>
-                    <p:nvPr/>
-                  </p:nvGrpSpPr>
-                  <p:grpSpPr>
-                    <a:xfrm>
-                      <a:off x="10089812" y="3034205"/>
-                      <a:ext cx="1157732" cy="1157732"/>
-                      <a:chOff x="10089812" y="3034205"/>
-                      <a:chExt cx="1157732" cy="1157732"/>
-                    </a:xfrm>
-                  </p:grpSpPr>
-                  <p:pic>
-                    <p:nvPicPr>
-                      <p:cNvPr id="93" name="Picture 8" descr="Káº¿t quáº£ hÃ¬nh áº£nh cho bag icon outline">
-                        <a:extLst>
-                          <a:ext uri="{FF2B5EF4-FFF2-40B4-BE49-F238E27FC236}">
-                            <a16:creationId xmlns:a16="http://schemas.microsoft.com/office/drawing/2014/main" id="{24640674-E209-4DF4-8D8F-873B5E5D1B10}"/>
-                          </a:ext>
-                        </a:extLst>
-                      </p:cNvPr>
-                      <p:cNvPicPr>
-                        <a:picLocks noChangeAspect="1" noChangeArrowheads="1"/>
-                      </p:cNvPicPr>
-                      <p:nvPr/>
-                    </p:nvPicPr>
-                    <p:blipFill>
-                      <a:blip r:embed="rId6" cstate="email">
-                        <a:duotone>
-                          <a:schemeClr val="accent6">
-                            <a:shade val="45000"/>
-                            <a:satMod val="135000"/>
-                          </a:schemeClr>
-                          <a:prstClr val="white"/>
-                        </a:duotone>
-                        <a:extLst>
-                          <a:ext uri="{28A0092B-C50C-407E-A947-70E740481C1C}">
-                            <a14:useLocalDpi xmlns:a14="http://schemas.microsoft.com/office/drawing/2010/main" val="0"/>
-                          </a:ext>
-                        </a:extLst>
-                      </a:blip>
-                      <a:srcRect/>
-                      <a:stretch>
-                        <a:fillRect/>
-                      </a:stretch>
-                    </p:blipFill>
-                    <p:spPr bwMode="auto">
-                      <a:xfrm>
-                        <a:off x="10089812" y="3034205"/>
-                        <a:ext cx="1157732" cy="1157732"/>
-                      </a:xfrm>
-                      <a:prstGeom prst="rect">
-                        <a:avLst/>
-                      </a:prstGeom>
-                      <a:noFill/>
-                      <a:extLst>
-                        <a:ext uri="{909E8E84-426E-40DD-AFC4-6F175D3DCCD1}">
-                          <a14:hiddenFill xmlns:a14="http://schemas.microsoft.com/office/drawing/2010/main">
-                            <a:solidFill>
-                              <a:srgbClr val="FFFFFF"/>
-                            </a:solidFill>
-                          </a14:hiddenFill>
-                        </a:ext>
-                      </a:extLst>
-                    </p:spPr>
-                  </p:pic>
-                  <p:sp>
-                    <p:nvSpPr>
-                      <p:cNvPr id="94" name="TextBox 93">
-                        <a:extLst>
-                          <a:ext uri="{FF2B5EF4-FFF2-40B4-BE49-F238E27FC236}">
-                            <a16:creationId xmlns:a16="http://schemas.microsoft.com/office/drawing/2014/main" id="{F93C00A7-BAE2-4B36-9F82-39759439DCDD}"/>
-                          </a:ext>
-                        </a:extLst>
-                      </p:cNvPr>
-                      <p:cNvSpPr txBox="1"/>
-                      <p:nvPr/>
-                    </p:nvSpPr>
-                    <p:spPr>
-                      <a:xfrm>
-                        <a:off x="10494670" y="3578015"/>
-                        <a:ext cx="340158" cy="461665"/>
-                      </a:xfrm>
-                      <a:prstGeom prst="rect">
-                        <a:avLst/>
-                      </a:prstGeom>
-                      <a:noFill/>
-                    </p:spPr>
-                    <p:txBody>
-                      <a:bodyPr wrap="none" rtlCol="0">
-                        <a:spAutoFit/>
-                      </a:bodyPr>
-                      <a:lstStyle/>
-                      <a:p>
-                        <a:r>
-                          <a:rPr lang="en-US" sz="2400" b="1"/>
-                          <a:t>1</a:t>
-                        </a:r>
-                      </a:p>
-                    </p:txBody>
-                  </p:sp>
-                </p:grpSp>
-                <p:grpSp>
-                  <p:nvGrpSpPr>
-                    <p:cNvPr id="84" name="Group 83">
-                      <a:extLst>
-                        <a:ext uri="{FF2B5EF4-FFF2-40B4-BE49-F238E27FC236}">
-                          <a16:creationId xmlns:a16="http://schemas.microsoft.com/office/drawing/2014/main" id="{6BE8FE5E-0147-45EA-A663-5F7027E6271B}"/>
-                        </a:ext>
-                      </a:extLst>
-                    </p:cNvPr>
-                    <p:cNvGrpSpPr/>
-                    <p:nvPr/>
-                  </p:nvGrpSpPr>
-                  <p:grpSpPr>
-                    <a:xfrm>
-                      <a:off x="8422624" y="3034205"/>
-                      <a:ext cx="1157732" cy="1157732"/>
-                      <a:chOff x="8422624" y="3034205"/>
-                      <a:chExt cx="1157732" cy="1157732"/>
-                    </a:xfrm>
-                  </p:grpSpPr>
-                  <p:pic>
-                    <p:nvPicPr>
-                      <p:cNvPr id="91" name="Picture 8" descr="Káº¿t quáº£ hÃ¬nh áº£nh cho bag icon outline">
-                        <a:extLst>
-                          <a:ext uri="{FF2B5EF4-FFF2-40B4-BE49-F238E27FC236}">
-                            <a16:creationId xmlns:a16="http://schemas.microsoft.com/office/drawing/2014/main" id="{FF21A905-5387-47DC-A285-7BE1F0873EF7}"/>
-                          </a:ext>
-                        </a:extLst>
-                      </p:cNvPr>
-                      <p:cNvPicPr>
-                        <a:picLocks noChangeAspect="1" noChangeArrowheads="1"/>
-                      </p:cNvPicPr>
-                      <p:nvPr/>
-                    </p:nvPicPr>
-                    <p:blipFill>
-                      <a:blip r:embed="rId6" cstate="email">
-                        <a:duotone>
-                          <a:schemeClr val="accent6">
-                            <a:shade val="45000"/>
-                            <a:satMod val="135000"/>
-                          </a:schemeClr>
-                          <a:prstClr val="white"/>
-                        </a:duotone>
-                        <a:extLst>
-                          <a:ext uri="{28A0092B-C50C-407E-A947-70E740481C1C}">
-                            <a14:useLocalDpi xmlns:a14="http://schemas.microsoft.com/office/drawing/2010/main" val="0"/>
-                          </a:ext>
-                        </a:extLst>
-                      </a:blip>
-                      <a:srcRect/>
-                      <a:stretch>
-                        <a:fillRect/>
-                      </a:stretch>
-                    </p:blipFill>
-                    <p:spPr bwMode="auto">
-                      <a:xfrm>
-                        <a:off x="8422624" y="3034205"/>
-                        <a:ext cx="1157732" cy="1157732"/>
-                      </a:xfrm>
-                      <a:prstGeom prst="rect">
-                        <a:avLst/>
-                      </a:prstGeom>
-                      <a:noFill/>
-                      <a:extLst>
-                        <a:ext uri="{909E8E84-426E-40DD-AFC4-6F175D3DCCD1}">
-                          <a14:hiddenFill xmlns:a14="http://schemas.microsoft.com/office/drawing/2010/main">
-                            <a:solidFill>
-                              <a:srgbClr val="FFFFFF"/>
-                            </a:solidFill>
-                          </a14:hiddenFill>
-                        </a:ext>
-                      </a:extLst>
-                    </p:spPr>
-                  </p:pic>
-                  <p:sp>
-                    <p:nvSpPr>
-                      <p:cNvPr id="92" name="TextBox 91">
-                        <a:extLst>
-                          <a:ext uri="{FF2B5EF4-FFF2-40B4-BE49-F238E27FC236}">
-                            <a16:creationId xmlns:a16="http://schemas.microsoft.com/office/drawing/2014/main" id="{5DE9349A-60D8-4158-8F67-F7AA72E2B45E}"/>
-                          </a:ext>
-                        </a:extLst>
-                      </p:cNvPr>
-                      <p:cNvSpPr txBox="1"/>
-                      <p:nvPr/>
-                    </p:nvSpPr>
-                    <p:spPr>
-                      <a:xfrm>
-                        <a:off x="8803842" y="3552601"/>
-                        <a:ext cx="340158" cy="461665"/>
-                      </a:xfrm>
-                      <a:prstGeom prst="rect">
-                        <a:avLst/>
-                      </a:prstGeom>
-                      <a:noFill/>
-                    </p:spPr>
-                    <p:txBody>
-                      <a:bodyPr wrap="none" rtlCol="0">
-                        <a:spAutoFit/>
-                      </a:bodyPr>
-                      <a:lstStyle/>
-                      <a:p>
-                        <a:r>
-                          <a:rPr lang="en-US" sz="2400" b="1"/>
-                          <a:t>2</a:t>
-                        </a:r>
-                      </a:p>
-                    </p:txBody>
-                  </p:sp>
-                </p:grpSp>
-                <p:grpSp>
-                  <p:nvGrpSpPr>
-                    <p:cNvPr id="85" name="Group 84">
-                      <a:extLst>
-                        <a:ext uri="{FF2B5EF4-FFF2-40B4-BE49-F238E27FC236}">
-                          <a16:creationId xmlns:a16="http://schemas.microsoft.com/office/drawing/2014/main" id="{63928450-8138-4CE4-8EC9-DB6B2D5C6AC4}"/>
-                        </a:ext>
-                      </a:extLst>
-                    </p:cNvPr>
-                    <p:cNvGrpSpPr/>
-                    <p:nvPr/>
-                  </p:nvGrpSpPr>
-                  <p:grpSpPr>
-                    <a:xfrm>
-                      <a:off x="6874955" y="3058857"/>
-                      <a:ext cx="1157732" cy="1157732"/>
-                      <a:chOff x="6874955" y="3058857"/>
-                      <a:chExt cx="1157732" cy="1157732"/>
-                    </a:xfrm>
-                  </p:grpSpPr>
-                  <p:pic>
-                    <p:nvPicPr>
-                      <p:cNvPr id="89" name="Picture 8" descr="Káº¿t quáº£ hÃ¬nh áº£nh cho bag icon outline">
-                        <a:extLst>
-                          <a:ext uri="{FF2B5EF4-FFF2-40B4-BE49-F238E27FC236}">
-                            <a16:creationId xmlns:a16="http://schemas.microsoft.com/office/drawing/2014/main" id="{1B7AB2AE-0335-43F3-8C84-71943C8DE0F6}"/>
-                          </a:ext>
-                        </a:extLst>
-                      </p:cNvPr>
-                      <p:cNvPicPr>
-                        <a:picLocks noChangeAspect="1" noChangeArrowheads="1"/>
-                      </p:cNvPicPr>
-                      <p:nvPr/>
-                    </p:nvPicPr>
-                    <p:blipFill>
-                      <a:blip r:embed="rId6" cstate="email">
-                        <a:duotone>
-                          <a:schemeClr val="accent6">
-                            <a:shade val="45000"/>
-                            <a:satMod val="135000"/>
-                          </a:schemeClr>
-                          <a:prstClr val="white"/>
-                        </a:duotone>
-                        <a:extLst>
-                          <a:ext uri="{28A0092B-C50C-407E-A947-70E740481C1C}">
-                            <a14:useLocalDpi xmlns:a14="http://schemas.microsoft.com/office/drawing/2010/main" val="0"/>
-                          </a:ext>
-                        </a:extLst>
-                      </a:blip>
-                      <a:srcRect/>
-                      <a:stretch>
-                        <a:fillRect/>
-                      </a:stretch>
-                    </p:blipFill>
-                    <p:spPr bwMode="auto">
-                      <a:xfrm>
-                        <a:off x="6874955" y="3058857"/>
-                        <a:ext cx="1157732" cy="1157732"/>
-                      </a:xfrm>
-                      <a:prstGeom prst="rect">
-                        <a:avLst/>
-                      </a:prstGeom>
-                      <a:noFill/>
-                      <a:extLst>
-                        <a:ext uri="{909E8E84-426E-40DD-AFC4-6F175D3DCCD1}">
-                          <a14:hiddenFill xmlns:a14="http://schemas.microsoft.com/office/drawing/2010/main">
-                            <a:solidFill>
-                              <a:srgbClr val="FFFFFF"/>
-                            </a:solidFill>
-                          </a14:hiddenFill>
-                        </a:ext>
-                      </a:extLst>
-                    </p:spPr>
-                  </p:pic>
-                  <p:sp>
-                    <p:nvSpPr>
-                      <p:cNvPr id="90" name="TextBox 89">
-                        <a:extLst>
-                          <a:ext uri="{FF2B5EF4-FFF2-40B4-BE49-F238E27FC236}">
-                            <a16:creationId xmlns:a16="http://schemas.microsoft.com/office/drawing/2014/main" id="{3EB1EC04-2A78-4D67-AF6A-65F3B2072557}"/>
-                          </a:ext>
-                        </a:extLst>
-                      </p:cNvPr>
-                      <p:cNvSpPr txBox="1"/>
-                      <p:nvPr/>
-                    </p:nvSpPr>
-                    <p:spPr>
-                      <a:xfrm>
-                        <a:off x="7283742" y="3571052"/>
-                        <a:ext cx="340158" cy="461665"/>
-                      </a:xfrm>
-                      <a:prstGeom prst="rect">
-                        <a:avLst/>
-                      </a:prstGeom>
-                      <a:noFill/>
-                    </p:spPr>
-                    <p:txBody>
-                      <a:bodyPr wrap="none" rtlCol="0">
-                        <a:spAutoFit/>
-                      </a:bodyPr>
-                      <a:lstStyle/>
-                      <a:p>
-                        <a:r>
-                          <a:rPr lang="en-US" sz="2400" b="1"/>
-                          <a:t>3</a:t>
-                        </a:r>
-                      </a:p>
-                    </p:txBody>
-                  </p:sp>
-                </p:grpSp>
-                <p:grpSp>
-                  <p:nvGrpSpPr>
-                    <p:cNvPr id="86" name="Group 85">
-                      <a:extLst>
-                        <a:ext uri="{FF2B5EF4-FFF2-40B4-BE49-F238E27FC236}">
-                          <a16:creationId xmlns:a16="http://schemas.microsoft.com/office/drawing/2014/main" id="{919404E0-529C-4474-B2FB-A79409D5E2C5}"/>
-                        </a:ext>
-                      </a:extLst>
-                    </p:cNvPr>
-                    <p:cNvGrpSpPr/>
-                    <p:nvPr/>
-                  </p:nvGrpSpPr>
-                  <p:grpSpPr>
-                    <a:xfrm>
-                      <a:off x="5207767" y="3034205"/>
-                      <a:ext cx="1157732" cy="1157732"/>
-                      <a:chOff x="5207767" y="3034205"/>
-                      <a:chExt cx="1157732" cy="1157732"/>
-                    </a:xfrm>
-                  </p:grpSpPr>
-                  <p:pic>
-                    <p:nvPicPr>
-                      <p:cNvPr id="87" name="Picture 8" descr="Káº¿t quáº£ hÃ¬nh áº£nh cho bag icon outline">
-                        <a:extLst>
-                          <a:ext uri="{FF2B5EF4-FFF2-40B4-BE49-F238E27FC236}">
-                            <a16:creationId xmlns:a16="http://schemas.microsoft.com/office/drawing/2014/main" id="{26FB7024-AB9E-44DF-AECB-C26DD1CCB319}"/>
-                          </a:ext>
-                        </a:extLst>
-                      </p:cNvPr>
-                      <p:cNvPicPr>
-                        <a:picLocks noChangeAspect="1" noChangeArrowheads="1"/>
-                      </p:cNvPicPr>
-                      <p:nvPr/>
-                    </p:nvPicPr>
-                    <p:blipFill>
-                      <a:blip r:embed="rId6" cstate="email">
-                        <a:duotone>
-                          <a:schemeClr val="accent6">
-                            <a:shade val="45000"/>
-                            <a:satMod val="135000"/>
-                          </a:schemeClr>
-                          <a:prstClr val="white"/>
-                        </a:duotone>
-                        <a:extLst>
-                          <a:ext uri="{28A0092B-C50C-407E-A947-70E740481C1C}">
-                            <a14:useLocalDpi xmlns:a14="http://schemas.microsoft.com/office/drawing/2010/main" val="0"/>
-                          </a:ext>
-                        </a:extLst>
-                      </a:blip>
-                      <a:srcRect/>
-                      <a:stretch>
-                        <a:fillRect/>
-                      </a:stretch>
-                    </p:blipFill>
-                    <p:spPr bwMode="auto">
-                      <a:xfrm>
-                        <a:off x="5207767" y="3034205"/>
-                        <a:ext cx="1157732" cy="1157732"/>
-                      </a:xfrm>
-                      <a:prstGeom prst="rect">
-                        <a:avLst/>
-                      </a:prstGeom>
-                      <a:noFill/>
-                      <a:extLst>
-                        <a:ext uri="{909E8E84-426E-40DD-AFC4-6F175D3DCCD1}">
-                          <a14:hiddenFill xmlns:a14="http://schemas.microsoft.com/office/drawing/2010/main">
-                            <a:solidFill>
-                              <a:srgbClr val="FFFFFF"/>
-                            </a:solidFill>
-                          </a14:hiddenFill>
-                        </a:ext>
-                      </a:extLst>
-                    </p:spPr>
-                  </p:pic>
-                  <p:sp>
-                    <p:nvSpPr>
-                      <p:cNvPr id="88" name="TextBox 87">
-                        <a:extLst>
-                          <a:ext uri="{FF2B5EF4-FFF2-40B4-BE49-F238E27FC236}">
-                            <a16:creationId xmlns:a16="http://schemas.microsoft.com/office/drawing/2014/main" id="{4DDA02BF-85CA-4F80-A4E9-24E35F66F681}"/>
-                          </a:ext>
-                        </a:extLst>
-                      </p:cNvPr>
-                      <p:cNvSpPr txBox="1"/>
-                      <p:nvPr/>
-                    </p:nvSpPr>
-                    <p:spPr>
-                      <a:xfrm>
-                        <a:off x="5616554" y="3564609"/>
-                        <a:ext cx="340158" cy="461665"/>
-                      </a:xfrm>
-                      <a:prstGeom prst="rect">
-                        <a:avLst/>
-                      </a:prstGeom>
-                      <a:noFill/>
-                    </p:spPr>
-                    <p:txBody>
-                      <a:bodyPr wrap="none" rtlCol="0">
-                        <a:spAutoFit/>
-                      </a:bodyPr>
-                      <a:lstStyle/>
-                      <a:p>
-                        <a:r>
-                          <a:rPr lang="en-US" sz="2400" b="1"/>
-                          <a:t>4</a:t>
-                        </a:r>
-                      </a:p>
-                    </p:txBody>
-                  </p:sp>
-                </p:grpSp>
-              </p:grpSp>
-              <p:grpSp>
-                <p:nvGrpSpPr>
-                  <p:cNvPr id="60" name="Group 59">
-                    <a:extLst>
-                      <a:ext uri="{FF2B5EF4-FFF2-40B4-BE49-F238E27FC236}">
-                        <a16:creationId xmlns:a16="http://schemas.microsoft.com/office/drawing/2014/main" id="{8DB920F1-D348-4076-9A94-F5E0CBFF46E2}"/>
-                      </a:ext>
-                    </a:extLst>
-                  </p:cNvPr>
-                  <p:cNvGrpSpPr/>
-                  <p:nvPr/>
-                </p:nvGrpSpPr>
-                <p:grpSpPr>
-                  <a:xfrm>
-                    <a:off x="13155956" y="3067179"/>
-                    <a:ext cx="1157732" cy="1157732"/>
-                    <a:chOff x="13155956" y="3067179"/>
-                    <a:chExt cx="1157732" cy="1157732"/>
-                  </a:xfrm>
-                </p:grpSpPr>
-                <p:pic>
-                  <p:nvPicPr>
-                    <p:cNvPr id="95" name="Picture 8" descr="Káº¿t quáº£ hÃ¬nh áº£nh cho bag icon outline">
-                      <a:extLst>
-                        <a:ext uri="{FF2B5EF4-FFF2-40B4-BE49-F238E27FC236}">
-                          <a16:creationId xmlns:a16="http://schemas.microsoft.com/office/drawing/2014/main" id="{B9ED1039-D98F-4534-879C-23914CF25AD1}"/>
-                        </a:ext>
-                      </a:extLst>
-                    </p:cNvPr>
-                    <p:cNvPicPr>
-                      <a:picLocks noChangeAspect="1" noChangeArrowheads="1"/>
-                    </p:cNvPicPr>
-                    <p:nvPr/>
-                  </p:nvPicPr>
-                  <p:blipFill>
-                    <a:blip r:embed="rId6" cstate="email">
-                      <a:extLst>
-                        <a:ext uri="{28A0092B-C50C-407E-A947-70E740481C1C}">
-                          <a14:useLocalDpi xmlns:a14="http://schemas.microsoft.com/office/drawing/2010/main" val="0"/>
-                        </a:ext>
-                      </a:extLst>
-                    </a:blip>
-                    <a:srcRect/>
-                    <a:stretch>
-                      <a:fillRect/>
-                    </a:stretch>
-                  </p:blipFill>
-                  <p:spPr bwMode="auto">
-                    <a:xfrm>
-                      <a:off x="13155956" y="3067179"/>
-                      <a:ext cx="1157732" cy="1157732"/>
-                    </a:xfrm>
-                    <a:prstGeom prst="rect">
+                    <a:prstGeom prst="straightConnector1">
                       <a:avLst/>
                     </a:prstGeom>
+                    <a:ln w="57150" cap="rnd">
+                      <a:solidFill>
+                        <a:srgbClr val="2287D6"/>
+                      </a:solidFill>
+                      <a:tailEnd type="triangle"/>
+                    </a:ln>
                   </p:spPr>
-                </p:pic>
-                <p:pic>
-                  <p:nvPicPr>
-                    <p:cNvPr id="98" name="Picture 10" descr="HÃ¬nh áº£nh cÃ³ liÃªn quan">
-                      <a:extLst>
-                        <a:ext uri="{FF2B5EF4-FFF2-40B4-BE49-F238E27FC236}">
-                          <a16:creationId xmlns:a16="http://schemas.microsoft.com/office/drawing/2014/main" id="{C2DBE515-A82D-4758-AE88-DD2815D31A16}"/>
-                        </a:ext>
-                      </a:extLst>
-                    </p:cNvPr>
-                    <p:cNvPicPr>
-                      <a:picLocks noChangeAspect="1" noChangeArrowheads="1"/>
-                    </p:cNvPicPr>
-                    <p:nvPr/>
-                  </p:nvPicPr>
-                  <p:blipFill rotWithShape="1">
-                    <a:blip r:embed="rId7" cstate="email">
-                      <a:extLst>
-                        <a:ext uri="{28A0092B-C50C-407E-A947-70E740481C1C}">
-                          <a14:useLocalDpi xmlns:a14="http://schemas.microsoft.com/office/drawing/2010/main" val="0"/>
-                        </a:ext>
-                      </a:extLst>
-                    </a:blip>
-                    <a:srcRect l="28391" t="23978" r="31535" b="27976"/>
-                    <a:stretch/>
-                  </p:blipFill>
-                  <p:spPr bwMode="auto">
-                    <a:xfrm>
-                      <a:off x="13556665" y="3651264"/>
-                      <a:ext cx="376238" cy="350473"/>
-                    </a:xfrm>
-                    <a:prstGeom prst="rect">
-                      <a:avLst/>
-                    </a:prstGeom>
-                    <a:noFill/>
-                    <a:extLst>
-                      <a:ext uri="{909E8E84-426E-40DD-AFC4-6F175D3DCCD1}">
-                        <a14:hiddenFill xmlns:a14="http://schemas.microsoft.com/office/drawing/2010/main">
-                          <a:solidFill>
-                            <a:srgbClr val="FFFFFF"/>
-                          </a:solidFill>
-                        </a14:hiddenFill>
-                      </a:ext>
-                    </a:extLst>
-                  </p:spPr>
-                </p:pic>
+                  <p:style>
+                    <a:lnRef idx="1">
+                      <a:schemeClr val="accent1"/>
+                    </a:lnRef>
+                    <a:fillRef idx="0">
+                      <a:schemeClr val="accent1"/>
+                    </a:fillRef>
+                    <a:effectRef idx="0">
+                      <a:schemeClr val="accent1"/>
+                    </a:effectRef>
+                    <a:fontRef idx="minor">
+                      <a:schemeClr val="tx1"/>
+                    </a:fontRef>
+                  </p:style>
+                </p:cxnSp>
               </p:grpSp>
-              <p:grpSp>
-                <p:nvGrpSpPr>
-                  <p:cNvPr id="101" name="Group 100">
-                    <a:extLst>
-                      <a:ext uri="{FF2B5EF4-FFF2-40B4-BE49-F238E27FC236}">
-                        <a16:creationId xmlns:a16="http://schemas.microsoft.com/office/drawing/2014/main" id="{BF06C04F-B073-49C4-9081-112AA6DA370F}"/>
-                      </a:ext>
-                    </a:extLst>
-                  </p:cNvPr>
-                  <p:cNvGrpSpPr/>
-                  <p:nvPr/>
-                </p:nvGrpSpPr>
-                <p:grpSpPr>
-                  <a:xfrm>
-                    <a:off x="13029875" y="5815041"/>
-                    <a:ext cx="1157732" cy="1157732"/>
-                    <a:chOff x="13037919" y="3079567"/>
-                    <a:chExt cx="1157732" cy="1157732"/>
-                  </a:xfrm>
-                </p:grpSpPr>
-                <p:pic>
-                  <p:nvPicPr>
-                    <p:cNvPr id="102" name="Picture 8" descr="Káº¿t quáº£ hÃ¬nh áº£nh cho bag icon outline">
-                      <a:extLst>
-                        <a:ext uri="{FF2B5EF4-FFF2-40B4-BE49-F238E27FC236}">
-                          <a16:creationId xmlns:a16="http://schemas.microsoft.com/office/drawing/2014/main" id="{C7703F60-A33E-4A33-957D-297E701A8CC3}"/>
-                        </a:ext>
-                      </a:extLst>
-                    </p:cNvPr>
-                    <p:cNvPicPr>
-                      <a:picLocks noChangeAspect="1" noChangeArrowheads="1"/>
-                    </p:cNvPicPr>
-                    <p:nvPr/>
-                  </p:nvPicPr>
-                  <p:blipFill>
-                    <a:blip r:embed="rId6" cstate="email">
-                      <a:extLst>
-                        <a:ext uri="{28A0092B-C50C-407E-A947-70E740481C1C}">
-                          <a14:useLocalDpi xmlns:a14="http://schemas.microsoft.com/office/drawing/2010/main" val="0"/>
-                        </a:ext>
-                      </a:extLst>
-                    </a:blip>
-                    <a:srcRect/>
-                    <a:stretch>
-                      <a:fillRect/>
-                    </a:stretch>
-                  </p:blipFill>
-                  <p:spPr bwMode="auto">
-                    <a:xfrm>
-                      <a:off x="13037919" y="3079567"/>
-                      <a:ext cx="1157732" cy="1157732"/>
-                    </a:xfrm>
-                    <a:prstGeom prst="rect">
-                      <a:avLst/>
-                    </a:prstGeom>
-                  </p:spPr>
-                </p:pic>
-                <p:pic>
-                  <p:nvPicPr>
-                    <p:cNvPr id="103" name="Picture 10" descr="HÃ¬nh áº£nh cÃ³ liÃªn quan">
-                      <a:extLst>
-                        <a:ext uri="{FF2B5EF4-FFF2-40B4-BE49-F238E27FC236}">
-                          <a16:creationId xmlns:a16="http://schemas.microsoft.com/office/drawing/2014/main" id="{A8B8E73E-7944-41E4-9596-3091FC7D2DB5}"/>
-                        </a:ext>
-                      </a:extLst>
-                    </p:cNvPr>
-                    <p:cNvPicPr>
-                      <a:picLocks noChangeAspect="1" noChangeArrowheads="1"/>
-                    </p:cNvPicPr>
-                    <p:nvPr/>
-                  </p:nvPicPr>
-                  <p:blipFill rotWithShape="1">
-                    <a:blip r:embed="rId7" cstate="email">
-                      <a:extLst>
-                        <a:ext uri="{28A0092B-C50C-407E-A947-70E740481C1C}">
-                          <a14:useLocalDpi xmlns:a14="http://schemas.microsoft.com/office/drawing/2010/main" val="0"/>
-                        </a:ext>
-                      </a:extLst>
-                    </a:blip>
-                    <a:srcRect l="28391" t="23978" r="31535" b="27976"/>
-                    <a:stretch/>
-                  </p:blipFill>
-                  <p:spPr bwMode="auto">
-                    <a:xfrm>
-                      <a:off x="13431205" y="3663793"/>
-                      <a:ext cx="376238" cy="350473"/>
-                    </a:xfrm>
-                    <a:prstGeom prst="rect">
-                      <a:avLst/>
-                    </a:prstGeom>
-                    <a:noFill/>
-                    <a:extLst>
-                      <a:ext uri="{909E8E84-426E-40DD-AFC4-6F175D3DCCD1}">
-                        <a14:hiddenFill xmlns:a14="http://schemas.microsoft.com/office/drawing/2010/main">
-                          <a:solidFill>
-                            <a:srgbClr val="FFFFFF"/>
-                          </a:solidFill>
-                        </a14:hiddenFill>
-                      </a:ext>
-                    </a:extLst>
-                  </p:spPr>
-                </p:pic>
-              </p:grpSp>
-              <p:cxnSp>
-                <p:nvCxnSpPr>
-                  <p:cNvPr id="65" name="Straight Connector 64">
-                    <a:extLst>
-                      <a:ext uri="{FF2B5EF4-FFF2-40B4-BE49-F238E27FC236}">
-                        <a16:creationId xmlns:a16="http://schemas.microsoft.com/office/drawing/2014/main" id="{7F5BB65D-C003-431F-8993-FDB104D231C1}"/>
-                      </a:ext>
-                    </a:extLst>
-                  </p:cNvPr>
-                  <p:cNvCxnSpPr/>
-                  <p:nvPr/>
-                </p:nvCxnSpPr>
-                <p:spPr>
-                  <a:xfrm>
-                    <a:off x="13029875" y="8723086"/>
-                    <a:ext cx="1165776" cy="898286"/>
-                  </a:xfrm>
-                  <a:prstGeom prst="line">
-                    <a:avLst/>
-                  </a:prstGeom>
-                  <a:ln w="76200" cap="rnd">
-                    <a:solidFill>
-                      <a:srgbClr val="C00000"/>
-                    </a:solidFill>
-                  </a:ln>
-                </p:spPr>
-                <p:style>
-                  <a:lnRef idx="1">
-                    <a:schemeClr val="accent1"/>
-                  </a:lnRef>
-                  <a:fillRef idx="0">
-                    <a:schemeClr val="accent1"/>
-                  </a:fillRef>
-                  <a:effectRef idx="0">
-                    <a:schemeClr val="accent1"/>
-                  </a:effectRef>
-                  <a:fontRef idx="minor">
-                    <a:schemeClr val="tx1"/>
-                  </a:fontRef>
-                </p:style>
-              </p:cxnSp>
-              <p:cxnSp>
-                <p:nvCxnSpPr>
-                  <p:cNvPr id="67" name="Straight Connector 66">
-                    <a:extLst>
-                      <a:ext uri="{FF2B5EF4-FFF2-40B4-BE49-F238E27FC236}">
-                        <a16:creationId xmlns:a16="http://schemas.microsoft.com/office/drawing/2014/main" id="{97E36EB0-F65C-4418-95E5-3353E9AFEF01}"/>
-                      </a:ext>
-                    </a:extLst>
-                  </p:cNvPr>
-                  <p:cNvCxnSpPr/>
-                  <p:nvPr/>
-                </p:nvCxnSpPr>
-                <p:spPr>
-                  <a:xfrm flipV="1">
-                    <a:off x="13037919" y="8723086"/>
-                    <a:ext cx="1149688" cy="898286"/>
-                  </a:xfrm>
-                  <a:prstGeom prst="line">
-                    <a:avLst/>
-                  </a:prstGeom>
-                  <a:ln w="76200" cap="rnd">
-                    <a:solidFill>
-                      <a:srgbClr val="FF0000"/>
-                    </a:solidFill>
-                    <a:round/>
-                    <a:headEnd type="none"/>
-                  </a:ln>
-                </p:spPr>
-                <p:style>
-                  <a:lnRef idx="1">
-                    <a:schemeClr val="accent1"/>
-                  </a:lnRef>
-                  <a:fillRef idx="0">
-                    <a:schemeClr val="accent1"/>
-                  </a:fillRef>
-                  <a:effectRef idx="0">
-                    <a:schemeClr val="accent1"/>
-                  </a:effectRef>
-                  <a:fontRef idx="minor">
-                    <a:schemeClr val="tx1"/>
-                  </a:fontRef>
-                </p:style>
-              </p:cxnSp>
-              <p:cxnSp>
-                <p:nvCxnSpPr>
-                  <p:cNvPr id="107" name="Straight Arrow Connector 106">
-                    <a:extLst>
-                      <a:ext uri="{FF2B5EF4-FFF2-40B4-BE49-F238E27FC236}">
-                        <a16:creationId xmlns:a16="http://schemas.microsoft.com/office/drawing/2014/main" id="{653E8820-CDF0-46DA-B609-7CB0FD3D33FE}"/>
-                      </a:ext>
-                    </a:extLst>
-                  </p:cNvPr>
-                  <p:cNvCxnSpPr>
-                    <a:stCxn id="26" idx="1"/>
-                    <a:endCxn id="43" idx="3"/>
-                  </p:cNvCxnSpPr>
-                  <p:nvPr/>
-                </p:nvCxnSpPr>
-                <p:spPr>
-                  <a:xfrm flipH="1">
-                    <a:off x="14392859" y="9156814"/>
-                    <a:ext cx="945468" cy="36112"/>
-                  </a:xfrm>
-                  <a:prstGeom prst="straightConnector1">
-                    <a:avLst/>
-                  </a:prstGeom>
-                  <a:ln w="57150" cap="rnd">
-                    <a:solidFill>
-                      <a:srgbClr val="2287D6"/>
-                    </a:solidFill>
-                    <a:tailEnd type="triangle"/>
-                  </a:ln>
-                </p:spPr>
-                <p:style>
-                  <a:lnRef idx="1">
-                    <a:schemeClr val="accent1"/>
-                  </a:lnRef>
-                  <a:fillRef idx="0">
-                    <a:schemeClr val="accent1"/>
-                  </a:fillRef>
-                  <a:effectRef idx="0">
-                    <a:schemeClr val="accent1"/>
-                  </a:effectRef>
-                  <a:fontRef idx="minor">
-                    <a:schemeClr val="tx1"/>
-                  </a:fontRef>
-                </p:style>
-              </p:cxnSp>
             </p:grpSp>
-            <p:cxnSp>
-              <p:nvCxnSpPr>
-                <p:cNvPr id="109" name="Straight Arrow Connector 108">
+            <p:pic>
+              <p:nvPicPr>
+                <p:cNvPr id="126" name="Picture 6" descr="Káº¿t quáº£ hÃ¬nh áº£nh cho icon mÃ¡y giáº·t">
                   <a:extLst>
                     <a:ext uri="{FF2B5EF4-FFF2-40B4-BE49-F238E27FC236}">
-                      <a16:creationId xmlns:a16="http://schemas.microsoft.com/office/drawing/2014/main" id="{82CBFD16-720F-42AE-922A-43424BB445D1}"/>
+                      <a16:creationId xmlns:a16="http://schemas.microsoft.com/office/drawing/2014/main" id="{C77FF3BE-AF67-48AB-9161-0289B46FBBA1}"/>
                     </a:ext>
                   </a:extLst>
                 </p:cNvPr>
-                <p:cNvCxnSpPr>
-                  <a:cxnSpLocks/>
-                  <a:endCxn id="40" idx="3"/>
-                </p:cNvCxnSpPr>
+                <p:cNvPicPr>
+                  <a:picLocks noChangeAspect="1" noChangeArrowheads="1"/>
+                </p:cNvPicPr>
                 <p:nvPr/>
-              </p:nvCxnSpPr>
-              <p:spPr>
-                <a:xfrm flipH="1">
-                  <a:off x="14392859" y="6432890"/>
-                  <a:ext cx="945469" cy="0"/>
+              </p:nvPicPr>
+              <p:blipFill rotWithShape="1">
+                <a:blip r:embed="rId4" cstate="email">
+                  <a:extLst>
+                    <a:ext uri="{BEBA8EAE-BF5A-486C-A8C5-ECC9F3942E4B}">
+                      <a14:imgProps xmlns:a14="http://schemas.microsoft.com/office/drawing/2010/main">
+                        <a14:imgLayer r:embed="rId5">
+                          <a14:imgEffect>
+                            <a14:backgroundRemoval t="15033" b="83333" l="16372" r="82301">
+                              <a14:foregroundMark x1="38496" y1="15359" x2="38496" y2="15359"/>
+                              <a14:foregroundMark x1="37168" y1="24837" x2="37168" y2="24837"/>
+                              <a14:foregroundMark x1="62389" y1="22876" x2="62389" y2="22876"/>
+                              <a14:foregroundMark x1="71239" y1="22876" x2="71239" y2="22876"/>
+                              <a14:foregroundMark x1="82743" y1="26471" x2="82743" y2="26471"/>
+                              <a14:foregroundMark x1="67257" y1="83333" x2="67257" y2="83333"/>
+                            </a14:backgroundRemoval>
+                          </a14:imgEffect>
+                        </a14:imgLayer>
+                      </a14:imgProps>
+                    </a:ext>
+                    <a:ext uri="{28A0092B-C50C-407E-A947-70E740481C1C}">
+                      <a14:useLocalDpi xmlns:a14="http://schemas.microsoft.com/office/drawing/2010/main" val="0"/>
+                    </a:ext>
+                  </a:extLst>
+                </a:blip>
+                <a:srcRect l="9038" t="11779" r="11571" b="13350"/>
+                <a:stretch/>
+              </p:blipFill>
+              <p:spPr bwMode="auto">
+                <a:xfrm>
+                  <a:off x="15167695" y="5465869"/>
+                  <a:ext cx="1708202" cy="2182760"/>
                 </a:xfrm>
-                <a:prstGeom prst="straightConnector1">
+                <a:prstGeom prst="rect">
                   <a:avLst/>
                 </a:prstGeom>
-                <a:ln w="57150" cap="rnd">
-                  <a:solidFill>
-                    <a:srgbClr val="2287D6"/>
-                  </a:solidFill>
-                  <a:tailEnd type="triangle"/>
-                </a:ln>
+                <a:extLst>
+                  <a:ext uri="{909E8E84-426E-40DD-AFC4-6F175D3DCCD1}">
+                    <a14:hiddenFill xmlns:a14="http://schemas.microsoft.com/office/drawing/2010/main">
+                      <a:solidFill>
+                        <a:srgbClr val="FFFFFF"/>
+                      </a:solidFill>
+                    </a14:hiddenFill>
+                  </a:ext>
+                </a:extLst>
               </p:spPr>
-              <p:style>
-                <a:lnRef idx="1">
-                  <a:schemeClr val="accent1"/>
-                </a:lnRef>
-                <a:fillRef idx="0">
-                  <a:schemeClr val="accent1"/>
-                </a:fillRef>
-                <a:effectRef idx="0">
-                  <a:schemeClr val="accent1"/>
-                </a:effectRef>
-                <a:fontRef idx="minor">
-                  <a:schemeClr val="tx1"/>
-                </a:fontRef>
-              </p:style>
-            </p:cxnSp>
-            <p:cxnSp>
-              <p:nvCxnSpPr>
-                <p:cNvPr id="111" name="Straight Arrow Connector 110">
-                  <a:extLst>
-                    <a:ext uri="{FF2B5EF4-FFF2-40B4-BE49-F238E27FC236}">
-                      <a16:creationId xmlns:a16="http://schemas.microsoft.com/office/drawing/2014/main" id="{C8D5BF34-12D6-4FC1-8AF6-ABF9ECAE29ED}"/>
-                    </a:ext>
-                  </a:extLst>
-                </p:cNvPr>
-                <p:cNvCxnSpPr>
-                  <a:stCxn id="9222" idx="1"/>
-                  <a:endCxn id="39" idx="3"/>
-                </p:cNvCxnSpPr>
-                <p:nvPr/>
-              </p:nvCxnSpPr>
-              <p:spPr>
-                <a:xfrm flipH="1">
-                  <a:off x="14490459" y="3703142"/>
-                  <a:ext cx="785463" cy="0"/>
-                </a:xfrm>
-                <a:prstGeom prst="straightConnector1">
-                  <a:avLst/>
-                </a:prstGeom>
-                <a:ln w="57150" cap="rnd">
-                  <a:solidFill>
-                    <a:srgbClr val="2287D6"/>
-                  </a:solidFill>
-                  <a:tailEnd type="triangle"/>
-                </a:ln>
-              </p:spPr>
-              <p:style>
-                <a:lnRef idx="1">
-                  <a:schemeClr val="accent1"/>
-                </a:lnRef>
-                <a:fillRef idx="0">
-                  <a:schemeClr val="accent1"/>
-                </a:fillRef>
-                <a:effectRef idx="0">
-                  <a:schemeClr val="accent1"/>
-                </a:effectRef>
-                <a:fontRef idx="minor">
-                  <a:schemeClr val="tx1"/>
-                </a:fontRef>
-              </p:style>
-            </p:cxnSp>
+            </p:pic>
           </p:grpSp>
         </p:grpSp>
-        <p:pic>
-          <p:nvPicPr>
-            <p:cNvPr id="126" name="Picture 6" descr="Káº¿t quáº£ hÃ¬nh áº£nh cho icon mÃ¡y giáº·t">
-              <a:extLst>
-                <a:ext uri="{FF2B5EF4-FFF2-40B4-BE49-F238E27FC236}">
-                  <a16:creationId xmlns:a16="http://schemas.microsoft.com/office/drawing/2014/main" id="{C77FF3BE-AF67-48AB-9161-0289B46FBBA1}"/>
-                </a:ext>
-              </a:extLst>
-            </p:cNvPr>
-            <p:cNvPicPr>
-              <a:picLocks noChangeAspect="1" noChangeArrowheads="1"/>
-            </p:cNvPicPr>
-            <p:nvPr/>
-          </p:nvPicPr>
-          <p:blipFill rotWithShape="1">
-            <a:blip r:embed="rId3" cstate="email">
-              <a:extLst>
-                <a:ext uri="{BEBA8EAE-BF5A-486C-A8C5-ECC9F3942E4B}">
-                  <a14:imgProps xmlns:a14="http://schemas.microsoft.com/office/drawing/2010/main">
-                    <a14:imgLayer r:embed="rId4">
-                      <a14:imgEffect>
-                        <a14:backgroundRemoval t="15033" b="83333" l="16372" r="82301">
-                          <a14:foregroundMark x1="38496" y1="15359" x2="38496" y2="15359"/>
-                          <a14:foregroundMark x1="37168" y1="24837" x2="37168" y2="24837"/>
-                          <a14:foregroundMark x1="62389" y1="22876" x2="62389" y2="22876"/>
-                          <a14:foregroundMark x1="71239" y1="22876" x2="71239" y2="22876"/>
-                          <a14:foregroundMark x1="82743" y1="26471" x2="82743" y2="26471"/>
-                          <a14:foregroundMark x1="67257" y1="83333" x2="67257" y2="83333"/>
-                        </a14:backgroundRemoval>
-                      </a14:imgEffect>
-                    </a14:imgLayer>
-                  </a14:imgProps>
-                </a:ext>
-                <a:ext uri="{28A0092B-C50C-407E-A947-70E740481C1C}">
-                  <a14:useLocalDpi xmlns:a14="http://schemas.microsoft.com/office/drawing/2010/main" val="0"/>
-                </a:ext>
-              </a:extLst>
-            </a:blip>
-            <a:srcRect l="9038" t="11779" r="11571" b="13350"/>
-            <a:stretch/>
-          </p:blipFill>
-          <p:spPr bwMode="auto">
-            <a:xfrm>
-              <a:off x="15167695" y="5465869"/>
-              <a:ext cx="1708202" cy="2182760"/>
-            </a:xfrm>
-            <a:prstGeom prst="rect">
-              <a:avLst/>
-            </a:prstGeom>
-            <a:extLst>
-              <a:ext uri="{909E8E84-426E-40DD-AFC4-6F175D3DCCD1}">
-                <a14:hiddenFill xmlns:a14="http://schemas.microsoft.com/office/drawing/2010/main">
-                  <a:solidFill>
-                    <a:srgbClr val="FFFFFF"/>
-                  </a:solidFill>
-                </a14:hiddenFill>
-              </a:ext>
-            </a:extLst>
-          </p:spPr>
-        </p:pic>
       </p:grpSp>
     </p:spTree>
     <p:extLst>
@@ -40603,7 +41391,7 @@
 </p:sld>
 </file>
 
-<file path=ppt/slides/slide23.xml><?xml version="1.0" encoding="utf-8"?>
+<file path=ppt/slides/slide24.xml><?xml version="1.0" encoding="utf-8"?>
 <p:sld xmlns:a="http://schemas.openxmlformats.org/drawingml/2006/main" xmlns:r="http://schemas.openxmlformats.org/officeDocument/2006/relationships" xmlns:p="http://schemas.openxmlformats.org/presentationml/2006/main">
   <p:cSld>
     <p:spTree>
@@ -40829,13 +41617,7 @@
             </a:extLst>
           </p:cNvPr>
           <p:cNvGraphicFramePr/>
-          <p:nvPr>
-            <p:extLst>
-              <p:ext uri="{D42A27DB-BD31-4B8C-83A1-F6EECF244321}">
-                <p14:modId xmlns:p14="http://schemas.microsoft.com/office/powerpoint/2010/main" val="1645223470"/>
-              </p:ext>
-            </p:extLst>
-          </p:nvPr>
+          <p:nvPr/>
         </p:nvGraphicFramePr>
         <p:xfrm>
           <a:off x="1720645" y="3603522"/>
@@ -40963,7 +41745,7 @@
     </p:spTree>
     <p:extLst>
       <p:ext uri="{BB962C8B-B14F-4D97-AF65-F5344CB8AC3E}">
-        <p14:creationId xmlns:p14="http://schemas.microsoft.com/office/powerpoint/2010/main" val="2106835403"/>
+        <p14:creationId xmlns:p14="http://schemas.microsoft.com/office/powerpoint/2010/main" val="1042241159"/>
       </p:ext>
     </p:extLst>
   </p:cSld>
@@ -40976,7 +41758,7 @@
 </p:sld>
 </file>
 
-<file path=ppt/slides/slide24.xml><?xml version="1.0" encoding="utf-8"?>
+<file path=ppt/slides/slide25.xml><?xml version="1.0" encoding="utf-8"?>
 <p:sld xmlns:a="http://schemas.openxmlformats.org/drawingml/2006/main" xmlns:r="http://schemas.openxmlformats.org/officeDocument/2006/relationships" xmlns:p="http://schemas.openxmlformats.org/presentationml/2006/main">
   <p:cSld>
     <p:spTree>
@@ -41349,7 +42131,7 @@
 </p:sld>
 </file>
 
-<file path=ppt/slides/slide25.xml><?xml version="1.0" encoding="utf-8"?>
+<file path=ppt/slides/slide26.xml><?xml version="1.0" encoding="utf-8"?>
 <p:sld xmlns:a="http://schemas.openxmlformats.org/drawingml/2006/main" xmlns:r="http://schemas.openxmlformats.org/officeDocument/2006/relationships" xmlns:p="http://schemas.openxmlformats.org/presentationml/2006/main">
   <p:cSld>
     <p:spTree>
@@ -41722,7 +42504,7 @@
 </p:sld>
 </file>
 
-<file path=ppt/slides/slide26.xml><?xml version="1.0" encoding="utf-8"?>
+<file path=ppt/slides/slide27.xml><?xml version="1.0" encoding="utf-8"?>
 <p:sld xmlns:a="http://schemas.openxmlformats.org/drawingml/2006/main" xmlns:r="http://schemas.openxmlformats.org/officeDocument/2006/relationships" xmlns:p="http://schemas.openxmlformats.org/presentationml/2006/main">
   <p:cSld>
     <p:spTree>
@@ -42095,7 +42877,7 @@
 </p:sld>
 </file>
 
-<file path=ppt/slides/slide27.xml><?xml version="1.0" encoding="utf-8"?>
+<file path=ppt/slides/slide28.xml><?xml version="1.0" encoding="utf-8"?>
 <p:sld xmlns:a="http://schemas.openxmlformats.org/drawingml/2006/main" xmlns:r="http://schemas.openxmlformats.org/officeDocument/2006/relationships" xmlns:p="http://schemas.openxmlformats.org/presentationml/2006/main">
   <p:cSld>
     <p:spTree>
@@ -42529,7 +43311,7 @@
 </p:sld>
 </file>
 
-<file path=ppt/slides/slide28.xml><?xml version="1.0" encoding="utf-8"?>
+<file path=ppt/slides/slide29.xml><?xml version="1.0" encoding="utf-8"?>
 <p:sld xmlns:a="http://schemas.openxmlformats.org/drawingml/2006/main" xmlns:r="http://schemas.openxmlformats.org/officeDocument/2006/relationships" xmlns:p="http://schemas.openxmlformats.org/presentationml/2006/main">
   <p:cSld>
     <p:spTree>
@@ -42668,7 +43450,146 @@
 </p:sld>
 </file>
 
-<file path=ppt/slides/slide29.xml><?xml version="1.0" encoding="utf-8"?>
+<file path=ppt/slides/slide3.xml><?xml version="1.0" encoding="utf-8"?>
+<p:sld xmlns:a="http://schemas.openxmlformats.org/drawingml/2006/main" xmlns:r="http://schemas.openxmlformats.org/officeDocument/2006/relationships" xmlns:p="http://schemas.openxmlformats.org/presentationml/2006/main">
+  <p:cSld>
+    <p:spTree>
+      <p:nvGrpSpPr>
+        <p:cNvPr id="1" name=""/>
+        <p:cNvGrpSpPr/>
+        <p:nvPr/>
+      </p:nvGrpSpPr>
+      <p:grpSpPr>
+        <a:xfrm>
+          <a:off x="0" y="0"/>
+          <a:ext cx="0" cy="0"/>
+          <a:chOff x="0" y="0"/>
+          <a:chExt cx="0" cy="0"/>
+        </a:xfrm>
+      </p:grpSpPr>
+      <p:sp>
+        <p:nvSpPr>
+          <p:cNvPr id="4" name="Date Placeholder 3">
+            <a:extLst>
+              <a:ext uri="{FF2B5EF4-FFF2-40B4-BE49-F238E27FC236}">
+                <a16:creationId xmlns:a16="http://schemas.microsoft.com/office/drawing/2014/main" id="{70F460BB-0D36-447E-8FB0-848F364C65BD}"/>
+              </a:ext>
+            </a:extLst>
+          </p:cNvPr>
+          <p:cNvSpPr>
+            <a:spLocks noGrp="1"/>
+          </p:cNvSpPr>
+          <p:nvPr>
+            <p:ph type="dt" sz="half" idx="10"/>
+          </p:nvPr>
+        </p:nvSpPr>
+        <p:spPr/>
+        <p:txBody>
+          <a:bodyPr/>
+          <a:lstStyle/>
+          <a:p>
+            <a:fld id="{D8CCFC1B-347F-495E-B4F1-F7E9A2F62C3E}" type="datetime1">
+              <a:rPr lang="en-US" smtClean="0"/>
+              <a:t>12/5/2018</a:t>
+            </a:fld>
+            <a:endParaRPr lang="en-US"/>
+          </a:p>
+        </p:txBody>
+      </p:sp>
+      <p:sp>
+        <p:nvSpPr>
+          <p:cNvPr id="5" name="Footer Placeholder 4">
+            <a:extLst>
+              <a:ext uri="{FF2B5EF4-FFF2-40B4-BE49-F238E27FC236}">
+                <a16:creationId xmlns:a16="http://schemas.microsoft.com/office/drawing/2014/main" id="{F57E6744-A5B3-49E5-B75E-99BEB74567BA}"/>
+              </a:ext>
+            </a:extLst>
+          </p:cNvPr>
+          <p:cNvSpPr>
+            <a:spLocks noGrp="1"/>
+          </p:cNvSpPr>
+          <p:nvPr>
+            <p:ph type="ftr" sz="quarter" idx="11"/>
+          </p:nvPr>
+        </p:nvSpPr>
+        <p:spPr/>
+        <p:txBody>
+          <a:bodyPr/>
+          <a:lstStyle/>
+          <a:p>
+            <a:pPr algn="ctr"/>
+            <a:r>
+              <a:rPr lang="en-US"/>
+              <a:t>Hệ thống quản lí chuỗi cửa hàng giặt ủi</a:t>
+            </a:r>
+          </a:p>
+        </p:txBody>
+      </p:sp>
+      <p:sp>
+        <p:nvSpPr>
+          <p:cNvPr id="6" name="TextBox 5">
+            <a:extLst>
+              <a:ext uri="{FF2B5EF4-FFF2-40B4-BE49-F238E27FC236}">
+                <a16:creationId xmlns:a16="http://schemas.microsoft.com/office/drawing/2014/main" id="{228CC9BB-EB1A-450C-A75F-B65F45F13188}"/>
+              </a:ext>
+            </a:extLst>
+          </p:cNvPr>
+          <p:cNvSpPr txBox="1"/>
+          <p:nvPr/>
+        </p:nvSpPr>
+        <p:spPr>
+          <a:xfrm>
+            <a:off x="4044868" y="5938515"/>
+            <a:ext cx="10198263" cy="1838969"/>
+          </a:xfrm>
+          <a:prstGeom prst="rect">
+            <a:avLst/>
+          </a:prstGeom>
+          <a:noFill/>
+        </p:spPr>
+        <p:txBody>
+          <a:bodyPr wrap="square" lIns="68584" tIns="34292" rIns="68584" bIns="34292" rtlCol="0">
+            <a:spAutoFit/>
+          </a:bodyPr>
+          <a:lstStyle/>
+          <a:p>
+            <a:pPr algn="ctr"/>
+            <a:r>
+              <a:rPr lang="en-US" sz="11500" b="1">
+                <a:solidFill>
+                  <a:srgbClr val="445469"/>
+                </a:solidFill>
+                <a:latin typeface="Lato Heavy" charset="0"/>
+                <a:ea typeface="Lato Heavy" charset="0"/>
+                <a:cs typeface="Lato Heavy" charset="0"/>
+              </a:rPr>
+              <a:t>Giới thiệu</a:t>
+            </a:r>
+            <a:endParaRPr lang="id-ID" sz="8800" b="1">
+              <a:solidFill>
+                <a:srgbClr val="445469"/>
+              </a:solidFill>
+              <a:latin typeface="Lato Heavy" charset="0"/>
+              <a:ea typeface="Lato Heavy" charset="0"/>
+              <a:cs typeface="Lato Heavy" charset="0"/>
+            </a:endParaRPr>
+          </a:p>
+        </p:txBody>
+      </p:sp>
+    </p:spTree>
+    <p:extLst>
+      <p:ext uri="{BB962C8B-B14F-4D97-AF65-F5344CB8AC3E}">
+        <p14:creationId xmlns:p14="http://schemas.microsoft.com/office/powerpoint/2010/main" val="1217163801"/>
+      </p:ext>
+    </p:extLst>
+  </p:cSld>
+  <p:clrMapOvr>
+    <a:masterClrMapping/>
+  </p:clrMapOvr>
+</p:sld>
+</file>
+
+<file path=ppt/slides/slide30.xml><?xml version="1.0" encoding="utf-8"?>
 <p:sld xmlns:a="http://schemas.openxmlformats.org/drawingml/2006/main" xmlns:r="http://schemas.openxmlformats.org/officeDocument/2006/relationships" xmlns:p="http://schemas.openxmlformats.org/presentationml/2006/main">
   <p:cSld>
     <p:spTree>
@@ -42995,146 +43916,7 @@
 </p:sld>
 </file>
 
-<file path=ppt/slides/slide3.xml><?xml version="1.0" encoding="utf-8"?>
-<p:sld xmlns:a="http://schemas.openxmlformats.org/drawingml/2006/main" xmlns:r="http://schemas.openxmlformats.org/officeDocument/2006/relationships" xmlns:p="http://schemas.openxmlformats.org/presentationml/2006/main">
-  <p:cSld>
-    <p:spTree>
-      <p:nvGrpSpPr>
-        <p:cNvPr id="1" name=""/>
-        <p:cNvGrpSpPr/>
-        <p:nvPr/>
-      </p:nvGrpSpPr>
-      <p:grpSpPr>
-        <a:xfrm>
-          <a:off x="0" y="0"/>
-          <a:ext cx="0" cy="0"/>
-          <a:chOff x="0" y="0"/>
-          <a:chExt cx="0" cy="0"/>
-        </a:xfrm>
-      </p:grpSpPr>
-      <p:sp>
-        <p:nvSpPr>
-          <p:cNvPr id="4" name="Date Placeholder 3">
-            <a:extLst>
-              <a:ext uri="{FF2B5EF4-FFF2-40B4-BE49-F238E27FC236}">
-                <a16:creationId xmlns:a16="http://schemas.microsoft.com/office/drawing/2014/main" id="{70F460BB-0D36-447E-8FB0-848F364C65BD}"/>
-              </a:ext>
-            </a:extLst>
-          </p:cNvPr>
-          <p:cNvSpPr>
-            <a:spLocks noGrp="1"/>
-          </p:cNvSpPr>
-          <p:nvPr>
-            <p:ph type="dt" sz="half" idx="10"/>
-          </p:nvPr>
-        </p:nvSpPr>
-        <p:spPr/>
-        <p:txBody>
-          <a:bodyPr/>
-          <a:lstStyle/>
-          <a:p>
-            <a:fld id="{D8CCFC1B-347F-495E-B4F1-F7E9A2F62C3E}" type="datetime1">
-              <a:rPr lang="en-US" smtClean="0"/>
-              <a:t>12/5/2018</a:t>
-            </a:fld>
-            <a:endParaRPr lang="en-US"/>
-          </a:p>
-        </p:txBody>
-      </p:sp>
-      <p:sp>
-        <p:nvSpPr>
-          <p:cNvPr id="5" name="Footer Placeholder 4">
-            <a:extLst>
-              <a:ext uri="{FF2B5EF4-FFF2-40B4-BE49-F238E27FC236}">
-                <a16:creationId xmlns:a16="http://schemas.microsoft.com/office/drawing/2014/main" id="{F57E6744-A5B3-49E5-B75E-99BEB74567BA}"/>
-              </a:ext>
-            </a:extLst>
-          </p:cNvPr>
-          <p:cNvSpPr>
-            <a:spLocks noGrp="1"/>
-          </p:cNvSpPr>
-          <p:nvPr>
-            <p:ph type="ftr" sz="quarter" idx="11"/>
-          </p:nvPr>
-        </p:nvSpPr>
-        <p:spPr/>
-        <p:txBody>
-          <a:bodyPr/>
-          <a:lstStyle/>
-          <a:p>
-            <a:pPr algn="ctr"/>
-            <a:r>
-              <a:rPr lang="en-US"/>
-              <a:t>Hệ thống quản lí chuỗi cửa hàng giặt ủi</a:t>
-            </a:r>
-          </a:p>
-        </p:txBody>
-      </p:sp>
-      <p:sp>
-        <p:nvSpPr>
-          <p:cNvPr id="6" name="TextBox 5">
-            <a:extLst>
-              <a:ext uri="{FF2B5EF4-FFF2-40B4-BE49-F238E27FC236}">
-                <a16:creationId xmlns:a16="http://schemas.microsoft.com/office/drawing/2014/main" id="{228CC9BB-EB1A-450C-A75F-B65F45F13188}"/>
-              </a:ext>
-            </a:extLst>
-          </p:cNvPr>
-          <p:cNvSpPr txBox="1"/>
-          <p:nvPr/>
-        </p:nvSpPr>
-        <p:spPr>
-          <a:xfrm>
-            <a:off x="4044868" y="5938515"/>
-            <a:ext cx="10198263" cy="1838969"/>
-          </a:xfrm>
-          <a:prstGeom prst="rect">
-            <a:avLst/>
-          </a:prstGeom>
-          <a:noFill/>
-        </p:spPr>
-        <p:txBody>
-          <a:bodyPr wrap="square" lIns="68584" tIns="34292" rIns="68584" bIns="34292" rtlCol="0">
-            <a:spAutoFit/>
-          </a:bodyPr>
-          <a:lstStyle/>
-          <a:p>
-            <a:pPr algn="ctr"/>
-            <a:r>
-              <a:rPr lang="en-US" sz="11500" b="1">
-                <a:solidFill>
-                  <a:srgbClr val="445469"/>
-                </a:solidFill>
-                <a:latin typeface="Lato Heavy" charset="0"/>
-                <a:ea typeface="Lato Heavy" charset="0"/>
-                <a:cs typeface="Lato Heavy" charset="0"/>
-              </a:rPr>
-              <a:t>Giới thiệu</a:t>
-            </a:r>
-            <a:endParaRPr lang="id-ID" sz="8800" b="1">
-              <a:solidFill>
-                <a:srgbClr val="445469"/>
-              </a:solidFill>
-              <a:latin typeface="Lato Heavy" charset="0"/>
-              <a:ea typeface="Lato Heavy" charset="0"/>
-              <a:cs typeface="Lato Heavy" charset="0"/>
-            </a:endParaRPr>
-          </a:p>
-        </p:txBody>
-      </p:sp>
-    </p:spTree>
-    <p:extLst>
-      <p:ext uri="{BB962C8B-B14F-4D97-AF65-F5344CB8AC3E}">
-        <p14:creationId xmlns:p14="http://schemas.microsoft.com/office/powerpoint/2010/main" val="1217163801"/>
-      </p:ext>
-    </p:extLst>
-  </p:cSld>
-  <p:clrMapOvr>
-    <a:masterClrMapping/>
-  </p:clrMapOvr>
-</p:sld>
-</file>
-
-<file path=ppt/slides/slide30.xml><?xml version="1.0" encoding="utf-8"?>
+<file path=ppt/slides/slide31.xml><?xml version="1.0" encoding="utf-8"?>
 <p:sld xmlns:a="http://schemas.openxmlformats.org/drawingml/2006/main" xmlns:r="http://schemas.openxmlformats.org/officeDocument/2006/relationships" xmlns:p="http://schemas.openxmlformats.org/presentationml/2006/main">
   <p:cSld>
     <p:spTree>
@@ -44461,7 +45243,7 @@
 </p:sld>
 </file>
 
-<file path=ppt/slides/slide31.xml><?xml version="1.0" encoding="utf-8"?>
+<file path=ppt/slides/slide32.xml><?xml version="1.0" encoding="utf-8"?>
 <p:sld xmlns:a="http://schemas.openxmlformats.org/drawingml/2006/main" xmlns:r="http://schemas.openxmlformats.org/officeDocument/2006/relationships" xmlns:p="http://schemas.openxmlformats.org/presentationml/2006/main">
   <p:cSld>
     <p:spTree>
@@ -45009,7 +45791,7 @@
 </p:sld>
 </file>
 
-<file path=ppt/slides/slide32.xml><?xml version="1.0" encoding="utf-8"?>
+<file path=ppt/slides/slide33.xml><?xml version="1.0" encoding="utf-8"?>
 <p:sld xmlns:a="http://schemas.openxmlformats.org/drawingml/2006/main" xmlns:r="http://schemas.openxmlformats.org/officeDocument/2006/relationships" xmlns:p="http://schemas.openxmlformats.org/presentationml/2006/main">
   <p:cSld>
     <p:spTree>
@@ -45796,7 +46578,7 @@
 </p:sld>
 </file>
 
-<file path=ppt/slides/slide33.xml><?xml version="1.0" encoding="utf-8"?>
+<file path=ppt/slides/slide34.xml><?xml version="1.0" encoding="utf-8"?>
 <p:sld xmlns:a="http://schemas.openxmlformats.org/drawingml/2006/main" xmlns:r="http://schemas.openxmlformats.org/officeDocument/2006/relationships" xmlns:p="http://schemas.openxmlformats.org/presentationml/2006/main">
   <p:cSld>
     <p:spTree>
@@ -46087,7 +46869,7 @@
 </p:sld>
 </file>
 
-<file path=ppt/slides/slide34.xml><?xml version="1.0" encoding="utf-8"?>
+<file path=ppt/slides/slide35.xml><?xml version="1.0" encoding="utf-8"?>
 <p:sld xmlns:a="http://schemas.openxmlformats.org/drawingml/2006/main" xmlns:r="http://schemas.openxmlformats.org/officeDocument/2006/relationships" xmlns:p="http://schemas.openxmlformats.org/presentationml/2006/main">
   <p:cSld>
     <p:spTree>
@@ -46390,7 +47172,7 @@
 </p:sld>
 </file>
 
-<file path=ppt/slides/slide35.xml><?xml version="1.0" encoding="utf-8"?>
+<file path=ppt/slides/slide36.xml><?xml version="1.0" encoding="utf-8"?>
 <p:sld xmlns:a="http://schemas.openxmlformats.org/drawingml/2006/main" xmlns:r="http://schemas.openxmlformats.org/officeDocument/2006/relationships" xmlns:p="http://schemas.openxmlformats.org/presentationml/2006/main">
   <p:cSld>
     <p:spTree>
@@ -46529,7 +47311,7 @@
 </p:sld>
 </file>
 
-<file path=ppt/slides/slide36.xml><?xml version="1.0" encoding="utf-8"?>
+<file path=ppt/slides/slide37.xml><?xml version="1.0" encoding="utf-8"?>
 <p:sld xmlns:a="http://schemas.openxmlformats.org/drawingml/2006/main" xmlns:r="http://schemas.openxmlformats.org/officeDocument/2006/relationships" xmlns:p="http://schemas.openxmlformats.org/presentationml/2006/main">
   <p:cSld>
     <p:spTree>
@@ -46871,7 +47653,7 @@
 </p:sld>
 </file>
 
-<file path=ppt/slides/slide37.xml><?xml version="1.0" encoding="utf-8"?>
+<file path=ppt/slides/slide38.xml><?xml version="1.0" encoding="utf-8"?>
 <p:sld xmlns:a="http://schemas.openxmlformats.org/drawingml/2006/main" xmlns:r="http://schemas.openxmlformats.org/officeDocument/2006/relationships" xmlns:p="http://schemas.openxmlformats.org/presentationml/2006/main">
   <p:cSld>
     <p:spTree>
